--- a/Lecture06_IV/Lecture6_IVEstimation_2022F.pptx
+++ b/Lecture06_IV/Lecture6_IVEstimation_2022F.pptx
@@ -5,7 +5,7 @@
     <p:sldMasterId id="2147483738" r:id="rId1"/>
   </p:sldMasterIdLst>
   <p:notesMasterIdLst>
-    <p:notesMasterId r:id="rId61"/>
+    <p:notesMasterId r:id="rId66"/>
   </p:notesMasterIdLst>
   <p:sldIdLst>
     <p:sldId id="256" r:id="rId2"/>
@@ -27,46 +27,51 @@
     <p:sldId id="419" r:id="rId18"/>
     <p:sldId id="478" r:id="rId19"/>
     <p:sldId id="517" r:id="rId20"/>
-    <p:sldId id="318" r:id="rId21"/>
-    <p:sldId id="319" r:id="rId22"/>
-    <p:sldId id="479" r:id="rId23"/>
-    <p:sldId id="480" r:id="rId24"/>
-    <p:sldId id="520" r:id="rId25"/>
-    <p:sldId id="481" r:id="rId26"/>
-    <p:sldId id="482" r:id="rId27"/>
-    <p:sldId id="521" r:id="rId28"/>
-    <p:sldId id="522" r:id="rId29"/>
-    <p:sldId id="524" r:id="rId30"/>
-    <p:sldId id="490" r:id="rId31"/>
-    <p:sldId id="491" r:id="rId32"/>
-    <p:sldId id="492" r:id="rId33"/>
-    <p:sldId id="493" r:id="rId34"/>
-    <p:sldId id="494" r:id="rId35"/>
-    <p:sldId id="495" r:id="rId36"/>
-    <p:sldId id="505" r:id="rId37"/>
-    <p:sldId id="484" r:id="rId38"/>
-    <p:sldId id="518" r:id="rId39"/>
-    <p:sldId id="486" r:id="rId40"/>
-    <p:sldId id="487" r:id="rId41"/>
-    <p:sldId id="496" r:id="rId42"/>
-    <p:sldId id="485" r:id="rId43"/>
-    <p:sldId id="519" r:id="rId44"/>
-    <p:sldId id="497" r:id="rId45"/>
-    <p:sldId id="503" r:id="rId46"/>
-    <p:sldId id="504" r:id="rId47"/>
-    <p:sldId id="483" r:id="rId48"/>
-    <p:sldId id="506" r:id="rId49"/>
-    <p:sldId id="500" r:id="rId50"/>
-    <p:sldId id="525" r:id="rId51"/>
-    <p:sldId id="501" r:id="rId52"/>
-    <p:sldId id="502" r:id="rId53"/>
-    <p:sldId id="498" r:id="rId54"/>
-    <p:sldId id="513" r:id="rId55"/>
-    <p:sldId id="489" r:id="rId56"/>
-    <p:sldId id="507" r:id="rId57"/>
-    <p:sldId id="510" r:id="rId58"/>
-    <p:sldId id="511" r:id="rId59"/>
-    <p:sldId id="512" r:id="rId60"/>
+    <p:sldId id="526" r:id="rId21"/>
+    <p:sldId id="527" r:id="rId22"/>
+    <p:sldId id="528" r:id="rId23"/>
+    <p:sldId id="318" r:id="rId24"/>
+    <p:sldId id="319" r:id="rId25"/>
+    <p:sldId id="479" r:id="rId26"/>
+    <p:sldId id="480" r:id="rId27"/>
+    <p:sldId id="520" r:id="rId28"/>
+    <p:sldId id="481" r:id="rId29"/>
+    <p:sldId id="482" r:id="rId30"/>
+    <p:sldId id="521" r:id="rId31"/>
+    <p:sldId id="522" r:id="rId32"/>
+    <p:sldId id="524" r:id="rId33"/>
+    <p:sldId id="490" r:id="rId34"/>
+    <p:sldId id="491" r:id="rId35"/>
+    <p:sldId id="492" r:id="rId36"/>
+    <p:sldId id="493" r:id="rId37"/>
+    <p:sldId id="494" r:id="rId38"/>
+    <p:sldId id="495" r:id="rId39"/>
+    <p:sldId id="505" r:id="rId40"/>
+    <p:sldId id="484" r:id="rId41"/>
+    <p:sldId id="518" r:id="rId42"/>
+    <p:sldId id="486" r:id="rId43"/>
+    <p:sldId id="487" r:id="rId44"/>
+    <p:sldId id="496" r:id="rId45"/>
+    <p:sldId id="485" r:id="rId46"/>
+    <p:sldId id="519" r:id="rId47"/>
+    <p:sldId id="497" r:id="rId48"/>
+    <p:sldId id="503" r:id="rId49"/>
+    <p:sldId id="504" r:id="rId50"/>
+    <p:sldId id="529" r:id="rId51"/>
+    <p:sldId id="530" r:id="rId52"/>
+    <p:sldId id="483" r:id="rId53"/>
+    <p:sldId id="531" r:id="rId54"/>
+    <p:sldId id="500" r:id="rId55"/>
+    <p:sldId id="525" r:id="rId56"/>
+    <p:sldId id="501" r:id="rId57"/>
+    <p:sldId id="502" r:id="rId58"/>
+    <p:sldId id="498" r:id="rId59"/>
+    <p:sldId id="513" r:id="rId60"/>
+    <p:sldId id="489" r:id="rId61"/>
+    <p:sldId id="507" r:id="rId62"/>
+    <p:sldId id="510" r:id="rId63"/>
+    <p:sldId id="511" r:id="rId64"/>
+    <p:sldId id="512" r:id="rId65"/>
   </p:sldIdLst>
   <p:sldSz cx="12192000" cy="6858000"/>
   <p:notesSz cx="7010400" cy="9296400"/>
@@ -275,7 +280,7 @@
           <a:p>
             <a:fld id="{EF911157-0FC2-4F06-8D61-FD647FE4E19D}" type="datetimeFigureOut">
               <a:rPr lang="en-US" smtClean="0"/>
-              <a:t>8/12/2022</a:t>
+              <a:t>9/6/2022</a:t>
             </a:fld>
             <a:endParaRPr lang="en-US"/>
           </a:p>
@@ -1209,9 +1214,20 @@
           <a:lstStyle/>
           <a:p>
             <a:r>
-              <a:rPr lang="en-US" dirty="0"/>
-              <a:t>Think first about just a random number generator. If that generator is used to assign treatment, then assumption 1 holds. If that random number isn’t used for anything else, then Z only affects Y through X (it doesn’t determine your pickiness or your age). </a:t>
-            </a:r>
+              <a:rPr lang="en-US" dirty="0">
+                <a:cs typeface="Calibri"/>
+              </a:rPr>
+              <a:t>Note: these come from really useful paper by Felton and Stewart. </a:t>
+            </a:r>
+          </a:p>
+          <a:p>
+            <a:r>
+              <a:rPr lang="en-US" dirty="0">
+                <a:cs typeface="Calibri"/>
+              </a:rPr>
+              <a:t>Example of relevance: effect of going back home after prison on recidivism – use Hurricane Katrina in LA (does that change your decision to go home or not?)</a:t>
+            </a:r>
+            <a:endParaRPr lang="en-US" dirty="0"/>
           </a:p>
         </p:txBody>
       </p:sp>
@@ -1241,7 +1257,7 @@
     </p:spTree>
     <p:extLst>
       <p:ext uri="{BB962C8B-B14F-4D97-AF65-F5344CB8AC3E}">
-        <p14:creationId xmlns:p14="http://schemas.microsoft.com/office/powerpoint/2010/main" val="2523725253"/>
+        <p14:creationId xmlns:p14="http://schemas.microsoft.com/office/powerpoint/2010/main" val="1407177986"/>
       </p:ext>
     </p:extLst>
   </p:cSld>
@@ -1299,35 +1315,21 @@
               <a:rPr lang="en-US" dirty="0">
                 <a:cs typeface="Calibri"/>
               </a:rPr>
-              <a:t>So we want a variable like a random number generator. this is kind of the </a:t>
-            </a:r>
-            <a:r>
-              <a:rPr lang="en-US" i="1" dirty="0">
+              <a:t>Example of exclusion: hurricane </a:t>
+            </a:r>
+            <a:r>
+              <a:rPr lang="en-US" dirty="0" err="1">
                 <a:cs typeface="Calibri"/>
               </a:rPr>
-              <a:t>opposite </a:t>
+              <a:t>katrina</a:t>
             </a:r>
             <a:r>
               <a:rPr lang="en-US" dirty="0">
                 <a:cs typeface="Calibri"/>
               </a:rPr>
-              <a:t>of controlling for a variable: when we control for W, we use W to explain X and Y and remove those parts (to close a back door). But here, we are going to use Z as an instrument and remove the </a:t>
-            </a:r>
-            <a:r>
-              <a:rPr lang="en-US" u="sng" dirty="0">
-                <a:cs typeface="Calibri"/>
-              </a:rPr>
-              <a:t>unexplained </a:t>
-            </a:r>
-            <a:r>
-              <a:rPr lang="en-US" dirty="0">
-                <a:cs typeface="Calibri"/>
-              </a:rPr>
-              <a:t>parts. </a:t>
-            </a:r>
-            <a:endParaRPr lang="en-US" u="sng" dirty="0">
-              <a:cs typeface="Calibri"/>
-            </a:endParaRPr>
+              <a:t> can’t have affected recidivism in any other way except through residence change (can you think of violations to this?)</a:t>
+            </a:r>
+            <a:endParaRPr lang="en-US" dirty="0"/>
           </a:p>
         </p:txBody>
       </p:sp>
@@ -1357,7 +1359,7 @@
     </p:spTree>
     <p:extLst>
       <p:ext uri="{BB962C8B-B14F-4D97-AF65-F5344CB8AC3E}">
-        <p14:creationId xmlns:p14="http://schemas.microsoft.com/office/powerpoint/2010/main" val="3999963633"/>
+        <p14:creationId xmlns:p14="http://schemas.microsoft.com/office/powerpoint/2010/main" val="4252706433"/>
       </p:ext>
     </p:extLst>
   </p:cSld>
@@ -1412,9 +1414,24 @@
           <a:lstStyle/>
           <a:p>
             <a:r>
-              <a:rPr lang="en-US" dirty="0"/>
-              <a:t>Why is each assumption satisfied? Do we think this works? Can you think of any threats?</a:t>
-            </a:r>
+              <a:rPr lang="en-US" dirty="0">
+                <a:cs typeface="Calibri"/>
+              </a:rPr>
+              <a:t>Also called </a:t>
+            </a:r>
+            <a:r>
+              <a:rPr lang="en-US" dirty="0" err="1">
+                <a:cs typeface="Calibri"/>
+              </a:rPr>
+              <a:t>unconfoundedness</a:t>
+            </a:r>
+            <a:r>
+              <a:rPr lang="en-US" dirty="0">
+                <a:cs typeface="Calibri"/>
+              </a:rPr>
+              <a:t>. Note – treatment is confounded (that’s why we need IV in the first place) but hopefully IV isn’t. So if residence and recidivism are correlated (why would they be? Past history? Networks?), then Hurricane Katrina shouldn’t care about any of that</a:t>
+            </a:r>
+            <a:endParaRPr lang="en-US" dirty="0"/>
           </a:p>
         </p:txBody>
       </p:sp>
@@ -1444,7 +1461,7 @@
     </p:spTree>
     <p:extLst>
       <p:ext uri="{BB962C8B-B14F-4D97-AF65-F5344CB8AC3E}">
-        <p14:creationId xmlns:p14="http://schemas.microsoft.com/office/powerpoint/2010/main" val="1639052696"/>
+        <p14:creationId xmlns:p14="http://schemas.microsoft.com/office/powerpoint/2010/main" val="383531196"/>
       </p:ext>
     </p:extLst>
   </p:cSld>
@@ -1500,7 +1517,7 @@
           <a:p>
             <a:r>
               <a:rPr lang="en-US" dirty="0"/>
-              <a:t>The basic DAG of an IV setup</a:t>
+              <a:t>Think first about just a random number generator. If that generator is used to assign treatment, then assumption 1 holds. If that random number isn’t used for anything else, then Z only affects Y through X (it doesn’t determine your pickiness or your age). </a:t>
             </a:r>
           </a:p>
         </p:txBody>
@@ -1531,7 +1548,7 @@
     </p:spTree>
     <p:extLst>
       <p:ext uri="{BB962C8B-B14F-4D97-AF65-F5344CB8AC3E}">
-        <p14:creationId xmlns:p14="http://schemas.microsoft.com/office/powerpoint/2010/main" val="2977718812"/>
+        <p14:creationId xmlns:p14="http://schemas.microsoft.com/office/powerpoint/2010/main" val="2523725253"/>
       </p:ext>
     </p:extLst>
   </p:cSld>
@@ -1672,7 +1689,39 @@
           <a:bodyPr/>
           <a:lstStyle/>
           <a:p>
-            <a:endParaRPr lang="en-US" dirty="0"/>
+            <a:r>
+              <a:rPr lang="en-US" dirty="0">
+                <a:cs typeface="Calibri"/>
+              </a:rPr>
+              <a:t>So we want a variable like a random number generator. this is kind of the </a:t>
+            </a:r>
+            <a:r>
+              <a:rPr lang="en-US" i="1" dirty="0">
+                <a:cs typeface="Calibri"/>
+              </a:rPr>
+              <a:t>opposite </a:t>
+            </a:r>
+            <a:r>
+              <a:rPr lang="en-US" dirty="0">
+                <a:cs typeface="Calibri"/>
+              </a:rPr>
+              <a:t>of controlling for a variable: when we control for W, we use W to explain X and Y and remove those parts (to close a back door). But here, we are going to use Z as an instrument and remove the </a:t>
+            </a:r>
+            <a:r>
+              <a:rPr lang="en-US" u="sng" dirty="0">
+                <a:cs typeface="Calibri"/>
+              </a:rPr>
+              <a:t>unexplained </a:t>
+            </a:r>
+            <a:r>
+              <a:rPr lang="en-US" dirty="0">
+                <a:cs typeface="Calibri"/>
+              </a:rPr>
+              <a:t>parts. </a:t>
+            </a:r>
+            <a:endParaRPr lang="en-US" u="sng" dirty="0">
+              <a:cs typeface="Calibri"/>
+            </a:endParaRPr>
           </a:p>
         </p:txBody>
       </p:sp>
@@ -1693,7 +1742,7 @@
           <a:p>
             <a:fld id="{4AF79E1B-2C51-4B9B-8EA4-26DE9E345AFF}" type="slidenum">
               <a:rPr lang="en-US" smtClean="0"/>
-              <a:t>25</a:t>
+              <a:t>24</a:t>
             </a:fld>
             <a:endParaRPr lang="en-US"/>
           </a:p>
@@ -1702,7 +1751,7 @@
     </p:spTree>
     <p:extLst>
       <p:ext uri="{BB962C8B-B14F-4D97-AF65-F5344CB8AC3E}">
-        <p14:creationId xmlns:p14="http://schemas.microsoft.com/office/powerpoint/2010/main" val="3212433125"/>
+        <p14:creationId xmlns:p14="http://schemas.microsoft.com/office/powerpoint/2010/main" val="3999963633"/>
       </p:ext>
     </p:extLst>
   </p:cSld>
@@ -1757,66 +1806,9 @@
           <a:lstStyle/>
           <a:p>
             <a:r>
-              <a:rPr lang="en-US" dirty="0">
-                <a:cs typeface="Calibri"/>
-              </a:rPr>
-              <a:t>Here, you can see why we need </a:t>
-            </a:r>
-            <a:r>
-              <a:rPr lang="en-US" b="1" dirty="0">
-                <a:cs typeface="Calibri"/>
-              </a:rPr>
-              <a:t>relevance </a:t>
-            </a:r>
-            <a:r>
-              <a:rPr lang="en-US" dirty="0">
-                <a:cs typeface="Calibri"/>
-              </a:rPr>
-              <a:t>condition; if </a:t>
-            </a:r>
-            <a:r>
-              <a:rPr lang="en-US" dirty="0" err="1">
-                <a:cs typeface="Calibri"/>
-              </a:rPr>
-              <a:t>Cov</a:t>
-            </a:r>
-            <a:r>
-              <a:rPr lang="en-US" dirty="0">
-                <a:cs typeface="Calibri"/>
-              </a:rPr>
-              <a:t>(</a:t>
-            </a:r>
-            <a:r>
-              <a:rPr lang="en-US" dirty="0" err="1">
-                <a:cs typeface="Calibri"/>
-              </a:rPr>
-              <a:t>z,x</a:t>
-            </a:r>
-            <a:r>
-              <a:rPr lang="en-US" dirty="0">
-                <a:cs typeface="Calibri"/>
-              </a:rPr>
-              <a:t>) = 0, then the 2sls doesn't return anything useful. </a:t>
-            </a:r>
-            <a:r>
-              <a:rPr lang="en-US" b="1" dirty="0">
-                <a:cs typeface="Calibri"/>
-              </a:rPr>
-              <a:t>Even if </a:t>
-            </a:r>
-            <a:r>
-              <a:rPr lang="en-US" b="1" dirty="0" err="1">
-                <a:cs typeface="Calibri"/>
-              </a:rPr>
-              <a:t>cov</a:t>
-            </a:r>
-            <a:r>
-              <a:rPr lang="en-US" b="1" dirty="0">
-                <a:cs typeface="Calibri"/>
-              </a:rPr>
-              <a:t> is small, we have problems (we'll return to this). </a:t>
-            </a:r>
-            <a:endParaRPr lang="en-US" b="1" dirty="0"/>
+              <a:rPr lang="en-US" dirty="0"/>
+              <a:t>Why is each assumption satisfied? Do we think this works? Can you think of any threats?</a:t>
+            </a:r>
           </a:p>
         </p:txBody>
       </p:sp>
@@ -1837,7 +1829,7 @@
           <a:p>
             <a:fld id="{4AF79E1B-2C51-4B9B-8EA4-26DE9E345AFF}" type="slidenum">
               <a:rPr lang="en-US" smtClean="0"/>
-              <a:t>26</a:t>
+              <a:t>25</a:t>
             </a:fld>
             <a:endParaRPr lang="en-US"/>
           </a:p>
@@ -1846,7 +1838,7 @@
     </p:spTree>
     <p:extLst>
       <p:ext uri="{BB962C8B-B14F-4D97-AF65-F5344CB8AC3E}">
-        <p14:creationId xmlns:p14="http://schemas.microsoft.com/office/powerpoint/2010/main" val="3650579743"/>
+        <p14:creationId xmlns:p14="http://schemas.microsoft.com/office/powerpoint/2010/main" val="1639052696"/>
       </p:ext>
     </p:extLst>
   </p:cSld>
@@ -1901,8 +1893,8 @@
           <a:lstStyle/>
           <a:p>
             <a:r>
-              <a:rPr lang="en-US" b="0" dirty="0"/>
-              <a:t>Why is this endogenous? (We don’t have ability)</a:t>
+              <a:rPr lang="en-US" dirty="0"/>
+              <a:t>The basic DAG of an IV setup</a:t>
             </a:r>
           </a:p>
         </p:txBody>
@@ -1924,7 +1916,7 @@
           <a:p>
             <a:fld id="{4AF79E1B-2C51-4B9B-8EA4-26DE9E345AFF}" type="slidenum">
               <a:rPr lang="en-US" smtClean="0"/>
-              <a:t>27</a:t>
+              <a:t>26</a:t>
             </a:fld>
             <a:endParaRPr lang="en-US"/>
           </a:p>
@@ -1933,7 +1925,7 @@
     </p:spTree>
     <p:extLst>
       <p:ext uri="{BB962C8B-B14F-4D97-AF65-F5344CB8AC3E}">
-        <p14:creationId xmlns:p14="http://schemas.microsoft.com/office/powerpoint/2010/main" val="1480128926"/>
+        <p14:creationId xmlns:p14="http://schemas.microsoft.com/office/powerpoint/2010/main" val="2977718812"/>
       </p:ext>
     </p:extLst>
   </p:cSld>
@@ -1987,10 +1979,7 @@
           <a:bodyPr/>
           <a:lstStyle/>
           <a:p>
-            <a:r>
-              <a:rPr lang="en-US" b="0" dirty="0"/>
-              <a:t>Yes, this is enough! We just can’t do this in the real world</a:t>
-            </a:r>
+            <a:endParaRPr lang="en-US" dirty="0"/>
           </a:p>
         </p:txBody>
       </p:sp>
@@ -2020,7 +2009,7 @@
     </p:spTree>
     <p:extLst>
       <p:ext uri="{BB962C8B-B14F-4D97-AF65-F5344CB8AC3E}">
-        <p14:creationId xmlns:p14="http://schemas.microsoft.com/office/powerpoint/2010/main" val="1269223052"/>
+        <p14:creationId xmlns:p14="http://schemas.microsoft.com/office/powerpoint/2010/main" val="3212433125"/>
       </p:ext>
     </p:extLst>
   </p:cSld>
@@ -2075,9 +2064,66 @@
           <a:lstStyle/>
           <a:p>
             <a:r>
-              <a:rPr lang="en-US" b="0" dirty="0"/>
-              <a:t>In this case, the IV is your father’s education (a common but slightly dubious instrument – can talk about why if time)</a:t>
-            </a:r>
+              <a:rPr lang="en-US" dirty="0">
+                <a:cs typeface="Calibri"/>
+              </a:rPr>
+              <a:t>Here, you can see why we need </a:t>
+            </a:r>
+            <a:r>
+              <a:rPr lang="en-US" b="1" dirty="0">
+                <a:cs typeface="Calibri"/>
+              </a:rPr>
+              <a:t>relevance </a:t>
+            </a:r>
+            <a:r>
+              <a:rPr lang="en-US" dirty="0">
+                <a:cs typeface="Calibri"/>
+              </a:rPr>
+              <a:t>condition; if </a:t>
+            </a:r>
+            <a:r>
+              <a:rPr lang="en-US" dirty="0" err="1">
+                <a:cs typeface="Calibri"/>
+              </a:rPr>
+              <a:t>Cov</a:t>
+            </a:r>
+            <a:r>
+              <a:rPr lang="en-US" dirty="0">
+                <a:cs typeface="Calibri"/>
+              </a:rPr>
+              <a:t>(</a:t>
+            </a:r>
+            <a:r>
+              <a:rPr lang="en-US" dirty="0" err="1">
+                <a:cs typeface="Calibri"/>
+              </a:rPr>
+              <a:t>z,x</a:t>
+            </a:r>
+            <a:r>
+              <a:rPr lang="en-US" dirty="0">
+                <a:cs typeface="Calibri"/>
+              </a:rPr>
+              <a:t>) = 0, then the 2sls doesn't return anything useful. </a:t>
+            </a:r>
+            <a:r>
+              <a:rPr lang="en-US" b="1" dirty="0">
+                <a:cs typeface="Calibri"/>
+              </a:rPr>
+              <a:t>Even if </a:t>
+            </a:r>
+            <a:r>
+              <a:rPr lang="en-US" b="1" dirty="0" err="1">
+                <a:cs typeface="Calibri"/>
+              </a:rPr>
+              <a:t>cov</a:t>
+            </a:r>
+            <a:r>
+              <a:rPr lang="en-US" b="1" dirty="0">
+                <a:cs typeface="Calibri"/>
+              </a:rPr>
+              <a:t> is small, we have problems (we'll return to this). </a:t>
+            </a:r>
+            <a:endParaRPr lang="en-US" b="1" dirty="0"/>
           </a:p>
         </p:txBody>
       </p:sp>
@@ -2107,7 +2153,7 @@
     </p:spTree>
     <p:extLst>
       <p:ext uri="{BB962C8B-B14F-4D97-AF65-F5344CB8AC3E}">
-        <p14:creationId xmlns:p14="http://schemas.microsoft.com/office/powerpoint/2010/main" val="2549378587"/>
+        <p14:creationId xmlns:p14="http://schemas.microsoft.com/office/powerpoint/2010/main" val="3650579743"/>
       </p:ext>
     </p:extLst>
   </p:cSld>
@@ -2161,7 +2207,10 @@
           <a:bodyPr/>
           <a:lstStyle/>
           <a:p>
-            <a:endParaRPr lang="en-US" dirty="0"/>
+            <a:r>
+              <a:rPr lang="en-US" b="0" dirty="0"/>
+              <a:t>Why is this endogenous? (We don’t have ability)</a:t>
+            </a:r>
           </a:p>
         </p:txBody>
       </p:sp>
@@ -2191,7 +2240,7 @@
     </p:spTree>
     <p:extLst>
       <p:ext uri="{BB962C8B-B14F-4D97-AF65-F5344CB8AC3E}">
-        <p14:creationId xmlns:p14="http://schemas.microsoft.com/office/powerpoint/2010/main" val="36034450"/>
+        <p14:creationId xmlns:p14="http://schemas.microsoft.com/office/powerpoint/2010/main" val="1480128926"/>
       </p:ext>
     </p:extLst>
   </p:cSld>
@@ -2245,7 +2294,10 @@
           <a:bodyPr/>
           <a:lstStyle/>
           <a:p>
-            <a:endParaRPr lang="en-US" dirty="0"/>
+            <a:r>
+              <a:rPr lang="en-US" b="0" dirty="0"/>
+              <a:t>Yes, this is enough! We just can’t do this in the real world</a:t>
+            </a:r>
           </a:p>
         </p:txBody>
       </p:sp>
@@ -2275,7 +2327,7 @@
     </p:spTree>
     <p:extLst>
       <p:ext uri="{BB962C8B-B14F-4D97-AF65-F5344CB8AC3E}">
-        <p14:creationId xmlns:p14="http://schemas.microsoft.com/office/powerpoint/2010/main" val="1807161508"/>
+        <p14:creationId xmlns:p14="http://schemas.microsoft.com/office/powerpoint/2010/main" val="1269223052"/>
       </p:ext>
     </p:extLst>
   </p:cSld>
@@ -2329,7 +2381,10 @@
           <a:bodyPr/>
           <a:lstStyle/>
           <a:p>
-            <a:endParaRPr lang="en-US" dirty="0"/>
+            <a:r>
+              <a:rPr lang="en-US" b="0" dirty="0"/>
+              <a:t>In this case, the IV is your father’s education (a common but slightly dubious instrument – can talk about why if time)</a:t>
+            </a:r>
           </a:p>
         </p:txBody>
       </p:sp>
@@ -2359,7 +2414,7 @@
     </p:spTree>
     <p:extLst>
       <p:ext uri="{BB962C8B-B14F-4D97-AF65-F5344CB8AC3E}">
-        <p14:creationId xmlns:p14="http://schemas.microsoft.com/office/powerpoint/2010/main" val="3823014765"/>
+        <p14:creationId xmlns:p14="http://schemas.microsoft.com/office/powerpoint/2010/main" val="2549378587"/>
       </p:ext>
     </p:extLst>
   </p:cSld>
@@ -2413,7 +2468,10 @@
           <a:bodyPr/>
           <a:lstStyle/>
           <a:p>
-            <a:endParaRPr lang="en-US" dirty="0"/>
+            <a:r>
+              <a:rPr lang="en-US" dirty="0"/>
+              <a:t>You can do these kind of quickly</a:t>
+            </a:r>
           </a:p>
         </p:txBody>
       </p:sp>
@@ -2443,7 +2501,7 @@
     </p:spTree>
     <p:extLst>
       <p:ext uri="{BB962C8B-B14F-4D97-AF65-F5344CB8AC3E}">
-        <p14:creationId xmlns:p14="http://schemas.microsoft.com/office/powerpoint/2010/main" val="3218221699"/>
+        <p14:creationId xmlns:p14="http://schemas.microsoft.com/office/powerpoint/2010/main" val="36034450"/>
       </p:ext>
     </p:extLst>
   </p:cSld>
@@ -2527,7 +2585,7 @@
     </p:spTree>
     <p:extLst>
       <p:ext uri="{BB962C8B-B14F-4D97-AF65-F5344CB8AC3E}">
-        <p14:creationId xmlns:p14="http://schemas.microsoft.com/office/powerpoint/2010/main" val="2215348703"/>
+        <p14:creationId xmlns:p14="http://schemas.microsoft.com/office/powerpoint/2010/main" val="1807161508"/>
       </p:ext>
     </p:extLst>
   </p:cSld>
@@ -2698,7 +2756,7 @@
     </p:spTree>
     <p:extLst>
       <p:ext uri="{BB962C8B-B14F-4D97-AF65-F5344CB8AC3E}">
-        <p14:creationId xmlns:p14="http://schemas.microsoft.com/office/powerpoint/2010/main" val="1527951253"/>
+        <p14:creationId xmlns:p14="http://schemas.microsoft.com/office/powerpoint/2010/main" val="3823014765"/>
       </p:ext>
     </p:extLst>
   </p:cSld>
@@ -2773,7 +2831,7 @@
           <a:p>
             <a:fld id="{4AF79E1B-2C51-4B9B-8EA4-26DE9E345AFF}" type="slidenum">
               <a:rPr lang="en-US" smtClean="0"/>
-              <a:t>37</a:t>
+              <a:t>36</a:t>
             </a:fld>
             <a:endParaRPr lang="en-US"/>
           </a:p>
@@ -2782,7 +2840,7 @@
     </p:spTree>
     <p:extLst>
       <p:ext uri="{BB962C8B-B14F-4D97-AF65-F5344CB8AC3E}">
-        <p14:creationId xmlns:p14="http://schemas.microsoft.com/office/powerpoint/2010/main" val="3636588072"/>
+        <p14:creationId xmlns:p14="http://schemas.microsoft.com/office/powerpoint/2010/main" val="3218221699"/>
       </p:ext>
     </p:extLst>
   </p:cSld>
@@ -2857,7 +2915,7 @@
           <a:p>
             <a:fld id="{4AF79E1B-2C51-4B9B-8EA4-26DE9E345AFF}" type="slidenum">
               <a:rPr lang="en-US" smtClean="0"/>
-              <a:t>38</a:t>
+              <a:t>37</a:t>
             </a:fld>
             <a:endParaRPr lang="en-US"/>
           </a:p>
@@ -2866,7 +2924,7 @@
     </p:spTree>
     <p:extLst>
       <p:ext uri="{BB962C8B-B14F-4D97-AF65-F5344CB8AC3E}">
-        <p14:creationId xmlns:p14="http://schemas.microsoft.com/office/powerpoint/2010/main" val="534126127"/>
+        <p14:creationId xmlns:p14="http://schemas.microsoft.com/office/powerpoint/2010/main" val="2215348703"/>
       </p:ext>
     </p:extLst>
   </p:cSld>
@@ -2920,26 +2978,6 @@
           <a:bodyPr/>
           <a:lstStyle/>
           <a:p>
-            <a:r>
-              <a:rPr lang="en-US" dirty="0"/>
-              <a:t>You can show that Y depends on Z, but this doesn’t mean much because we want to know </a:t>
-            </a:r>
-            <a:r>
-              <a:rPr lang="en-US" b="1" dirty="0"/>
-              <a:t>how </a:t>
-            </a:r>
-            <a:r>
-              <a:rPr lang="en-US" b="0" dirty="0"/>
-              <a:t>it affects Y (e.g., only though </a:t>
-            </a:r>
-            <a:r>
-              <a:rPr lang="en-US" b="0" dirty="0" err="1"/>
-              <a:t>tX</a:t>
-            </a:r>
-            <a:r>
-              <a:rPr lang="en-US" b="0" dirty="0"/>
-              <a:t>) </a:t>
-            </a:r>
             <a:endParaRPr lang="en-US" dirty="0"/>
           </a:p>
         </p:txBody>
@@ -2961,7 +2999,7 @@
           <a:p>
             <a:fld id="{4AF79E1B-2C51-4B9B-8EA4-26DE9E345AFF}" type="slidenum">
               <a:rPr lang="en-US" smtClean="0"/>
-              <a:t>39</a:t>
+              <a:t>38</a:t>
             </a:fld>
             <a:endParaRPr lang="en-US"/>
           </a:p>
@@ -2970,7 +3008,7 @@
     </p:spTree>
     <p:extLst>
       <p:ext uri="{BB962C8B-B14F-4D97-AF65-F5344CB8AC3E}">
-        <p14:creationId xmlns:p14="http://schemas.microsoft.com/office/powerpoint/2010/main" val="461974586"/>
+        <p14:creationId xmlns:p14="http://schemas.microsoft.com/office/powerpoint/2010/main" val="1527951253"/>
       </p:ext>
     </p:extLst>
   </p:cSld>
@@ -3054,7 +3092,7 @@
     </p:spTree>
     <p:extLst>
       <p:ext uri="{BB962C8B-B14F-4D97-AF65-F5344CB8AC3E}">
-        <p14:creationId xmlns:p14="http://schemas.microsoft.com/office/powerpoint/2010/main" val="4195010645"/>
+        <p14:creationId xmlns:p14="http://schemas.microsoft.com/office/powerpoint/2010/main" val="3636588072"/>
       </p:ext>
     </p:extLst>
   </p:cSld>
@@ -3109,20 +3147,9 @@
           <a:lstStyle/>
           <a:p>
             <a:r>
-              <a:rPr lang="en-US" dirty="0">
-                <a:cs typeface="Calibri"/>
-              </a:rPr>
-              <a:t>Note: we might not think Z – A – Y is a problem typically, but when Z is an IV, this confounds the effect of X on Y and the effect of A on Y! Can just control for A and B in order to close these paths. </a:t>
-            </a:r>
-          </a:p>
-          <a:p>
-            <a:r>
-              <a:rPr lang="en-US" dirty="0">
-                <a:cs typeface="Calibri"/>
-              </a:rPr>
-              <a:t>Note 2: Controls should go in an IV regression as appropriate (not like matching)</a:t>
-            </a:r>
-            <a:endParaRPr lang="en-US" dirty="0"/>
+              <a:rPr lang="en-US" dirty="0"/>
+              <a:t>See Felton and Stewart for what a weak IV can do, but basically exacerbates three problems: identification bias (parameter isn’t centered around truth), estimation bias (2SLS is “contaminated” by the confounding inherent in OLS, so 2SLS estimator gets “pulled” towards OLS estimator and away from truth), and Type M-error (publication bias – you have to have a super strong effect to have it show up significant with a weak IV; then, since insignificant estimates don’t get published, looking only at published work convinces you that the effect is *much* stronger than it really is)</a:t>
+            </a:r>
           </a:p>
         </p:txBody>
       </p:sp>
@@ -3152,7 +3179,7 @@
     </p:spTree>
     <p:extLst>
       <p:ext uri="{BB962C8B-B14F-4D97-AF65-F5344CB8AC3E}">
-        <p14:creationId xmlns:p14="http://schemas.microsoft.com/office/powerpoint/2010/main" val="4070532677"/>
+        <p14:creationId xmlns:p14="http://schemas.microsoft.com/office/powerpoint/2010/main" val="534126127"/>
       </p:ext>
     </p:extLst>
   </p:cSld>
@@ -3207,10 +3234,24 @@
           <a:lstStyle/>
           <a:p>
             <a:r>
-              <a:rPr lang="en-US" dirty="0">
-                <a:cs typeface="Calibri"/>
-              </a:rPr>
-              <a:t>Instruments have to be weird!</a:t>
+              <a:rPr lang="en-US" dirty="0"/>
+              <a:t>You can show that Y depends on Z, but this doesn’t mean much because we want to know </a:t>
+            </a:r>
+            <a:r>
+              <a:rPr lang="en-US" b="1" dirty="0"/>
+              <a:t>how </a:t>
+            </a:r>
+            <a:r>
+              <a:rPr lang="en-US" b="0" dirty="0"/>
+              <a:t>it affects Y (e.g., only though </a:t>
+            </a:r>
+            <a:r>
+              <a:rPr lang="en-US" b="0" dirty="0" err="1"/>
+              <a:t>tX</a:t>
+            </a:r>
+            <a:r>
+              <a:rPr lang="en-US" b="0" dirty="0"/>
+              <a:t>) </a:t>
             </a:r>
             <a:endParaRPr lang="en-US" dirty="0"/>
           </a:p>
@@ -3242,7 +3283,7 @@
     </p:spTree>
     <p:extLst>
       <p:ext uri="{BB962C8B-B14F-4D97-AF65-F5344CB8AC3E}">
-        <p14:creationId xmlns:p14="http://schemas.microsoft.com/office/powerpoint/2010/main" val="2857725622"/>
+        <p14:creationId xmlns:p14="http://schemas.microsoft.com/office/powerpoint/2010/main" val="461974586"/>
       </p:ext>
     </p:extLst>
   </p:cSld>
@@ -3296,12 +3337,6 @@
           <a:bodyPr/>
           <a:lstStyle/>
           <a:p>
-            <a:r>
-              <a:rPr lang="en-US" dirty="0">
-                <a:cs typeface="Calibri"/>
-              </a:rPr>
-              <a:t>Example for Mendelian randomization: the sex of first two children determines whether parents are more likely to have a third child.</a:t>
-            </a:r>
             <a:endParaRPr lang="en-US" dirty="0"/>
           </a:p>
         </p:txBody>
@@ -3332,7 +3367,7 @@
     </p:spTree>
     <p:extLst>
       <p:ext uri="{BB962C8B-B14F-4D97-AF65-F5344CB8AC3E}">
-        <p14:creationId xmlns:p14="http://schemas.microsoft.com/office/powerpoint/2010/main" val="187559992"/>
+        <p14:creationId xmlns:p14="http://schemas.microsoft.com/office/powerpoint/2010/main" val="4195010645"/>
       </p:ext>
     </p:extLst>
   </p:cSld>
@@ -3388,10 +3423,17 @@
           <a:p>
             <a:r>
               <a:rPr lang="en-US" dirty="0">
-                <a:ea typeface="Calibri"/>
                 <a:cs typeface="Calibri"/>
               </a:rPr>
-              <a:t>Large F stat is just for correcting t-tests for relationship between X and Y and X and Z – your CIs will be a tiny bit wrong. Generally, a large F will work (although closer to 10 still gives you problems). Remember that this is a scale, since we're concerned about weak instruments</a:t>
+              <a:t>Note: we might not think Z – A – Y is a problem typically, but when Z is an IV, this confounds the effect of X on Y and the effect of A on Y! Can just control for A and B in order to close these paths. </a:t>
+            </a:r>
+          </a:p>
+          <a:p>
+            <a:r>
+              <a:rPr lang="en-US" dirty="0">
+                <a:cs typeface="Calibri"/>
+              </a:rPr>
+              <a:t>Note 2: Controls should go in an IV regression as appropriate (not like matching)</a:t>
             </a:r>
             <a:endParaRPr lang="en-US" dirty="0"/>
           </a:p>
@@ -3423,7 +3465,7 @@
     </p:spTree>
     <p:extLst>
       <p:ext uri="{BB962C8B-B14F-4D97-AF65-F5344CB8AC3E}">
-        <p14:creationId xmlns:p14="http://schemas.microsoft.com/office/powerpoint/2010/main" val="547398061"/>
+        <p14:creationId xmlns:p14="http://schemas.microsoft.com/office/powerpoint/2010/main" val="4070532677"/>
       </p:ext>
     </p:extLst>
   </p:cSld>
@@ -3477,6 +3519,12 @@
           <a:bodyPr/>
           <a:lstStyle/>
           <a:p>
+            <a:r>
+              <a:rPr lang="en-US" dirty="0">
+                <a:cs typeface="Calibri"/>
+              </a:rPr>
+              <a:t>Instruments have to be weird!</a:t>
+            </a:r>
             <a:endParaRPr lang="en-US" dirty="0"/>
           </a:p>
         </p:txBody>
@@ -3507,7 +3555,7 @@
     </p:spTree>
     <p:extLst>
       <p:ext uri="{BB962C8B-B14F-4D97-AF65-F5344CB8AC3E}">
-        <p14:creationId xmlns:p14="http://schemas.microsoft.com/office/powerpoint/2010/main" val="1135761996"/>
+        <p14:creationId xmlns:p14="http://schemas.microsoft.com/office/powerpoint/2010/main" val="2857725622"/>
       </p:ext>
     </p:extLst>
   </p:cSld>
@@ -3658,7 +3706,7 @@
               <a:rPr lang="en-US" dirty="0">
                 <a:cs typeface="Calibri"/>
               </a:rPr>
-              <a:t>Difficulty with defending validity just means that we need to be choosy, not give up on IV altogether. It's just like trying to convince a room your DAG is right! And bulk of evidence helps, here (many studies with different approaches)</a:t>
+              <a:t>Example for Mendelian randomization: the sex of first two children determines whether parents are more likely to have a third child.</a:t>
             </a:r>
             <a:endParaRPr lang="en-US" dirty="0"/>
           </a:p>
@@ -3690,7 +3738,7 @@
     </p:spTree>
     <p:extLst>
       <p:ext uri="{BB962C8B-B14F-4D97-AF65-F5344CB8AC3E}">
-        <p14:creationId xmlns:p14="http://schemas.microsoft.com/office/powerpoint/2010/main" val="2965541601"/>
+        <p14:creationId xmlns:p14="http://schemas.microsoft.com/office/powerpoint/2010/main" val="187559992"/>
       </p:ext>
     </p:extLst>
   </p:cSld>
@@ -3749,7 +3797,7 @@
                 <a:ea typeface="Calibri"/>
                 <a:cs typeface="Calibri"/>
               </a:rPr>
-              <a:t>Rationale for small sample bias: validity is going to be statistically violated at random</a:t>
+              <a:t>Large F stat is just for correcting t-tests for relationship between X and Y and X and Z – your CIs will be a tiny bit wrong. Generally, a large F will work (although closer to 10 still gives you problems). Remember that this is a scale, since we're concerned about weak instruments</a:t>
             </a:r>
             <a:endParaRPr lang="en-US" dirty="0"/>
           </a:p>
@@ -3781,7 +3829,7 @@
     </p:spTree>
     <p:extLst>
       <p:ext uri="{BB962C8B-B14F-4D97-AF65-F5344CB8AC3E}">
-        <p14:creationId xmlns:p14="http://schemas.microsoft.com/office/powerpoint/2010/main" val="2628968981"/>
+        <p14:creationId xmlns:p14="http://schemas.microsoft.com/office/powerpoint/2010/main" val="547398061"/>
       </p:ext>
     </p:extLst>
   </p:cSld>
@@ -3835,13 +3883,6 @@
           <a:bodyPr/>
           <a:lstStyle/>
           <a:p>
-            <a:r>
-              <a:rPr lang="en-US" dirty="0">
-                <a:ea typeface="Calibri"/>
-                <a:cs typeface="Calibri"/>
-              </a:rPr>
-              <a:t>Rationale for small sample bias: validity is going to be statistically violated at random</a:t>
-            </a:r>
             <a:endParaRPr lang="en-US" dirty="0"/>
           </a:p>
         </p:txBody>
@@ -3872,7 +3913,7 @@
     </p:spTree>
     <p:extLst>
       <p:ext uri="{BB962C8B-B14F-4D97-AF65-F5344CB8AC3E}">
-        <p14:creationId xmlns:p14="http://schemas.microsoft.com/office/powerpoint/2010/main" val="654193812"/>
+        <p14:creationId xmlns:p14="http://schemas.microsoft.com/office/powerpoint/2010/main" val="1135761996"/>
       </p:ext>
     </p:extLst>
   </p:cSld>
@@ -3927,9 +3968,12 @@
           <a:lstStyle/>
           <a:p>
             <a:r>
-              <a:rPr lang="en-US" dirty="0"/>
-              <a:t>Here’s a visualization of a LATE for a specific type of IV regression (fuzzy RDD, will do next semester). LATEs are just weighted ATEs that tell you something about a specific subset of the population (not the full pop)</a:t>
-            </a:r>
+              <a:rPr lang="en-US" dirty="0">
+                <a:cs typeface="Calibri"/>
+              </a:rPr>
+              <a:t>Difficulty with defending validity just means that we need to be choosy, not give up on IV altogether. It's just like trying to convince a room your DAG is right! And bulk of evidence helps, here (many studies with different approaches)</a:t>
+            </a:r>
+            <a:endParaRPr lang="en-US" dirty="0"/>
           </a:p>
         </p:txBody>
       </p:sp>
@@ -3959,7 +4003,7 @@
     </p:spTree>
     <p:extLst>
       <p:ext uri="{BB962C8B-B14F-4D97-AF65-F5344CB8AC3E}">
-        <p14:creationId xmlns:p14="http://schemas.microsoft.com/office/powerpoint/2010/main" val="1335174366"/>
+        <p14:creationId xmlns:p14="http://schemas.microsoft.com/office/powerpoint/2010/main" val="2965541601"/>
       </p:ext>
     </p:extLst>
   </p:cSld>
@@ -4013,6 +4057,12 @@
           <a:bodyPr/>
           <a:lstStyle/>
           <a:p>
+            <a:r>
+              <a:rPr lang="en-US" dirty="0">
+                <a:cs typeface="Calibri"/>
+              </a:rPr>
+              <a:t>Come from Felton and Stewart (they call IV “fragile” – I don’t like that, it’s just kind of a “you get what you put into it” kind of thing – we’re doing QE variation with observational data, so there are limitations. Just need to be aware of them and report them honestly)</a:t>
+            </a:r>
             <a:endParaRPr lang="en-US" dirty="0"/>
           </a:p>
         </p:txBody>
@@ -4043,7 +4093,7 @@
     </p:spTree>
     <p:extLst>
       <p:ext uri="{BB962C8B-B14F-4D97-AF65-F5344CB8AC3E}">
-        <p14:creationId xmlns:p14="http://schemas.microsoft.com/office/powerpoint/2010/main" val="2256890236"/>
+        <p14:creationId xmlns:p14="http://schemas.microsoft.com/office/powerpoint/2010/main" val="3699838445"/>
       </p:ext>
     </p:extLst>
   </p:cSld>
@@ -4097,6 +4147,12 @@
           <a:bodyPr/>
           <a:lstStyle/>
           <a:p>
+            <a:r>
+              <a:rPr lang="en-US" dirty="0">
+                <a:cs typeface="Calibri"/>
+              </a:rPr>
+              <a:t>Examples: can’t control for changes in employment post Hurricane Katrina (downstream outcome; we’ll talk about this one a lot in the course). Coarsened treatments are another example – if you have an IV that changes how people behave in Toronto but not North York, but then you only observe data for the whole GTA, this won’t work</a:t>
+            </a:r>
             <a:endParaRPr lang="en-US" dirty="0"/>
           </a:p>
         </p:txBody>
@@ -4127,7 +4183,7 @@
     </p:spTree>
     <p:extLst>
       <p:ext uri="{BB962C8B-B14F-4D97-AF65-F5344CB8AC3E}">
-        <p14:creationId xmlns:p14="http://schemas.microsoft.com/office/powerpoint/2010/main" val="371508346"/>
+        <p14:creationId xmlns:p14="http://schemas.microsoft.com/office/powerpoint/2010/main" val="2349041154"/>
       </p:ext>
     </p:extLst>
   </p:cSld>
@@ -4186,21 +4242,7 @@
                 <a:ea typeface="Calibri"/>
                 <a:cs typeface="Calibri"/>
               </a:rPr>
-              <a:t>Monotonicity just means that the instrument moved people towards/away from treatment </a:t>
-            </a:r>
-            <a:r>
-              <a:rPr lang="en-US" i="1" dirty="0">
-                <a:ea typeface="Calibri"/>
-                <a:cs typeface="Calibri"/>
-              </a:rPr>
-              <a:t>in the same way</a:t>
-            </a:r>
-            <a:r>
-              <a:rPr lang="en-US" dirty="0">
-                <a:ea typeface="Calibri"/>
-                <a:cs typeface="Calibri"/>
-              </a:rPr>
-              <a:t> (an IV can't both incentivize treatment for one person and discourage it for another). Example of third child – is monotonicity satisfied here? Wrapped up in heterogeneous treatment effects. </a:t>
+              <a:t>From Felton and Stewart (2022). One not on here: always use packages to get standard errors right</a:t>
             </a:r>
             <a:endParaRPr lang="en-US" dirty="0"/>
           </a:p>
@@ -4232,7 +4274,7 @@
     </p:spTree>
     <p:extLst>
       <p:ext uri="{BB962C8B-B14F-4D97-AF65-F5344CB8AC3E}">
-        <p14:creationId xmlns:p14="http://schemas.microsoft.com/office/powerpoint/2010/main" val="3837139000"/>
+        <p14:creationId xmlns:p14="http://schemas.microsoft.com/office/powerpoint/2010/main" val="2628968981"/>
       </p:ext>
     </p:extLst>
   </p:cSld>
@@ -4287,9 +4329,27 @@
           <a:lstStyle/>
           <a:p>
             <a:r>
-              <a:rPr lang="en-US" dirty="0"/>
-              <a:t>Cover if you have time. </a:t>
-            </a:r>
+              <a:rPr lang="en-US" dirty="0">
+                <a:ea typeface="Calibri"/>
+                <a:cs typeface="Calibri"/>
+              </a:rPr>
+              <a:t>Skipping over 3 because I don’t believe it (it says to assume the most conservative SE and report multiple </a:t>
+            </a:r>
+            <a:r>
+              <a:rPr lang="en-US" dirty="0" err="1">
+                <a:ea typeface="Calibri"/>
+                <a:cs typeface="Calibri"/>
+              </a:rPr>
+              <a:t>Ses</a:t>
+            </a:r>
+            <a:r>
+              <a:rPr lang="en-US" dirty="0">
+                <a:ea typeface="Calibri"/>
+                <a:cs typeface="Calibri"/>
+              </a:rPr>
+              <a:t> – I think you should pick your choice theoretically and use that one)</a:t>
+            </a:r>
+            <a:endParaRPr lang="en-US" dirty="0"/>
           </a:p>
         </p:txBody>
       </p:sp>
@@ -4319,7 +4379,7 @@
     </p:spTree>
     <p:extLst>
       <p:ext uri="{BB962C8B-B14F-4D97-AF65-F5344CB8AC3E}">
-        <p14:creationId xmlns:p14="http://schemas.microsoft.com/office/powerpoint/2010/main" val="2775344874"/>
+        <p14:creationId xmlns:p14="http://schemas.microsoft.com/office/powerpoint/2010/main" val="1041266519"/>
       </p:ext>
     </p:extLst>
   </p:cSld>
@@ -4373,7 +4433,10 @@
           <a:bodyPr/>
           <a:lstStyle/>
           <a:p>
-            <a:endParaRPr lang="en-US" dirty="0"/>
+            <a:r>
+              <a:rPr lang="en-US" dirty="0"/>
+              <a:t>Here’s a visualization of a LATE for a specific type of IV regression (fuzzy RDD, will do next semester). LATEs are just weighted ATEs that tell you something about a specific subset of the population (not the full pop)</a:t>
+            </a:r>
           </a:p>
         </p:txBody>
       </p:sp>
@@ -4403,7 +4466,7 @@
     </p:spTree>
     <p:extLst>
       <p:ext uri="{BB962C8B-B14F-4D97-AF65-F5344CB8AC3E}">
-        <p14:creationId xmlns:p14="http://schemas.microsoft.com/office/powerpoint/2010/main" val="1784930793"/>
+        <p14:creationId xmlns:p14="http://schemas.microsoft.com/office/powerpoint/2010/main" val="1335174366"/>
       </p:ext>
     </p:extLst>
   </p:cSld>
@@ -4457,13 +4520,7 @@
           <a:bodyPr/>
           <a:lstStyle/>
           <a:p>
-            <a:r>
-              <a:rPr lang="en-US" dirty="0">
-                <a:ea typeface="Calibri"/>
-                <a:cs typeface="Calibri"/>
-              </a:rPr>
-              <a:t>Kind of a standard IV paper, good clinical journal style to read and mimic</a:t>
-            </a:r>
+            <a:endParaRPr lang="en-US" dirty="0"/>
           </a:p>
         </p:txBody>
       </p:sp>
@@ -4482,7 +4539,7 @@
           <a:bodyPr/>
           <a:lstStyle/>
           <a:p>
-            <a:fld id="{3298C5B2-5D6B-2949-9D6C-64FEDA8AB56A}" type="slidenum">
+            <a:fld id="{4AF79E1B-2C51-4B9B-8EA4-26DE9E345AFF}" type="slidenum">
               <a:rPr lang="en-US" smtClean="0"/>
               <a:t>55</a:t>
             </a:fld>
@@ -4493,7 +4550,7 @@
     </p:spTree>
     <p:extLst>
       <p:ext uri="{BB962C8B-B14F-4D97-AF65-F5344CB8AC3E}">
-        <p14:creationId xmlns:p14="http://schemas.microsoft.com/office/powerpoint/2010/main" val="1427207452"/>
+        <p14:creationId xmlns:p14="http://schemas.microsoft.com/office/powerpoint/2010/main" val="2256890236"/>
       </p:ext>
     </p:extLst>
   </p:cSld>
@@ -4634,17 +4691,7 @@
           <a:bodyPr/>
           <a:lstStyle/>
           <a:p>
-            <a:r>
-              <a:rPr lang="en-US" dirty="0">
-                <a:ea typeface="Calibri"/>
-                <a:cs typeface="Calibri"/>
-              </a:rPr>
-              <a:t>Example from 1: </a:t>
-            </a:r>
-            <a:r>
-              <a:rPr lang="en-US" dirty="0"/>
-              <a:t>in the 2000s, Oregon chose to expand its Medicaid program for poor adults by making it more generous. They used a lottery – this randomization can be an IV to back out LATE from ITT. </a:t>
-            </a:r>
+            <a:endParaRPr lang="en-US" dirty="0"/>
           </a:p>
         </p:txBody>
       </p:sp>
@@ -4663,7 +4710,7 @@
           <a:bodyPr/>
           <a:lstStyle/>
           <a:p>
-            <a:fld id="{3298C5B2-5D6B-2949-9D6C-64FEDA8AB56A}" type="slidenum">
+            <a:fld id="{4AF79E1B-2C51-4B9B-8EA4-26DE9E345AFF}" type="slidenum">
               <a:rPr lang="en-US" smtClean="0"/>
               <a:t>56</a:t>
             </a:fld>
@@ -4674,7 +4721,7 @@
     </p:spTree>
     <p:extLst>
       <p:ext uri="{BB962C8B-B14F-4D97-AF65-F5344CB8AC3E}">
-        <p14:creationId xmlns:p14="http://schemas.microsoft.com/office/powerpoint/2010/main" val="3754829673"/>
+        <p14:creationId xmlns:p14="http://schemas.microsoft.com/office/powerpoint/2010/main" val="371508346"/>
       </p:ext>
     </p:extLst>
   </p:cSld>
@@ -4733,16 +4780,23 @@
                 <a:ea typeface="Calibri"/>
                 <a:cs typeface="Calibri"/>
               </a:rPr>
-              <a:t>This</a:t>
-            </a:r>
-            <a:r>
-              <a:rPr lang="en-US" dirty="0"/>
-              <a:t> is just really popular with judges, doesn't have to be criminal. Possible examples: FDA approval, physician decision-making. Some concerns: is assignment truly random? Is the pipeline really narrow? Can the discretion be chosen by the patient/entity? Paper uses differences in nursing home eligibility assessors to find that access to nursing homes lowers use of other kinds of care, but does not affect health spending or mortality meaningfully. Plenty of opportunities to implement this design more meaningfully. </a:t>
-            </a:r>
-            <a:endParaRPr lang="en-US" dirty="0">
-              <a:ea typeface="Calibri"/>
-              <a:cs typeface="Calibri"/>
-            </a:endParaRPr>
+              <a:t>Monotonicity just means that the instrument moved people towards/away from treatment </a:t>
+            </a:r>
+            <a:r>
+              <a:rPr lang="en-US" i="1" dirty="0">
+                <a:ea typeface="Calibri"/>
+                <a:cs typeface="Calibri"/>
+              </a:rPr>
+              <a:t>in the same way</a:t>
+            </a:r>
+            <a:r>
+              <a:rPr lang="en-US" dirty="0">
+                <a:ea typeface="Calibri"/>
+                <a:cs typeface="Calibri"/>
+              </a:rPr>
+              <a:t> (an IV can't both incentivize treatment for one person and discourage it for another). Example of third child – is monotonicity satisfied here? Wrapped up in heterogeneous treatment effects. </a:t>
+            </a:r>
+            <a:endParaRPr lang="en-US" dirty="0"/>
           </a:p>
         </p:txBody>
       </p:sp>
@@ -4761,7 +4815,7 @@
           <a:bodyPr/>
           <a:lstStyle/>
           <a:p>
-            <a:fld id="{3298C5B2-5D6B-2949-9D6C-64FEDA8AB56A}" type="slidenum">
+            <a:fld id="{4AF79E1B-2C51-4B9B-8EA4-26DE9E345AFF}" type="slidenum">
               <a:rPr lang="en-US" smtClean="0"/>
               <a:t>57</a:t>
             </a:fld>
@@ -4772,7 +4826,7 @@
     </p:spTree>
     <p:extLst>
       <p:ext uri="{BB962C8B-B14F-4D97-AF65-F5344CB8AC3E}">
-        <p14:creationId xmlns:p14="http://schemas.microsoft.com/office/powerpoint/2010/main" val="2965896772"/>
+        <p14:creationId xmlns:p14="http://schemas.microsoft.com/office/powerpoint/2010/main" val="3837139000"/>
       </p:ext>
     </p:extLst>
   </p:cSld>
@@ -4827,11 +4881,8 @@
           <a:lstStyle/>
           <a:p>
             <a:r>
-              <a:rPr lang="en-US" dirty="0">
-                <a:ea typeface="Calibri"/>
-                <a:cs typeface="Calibri"/>
-              </a:rPr>
-              <a:t>This is most useful when looking at regional market differences in health questions. </a:t>
+              <a:rPr lang="en-US" dirty="0"/>
+              <a:t>Cover if you have time. </a:t>
             </a:r>
           </a:p>
         </p:txBody>
@@ -4851,7 +4902,7 @@
           <a:bodyPr/>
           <a:lstStyle/>
           <a:p>
-            <a:fld id="{3298C5B2-5D6B-2949-9D6C-64FEDA8AB56A}" type="slidenum">
+            <a:fld id="{4AF79E1B-2C51-4B9B-8EA4-26DE9E345AFF}" type="slidenum">
               <a:rPr lang="en-US" smtClean="0"/>
               <a:t>58</a:t>
             </a:fld>
@@ -4862,7 +4913,7 @@
     </p:spTree>
     <p:extLst>
       <p:ext uri="{BB962C8B-B14F-4D97-AF65-F5344CB8AC3E}">
-        <p14:creationId xmlns:p14="http://schemas.microsoft.com/office/powerpoint/2010/main" val="2151309965"/>
+        <p14:creationId xmlns:p14="http://schemas.microsoft.com/office/powerpoint/2010/main" val="2775344874"/>
       </p:ext>
     </p:extLst>
   </p:cSld>
@@ -4916,12 +4967,96 @@
           <a:bodyPr/>
           <a:lstStyle/>
           <a:p>
+            <a:endParaRPr lang="en-US" dirty="0"/>
+          </a:p>
+        </p:txBody>
+      </p:sp>
+      <p:sp>
+        <p:nvSpPr>
+          <p:cNvPr id="4" name="Slide Number Placeholder 3"/>
+          <p:cNvSpPr>
+            <a:spLocks noGrp="1"/>
+          </p:cNvSpPr>
+          <p:nvPr>
+            <p:ph type="sldNum" sz="quarter" idx="5"/>
+          </p:nvPr>
+        </p:nvSpPr>
+        <p:spPr/>
+        <p:txBody>
+          <a:bodyPr/>
+          <a:lstStyle/>
+          <a:p>
+            <a:fld id="{4AF79E1B-2C51-4B9B-8EA4-26DE9E345AFF}" type="slidenum">
+              <a:rPr lang="en-US" smtClean="0"/>
+              <a:t>59</a:t>
+            </a:fld>
+            <a:endParaRPr lang="en-US"/>
+          </a:p>
+        </p:txBody>
+      </p:sp>
+    </p:spTree>
+    <p:extLst>
+      <p:ext uri="{BB962C8B-B14F-4D97-AF65-F5344CB8AC3E}">
+        <p14:creationId xmlns:p14="http://schemas.microsoft.com/office/powerpoint/2010/main" val="1784930793"/>
+      </p:ext>
+    </p:extLst>
+  </p:cSld>
+  <p:clrMapOvr>
+    <a:masterClrMapping/>
+  </p:clrMapOvr>
+</p:notes>
+</file>
+
+<file path=ppt/notesSlides/notesSlide54.xml><?xml version="1.0" encoding="utf-8"?>
+<p:notes xmlns:a="http://schemas.openxmlformats.org/drawingml/2006/main" xmlns:r="http://schemas.openxmlformats.org/officeDocument/2006/relationships" xmlns:p="http://schemas.openxmlformats.org/presentationml/2006/main">
+  <p:cSld>
+    <p:spTree>
+      <p:nvGrpSpPr>
+        <p:cNvPr id="1" name=""/>
+        <p:cNvGrpSpPr/>
+        <p:nvPr/>
+      </p:nvGrpSpPr>
+      <p:grpSpPr>
+        <a:xfrm>
+          <a:off x="0" y="0"/>
+          <a:ext cx="0" cy="0"/>
+          <a:chOff x="0" y="0"/>
+          <a:chExt cx="0" cy="0"/>
+        </a:xfrm>
+      </p:grpSpPr>
+      <p:sp>
+        <p:nvSpPr>
+          <p:cNvPr id="2" name="Slide Image Placeholder 1"/>
+          <p:cNvSpPr>
+            <a:spLocks noGrp="1" noRot="1" noChangeAspect="1"/>
+          </p:cNvSpPr>
+          <p:nvPr>
+            <p:ph type="sldImg"/>
+          </p:nvPr>
+        </p:nvSpPr>
+        <p:spPr/>
+      </p:sp>
+      <p:sp>
+        <p:nvSpPr>
+          <p:cNvPr id="3" name="Notes Placeholder 2"/>
+          <p:cNvSpPr>
+            <a:spLocks noGrp="1"/>
+          </p:cNvSpPr>
+          <p:nvPr>
+            <p:ph type="body" idx="1"/>
+          </p:nvPr>
+        </p:nvSpPr>
+        <p:spPr/>
+        <p:txBody>
+          <a:bodyPr/>
+          <a:lstStyle/>
+          <a:p>
             <a:r>
               <a:rPr lang="en-US" dirty="0">
                 <a:ea typeface="Calibri"/>
                 <a:cs typeface="Calibri"/>
               </a:rPr>
-              <a:t>This is most useful when looking at regional market differences in health questions. </a:t>
+              <a:t>Kind of a standard IV paper, good clinical journal style to read and mimic</a:t>
             </a:r>
           </a:p>
         </p:txBody>
@@ -4943,7 +5078,379 @@
           <a:p>
             <a:fld id="{3298C5B2-5D6B-2949-9D6C-64FEDA8AB56A}" type="slidenum">
               <a:rPr lang="en-US" smtClean="0"/>
-              <a:t>59</a:t>
+              <a:t>60</a:t>
+            </a:fld>
+            <a:endParaRPr lang="en-US"/>
+          </a:p>
+        </p:txBody>
+      </p:sp>
+    </p:spTree>
+    <p:extLst>
+      <p:ext uri="{BB962C8B-B14F-4D97-AF65-F5344CB8AC3E}">
+        <p14:creationId xmlns:p14="http://schemas.microsoft.com/office/powerpoint/2010/main" val="1427207452"/>
+      </p:ext>
+    </p:extLst>
+  </p:cSld>
+  <p:clrMapOvr>
+    <a:masterClrMapping/>
+  </p:clrMapOvr>
+</p:notes>
+</file>
+
+<file path=ppt/notesSlides/notesSlide55.xml><?xml version="1.0" encoding="utf-8"?>
+<p:notes xmlns:a="http://schemas.openxmlformats.org/drawingml/2006/main" xmlns:r="http://schemas.openxmlformats.org/officeDocument/2006/relationships" xmlns:p="http://schemas.openxmlformats.org/presentationml/2006/main">
+  <p:cSld>
+    <p:spTree>
+      <p:nvGrpSpPr>
+        <p:cNvPr id="1" name=""/>
+        <p:cNvGrpSpPr/>
+        <p:nvPr/>
+      </p:nvGrpSpPr>
+      <p:grpSpPr>
+        <a:xfrm>
+          <a:off x="0" y="0"/>
+          <a:ext cx="0" cy="0"/>
+          <a:chOff x="0" y="0"/>
+          <a:chExt cx="0" cy="0"/>
+        </a:xfrm>
+      </p:grpSpPr>
+      <p:sp>
+        <p:nvSpPr>
+          <p:cNvPr id="2" name="Slide Image Placeholder 1"/>
+          <p:cNvSpPr>
+            <a:spLocks noGrp="1" noRot="1" noChangeAspect="1"/>
+          </p:cNvSpPr>
+          <p:nvPr>
+            <p:ph type="sldImg"/>
+          </p:nvPr>
+        </p:nvSpPr>
+        <p:spPr/>
+      </p:sp>
+      <p:sp>
+        <p:nvSpPr>
+          <p:cNvPr id="3" name="Notes Placeholder 2"/>
+          <p:cNvSpPr>
+            <a:spLocks noGrp="1"/>
+          </p:cNvSpPr>
+          <p:nvPr>
+            <p:ph type="body" idx="1"/>
+          </p:nvPr>
+        </p:nvSpPr>
+        <p:spPr/>
+        <p:txBody>
+          <a:bodyPr/>
+          <a:lstStyle/>
+          <a:p>
+            <a:r>
+              <a:rPr lang="en-US" dirty="0">
+                <a:ea typeface="Calibri"/>
+                <a:cs typeface="Calibri"/>
+              </a:rPr>
+              <a:t>Example from 1: </a:t>
+            </a:r>
+            <a:r>
+              <a:rPr lang="en-US" dirty="0"/>
+              <a:t>in the 2000s, Oregon chose to expand its Medicaid program for poor adults by making it more generous. They used a lottery – this randomization can be an IV to back out LATE from ITT. </a:t>
+            </a:r>
+          </a:p>
+        </p:txBody>
+      </p:sp>
+      <p:sp>
+        <p:nvSpPr>
+          <p:cNvPr id="4" name="Slide Number Placeholder 3"/>
+          <p:cNvSpPr>
+            <a:spLocks noGrp="1"/>
+          </p:cNvSpPr>
+          <p:nvPr>
+            <p:ph type="sldNum" sz="quarter" idx="5"/>
+          </p:nvPr>
+        </p:nvSpPr>
+        <p:spPr/>
+        <p:txBody>
+          <a:bodyPr/>
+          <a:lstStyle/>
+          <a:p>
+            <a:fld id="{3298C5B2-5D6B-2949-9D6C-64FEDA8AB56A}" type="slidenum">
+              <a:rPr lang="en-US" smtClean="0"/>
+              <a:t>61</a:t>
+            </a:fld>
+            <a:endParaRPr lang="en-US"/>
+          </a:p>
+        </p:txBody>
+      </p:sp>
+    </p:spTree>
+    <p:extLst>
+      <p:ext uri="{BB962C8B-B14F-4D97-AF65-F5344CB8AC3E}">
+        <p14:creationId xmlns:p14="http://schemas.microsoft.com/office/powerpoint/2010/main" val="3754829673"/>
+      </p:ext>
+    </p:extLst>
+  </p:cSld>
+  <p:clrMapOvr>
+    <a:masterClrMapping/>
+  </p:clrMapOvr>
+</p:notes>
+</file>
+
+<file path=ppt/notesSlides/notesSlide56.xml><?xml version="1.0" encoding="utf-8"?>
+<p:notes xmlns:a="http://schemas.openxmlformats.org/drawingml/2006/main" xmlns:r="http://schemas.openxmlformats.org/officeDocument/2006/relationships" xmlns:p="http://schemas.openxmlformats.org/presentationml/2006/main">
+  <p:cSld>
+    <p:spTree>
+      <p:nvGrpSpPr>
+        <p:cNvPr id="1" name=""/>
+        <p:cNvGrpSpPr/>
+        <p:nvPr/>
+      </p:nvGrpSpPr>
+      <p:grpSpPr>
+        <a:xfrm>
+          <a:off x="0" y="0"/>
+          <a:ext cx="0" cy="0"/>
+          <a:chOff x="0" y="0"/>
+          <a:chExt cx="0" cy="0"/>
+        </a:xfrm>
+      </p:grpSpPr>
+      <p:sp>
+        <p:nvSpPr>
+          <p:cNvPr id="2" name="Slide Image Placeholder 1"/>
+          <p:cNvSpPr>
+            <a:spLocks noGrp="1" noRot="1" noChangeAspect="1"/>
+          </p:cNvSpPr>
+          <p:nvPr>
+            <p:ph type="sldImg"/>
+          </p:nvPr>
+        </p:nvSpPr>
+        <p:spPr/>
+      </p:sp>
+      <p:sp>
+        <p:nvSpPr>
+          <p:cNvPr id="3" name="Notes Placeholder 2"/>
+          <p:cNvSpPr>
+            <a:spLocks noGrp="1"/>
+          </p:cNvSpPr>
+          <p:nvPr>
+            <p:ph type="body" idx="1"/>
+          </p:nvPr>
+        </p:nvSpPr>
+        <p:spPr/>
+        <p:txBody>
+          <a:bodyPr/>
+          <a:lstStyle/>
+          <a:p>
+            <a:r>
+              <a:rPr lang="en-US" dirty="0">
+                <a:ea typeface="Calibri"/>
+                <a:cs typeface="Calibri"/>
+              </a:rPr>
+              <a:t>This</a:t>
+            </a:r>
+            <a:r>
+              <a:rPr lang="en-US" dirty="0"/>
+              <a:t> is just really popular with judges, doesn't have to be criminal. Possible examples: FDA approval, physician decision-making. Some concerns: is assignment truly random? Is the pipeline really narrow? Can the discretion be chosen by the patient/entity? Paper uses differences in nursing home eligibility assessors to find that access to nursing homes lowers use of other kinds of care, but does not affect health spending or mortality meaningfully. Plenty of opportunities to implement this design more meaningfully. </a:t>
+            </a:r>
+            <a:endParaRPr lang="en-US" dirty="0">
+              <a:ea typeface="Calibri"/>
+              <a:cs typeface="Calibri"/>
+            </a:endParaRPr>
+          </a:p>
+        </p:txBody>
+      </p:sp>
+      <p:sp>
+        <p:nvSpPr>
+          <p:cNvPr id="4" name="Slide Number Placeholder 3"/>
+          <p:cNvSpPr>
+            <a:spLocks noGrp="1"/>
+          </p:cNvSpPr>
+          <p:nvPr>
+            <p:ph type="sldNum" sz="quarter" idx="5"/>
+          </p:nvPr>
+        </p:nvSpPr>
+        <p:spPr/>
+        <p:txBody>
+          <a:bodyPr/>
+          <a:lstStyle/>
+          <a:p>
+            <a:fld id="{3298C5B2-5D6B-2949-9D6C-64FEDA8AB56A}" type="slidenum">
+              <a:rPr lang="en-US" smtClean="0"/>
+              <a:t>62</a:t>
+            </a:fld>
+            <a:endParaRPr lang="en-US"/>
+          </a:p>
+        </p:txBody>
+      </p:sp>
+    </p:spTree>
+    <p:extLst>
+      <p:ext uri="{BB962C8B-B14F-4D97-AF65-F5344CB8AC3E}">
+        <p14:creationId xmlns:p14="http://schemas.microsoft.com/office/powerpoint/2010/main" val="2965896772"/>
+      </p:ext>
+    </p:extLst>
+  </p:cSld>
+  <p:clrMapOvr>
+    <a:masterClrMapping/>
+  </p:clrMapOvr>
+</p:notes>
+</file>
+
+<file path=ppt/notesSlides/notesSlide57.xml><?xml version="1.0" encoding="utf-8"?>
+<p:notes xmlns:a="http://schemas.openxmlformats.org/drawingml/2006/main" xmlns:r="http://schemas.openxmlformats.org/officeDocument/2006/relationships" xmlns:p="http://schemas.openxmlformats.org/presentationml/2006/main">
+  <p:cSld>
+    <p:spTree>
+      <p:nvGrpSpPr>
+        <p:cNvPr id="1" name=""/>
+        <p:cNvGrpSpPr/>
+        <p:nvPr/>
+      </p:nvGrpSpPr>
+      <p:grpSpPr>
+        <a:xfrm>
+          <a:off x="0" y="0"/>
+          <a:ext cx="0" cy="0"/>
+          <a:chOff x="0" y="0"/>
+          <a:chExt cx="0" cy="0"/>
+        </a:xfrm>
+      </p:grpSpPr>
+      <p:sp>
+        <p:nvSpPr>
+          <p:cNvPr id="2" name="Slide Image Placeholder 1"/>
+          <p:cNvSpPr>
+            <a:spLocks noGrp="1" noRot="1" noChangeAspect="1"/>
+          </p:cNvSpPr>
+          <p:nvPr>
+            <p:ph type="sldImg"/>
+          </p:nvPr>
+        </p:nvSpPr>
+        <p:spPr/>
+      </p:sp>
+      <p:sp>
+        <p:nvSpPr>
+          <p:cNvPr id="3" name="Notes Placeholder 2"/>
+          <p:cNvSpPr>
+            <a:spLocks noGrp="1"/>
+          </p:cNvSpPr>
+          <p:nvPr>
+            <p:ph type="body" idx="1"/>
+          </p:nvPr>
+        </p:nvSpPr>
+        <p:spPr/>
+        <p:txBody>
+          <a:bodyPr/>
+          <a:lstStyle/>
+          <a:p>
+            <a:r>
+              <a:rPr lang="en-US" dirty="0">
+                <a:ea typeface="Calibri"/>
+                <a:cs typeface="Calibri"/>
+              </a:rPr>
+              <a:t>This is most useful when looking at regional market differences in health questions. </a:t>
+            </a:r>
+          </a:p>
+        </p:txBody>
+      </p:sp>
+      <p:sp>
+        <p:nvSpPr>
+          <p:cNvPr id="4" name="Slide Number Placeholder 3"/>
+          <p:cNvSpPr>
+            <a:spLocks noGrp="1"/>
+          </p:cNvSpPr>
+          <p:nvPr>
+            <p:ph type="sldNum" sz="quarter" idx="5"/>
+          </p:nvPr>
+        </p:nvSpPr>
+        <p:spPr/>
+        <p:txBody>
+          <a:bodyPr/>
+          <a:lstStyle/>
+          <a:p>
+            <a:fld id="{3298C5B2-5D6B-2949-9D6C-64FEDA8AB56A}" type="slidenum">
+              <a:rPr lang="en-US" smtClean="0"/>
+              <a:t>63</a:t>
+            </a:fld>
+            <a:endParaRPr lang="en-US"/>
+          </a:p>
+        </p:txBody>
+      </p:sp>
+    </p:spTree>
+    <p:extLst>
+      <p:ext uri="{BB962C8B-B14F-4D97-AF65-F5344CB8AC3E}">
+        <p14:creationId xmlns:p14="http://schemas.microsoft.com/office/powerpoint/2010/main" val="2151309965"/>
+      </p:ext>
+    </p:extLst>
+  </p:cSld>
+  <p:clrMapOvr>
+    <a:masterClrMapping/>
+  </p:clrMapOvr>
+</p:notes>
+</file>
+
+<file path=ppt/notesSlides/notesSlide58.xml><?xml version="1.0" encoding="utf-8"?>
+<p:notes xmlns:a="http://schemas.openxmlformats.org/drawingml/2006/main" xmlns:r="http://schemas.openxmlformats.org/officeDocument/2006/relationships" xmlns:p="http://schemas.openxmlformats.org/presentationml/2006/main">
+  <p:cSld>
+    <p:spTree>
+      <p:nvGrpSpPr>
+        <p:cNvPr id="1" name=""/>
+        <p:cNvGrpSpPr/>
+        <p:nvPr/>
+      </p:nvGrpSpPr>
+      <p:grpSpPr>
+        <a:xfrm>
+          <a:off x="0" y="0"/>
+          <a:ext cx="0" cy="0"/>
+          <a:chOff x="0" y="0"/>
+          <a:chExt cx="0" cy="0"/>
+        </a:xfrm>
+      </p:grpSpPr>
+      <p:sp>
+        <p:nvSpPr>
+          <p:cNvPr id="2" name="Slide Image Placeholder 1"/>
+          <p:cNvSpPr>
+            <a:spLocks noGrp="1" noRot="1" noChangeAspect="1"/>
+          </p:cNvSpPr>
+          <p:nvPr>
+            <p:ph type="sldImg"/>
+          </p:nvPr>
+        </p:nvSpPr>
+        <p:spPr/>
+      </p:sp>
+      <p:sp>
+        <p:nvSpPr>
+          <p:cNvPr id="3" name="Notes Placeholder 2"/>
+          <p:cNvSpPr>
+            <a:spLocks noGrp="1"/>
+          </p:cNvSpPr>
+          <p:nvPr>
+            <p:ph type="body" idx="1"/>
+          </p:nvPr>
+        </p:nvSpPr>
+        <p:spPr/>
+        <p:txBody>
+          <a:bodyPr/>
+          <a:lstStyle/>
+          <a:p>
+            <a:r>
+              <a:rPr lang="en-US" dirty="0">
+                <a:ea typeface="Calibri"/>
+                <a:cs typeface="Calibri"/>
+              </a:rPr>
+              <a:t>This is most useful when looking at regional market differences in health questions. </a:t>
+            </a:r>
+          </a:p>
+        </p:txBody>
+      </p:sp>
+      <p:sp>
+        <p:nvSpPr>
+          <p:cNvPr id="4" name="Slide Number Placeholder 3"/>
+          <p:cNvSpPr>
+            <a:spLocks noGrp="1"/>
+          </p:cNvSpPr>
+          <p:nvPr>
+            <p:ph type="sldNum" sz="quarter" idx="5"/>
+          </p:nvPr>
+        </p:nvSpPr>
+        <p:spPr/>
+        <p:txBody>
+          <a:bodyPr/>
+          <a:lstStyle/>
+          <a:p>
+            <a:fld id="{3298C5B2-5D6B-2949-9D6C-64FEDA8AB56A}" type="slidenum">
+              <a:rPr lang="en-US" smtClean="0"/>
+              <a:t>64</a:t>
             </a:fld>
             <a:endParaRPr lang="en-US"/>
           </a:p>
@@ -5479,7 +5986,7 @@
             <a:fld id="{0972D05C-DCFB-4BB6-B49C-AC126BF3ED2C}" type="datetimeFigureOut">
               <a:rPr lang="en-US" smtClean="0"/>
               <a:pPr/>
-              <a:t>8/12/2022</a:t>
+              <a:t>9/6/2022</a:t>
             </a:fld>
             <a:endParaRPr lang="en-US"/>
           </a:p>
@@ -5709,7 +6216,7 @@
             <a:fld id="{0972D05C-DCFB-4BB6-B49C-AC126BF3ED2C}" type="datetimeFigureOut">
               <a:rPr lang="en-US" smtClean="0"/>
               <a:pPr/>
-              <a:t>8/12/2022</a:t>
+              <a:t>9/6/2022</a:t>
             </a:fld>
             <a:endParaRPr lang="en-US"/>
           </a:p>
@@ -5891,7 +6398,7 @@
             <a:fld id="{0972D05C-DCFB-4BB6-B49C-AC126BF3ED2C}" type="datetimeFigureOut">
               <a:rPr lang="en-US" smtClean="0"/>
               <a:pPr/>
-              <a:t>8/12/2022</a:t>
+              <a:t>9/6/2022</a:t>
             </a:fld>
             <a:endParaRPr lang="en-US"/>
           </a:p>
@@ -6063,7 +6570,7 @@
             <a:fld id="{0972D05C-DCFB-4BB6-B49C-AC126BF3ED2C}" type="datetimeFigureOut">
               <a:rPr lang="en-US" smtClean="0"/>
               <a:pPr/>
-              <a:t>8/12/2022</a:t>
+              <a:t>9/6/2022</a:t>
             </a:fld>
             <a:endParaRPr lang="en-US"/>
           </a:p>
@@ -6319,7 +6826,7 @@
             <a:fld id="{0972D05C-DCFB-4BB6-B49C-AC126BF3ED2C}" type="datetimeFigureOut">
               <a:rPr lang="en-US" smtClean="0"/>
               <a:pPr/>
-              <a:t>8/12/2022</a:t>
+              <a:t>9/6/2022</a:t>
             </a:fld>
             <a:endParaRPr lang="en-US"/>
           </a:p>
@@ -6647,7 +7154,7 @@
             <a:fld id="{0972D05C-DCFB-4BB6-B49C-AC126BF3ED2C}" type="datetimeFigureOut">
               <a:rPr lang="en-US" smtClean="0"/>
               <a:pPr/>
-              <a:t>8/12/2022</a:t>
+              <a:t>9/6/2022</a:t>
             </a:fld>
             <a:endParaRPr lang="en-US"/>
           </a:p>
@@ -7100,7 +7607,7 @@
             <a:fld id="{0972D05C-DCFB-4BB6-B49C-AC126BF3ED2C}" type="datetimeFigureOut">
               <a:rPr lang="en-US" smtClean="0"/>
               <a:pPr/>
-              <a:t>8/12/2022</a:t>
+              <a:t>9/6/2022</a:t>
             </a:fld>
             <a:endParaRPr lang="en-US"/>
           </a:p>
@@ -7220,7 +7727,7 @@
             <a:fld id="{0972D05C-DCFB-4BB6-B49C-AC126BF3ED2C}" type="datetimeFigureOut">
               <a:rPr lang="en-US" smtClean="0"/>
               <a:pPr/>
-              <a:t>8/12/2022</a:t>
+              <a:t>9/6/2022</a:t>
             </a:fld>
             <a:endParaRPr lang="en-US"/>
           </a:p>
@@ -7317,7 +7824,7 @@
             <a:fld id="{0972D05C-DCFB-4BB6-B49C-AC126BF3ED2C}" type="datetimeFigureOut">
               <a:rPr lang="en-US" smtClean="0"/>
               <a:pPr/>
-              <a:t>8/12/2022</a:t>
+              <a:t>9/6/2022</a:t>
             </a:fld>
             <a:endParaRPr lang="en-US"/>
           </a:p>
@@ -7606,7 +8113,7 @@
             <a:fld id="{0972D05C-DCFB-4BB6-B49C-AC126BF3ED2C}" type="datetimeFigureOut">
               <a:rPr lang="en-US" smtClean="0"/>
               <a:pPr/>
-              <a:t>8/12/2022</a:t>
+              <a:t>9/6/2022</a:t>
             </a:fld>
             <a:endParaRPr lang="en-US"/>
           </a:p>
@@ -7930,7 +8437,7 @@
             <a:fld id="{0972D05C-DCFB-4BB6-B49C-AC126BF3ED2C}" type="datetimeFigureOut">
               <a:rPr lang="en-US" smtClean="0"/>
               <a:pPr/>
-              <a:t>8/12/2022</a:t>
+              <a:t>9/6/2022</a:t>
             </a:fld>
             <a:endParaRPr lang="en-US"/>
           </a:p>
@@ -8185,7 +8692,7 @@
             <a:fld id="{0972D05C-DCFB-4BB6-B49C-AC126BF3ED2C}" type="datetimeFigureOut">
               <a:rPr lang="en-US" smtClean="0"/>
               <a:pPr/>
-              <a:t>8/12/2022</a:t>
+              <a:t>9/6/2022</a:t>
             </a:fld>
             <a:endParaRPr lang="en-US" dirty="0"/>
           </a:p>
@@ -8819,8 +9326,8 @@
           </a:p>
         </p:txBody>
       </p:sp>
-      <mc:AlternateContent xmlns:mc="http://schemas.openxmlformats.org/markup-compatibility/2006">
-        <mc:Choice xmlns:a14="http://schemas.microsoft.com/office/drawing/2010/main" Requires="a14">
+      <mc:AlternateContent xmlns:mc="http://schemas.openxmlformats.org/markup-compatibility/2006" xmlns:a14="http://schemas.microsoft.com/office/drawing/2010/main">
+        <mc:Choice Requires="a14">
           <p:sp>
             <p:nvSpPr>
               <p:cNvPr id="3" name="Content Placeholder 2"/>
@@ -9358,7 +9865,7 @@
             </p:txBody>
           </p:sp>
         </mc:Choice>
-        <mc:Fallback>
+        <mc:Fallback xmlns="">
           <p:sp>
             <p:nvSpPr>
               <p:cNvPr id="3" name="Content Placeholder 2"/>
@@ -9461,8 +9968,8 @@
           </a:p>
         </p:txBody>
       </p:sp>
-      <mc:AlternateContent xmlns:mc="http://schemas.openxmlformats.org/markup-compatibility/2006">
-        <mc:Choice xmlns:a14="http://schemas.microsoft.com/office/drawing/2010/main" Requires="a14">
+      <mc:AlternateContent xmlns:mc="http://schemas.openxmlformats.org/markup-compatibility/2006" xmlns:a14="http://schemas.microsoft.com/office/drawing/2010/main">
+        <mc:Choice Requires="a14">
           <p:sp>
             <p:nvSpPr>
               <p:cNvPr id="3" name="Content Placeholder 2"/>
@@ -9735,7 +10242,7 @@
             </p:txBody>
           </p:sp>
         </mc:Choice>
-        <mc:Fallback>
+        <mc:Fallback xmlns="">
           <p:sp>
             <p:nvSpPr>
               <p:cNvPr id="3" name="Content Placeholder 2"/>
@@ -11698,6 +12205,1197 @@
 <file path=ppt/slides/slide20.xml><?xml version="1.0" encoding="utf-8"?>
 <p:sld xmlns:a="http://schemas.openxmlformats.org/drawingml/2006/main" xmlns:r="http://schemas.openxmlformats.org/officeDocument/2006/relationships" xmlns:p="http://schemas.openxmlformats.org/presentationml/2006/main">
   <p:cSld>
+    <p:bg>
+      <p:bgPr>
+        <a:solidFill>
+          <a:schemeClr val="bg1"/>
+        </a:solidFill>
+        <a:effectLst/>
+      </p:bgPr>
+    </p:bg>
+    <p:spTree>
+      <p:nvGrpSpPr>
+        <p:cNvPr id="1" name=""/>
+        <p:cNvGrpSpPr/>
+        <p:nvPr/>
+      </p:nvGrpSpPr>
+      <p:grpSpPr>
+        <a:xfrm>
+          <a:off x="0" y="0"/>
+          <a:ext cx="0" cy="0"/>
+          <a:chOff x="0" y="0"/>
+          <a:chExt cx="0" cy="0"/>
+        </a:xfrm>
+      </p:grpSpPr>
+      <p:sp>
+        <p:nvSpPr>
+          <p:cNvPr id="12" name="Rectangle 11">
+            <a:extLst>
+              <a:ext uri="{FF2B5EF4-FFF2-40B4-BE49-F238E27FC236}">
+                <a16:creationId xmlns:a16="http://schemas.microsoft.com/office/drawing/2014/main" id="{5D5E0904-721C-4D68-9EB8-1C9752E329A7}"/>
+              </a:ext>
+              <a:ext uri="{C183D7F6-B498-43B3-948B-1728B52AA6E4}">
+                <adec:decorative xmlns:adec="http://schemas.microsoft.com/office/drawing/2017/decorative" val="1"/>
+              </a:ext>
+            </a:extLst>
+          </p:cNvPr>
+          <p:cNvSpPr>
+            <a:spLocks noGrp="1" noRot="1" noChangeAspect="1" noMove="1" noResize="1" noEditPoints="1" noAdjustHandles="1" noChangeArrowheads="1" noChangeShapeType="1" noTextEdit="1"/>
+          </p:cNvSpPr>
+          <p:nvPr>
+            <p:extLst>
+              <p:ext uri="{386F3935-93C4-4BCD-93E2-E3B085C9AB24}">
+                <p16:designElem xmlns:p16="http://schemas.microsoft.com/office/powerpoint/2015/main" val="1"/>
+              </p:ext>
+            </p:extLst>
+          </p:nvPr>
+        </p:nvSpPr>
+        <p:spPr>
+          <a:xfrm>
+            <a:off x="0" y="0"/>
+            <a:ext cx="457200" cy="6858000"/>
+          </a:xfrm>
+          <a:prstGeom prst="rect">
+            <a:avLst/>
+          </a:prstGeom>
+          <a:solidFill>
+            <a:schemeClr val="accent1"/>
+          </a:solidFill>
+          <a:ln>
+            <a:noFill/>
+          </a:ln>
+        </p:spPr>
+        <p:style>
+          <a:lnRef idx="2">
+            <a:schemeClr val="accent1">
+              <a:shade val="50000"/>
+            </a:schemeClr>
+          </a:lnRef>
+          <a:fillRef idx="1">
+            <a:schemeClr val="accent1"/>
+          </a:fillRef>
+          <a:effectRef idx="0">
+            <a:schemeClr val="accent1"/>
+          </a:effectRef>
+          <a:fontRef idx="minor">
+            <a:schemeClr val="lt1"/>
+          </a:fontRef>
+        </p:style>
+      </p:sp>
+      <p:sp useBgFill="1">
+        <p:nvSpPr>
+          <p:cNvPr id="14" name="Rectangle 13">
+            <a:extLst>
+              <a:ext uri="{FF2B5EF4-FFF2-40B4-BE49-F238E27FC236}">
+                <a16:creationId xmlns:a16="http://schemas.microsoft.com/office/drawing/2014/main" id="{D0CDF5D3-7220-42A0-9D37-ECF3BF283B37}"/>
+              </a:ext>
+              <a:ext uri="{C183D7F6-B498-43B3-948B-1728B52AA6E4}">
+                <adec:decorative xmlns:adec="http://schemas.microsoft.com/office/drawing/2017/decorative" val="1"/>
+              </a:ext>
+            </a:extLst>
+          </p:cNvPr>
+          <p:cNvSpPr>
+            <a:spLocks noGrp="1" noRot="1" noChangeAspect="1" noMove="1" noResize="1" noEditPoints="1" noAdjustHandles="1" noChangeArrowheads="1" noChangeShapeType="1" noTextEdit="1"/>
+          </p:cNvSpPr>
+          <p:nvPr>
+            <p:extLst>
+              <p:ext uri="{386F3935-93C4-4BCD-93E2-E3B085C9AB24}">
+                <p16:designElem xmlns:p16="http://schemas.microsoft.com/office/powerpoint/2015/main" val="1"/>
+              </p:ext>
+            </p:extLst>
+          </p:nvPr>
+        </p:nvSpPr>
+        <p:spPr>
+          <a:xfrm>
+            <a:off x="457200" y="0"/>
+            <a:ext cx="10835640" cy="5105400"/>
+          </a:xfrm>
+          <a:prstGeom prst="rect">
+            <a:avLst/>
+          </a:prstGeom>
+          <a:ln>
+            <a:noFill/>
+          </a:ln>
+        </p:spPr>
+        <p:style>
+          <a:lnRef idx="2">
+            <a:schemeClr val="accent1">
+              <a:shade val="50000"/>
+            </a:schemeClr>
+          </a:lnRef>
+          <a:fillRef idx="1">
+            <a:schemeClr val="accent1"/>
+          </a:fillRef>
+          <a:effectRef idx="0">
+            <a:schemeClr val="accent1"/>
+          </a:effectRef>
+          <a:fontRef idx="minor">
+            <a:schemeClr val="lt1"/>
+          </a:fontRef>
+        </p:style>
+      </p:sp>
+      <p:sp>
+        <p:nvSpPr>
+          <p:cNvPr id="16" name="Rectangle 15">
+            <a:extLst>
+              <a:ext uri="{FF2B5EF4-FFF2-40B4-BE49-F238E27FC236}">
+                <a16:creationId xmlns:a16="http://schemas.microsoft.com/office/drawing/2014/main" id="{64BC717F-58B3-4A4E-BC3B-1B11323AD5C9}"/>
+              </a:ext>
+              <a:ext uri="{C183D7F6-B498-43B3-948B-1728B52AA6E4}">
+                <adec:decorative xmlns:adec="http://schemas.microsoft.com/office/drawing/2017/decorative" val="1"/>
+              </a:ext>
+            </a:extLst>
+          </p:cNvPr>
+          <p:cNvSpPr>
+            <a:spLocks noGrp="1" noRot="1" noChangeAspect="1" noMove="1" noResize="1" noEditPoints="1" noAdjustHandles="1" noChangeArrowheads="1" noChangeShapeType="1" noTextEdit="1"/>
+          </p:cNvSpPr>
+          <p:nvPr>
+            <p:extLst>
+              <p:ext uri="{386F3935-93C4-4BCD-93E2-E3B085C9AB24}">
+                <p16:designElem xmlns:p16="http://schemas.microsoft.com/office/powerpoint/2015/main" val="1"/>
+              </p:ext>
+            </p:extLst>
+          </p:nvPr>
+        </p:nvSpPr>
+        <p:spPr>
+          <a:xfrm>
+            <a:off x="457200" y="5105400"/>
+            <a:ext cx="10835640" cy="1752600"/>
+          </a:xfrm>
+          <a:prstGeom prst="rect">
+            <a:avLst/>
+          </a:prstGeom>
+          <a:solidFill>
+            <a:srgbClr val="353537"/>
+          </a:solidFill>
+          <a:ln>
+            <a:noFill/>
+          </a:ln>
+        </p:spPr>
+        <p:style>
+          <a:lnRef idx="2">
+            <a:schemeClr val="accent1">
+              <a:shade val="50000"/>
+            </a:schemeClr>
+          </a:lnRef>
+          <a:fillRef idx="1">
+            <a:schemeClr val="accent1"/>
+          </a:fillRef>
+          <a:effectRef idx="0">
+            <a:schemeClr val="accent1"/>
+          </a:effectRef>
+          <a:fontRef idx="minor">
+            <a:schemeClr val="lt1"/>
+          </a:fontRef>
+        </p:style>
+      </p:sp>
+      <p:sp>
+        <p:nvSpPr>
+          <p:cNvPr id="2" name="Title 1"/>
+          <p:cNvSpPr>
+            <a:spLocks noGrp="1"/>
+          </p:cNvSpPr>
+          <p:nvPr>
+            <p:ph type="title"/>
+          </p:nvPr>
+        </p:nvSpPr>
+        <p:spPr>
+          <a:xfrm>
+            <a:off x="944183" y="5181600"/>
+            <a:ext cx="10156435" cy="1076324"/>
+          </a:xfrm>
+        </p:spPr>
+        <p:txBody>
+          <a:bodyPr vert="horz" lIns="91440" tIns="45720" rIns="91440" bIns="45720" rtlCol="0" anchor="b">
+            <a:normAutofit/>
+          </a:bodyPr>
+          <a:lstStyle/>
+          <a:p>
+            <a:pPr>
+              <a:lnSpc>
+                <a:spcPct val="85000"/>
+              </a:lnSpc>
+            </a:pPr>
+            <a:r>
+              <a:rPr lang="en-US" sz="4600">
+                <a:solidFill>
+                  <a:srgbClr val="FFFFFF"/>
+                </a:solidFill>
+                <a:latin typeface="+mj-lt"/>
+              </a:rPr>
+              <a:t>Instrumental Variables: Relevance</a:t>
+            </a:r>
+          </a:p>
+        </p:txBody>
+      </p:sp>
+      <p:sp>
+        <p:nvSpPr>
+          <p:cNvPr id="18" name="Rectangle 17">
+            <a:extLst>
+              <a:ext uri="{FF2B5EF4-FFF2-40B4-BE49-F238E27FC236}">
+                <a16:creationId xmlns:a16="http://schemas.microsoft.com/office/drawing/2014/main" id="{1EE75710-64C5-4CA8-8A7C-82EE4125C90D}"/>
+              </a:ext>
+              <a:ext uri="{C183D7F6-B498-43B3-948B-1728B52AA6E4}">
+                <adec:decorative xmlns:adec="http://schemas.microsoft.com/office/drawing/2017/decorative" val="1"/>
+              </a:ext>
+            </a:extLst>
+          </p:cNvPr>
+          <p:cNvSpPr>
+            <a:spLocks noGrp="1" noRot="1" noChangeAspect="1" noMove="1" noResize="1" noEditPoints="1" noAdjustHandles="1" noChangeArrowheads="1" noChangeShapeType="1" noTextEdit="1"/>
+          </p:cNvSpPr>
+          <p:nvPr>
+            <p:extLst>
+              <p:ext uri="{386F3935-93C4-4BCD-93E2-E3B085C9AB24}">
+                <p16:designElem xmlns:p16="http://schemas.microsoft.com/office/powerpoint/2015/main" val="1"/>
+              </p:ext>
+            </p:extLst>
+          </p:nvPr>
+        </p:nvSpPr>
+        <p:spPr>
+          <a:xfrm>
+            <a:off x="0" y="0"/>
+            <a:ext cx="457200" cy="6858000"/>
+          </a:xfrm>
+          <a:prstGeom prst="rect">
+            <a:avLst/>
+          </a:prstGeom>
+          <a:solidFill>
+            <a:srgbClr val="6F6F74"/>
+          </a:solidFill>
+          <a:ln>
+            <a:noFill/>
+          </a:ln>
+        </p:spPr>
+        <p:style>
+          <a:lnRef idx="2">
+            <a:schemeClr val="accent1">
+              <a:shade val="50000"/>
+            </a:schemeClr>
+          </a:lnRef>
+          <a:fillRef idx="1">
+            <a:schemeClr val="accent1"/>
+          </a:fillRef>
+          <a:effectRef idx="0">
+            <a:schemeClr val="accent1"/>
+          </a:effectRef>
+          <a:fontRef idx="minor">
+            <a:schemeClr val="lt1"/>
+          </a:fontRef>
+        </p:style>
+        <p:txBody>
+          <a:bodyPr rtlCol="0" anchor="ctr"/>
+          <a:lstStyle/>
+          <a:p>
+            <a:pPr algn="ctr"/>
+            <a:endParaRPr lang="en-US"/>
+          </a:p>
+        </p:txBody>
+      </p:sp>
+      <p:pic>
+        <p:nvPicPr>
+          <p:cNvPr id="7" name="Content Placeholder 6" descr="Text&#10;&#10;Description automatically generated">
+            <a:extLst>
+              <a:ext uri="{FF2B5EF4-FFF2-40B4-BE49-F238E27FC236}">
+                <a16:creationId xmlns:a16="http://schemas.microsoft.com/office/drawing/2014/main" id="{ECA2B565-D278-76A8-1438-4DE03E411B42}"/>
+              </a:ext>
+            </a:extLst>
+          </p:cNvPr>
+          <p:cNvPicPr>
+            <a:picLocks noGrp="1" noChangeAspect="1"/>
+          </p:cNvPicPr>
+          <p:nvPr>
+            <p:ph idx="1"/>
+          </p:nvPr>
+        </p:nvPicPr>
+        <p:blipFill>
+          <a:blip r:embed="rId3"/>
+          <a:stretch>
+            <a:fillRect/>
+          </a:stretch>
+        </p:blipFill>
+        <p:spPr>
+          <a:xfrm>
+            <a:off x="1097280" y="873624"/>
+            <a:ext cx="9594723" cy="3358153"/>
+          </a:xfrm>
+          <a:prstGeom prst="rect">
+            <a:avLst/>
+          </a:prstGeom>
+        </p:spPr>
+      </p:pic>
+      <p:sp>
+        <p:nvSpPr>
+          <p:cNvPr id="20" name="Rectangle 19">
+            <a:extLst>
+              <a:ext uri="{FF2B5EF4-FFF2-40B4-BE49-F238E27FC236}">
+                <a16:creationId xmlns:a16="http://schemas.microsoft.com/office/drawing/2014/main" id="{435050B1-74E1-4A81-923D-0F5971A3BC01}"/>
+              </a:ext>
+              <a:ext uri="{C183D7F6-B498-43B3-948B-1728B52AA6E4}">
+                <adec:decorative xmlns:adec="http://schemas.microsoft.com/office/drawing/2017/decorative" val="1"/>
+              </a:ext>
+            </a:extLst>
+          </p:cNvPr>
+          <p:cNvSpPr>
+            <a:spLocks noGrp="1" noRot="1" noChangeAspect="1" noMove="1" noResize="1" noEditPoints="1" noAdjustHandles="1" noChangeArrowheads="1" noChangeShapeType="1" noTextEdit="1"/>
+          </p:cNvSpPr>
+          <p:nvPr>
+            <p:extLst>
+              <p:ext uri="{386F3935-93C4-4BCD-93E2-E3B085C9AB24}">
+                <p16:designElem xmlns:p16="http://schemas.microsoft.com/office/powerpoint/2015/main" val="1"/>
+              </p:ext>
+            </p:extLst>
+          </p:nvPr>
+        </p:nvSpPr>
+        <p:spPr>
+          <a:xfrm>
+            <a:off x="11292840" y="0"/>
+            <a:ext cx="899160" cy="6858000"/>
+          </a:xfrm>
+          <a:prstGeom prst="rect">
+            <a:avLst/>
+          </a:prstGeom>
+          <a:solidFill>
+            <a:srgbClr val="353537"/>
+          </a:solidFill>
+          <a:ln>
+            <a:noFill/>
+          </a:ln>
+        </p:spPr>
+        <p:style>
+          <a:lnRef idx="2">
+            <a:schemeClr val="accent1">
+              <a:shade val="50000"/>
+            </a:schemeClr>
+          </a:lnRef>
+          <a:fillRef idx="1">
+            <a:schemeClr val="accent1"/>
+          </a:fillRef>
+          <a:effectRef idx="0">
+            <a:schemeClr val="accent1"/>
+          </a:effectRef>
+          <a:fontRef idx="minor">
+            <a:schemeClr val="lt1"/>
+          </a:fontRef>
+        </p:style>
+        <p:txBody>
+          <a:bodyPr rtlCol="0" anchor="ctr"/>
+          <a:lstStyle/>
+          <a:p>
+            <a:pPr algn="ctr"/>
+            <a:endParaRPr lang="en-US"/>
+          </a:p>
+        </p:txBody>
+      </p:sp>
+    </p:spTree>
+    <p:extLst>
+      <p:ext uri="{BB962C8B-B14F-4D97-AF65-F5344CB8AC3E}">
+        <p14:creationId xmlns:p14="http://schemas.microsoft.com/office/powerpoint/2010/main" val="2812261787"/>
+      </p:ext>
+    </p:extLst>
+  </p:cSld>
+  <p:clrMapOvr>
+    <a:masterClrMapping/>
+  </p:clrMapOvr>
+</p:sld>
+</file>
+
+<file path=ppt/slides/slide21.xml><?xml version="1.0" encoding="utf-8"?>
+<p:sld xmlns:a="http://schemas.openxmlformats.org/drawingml/2006/main" xmlns:r="http://schemas.openxmlformats.org/officeDocument/2006/relationships" xmlns:p="http://schemas.openxmlformats.org/presentationml/2006/main">
+  <p:cSld>
+    <p:bg>
+      <p:bgPr>
+        <a:solidFill>
+          <a:schemeClr val="bg1"/>
+        </a:solidFill>
+        <a:effectLst/>
+      </p:bgPr>
+    </p:bg>
+    <p:spTree>
+      <p:nvGrpSpPr>
+        <p:cNvPr id="1" name=""/>
+        <p:cNvGrpSpPr/>
+        <p:nvPr/>
+      </p:nvGrpSpPr>
+      <p:grpSpPr>
+        <a:xfrm>
+          <a:off x="0" y="0"/>
+          <a:ext cx="0" cy="0"/>
+          <a:chOff x="0" y="0"/>
+          <a:chExt cx="0" cy="0"/>
+        </a:xfrm>
+      </p:grpSpPr>
+      <p:sp>
+        <p:nvSpPr>
+          <p:cNvPr id="11" name="Rectangle 10">
+            <a:extLst>
+              <a:ext uri="{FF2B5EF4-FFF2-40B4-BE49-F238E27FC236}">
+                <a16:creationId xmlns:a16="http://schemas.microsoft.com/office/drawing/2014/main" id="{5D5E0904-721C-4D68-9EB8-1C9752E329A7}"/>
+              </a:ext>
+              <a:ext uri="{C183D7F6-B498-43B3-948B-1728B52AA6E4}">
+                <adec:decorative xmlns:adec="http://schemas.microsoft.com/office/drawing/2017/decorative" val="1"/>
+              </a:ext>
+            </a:extLst>
+          </p:cNvPr>
+          <p:cNvSpPr>
+            <a:spLocks noGrp="1" noRot="1" noChangeAspect="1" noMove="1" noResize="1" noEditPoints="1" noAdjustHandles="1" noChangeArrowheads="1" noChangeShapeType="1" noTextEdit="1"/>
+          </p:cNvSpPr>
+          <p:nvPr>
+            <p:extLst>
+              <p:ext uri="{386F3935-93C4-4BCD-93E2-E3B085C9AB24}">
+                <p16:designElem xmlns:p16="http://schemas.microsoft.com/office/powerpoint/2015/main" val="1"/>
+              </p:ext>
+            </p:extLst>
+          </p:nvPr>
+        </p:nvSpPr>
+        <p:spPr>
+          <a:xfrm>
+            <a:off x="0" y="0"/>
+            <a:ext cx="457200" cy="6858000"/>
+          </a:xfrm>
+          <a:prstGeom prst="rect">
+            <a:avLst/>
+          </a:prstGeom>
+          <a:solidFill>
+            <a:schemeClr val="accent1"/>
+          </a:solidFill>
+          <a:ln>
+            <a:noFill/>
+          </a:ln>
+        </p:spPr>
+        <p:style>
+          <a:lnRef idx="2">
+            <a:schemeClr val="accent1">
+              <a:shade val="50000"/>
+            </a:schemeClr>
+          </a:lnRef>
+          <a:fillRef idx="1">
+            <a:schemeClr val="accent1"/>
+          </a:fillRef>
+          <a:effectRef idx="0">
+            <a:schemeClr val="accent1"/>
+          </a:effectRef>
+          <a:fontRef idx="minor">
+            <a:schemeClr val="lt1"/>
+          </a:fontRef>
+        </p:style>
+      </p:sp>
+      <p:sp useBgFill="1">
+        <p:nvSpPr>
+          <p:cNvPr id="13" name="Rectangle 12">
+            <a:extLst>
+              <a:ext uri="{FF2B5EF4-FFF2-40B4-BE49-F238E27FC236}">
+                <a16:creationId xmlns:a16="http://schemas.microsoft.com/office/drawing/2014/main" id="{D0CDF5D3-7220-42A0-9D37-ECF3BF283B37}"/>
+              </a:ext>
+              <a:ext uri="{C183D7F6-B498-43B3-948B-1728B52AA6E4}">
+                <adec:decorative xmlns:adec="http://schemas.microsoft.com/office/drawing/2017/decorative" val="1"/>
+              </a:ext>
+            </a:extLst>
+          </p:cNvPr>
+          <p:cNvSpPr>
+            <a:spLocks noGrp="1" noRot="1" noChangeAspect="1" noMove="1" noResize="1" noEditPoints="1" noAdjustHandles="1" noChangeArrowheads="1" noChangeShapeType="1" noTextEdit="1"/>
+          </p:cNvSpPr>
+          <p:nvPr>
+            <p:extLst>
+              <p:ext uri="{386F3935-93C4-4BCD-93E2-E3B085C9AB24}">
+                <p16:designElem xmlns:p16="http://schemas.microsoft.com/office/powerpoint/2015/main" val="1"/>
+              </p:ext>
+            </p:extLst>
+          </p:nvPr>
+        </p:nvSpPr>
+        <p:spPr>
+          <a:xfrm>
+            <a:off x="457200" y="0"/>
+            <a:ext cx="10835640" cy="5105400"/>
+          </a:xfrm>
+          <a:prstGeom prst="rect">
+            <a:avLst/>
+          </a:prstGeom>
+          <a:ln>
+            <a:noFill/>
+          </a:ln>
+        </p:spPr>
+        <p:style>
+          <a:lnRef idx="2">
+            <a:schemeClr val="accent1">
+              <a:shade val="50000"/>
+            </a:schemeClr>
+          </a:lnRef>
+          <a:fillRef idx="1">
+            <a:schemeClr val="accent1"/>
+          </a:fillRef>
+          <a:effectRef idx="0">
+            <a:schemeClr val="accent1"/>
+          </a:effectRef>
+          <a:fontRef idx="minor">
+            <a:schemeClr val="lt1"/>
+          </a:fontRef>
+        </p:style>
+      </p:sp>
+      <p:sp>
+        <p:nvSpPr>
+          <p:cNvPr id="15" name="Rectangle 14">
+            <a:extLst>
+              <a:ext uri="{FF2B5EF4-FFF2-40B4-BE49-F238E27FC236}">
+                <a16:creationId xmlns:a16="http://schemas.microsoft.com/office/drawing/2014/main" id="{64BC717F-58B3-4A4E-BC3B-1B11323AD5C9}"/>
+              </a:ext>
+              <a:ext uri="{C183D7F6-B498-43B3-948B-1728B52AA6E4}">
+                <adec:decorative xmlns:adec="http://schemas.microsoft.com/office/drawing/2017/decorative" val="1"/>
+              </a:ext>
+            </a:extLst>
+          </p:cNvPr>
+          <p:cNvSpPr>
+            <a:spLocks noGrp="1" noRot="1" noChangeAspect="1" noMove="1" noResize="1" noEditPoints="1" noAdjustHandles="1" noChangeArrowheads="1" noChangeShapeType="1" noTextEdit="1"/>
+          </p:cNvSpPr>
+          <p:nvPr>
+            <p:extLst>
+              <p:ext uri="{386F3935-93C4-4BCD-93E2-E3B085C9AB24}">
+                <p16:designElem xmlns:p16="http://schemas.microsoft.com/office/powerpoint/2015/main" val="1"/>
+              </p:ext>
+            </p:extLst>
+          </p:nvPr>
+        </p:nvSpPr>
+        <p:spPr>
+          <a:xfrm>
+            <a:off x="457200" y="5105400"/>
+            <a:ext cx="10835640" cy="1752600"/>
+          </a:xfrm>
+          <a:prstGeom prst="rect">
+            <a:avLst/>
+          </a:prstGeom>
+          <a:solidFill>
+            <a:srgbClr val="353537"/>
+          </a:solidFill>
+          <a:ln>
+            <a:noFill/>
+          </a:ln>
+        </p:spPr>
+        <p:style>
+          <a:lnRef idx="2">
+            <a:schemeClr val="accent1">
+              <a:shade val="50000"/>
+            </a:schemeClr>
+          </a:lnRef>
+          <a:fillRef idx="1">
+            <a:schemeClr val="accent1"/>
+          </a:fillRef>
+          <a:effectRef idx="0">
+            <a:schemeClr val="accent1"/>
+          </a:effectRef>
+          <a:fontRef idx="minor">
+            <a:schemeClr val="lt1"/>
+          </a:fontRef>
+        </p:style>
+      </p:sp>
+      <p:sp>
+        <p:nvSpPr>
+          <p:cNvPr id="2" name="Title 1"/>
+          <p:cNvSpPr>
+            <a:spLocks noGrp="1"/>
+          </p:cNvSpPr>
+          <p:nvPr>
+            <p:ph type="title"/>
+          </p:nvPr>
+        </p:nvSpPr>
+        <p:spPr>
+          <a:xfrm>
+            <a:off x="944183" y="5181600"/>
+            <a:ext cx="10156435" cy="1076324"/>
+          </a:xfrm>
+        </p:spPr>
+        <p:txBody>
+          <a:bodyPr vert="horz" lIns="91440" tIns="45720" rIns="91440" bIns="45720" rtlCol="0" anchor="b">
+            <a:normAutofit/>
+          </a:bodyPr>
+          <a:lstStyle/>
+          <a:p>
+            <a:pPr>
+              <a:lnSpc>
+                <a:spcPct val="85000"/>
+              </a:lnSpc>
+            </a:pPr>
+            <a:r>
+              <a:rPr lang="en-US" sz="4600" dirty="0">
+                <a:solidFill>
+                  <a:srgbClr val="FFFFFF"/>
+                </a:solidFill>
+                <a:latin typeface="+mj-lt"/>
+              </a:rPr>
+              <a:t>Instrumental Variables: Exclusion</a:t>
+            </a:r>
+          </a:p>
+        </p:txBody>
+      </p:sp>
+      <p:sp>
+        <p:nvSpPr>
+          <p:cNvPr id="17" name="Rectangle 16">
+            <a:extLst>
+              <a:ext uri="{FF2B5EF4-FFF2-40B4-BE49-F238E27FC236}">
+                <a16:creationId xmlns:a16="http://schemas.microsoft.com/office/drawing/2014/main" id="{1EE75710-64C5-4CA8-8A7C-82EE4125C90D}"/>
+              </a:ext>
+              <a:ext uri="{C183D7F6-B498-43B3-948B-1728B52AA6E4}">
+                <adec:decorative xmlns:adec="http://schemas.microsoft.com/office/drawing/2017/decorative" val="1"/>
+              </a:ext>
+            </a:extLst>
+          </p:cNvPr>
+          <p:cNvSpPr>
+            <a:spLocks noGrp="1" noRot="1" noChangeAspect="1" noMove="1" noResize="1" noEditPoints="1" noAdjustHandles="1" noChangeArrowheads="1" noChangeShapeType="1" noTextEdit="1"/>
+          </p:cNvSpPr>
+          <p:nvPr>
+            <p:extLst>
+              <p:ext uri="{386F3935-93C4-4BCD-93E2-E3B085C9AB24}">
+                <p16:designElem xmlns:p16="http://schemas.microsoft.com/office/powerpoint/2015/main" val="1"/>
+              </p:ext>
+            </p:extLst>
+          </p:nvPr>
+        </p:nvSpPr>
+        <p:spPr>
+          <a:xfrm>
+            <a:off x="0" y="0"/>
+            <a:ext cx="457200" cy="6858000"/>
+          </a:xfrm>
+          <a:prstGeom prst="rect">
+            <a:avLst/>
+          </a:prstGeom>
+          <a:solidFill>
+            <a:srgbClr val="6F6F74"/>
+          </a:solidFill>
+          <a:ln>
+            <a:noFill/>
+          </a:ln>
+        </p:spPr>
+        <p:style>
+          <a:lnRef idx="2">
+            <a:schemeClr val="accent1">
+              <a:shade val="50000"/>
+            </a:schemeClr>
+          </a:lnRef>
+          <a:fillRef idx="1">
+            <a:schemeClr val="accent1"/>
+          </a:fillRef>
+          <a:effectRef idx="0">
+            <a:schemeClr val="accent1"/>
+          </a:effectRef>
+          <a:fontRef idx="minor">
+            <a:schemeClr val="lt1"/>
+          </a:fontRef>
+        </p:style>
+        <p:txBody>
+          <a:bodyPr rtlCol="0" anchor="ctr"/>
+          <a:lstStyle/>
+          <a:p>
+            <a:pPr algn="ctr"/>
+            <a:endParaRPr lang="en-US"/>
+          </a:p>
+        </p:txBody>
+      </p:sp>
+      <p:pic>
+        <p:nvPicPr>
+          <p:cNvPr id="6" name="Content Placeholder 5">
+            <a:extLst>
+              <a:ext uri="{FF2B5EF4-FFF2-40B4-BE49-F238E27FC236}">
+                <a16:creationId xmlns:a16="http://schemas.microsoft.com/office/drawing/2014/main" id="{8BF81D22-6C80-DF98-9ADF-C02D7D5CB072}"/>
+              </a:ext>
+            </a:extLst>
+          </p:cNvPr>
+          <p:cNvPicPr>
+            <a:picLocks noGrp="1" noChangeAspect="1"/>
+          </p:cNvPicPr>
+          <p:nvPr>
+            <p:ph idx="1"/>
+          </p:nvPr>
+        </p:nvPicPr>
+        <p:blipFill>
+          <a:blip r:embed="rId3"/>
+          <a:stretch>
+            <a:fillRect/>
+          </a:stretch>
+        </p:blipFill>
+        <p:spPr>
+          <a:xfrm>
+            <a:off x="533399" y="685800"/>
+            <a:ext cx="10592343" cy="3733800"/>
+          </a:xfrm>
+          <a:prstGeom prst="rect">
+            <a:avLst/>
+          </a:prstGeom>
+        </p:spPr>
+      </p:pic>
+      <p:sp>
+        <p:nvSpPr>
+          <p:cNvPr id="19" name="Rectangle 18">
+            <a:extLst>
+              <a:ext uri="{FF2B5EF4-FFF2-40B4-BE49-F238E27FC236}">
+                <a16:creationId xmlns:a16="http://schemas.microsoft.com/office/drawing/2014/main" id="{435050B1-74E1-4A81-923D-0F5971A3BC01}"/>
+              </a:ext>
+              <a:ext uri="{C183D7F6-B498-43B3-948B-1728B52AA6E4}">
+                <adec:decorative xmlns:adec="http://schemas.microsoft.com/office/drawing/2017/decorative" val="1"/>
+              </a:ext>
+            </a:extLst>
+          </p:cNvPr>
+          <p:cNvSpPr>
+            <a:spLocks noGrp="1" noRot="1" noChangeAspect="1" noMove="1" noResize="1" noEditPoints="1" noAdjustHandles="1" noChangeArrowheads="1" noChangeShapeType="1" noTextEdit="1"/>
+          </p:cNvSpPr>
+          <p:nvPr>
+            <p:extLst>
+              <p:ext uri="{386F3935-93C4-4BCD-93E2-E3B085C9AB24}">
+                <p16:designElem xmlns:p16="http://schemas.microsoft.com/office/powerpoint/2015/main" val="1"/>
+              </p:ext>
+            </p:extLst>
+          </p:nvPr>
+        </p:nvSpPr>
+        <p:spPr>
+          <a:xfrm>
+            <a:off x="11292840" y="0"/>
+            <a:ext cx="899160" cy="6858000"/>
+          </a:xfrm>
+          <a:prstGeom prst="rect">
+            <a:avLst/>
+          </a:prstGeom>
+          <a:solidFill>
+            <a:srgbClr val="353537"/>
+          </a:solidFill>
+          <a:ln>
+            <a:noFill/>
+          </a:ln>
+        </p:spPr>
+        <p:style>
+          <a:lnRef idx="2">
+            <a:schemeClr val="accent1">
+              <a:shade val="50000"/>
+            </a:schemeClr>
+          </a:lnRef>
+          <a:fillRef idx="1">
+            <a:schemeClr val="accent1"/>
+          </a:fillRef>
+          <a:effectRef idx="0">
+            <a:schemeClr val="accent1"/>
+          </a:effectRef>
+          <a:fontRef idx="minor">
+            <a:schemeClr val="lt1"/>
+          </a:fontRef>
+        </p:style>
+        <p:txBody>
+          <a:bodyPr rtlCol="0" anchor="ctr"/>
+          <a:lstStyle/>
+          <a:p>
+            <a:pPr algn="ctr"/>
+            <a:endParaRPr lang="en-US"/>
+          </a:p>
+        </p:txBody>
+      </p:sp>
+    </p:spTree>
+    <p:extLst>
+      <p:ext uri="{BB962C8B-B14F-4D97-AF65-F5344CB8AC3E}">
+        <p14:creationId xmlns:p14="http://schemas.microsoft.com/office/powerpoint/2010/main" val="4064585942"/>
+      </p:ext>
+    </p:extLst>
+  </p:cSld>
+  <p:clrMapOvr>
+    <a:masterClrMapping/>
+  </p:clrMapOvr>
+</p:sld>
+</file>
+
+<file path=ppt/slides/slide22.xml><?xml version="1.0" encoding="utf-8"?>
+<p:sld xmlns:a="http://schemas.openxmlformats.org/drawingml/2006/main" xmlns:r="http://schemas.openxmlformats.org/officeDocument/2006/relationships" xmlns:p="http://schemas.openxmlformats.org/presentationml/2006/main">
+  <p:cSld>
+    <p:bg>
+      <p:bgPr>
+        <a:solidFill>
+          <a:schemeClr val="bg1"/>
+        </a:solidFill>
+        <a:effectLst/>
+      </p:bgPr>
+    </p:bg>
+    <p:spTree>
+      <p:nvGrpSpPr>
+        <p:cNvPr id="1" name=""/>
+        <p:cNvGrpSpPr/>
+        <p:nvPr/>
+      </p:nvGrpSpPr>
+      <p:grpSpPr>
+        <a:xfrm>
+          <a:off x="0" y="0"/>
+          <a:ext cx="0" cy="0"/>
+          <a:chOff x="0" y="0"/>
+          <a:chExt cx="0" cy="0"/>
+        </a:xfrm>
+      </p:grpSpPr>
+      <p:sp>
+        <p:nvSpPr>
+          <p:cNvPr id="11" name="Rectangle 10">
+            <a:extLst>
+              <a:ext uri="{FF2B5EF4-FFF2-40B4-BE49-F238E27FC236}">
+                <a16:creationId xmlns:a16="http://schemas.microsoft.com/office/drawing/2014/main" id="{5D5E0904-721C-4D68-9EB8-1C9752E329A7}"/>
+              </a:ext>
+              <a:ext uri="{C183D7F6-B498-43B3-948B-1728B52AA6E4}">
+                <adec:decorative xmlns:adec="http://schemas.microsoft.com/office/drawing/2017/decorative" val="1"/>
+              </a:ext>
+            </a:extLst>
+          </p:cNvPr>
+          <p:cNvSpPr>
+            <a:spLocks noGrp="1" noRot="1" noChangeAspect="1" noMove="1" noResize="1" noEditPoints="1" noAdjustHandles="1" noChangeArrowheads="1" noChangeShapeType="1" noTextEdit="1"/>
+          </p:cNvSpPr>
+          <p:nvPr>
+            <p:extLst>
+              <p:ext uri="{386F3935-93C4-4BCD-93E2-E3B085C9AB24}">
+                <p16:designElem xmlns:p16="http://schemas.microsoft.com/office/powerpoint/2015/main" val="1"/>
+              </p:ext>
+            </p:extLst>
+          </p:nvPr>
+        </p:nvSpPr>
+        <p:spPr>
+          <a:xfrm>
+            <a:off x="0" y="0"/>
+            <a:ext cx="457200" cy="6858000"/>
+          </a:xfrm>
+          <a:prstGeom prst="rect">
+            <a:avLst/>
+          </a:prstGeom>
+          <a:solidFill>
+            <a:schemeClr val="accent1"/>
+          </a:solidFill>
+          <a:ln>
+            <a:noFill/>
+          </a:ln>
+        </p:spPr>
+        <p:style>
+          <a:lnRef idx="2">
+            <a:schemeClr val="accent1">
+              <a:shade val="50000"/>
+            </a:schemeClr>
+          </a:lnRef>
+          <a:fillRef idx="1">
+            <a:schemeClr val="accent1"/>
+          </a:fillRef>
+          <a:effectRef idx="0">
+            <a:schemeClr val="accent1"/>
+          </a:effectRef>
+          <a:fontRef idx="minor">
+            <a:schemeClr val="lt1"/>
+          </a:fontRef>
+        </p:style>
+      </p:sp>
+      <p:sp useBgFill="1">
+        <p:nvSpPr>
+          <p:cNvPr id="13" name="Rectangle 12">
+            <a:extLst>
+              <a:ext uri="{FF2B5EF4-FFF2-40B4-BE49-F238E27FC236}">
+                <a16:creationId xmlns:a16="http://schemas.microsoft.com/office/drawing/2014/main" id="{D0CDF5D3-7220-42A0-9D37-ECF3BF283B37}"/>
+              </a:ext>
+              <a:ext uri="{C183D7F6-B498-43B3-948B-1728B52AA6E4}">
+                <adec:decorative xmlns:adec="http://schemas.microsoft.com/office/drawing/2017/decorative" val="1"/>
+              </a:ext>
+            </a:extLst>
+          </p:cNvPr>
+          <p:cNvSpPr>
+            <a:spLocks noGrp="1" noRot="1" noChangeAspect="1" noMove="1" noResize="1" noEditPoints="1" noAdjustHandles="1" noChangeArrowheads="1" noChangeShapeType="1" noTextEdit="1"/>
+          </p:cNvSpPr>
+          <p:nvPr>
+            <p:extLst>
+              <p:ext uri="{386F3935-93C4-4BCD-93E2-E3B085C9AB24}">
+                <p16:designElem xmlns:p16="http://schemas.microsoft.com/office/powerpoint/2015/main" val="1"/>
+              </p:ext>
+            </p:extLst>
+          </p:nvPr>
+        </p:nvSpPr>
+        <p:spPr>
+          <a:xfrm>
+            <a:off x="457200" y="0"/>
+            <a:ext cx="10835640" cy="5105400"/>
+          </a:xfrm>
+          <a:prstGeom prst="rect">
+            <a:avLst/>
+          </a:prstGeom>
+          <a:ln>
+            <a:noFill/>
+          </a:ln>
+        </p:spPr>
+        <p:style>
+          <a:lnRef idx="2">
+            <a:schemeClr val="accent1">
+              <a:shade val="50000"/>
+            </a:schemeClr>
+          </a:lnRef>
+          <a:fillRef idx="1">
+            <a:schemeClr val="accent1"/>
+          </a:fillRef>
+          <a:effectRef idx="0">
+            <a:schemeClr val="accent1"/>
+          </a:effectRef>
+          <a:fontRef idx="minor">
+            <a:schemeClr val="lt1"/>
+          </a:fontRef>
+        </p:style>
+      </p:sp>
+      <p:sp>
+        <p:nvSpPr>
+          <p:cNvPr id="15" name="Rectangle 14">
+            <a:extLst>
+              <a:ext uri="{FF2B5EF4-FFF2-40B4-BE49-F238E27FC236}">
+                <a16:creationId xmlns:a16="http://schemas.microsoft.com/office/drawing/2014/main" id="{64BC717F-58B3-4A4E-BC3B-1B11323AD5C9}"/>
+              </a:ext>
+              <a:ext uri="{C183D7F6-B498-43B3-948B-1728B52AA6E4}">
+                <adec:decorative xmlns:adec="http://schemas.microsoft.com/office/drawing/2017/decorative" val="1"/>
+              </a:ext>
+            </a:extLst>
+          </p:cNvPr>
+          <p:cNvSpPr>
+            <a:spLocks noGrp="1" noRot="1" noChangeAspect="1" noMove="1" noResize="1" noEditPoints="1" noAdjustHandles="1" noChangeArrowheads="1" noChangeShapeType="1" noTextEdit="1"/>
+          </p:cNvSpPr>
+          <p:nvPr>
+            <p:extLst>
+              <p:ext uri="{386F3935-93C4-4BCD-93E2-E3B085C9AB24}">
+                <p16:designElem xmlns:p16="http://schemas.microsoft.com/office/powerpoint/2015/main" val="1"/>
+              </p:ext>
+            </p:extLst>
+          </p:nvPr>
+        </p:nvSpPr>
+        <p:spPr>
+          <a:xfrm>
+            <a:off x="457200" y="5105400"/>
+            <a:ext cx="10835640" cy="1752600"/>
+          </a:xfrm>
+          <a:prstGeom prst="rect">
+            <a:avLst/>
+          </a:prstGeom>
+          <a:solidFill>
+            <a:srgbClr val="353537"/>
+          </a:solidFill>
+          <a:ln>
+            <a:noFill/>
+          </a:ln>
+        </p:spPr>
+        <p:style>
+          <a:lnRef idx="2">
+            <a:schemeClr val="accent1">
+              <a:shade val="50000"/>
+            </a:schemeClr>
+          </a:lnRef>
+          <a:fillRef idx="1">
+            <a:schemeClr val="accent1"/>
+          </a:fillRef>
+          <a:effectRef idx="0">
+            <a:schemeClr val="accent1"/>
+          </a:effectRef>
+          <a:fontRef idx="minor">
+            <a:schemeClr val="lt1"/>
+          </a:fontRef>
+        </p:style>
+      </p:sp>
+      <p:sp>
+        <p:nvSpPr>
+          <p:cNvPr id="2" name="Title 1"/>
+          <p:cNvSpPr>
+            <a:spLocks noGrp="1"/>
+          </p:cNvSpPr>
+          <p:nvPr>
+            <p:ph type="title"/>
+          </p:nvPr>
+        </p:nvSpPr>
+        <p:spPr>
+          <a:xfrm>
+            <a:off x="944183" y="5181600"/>
+            <a:ext cx="10156435" cy="1076324"/>
+          </a:xfrm>
+        </p:spPr>
+        <p:txBody>
+          <a:bodyPr vert="horz" lIns="91440" tIns="45720" rIns="91440" bIns="45720" rtlCol="0" anchor="b">
+            <a:normAutofit/>
+          </a:bodyPr>
+          <a:lstStyle/>
+          <a:p>
+            <a:pPr>
+              <a:lnSpc>
+                <a:spcPct val="85000"/>
+              </a:lnSpc>
+            </a:pPr>
+            <a:r>
+              <a:rPr lang="en-US" sz="4600" dirty="0">
+                <a:solidFill>
+                  <a:srgbClr val="FFFFFF"/>
+                </a:solidFill>
+                <a:latin typeface="+mj-lt"/>
+              </a:rPr>
+              <a:t>Instrumental Variables: Exogeneity</a:t>
+            </a:r>
+          </a:p>
+        </p:txBody>
+      </p:sp>
+      <p:sp>
+        <p:nvSpPr>
+          <p:cNvPr id="17" name="Rectangle 16">
+            <a:extLst>
+              <a:ext uri="{FF2B5EF4-FFF2-40B4-BE49-F238E27FC236}">
+                <a16:creationId xmlns:a16="http://schemas.microsoft.com/office/drawing/2014/main" id="{1EE75710-64C5-4CA8-8A7C-82EE4125C90D}"/>
+              </a:ext>
+              <a:ext uri="{C183D7F6-B498-43B3-948B-1728B52AA6E4}">
+                <adec:decorative xmlns:adec="http://schemas.microsoft.com/office/drawing/2017/decorative" val="1"/>
+              </a:ext>
+            </a:extLst>
+          </p:cNvPr>
+          <p:cNvSpPr>
+            <a:spLocks noGrp="1" noRot="1" noChangeAspect="1" noMove="1" noResize="1" noEditPoints="1" noAdjustHandles="1" noChangeArrowheads="1" noChangeShapeType="1" noTextEdit="1"/>
+          </p:cNvSpPr>
+          <p:nvPr>
+            <p:extLst>
+              <p:ext uri="{386F3935-93C4-4BCD-93E2-E3B085C9AB24}">
+                <p16:designElem xmlns:p16="http://schemas.microsoft.com/office/powerpoint/2015/main" val="1"/>
+              </p:ext>
+            </p:extLst>
+          </p:nvPr>
+        </p:nvSpPr>
+        <p:spPr>
+          <a:xfrm>
+            <a:off x="0" y="0"/>
+            <a:ext cx="457200" cy="6858000"/>
+          </a:xfrm>
+          <a:prstGeom prst="rect">
+            <a:avLst/>
+          </a:prstGeom>
+          <a:solidFill>
+            <a:srgbClr val="6F6F74"/>
+          </a:solidFill>
+          <a:ln>
+            <a:noFill/>
+          </a:ln>
+        </p:spPr>
+        <p:style>
+          <a:lnRef idx="2">
+            <a:schemeClr val="accent1">
+              <a:shade val="50000"/>
+            </a:schemeClr>
+          </a:lnRef>
+          <a:fillRef idx="1">
+            <a:schemeClr val="accent1"/>
+          </a:fillRef>
+          <a:effectRef idx="0">
+            <a:schemeClr val="accent1"/>
+          </a:effectRef>
+          <a:fontRef idx="minor">
+            <a:schemeClr val="lt1"/>
+          </a:fontRef>
+        </p:style>
+        <p:txBody>
+          <a:bodyPr rtlCol="0" anchor="ctr"/>
+          <a:lstStyle/>
+          <a:p>
+            <a:pPr algn="ctr"/>
+            <a:endParaRPr lang="en-US"/>
+          </a:p>
+        </p:txBody>
+      </p:sp>
+      <p:pic>
+        <p:nvPicPr>
+          <p:cNvPr id="6" name="Content Placeholder 5">
+            <a:extLst>
+              <a:ext uri="{FF2B5EF4-FFF2-40B4-BE49-F238E27FC236}">
+                <a16:creationId xmlns:a16="http://schemas.microsoft.com/office/drawing/2014/main" id="{216AF9C5-29CB-1811-BC0D-8F552C9CD031}"/>
+              </a:ext>
+            </a:extLst>
+          </p:cNvPr>
+          <p:cNvPicPr>
+            <a:picLocks noGrp="1" noChangeAspect="1"/>
+          </p:cNvPicPr>
+          <p:nvPr>
+            <p:ph idx="1"/>
+          </p:nvPr>
+        </p:nvPicPr>
+        <p:blipFill>
+          <a:blip r:embed="rId3"/>
+          <a:stretch>
+            <a:fillRect/>
+          </a:stretch>
+        </p:blipFill>
+        <p:spPr>
+          <a:xfrm>
+            <a:off x="1097280" y="921599"/>
+            <a:ext cx="9594723" cy="3262203"/>
+          </a:xfrm>
+          <a:prstGeom prst="rect">
+            <a:avLst/>
+          </a:prstGeom>
+        </p:spPr>
+      </p:pic>
+      <p:sp>
+        <p:nvSpPr>
+          <p:cNvPr id="19" name="Rectangle 18">
+            <a:extLst>
+              <a:ext uri="{FF2B5EF4-FFF2-40B4-BE49-F238E27FC236}">
+                <a16:creationId xmlns:a16="http://schemas.microsoft.com/office/drawing/2014/main" id="{435050B1-74E1-4A81-923D-0F5971A3BC01}"/>
+              </a:ext>
+              <a:ext uri="{C183D7F6-B498-43B3-948B-1728B52AA6E4}">
+                <adec:decorative xmlns:adec="http://schemas.microsoft.com/office/drawing/2017/decorative" val="1"/>
+              </a:ext>
+            </a:extLst>
+          </p:cNvPr>
+          <p:cNvSpPr>
+            <a:spLocks noGrp="1" noRot="1" noChangeAspect="1" noMove="1" noResize="1" noEditPoints="1" noAdjustHandles="1" noChangeArrowheads="1" noChangeShapeType="1" noTextEdit="1"/>
+          </p:cNvSpPr>
+          <p:nvPr>
+            <p:extLst>
+              <p:ext uri="{386F3935-93C4-4BCD-93E2-E3B085C9AB24}">
+                <p16:designElem xmlns:p16="http://schemas.microsoft.com/office/powerpoint/2015/main" val="1"/>
+              </p:ext>
+            </p:extLst>
+          </p:nvPr>
+        </p:nvSpPr>
+        <p:spPr>
+          <a:xfrm>
+            <a:off x="11292840" y="0"/>
+            <a:ext cx="899160" cy="6858000"/>
+          </a:xfrm>
+          <a:prstGeom prst="rect">
+            <a:avLst/>
+          </a:prstGeom>
+          <a:solidFill>
+            <a:srgbClr val="353537"/>
+          </a:solidFill>
+          <a:ln>
+            <a:noFill/>
+          </a:ln>
+        </p:spPr>
+        <p:style>
+          <a:lnRef idx="2">
+            <a:schemeClr val="accent1">
+              <a:shade val="50000"/>
+            </a:schemeClr>
+          </a:lnRef>
+          <a:fillRef idx="1">
+            <a:schemeClr val="accent1"/>
+          </a:fillRef>
+          <a:effectRef idx="0">
+            <a:schemeClr val="accent1"/>
+          </a:effectRef>
+          <a:fontRef idx="minor">
+            <a:schemeClr val="lt1"/>
+          </a:fontRef>
+        </p:style>
+        <p:txBody>
+          <a:bodyPr rtlCol="0" anchor="ctr"/>
+          <a:lstStyle/>
+          <a:p>
+            <a:pPr algn="ctr"/>
+            <a:endParaRPr lang="en-US"/>
+          </a:p>
+        </p:txBody>
+      </p:sp>
+    </p:spTree>
+    <p:extLst>
+      <p:ext uri="{BB962C8B-B14F-4D97-AF65-F5344CB8AC3E}">
+        <p14:creationId xmlns:p14="http://schemas.microsoft.com/office/powerpoint/2010/main" val="875674219"/>
+      </p:ext>
+    </p:extLst>
+  </p:cSld>
+  <p:clrMapOvr>
+    <a:masterClrMapping/>
+  </p:clrMapOvr>
+</p:sld>
+</file>
+
+<file path=ppt/slides/slide23.xml><?xml version="1.0" encoding="utf-8"?>
+<p:sld xmlns:a="http://schemas.openxmlformats.org/drawingml/2006/main" xmlns:r="http://schemas.openxmlformats.org/officeDocument/2006/relationships" xmlns:p="http://schemas.openxmlformats.org/presentationml/2006/main">
+  <p:cSld>
     <p:spTree>
       <p:nvGrpSpPr>
         <p:cNvPr id="1" name=""/>
@@ -11753,7 +13451,7 @@
 </p:sld>
 </file>
 
-<file path=ppt/slides/slide21.xml><?xml version="1.0" encoding="utf-8"?>
+<file path=ppt/slides/slide24.xml><?xml version="1.0" encoding="utf-8"?>
 <p:sld xmlns:a="http://schemas.openxmlformats.org/drawingml/2006/main" xmlns:r="http://schemas.openxmlformats.org/officeDocument/2006/relationships" xmlns:p="http://schemas.openxmlformats.org/presentationml/2006/main">
   <p:cSld>
     <p:spTree>
@@ -11812,7 +13510,7 @@
 </p:sld>
 </file>
 
-<file path=ppt/slides/slide22.xml><?xml version="1.0" encoding="utf-8"?>
+<file path=ppt/slides/slide25.xml><?xml version="1.0" encoding="utf-8"?>
 <p:sld xmlns:a="http://schemas.openxmlformats.org/drawingml/2006/main" xmlns:r="http://schemas.openxmlformats.org/officeDocument/2006/relationships" xmlns:p="http://schemas.openxmlformats.org/presentationml/2006/main">
   <p:cSld>
     <p:spTree>
@@ -11970,7 +13668,7 @@
 </p:sld>
 </file>
 
-<file path=ppt/slides/slide23.xml><?xml version="1.0" encoding="utf-8"?>
+<file path=ppt/slides/slide26.xml><?xml version="1.0" encoding="utf-8"?>
 <p:sld xmlns:a="http://schemas.openxmlformats.org/drawingml/2006/main" xmlns:r="http://schemas.openxmlformats.org/officeDocument/2006/relationships" xmlns:p="http://schemas.openxmlformats.org/presentationml/2006/main">
   <p:cSld>
     <p:spTree>
@@ -12022,8 +13720,8 @@
           </a:p>
         </p:txBody>
       </p:sp>
-      <mc:AlternateContent xmlns:mc="http://schemas.openxmlformats.org/markup-compatibility/2006">
-        <mc:Choice xmlns:a14="http://schemas.microsoft.com/office/drawing/2010/main" Requires="a14">
+      <mc:AlternateContent xmlns:mc="http://schemas.openxmlformats.org/markup-compatibility/2006" xmlns:a14="http://schemas.microsoft.com/office/drawing/2010/main">
+        <mc:Choice Requires="a14">
           <p:sp>
             <p:nvSpPr>
               <p:cNvPr id="3" name="Content Placeholder 2"/>
@@ -12191,7 +13889,7 @@
             </p:txBody>
           </p:sp>
         </mc:Choice>
-        <mc:Fallback>
+        <mc:Fallback xmlns="">
           <p:sp>
             <p:nvSpPr>
               <p:cNvPr id="3" name="Content Placeholder 2"/>
@@ -12272,7 +13970,7 @@
 </p:sld>
 </file>
 
-<file path=ppt/slides/slide24.xml><?xml version="1.0" encoding="utf-8"?>
+<file path=ppt/slides/slide27.xml><?xml version="1.0" encoding="utf-8"?>
 <p:sld xmlns:a="http://schemas.openxmlformats.org/drawingml/2006/main" xmlns:r="http://schemas.openxmlformats.org/officeDocument/2006/relationships" xmlns:p="http://schemas.openxmlformats.org/presentationml/2006/main">
   <p:cSld>
     <p:spTree>
@@ -12360,7 +14058,7 @@
 </p:sld>
 </file>
 
-<file path=ppt/slides/slide25.xml><?xml version="1.0" encoding="utf-8"?>
+<file path=ppt/slides/slide28.xml><?xml version="1.0" encoding="utf-8"?>
 <p:sld xmlns:a="http://schemas.openxmlformats.org/drawingml/2006/main" xmlns:r="http://schemas.openxmlformats.org/officeDocument/2006/relationships" xmlns:p="http://schemas.openxmlformats.org/presentationml/2006/main">
   <p:cSld>
     <p:spTree>
@@ -12765,7 +14463,7 @@
 </p:sld>
 </file>
 
-<file path=ppt/slides/slide26.xml><?xml version="1.0" encoding="utf-8"?>
+<file path=ppt/slides/slide29.xml><?xml version="1.0" encoding="utf-8"?>
 <p:sld xmlns:a="http://schemas.openxmlformats.org/drawingml/2006/main" xmlns:r="http://schemas.openxmlformats.org/officeDocument/2006/relationships" xmlns:p="http://schemas.openxmlformats.org/presentationml/2006/main">
   <p:cSld>
     <p:spTree>
@@ -13746,7 +15444,7 @@
 </p:sld>
 </file>
 
-<file path=ppt/slides/slide27.xml><?xml version="1.0" encoding="utf-8"?>
+<file path=ppt/slides/slide3.xml><?xml version="1.0" encoding="utf-8"?>
 <p:sld xmlns:a="http://schemas.openxmlformats.org/drawingml/2006/main" xmlns:r="http://schemas.openxmlformats.org/officeDocument/2006/relationships" xmlns:p="http://schemas.openxmlformats.org/presentationml/2006/main">
   <p:cSld>
     <p:spTree>
@@ -13789,7 +15487,7 @@
               <a:rPr lang="en-US" sz="3600" dirty="0">
                 <a:cs typeface="Times New Roman" panose="02020603050405020304" pitchFamily="18" charset="0"/>
               </a:rPr>
-              <a:t>IV Regression: Illustration</a:t>
+              <a:t>Causal Inference: From Back Doors to Front</a:t>
             </a:r>
             <a:endParaRPr lang="en-US" sz="3600" dirty="0">
               <a:latin typeface="Times New Roman" panose="02020603050405020304" pitchFamily="18" charset="0"/>
@@ -13798,8 +15496,303 @@
           </a:p>
         </p:txBody>
       </p:sp>
-      <mc:AlternateContent xmlns:mc="http://schemas.openxmlformats.org/markup-compatibility/2006">
-        <mc:Choice xmlns:a14="http://schemas.microsoft.com/office/drawing/2010/main" Requires="a14">
+      <mc:AlternateContent xmlns:mc="http://schemas.openxmlformats.org/markup-compatibility/2006" xmlns:a14="http://schemas.microsoft.com/office/drawing/2010/main">
+        <mc:Choice Requires="a14">
+          <p:sp>
+            <p:nvSpPr>
+              <p:cNvPr id="3" name="Content Placeholder 2"/>
+              <p:cNvSpPr>
+                <a:spLocks noGrp="1"/>
+              </p:cNvSpPr>
+              <p:nvPr>
+                <p:ph idx="1"/>
+              </p:nvPr>
+            </p:nvSpPr>
+            <p:spPr>
+              <a:xfrm>
+                <a:off x="1219199" y="1066801"/>
+                <a:ext cx="9829801" cy="5141388"/>
+              </a:xfrm>
+            </p:spPr>
+            <p:txBody>
+              <a:bodyPr>
+                <a:noAutofit/>
+              </a:bodyPr>
+              <a:lstStyle/>
+              <a:p>
+                <a:r>
+                  <a:rPr lang="en-US" sz="2400" dirty="0">
+                    <a:cs typeface="Times New Roman" panose="02020603050405020304" pitchFamily="18" charset="0"/>
+                  </a:rPr>
+                  <a:t>We can also</a:t>
+                </a:r>
+                <a:r>
+                  <a:rPr lang="en-US" sz="2400" dirty="0">
+                    <a:solidFill>
+                      <a:schemeClr val="accent2">
+                        <a:lumMod val="75000"/>
+                      </a:schemeClr>
+                    </a:solidFill>
+                    <a:cs typeface="Times New Roman" panose="02020603050405020304" pitchFamily="18" charset="0"/>
+                  </a:rPr>
+                  <a:t> </a:t>
+                </a:r>
+                <a:r>
+                  <a:rPr lang="en-US" sz="2400" b="1" dirty="0">
+                    <a:solidFill>
+                      <a:schemeClr val="accent2">
+                        <a:lumMod val="75000"/>
+                      </a:schemeClr>
+                    </a:solidFill>
+                    <a:cs typeface="Times New Roman" panose="02020603050405020304" pitchFamily="18" charset="0"/>
+                  </a:rPr>
+                  <a:t>isolate variation </a:t>
+                </a:r>
+                <a:r>
+                  <a:rPr lang="en-US" sz="2400" dirty="0">
+                    <a:cs typeface="Times New Roman" panose="02020603050405020304" pitchFamily="18" charset="0"/>
+                  </a:rPr>
+                  <a:t>coming only through </a:t>
+                </a:r>
+                <a14:m>
+                  <m:oMath xmlns:m="http://schemas.openxmlformats.org/officeDocument/2006/math">
+                    <m:r>
+                      <a:rPr lang="en-US" sz="2400" b="0" i="1" smtClean="0">
+                        <a:latin typeface="Cambria Math" panose="02040503050406030204" pitchFamily="18" charset="0"/>
+                        <a:cs typeface="Times New Roman" panose="02020603050405020304" pitchFamily="18" charset="0"/>
+                      </a:rPr>
+                      <m:t>𝑋</m:t>
+                    </m:r>
+                  </m:oMath>
+                </a14:m>
+                <a:endParaRPr lang="en-US" sz="2400" dirty="0">
+                  <a:cs typeface="Times New Roman" panose="02020603050405020304" pitchFamily="18" charset="0"/>
+                </a:endParaRPr>
+              </a:p>
+              <a:p>
+                <a:r>
+                  <a:rPr lang="en-US" sz="2400" dirty="0">
+                    <a:cs typeface="Times New Roman" panose="02020603050405020304" pitchFamily="18" charset="0"/>
+                  </a:rPr>
+                  <a:t>This is called a</a:t>
+                </a:r>
+                <a:r>
+                  <a:rPr lang="en-US" sz="2400" dirty="0">
+                    <a:solidFill>
+                      <a:schemeClr val="accent2">
+                        <a:lumMod val="75000"/>
+                      </a:schemeClr>
+                    </a:solidFill>
+                    <a:cs typeface="Times New Roman" panose="02020603050405020304" pitchFamily="18" charset="0"/>
+                  </a:rPr>
+                  <a:t> </a:t>
+                </a:r>
+                <a:r>
+                  <a:rPr lang="en-US" sz="2400" b="1" dirty="0">
+                    <a:solidFill>
+                      <a:schemeClr val="accent2">
+                        <a:lumMod val="75000"/>
+                      </a:schemeClr>
+                    </a:solidFill>
+                    <a:cs typeface="Times New Roman" panose="02020603050405020304" pitchFamily="18" charset="0"/>
+                  </a:rPr>
+                  <a:t>front door approach</a:t>
+                </a:r>
+                <a:r>
+                  <a:rPr lang="en-US" sz="2400" dirty="0">
+                    <a:cs typeface="Times New Roman" panose="02020603050405020304" pitchFamily="18" charset="0"/>
+                  </a:rPr>
+                  <a:t> – mimics an experiment</a:t>
+                </a:r>
+              </a:p>
+              <a:p>
+                <a:endParaRPr lang="en-US" sz="2400" b="1" dirty="0">
+                  <a:cs typeface="Times New Roman" panose="02020603050405020304" pitchFamily="18" charset="0"/>
+                </a:endParaRPr>
+              </a:p>
+              <a:p>
+                <a:endParaRPr lang="en-US" sz="2400" b="1" dirty="0">
+                  <a:cs typeface="Times New Roman" panose="02020603050405020304" pitchFamily="18" charset="0"/>
+                </a:endParaRPr>
+              </a:p>
+              <a:p>
+                <a:endParaRPr lang="en-US" sz="2400" b="1" dirty="0">
+                  <a:cs typeface="Times New Roman" panose="02020603050405020304" pitchFamily="18" charset="0"/>
+                </a:endParaRPr>
+              </a:p>
+              <a:p>
+                <a:endParaRPr lang="en-US" sz="2400" b="1" dirty="0">
+                  <a:cs typeface="Times New Roman" panose="02020603050405020304" pitchFamily="18" charset="0"/>
+                </a:endParaRPr>
+              </a:p>
+              <a:p>
+                <a:endParaRPr lang="en-US" sz="2400" b="1" dirty="0">
+                  <a:cs typeface="Times New Roman" panose="02020603050405020304" pitchFamily="18" charset="0"/>
+                </a:endParaRPr>
+              </a:p>
+              <a:p>
+                <a:pPr marL="0" indent="0">
+                  <a:buNone/>
+                </a:pPr>
+                <a:endParaRPr lang="en-US" sz="2400" b="1" dirty="0">
+                  <a:cs typeface="Times New Roman" panose="02020603050405020304" pitchFamily="18" charset="0"/>
+                </a:endParaRPr>
+              </a:p>
+            </p:txBody>
+          </p:sp>
+        </mc:Choice>
+        <mc:Fallback xmlns="">
+          <p:sp>
+            <p:nvSpPr>
+              <p:cNvPr id="3" name="Content Placeholder 2"/>
+              <p:cNvSpPr>
+                <a:spLocks noGrp="1" noRot="1" noChangeAspect="1" noMove="1" noResize="1" noEditPoints="1" noAdjustHandles="1" noChangeArrowheads="1" noChangeShapeType="1" noTextEdit="1"/>
+              </p:cNvSpPr>
+              <p:nvPr>
+                <p:ph idx="1"/>
+              </p:nvPr>
+            </p:nvSpPr>
+            <p:spPr>
+              <a:xfrm>
+                <a:off x="1219199" y="1066801"/>
+                <a:ext cx="9829801" cy="5141388"/>
+              </a:xfrm>
+              <a:blipFill>
+                <a:blip r:embed="rId2"/>
+                <a:stretch>
+                  <a:fillRect l="-434" t="-1305"/>
+                </a:stretch>
+              </a:blipFill>
+            </p:spPr>
+            <p:txBody>
+              <a:bodyPr/>
+              <a:lstStyle/>
+              <a:p>
+                <a:r>
+                  <a:rPr lang="en-US">
+                    <a:noFill/>
+                  </a:rPr>
+                  <a:t> </a:t>
+                </a:r>
+              </a:p>
+            </p:txBody>
+          </p:sp>
+        </mc:Fallback>
+      </mc:AlternateContent>
+      <p:pic>
+        <p:nvPicPr>
+          <p:cNvPr id="10242" name="Picture 2">
+            <a:extLst>
+              <a:ext uri="{FF2B5EF4-FFF2-40B4-BE49-F238E27FC236}">
+                <a16:creationId xmlns:a16="http://schemas.microsoft.com/office/drawing/2014/main" id="{A9721058-34E7-2CAC-064A-72A9E7CB99AE}"/>
+              </a:ext>
+            </a:extLst>
+          </p:cNvPr>
+          <p:cNvPicPr>
+            <a:picLocks noChangeAspect="1" noChangeArrowheads="1"/>
+          </p:cNvPicPr>
+          <p:nvPr/>
+        </p:nvPicPr>
+        <p:blipFill>
+          <a:blip r:embed="rId3">
+            <a:extLst>
+              <a:ext uri="{28A0092B-C50C-407E-A947-70E740481C1C}">
+                <a14:useLocalDpi xmlns:a14="http://schemas.microsoft.com/office/drawing/2010/main" val="0"/>
+              </a:ext>
+            </a:extLst>
+          </a:blip>
+          <a:srcRect/>
+          <a:stretch>
+            <a:fillRect/>
+          </a:stretch>
+        </p:blipFill>
+        <p:spPr bwMode="auto">
+          <a:xfrm>
+            <a:off x="2438400" y="2335530"/>
+            <a:ext cx="7315200" cy="3150870"/>
+          </a:xfrm>
+          <a:prstGeom prst="rect">
+            <a:avLst/>
+          </a:prstGeom>
+          <a:noFill/>
+          <a:extLst>
+            <a:ext uri="{909E8E84-426E-40DD-AFC4-6F175D3DCCD1}">
+              <a14:hiddenFill xmlns:a14="http://schemas.microsoft.com/office/drawing/2010/main">
+                <a:solidFill>
+                  <a:srgbClr val="FFFFFF"/>
+                </a:solidFill>
+              </a14:hiddenFill>
+            </a:ext>
+          </a:extLst>
+        </p:spPr>
+      </p:pic>
+    </p:spTree>
+    <p:extLst>
+      <p:ext uri="{BB962C8B-B14F-4D97-AF65-F5344CB8AC3E}">
+        <p14:creationId xmlns:p14="http://schemas.microsoft.com/office/powerpoint/2010/main" val="2219273790"/>
+      </p:ext>
+    </p:extLst>
+  </p:cSld>
+  <p:clrMapOvr>
+    <a:masterClrMapping/>
+  </p:clrMapOvr>
+</p:sld>
+</file>
+
+<file path=ppt/slides/slide30.xml><?xml version="1.0" encoding="utf-8"?>
+<p:sld xmlns:a="http://schemas.openxmlformats.org/drawingml/2006/main" xmlns:r="http://schemas.openxmlformats.org/officeDocument/2006/relationships" xmlns:p="http://schemas.openxmlformats.org/presentationml/2006/main">
+  <p:cSld>
+    <p:spTree>
+      <p:nvGrpSpPr>
+        <p:cNvPr id="1" name=""/>
+        <p:cNvGrpSpPr/>
+        <p:nvPr/>
+      </p:nvGrpSpPr>
+      <p:grpSpPr>
+        <a:xfrm>
+          <a:off x="0" y="0"/>
+          <a:ext cx="0" cy="0"/>
+          <a:chOff x="0" y="0"/>
+          <a:chExt cx="0" cy="0"/>
+        </a:xfrm>
+      </p:grpSpPr>
+      <p:sp>
+        <p:nvSpPr>
+          <p:cNvPr id="2" name="Title 1"/>
+          <p:cNvSpPr>
+            <a:spLocks noGrp="1"/>
+          </p:cNvSpPr>
+          <p:nvPr>
+            <p:ph type="title"/>
+          </p:nvPr>
+        </p:nvSpPr>
+        <p:spPr>
+          <a:xfrm>
+            <a:off x="609600" y="337392"/>
+            <a:ext cx="10439400" cy="624840"/>
+          </a:xfrm>
+        </p:spPr>
+        <p:txBody>
+          <a:bodyPr>
+            <a:noAutofit/>
+          </a:bodyPr>
+          <a:lstStyle/>
+          <a:p>
+            <a:r>
+              <a:rPr lang="en-US" sz="3600" dirty="0">
+                <a:cs typeface="Times New Roman" panose="02020603050405020304" pitchFamily="18" charset="0"/>
+              </a:rPr>
+              <a:t>IV Regression: Illustration</a:t>
+            </a:r>
+            <a:endParaRPr lang="en-US" sz="3600" dirty="0">
+              <a:latin typeface="Times New Roman" panose="02020603050405020304" pitchFamily="18" charset="0"/>
+              <a:cs typeface="Times New Roman" panose="02020603050405020304" pitchFamily="18" charset="0"/>
+            </a:endParaRPr>
+          </a:p>
+        </p:txBody>
+      </p:sp>
+      <mc:AlternateContent xmlns:mc="http://schemas.openxmlformats.org/markup-compatibility/2006" xmlns:a14="http://schemas.microsoft.com/office/drawing/2010/main">
+        <mc:Choice Requires="a14">
           <p:sp>
             <p:nvSpPr>
               <p:cNvPr id="3" name="Content Placeholder 2"/>
@@ -14048,7 +16041,7 @@
             </p:txBody>
           </p:sp>
         </mc:Choice>
-        <mc:Fallback>
+        <mc:Fallback xmlns="">
           <p:sp>
             <p:nvSpPr>
               <p:cNvPr id="3" name="Content Placeholder 2"/>
@@ -14128,7 +16121,7 @@
 </p:sld>
 </file>
 
-<file path=ppt/slides/slide28.xml><?xml version="1.0" encoding="utf-8"?>
+<file path=ppt/slides/slide31.xml><?xml version="1.0" encoding="utf-8"?>
 <p:sld xmlns:a="http://schemas.openxmlformats.org/drawingml/2006/main" xmlns:r="http://schemas.openxmlformats.org/officeDocument/2006/relationships" xmlns:p="http://schemas.openxmlformats.org/presentationml/2006/main">
   <p:cSld>
     <p:spTree>
@@ -14180,8 +16173,8 @@
           </a:p>
         </p:txBody>
       </p:sp>
-      <mc:AlternateContent xmlns:mc="http://schemas.openxmlformats.org/markup-compatibility/2006">
-        <mc:Choice xmlns:a14="http://schemas.microsoft.com/office/drawing/2010/main" Requires="a14">
+      <mc:AlternateContent xmlns:mc="http://schemas.openxmlformats.org/markup-compatibility/2006" xmlns:a14="http://schemas.microsoft.com/office/drawing/2010/main">
+        <mc:Choice Requires="a14">
           <p:sp>
             <p:nvSpPr>
               <p:cNvPr id="3" name="Content Placeholder 2"/>
@@ -14446,7 +16439,7 @@
             </p:txBody>
           </p:sp>
         </mc:Choice>
-        <mc:Fallback>
+        <mc:Fallback xmlns="">
           <p:sp>
             <p:nvSpPr>
               <p:cNvPr id="3" name="Content Placeholder 2"/>
@@ -14499,7 +16492,7 @@
           <p:nvPr/>
         </p:nvPicPr>
         <p:blipFill rotWithShape="1">
-          <a:blip r:embed="rId4"/>
+          <a:blip r:embed="rId3"/>
           <a:srcRect r="20832"/>
           <a:stretch/>
         </p:blipFill>
@@ -14526,7 +16519,7 @@
 </p:sld>
 </file>
 
-<file path=ppt/slides/slide29.xml><?xml version="1.0" encoding="utf-8"?>
+<file path=ppt/slides/slide32.xml><?xml version="1.0" encoding="utf-8"?>
 <p:sld xmlns:a="http://schemas.openxmlformats.org/drawingml/2006/main" xmlns:r="http://schemas.openxmlformats.org/officeDocument/2006/relationships" xmlns:p="http://schemas.openxmlformats.org/presentationml/2006/main">
   <p:cSld>
     <p:spTree>
@@ -14578,8 +16571,8 @@
           </a:p>
         </p:txBody>
       </p:sp>
-      <mc:AlternateContent xmlns:mc="http://schemas.openxmlformats.org/markup-compatibility/2006">
-        <mc:Choice xmlns:a14="http://schemas.microsoft.com/office/drawing/2010/main" Requires="a14">
+      <mc:AlternateContent xmlns:mc="http://schemas.openxmlformats.org/markup-compatibility/2006" xmlns:a14="http://schemas.microsoft.com/office/drawing/2010/main">
+        <mc:Choice Requires="a14">
           <p:sp>
             <p:nvSpPr>
               <p:cNvPr id="3" name="Content Placeholder 2"/>
@@ -14860,7 +16853,7 @@
             </p:txBody>
           </p:sp>
         </mc:Choice>
-        <mc:Fallback>
+        <mc:Fallback xmlns="">
           <p:sp>
             <p:nvSpPr>
               <p:cNvPr id="3" name="Content Placeholder 2"/>
@@ -14940,302 +16933,7 @@
 </p:sld>
 </file>
 
-<file path=ppt/slides/slide3.xml><?xml version="1.0" encoding="utf-8"?>
-<p:sld xmlns:a="http://schemas.openxmlformats.org/drawingml/2006/main" xmlns:r="http://schemas.openxmlformats.org/officeDocument/2006/relationships" xmlns:p="http://schemas.openxmlformats.org/presentationml/2006/main">
-  <p:cSld>
-    <p:spTree>
-      <p:nvGrpSpPr>
-        <p:cNvPr id="1" name=""/>
-        <p:cNvGrpSpPr/>
-        <p:nvPr/>
-      </p:nvGrpSpPr>
-      <p:grpSpPr>
-        <a:xfrm>
-          <a:off x="0" y="0"/>
-          <a:ext cx="0" cy="0"/>
-          <a:chOff x="0" y="0"/>
-          <a:chExt cx="0" cy="0"/>
-        </a:xfrm>
-      </p:grpSpPr>
-      <p:sp>
-        <p:nvSpPr>
-          <p:cNvPr id="2" name="Title 1"/>
-          <p:cNvSpPr>
-            <a:spLocks noGrp="1"/>
-          </p:cNvSpPr>
-          <p:nvPr>
-            <p:ph type="title"/>
-          </p:nvPr>
-        </p:nvSpPr>
-        <p:spPr>
-          <a:xfrm>
-            <a:off x="609600" y="337392"/>
-            <a:ext cx="10439400" cy="624840"/>
-          </a:xfrm>
-        </p:spPr>
-        <p:txBody>
-          <a:bodyPr>
-            <a:noAutofit/>
-          </a:bodyPr>
-          <a:lstStyle/>
-          <a:p>
-            <a:r>
-              <a:rPr lang="en-US" sz="3600" dirty="0">
-                <a:cs typeface="Times New Roman" panose="02020603050405020304" pitchFamily="18" charset="0"/>
-              </a:rPr>
-              <a:t>Causal Inference: From Back Doors to Front</a:t>
-            </a:r>
-            <a:endParaRPr lang="en-US" sz="3600" dirty="0">
-              <a:latin typeface="Times New Roman" panose="02020603050405020304" pitchFamily="18" charset="0"/>
-              <a:cs typeface="Times New Roman" panose="02020603050405020304" pitchFamily="18" charset="0"/>
-            </a:endParaRPr>
-          </a:p>
-        </p:txBody>
-      </p:sp>
-      <mc:AlternateContent xmlns:mc="http://schemas.openxmlformats.org/markup-compatibility/2006">
-        <mc:Choice xmlns:a14="http://schemas.microsoft.com/office/drawing/2010/main" Requires="a14">
-          <p:sp>
-            <p:nvSpPr>
-              <p:cNvPr id="3" name="Content Placeholder 2"/>
-              <p:cNvSpPr>
-                <a:spLocks noGrp="1"/>
-              </p:cNvSpPr>
-              <p:nvPr>
-                <p:ph idx="1"/>
-              </p:nvPr>
-            </p:nvSpPr>
-            <p:spPr>
-              <a:xfrm>
-                <a:off x="1219199" y="1066801"/>
-                <a:ext cx="9829801" cy="5141388"/>
-              </a:xfrm>
-            </p:spPr>
-            <p:txBody>
-              <a:bodyPr>
-                <a:noAutofit/>
-              </a:bodyPr>
-              <a:lstStyle/>
-              <a:p>
-                <a:r>
-                  <a:rPr lang="en-US" sz="2400" dirty="0">
-                    <a:cs typeface="Times New Roman" panose="02020603050405020304" pitchFamily="18" charset="0"/>
-                  </a:rPr>
-                  <a:t>We can also</a:t>
-                </a:r>
-                <a:r>
-                  <a:rPr lang="en-US" sz="2400" dirty="0">
-                    <a:solidFill>
-                      <a:schemeClr val="accent2">
-                        <a:lumMod val="75000"/>
-                      </a:schemeClr>
-                    </a:solidFill>
-                    <a:cs typeface="Times New Roman" panose="02020603050405020304" pitchFamily="18" charset="0"/>
-                  </a:rPr>
-                  <a:t> </a:t>
-                </a:r>
-                <a:r>
-                  <a:rPr lang="en-US" sz="2400" b="1" dirty="0">
-                    <a:solidFill>
-                      <a:schemeClr val="accent2">
-                        <a:lumMod val="75000"/>
-                      </a:schemeClr>
-                    </a:solidFill>
-                    <a:cs typeface="Times New Roman" panose="02020603050405020304" pitchFamily="18" charset="0"/>
-                  </a:rPr>
-                  <a:t>isolate variation </a:t>
-                </a:r>
-                <a:r>
-                  <a:rPr lang="en-US" sz="2400" dirty="0">
-                    <a:cs typeface="Times New Roman" panose="02020603050405020304" pitchFamily="18" charset="0"/>
-                  </a:rPr>
-                  <a:t>coming only through </a:t>
-                </a:r>
-                <a14:m>
-                  <m:oMath xmlns:m="http://schemas.openxmlformats.org/officeDocument/2006/math">
-                    <m:r>
-                      <a:rPr lang="en-US" sz="2400" b="0" i="1" smtClean="0">
-                        <a:latin typeface="Cambria Math" panose="02040503050406030204" pitchFamily="18" charset="0"/>
-                        <a:cs typeface="Times New Roman" panose="02020603050405020304" pitchFamily="18" charset="0"/>
-                      </a:rPr>
-                      <m:t>𝑋</m:t>
-                    </m:r>
-                  </m:oMath>
-                </a14:m>
-                <a:endParaRPr lang="en-US" sz="2400" dirty="0">
-                  <a:cs typeface="Times New Roman" panose="02020603050405020304" pitchFamily="18" charset="0"/>
-                </a:endParaRPr>
-              </a:p>
-              <a:p>
-                <a:r>
-                  <a:rPr lang="en-US" sz="2400" dirty="0">
-                    <a:cs typeface="Times New Roman" panose="02020603050405020304" pitchFamily="18" charset="0"/>
-                  </a:rPr>
-                  <a:t>This is called a</a:t>
-                </a:r>
-                <a:r>
-                  <a:rPr lang="en-US" sz="2400" dirty="0">
-                    <a:solidFill>
-                      <a:schemeClr val="accent2">
-                        <a:lumMod val="75000"/>
-                      </a:schemeClr>
-                    </a:solidFill>
-                    <a:cs typeface="Times New Roman" panose="02020603050405020304" pitchFamily="18" charset="0"/>
-                  </a:rPr>
-                  <a:t> </a:t>
-                </a:r>
-                <a:r>
-                  <a:rPr lang="en-US" sz="2400" b="1" dirty="0">
-                    <a:solidFill>
-                      <a:schemeClr val="accent2">
-                        <a:lumMod val="75000"/>
-                      </a:schemeClr>
-                    </a:solidFill>
-                    <a:cs typeface="Times New Roman" panose="02020603050405020304" pitchFamily="18" charset="0"/>
-                  </a:rPr>
-                  <a:t>front door approach</a:t>
-                </a:r>
-                <a:r>
-                  <a:rPr lang="en-US" sz="2400" dirty="0">
-                    <a:cs typeface="Times New Roman" panose="02020603050405020304" pitchFamily="18" charset="0"/>
-                  </a:rPr>
-                  <a:t> – mimics an experiment</a:t>
-                </a:r>
-              </a:p>
-              <a:p>
-                <a:endParaRPr lang="en-US" sz="2400" b="1" dirty="0">
-                  <a:cs typeface="Times New Roman" panose="02020603050405020304" pitchFamily="18" charset="0"/>
-                </a:endParaRPr>
-              </a:p>
-              <a:p>
-                <a:endParaRPr lang="en-US" sz="2400" b="1" dirty="0">
-                  <a:cs typeface="Times New Roman" panose="02020603050405020304" pitchFamily="18" charset="0"/>
-                </a:endParaRPr>
-              </a:p>
-              <a:p>
-                <a:endParaRPr lang="en-US" sz="2400" b="1" dirty="0">
-                  <a:cs typeface="Times New Roman" panose="02020603050405020304" pitchFamily="18" charset="0"/>
-                </a:endParaRPr>
-              </a:p>
-              <a:p>
-                <a:endParaRPr lang="en-US" sz="2400" b="1" dirty="0">
-                  <a:cs typeface="Times New Roman" panose="02020603050405020304" pitchFamily="18" charset="0"/>
-                </a:endParaRPr>
-              </a:p>
-              <a:p>
-                <a:endParaRPr lang="en-US" sz="2400" b="1" dirty="0">
-                  <a:cs typeface="Times New Roman" panose="02020603050405020304" pitchFamily="18" charset="0"/>
-                </a:endParaRPr>
-              </a:p>
-              <a:p>
-                <a:pPr marL="0" indent="0">
-                  <a:buNone/>
-                </a:pPr>
-                <a:endParaRPr lang="en-US" sz="2400" b="1" dirty="0">
-                  <a:cs typeface="Times New Roman" panose="02020603050405020304" pitchFamily="18" charset="0"/>
-                </a:endParaRPr>
-              </a:p>
-            </p:txBody>
-          </p:sp>
-        </mc:Choice>
-        <mc:Fallback>
-          <p:sp>
-            <p:nvSpPr>
-              <p:cNvPr id="3" name="Content Placeholder 2"/>
-              <p:cNvSpPr>
-                <a:spLocks noGrp="1" noRot="1" noChangeAspect="1" noMove="1" noResize="1" noEditPoints="1" noAdjustHandles="1" noChangeArrowheads="1" noChangeShapeType="1" noTextEdit="1"/>
-              </p:cNvSpPr>
-              <p:nvPr>
-                <p:ph idx="1"/>
-              </p:nvPr>
-            </p:nvSpPr>
-            <p:spPr>
-              <a:xfrm>
-                <a:off x="1219199" y="1066801"/>
-                <a:ext cx="9829801" cy="5141388"/>
-              </a:xfrm>
-              <a:blipFill>
-                <a:blip r:embed="rId2"/>
-                <a:stretch>
-                  <a:fillRect l="-434" t="-1305"/>
-                </a:stretch>
-              </a:blipFill>
-            </p:spPr>
-            <p:txBody>
-              <a:bodyPr/>
-              <a:lstStyle/>
-              <a:p>
-                <a:r>
-                  <a:rPr lang="en-US">
-                    <a:noFill/>
-                  </a:rPr>
-                  <a:t> </a:t>
-                </a:r>
-              </a:p>
-            </p:txBody>
-          </p:sp>
-        </mc:Fallback>
-      </mc:AlternateContent>
-      <p:pic>
-        <p:nvPicPr>
-          <p:cNvPr id="10242" name="Picture 2">
-            <a:extLst>
-              <a:ext uri="{FF2B5EF4-FFF2-40B4-BE49-F238E27FC236}">
-                <a16:creationId xmlns:a16="http://schemas.microsoft.com/office/drawing/2014/main" id="{A9721058-34E7-2CAC-064A-72A9E7CB99AE}"/>
-              </a:ext>
-            </a:extLst>
-          </p:cNvPr>
-          <p:cNvPicPr>
-            <a:picLocks noChangeAspect="1" noChangeArrowheads="1"/>
-          </p:cNvPicPr>
-          <p:nvPr/>
-        </p:nvPicPr>
-        <p:blipFill>
-          <a:blip r:embed="rId3">
-            <a:extLst>
-              <a:ext uri="{28A0092B-C50C-407E-A947-70E740481C1C}">
-                <a14:useLocalDpi xmlns:a14="http://schemas.microsoft.com/office/drawing/2010/main" val="0"/>
-              </a:ext>
-            </a:extLst>
-          </a:blip>
-          <a:srcRect/>
-          <a:stretch>
-            <a:fillRect/>
-          </a:stretch>
-        </p:blipFill>
-        <p:spPr bwMode="auto">
-          <a:xfrm>
-            <a:off x="2438400" y="2335530"/>
-            <a:ext cx="7315200" cy="3150870"/>
-          </a:xfrm>
-          <a:prstGeom prst="rect">
-            <a:avLst/>
-          </a:prstGeom>
-          <a:noFill/>
-          <a:extLst>
-            <a:ext uri="{909E8E84-426E-40DD-AFC4-6F175D3DCCD1}">
-              <a14:hiddenFill xmlns:a14="http://schemas.microsoft.com/office/drawing/2010/main">
-                <a:solidFill>
-                  <a:srgbClr val="FFFFFF"/>
-                </a:solidFill>
-              </a14:hiddenFill>
-            </a:ext>
-          </a:extLst>
-        </p:spPr>
-      </p:pic>
-    </p:spTree>
-    <p:extLst>
-      <p:ext uri="{BB962C8B-B14F-4D97-AF65-F5344CB8AC3E}">
-        <p14:creationId xmlns:p14="http://schemas.microsoft.com/office/powerpoint/2010/main" val="2219273790"/>
-      </p:ext>
-    </p:extLst>
-  </p:cSld>
-  <p:clrMapOvr>
-    <a:masterClrMapping/>
-  </p:clrMapOvr>
-</p:sld>
-</file>
-
-<file path=ppt/slides/slide30.xml><?xml version="1.0" encoding="utf-8"?>
+<file path=ppt/slides/slide33.xml><?xml version="1.0" encoding="utf-8"?>
 <p:sld xmlns:a="http://schemas.openxmlformats.org/drawingml/2006/main" xmlns:r="http://schemas.openxmlformats.org/officeDocument/2006/relationships" xmlns:p="http://schemas.openxmlformats.org/presentationml/2006/main">
   <p:cSld>
     <p:spTree>
@@ -15327,7 +17025,7 @@
 </p:sld>
 </file>
 
-<file path=ppt/slides/slide31.xml><?xml version="1.0" encoding="utf-8"?>
+<file path=ppt/slides/slide34.xml><?xml version="1.0" encoding="utf-8"?>
 <p:sld xmlns:a="http://schemas.openxmlformats.org/drawingml/2006/main" xmlns:r="http://schemas.openxmlformats.org/officeDocument/2006/relationships" xmlns:p="http://schemas.openxmlformats.org/presentationml/2006/main">
   <p:cSld>
     <p:spTree>
@@ -15449,7 +17147,7 @@
 </p:sld>
 </file>
 
-<file path=ppt/slides/slide32.xml><?xml version="1.0" encoding="utf-8"?>
+<file path=ppt/slides/slide35.xml><?xml version="1.0" encoding="utf-8"?>
 <p:sld xmlns:a="http://schemas.openxmlformats.org/drawingml/2006/main" xmlns:r="http://schemas.openxmlformats.org/officeDocument/2006/relationships" xmlns:p="http://schemas.openxmlformats.org/presentationml/2006/main">
   <p:cSld>
     <p:spTree>
@@ -15541,7 +17239,7 @@
 </p:sld>
 </file>
 
-<file path=ppt/slides/slide33.xml><?xml version="1.0" encoding="utf-8"?>
+<file path=ppt/slides/slide36.xml><?xml version="1.0" encoding="utf-8"?>
 <p:sld xmlns:a="http://schemas.openxmlformats.org/drawingml/2006/main" xmlns:r="http://schemas.openxmlformats.org/officeDocument/2006/relationships" xmlns:p="http://schemas.openxmlformats.org/presentationml/2006/main">
   <p:cSld>
     <p:spTree>
@@ -15633,7 +17331,7 @@
 </p:sld>
 </file>
 
-<file path=ppt/slides/slide34.xml><?xml version="1.0" encoding="utf-8"?>
+<file path=ppt/slides/slide37.xml><?xml version="1.0" encoding="utf-8"?>
 <p:sld xmlns:a="http://schemas.openxmlformats.org/drawingml/2006/main" xmlns:r="http://schemas.openxmlformats.org/officeDocument/2006/relationships" xmlns:p="http://schemas.openxmlformats.org/presentationml/2006/main">
   <p:cSld>
     <p:spTree>
@@ -15725,7 +17423,7 @@
 </p:sld>
 </file>
 
-<file path=ppt/slides/slide35.xml><?xml version="1.0" encoding="utf-8"?>
+<file path=ppt/slides/slide38.xml><?xml version="1.0" encoding="utf-8"?>
 <p:sld xmlns:a="http://schemas.openxmlformats.org/drawingml/2006/main" xmlns:r="http://schemas.openxmlformats.org/officeDocument/2006/relationships" xmlns:p="http://schemas.openxmlformats.org/presentationml/2006/main">
   <p:cSld>
     <p:spTree>
@@ -15817,7 +17515,7 @@
 </p:sld>
 </file>
 
-<file path=ppt/slides/slide36.xml><?xml version="1.0" encoding="utf-8"?>
+<file path=ppt/slides/slide39.xml><?xml version="1.0" encoding="utf-8"?>
 <p:sld xmlns:a="http://schemas.openxmlformats.org/drawingml/2006/main" xmlns:r="http://schemas.openxmlformats.org/officeDocument/2006/relationships" xmlns:p="http://schemas.openxmlformats.org/presentationml/2006/main">
   <p:cSld>
     <p:spTree>
@@ -15909,7 +17607,95 @@
 </p:sld>
 </file>
 
-<file path=ppt/slides/slide37.xml><?xml version="1.0" encoding="utf-8"?>
+<file path=ppt/slides/slide4.xml><?xml version="1.0" encoding="utf-8"?>
+<p:sld xmlns:a="http://schemas.openxmlformats.org/drawingml/2006/main" xmlns:r="http://schemas.openxmlformats.org/officeDocument/2006/relationships" xmlns:p="http://schemas.openxmlformats.org/presentationml/2006/main">
+  <p:cSld>
+    <p:spTree>
+      <p:nvGrpSpPr>
+        <p:cNvPr id="1" name=""/>
+        <p:cNvGrpSpPr/>
+        <p:nvPr/>
+      </p:nvGrpSpPr>
+      <p:grpSpPr>
+        <a:xfrm>
+          <a:off x="0" y="0"/>
+          <a:ext cx="0" cy="0"/>
+          <a:chOff x="0" y="0"/>
+          <a:chExt cx="0" cy="0"/>
+        </a:xfrm>
+      </p:grpSpPr>
+      <p:sp>
+        <p:nvSpPr>
+          <p:cNvPr id="2" name="Title 1">
+            <a:extLst>
+              <a:ext uri="{FF2B5EF4-FFF2-40B4-BE49-F238E27FC236}">
+                <a16:creationId xmlns:a16="http://schemas.microsoft.com/office/drawing/2014/main" id="{F6693EDF-660D-4391-A114-A6C54268E445}"/>
+              </a:ext>
+            </a:extLst>
+          </p:cNvPr>
+          <p:cNvSpPr>
+            <a:spLocks noGrp="1"/>
+          </p:cNvSpPr>
+          <p:nvPr>
+            <p:ph type="ctrTitle"/>
+          </p:nvPr>
+        </p:nvSpPr>
+        <p:spPr>
+          <a:xfrm>
+            <a:off x="1261872" y="758952"/>
+            <a:ext cx="10549128" cy="4041648"/>
+          </a:xfrm>
+        </p:spPr>
+        <p:txBody>
+          <a:bodyPr/>
+          <a:lstStyle/>
+          <a:p>
+            <a:r>
+              <a:rPr lang="en-US" dirty="0"/>
+              <a:t>Endogeneity</a:t>
+            </a:r>
+          </a:p>
+        </p:txBody>
+      </p:sp>
+      <p:sp>
+        <p:nvSpPr>
+          <p:cNvPr id="3" name="Subtitle 2">
+            <a:extLst>
+              <a:ext uri="{FF2B5EF4-FFF2-40B4-BE49-F238E27FC236}">
+                <a16:creationId xmlns:a16="http://schemas.microsoft.com/office/drawing/2014/main" id="{9A7FADE3-4D7C-4B3A-B023-71CD85AECCCB}"/>
+              </a:ext>
+            </a:extLst>
+          </p:cNvPr>
+          <p:cNvSpPr>
+            <a:spLocks noGrp="1"/>
+          </p:cNvSpPr>
+          <p:nvPr>
+            <p:ph type="subTitle" idx="1"/>
+          </p:nvPr>
+        </p:nvSpPr>
+        <p:spPr/>
+        <p:txBody>
+          <a:bodyPr/>
+          <a:lstStyle/>
+          <a:p>
+            <a:endParaRPr lang="en-US"/>
+          </a:p>
+        </p:txBody>
+      </p:sp>
+    </p:spTree>
+    <p:extLst>
+      <p:ext uri="{BB962C8B-B14F-4D97-AF65-F5344CB8AC3E}">
+        <p14:creationId xmlns:p14="http://schemas.microsoft.com/office/powerpoint/2010/main" val="2953910715"/>
+      </p:ext>
+    </p:extLst>
+  </p:cSld>
+  <p:clrMapOvr>
+    <a:masterClrMapping/>
+  </p:clrMapOvr>
+</p:sld>
+</file>
+
+<file path=ppt/slides/slide40.xml><?xml version="1.0" encoding="utf-8"?>
 <p:sld xmlns:a="http://schemas.openxmlformats.org/drawingml/2006/main" xmlns:r="http://schemas.openxmlformats.org/officeDocument/2006/relationships" xmlns:p="http://schemas.openxmlformats.org/presentationml/2006/main">
   <p:cSld>
     <p:spTree>
@@ -16035,7 +17821,7 @@
 </p:sld>
 </file>
 
-<file path=ppt/slides/slide38.xml><?xml version="1.0" encoding="utf-8"?>
+<file path=ppt/slides/slide41.xml><?xml version="1.0" encoding="utf-8"?>
 <p:sld xmlns:a="http://schemas.openxmlformats.org/drawingml/2006/main" xmlns:r="http://schemas.openxmlformats.org/officeDocument/2006/relationships" xmlns:p="http://schemas.openxmlformats.org/presentationml/2006/main">
   <p:cSld>
     <p:spTree>
@@ -16534,7 +18320,7 @@
 </p:sld>
 </file>
 
-<file path=ppt/slides/slide39.xml><?xml version="1.0" encoding="utf-8"?>
+<file path=ppt/slides/slide42.xml><?xml version="1.0" encoding="utf-8"?>
 <p:sld xmlns:a="http://schemas.openxmlformats.org/drawingml/2006/main" xmlns:r="http://schemas.openxmlformats.org/officeDocument/2006/relationships" xmlns:p="http://schemas.openxmlformats.org/presentationml/2006/main">
   <p:cSld>
     <p:spTree>
@@ -16798,95 +18584,7 @@
 </p:sld>
 </file>
 
-<file path=ppt/slides/slide4.xml><?xml version="1.0" encoding="utf-8"?>
-<p:sld xmlns:a="http://schemas.openxmlformats.org/drawingml/2006/main" xmlns:r="http://schemas.openxmlformats.org/officeDocument/2006/relationships" xmlns:p="http://schemas.openxmlformats.org/presentationml/2006/main">
-  <p:cSld>
-    <p:spTree>
-      <p:nvGrpSpPr>
-        <p:cNvPr id="1" name=""/>
-        <p:cNvGrpSpPr/>
-        <p:nvPr/>
-      </p:nvGrpSpPr>
-      <p:grpSpPr>
-        <a:xfrm>
-          <a:off x="0" y="0"/>
-          <a:ext cx="0" cy="0"/>
-          <a:chOff x="0" y="0"/>
-          <a:chExt cx="0" cy="0"/>
-        </a:xfrm>
-      </p:grpSpPr>
-      <p:sp>
-        <p:nvSpPr>
-          <p:cNvPr id="2" name="Title 1">
-            <a:extLst>
-              <a:ext uri="{FF2B5EF4-FFF2-40B4-BE49-F238E27FC236}">
-                <a16:creationId xmlns:a16="http://schemas.microsoft.com/office/drawing/2014/main" id="{F6693EDF-660D-4391-A114-A6C54268E445}"/>
-              </a:ext>
-            </a:extLst>
-          </p:cNvPr>
-          <p:cNvSpPr>
-            <a:spLocks noGrp="1"/>
-          </p:cNvSpPr>
-          <p:nvPr>
-            <p:ph type="ctrTitle"/>
-          </p:nvPr>
-        </p:nvSpPr>
-        <p:spPr>
-          <a:xfrm>
-            <a:off x="1261872" y="758952"/>
-            <a:ext cx="10549128" cy="4041648"/>
-          </a:xfrm>
-        </p:spPr>
-        <p:txBody>
-          <a:bodyPr/>
-          <a:lstStyle/>
-          <a:p>
-            <a:r>
-              <a:rPr lang="en-US" dirty="0"/>
-              <a:t>Endogeneity</a:t>
-            </a:r>
-          </a:p>
-        </p:txBody>
-      </p:sp>
-      <p:sp>
-        <p:nvSpPr>
-          <p:cNvPr id="3" name="Subtitle 2">
-            <a:extLst>
-              <a:ext uri="{FF2B5EF4-FFF2-40B4-BE49-F238E27FC236}">
-                <a16:creationId xmlns:a16="http://schemas.microsoft.com/office/drawing/2014/main" id="{9A7FADE3-4D7C-4B3A-B023-71CD85AECCCB}"/>
-              </a:ext>
-            </a:extLst>
-          </p:cNvPr>
-          <p:cNvSpPr>
-            <a:spLocks noGrp="1"/>
-          </p:cNvSpPr>
-          <p:nvPr>
-            <p:ph type="subTitle" idx="1"/>
-          </p:nvPr>
-        </p:nvSpPr>
-        <p:spPr/>
-        <p:txBody>
-          <a:bodyPr/>
-          <a:lstStyle/>
-          <a:p>
-            <a:endParaRPr lang="en-US"/>
-          </a:p>
-        </p:txBody>
-      </p:sp>
-    </p:spTree>
-    <p:extLst>
-      <p:ext uri="{BB962C8B-B14F-4D97-AF65-F5344CB8AC3E}">
-        <p14:creationId xmlns:p14="http://schemas.microsoft.com/office/powerpoint/2010/main" val="2953910715"/>
-      </p:ext>
-    </p:extLst>
-  </p:cSld>
-  <p:clrMapOvr>
-    <a:masterClrMapping/>
-  </p:clrMapOvr>
-</p:sld>
-</file>
-
-<file path=ppt/slides/slide40.xml><?xml version="1.0" encoding="utf-8"?>
+<file path=ppt/slides/slide43.xml><?xml version="1.0" encoding="utf-8"?>
 <p:sld xmlns:a="http://schemas.openxmlformats.org/drawingml/2006/main" xmlns:r="http://schemas.openxmlformats.org/officeDocument/2006/relationships" xmlns:p="http://schemas.openxmlformats.org/presentationml/2006/main">
   <p:cSld>
     <p:spTree>
@@ -17075,7 +18773,7 @@
 </p:sld>
 </file>
 
-<file path=ppt/slides/slide41.xml><?xml version="1.0" encoding="utf-8"?>
+<file path=ppt/slides/slide44.xml><?xml version="1.0" encoding="utf-8"?>
 <p:sld xmlns:a="http://schemas.openxmlformats.org/drawingml/2006/main" xmlns:r="http://schemas.openxmlformats.org/officeDocument/2006/relationships" xmlns:p="http://schemas.openxmlformats.org/presentationml/2006/main">
   <p:cSld>
     <p:spTree>
@@ -17426,7 +19124,7 @@
 </p:sld>
 </file>
 
-<file path=ppt/slides/slide42.xml><?xml version="1.0" encoding="utf-8"?>
+<file path=ppt/slides/slide45.xml><?xml version="1.0" encoding="utf-8"?>
 <p:sld xmlns:a="http://schemas.openxmlformats.org/drawingml/2006/main" xmlns:r="http://schemas.openxmlformats.org/officeDocument/2006/relationships" xmlns:p="http://schemas.openxmlformats.org/presentationml/2006/main">
   <p:cSld>
     <p:spTree>
@@ -17549,7 +19247,7 @@
 </p:sld>
 </file>
 
-<file path=ppt/slides/slide43.xml><?xml version="1.0" encoding="utf-8"?>
+<file path=ppt/slides/slide46.xml><?xml version="1.0" encoding="utf-8"?>
 <p:sld xmlns:a="http://schemas.openxmlformats.org/drawingml/2006/main" xmlns:r="http://schemas.openxmlformats.org/officeDocument/2006/relationships" xmlns:p="http://schemas.openxmlformats.org/presentationml/2006/main">
   <p:cSld>
     <p:spTree>
@@ -17738,7 +19436,7 @@
 </p:sld>
 </file>
 
-<file path=ppt/slides/slide44.xml><?xml version="1.0" encoding="utf-8"?>
+<file path=ppt/slides/slide47.xml><?xml version="1.0" encoding="utf-8"?>
 <p:sld xmlns:a="http://schemas.openxmlformats.org/drawingml/2006/main" xmlns:r="http://schemas.openxmlformats.org/officeDocument/2006/relationships" xmlns:p="http://schemas.openxmlformats.org/presentationml/2006/main">
   <p:cSld>
     <p:spTree>
@@ -17932,7 +19630,7 @@
 </p:sld>
 </file>
 
-<file path=ppt/slides/slide45.xml><?xml version="1.0" encoding="utf-8"?>
+<file path=ppt/slides/slide48.xml><?xml version="1.0" encoding="utf-8"?>
 <p:sld xmlns:a="http://schemas.openxmlformats.org/drawingml/2006/main" xmlns:r="http://schemas.openxmlformats.org/officeDocument/2006/relationships" xmlns:p="http://schemas.openxmlformats.org/presentationml/2006/main">
   <p:cSld>
     <p:spTree>
@@ -18169,7 +19867,7 @@
 </p:sld>
 </file>
 
-<file path=ppt/slides/slide46.xml><?xml version="1.0" encoding="utf-8"?>
+<file path=ppt/slides/slide49.xml><?xml version="1.0" encoding="utf-8"?>
 <p:sld xmlns:a="http://schemas.openxmlformats.org/drawingml/2006/main" xmlns:r="http://schemas.openxmlformats.org/officeDocument/2006/relationships" xmlns:p="http://schemas.openxmlformats.org/presentationml/2006/main">
   <p:cSld>
     <p:spTree>
@@ -18218,8 +19916,8 @@
           </a:p>
         </p:txBody>
       </p:sp>
-      <mc:AlternateContent xmlns:mc="http://schemas.openxmlformats.org/markup-compatibility/2006">
-        <mc:Choice xmlns:a14="http://schemas.microsoft.com/office/drawing/2010/main" Requires="a14">
+      <mc:AlternateContent xmlns:mc="http://schemas.openxmlformats.org/markup-compatibility/2006" xmlns:a14="http://schemas.microsoft.com/office/drawing/2010/main">
+        <mc:Choice Requires="a14">
           <p:sp>
             <p:nvSpPr>
               <p:cNvPr id="3" name="Content Placeholder 2"/>
@@ -18524,7 +20222,7 @@
             </p:txBody>
           </p:sp>
         </mc:Choice>
-        <mc:Fallback>
+        <mc:Fallback xmlns="">
           <p:sp>
             <p:nvSpPr>
               <p:cNvPr id="3" name="Content Placeholder 2"/>
@@ -18566,716 +20264,6 @@
     <p:extLst>
       <p:ext uri="{BB962C8B-B14F-4D97-AF65-F5344CB8AC3E}">
         <p14:creationId xmlns:p14="http://schemas.microsoft.com/office/powerpoint/2010/main" val="4150992485"/>
-      </p:ext>
-    </p:extLst>
-  </p:cSld>
-  <p:clrMapOvr>
-    <a:masterClrMapping/>
-  </p:clrMapOvr>
-</p:sld>
-</file>
-
-<file path=ppt/slides/slide47.xml><?xml version="1.0" encoding="utf-8"?>
-<p:sld xmlns:a="http://schemas.openxmlformats.org/drawingml/2006/main" xmlns:r="http://schemas.openxmlformats.org/officeDocument/2006/relationships" xmlns:p="http://schemas.openxmlformats.org/presentationml/2006/main">
-  <p:cSld>
-    <p:spTree>
-      <p:nvGrpSpPr>
-        <p:cNvPr id="1" name=""/>
-        <p:cNvGrpSpPr/>
-        <p:nvPr/>
-      </p:nvGrpSpPr>
-      <p:grpSpPr>
-        <a:xfrm>
-          <a:off x="0" y="0"/>
-          <a:ext cx="0" cy="0"/>
-          <a:chOff x="0" y="0"/>
-          <a:chExt cx="0" cy="0"/>
-        </a:xfrm>
-      </p:grpSpPr>
-      <p:sp>
-        <p:nvSpPr>
-          <p:cNvPr id="2" name="Title 1"/>
-          <p:cNvSpPr>
-            <a:spLocks noGrp="1"/>
-          </p:cNvSpPr>
-          <p:nvPr>
-            <p:ph type="title"/>
-          </p:nvPr>
-        </p:nvSpPr>
-        <p:spPr>
-          <a:xfrm>
-            <a:off x="609600" y="337392"/>
-            <a:ext cx="10439400" cy="624840"/>
-          </a:xfrm>
-        </p:spPr>
-        <p:txBody>
-          <a:bodyPr>
-            <a:noAutofit/>
-          </a:bodyPr>
-          <a:lstStyle/>
-          <a:p>
-            <a:r>
-              <a:rPr lang="en-US" sz="3600" dirty="0">
-                <a:cs typeface="Times New Roman" panose="02020603050405020304" pitchFamily="18" charset="0"/>
-              </a:rPr>
-              <a:t>Using an IV: Best Practices</a:t>
-            </a:r>
-            <a:endParaRPr lang="en-US" sz="3600" dirty="0">
-              <a:latin typeface="Times New Roman" panose="02020603050405020304" pitchFamily="18" charset="0"/>
-              <a:cs typeface="Times New Roman" panose="02020603050405020304" pitchFamily="18" charset="0"/>
-            </a:endParaRPr>
-          </a:p>
-        </p:txBody>
-      </p:sp>
-      <p:sp>
-        <p:nvSpPr>
-          <p:cNvPr id="3" name="Content Placeholder 2"/>
-          <p:cNvSpPr>
-            <a:spLocks noGrp="1"/>
-          </p:cNvSpPr>
-          <p:nvPr>
-            <p:ph idx="1"/>
-          </p:nvPr>
-        </p:nvSpPr>
-        <p:spPr>
-          <a:xfrm>
-            <a:off x="914400" y="1066801"/>
-            <a:ext cx="9984829" cy="5141388"/>
-          </a:xfrm>
-        </p:spPr>
-        <p:txBody>
-          <a:bodyPr vert="horz" lIns="91440" tIns="45720" rIns="91440" bIns="45720" rtlCol="0" anchor="t">
-            <a:normAutofit/>
-          </a:bodyPr>
-          <a:lstStyle/>
-          <a:p>
-            <a:pPr marL="457200" indent="-457200">
-              <a:buAutoNum type="arabicPeriod"/>
-            </a:pPr>
-            <a:r>
-              <a:rPr lang="en-US" sz="2400" dirty="0">
-                <a:latin typeface="Times New Roman"/>
-                <a:cs typeface="Times New Roman"/>
-              </a:rPr>
-              <a:t>Use packages to help get the standard errors right</a:t>
-            </a:r>
-            <a:endParaRPr lang="en-US" sz="2400" dirty="0">
-              <a:cs typeface="Times New Roman" panose="02020603050405020304" pitchFamily="18" charset="0"/>
-            </a:endParaRPr>
-          </a:p>
-          <a:p>
-            <a:pPr marL="457200" indent="-457200">
-              <a:buAutoNum type="arabicPeriod"/>
-            </a:pPr>
-            <a:r>
-              <a:rPr lang="en-US" sz="2400" b="1" dirty="0">
-                <a:solidFill>
-                  <a:schemeClr val="accent2">
-                    <a:lumMod val="75000"/>
-                  </a:schemeClr>
-                </a:solidFill>
-                <a:latin typeface="Times New Roman"/>
-                <a:cs typeface="Times New Roman"/>
-              </a:rPr>
-              <a:t>Always </a:t>
-            </a:r>
-            <a:r>
-              <a:rPr lang="en-US" sz="2400" dirty="0">
-                <a:latin typeface="Times New Roman"/>
-                <a:cs typeface="Times New Roman"/>
-              </a:rPr>
-              <a:t>report first-stage, and </a:t>
-            </a:r>
-            <a:r>
-              <a:rPr lang="en-US" sz="2400" b="1" dirty="0">
-                <a:solidFill>
-                  <a:schemeClr val="accent2">
-                    <a:lumMod val="75000"/>
-                  </a:schemeClr>
-                </a:solidFill>
-                <a:latin typeface="Times New Roman"/>
-                <a:cs typeface="Times New Roman"/>
-              </a:rPr>
-              <a:t>thoroughly </a:t>
-            </a:r>
-            <a:r>
-              <a:rPr lang="en-US" sz="2400" dirty="0">
-                <a:latin typeface="Times New Roman"/>
-                <a:cs typeface="Times New Roman"/>
-              </a:rPr>
-              <a:t>discuss validity and monotonicity (next slide) assumptions</a:t>
-            </a:r>
-          </a:p>
-          <a:p>
-            <a:pPr marL="457200" indent="-457200">
-              <a:buAutoNum type="arabicPeriod"/>
-            </a:pPr>
-            <a:r>
-              <a:rPr lang="en-US" sz="2400" dirty="0">
-                <a:latin typeface="Times New Roman"/>
-                <a:cs typeface="Times New Roman"/>
-              </a:rPr>
-              <a:t>It's a good idea to </a:t>
-            </a:r>
-            <a:r>
-              <a:rPr lang="en-US" sz="2400" b="1" dirty="0">
-                <a:solidFill>
-                  <a:schemeClr val="accent3">
-                    <a:lumMod val="75000"/>
-                  </a:schemeClr>
-                </a:solidFill>
-                <a:latin typeface="Times New Roman"/>
-                <a:cs typeface="Times New Roman"/>
-              </a:rPr>
-              <a:t>just act as though your IV is weak </a:t>
-            </a:r>
-          </a:p>
-          <a:p>
-            <a:pPr lvl="1"/>
-            <a:r>
-              <a:rPr lang="en-US" sz="2400" spc="10" dirty="0">
-                <a:solidFill>
-                  <a:schemeClr val="tx1"/>
-                </a:solidFill>
-                <a:latin typeface="Times New Roman"/>
-                <a:cs typeface="Times New Roman"/>
-              </a:rPr>
-              <a:t>Really, this just means increasing your standard errors</a:t>
-            </a:r>
-            <a:endParaRPr lang="en-US" sz="2400" b="1" dirty="0">
-              <a:solidFill>
-                <a:schemeClr val="tx1"/>
-              </a:solidFill>
-              <a:latin typeface="Times New Roman"/>
-              <a:cs typeface="Times New Roman"/>
-            </a:endParaRPr>
-          </a:p>
-          <a:p>
-            <a:pPr marL="0" indent="0">
-              <a:buNone/>
-            </a:pPr>
-            <a:endParaRPr lang="en-US" sz="2400" dirty="0">
-              <a:latin typeface="Times New Roman"/>
-              <a:cs typeface="Times New Roman"/>
-            </a:endParaRPr>
-          </a:p>
-          <a:p>
-            <a:pPr marL="0" indent="0">
-              <a:buNone/>
-            </a:pPr>
-            <a:endParaRPr lang="en-US" sz="2400" dirty="0">
-              <a:latin typeface="Times New Roman"/>
-              <a:cs typeface="Times New Roman"/>
-            </a:endParaRPr>
-          </a:p>
-        </p:txBody>
-      </p:sp>
-      <p:pic>
-        <p:nvPicPr>
-          <p:cNvPr id="4" name="Picture 2" descr="RStudio - RStudio">
-            <a:extLst>
-              <a:ext uri="{FF2B5EF4-FFF2-40B4-BE49-F238E27FC236}">
-                <a16:creationId xmlns:a16="http://schemas.microsoft.com/office/drawing/2014/main" id="{B0313F32-F1AA-A80B-9C57-82CFF9FB4951}"/>
-              </a:ext>
-            </a:extLst>
-          </p:cNvPr>
-          <p:cNvPicPr>
-            <a:picLocks noChangeAspect="1" noChangeArrowheads="1"/>
-          </p:cNvPicPr>
-          <p:nvPr/>
-        </p:nvPicPr>
-        <p:blipFill>
-          <a:blip r:embed="rId3">
-            <a:extLst>
-              <a:ext uri="{28A0092B-C50C-407E-A947-70E740481C1C}">
-                <a14:useLocalDpi xmlns:a14="http://schemas.microsoft.com/office/drawing/2010/main" val="0"/>
-              </a:ext>
-            </a:extLst>
-          </a:blip>
-          <a:srcRect/>
-          <a:stretch>
-            <a:fillRect/>
-          </a:stretch>
-        </p:blipFill>
-        <p:spPr bwMode="auto">
-          <a:xfrm>
-            <a:off x="9527629" y="5209968"/>
-            <a:ext cx="1371600" cy="1371600"/>
-          </a:xfrm>
-          <a:prstGeom prst="rect">
-            <a:avLst/>
-          </a:prstGeom>
-          <a:noFill/>
-          <a:extLst>
-            <a:ext uri="{909E8E84-426E-40DD-AFC4-6F175D3DCCD1}">
-              <a14:hiddenFill xmlns:a14="http://schemas.microsoft.com/office/drawing/2010/main">
-                <a:solidFill>
-                  <a:srgbClr val="FFFFFF"/>
-                </a:solidFill>
-              </a14:hiddenFill>
-            </a:ext>
-          </a:extLst>
-        </p:spPr>
-      </p:pic>
-    </p:spTree>
-    <p:extLst>
-      <p:ext uri="{BB962C8B-B14F-4D97-AF65-F5344CB8AC3E}">
-        <p14:creationId xmlns:p14="http://schemas.microsoft.com/office/powerpoint/2010/main" val="3254224760"/>
-      </p:ext>
-    </p:extLst>
-  </p:cSld>
-  <p:clrMapOvr>
-    <a:masterClrMapping/>
-  </p:clrMapOvr>
-</p:sld>
-</file>
-
-<file path=ppt/slides/slide48.xml><?xml version="1.0" encoding="utf-8"?>
-<p:sld xmlns:a="http://schemas.openxmlformats.org/drawingml/2006/main" xmlns:r="http://schemas.openxmlformats.org/officeDocument/2006/relationships" xmlns:p="http://schemas.openxmlformats.org/presentationml/2006/main">
-  <p:cSld>
-    <p:spTree>
-      <p:nvGrpSpPr>
-        <p:cNvPr id="1" name=""/>
-        <p:cNvGrpSpPr/>
-        <p:nvPr/>
-      </p:nvGrpSpPr>
-      <p:grpSpPr>
-        <a:xfrm>
-          <a:off x="0" y="0"/>
-          <a:ext cx="0" cy="0"/>
-          <a:chOff x="0" y="0"/>
-          <a:chExt cx="0" cy="0"/>
-        </a:xfrm>
-      </p:grpSpPr>
-      <p:sp>
-        <p:nvSpPr>
-          <p:cNvPr id="2" name="Title 1"/>
-          <p:cNvSpPr>
-            <a:spLocks noGrp="1"/>
-          </p:cNvSpPr>
-          <p:nvPr>
-            <p:ph type="title"/>
-          </p:nvPr>
-        </p:nvSpPr>
-        <p:spPr>
-          <a:xfrm>
-            <a:off x="609600" y="337392"/>
-            <a:ext cx="10439400" cy="624840"/>
-          </a:xfrm>
-        </p:spPr>
-        <p:txBody>
-          <a:bodyPr>
-            <a:noAutofit/>
-          </a:bodyPr>
-          <a:lstStyle/>
-          <a:p>
-            <a:r>
-              <a:rPr lang="en-US" sz="3600" dirty="0">
-                <a:cs typeface="Times New Roman" panose="02020603050405020304" pitchFamily="18" charset="0"/>
-              </a:rPr>
-              <a:t>Using an IV: Best Practices</a:t>
-            </a:r>
-            <a:endParaRPr lang="en-US" sz="3600" dirty="0">
-              <a:latin typeface="Times New Roman" panose="02020603050405020304" pitchFamily="18" charset="0"/>
-              <a:cs typeface="Times New Roman" panose="02020603050405020304" pitchFamily="18" charset="0"/>
-            </a:endParaRPr>
-          </a:p>
-        </p:txBody>
-      </p:sp>
-      <p:sp>
-        <p:nvSpPr>
-          <p:cNvPr id="3" name="Content Placeholder 2"/>
-          <p:cNvSpPr>
-            <a:spLocks noGrp="1"/>
-          </p:cNvSpPr>
-          <p:nvPr>
-            <p:ph idx="1"/>
-          </p:nvPr>
-        </p:nvSpPr>
-        <p:spPr>
-          <a:xfrm>
-            <a:off x="914400" y="1066801"/>
-            <a:ext cx="9984829" cy="5141388"/>
-          </a:xfrm>
-        </p:spPr>
-        <p:txBody>
-          <a:bodyPr vert="horz" lIns="91440" tIns="45720" rIns="91440" bIns="45720" rtlCol="0" anchor="t">
-            <a:normAutofit/>
-          </a:bodyPr>
-          <a:lstStyle/>
-          <a:p>
-            <a:pPr marL="457200" indent="-457200">
-              <a:buAutoNum type="arabicPeriod"/>
-            </a:pPr>
-            <a:r>
-              <a:rPr lang="en-US" sz="2400" dirty="0">
-                <a:latin typeface="Times New Roman"/>
-                <a:cs typeface="Times New Roman"/>
-              </a:rPr>
-              <a:t>Use packages to help get the standard errors right</a:t>
-            </a:r>
-            <a:endParaRPr lang="en-US" sz="2400" dirty="0">
-              <a:cs typeface="Times New Roman" panose="02020603050405020304" pitchFamily="18" charset="0"/>
-            </a:endParaRPr>
-          </a:p>
-          <a:p>
-            <a:pPr marL="457200" indent="-457200">
-              <a:buAutoNum type="arabicPeriod"/>
-            </a:pPr>
-            <a:r>
-              <a:rPr lang="en-US" sz="2400" b="1" dirty="0">
-                <a:solidFill>
-                  <a:schemeClr val="accent2">
-                    <a:lumMod val="75000"/>
-                  </a:schemeClr>
-                </a:solidFill>
-                <a:latin typeface="Times New Roman"/>
-                <a:cs typeface="Times New Roman"/>
-              </a:rPr>
-              <a:t>Always </a:t>
-            </a:r>
-            <a:r>
-              <a:rPr lang="en-US" sz="2400" dirty="0">
-                <a:latin typeface="Times New Roman"/>
-                <a:cs typeface="Times New Roman"/>
-              </a:rPr>
-              <a:t>report first-stage, and </a:t>
-            </a:r>
-            <a:r>
-              <a:rPr lang="en-US" sz="2400" b="1" dirty="0">
-                <a:solidFill>
-                  <a:schemeClr val="accent2">
-                    <a:lumMod val="75000"/>
-                  </a:schemeClr>
-                </a:solidFill>
-                <a:latin typeface="Times New Roman"/>
-                <a:cs typeface="Times New Roman"/>
-              </a:rPr>
-              <a:t>thoroughly </a:t>
-            </a:r>
-            <a:r>
-              <a:rPr lang="en-US" sz="2400" dirty="0">
-                <a:latin typeface="Times New Roman"/>
-                <a:cs typeface="Times New Roman"/>
-              </a:rPr>
-              <a:t>discuss validity and monotonicity (next slide) assumptions</a:t>
-            </a:r>
-          </a:p>
-          <a:p>
-            <a:pPr marL="457200" indent="-457200">
-              <a:buAutoNum type="arabicPeriod"/>
-            </a:pPr>
-            <a:r>
-              <a:rPr lang="en-US" sz="2400" dirty="0">
-                <a:latin typeface="Times New Roman"/>
-                <a:cs typeface="Times New Roman"/>
-              </a:rPr>
-              <a:t>It's a good idea to </a:t>
-            </a:r>
-            <a:r>
-              <a:rPr lang="en-US" sz="2400" b="1" dirty="0">
-                <a:solidFill>
-                  <a:schemeClr val="accent3">
-                    <a:lumMod val="75000"/>
-                  </a:schemeClr>
-                </a:solidFill>
-                <a:latin typeface="Times New Roman"/>
-                <a:cs typeface="Times New Roman"/>
-              </a:rPr>
-              <a:t>just act as though your IV is weak </a:t>
-            </a:r>
-          </a:p>
-          <a:p>
-            <a:pPr lvl="1"/>
-            <a:r>
-              <a:rPr lang="en-US" sz="2400" dirty="0">
-                <a:latin typeface="Times New Roman"/>
-                <a:cs typeface="Times New Roman"/>
-              </a:rPr>
-              <a:t>Really, this just means increasing your standard errors</a:t>
-            </a:r>
-          </a:p>
-          <a:p>
-            <a:pPr marL="274320" lvl="1" indent="0">
-              <a:buNone/>
-            </a:pPr>
-            <a:endParaRPr lang="en-US" sz="2400" dirty="0">
-              <a:latin typeface="Times New Roman"/>
-              <a:cs typeface="Times New Roman"/>
-            </a:endParaRPr>
-          </a:p>
-          <a:p>
-            <a:pPr marL="0" indent="0">
-              <a:buNone/>
-            </a:pPr>
-            <a:r>
-              <a:rPr lang="en-US" sz="2400" b="1" dirty="0">
-                <a:solidFill>
-                  <a:schemeClr val="accent2">
-                    <a:lumMod val="75000"/>
-                  </a:schemeClr>
-                </a:solidFill>
-                <a:latin typeface="Times New Roman"/>
-                <a:cs typeface="Times New Roman"/>
-              </a:rPr>
-              <a:t>Other issues:</a:t>
-            </a:r>
-            <a:r>
-              <a:rPr lang="en-US" sz="2400" dirty="0">
-                <a:latin typeface="Times New Roman"/>
-                <a:cs typeface="Times New Roman"/>
-              </a:rPr>
-              <a:t> </a:t>
-            </a:r>
-          </a:p>
-          <a:p>
-            <a:pPr lvl="1"/>
-            <a:r>
-              <a:rPr lang="en-US" sz="2400" spc="10" dirty="0">
-                <a:solidFill>
-                  <a:srgbClr val="000000"/>
-                </a:solidFill>
-                <a:latin typeface="Times New Roman"/>
-                <a:cs typeface="Times New Roman"/>
-              </a:rPr>
-              <a:t>Small sample size can bias your estimates</a:t>
-            </a:r>
-          </a:p>
-          <a:p>
-            <a:pPr lvl="1"/>
-            <a:r>
-              <a:rPr lang="en-US" sz="2400" spc="10" dirty="0">
-                <a:solidFill>
-                  <a:srgbClr val="000000"/>
-                </a:solidFill>
-                <a:latin typeface="Times New Roman"/>
-                <a:cs typeface="Times New Roman"/>
-              </a:rPr>
-              <a:t>You can use multiple instruments to increase precision</a:t>
-            </a:r>
-          </a:p>
-          <a:p>
-            <a:pPr lvl="1"/>
-            <a:endParaRPr lang="en-US" sz="2400" dirty="0">
-              <a:latin typeface="Times New Roman"/>
-              <a:cs typeface="Times New Roman"/>
-            </a:endParaRPr>
-          </a:p>
-          <a:p>
-            <a:pPr lvl="1"/>
-            <a:endParaRPr lang="en-US" sz="2400" spc="10" dirty="0">
-              <a:solidFill>
-                <a:srgbClr val="000000"/>
-              </a:solidFill>
-              <a:cs typeface="Times New Roman" panose="02020603050405020304" pitchFamily="18" charset="0"/>
-            </a:endParaRPr>
-          </a:p>
-        </p:txBody>
-      </p:sp>
-      <p:pic>
-        <p:nvPicPr>
-          <p:cNvPr id="4" name="Picture 2" descr="RStudio - RStudio">
-            <a:extLst>
-              <a:ext uri="{FF2B5EF4-FFF2-40B4-BE49-F238E27FC236}">
-                <a16:creationId xmlns:a16="http://schemas.microsoft.com/office/drawing/2014/main" id="{B0313F32-F1AA-A80B-9C57-82CFF9FB4951}"/>
-              </a:ext>
-            </a:extLst>
-          </p:cNvPr>
-          <p:cNvPicPr>
-            <a:picLocks noChangeAspect="1" noChangeArrowheads="1"/>
-          </p:cNvPicPr>
-          <p:nvPr/>
-        </p:nvPicPr>
-        <p:blipFill>
-          <a:blip r:embed="rId3">
-            <a:extLst>
-              <a:ext uri="{28A0092B-C50C-407E-A947-70E740481C1C}">
-                <a14:useLocalDpi xmlns:a14="http://schemas.microsoft.com/office/drawing/2010/main" val="0"/>
-              </a:ext>
-            </a:extLst>
-          </a:blip>
-          <a:srcRect/>
-          <a:stretch>
-            <a:fillRect/>
-          </a:stretch>
-        </p:blipFill>
-        <p:spPr bwMode="auto">
-          <a:xfrm>
-            <a:off x="9527629" y="5209968"/>
-            <a:ext cx="1371600" cy="1371600"/>
-          </a:xfrm>
-          <a:prstGeom prst="rect">
-            <a:avLst/>
-          </a:prstGeom>
-          <a:noFill/>
-          <a:extLst>
-            <a:ext uri="{909E8E84-426E-40DD-AFC4-6F175D3DCCD1}">
-              <a14:hiddenFill xmlns:a14="http://schemas.microsoft.com/office/drawing/2010/main">
-                <a:solidFill>
-                  <a:srgbClr val="FFFFFF"/>
-                </a:solidFill>
-              </a14:hiddenFill>
-            </a:ext>
-          </a:extLst>
-        </p:spPr>
-      </p:pic>
-    </p:spTree>
-    <p:extLst>
-      <p:ext uri="{BB962C8B-B14F-4D97-AF65-F5344CB8AC3E}">
-        <p14:creationId xmlns:p14="http://schemas.microsoft.com/office/powerpoint/2010/main" val="739104253"/>
-      </p:ext>
-    </p:extLst>
-  </p:cSld>
-  <p:clrMapOvr>
-    <a:masterClrMapping/>
-  </p:clrMapOvr>
-</p:sld>
-</file>
-
-<file path=ppt/slides/slide49.xml><?xml version="1.0" encoding="utf-8"?>
-<p:sld xmlns:a="http://schemas.openxmlformats.org/drawingml/2006/main" xmlns:r="http://schemas.openxmlformats.org/officeDocument/2006/relationships" xmlns:p="http://schemas.openxmlformats.org/presentationml/2006/main">
-  <p:cSld>
-    <p:spTree>
-      <p:nvGrpSpPr>
-        <p:cNvPr id="1" name=""/>
-        <p:cNvGrpSpPr/>
-        <p:nvPr/>
-      </p:nvGrpSpPr>
-      <p:grpSpPr>
-        <a:xfrm>
-          <a:off x="0" y="0"/>
-          <a:ext cx="0" cy="0"/>
-          <a:chOff x="0" y="0"/>
-          <a:chExt cx="0" cy="0"/>
-        </a:xfrm>
-      </p:grpSpPr>
-      <p:sp>
-        <p:nvSpPr>
-          <p:cNvPr id="2" name="Title 1"/>
-          <p:cNvSpPr>
-            <a:spLocks noGrp="1"/>
-          </p:cNvSpPr>
-          <p:nvPr>
-            <p:ph type="title"/>
-          </p:nvPr>
-        </p:nvSpPr>
-        <p:spPr>
-          <a:xfrm>
-            <a:off x="609600" y="337392"/>
-            <a:ext cx="10439400" cy="624840"/>
-          </a:xfrm>
-        </p:spPr>
-        <p:txBody>
-          <a:bodyPr>
-            <a:noAutofit/>
-          </a:bodyPr>
-          <a:lstStyle/>
-          <a:p>
-            <a:r>
-              <a:rPr lang="en-US" sz="3600" dirty="0">
-                <a:latin typeface="Times New Roman"/>
-                <a:cs typeface="Times New Roman"/>
-              </a:rPr>
-              <a:t>Using an IV: How do I interpret an IV?</a:t>
-            </a:r>
-          </a:p>
-        </p:txBody>
-      </p:sp>
-      <p:sp>
-        <p:nvSpPr>
-          <p:cNvPr id="3" name="Content Placeholder 2"/>
-          <p:cNvSpPr>
-            <a:spLocks noGrp="1"/>
-          </p:cNvSpPr>
-          <p:nvPr>
-            <p:ph idx="1"/>
-          </p:nvPr>
-        </p:nvSpPr>
-        <p:spPr>
-          <a:xfrm>
-            <a:off x="842513" y="1066801"/>
-            <a:ext cx="9984829" cy="5141388"/>
-          </a:xfrm>
-        </p:spPr>
-        <p:txBody>
-          <a:bodyPr vert="horz" lIns="91440" tIns="45720" rIns="91440" bIns="45720" rtlCol="0" anchor="t">
-            <a:normAutofit/>
-          </a:bodyPr>
-          <a:lstStyle/>
-          <a:p>
-            <a:r>
-              <a:rPr lang="en-US" sz="2400" dirty="0">
-                <a:latin typeface="Times New Roman"/>
-                <a:cs typeface="Times New Roman"/>
-              </a:rPr>
-              <a:t>IV's capture </a:t>
-            </a:r>
-            <a:r>
-              <a:rPr lang="en-US" sz="2400" b="1" dirty="0">
-                <a:solidFill>
-                  <a:schemeClr val="accent2">
-                    <a:lumMod val="75000"/>
-                  </a:schemeClr>
-                </a:solidFill>
-                <a:latin typeface="Times New Roman"/>
-                <a:cs typeface="Times New Roman"/>
-              </a:rPr>
-              <a:t>local average treatment effects (LATEs) </a:t>
-            </a:r>
-            <a:endParaRPr lang="en-US" sz="2400" dirty="0">
-              <a:solidFill>
-                <a:schemeClr val="accent2">
-                  <a:lumMod val="75000"/>
-                </a:schemeClr>
-              </a:solidFill>
-              <a:cs typeface="Times New Roman" panose="02020603050405020304" pitchFamily="18" charset="0"/>
-            </a:endParaRPr>
-          </a:p>
-          <a:p>
-            <a:pPr>
-              <a:buFont typeface="Arial" pitchFamily="34" charset="0"/>
-              <a:buChar char="•"/>
-            </a:pPr>
-            <a:endParaRPr lang="en-US" sz="2400" dirty="0">
-              <a:cs typeface="Times New Roman" panose="02020603050405020304" pitchFamily="18" charset="0"/>
-            </a:endParaRPr>
-          </a:p>
-        </p:txBody>
-      </p:sp>
-      <p:pic>
-        <p:nvPicPr>
-          <p:cNvPr id="5" name="Picture 4">
-            <a:extLst>
-              <a:ext uri="{FF2B5EF4-FFF2-40B4-BE49-F238E27FC236}">
-                <a16:creationId xmlns:a16="http://schemas.microsoft.com/office/drawing/2014/main" id="{ADB014BC-C6F2-B003-0AB6-BEA752B36DCB}"/>
-              </a:ext>
-            </a:extLst>
-          </p:cNvPr>
-          <p:cNvPicPr>
-            <a:picLocks noChangeAspect="1"/>
-          </p:cNvPicPr>
-          <p:nvPr/>
-        </p:nvPicPr>
-        <p:blipFill>
-          <a:blip r:embed="rId3"/>
-          <a:stretch>
-            <a:fillRect/>
-          </a:stretch>
-        </p:blipFill>
-        <p:spPr>
-          <a:xfrm>
-            <a:off x="609600" y="1447800"/>
-            <a:ext cx="10058400" cy="5289640"/>
-          </a:xfrm>
-          <a:prstGeom prst="rect">
-            <a:avLst/>
-          </a:prstGeom>
-        </p:spPr>
-      </p:pic>
-    </p:spTree>
-    <p:extLst>
-      <p:ext uri="{BB962C8B-B14F-4D97-AF65-F5344CB8AC3E}">
-        <p14:creationId xmlns:p14="http://schemas.microsoft.com/office/powerpoint/2010/main" val="1857179954"/>
       </p:ext>
     </p:extLst>
   </p:cSld>
@@ -19452,6 +20440,681 @@
                 <a:latin typeface="Times New Roman"/>
                 <a:cs typeface="Times New Roman"/>
               </a:rPr>
+              <a:t>Using an IV: What if I </a:t>
+            </a:r>
+            <a:r>
+              <a:rPr lang="en-US" sz="3600" b="1" dirty="0">
+                <a:solidFill>
+                  <a:schemeClr val="accent2">
+                    <a:lumMod val="75000"/>
+                  </a:schemeClr>
+                </a:solidFill>
+                <a:latin typeface="Times New Roman"/>
+                <a:cs typeface="Times New Roman"/>
+              </a:rPr>
+              <a:t>can’t</a:t>
+            </a:r>
+            <a:r>
+              <a:rPr lang="en-US" sz="3600" b="1" dirty="0">
+                <a:latin typeface="Times New Roman"/>
+                <a:cs typeface="Times New Roman"/>
+              </a:rPr>
+              <a:t> </a:t>
+            </a:r>
+            <a:r>
+              <a:rPr lang="en-US" sz="3600" dirty="0">
+                <a:latin typeface="Times New Roman"/>
+                <a:cs typeface="Times New Roman"/>
+              </a:rPr>
+              <a:t>defend my IV? </a:t>
+            </a:r>
+          </a:p>
+        </p:txBody>
+      </p:sp>
+      <p:sp>
+        <p:nvSpPr>
+          <p:cNvPr id="3" name="Content Placeholder 2"/>
+          <p:cNvSpPr>
+            <a:spLocks noGrp="1"/>
+          </p:cNvSpPr>
+          <p:nvPr>
+            <p:ph idx="1"/>
+          </p:nvPr>
+        </p:nvSpPr>
+        <p:spPr>
+          <a:xfrm>
+            <a:off x="914400" y="1066801"/>
+            <a:ext cx="9984829" cy="5141388"/>
+          </a:xfrm>
+        </p:spPr>
+        <p:txBody>
+          <a:bodyPr vert="horz" lIns="91440" tIns="45720" rIns="91440" bIns="45720" rtlCol="0" anchor="t">
+            <a:normAutofit/>
+          </a:bodyPr>
+          <a:lstStyle/>
+          <a:p>
+            <a:r>
+              <a:rPr lang="en-US" sz="2400" dirty="0">
+                <a:cs typeface="Times New Roman" panose="02020603050405020304" pitchFamily="18" charset="0"/>
+              </a:rPr>
+              <a:t>Many quasi-experimental approaches are very assumption dependent</a:t>
+            </a:r>
+          </a:p>
+          <a:p>
+            <a:r>
+              <a:rPr lang="en-US" sz="2400" b="1" dirty="0">
+                <a:cs typeface="Times New Roman" panose="02020603050405020304" pitchFamily="18" charset="0"/>
+              </a:rPr>
+              <a:t>IV is no exception!</a:t>
+            </a:r>
+          </a:p>
+        </p:txBody>
+      </p:sp>
+    </p:spTree>
+    <p:extLst>
+      <p:ext uri="{BB962C8B-B14F-4D97-AF65-F5344CB8AC3E}">
+        <p14:creationId xmlns:p14="http://schemas.microsoft.com/office/powerpoint/2010/main" val="2081741935"/>
+      </p:ext>
+    </p:extLst>
+  </p:cSld>
+  <p:clrMapOvr>
+    <a:masterClrMapping/>
+  </p:clrMapOvr>
+</p:sld>
+</file>
+
+<file path=ppt/slides/slide51.xml><?xml version="1.0" encoding="utf-8"?>
+<p:sld xmlns:a="http://schemas.openxmlformats.org/drawingml/2006/main" xmlns:r="http://schemas.openxmlformats.org/officeDocument/2006/relationships" xmlns:p="http://schemas.openxmlformats.org/presentationml/2006/main">
+  <p:cSld>
+    <p:spTree>
+      <p:nvGrpSpPr>
+        <p:cNvPr id="1" name=""/>
+        <p:cNvGrpSpPr/>
+        <p:nvPr/>
+      </p:nvGrpSpPr>
+      <p:grpSpPr>
+        <a:xfrm>
+          <a:off x="0" y="0"/>
+          <a:ext cx="0" cy="0"/>
+          <a:chOff x="0" y="0"/>
+          <a:chExt cx="0" cy="0"/>
+        </a:xfrm>
+      </p:grpSpPr>
+      <p:sp>
+        <p:nvSpPr>
+          <p:cNvPr id="2" name="Title 1"/>
+          <p:cNvSpPr>
+            <a:spLocks noGrp="1"/>
+          </p:cNvSpPr>
+          <p:nvPr>
+            <p:ph type="title"/>
+          </p:nvPr>
+        </p:nvSpPr>
+        <p:spPr>
+          <a:xfrm>
+            <a:off x="609600" y="337392"/>
+            <a:ext cx="10439400" cy="624840"/>
+          </a:xfrm>
+        </p:spPr>
+        <p:txBody>
+          <a:bodyPr>
+            <a:noAutofit/>
+          </a:bodyPr>
+          <a:lstStyle/>
+          <a:p>
+            <a:r>
+              <a:rPr lang="en-US" sz="3600" dirty="0">
+                <a:latin typeface="Times New Roman"/>
+                <a:cs typeface="Times New Roman"/>
+              </a:rPr>
+              <a:t>Using an IV: What if I </a:t>
+            </a:r>
+            <a:r>
+              <a:rPr lang="en-US" sz="3600" b="1" dirty="0">
+                <a:solidFill>
+                  <a:schemeClr val="accent2">
+                    <a:lumMod val="75000"/>
+                  </a:schemeClr>
+                </a:solidFill>
+                <a:latin typeface="Times New Roman"/>
+                <a:cs typeface="Times New Roman"/>
+              </a:rPr>
+              <a:t>can’t</a:t>
+            </a:r>
+            <a:r>
+              <a:rPr lang="en-US" sz="3600" b="1" dirty="0">
+                <a:latin typeface="Times New Roman"/>
+                <a:cs typeface="Times New Roman"/>
+              </a:rPr>
+              <a:t> </a:t>
+            </a:r>
+            <a:r>
+              <a:rPr lang="en-US" sz="3600" dirty="0">
+                <a:latin typeface="Times New Roman"/>
+                <a:cs typeface="Times New Roman"/>
+              </a:rPr>
+              <a:t>defend my IV? </a:t>
+            </a:r>
+          </a:p>
+        </p:txBody>
+      </p:sp>
+      <p:sp>
+        <p:nvSpPr>
+          <p:cNvPr id="3" name="Content Placeholder 2"/>
+          <p:cNvSpPr>
+            <a:spLocks noGrp="1"/>
+          </p:cNvSpPr>
+          <p:nvPr>
+            <p:ph idx="1"/>
+          </p:nvPr>
+        </p:nvSpPr>
+        <p:spPr>
+          <a:xfrm>
+            <a:off x="914400" y="1066801"/>
+            <a:ext cx="9984829" cy="5141388"/>
+          </a:xfrm>
+        </p:spPr>
+        <p:txBody>
+          <a:bodyPr vert="horz" lIns="91440" tIns="45720" rIns="91440" bIns="45720" rtlCol="0" anchor="t">
+            <a:normAutofit/>
+          </a:bodyPr>
+          <a:lstStyle/>
+          <a:p>
+            <a:r>
+              <a:rPr lang="en-US" sz="2400" dirty="0">
+                <a:cs typeface="Times New Roman" panose="02020603050405020304" pitchFamily="18" charset="0"/>
+              </a:rPr>
+              <a:t>Many quasi-experimental approaches are very assumption dependent</a:t>
+            </a:r>
+          </a:p>
+          <a:p>
+            <a:r>
+              <a:rPr lang="en-US" sz="2400" b="1" dirty="0">
+                <a:cs typeface="Times New Roman" panose="02020603050405020304" pitchFamily="18" charset="0"/>
+              </a:rPr>
+              <a:t>IV is no exception!</a:t>
+            </a:r>
+          </a:p>
+          <a:p>
+            <a:r>
+              <a:rPr lang="en-US" sz="2400" dirty="0">
+                <a:cs typeface="Times New Roman" panose="02020603050405020304" pitchFamily="18" charset="0"/>
+              </a:rPr>
+              <a:t>Some things to be aware of: </a:t>
+            </a:r>
+          </a:p>
+          <a:p>
+            <a:pPr lvl="1"/>
+            <a:r>
+              <a:rPr lang="en-US" sz="2200" dirty="0">
+                <a:cs typeface="Times New Roman" panose="02020603050405020304" pitchFamily="18" charset="0"/>
+              </a:rPr>
+              <a:t>IV is biased if you condition on post-instrument variables</a:t>
+            </a:r>
+          </a:p>
+          <a:p>
+            <a:pPr lvl="1"/>
+            <a:r>
+              <a:rPr lang="en-US" sz="2200" dirty="0">
+                <a:cs typeface="Times New Roman" panose="02020603050405020304" pitchFamily="18" charset="0"/>
+              </a:rPr>
+              <a:t>IV must match </a:t>
+            </a:r>
+            <a:r>
+              <a:rPr lang="en-US" sz="2200" i="1" dirty="0">
+                <a:cs typeface="Times New Roman" panose="02020603050405020304" pitchFamily="18" charset="0"/>
+              </a:rPr>
+              <a:t>measured treatments</a:t>
+            </a:r>
+            <a:r>
+              <a:rPr lang="en-US" sz="2200" dirty="0">
+                <a:cs typeface="Times New Roman" panose="02020603050405020304" pitchFamily="18" charset="0"/>
+              </a:rPr>
+              <a:t>, not true treatment</a:t>
+            </a:r>
+          </a:p>
+          <a:p>
+            <a:pPr lvl="1"/>
+            <a:r>
+              <a:rPr lang="en-US" sz="2200" dirty="0">
+                <a:cs typeface="Times New Roman" panose="02020603050405020304" pitchFamily="18" charset="0"/>
+              </a:rPr>
+              <a:t>Weak IVs can exacerbate even trivial assumption violations!</a:t>
+            </a:r>
+          </a:p>
+          <a:p>
+            <a:pPr lvl="1"/>
+            <a:r>
+              <a:rPr lang="en-US" sz="2200" dirty="0">
+                <a:cs typeface="Times New Roman" panose="02020603050405020304" pitchFamily="18" charset="0"/>
+              </a:rPr>
+              <a:t>Small sample bias – your assumptions might be statistically violated at random</a:t>
+            </a:r>
+          </a:p>
+        </p:txBody>
+      </p:sp>
+    </p:spTree>
+    <p:extLst>
+      <p:ext uri="{BB962C8B-B14F-4D97-AF65-F5344CB8AC3E}">
+        <p14:creationId xmlns:p14="http://schemas.microsoft.com/office/powerpoint/2010/main" val="3997481421"/>
+      </p:ext>
+    </p:extLst>
+  </p:cSld>
+  <p:clrMapOvr>
+    <a:masterClrMapping/>
+  </p:clrMapOvr>
+</p:sld>
+</file>
+
+<file path=ppt/slides/slide52.xml><?xml version="1.0" encoding="utf-8"?>
+<p:sld xmlns:a="http://schemas.openxmlformats.org/drawingml/2006/main" xmlns:r="http://schemas.openxmlformats.org/officeDocument/2006/relationships" xmlns:p="http://schemas.openxmlformats.org/presentationml/2006/main">
+  <p:cSld>
+    <p:spTree>
+      <p:nvGrpSpPr>
+        <p:cNvPr id="1" name=""/>
+        <p:cNvGrpSpPr/>
+        <p:nvPr/>
+      </p:nvGrpSpPr>
+      <p:grpSpPr>
+        <a:xfrm>
+          <a:off x="0" y="0"/>
+          <a:ext cx="0" cy="0"/>
+          <a:chOff x="0" y="0"/>
+          <a:chExt cx="0" cy="0"/>
+        </a:xfrm>
+      </p:grpSpPr>
+      <p:sp>
+        <p:nvSpPr>
+          <p:cNvPr id="2" name="Title 1"/>
+          <p:cNvSpPr>
+            <a:spLocks noGrp="1"/>
+          </p:cNvSpPr>
+          <p:nvPr>
+            <p:ph type="title"/>
+          </p:nvPr>
+        </p:nvSpPr>
+        <p:spPr>
+          <a:xfrm>
+            <a:off x="609600" y="337392"/>
+            <a:ext cx="10439400" cy="624840"/>
+          </a:xfrm>
+        </p:spPr>
+        <p:txBody>
+          <a:bodyPr>
+            <a:noAutofit/>
+          </a:bodyPr>
+          <a:lstStyle/>
+          <a:p>
+            <a:r>
+              <a:rPr lang="en-US" sz="3600" dirty="0">
+                <a:cs typeface="Times New Roman" panose="02020603050405020304" pitchFamily="18" charset="0"/>
+              </a:rPr>
+              <a:t>Using an IV: Best Practices</a:t>
+            </a:r>
+            <a:endParaRPr lang="en-US" sz="3600" dirty="0">
+              <a:latin typeface="Times New Roman" panose="02020603050405020304" pitchFamily="18" charset="0"/>
+              <a:cs typeface="Times New Roman" panose="02020603050405020304" pitchFamily="18" charset="0"/>
+            </a:endParaRPr>
+          </a:p>
+        </p:txBody>
+      </p:sp>
+      <p:pic>
+        <p:nvPicPr>
+          <p:cNvPr id="6" name="Content Placeholder 5">
+            <a:extLst>
+              <a:ext uri="{FF2B5EF4-FFF2-40B4-BE49-F238E27FC236}">
+                <a16:creationId xmlns:a16="http://schemas.microsoft.com/office/drawing/2014/main" id="{F1B0A385-F87C-5AA6-58B3-88F7F71D15C3}"/>
+              </a:ext>
+            </a:extLst>
+          </p:cNvPr>
+          <p:cNvPicPr>
+            <a:picLocks noGrp="1" noChangeAspect="1"/>
+          </p:cNvPicPr>
+          <p:nvPr>
+            <p:ph idx="1"/>
+          </p:nvPr>
+        </p:nvPicPr>
+        <p:blipFill rotWithShape="1">
+          <a:blip r:embed="rId3"/>
+          <a:srcRect b="20055"/>
+          <a:stretch/>
+        </p:blipFill>
+        <p:spPr>
+          <a:xfrm>
+            <a:off x="342900" y="990600"/>
+            <a:ext cx="10972800" cy="5791200"/>
+          </a:xfrm>
+        </p:spPr>
+      </p:pic>
+    </p:spTree>
+    <p:extLst>
+      <p:ext uri="{BB962C8B-B14F-4D97-AF65-F5344CB8AC3E}">
+        <p14:creationId xmlns:p14="http://schemas.microsoft.com/office/powerpoint/2010/main" val="3254224760"/>
+      </p:ext>
+    </p:extLst>
+  </p:cSld>
+  <p:clrMapOvr>
+    <a:masterClrMapping/>
+  </p:clrMapOvr>
+</p:sld>
+</file>
+
+<file path=ppt/slides/slide53.xml><?xml version="1.0" encoding="utf-8"?>
+<p:sld xmlns:a="http://schemas.openxmlformats.org/drawingml/2006/main" xmlns:r="http://schemas.openxmlformats.org/officeDocument/2006/relationships" xmlns:p="http://schemas.openxmlformats.org/presentationml/2006/main">
+  <p:cSld>
+    <p:spTree>
+      <p:nvGrpSpPr>
+        <p:cNvPr id="1" name=""/>
+        <p:cNvGrpSpPr/>
+        <p:nvPr/>
+      </p:nvGrpSpPr>
+      <p:grpSpPr>
+        <a:xfrm>
+          <a:off x="0" y="0"/>
+          <a:ext cx="0" cy="0"/>
+          <a:chOff x="0" y="0"/>
+          <a:chExt cx="0" cy="0"/>
+        </a:xfrm>
+      </p:grpSpPr>
+      <p:sp>
+        <p:nvSpPr>
+          <p:cNvPr id="2" name="Title 1"/>
+          <p:cNvSpPr>
+            <a:spLocks noGrp="1"/>
+          </p:cNvSpPr>
+          <p:nvPr>
+            <p:ph type="title"/>
+          </p:nvPr>
+        </p:nvSpPr>
+        <p:spPr>
+          <a:xfrm>
+            <a:off x="609600" y="337392"/>
+            <a:ext cx="10439400" cy="624840"/>
+          </a:xfrm>
+        </p:spPr>
+        <p:txBody>
+          <a:bodyPr>
+            <a:noAutofit/>
+          </a:bodyPr>
+          <a:lstStyle/>
+          <a:p>
+            <a:r>
+              <a:rPr lang="en-US" sz="3600" dirty="0">
+                <a:cs typeface="Times New Roman" panose="02020603050405020304" pitchFamily="18" charset="0"/>
+              </a:rPr>
+              <a:t>Using an IV: Best Practices</a:t>
+            </a:r>
+            <a:endParaRPr lang="en-US" sz="3600" dirty="0">
+              <a:latin typeface="Times New Roman" panose="02020603050405020304" pitchFamily="18" charset="0"/>
+              <a:cs typeface="Times New Roman" panose="02020603050405020304" pitchFamily="18" charset="0"/>
+            </a:endParaRPr>
+          </a:p>
+        </p:txBody>
+      </p:sp>
+      <p:sp>
+        <p:nvSpPr>
+          <p:cNvPr id="4" name="Content Placeholder 3">
+            <a:extLst>
+              <a:ext uri="{FF2B5EF4-FFF2-40B4-BE49-F238E27FC236}">
+                <a16:creationId xmlns:a16="http://schemas.microsoft.com/office/drawing/2014/main" id="{4E5DA7E7-7D76-4BB9-1CA0-A23A156878C6}"/>
+              </a:ext>
+            </a:extLst>
+          </p:cNvPr>
+          <p:cNvSpPr>
+            <a:spLocks noGrp="1"/>
+          </p:cNvSpPr>
+          <p:nvPr>
+            <p:ph idx="1"/>
+          </p:nvPr>
+        </p:nvSpPr>
+        <p:spPr/>
+        <p:txBody>
+          <a:bodyPr/>
+          <a:lstStyle/>
+          <a:p>
+            <a:endParaRPr lang="en-US"/>
+          </a:p>
+        </p:txBody>
+      </p:sp>
+      <p:pic>
+        <p:nvPicPr>
+          <p:cNvPr id="7" name="Picture 6">
+            <a:extLst>
+              <a:ext uri="{FF2B5EF4-FFF2-40B4-BE49-F238E27FC236}">
+                <a16:creationId xmlns:a16="http://schemas.microsoft.com/office/drawing/2014/main" id="{49EA0A10-2A5A-2F22-06B9-D109071542EA}"/>
+              </a:ext>
+            </a:extLst>
+          </p:cNvPr>
+          <p:cNvPicPr>
+            <a:picLocks noChangeAspect="1"/>
+          </p:cNvPicPr>
+          <p:nvPr/>
+        </p:nvPicPr>
+        <p:blipFill rotWithShape="1">
+          <a:blip r:embed="rId3"/>
+          <a:srcRect t="36154"/>
+          <a:stretch/>
+        </p:blipFill>
+        <p:spPr>
+          <a:xfrm>
+            <a:off x="457200" y="1066800"/>
+            <a:ext cx="10058400" cy="4356063"/>
+          </a:xfrm>
+          <a:prstGeom prst="rect">
+            <a:avLst/>
+          </a:prstGeom>
+        </p:spPr>
+      </p:pic>
+    </p:spTree>
+    <p:extLst>
+      <p:ext uri="{BB962C8B-B14F-4D97-AF65-F5344CB8AC3E}">
+        <p14:creationId xmlns:p14="http://schemas.microsoft.com/office/powerpoint/2010/main" val="2828631144"/>
+      </p:ext>
+    </p:extLst>
+  </p:cSld>
+  <p:clrMapOvr>
+    <a:masterClrMapping/>
+  </p:clrMapOvr>
+</p:sld>
+</file>
+
+<file path=ppt/slides/slide54.xml><?xml version="1.0" encoding="utf-8"?>
+<p:sld xmlns:a="http://schemas.openxmlformats.org/drawingml/2006/main" xmlns:r="http://schemas.openxmlformats.org/officeDocument/2006/relationships" xmlns:p="http://schemas.openxmlformats.org/presentationml/2006/main">
+  <p:cSld>
+    <p:spTree>
+      <p:nvGrpSpPr>
+        <p:cNvPr id="1" name=""/>
+        <p:cNvGrpSpPr/>
+        <p:nvPr/>
+      </p:nvGrpSpPr>
+      <p:grpSpPr>
+        <a:xfrm>
+          <a:off x="0" y="0"/>
+          <a:ext cx="0" cy="0"/>
+          <a:chOff x="0" y="0"/>
+          <a:chExt cx="0" cy="0"/>
+        </a:xfrm>
+      </p:grpSpPr>
+      <p:sp>
+        <p:nvSpPr>
+          <p:cNvPr id="2" name="Title 1"/>
+          <p:cNvSpPr>
+            <a:spLocks noGrp="1"/>
+          </p:cNvSpPr>
+          <p:nvPr>
+            <p:ph type="title"/>
+          </p:nvPr>
+        </p:nvSpPr>
+        <p:spPr>
+          <a:xfrm>
+            <a:off x="609600" y="337392"/>
+            <a:ext cx="10439400" cy="624840"/>
+          </a:xfrm>
+        </p:spPr>
+        <p:txBody>
+          <a:bodyPr>
+            <a:noAutofit/>
+          </a:bodyPr>
+          <a:lstStyle/>
+          <a:p>
+            <a:r>
+              <a:rPr lang="en-US" sz="3600" dirty="0">
+                <a:latin typeface="Times New Roman"/>
+                <a:cs typeface="Times New Roman"/>
+              </a:rPr>
+              <a:t>Using an IV: How do I interpret an IV?</a:t>
+            </a:r>
+          </a:p>
+        </p:txBody>
+      </p:sp>
+      <p:sp>
+        <p:nvSpPr>
+          <p:cNvPr id="3" name="Content Placeholder 2"/>
+          <p:cNvSpPr>
+            <a:spLocks noGrp="1"/>
+          </p:cNvSpPr>
+          <p:nvPr>
+            <p:ph idx="1"/>
+          </p:nvPr>
+        </p:nvSpPr>
+        <p:spPr>
+          <a:xfrm>
+            <a:off x="842513" y="1066801"/>
+            <a:ext cx="9984829" cy="5141388"/>
+          </a:xfrm>
+        </p:spPr>
+        <p:txBody>
+          <a:bodyPr vert="horz" lIns="91440" tIns="45720" rIns="91440" bIns="45720" rtlCol="0" anchor="t">
+            <a:normAutofit/>
+          </a:bodyPr>
+          <a:lstStyle/>
+          <a:p>
+            <a:r>
+              <a:rPr lang="en-US" sz="2400" dirty="0">
+                <a:latin typeface="Times New Roman"/>
+                <a:cs typeface="Times New Roman"/>
+              </a:rPr>
+              <a:t>IV's capture </a:t>
+            </a:r>
+            <a:r>
+              <a:rPr lang="en-US" sz="2400" b="1" dirty="0">
+                <a:solidFill>
+                  <a:schemeClr val="accent2">
+                    <a:lumMod val="75000"/>
+                  </a:schemeClr>
+                </a:solidFill>
+                <a:latin typeface="Times New Roman"/>
+                <a:cs typeface="Times New Roman"/>
+              </a:rPr>
+              <a:t>local average treatment effects (LATEs) </a:t>
+            </a:r>
+            <a:endParaRPr lang="en-US" sz="2400" dirty="0">
+              <a:solidFill>
+                <a:schemeClr val="accent2">
+                  <a:lumMod val="75000"/>
+                </a:schemeClr>
+              </a:solidFill>
+              <a:cs typeface="Times New Roman" panose="02020603050405020304" pitchFamily="18" charset="0"/>
+            </a:endParaRPr>
+          </a:p>
+          <a:p>
+            <a:pPr>
+              <a:buFont typeface="Arial" pitchFamily="34" charset="0"/>
+              <a:buChar char="•"/>
+            </a:pPr>
+            <a:endParaRPr lang="en-US" sz="2400" dirty="0">
+              <a:cs typeface="Times New Roman" panose="02020603050405020304" pitchFamily="18" charset="0"/>
+            </a:endParaRPr>
+          </a:p>
+        </p:txBody>
+      </p:sp>
+      <p:pic>
+        <p:nvPicPr>
+          <p:cNvPr id="5" name="Picture 4">
+            <a:extLst>
+              <a:ext uri="{FF2B5EF4-FFF2-40B4-BE49-F238E27FC236}">
+                <a16:creationId xmlns:a16="http://schemas.microsoft.com/office/drawing/2014/main" id="{ADB014BC-C6F2-B003-0AB6-BEA752B36DCB}"/>
+              </a:ext>
+            </a:extLst>
+          </p:cNvPr>
+          <p:cNvPicPr>
+            <a:picLocks noChangeAspect="1"/>
+          </p:cNvPicPr>
+          <p:nvPr/>
+        </p:nvPicPr>
+        <p:blipFill>
+          <a:blip r:embed="rId3"/>
+          <a:stretch>
+            <a:fillRect/>
+          </a:stretch>
+        </p:blipFill>
+        <p:spPr>
+          <a:xfrm>
+            <a:off x="609600" y="1447800"/>
+            <a:ext cx="10058400" cy="5289640"/>
+          </a:xfrm>
+          <a:prstGeom prst="rect">
+            <a:avLst/>
+          </a:prstGeom>
+        </p:spPr>
+      </p:pic>
+    </p:spTree>
+    <p:extLst>
+      <p:ext uri="{BB962C8B-B14F-4D97-AF65-F5344CB8AC3E}">
+        <p14:creationId xmlns:p14="http://schemas.microsoft.com/office/powerpoint/2010/main" val="1857179954"/>
+      </p:ext>
+    </p:extLst>
+  </p:cSld>
+  <p:clrMapOvr>
+    <a:masterClrMapping/>
+  </p:clrMapOvr>
+</p:sld>
+</file>
+
+<file path=ppt/slides/slide55.xml><?xml version="1.0" encoding="utf-8"?>
+<p:sld xmlns:a="http://schemas.openxmlformats.org/drawingml/2006/main" xmlns:r="http://schemas.openxmlformats.org/officeDocument/2006/relationships" xmlns:p="http://schemas.openxmlformats.org/presentationml/2006/main">
+  <p:cSld>
+    <p:spTree>
+      <p:nvGrpSpPr>
+        <p:cNvPr id="1" name=""/>
+        <p:cNvGrpSpPr/>
+        <p:nvPr/>
+      </p:nvGrpSpPr>
+      <p:grpSpPr>
+        <a:xfrm>
+          <a:off x="0" y="0"/>
+          <a:ext cx="0" cy="0"/>
+          <a:chOff x="0" y="0"/>
+          <a:chExt cx="0" cy="0"/>
+        </a:xfrm>
+      </p:grpSpPr>
+      <p:sp>
+        <p:nvSpPr>
+          <p:cNvPr id="2" name="Title 1"/>
+          <p:cNvSpPr>
+            <a:spLocks noGrp="1"/>
+          </p:cNvSpPr>
+          <p:nvPr>
+            <p:ph type="title"/>
+          </p:nvPr>
+        </p:nvSpPr>
+        <p:spPr>
+          <a:xfrm>
+            <a:off x="609600" y="337392"/>
+            <a:ext cx="10439400" cy="624840"/>
+          </a:xfrm>
+        </p:spPr>
+        <p:txBody>
+          <a:bodyPr>
+            <a:noAutofit/>
+          </a:bodyPr>
+          <a:lstStyle/>
+          <a:p>
+            <a:r>
+              <a:rPr lang="en-US" sz="3600" dirty="0">
+                <a:latin typeface="Times New Roman"/>
+                <a:cs typeface="Times New Roman"/>
+              </a:rPr>
               <a:t>Using an IV: How do I interpret an IV?</a:t>
             </a:r>
           </a:p>
@@ -19604,7 +21267,7 @@
 </p:sld>
 </file>
 
-<file path=ppt/slides/slide51.xml><?xml version="1.0" encoding="utf-8"?>
+<file path=ppt/slides/slide56.xml><?xml version="1.0" encoding="utf-8"?>
 <p:sld xmlns:a="http://schemas.openxmlformats.org/drawingml/2006/main" xmlns:r="http://schemas.openxmlformats.org/officeDocument/2006/relationships" xmlns:p="http://schemas.openxmlformats.org/presentationml/2006/main">
   <p:cSld>
     <p:spTree>
@@ -20042,7 +21705,7 @@
 </p:sld>
 </file>
 
-<file path=ppt/slides/slide52.xml><?xml version="1.0" encoding="utf-8"?>
+<file path=ppt/slides/slide57.xml><?xml version="1.0" encoding="utf-8"?>
 <p:sld xmlns:a="http://schemas.openxmlformats.org/drawingml/2006/main" xmlns:r="http://schemas.openxmlformats.org/officeDocument/2006/relationships" xmlns:p="http://schemas.openxmlformats.org/presentationml/2006/main">
   <p:cSld>
     <p:spTree>
@@ -20303,6 +21966,36 @@
           </a:p>
         </p:txBody>
       </p:sp>
+      <p:pic>
+        <p:nvPicPr>
+          <p:cNvPr id="5" name="Picture 4">
+            <a:extLst>
+              <a:ext uri="{FF2B5EF4-FFF2-40B4-BE49-F238E27FC236}">
+                <a16:creationId xmlns:a16="http://schemas.microsoft.com/office/drawing/2014/main" id="{7093E690-876D-FC05-0BC2-4E076DC9DD74}"/>
+              </a:ext>
+            </a:extLst>
+          </p:cNvPr>
+          <p:cNvPicPr>
+            <a:picLocks noChangeAspect="1"/>
+          </p:cNvPicPr>
+          <p:nvPr/>
+        </p:nvPicPr>
+        <p:blipFill>
+          <a:blip r:embed="rId3"/>
+          <a:stretch>
+            <a:fillRect/>
+          </a:stretch>
+        </p:blipFill>
+        <p:spPr>
+          <a:xfrm>
+            <a:off x="2298518" y="3770917"/>
+            <a:ext cx="7061563" cy="2749691"/>
+          </a:xfrm>
+          <a:prstGeom prst="rect">
+            <a:avLst/>
+          </a:prstGeom>
+        </p:spPr>
+      </p:pic>
     </p:spTree>
     <p:extLst>
       <p:ext uri="{BB962C8B-B14F-4D97-AF65-F5344CB8AC3E}">
@@ -20316,7 +22009,7 @@
 </p:sld>
 </file>
 
-<file path=ppt/slides/slide53.xml><?xml version="1.0" encoding="utf-8"?>
+<file path=ppt/slides/slide58.xml><?xml version="1.0" encoding="utf-8"?>
 <p:sld xmlns:a="http://schemas.openxmlformats.org/drawingml/2006/main" xmlns:r="http://schemas.openxmlformats.org/officeDocument/2006/relationships" xmlns:p="http://schemas.openxmlformats.org/presentationml/2006/main">
   <p:cSld>
     <p:spTree>
@@ -20365,8 +22058,8 @@
           </a:p>
         </p:txBody>
       </p:sp>
-      <mc:AlternateContent xmlns:mc="http://schemas.openxmlformats.org/markup-compatibility/2006">
-        <mc:Choice xmlns:a14="http://schemas.microsoft.com/office/drawing/2010/main" Requires="a14">
+      <mc:AlternateContent xmlns:mc="http://schemas.openxmlformats.org/markup-compatibility/2006" xmlns:a14="http://schemas.microsoft.com/office/drawing/2010/main">
+        <mc:Choice Requires="a14">
           <p:sp>
             <p:nvSpPr>
               <p:cNvPr id="3" name="Content Placeholder 2"/>
@@ -20579,7 +22272,7 @@
             </p:txBody>
           </p:sp>
         </mc:Choice>
-        <mc:Fallback>
+        <mc:Fallback xmlns="">
           <p:sp>
             <p:nvSpPr>
               <p:cNvPr id="3" name="Content Placeholder 2"/>
@@ -20630,7 +22323,7 @@
 </p:sld>
 </file>
 
-<file path=ppt/slides/slide54.xml><?xml version="1.0" encoding="utf-8"?>
+<file path=ppt/slides/slide59.xml><?xml version="1.0" encoding="utf-8"?>
 <p:sld xmlns:a="http://schemas.openxmlformats.org/drawingml/2006/main" xmlns:r="http://schemas.openxmlformats.org/officeDocument/2006/relationships" xmlns:p="http://schemas.openxmlformats.org/presentationml/2006/main">
   <p:cSld>
     <p:spTree>
@@ -20679,8 +22372,8 @@
           </a:p>
         </p:txBody>
       </p:sp>
-      <mc:AlternateContent xmlns:mc="http://schemas.openxmlformats.org/markup-compatibility/2006">
-        <mc:Choice xmlns:a14="http://schemas.microsoft.com/office/drawing/2010/main" Requires="a14">
+      <mc:AlternateContent xmlns:mc="http://schemas.openxmlformats.org/markup-compatibility/2006" xmlns:a14="http://schemas.microsoft.com/office/drawing/2010/main">
+        <mc:Choice Requires="a14">
           <p:sp>
             <p:nvSpPr>
               <p:cNvPr id="3" name="Content Placeholder 2"/>
@@ -21011,7 +22704,7 @@
             </p:txBody>
           </p:sp>
         </mc:Choice>
-        <mc:Fallback>
+        <mc:Fallback xmlns="">
           <p:sp>
             <p:nvSpPr>
               <p:cNvPr id="3" name="Content Placeholder 2"/>
@@ -21109,1421 +22802,6 @@
 </p:sld>
 </file>
 
-<file path=ppt/slides/slide55.xml><?xml version="1.0" encoding="utf-8"?>
-<p:sld xmlns:a="http://schemas.openxmlformats.org/drawingml/2006/main" xmlns:r="http://schemas.openxmlformats.org/officeDocument/2006/relationships" xmlns:p="http://schemas.openxmlformats.org/presentationml/2006/main">
-  <p:cSld>
-    <p:spTree>
-      <p:nvGrpSpPr>
-        <p:cNvPr id="1" name=""/>
-        <p:cNvGrpSpPr/>
-        <p:nvPr/>
-      </p:nvGrpSpPr>
-      <p:grpSpPr>
-        <a:xfrm>
-          <a:off x="0" y="0"/>
-          <a:ext cx="0" cy="0"/>
-          <a:chOff x="0" y="0"/>
-          <a:chExt cx="0" cy="0"/>
-        </a:xfrm>
-      </p:grpSpPr>
-      <p:sp>
-        <p:nvSpPr>
-          <p:cNvPr id="3" name="Content Placeholder 2">
-            <a:extLst>
-              <a:ext uri="{FF2B5EF4-FFF2-40B4-BE49-F238E27FC236}">
-                <a16:creationId xmlns:a16="http://schemas.microsoft.com/office/drawing/2014/main" id="{8BFAC18E-4064-A1FE-C1EB-5D23F1DFAD23}"/>
-              </a:ext>
-            </a:extLst>
-          </p:cNvPr>
-          <p:cNvSpPr>
-            <a:spLocks noGrp="1"/>
-          </p:cNvSpPr>
-          <p:nvPr>
-            <p:ph idx="1"/>
-          </p:nvPr>
-        </p:nvSpPr>
-        <p:spPr>
-          <a:xfrm>
-            <a:off x="914400" y="1119952"/>
-            <a:ext cx="9984829" cy="5357048"/>
-          </a:xfrm>
-        </p:spPr>
-        <p:txBody>
-          <a:bodyPr vert="horz" lIns="91440" tIns="45720" rIns="91440" bIns="45720" rtlCol="0" anchor="t">
-            <a:normAutofit/>
-          </a:bodyPr>
-          <a:lstStyle/>
-          <a:p>
-            <a:r>
-              <a:rPr lang="en-US" sz="2400" dirty="0">
-                <a:hlinkClick r:id="rId3"/>
-              </a:rPr>
-              <a:t>The Effect of Evictions on Opioid Mortality</a:t>
-            </a:r>
-            <a:r>
-              <a:rPr lang="en-US" sz="2400" dirty="0"/>
-              <a:t> (Bradford and Bradford, </a:t>
-            </a:r>
-            <a:r>
-              <a:rPr lang="en-US" sz="2400" i="1" dirty="0"/>
-              <a:t>Health Services Research </a:t>
-            </a:r>
-            <a:r>
-              <a:rPr lang="en-US" sz="2400" dirty="0"/>
-              <a:t>2020)</a:t>
-            </a:r>
-          </a:p>
-          <a:p>
-            <a:endParaRPr lang="en-US" sz="2400" dirty="0">
-              <a:cs typeface="Times New Roman"/>
-            </a:endParaRPr>
-          </a:p>
-          <a:p>
-            <a:pPr marL="0" indent="0">
-              <a:buNone/>
-            </a:pPr>
-            <a:endParaRPr lang="en-US" sz="2400" dirty="0">
-              <a:cs typeface="Times New Roman"/>
-            </a:endParaRPr>
-          </a:p>
-        </p:txBody>
-      </p:sp>
-      <p:sp>
-        <p:nvSpPr>
-          <p:cNvPr id="5" name="Title 1">
-            <a:extLst>
-              <a:ext uri="{FF2B5EF4-FFF2-40B4-BE49-F238E27FC236}">
-                <a16:creationId xmlns:a16="http://schemas.microsoft.com/office/drawing/2014/main" id="{EF3111ED-61A2-2123-0D2A-EFDD981A07C2}"/>
-              </a:ext>
-            </a:extLst>
-          </p:cNvPr>
-          <p:cNvSpPr txBox="1">
-            <a:spLocks/>
-          </p:cNvSpPr>
-          <p:nvPr/>
-        </p:nvSpPr>
-        <p:spPr>
-          <a:xfrm>
-            <a:off x="609600" y="337392"/>
-            <a:ext cx="10439400" cy="624840"/>
-          </a:xfrm>
-          <a:prstGeom prst="rect">
-            <a:avLst/>
-          </a:prstGeom>
-        </p:spPr>
-        <p:txBody>
-          <a:bodyPr vert="horz" lIns="91440" tIns="45720" rIns="91440" bIns="45720" rtlCol="0" anchor="b">
-            <a:noAutofit/>
-          </a:bodyPr>
-          <a:lstStyle>
-            <a:lvl1pPr algn="l" defTabSz="914400" rtl="0" eaLnBrk="1" latinLnBrk="0" hangingPunct="1">
-              <a:lnSpc>
-                <a:spcPct val="90000"/>
-              </a:lnSpc>
-              <a:spcBef>
-                <a:spcPct val="0"/>
-              </a:spcBef>
-              <a:buNone/>
-              <a:defRPr sz="4400" kern="1200" spc="-50" baseline="0">
-                <a:solidFill>
-                  <a:schemeClr val="tx1"/>
-                </a:solidFill>
-                <a:latin typeface="Times New Roman" panose="02020603050405020304" pitchFamily="18" charset="0"/>
-                <a:ea typeface="+mj-ea"/>
-                <a:cs typeface="+mj-cs"/>
-              </a:defRPr>
-            </a:lvl1pPr>
-          </a:lstStyle>
-          <a:p>
-            <a:r>
-              <a:rPr lang="en-US" sz="3600" dirty="0">
-                <a:latin typeface="Times New Roman"/>
-                <a:cs typeface="Times New Roman"/>
-              </a:rPr>
-              <a:t>Other Example Papers and Instruments</a:t>
-            </a:r>
-          </a:p>
-        </p:txBody>
-      </p:sp>
-    </p:spTree>
-    <p:extLst>
-      <p:ext uri="{BB962C8B-B14F-4D97-AF65-F5344CB8AC3E}">
-        <p14:creationId xmlns:p14="http://schemas.microsoft.com/office/powerpoint/2010/main" val="120145603"/>
-      </p:ext>
-    </p:extLst>
-  </p:cSld>
-  <p:clrMapOvr>
-    <a:masterClrMapping/>
-  </p:clrMapOvr>
-</p:sld>
-</file>
-
-<file path=ppt/slides/slide56.xml><?xml version="1.0" encoding="utf-8"?>
-<p:sld xmlns:a="http://schemas.openxmlformats.org/drawingml/2006/main" xmlns:r="http://schemas.openxmlformats.org/officeDocument/2006/relationships" xmlns:p="http://schemas.openxmlformats.org/presentationml/2006/main">
-  <p:cSld>
-    <p:spTree>
-      <p:nvGrpSpPr>
-        <p:cNvPr id="1" name=""/>
-        <p:cNvGrpSpPr/>
-        <p:nvPr/>
-      </p:nvGrpSpPr>
-      <p:grpSpPr>
-        <a:xfrm>
-          <a:off x="0" y="0"/>
-          <a:ext cx="0" cy="0"/>
-          <a:chOff x="0" y="0"/>
-          <a:chExt cx="0" cy="0"/>
-        </a:xfrm>
-      </p:grpSpPr>
-      <p:sp>
-        <p:nvSpPr>
-          <p:cNvPr id="3" name="Content Placeholder 2">
-            <a:extLst>
-              <a:ext uri="{FF2B5EF4-FFF2-40B4-BE49-F238E27FC236}">
-                <a16:creationId xmlns:a16="http://schemas.microsoft.com/office/drawing/2014/main" id="{8BFAC18E-4064-A1FE-C1EB-5D23F1DFAD23}"/>
-              </a:ext>
-            </a:extLst>
-          </p:cNvPr>
-          <p:cNvSpPr>
-            <a:spLocks noGrp="1"/>
-          </p:cNvSpPr>
-          <p:nvPr>
-            <p:ph idx="1"/>
-          </p:nvPr>
-        </p:nvSpPr>
-        <p:spPr>
-          <a:xfrm>
-            <a:off x="914400" y="1119952"/>
-            <a:ext cx="9984829" cy="5357048"/>
-          </a:xfrm>
-        </p:spPr>
-        <p:txBody>
-          <a:bodyPr vert="horz" lIns="91440" tIns="45720" rIns="91440" bIns="45720" rtlCol="0" anchor="t">
-            <a:normAutofit/>
-          </a:bodyPr>
-          <a:lstStyle/>
-          <a:p>
-            <a:r>
-              <a:rPr lang="en-US" sz="2400" dirty="0">
-                <a:latin typeface="Times New Roman"/>
-                <a:cs typeface="Times New Roman"/>
-                <a:hlinkClick r:id="rId3"/>
-              </a:rPr>
-              <a:t>The Effect of Evictions on Opioid Mortality</a:t>
-            </a:r>
-            <a:r>
-              <a:rPr lang="en-US" sz="2400" dirty="0">
-                <a:latin typeface="Times New Roman"/>
-                <a:cs typeface="Times New Roman"/>
-              </a:rPr>
-              <a:t> (Bradford and Bradford, </a:t>
-            </a:r>
-            <a:r>
-              <a:rPr lang="en-US" sz="2400" i="1" dirty="0">
-                <a:latin typeface="Times New Roman"/>
-                <a:cs typeface="Times New Roman"/>
-              </a:rPr>
-              <a:t>Health Services Research </a:t>
-            </a:r>
-            <a:r>
-              <a:rPr lang="en-US" sz="2400" dirty="0">
-                <a:latin typeface="Times New Roman"/>
-                <a:cs typeface="Times New Roman"/>
-              </a:rPr>
-              <a:t>2020)</a:t>
-            </a:r>
-          </a:p>
-          <a:p>
-            <a:pPr marL="0" indent="0">
-              <a:buNone/>
-            </a:pPr>
-            <a:r>
-              <a:rPr lang="en-US" sz="2400" dirty="0">
-                <a:latin typeface="Times New Roman"/>
-                <a:cs typeface="Times New Roman"/>
-              </a:rPr>
-              <a:t>Other popular (and more generalizable) IV approaches: </a:t>
-            </a:r>
-          </a:p>
-          <a:p>
-            <a:pPr marL="457200" indent="-457200">
-              <a:buAutoNum type="arabicPeriod"/>
-            </a:pPr>
-            <a:r>
-              <a:rPr lang="en-US" sz="2400" b="1" dirty="0">
-                <a:solidFill>
-                  <a:schemeClr val="accent2">
-                    <a:lumMod val="75000"/>
-                  </a:schemeClr>
-                </a:solidFill>
-                <a:latin typeface="Times New Roman"/>
-                <a:cs typeface="Times New Roman"/>
-              </a:rPr>
-              <a:t>Lotteries</a:t>
-            </a:r>
-            <a:r>
-              <a:rPr lang="en-US" sz="2400" dirty="0">
-                <a:latin typeface="Times New Roman"/>
-                <a:cs typeface="Times New Roman"/>
-              </a:rPr>
-              <a:t>: experiment with </a:t>
-            </a:r>
-            <a:r>
-              <a:rPr lang="en-US" sz="2400" b="1" dirty="0">
-                <a:solidFill>
-                  <a:schemeClr val="accent2">
-                    <a:lumMod val="75000"/>
-                  </a:schemeClr>
-                </a:solidFill>
-                <a:latin typeface="Times New Roman"/>
-                <a:cs typeface="Times New Roman"/>
-              </a:rPr>
-              <a:t>voluntary participation</a:t>
-            </a:r>
-            <a:endParaRPr lang="en-US" sz="2400" dirty="0">
-              <a:solidFill>
-                <a:schemeClr val="accent2">
-                  <a:lumMod val="75000"/>
-                </a:schemeClr>
-              </a:solidFill>
-              <a:cs typeface="Times New Roman"/>
-            </a:endParaRPr>
-          </a:p>
-          <a:p>
-            <a:pPr lvl="1"/>
-            <a:r>
-              <a:rPr lang="en-US" sz="2400" b="1" dirty="0">
-                <a:solidFill>
-                  <a:schemeClr val="tx1"/>
-                </a:solidFill>
-                <a:latin typeface="Times New Roman"/>
-                <a:cs typeface="Times New Roman"/>
-              </a:rPr>
-              <a:t>Oregon Medicaid Experiment: </a:t>
-            </a:r>
-            <a:r>
-              <a:rPr lang="en-US" sz="2400" dirty="0">
-                <a:latin typeface="Times New Roman"/>
-                <a:cs typeface="Times New Roman"/>
-              </a:rPr>
-              <a:t>Finkelstein, Amy, Sarah Taubman, Bill Wright, Mira Bernstein, Jonathan Gruber, Joseph P. Newhouse, Heidi Allen, and Katherine Baicker. 2012. “</a:t>
-            </a:r>
-            <a:r>
-              <a:rPr lang="en-US" sz="2400" dirty="0">
-                <a:latin typeface="Times New Roman"/>
-                <a:cs typeface="Times New Roman"/>
-                <a:hlinkClick r:id="rId4"/>
-              </a:rPr>
-              <a:t>The Oregon Health Insurance Experiment: Evidence from the First Year.</a:t>
-            </a:r>
-            <a:r>
-              <a:rPr lang="en-US" sz="2400" dirty="0">
-                <a:latin typeface="Times New Roman"/>
-                <a:cs typeface="Times New Roman"/>
-              </a:rPr>
-              <a:t>” </a:t>
-            </a:r>
-            <a:r>
-              <a:rPr lang="en-US" sz="2400" i="1" dirty="0">
-                <a:latin typeface="Times New Roman"/>
-                <a:cs typeface="Times New Roman"/>
-              </a:rPr>
-              <a:t>Quarterly Journal of Economics</a:t>
-            </a:r>
-            <a:r>
-              <a:rPr lang="en-US" sz="2400" dirty="0">
-                <a:latin typeface="Times New Roman"/>
-                <a:cs typeface="Times New Roman"/>
-              </a:rPr>
-              <a:t> 127 (3): 1057–1106.</a:t>
-            </a:r>
-            <a:endParaRPr lang="en-US" sz="2400" dirty="0">
-              <a:solidFill>
-                <a:schemeClr val="tx1"/>
-              </a:solidFill>
-              <a:cs typeface="Times New Roman"/>
-            </a:endParaRPr>
-          </a:p>
-          <a:p>
-            <a:pPr lvl="1"/>
-            <a:r>
-              <a:rPr lang="en-US" sz="2400" dirty="0">
-                <a:latin typeface="Times New Roman"/>
-                <a:cs typeface="Times New Roman"/>
-              </a:rPr>
-              <a:t>Baicker, Katherine, Sarah L. Taubman, Heidi L. Allen, Mira Bernstein, Jonathan Gruber, Joseph Newhouse, Eric Schneider, Bill Wright, </a:t>
-            </a:r>
-            <a:r>
-              <a:rPr lang="en-US" sz="2400" dirty="0" err="1">
-                <a:latin typeface="Times New Roman"/>
-                <a:cs typeface="Times New Roman"/>
-              </a:rPr>
-              <a:t>Alam</a:t>
-            </a:r>
-            <a:r>
-              <a:rPr lang="en-US" sz="2400" dirty="0">
-                <a:latin typeface="Times New Roman"/>
-                <a:cs typeface="Times New Roman"/>
-              </a:rPr>
-              <a:t> Zaslavsky, and Amy Finkelstein. 2013. “</a:t>
-            </a:r>
-            <a:r>
-              <a:rPr lang="en-US" sz="2400" dirty="0">
-                <a:latin typeface="Times New Roman"/>
-                <a:cs typeface="Times New Roman"/>
-                <a:hlinkClick r:id="rId5"/>
-              </a:rPr>
-              <a:t>The Oregon Experiment – Effects of Medicaid on Clinical Outcomes</a:t>
-            </a:r>
-            <a:r>
-              <a:rPr lang="en-US" sz="2400" dirty="0">
-                <a:latin typeface="Times New Roman"/>
-                <a:cs typeface="Times New Roman"/>
-              </a:rPr>
-              <a:t>.” </a:t>
-            </a:r>
-            <a:r>
-              <a:rPr lang="en-US" sz="2400" i="1" dirty="0">
-                <a:latin typeface="Times New Roman"/>
-                <a:cs typeface="Times New Roman"/>
-              </a:rPr>
-              <a:t>New England Journal of Medicine</a:t>
-            </a:r>
-            <a:r>
-              <a:rPr lang="en-US" sz="2400" dirty="0">
-                <a:latin typeface="Times New Roman"/>
-                <a:cs typeface="Times New Roman"/>
-              </a:rPr>
-              <a:t> 368 (May): 1713–22.</a:t>
-            </a:r>
-            <a:endParaRPr lang="en-US" sz="2400" dirty="0">
-              <a:solidFill>
-                <a:srgbClr val="262626"/>
-              </a:solidFill>
-              <a:latin typeface="Times New Roman"/>
-              <a:cs typeface="Times New Roman"/>
-            </a:endParaRPr>
-          </a:p>
-        </p:txBody>
-      </p:sp>
-      <p:sp>
-        <p:nvSpPr>
-          <p:cNvPr id="5" name="Title 1">
-            <a:extLst>
-              <a:ext uri="{FF2B5EF4-FFF2-40B4-BE49-F238E27FC236}">
-                <a16:creationId xmlns:a16="http://schemas.microsoft.com/office/drawing/2014/main" id="{EF3111ED-61A2-2123-0D2A-EFDD981A07C2}"/>
-              </a:ext>
-            </a:extLst>
-          </p:cNvPr>
-          <p:cNvSpPr txBox="1">
-            <a:spLocks/>
-          </p:cNvSpPr>
-          <p:nvPr/>
-        </p:nvSpPr>
-        <p:spPr>
-          <a:xfrm>
-            <a:off x="609600" y="337392"/>
-            <a:ext cx="10439400" cy="624840"/>
-          </a:xfrm>
-          <a:prstGeom prst="rect">
-            <a:avLst/>
-          </a:prstGeom>
-        </p:spPr>
-        <p:txBody>
-          <a:bodyPr vert="horz" lIns="91440" tIns="45720" rIns="91440" bIns="45720" rtlCol="0" anchor="b">
-            <a:noAutofit/>
-          </a:bodyPr>
-          <a:lstStyle>
-            <a:lvl1pPr algn="l" defTabSz="914400" rtl="0" eaLnBrk="1" latinLnBrk="0" hangingPunct="1">
-              <a:lnSpc>
-                <a:spcPct val="90000"/>
-              </a:lnSpc>
-              <a:spcBef>
-                <a:spcPct val="0"/>
-              </a:spcBef>
-              <a:buNone/>
-              <a:defRPr sz="4400" kern="1200" spc="-50" baseline="0">
-                <a:solidFill>
-                  <a:schemeClr val="tx1"/>
-                </a:solidFill>
-                <a:latin typeface="Times New Roman" panose="02020603050405020304" pitchFamily="18" charset="0"/>
-                <a:ea typeface="+mj-ea"/>
-                <a:cs typeface="+mj-cs"/>
-              </a:defRPr>
-            </a:lvl1pPr>
-          </a:lstStyle>
-          <a:p>
-            <a:r>
-              <a:rPr lang="en-US" sz="3600" dirty="0">
-                <a:latin typeface="Times New Roman"/>
-                <a:cs typeface="Times New Roman"/>
-              </a:rPr>
-              <a:t>Other Example Papers and Instruments</a:t>
-            </a:r>
-          </a:p>
-        </p:txBody>
-      </p:sp>
-    </p:spTree>
-    <p:extLst>
-      <p:ext uri="{BB962C8B-B14F-4D97-AF65-F5344CB8AC3E}">
-        <p14:creationId xmlns:p14="http://schemas.microsoft.com/office/powerpoint/2010/main" val="3091592743"/>
-      </p:ext>
-    </p:extLst>
-  </p:cSld>
-  <p:clrMapOvr>
-    <a:masterClrMapping/>
-  </p:clrMapOvr>
-</p:sld>
-</file>
-
-<file path=ppt/slides/slide57.xml><?xml version="1.0" encoding="utf-8"?>
-<p:sld xmlns:a="http://schemas.openxmlformats.org/drawingml/2006/main" xmlns:r="http://schemas.openxmlformats.org/officeDocument/2006/relationships" xmlns:p="http://schemas.openxmlformats.org/presentationml/2006/main">
-  <p:cSld>
-    <p:spTree>
-      <p:nvGrpSpPr>
-        <p:cNvPr id="1" name=""/>
-        <p:cNvGrpSpPr/>
-        <p:nvPr/>
-      </p:nvGrpSpPr>
-      <p:grpSpPr>
-        <a:xfrm>
-          <a:off x="0" y="0"/>
-          <a:ext cx="0" cy="0"/>
-          <a:chOff x="0" y="0"/>
-          <a:chExt cx="0" cy="0"/>
-        </a:xfrm>
-      </p:grpSpPr>
-      <p:sp>
-        <p:nvSpPr>
-          <p:cNvPr id="3" name="Content Placeholder 2">
-            <a:extLst>
-              <a:ext uri="{FF2B5EF4-FFF2-40B4-BE49-F238E27FC236}">
-                <a16:creationId xmlns:a16="http://schemas.microsoft.com/office/drawing/2014/main" id="{8BFAC18E-4064-A1FE-C1EB-5D23F1DFAD23}"/>
-              </a:ext>
-            </a:extLst>
-          </p:cNvPr>
-          <p:cNvSpPr>
-            <a:spLocks noGrp="1"/>
-          </p:cNvSpPr>
-          <p:nvPr>
-            <p:ph idx="1"/>
-          </p:nvPr>
-        </p:nvSpPr>
-        <p:spPr>
-          <a:xfrm>
-            <a:off x="914400" y="1119952"/>
-            <a:ext cx="9984829" cy="5357048"/>
-          </a:xfrm>
-        </p:spPr>
-        <p:txBody>
-          <a:bodyPr vert="horz" lIns="91440" tIns="45720" rIns="91440" bIns="45720" rtlCol="0" anchor="t">
-            <a:normAutofit/>
-          </a:bodyPr>
-          <a:lstStyle/>
-          <a:p>
-            <a:r>
-              <a:rPr lang="en-US" sz="2400" dirty="0">
-                <a:latin typeface="Times New Roman"/>
-                <a:cs typeface="Times New Roman"/>
-                <a:hlinkClick r:id="rId3"/>
-              </a:rPr>
-              <a:t>The Effect of Evictions on Opioid Mortality</a:t>
-            </a:r>
-            <a:r>
-              <a:rPr lang="en-US" sz="2400" dirty="0">
-                <a:latin typeface="Times New Roman"/>
-                <a:cs typeface="Times New Roman"/>
-              </a:rPr>
-              <a:t> (Bradford and Bradford, </a:t>
-            </a:r>
-            <a:r>
-              <a:rPr lang="en-US" sz="2400" i="1" dirty="0">
-                <a:latin typeface="Times New Roman"/>
-                <a:cs typeface="Times New Roman"/>
-              </a:rPr>
-              <a:t>Health Services Research </a:t>
-            </a:r>
-            <a:r>
-              <a:rPr lang="en-US" sz="2400" dirty="0">
-                <a:latin typeface="Times New Roman"/>
-                <a:cs typeface="Times New Roman"/>
-              </a:rPr>
-              <a:t>2020)</a:t>
-            </a:r>
-          </a:p>
-          <a:p>
-            <a:pPr marL="0" indent="0">
-              <a:buNone/>
-            </a:pPr>
-            <a:r>
-              <a:rPr lang="en-US" sz="2400" dirty="0">
-                <a:latin typeface="Times New Roman"/>
-                <a:cs typeface="Times New Roman"/>
-              </a:rPr>
-              <a:t>Other popular (and more generalizable) IV approaches: </a:t>
-            </a:r>
-            <a:endParaRPr lang="en-US" sz="2400" dirty="0">
-              <a:solidFill>
-                <a:srgbClr val="000000"/>
-              </a:solidFill>
-              <a:latin typeface="Times New Roman"/>
-              <a:cs typeface="Times New Roman"/>
-            </a:endParaRPr>
-          </a:p>
-          <a:p>
-            <a:pPr marL="0" indent="0">
-              <a:buNone/>
-            </a:pPr>
-            <a:r>
-              <a:rPr lang="en-US" sz="2400" b="1" dirty="0">
-                <a:solidFill>
-                  <a:schemeClr val="accent2">
-                    <a:lumMod val="75000"/>
-                  </a:schemeClr>
-                </a:solidFill>
-                <a:latin typeface="Times New Roman"/>
-                <a:cs typeface="Times New Roman"/>
-              </a:rPr>
-              <a:t>2. Judge Fixed Effects </a:t>
-            </a:r>
-            <a:r>
-              <a:rPr lang="en-US" sz="2400" dirty="0">
-                <a:latin typeface="Times New Roman"/>
-                <a:cs typeface="Times New Roman"/>
-              </a:rPr>
-              <a:t>(also called leniency designs)</a:t>
-            </a:r>
-            <a:endParaRPr lang="en-US" sz="2400" dirty="0"/>
-          </a:p>
-          <a:p>
-            <a:pPr lvl="1">
-              <a:buFont typeface="Wingdings 2"/>
-              <a:buChar char=""/>
-            </a:pPr>
-            <a:r>
-              <a:rPr lang="en-US" sz="2400" dirty="0">
-                <a:latin typeface="Times New Roman"/>
-                <a:cs typeface="Times New Roman"/>
-              </a:rPr>
-              <a:t>Narrow pipeline through which all individuals must pass</a:t>
-            </a:r>
-          </a:p>
-          <a:p>
-            <a:pPr lvl="1">
-              <a:buFont typeface="Wingdings 2"/>
-              <a:buChar char=""/>
-            </a:pPr>
-            <a:r>
-              <a:rPr lang="en-US" sz="2400" dirty="0">
-                <a:latin typeface="Times New Roman"/>
-                <a:cs typeface="Times New Roman"/>
-              </a:rPr>
-              <a:t>Individuals are randomly assigned a decision-maker </a:t>
-            </a:r>
-          </a:p>
-          <a:p>
-            <a:pPr lvl="1">
-              <a:buFont typeface="Wingdings 2"/>
-              <a:buChar char=""/>
-            </a:pPr>
-            <a:r>
-              <a:rPr lang="en-US" sz="2400" dirty="0">
-                <a:latin typeface="Times New Roman"/>
-                <a:cs typeface="Times New Roman"/>
-              </a:rPr>
-              <a:t>Decision-maker has discretion over final outcome</a:t>
-            </a:r>
-            <a:endParaRPr lang="en-US" sz="2400" dirty="0"/>
-          </a:p>
-          <a:p>
-            <a:pPr indent="0">
-              <a:buFont typeface="Arial"/>
-              <a:buChar char="•"/>
-            </a:pPr>
-            <a:r>
-              <a:rPr lang="en-US" sz="2400" spc="0" dirty="0">
-                <a:solidFill>
-                  <a:srgbClr val="262626"/>
-                </a:solidFill>
-                <a:latin typeface="Times New Roman"/>
-                <a:cs typeface="Times New Roman"/>
-              </a:rPr>
-              <a:t>Then, random "judge" assignment can be used to instrument for outcomes </a:t>
-            </a:r>
-            <a:endParaRPr lang="en-US" sz="2400" spc="0" dirty="0">
-              <a:solidFill>
-                <a:srgbClr val="262626"/>
-              </a:solidFill>
-              <a:cs typeface="Times New Roman"/>
-            </a:endParaRPr>
-          </a:p>
-          <a:p>
-            <a:pPr indent="0">
-              <a:buFont typeface="Arial"/>
-              <a:buChar char="•"/>
-            </a:pPr>
-            <a:r>
-              <a:rPr lang="en-US" sz="2400" spc="0" dirty="0">
-                <a:solidFill>
-                  <a:srgbClr val="262626"/>
-                </a:solidFill>
-                <a:latin typeface="Times New Roman"/>
-                <a:cs typeface="Times New Roman"/>
-              </a:rPr>
-              <a:t>What are some health policy examples of this? Are they valid? </a:t>
-            </a:r>
-            <a:endParaRPr lang="en-US" sz="2400" spc="0" dirty="0">
-              <a:cs typeface="Times New Roman"/>
-            </a:endParaRPr>
-          </a:p>
-          <a:p>
-            <a:pPr indent="0">
-              <a:buFont typeface="Arial"/>
-              <a:buChar char="•"/>
-            </a:pPr>
-            <a:r>
-              <a:rPr lang="en-US" sz="2400" spc="0" dirty="0" err="1">
-                <a:solidFill>
-                  <a:srgbClr val="262626"/>
-                </a:solidFill>
-                <a:latin typeface="Times New Roman"/>
-                <a:cs typeface="Times New Roman"/>
-              </a:rPr>
-              <a:t>Bakx</a:t>
-            </a:r>
-            <a:r>
-              <a:rPr lang="en-US" sz="2400" spc="0" dirty="0">
-                <a:solidFill>
-                  <a:srgbClr val="262626"/>
-                </a:solidFill>
-                <a:latin typeface="Times New Roman"/>
-                <a:cs typeface="Times New Roman"/>
-              </a:rPr>
-              <a:t>, </a:t>
-            </a:r>
-            <a:r>
-              <a:rPr lang="en-US" sz="2400" spc="0" dirty="0" err="1">
-                <a:solidFill>
-                  <a:srgbClr val="262626"/>
-                </a:solidFill>
-                <a:latin typeface="Times New Roman"/>
-                <a:cs typeface="Times New Roman"/>
-              </a:rPr>
-              <a:t>Wouterse</a:t>
-            </a:r>
-            <a:r>
-              <a:rPr lang="en-US" sz="2400" spc="0" dirty="0">
-                <a:solidFill>
-                  <a:srgbClr val="262626"/>
-                </a:solidFill>
-                <a:latin typeface="Times New Roman"/>
-                <a:cs typeface="Times New Roman"/>
-              </a:rPr>
-              <a:t>, van Doorslaer, and Wong (2020, </a:t>
-            </a:r>
-            <a:r>
-              <a:rPr lang="en-US" sz="2400" i="1" spc="0" dirty="0">
-                <a:solidFill>
-                  <a:srgbClr val="262626"/>
-                </a:solidFill>
-                <a:latin typeface="Times New Roman"/>
-                <a:cs typeface="Times New Roman"/>
-              </a:rPr>
-              <a:t>JHE</a:t>
-            </a:r>
-            <a:r>
-              <a:rPr lang="en-US" sz="2400" spc="0" dirty="0">
-                <a:solidFill>
-                  <a:srgbClr val="262626"/>
-                </a:solidFill>
-                <a:latin typeface="Times New Roman"/>
-                <a:cs typeface="Times New Roman"/>
-              </a:rPr>
-              <a:t>): "</a:t>
-            </a:r>
-            <a:r>
-              <a:rPr lang="en-US" sz="2400" spc="0" dirty="0">
-                <a:latin typeface="Times New Roman"/>
-                <a:cs typeface="Times New Roman"/>
-                <a:hlinkClick r:id="rId4"/>
-              </a:rPr>
-              <a:t>Better off at home? Effects of nursing home eligibility on costs, hospitalizations and survival</a:t>
-            </a:r>
-            <a:r>
-              <a:rPr lang="en-US" sz="2400" spc="0" dirty="0">
-                <a:latin typeface="Times New Roman"/>
-                <a:cs typeface="Times New Roman"/>
-              </a:rPr>
-              <a:t>"</a:t>
-            </a:r>
-            <a:endParaRPr lang="en-US" sz="2400" spc="0" dirty="0">
-              <a:solidFill>
-                <a:srgbClr val="262626"/>
-              </a:solidFill>
-              <a:cs typeface="Times New Roman"/>
-            </a:endParaRPr>
-          </a:p>
-          <a:p>
-            <a:pPr lvl="1">
-              <a:buFont typeface="Wingdings 2"/>
-              <a:buChar char=""/>
-            </a:pPr>
-            <a:endParaRPr lang="en-US" sz="2400" dirty="0">
-              <a:cs typeface="Times New Roman"/>
-            </a:endParaRPr>
-          </a:p>
-          <a:p>
-            <a:pPr lvl="1">
-              <a:buFont typeface="Wingdings 2"/>
-              <a:buChar char=""/>
-            </a:pPr>
-            <a:endParaRPr lang="en-US" sz="2400" dirty="0">
-              <a:cs typeface="Times New Roman"/>
-            </a:endParaRPr>
-          </a:p>
-        </p:txBody>
-      </p:sp>
-      <p:sp>
-        <p:nvSpPr>
-          <p:cNvPr id="5" name="Title 1">
-            <a:extLst>
-              <a:ext uri="{FF2B5EF4-FFF2-40B4-BE49-F238E27FC236}">
-                <a16:creationId xmlns:a16="http://schemas.microsoft.com/office/drawing/2014/main" id="{EF3111ED-61A2-2123-0D2A-EFDD981A07C2}"/>
-              </a:ext>
-            </a:extLst>
-          </p:cNvPr>
-          <p:cNvSpPr txBox="1">
-            <a:spLocks/>
-          </p:cNvSpPr>
-          <p:nvPr/>
-        </p:nvSpPr>
-        <p:spPr>
-          <a:xfrm>
-            <a:off x="609600" y="337392"/>
-            <a:ext cx="10439400" cy="624840"/>
-          </a:xfrm>
-          <a:prstGeom prst="rect">
-            <a:avLst/>
-          </a:prstGeom>
-        </p:spPr>
-        <p:txBody>
-          <a:bodyPr vert="horz" lIns="91440" tIns="45720" rIns="91440" bIns="45720" rtlCol="0" anchor="b">
-            <a:noAutofit/>
-          </a:bodyPr>
-          <a:lstStyle>
-            <a:lvl1pPr algn="l" defTabSz="914400" rtl="0" eaLnBrk="1" latinLnBrk="0" hangingPunct="1">
-              <a:lnSpc>
-                <a:spcPct val="90000"/>
-              </a:lnSpc>
-              <a:spcBef>
-                <a:spcPct val="0"/>
-              </a:spcBef>
-              <a:buNone/>
-              <a:defRPr sz="4400" kern="1200" spc="-50" baseline="0">
-                <a:solidFill>
-                  <a:schemeClr val="tx1"/>
-                </a:solidFill>
-                <a:latin typeface="Times New Roman" panose="02020603050405020304" pitchFamily="18" charset="0"/>
-                <a:ea typeface="+mj-ea"/>
-                <a:cs typeface="+mj-cs"/>
-              </a:defRPr>
-            </a:lvl1pPr>
-          </a:lstStyle>
-          <a:p>
-            <a:r>
-              <a:rPr lang="en-US" sz="3600" dirty="0">
-                <a:latin typeface="Times New Roman"/>
-                <a:cs typeface="Times New Roman"/>
-              </a:rPr>
-              <a:t>Other Example Papers and Instruments</a:t>
-            </a:r>
-          </a:p>
-        </p:txBody>
-      </p:sp>
-    </p:spTree>
-    <p:extLst>
-      <p:ext uri="{BB962C8B-B14F-4D97-AF65-F5344CB8AC3E}">
-        <p14:creationId xmlns:p14="http://schemas.microsoft.com/office/powerpoint/2010/main" val="3154405288"/>
-      </p:ext>
-    </p:extLst>
-  </p:cSld>
-  <p:clrMapOvr>
-    <a:masterClrMapping/>
-  </p:clrMapOvr>
-</p:sld>
-</file>
-
-<file path=ppt/slides/slide58.xml><?xml version="1.0" encoding="utf-8"?>
-<p:sld xmlns:a="http://schemas.openxmlformats.org/drawingml/2006/main" xmlns:r="http://schemas.openxmlformats.org/officeDocument/2006/relationships" xmlns:p="http://schemas.openxmlformats.org/presentationml/2006/main">
-  <p:cSld>
-    <p:spTree>
-      <p:nvGrpSpPr>
-        <p:cNvPr id="1" name=""/>
-        <p:cNvGrpSpPr/>
-        <p:nvPr/>
-      </p:nvGrpSpPr>
-      <p:grpSpPr>
-        <a:xfrm>
-          <a:off x="0" y="0"/>
-          <a:ext cx="0" cy="0"/>
-          <a:chOff x="0" y="0"/>
-          <a:chExt cx="0" cy="0"/>
-        </a:xfrm>
-      </p:grpSpPr>
-      <p:sp>
-        <p:nvSpPr>
-          <p:cNvPr id="3" name="Content Placeholder 2">
-            <a:extLst>
-              <a:ext uri="{FF2B5EF4-FFF2-40B4-BE49-F238E27FC236}">
-                <a16:creationId xmlns:a16="http://schemas.microsoft.com/office/drawing/2014/main" id="{8BFAC18E-4064-A1FE-C1EB-5D23F1DFAD23}"/>
-              </a:ext>
-            </a:extLst>
-          </p:cNvPr>
-          <p:cNvSpPr>
-            <a:spLocks noGrp="1"/>
-          </p:cNvSpPr>
-          <p:nvPr>
-            <p:ph idx="1"/>
-          </p:nvPr>
-        </p:nvSpPr>
-        <p:spPr>
-          <a:xfrm>
-            <a:off x="914400" y="1119952"/>
-            <a:ext cx="9984829" cy="5357048"/>
-          </a:xfrm>
-        </p:spPr>
-        <p:txBody>
-          <a:bodyPr vert="horz" lIns="91440" tIns="45720" rIns="91440" bIns="45720" rtlCol="0" anchor="t">
-            <a:normAutofit/>
-          </a:bodyPr>
-          <a:lstStyle/>
-          <a:p>
-            <a:r>
-              <a:rPr lang="en-US" sz="2400" dirty="0">
-                <a:latin typeface="Times New Roman"/>
-                <a:cs typeface="Times New Roman"/>
-                <a:hlinkClick r:id="rId3"/>
-              </a:rPr>
-              <a:t>The Effect of Evictions on Opioid Mortality</a:t>
-            </a:r>
-            <a:r>
-              <a:rPr lang="en-US" sz="2400" dirty="0">
-                <a:latin typeface="Times New Roman"/>
-                <a:cs typeface="Times New Roman"/>
-              </a:rPr>
-              <a:t> (Bradford and Bradford, </a:t>
-            </a:r>
-            <a:r>
-              <a:rPr lang="en-US" sz="2400" i="1" dirty="0">
-                <a:latin typeface="Times New Roman"/>
-                <a:cs typeface="Times New Roman"/>
-              </a:rPr>
-              <a:t>Health Services Research </a:t>
-            </a:r>
-            <a:r>
-              <a:rPr lang="en-US" sz="2400" dirty="0">
-                <a:latin typeface="Times New Roman"/>
-                <a:cs typeface="Times New Roman"/>
-              </a:rPr>
-              <a:t>2020)</a:t>
-            </a:r>
-          </a:p>
-          <a:p>
-            <a:pPr marL="0" indent="0">
-              <a:buNone/>
-            </a:pPr>
-            <a:r>
-              <a:rPr lang="en-US" sz="2400" dirty="0">
-                <a:latin typeface="Times New Roman"/>
-                <a:cs typeface="Times New Roman"/>
-              </a:rPr>
-              <a:t>Other popular (and more generalizable) IV approaches: </a:t>
-            </a:r>
-            <a:endParaRPr lang="en-US" sz="2400" dirty="0">
-              <a:solidFill>
-                <a:srgbClr val="000000"/>
-              </a:solidFill>
-              <a:latin typeface="Times New Roman"/>
-              <a:cs typeface="Times New Roman"/>
-            </a:endParaRPr>
-          </a:p>
-          <a:p>
-            <a:pPr marL="0" indent="0">
-              <a:buNone/>
-            </a:pPr>
-            <a:r>
-              <a:rPr lang="en-US" sz="2400" b="1" dirty="0">
-                <a:solidFill>
-                  <a:schemeClr val="accent2">
-                    <a:lumMod val="75000"/>
-                  </a:schemeClr>
-                </a:solidFill>
-                <a:latin typeface="Times New Roman"/>
-                <a:cs typeface="Times New Roman"/>
-              </a:rPr>
-              <a:t>3. Bartik/Shift-Share Instruments</a:t>
-            </a:r>
-            <a:endParaRPr lang="en-US" sz="2400" dirty="0">
-              <a:solidFill>
-                <a:schemeClr val="accent2">
-                  <a:lumMod val="75000"/>
-                </a:schemeClr>
-              </a:solidFill>
-              <a:cs typeface="Times New Roman" panose="02020603050405020304" pitchFamily="18" charset="0"/>
-            </a:endParaRPr>
-          </a:p>
-          <a:p>
-            <a:pPr marL="342900" indent="-342900"/>
-            <a:r>
-              <a:rPr lang="en-US" sz="2400" spc="0" dirty="0">
-                <a:solidFill>
-                  <a:srgbClr val="262626"/>
-                </a:solidFill>
-                <a:latin typeface="Times New Roman"/>
-                <a:cs typeface="Times New Roman"/>
-              </a:rPr>
-              <a:t>A type of instrument which </a:t>
-            </a:r>
-            <a:r>
-              <a:rPr lang="en-US" sz="2400" spc="0" dirty="0">
-                <a:latin typeface="Times New Roman"/>
-                <a:cs typeface="Times New Roman"/>
-              </a:rPr>
-              <a:t>measures change in a region’s labor demand due to changes in the national demand for different industries’ products</a:t>
-            </a:r>
-            <a:r>
-              <a:rPr lang="en-US" sz="2400" spc="0" dirty="0">
-                <a:solidFill>
-                  <a:srgbClr val="262626"/>
-                </a:solidFill>
-                <a:latin typeface="Times New Roman"/>
-                <a:cs typeface="Times New Roman"/>
-              </a:rPr>
-              <a:t> </a:t>
-            </a:r>
-            <a:endParaRPr lang="en-US" sz="2400" spc="0" dirty="0">
-              <a:cs typeface="Times New Roman"/>
-            </a:endParaRPr>
-          </a:p>
-          <a:p>
-            <a:pPr marL="342900" indent="-342900"/>
-            <a:r>
-              <a:rPr lang="en-US" sz="2400" spc="0" dirty="0">
-                <a:latin typeface="Times New Roman"/>
-                <a:cs typeface="Times New Roman"/>
-              </a:rPr>
-              <a:t>Created by interacting initial “shares” of geographic regions with national growth rates (in immigration, manufacturing employment, etc.)</a:t>
-            </a:r>
-          </a:p>
-          <a:p>
-            <a:pPr marL="342900" indent="-342900"/>
-            <a:r>
-              <a:rPr lang="en-US" sz="2400" spc="0" dirty="0">
-                <a:solidFill>
-                  <a:srgbClr val="000000"/>
-                </a:solidFill>
-                <a:latin typeface="Times New Roman"/>
-                <a:cs typeface="Times New Roman"/>
-              </a:rPr>
-              <a:t>Example: Currie, </a:t>
-            </a:r>
-            <a:r>
-              <a:rPr lang="en-US" sz="2400" spc="0" dirty="0" err="1">
-                <a:solidFill>
-                  <a:srgbClr val="000000"/>
-                </a:solidFill>
-                <a:latin typeface="Times New Roman"/>
-                <a:cs typeface="Times New Roman"/>
-              </a:rPr>
-              <a:t>Jin</a:t>
-            </a:r>
-            <a:r>
-              <a:rPr lang="en-US" sz="2400" spc="0" dirty="0">
-                <a:solidFill>
-                  <a:srgbClr val="000000"/>
-                </a:solidFill>
-                <a:latin typeface="Times New Roman"/>
-                <a:cs typeface="Times New Roman"/>
-              </a:rPr>
-              <a:t>, and Schnell (2019): "</a:t>
-            </a:r>
-            <a:r>
-              <a:rPr lang="en-US" sz="2400" spc="0" dirty="0">
-                <a:solidFill>
-                  <a:srgbClr val="000000"/>
-                </a:solidFill>
-                <a:latin typeface="Times New Roman"/>
-                <a:cs typeface="Times New Roman"/>
-                <a:hlinkClick r:id="rId4"/>
-              </a:rPr>
-              <a:t>U.S. Employment and Opioids: Is there a Connection?</a:t>
-            </a:r>
-            <a:r>
-              <a:rPr lang="en-US" sz="2400" spc="0" dirty="0">
-                <a:solidFill>
-                  <a:srgbClr val="000000"/>
-                </a:solidFill>
-                <a:latin typeface="Times New Roman"/>
-                <a:cs typeface="Times New Roman"/>
-              </a:rPr>
-              <a:t>," Working paper.  </a:t>
-            </a:r>
-            <a:endParaRPr lang="en-US" sz="2400" spc="0" dirty="0">
-              <a:solidFill>
-                <a:srgbClr val="000000"/>
-              </a:solidFill>
-              <a:cs typeface="Times New Roman"/>
-            </a:endParaRPr>
-          </a:p>
-          <a:p>
-            <a:pPr lvl="1">
-              <a:buFont typeface="Wingdings 2"/>
-              <a:buChar char=""/>
-            </a:pPr>
-            <a:endParaRPr lang="en-US" sz="2400" dirty="0">
-              <a:cs typeface="Times New Roman"/>
-            </a:endParaRPr>
-          </a:p>
-          <a:p>
-            <a:pPr lvl="1">
-              <a:buFont typeface="Wingdings 2"/>
-              <a:buChar char=""/>
-            </a:pPr>
-            <a:endParaRPr lang="en-US" sz="2400" dirty="0">
-              <a:cs typeface="Times New Roman"/>
-            </a:endParaRPr>
-          </a:p>
-        </p:txBody>
-      </p:sp>
-      <p:sp>
-        <p:nvSpPr>
-          <p:cNvPr id="5" name="Title 1">
-            <a:extLst>
-              <a:ext uri="{FF2B5EF4-FFF2-40B4-BE49-F238E27FC236}">
-                <a16:creationId xmlns:a16="http://schemas.microsoft.com/office/drawing/2014/main" id="{EF3111ED-61A2-2123-0D2A-EFDD981A07C2}"/>
-              </a:ext>
-            </a:extLst>
-          </p:cNvPr>
-          <p:cNvSpPr txBox="1">
-            <a:spLocks/>
-          </p:cNvSpPr>
-          <p:nvPr/>
-        </p:nvSpPr>
-        <p:spPr>
-          <a:xfrm>
-            <a:off x="609600" y="337392"/>
-            <a:ext cx="10439400" cy="624840"/>
-          </a:xfrm>
-          <a:prstGeom prst="rect">
-            <a:avLst/>
-          </a:prstGeom>
-        </p:spPr>
-        <p:txBody>
-          <a:bodyPr vert="horz" lIns="91440" tIns="45720" rIns="91440" bIns="45720" rtlCol="0" anchor="b">
-            <a:noAutofit/>
-          </a:bodyPr>
-          <a:lstStyle>
-            <a:lvl1pPr algn="l" defTabSz="914400" rtl="0" eaLnBrk="1" latinLnBrk="0" hangingPunct="1">
-              <a:lnSpc>
-                <a:spcPct val="90000"/>
-              </a:lnSpc>
-              <a:spcBef>
-                <a:spcPct val="0"/>
-              </a:spcBef>
-              <a:buNone/>
-              <a:defRPr sz="4400" kern="1200" spc="-50" baseline="0">
-                <a:solidFill>
-                  <a:schemeClr val="tx1"/>
-                </a:solidFill>
-                <a:latin typeface="Times New Roman" panose="02020603050405020304" pitchFamily="18" charset="0"/>
-                <a:ea typeface="+mj-ea"/>
-                <a:cs typeface="+mj-cs"/>
-              </a:defRPr>
-            </a:lvl1pPr>
-          </a:lstStyle>
-          <a:p>
-            <a:r>
-              <a:rPr lang="en-US" sz="3600" dirty="0">
-                <a:latin typeface="Times New Roman"/>
-                <a:cs typeface="Times New Roman"/>
-              </a:rPr>
-              <a:t>Other Example Papers and Instruments</a:t>
-            </a:r>
-          </a:p>
-        </p:txBody>
-      </p:sp>
-    </p:spTree>
-    <p:extLst>
-      <p:ext uri="{BB962C8B-B14F-4D97-AF65-F5344CB8AC3E}">
-        <p14:creationId xmlns:p14="http://schemas.microsoft.com/office/powerpoint/2010/main" val="1968440818"/>
-      </p:ext>
-    </p:extLst>
-  </p:cSld>
-  <p:clrMapOvr>
-    <a:masterClrMapping/>
-  </p:clrMapOvr>
-</p:sld>
-</file>
-
-<file path=ppt/slides/slide59.xml><?xml version="1.0" encoding="utf-8"?>
-<p:sld xmlns:a="http://schemas.openxmlformats.org/drawingml/2006/main" xmlns:r="http://schemas.openxmlformats.org/officeDocument/2006/relationships" xmlns:p="http://schemas.openxmlformats.org/presentationml/2006/main">
-  <p:cSld>
-    <p:spTree>
-      <p:nvGrpSpPr>
-        <p:cNvPr id="1" name=""/>
-        <p:cNvGrpSpPr/>
-        <p:nvPr/>
-      </p:nvGrpSpPr>
-      <p:grpSpPr>
-        <a:xfrm>
-          <a:off x="0" y="0"/>
-          <a:ext cx="0" cy="0"/>
-          <a:chOff x="0" y="0"/>
-          <a:chExt cx="0" cy="0"/>
-        </a:xfrm>
-      </p:grpSpPr>
-      <p:sp>
-        <p:nvSpPr>
-          <p:cNvPr id="3" name="Content Placeholder 2">
-            <a:extLst>
-              <a:ext uri="{FF2B5EF4-FFF2-40B4-BE49-F238E27FC236}">
-                <a16:creationId xmlns:a16="http://schemas.microsoft.com/office/drawing/2014/main" id="{8BFAC18E-4064-A1FE-C1EB-5D23F1DFAD23}"/>
-              </a:ext>
-            </a:extLst>
-          </p:cNvPr>
-          <p:cNvSpPr>
-            <a:spLocks noGrp="1"/>
-          </p:cNvSpPr>
-          <p:nvPr>
-            <p:ph idx="1"/>
-          </p:nvPr>
-        </p:nvSpPr>
-        <p:spPr>
-          <a:xfrm>
-            <a:off x="914400" y="1119952"/>
-            <a:ext cx="9984829" cy="5357048"/>
-          </a:xfrm>
-        </p:spPr>
-        <p:txBody>
-          <a:bodyPr vert="horz" lIns="91440" tIns="45720" rIns="91440" bIns="45720" rtlCol="0" anchor="t">
-            <a:normAutofit/>
-          </a:bodyPr>
-          <a:lstStyle/>
-          <a:p>
-            <a:r>
-              <a:rPr lang="en-US" sz="2400" dirty="0">
-                <a:latin typeface="Times New Roman"/>
-                <a:cs typeface="Times New Roman"/>
-              </a:rPr>
-              <a:t>IV is a powerful design when data suffer from selection on </a:t>
-            </a:r>
-            <a:r>
-              <a:rPr lang="en-US" sz="2400" dirty="0" err="1">
-                <a:latin typeface="Times New Roman"/>
-                <a:cs typeface="Times New Roman"/>
-              </a:rPr>
-              <a:t>unobservables</a:t>
-            </a:r>
-            <a:r>
-              <a:rPr lang="en-US" sz="2400" dirty="0">
-                <a:latin typeface="Times New Roman"/>
-                <a:cs typeface="Times New Roman"/>
-              </a:rPr>
-              <a:t>.</a:t>
-            </a:r>
-          </a:p>
-          <a:p>
-            <a:r>
-              <a:rPr lang="en-US" sz="2400" dirty="0">
-                <a:latin typeface="Times New Roman"/>
-                <a:cs typeface="Times New Roman"/>
-              </a:rPr>
-              <a:t>Good front door approach! </a:t>
-            </a:r>
-          </a:p>
-          <a:p>
-            <a:r>
-              <a:rPr lang="en-US" sz="2400" dirty="0">
-                <a:latin typeface="Times New Roman"/>
-                <a:cs typeface="Times New Roman"/>
-              </a:rPr>
-              <a:t>Has limitations: </a:t>
-            </a:r>
-          </a:p>
-          <a:p>
-            <a:pPr lvl="1"/>
-            <a:r>
-              <a:rPr lang="en-US" sz="2400" dirty="0">
-                <a:latin typeface="Times New Roman"/>
-                <a:cs typeface="Times New Roman"/>
-              </a:rPr>
-              <a:t>First, it only identifies the LATE, which may or may not be policy relevant</a:t>
-            </a:r>
-            <a:endParaRPr lang="en-US" sz="2400" dirty="0">
-              <a:solidFill>
-                <a:srgbClr val="000000"/>
-              </a:solidFill>
-              <a:latin typeface="Times New Roman"/>
-              <a:cs typeface="Times New Roman"/>
-            </a:endParaRPr>
-          </a:p>
-          <a:p>
-            <a:pPr lvl="1"/>
-            <a:r>
-              <a:rPr lang="en-US" sz="2400" dirty="0">
-                <a:latin typeface="Times New Roman"/>
-                <a:cs typeface="Times New Roman"/>
-              </a:rPr>
-              <a:t>IV has up to five (untestable) assumptions! </a:t>
-            </a:r>
-            <a:endParaRPr lang="en-US" sz="2400" dirty="0">
-              <a:solidFill>
-                <a:srgbClr val="000000"/>
-              </a:solidFill>
-              <a:latin typeface="Times New Roman"/>
-              <a:cs typeface="Times New Roman"/>
-            </a:endParaRPr>
-          </a:p>
-          <a:p>
-            <a:pPr lvl="1"/>
-            <a:r>
-              <a:rPr lang="en-US" sz="2400" dirty="0">
-                <a:latin typeface="Times New Roman"/>
-                <a:cs typeface="Times New Roman"/>
-              </a:rPr>
-              <a:t>IV tends to be less credible generally (too many unknowns)</a:t>
-            </a:r>
-          </a:p>
-          <a:p>
-            <a:pPr>
-              <a:buFont typeface="Arial" pitchFamily="18" charset="2"/>
-              <a:buChar char="•"/>
-            </a:pPr>
-            <a:r>
-              <a:rPr lang="en-US" sz="2400" dirty="0">
-                <a:latin typeface="Times New Roman"/>
-                <a:cs typeface="Times New Roman"/>
-              </a:rPr>
-              <a:t>But IV is an important strategy and sometimes the opportunity to use it will come along! </a:t>
-            </a:r>
-            <a:endParaRPr lang="en-US" sz="2400" spc="0" dirty="0">
-              <a:latin typeface="Times New Roman"/>
-              <a:cs typeface="Times New Roman"/>
-            </a:endParaRPr>
-          </a:p>
-          <a:p>
-            <a:pPr>
-              <a:buFont typeface="Arial" pitchFamily="18" charset="2"/>
-              <a:buChar char="•"/>
-            </a:pPr>
-            <a:r>
-              <a:rPr lang="en-US" sz="2400" dirty="0">
-                <a:latin typeface="Times New Roman"/>
-                <a:cs typeface="Times New Roman"/>
-              </a:rPr>
-              <a:t>Build in-depth knowledge of institutional details -- familiarity is how you find instruments!</a:t>
-            </a:r>
-            <a:endParaRPr lang="en-US" sz="2400" dirty="0">
-              <a:solidFill>
-                <a:srgbClr val="000000"/>
-              </a:solidFill>
-              <a:cs typeface="Times New Roman"/>
-            </a:endParaRPr>
-          </a:p>
-          <a:p>
-            <a:pPr lvl="1">
-              <a:buFont typeface="Wingdings 2"/>
-              <a:buChar char=""/>
-            </a:pPr>
-            <a:endParaRPr lang="en-US" sz="2400" dirty="0">
-              <a:solidFill>
-                <a:srgbClr val="262626"/>
-              </a:solidFill>
-              <a:cs typeface="Times New Roman"/>
-            </a:endParaRPr>
-          </a:p>
-          <a:p>
-            <a:pPr lvl="1">
-              <a:buFont typeface="Wingdings 2"/>
-              <a:buChar char=""/>
-            </a:pPr>
-            <a:endParaRPr lang="en-US" sz="2400" dirty="0">
-              <a:cs typeface="Times New Roman"/>
-            </a:endParaRPr>
-          </a:p>
-        </p:txBody>
-      </p:sp>
-      <p:sp>
-        <p:nvSpPr>
-          <p:cNvPr id="5" name="Title 1">
-            <a:extLst>
-              <a:ext uri="{FF2B5EF4-FFF2-40B4-BE49-F238E27FC236}">
-                <a16:creationId xmlns:a16="http://schemas.microsoft.com/office/drawing/2014/main" id="{EF3111ED-61A2-2123-0D2A-EFDD981A07C2}"/>
-              </a:ext>
-            </a:extLst>
-          </p:cNvPr>
-          <p:cNvSpPr txBox="1">
-            <a:spLocks/>
-          </p:cNvSpPr>
-          <p:nvPr/>
-        </p:nvSpPr>
-        <p:spPr>
-          <a:xfrm>
-            <a:off x="609600" y="337392"/>
-            <a:ext cx="10439400" cy="624840"/>
-          </a:xfrm>
-          <a:prstGeom prst="rect">
-            <a:avLst/>
-          </a:prstGeom>
-        </p:spPr>
-        <p:txBody>
-          <a:bodyPr vert="horz" lIns="91440" tIns="45720" rIns="91440" bIns="45720" rtlCol="0" anchor="b">
-            <a:noAutofit/>
-          </a:bodyPr>
-          <a:lstStyle>
-            <a:lvl1pPr algn="l" defTabSz="914400" rtl="0" eaLnBrk="1" latinLnBrk="0" hangingPunct="1">
-              <a:lnSpc>
-                <a:spcPct val="90000"/>
-              </a:lnSpc>
-              <a:spcBef>
-                <a:spcPct val="0"/>
-              </a:spcBef>
-              <a:buNone/>
-              <a:defRPr sz="4400" kern="1200" spc="-50" baseline="0">
-                <a:solidFill>
-                  <a:schemeClr val="tx1"/>
-                </a:solidFill>
-                <a:latin typeface="Times New Roman" panose="02020603050405020304" pitchFamily="18" charset="0"/>
-                <a:ea typeface="+mj-ea"/>
-                <a:cs typeface="+mj-cs"/>
-              </a:defRPr>
-            </a:lvl1pPr>
-          </a:lstStyle>
-          <a:p>
-            <a:r>
-              <a:rPr lang="en-US" sz="3600" dirty="0">
-                <a:latin typeface="Times New Roman"/>
-                <a:cs typeface="Times New Roman"/>
-              </a:rPr>
-              <a:t>Conclusion</a:t>
-            </a:r>
-            <a:endParaRPr lang="en-US" dirty="0"/>
-          </a:p>
-        </p:txBody>
-      </p:sp>
-    </p:spTree>
-    <p:extLst>
-      <p:ext uri="{BB962C8B-B14F-4D97-AF65-F5344CB8AC3E}">
-        <p14:creationId xmlns:p14="http://schemas.microsoft.com/office/powerpoint/2010/main" val="171047799"/>
-      </p:ext>
-    </p:extLst>
-  </p:cSld>
-  <p:clrMapOvr>
-    <a:masterClrMapping/>
-  </p:clrMapOvr>
-</p:sld>
-</file>
-
 <file path=ppt/slides/slide6.xml><?xml version="1.0" encoding="utf-8"?>
 <p:sld xmlns:a="http://schemas.openxmlformats.org/drawingml/2006/main" xmlns:r="http://schemas.openxmlformats.org/officeDocument/2006/relationships" xmlns:p="http://schemas.openxmlformats.org/presentationml/2006/main">
   <p:cSld>
@@ -22640,6 +22918,1421 @@
     <p:extLst>
       <p:ext uri="{BB962C8B-B14F-4D97-AF65-F5344CB8AC3E}">
         <p14:creationId xmlns:p14="http://schemas.microsoft.com/office/powerpoint/2010/main" val="821649247"/>
+      </p:ext>
+    </p:extLst>
+  </p:cSld>
+  <p:clrMapOvr>
+    <a:masterClrMapping/>
+  </p:clrMapOvr>
+</p:sld>
+</file>
+
+<file path=ppt/slides/slide60.xml><?xml version="1.0" encoding="utf-8"?>
+<p:sld xmlns:a="http://schemas.openxmlformats.org/drawingml/2006/main" xmlns:r="http://schemas.openxmlformats.org/officeDocument/2006/relationships" xmlns:p="http://schemas.openxmlformats.org/presentationml/2006/main">
+  <p:cSld>
+    <p:spTree>
+      <p:nvGrpSpPr>
+        <p:cNvPr id="1" name=""/>
+        <p:cNvGrpSpPr/>
+        <p:nvPr/>
+      </p:nvGrpSpPr>
+      <p:grpSpPr>
+        <a:xfrm>
+          <a:off x="0" y="0"/>
+          <a:ext cx="0" cy="0"/>
+          <a:chOff x="0" y="0"/>
+          <a:chExt cx="0" cy="0"/>
+        </a:xfrm>
+      </p:grpSpPr>
+      <p:sp>
+        <p:nvSpPr>
+          <p:cNvPr id="3" name="Content Placeholder 2">
+            <a:extLst>
+              <a:ext uri="{FF2B5EF4-FFF2-40B4-BE49-F238E27FC236}">
+                <a16:creationId xmlns:a16="http://schemas.microsoft.com/office/drawing/2014/main" id="{8BFAC18E-4064-A1FE-C1EB-5D23F1DFAD23}"/>
+              </a:ext>
+            </a:extLst>
+          </p:cNvPr>
+          <p:cNvSpPr>
+            <a:spLocks noGrp="1"/>
+          </p:cNvSpPr>
+          <p:nvPr>
+            <p:ph idx="1"/>
+          </p:nvPr>
+        </p:nvSpPr>
+        <p:spPr>
+          <a:xfrm>
+            <a:off x="914400" y="1119952"/>
+            <a:ext cx="9984829" cy="5357048"/>
+          </a:xfrm>
+        </p:spPr>
+        <p:txBody>
+          <a:bodyPr vert="horz" lIns="91440" tIns="45720" rIns="91440" bIns="45720" rtlCol="0" anchor="t">
+            <a:normAutofit/>
+          </a:bodyPr>
+          <a:lstStyle/>
+          <a:p>
+            <a:r>
+              <a:rPr lang="en-US" sz="2400" dirty="0">
+                <a:hlinkClick r:id="rId3"/>
+              </a:rPr>
+              <a:t>The Effect of Evictions on Opioid Mortality</a:t>
+            </a:r>
+            <a:r>
+              <a:rPr lang="en-US" sz="2400" dirty="0"/>
+              <a:t> (Bradford and Bradford, </a:t>
+            </a:r>
+            <a:r>
+              <a:rPr lang="en-US" sz="2400" i="1" dirty="0"/>
+              <a:t>Health Services Research </a:t>
+            </a:r>
+            <a:r>
+              <a:rPr lang="en-US" sz="2400" dirty="0"/>
+              <a:t>2020)</a:t>
+            </a:r>
+          </a:p>
+          <a:p>
+            <a:endParaRPr lang="en-US" sz="2400" dirty="0">
+              <a:cs typeface="Times New Roman"/>
+            </a:endParaRPr>
+          </a:p>
+          <a:p>
+            <a:pPr marL="0" indent="0">
+              <a:buNone/>
+            </a:pPr>
+            <a:endParaRPr lang="en-US" sz="2400" dirty="0">
+              <a:cs typeface="Times New Roman"/>
+            </a:endParaRPr>
+          </a:p>
+        </p:txBody>
+      </p:sp>
+      <p:sp>
+        <p:nvSpPr>
+          <p:cNvPr id="5" name="Title 1">
+            <a:extLst>
+              <a:ext uri="{FF2B5EF4-FFF2-40B4-BE49-F238E27FC236}">
+                <a16:creationId xmlns:a16="http://schemas.microsoft.com/office/drawing/2014/main" id="{EF3111ED-61A2-2123-0D2A-EFDD981A07C2}"/>
+              </a:ext>
+            </a:extLst>
+          </p:cNvPr>
+          <p:cNvSpPr txBox="1">
+            <a:spLocks/>
+          </p:cNvSpPr>
+          <p:nvPr/>
+        </p:nvSpPr>
+        <p:spPr>
+          <a:xfrm>
+            <a:off x="609600" y="337392"/>
+            <a:ext cx="10439400" cy="624840"/>
+          </a:xfrm>
+          <a:prstGeom prst="rect">
+            <a:avLst/>
+          </a:prstGeom>
+        </p:spPr>
+        <p:txBody>
+          <a:bodyPr vert="horz" lIns="91440" tIns="45720" rIns="91440" bIns="45720" rtlCol="0" anchor="b">
+            <a:noAutofit/>
+          </a:bodyPr>
+          <a:lstStyle>
+            <a:lvl1pPr algn="l" defTabSz="914400" rtl="0" eaLnBrk="1" latinLnBrk="0" hangingPunct="1">
+              <a:lnSpc>
+                <a:spcPct val="90000"/>
+              </a:lnSpc>
+              <a:spcBef>
+                <a:spcPct val="0"/>
+              </a:spcBef>
+              <a:buNone/>
+              <a:defRPr sz="4400" kern="1200" spc="-50" baseline="0">
+                <a:solidFill>
+                  <a:schemeClr val="tx1"/>
+                </a:solidFill>
+                <a:latin typeface="Times New Roman" panose="02020603050405020304" pitchFamily="18" charset="0"/>
+                <a:ea typeface="+mj-ea"/>
+                <a:cs typeface="+mj-cs"/>
+              </a:defRPr>
+            </a:lvl1pPr>
+          </a:lstStyle>
+          <a:p>
+            <a:r>
+              <a:rPr lang="en-US" sz="3600" dirty="0">
+                <a:latin typeface="Times New Roman"/>
+                <a:cs typeface="Times New Roman"/>
+              </a:rPr>
+              <a:t>Other Example Papers and Instruments</a:t>
+            </a:r>
+          </a:p>
+        </p:txBody>
+      </p:sp>
+    </p:spTree>
+    <p:extLst>
+      <p:ext uri="{BB962C8B-B14F-4D97-AF65-F5344CB8AC3E}">
+        <p14:creationId xmlns:p14="http://schemas.microsoft.com/office/powerpoint/2010/main" val="120145603"/>
+      </p:ext>
+    </p:extLst>
+  </p:cSld>
+  <p:clrMapOvr>
+    <a:masterClrMapping/>
+  </p:clrMapOvr>
+</p:sld>
+</file>
+
+<file path=ppt/slides/slide61.xml><?xml version="1.0" encoding="utf-8"?>
+<p:sld xmlns:a="http://schemas.openxmlformats.org/drawingml/2006/main" xmlns:r="http://schemas.openxmlformats.org/officeDocument/2006/relationships" xmlns:p="http://schemas.openxmlformats.org/presentationml/2006/main">
+  <p:cSld>
+    <p:spTree>
+      <p:nvGrpSpPr>
+        <p:cNvPr id="1" name=""/>
+        <p:cNvGrpSpPr/>
+        <p:nvPr/>
+      </p:nvGrpSpPr>
+      <p:grpSpPr>
+        <a:xfrm>
+          <a:off x="0" y="0"/>
+          <a:ext cx="0" cy="0"/>
+          <a:chOff x="0" y="0"/>
+          <a:chExt cx="0" cy="0"/>
+        </a:xfrm>
+      </p:grpSpPr>
+      <p:sp>
+        <p:nvSpPr>
+          <p:cNvPr id="3" name="Content Placeholder 2">
+            <a:extLst>
+              <a:ext uri="{FF2B5EF4-FFF2-40B4-BE49-F238E27FC236}">
+                <a16:creationId xmlns:a16="http://schemas.microsoft.com/office/drawing/2014/main" id="{8BFAC18E-4064-A1FE-C1EB-5D23F1DFAD23}"/>
+              </a:ext>
+            </a:extLst>
+          </p:cNvPr>
+          <p:cNvSpPr>
+            <a:spLocks noGrp="1"/>
+          </p:cNvSpPr>
+          <p:nvPr>
+            <p:ph idx="1"/>
+          </p:nvPr>
+        </p:nvSpPr>
+        <p:spPr>
+          <a:xfrm>
+            <a:off x="914400" y="1119952"/>
+            <a:ext cx="9984829" cy="5357048"/>
+          </a:xfrm>
+        </p:spPr>
+        <p:txBody>
+          <a:bodyPr vert="horz" lIns="91440" tIns="45720" rIns="91440" bIns="45720" rtlCol="0" anchor="t">
+            <a:normAutofit/>
+          </a:bodyPr>
+          <a:lstStyle/>
+          <a:p>
+            <a:r>
+              <a:rPr lang="en-US" sz="2400" dirty="0">
+                <a:latin typeface="Times New Roman"/>
+                <a:cs typeface="Times New Roman"/>
+                <a:hlinkClick r:id="rId3"/>
+              </a:rPr>
+              <a:t>The Effect of Evictions on Opioid Mortality</a:t>
+            </a:r>
+            <a:r>
+              <a:rPr lang="en-US" sz="2400" dirty="0">
+                <a:latin typeface="Times New Roman"/>
+                <a:cs typeface="Times New Roman"/>
+              </a:rPr>
+              <a:t> (Bradford and Bradford, </a:t>
+            </a:r>
+            <a:r>
+              <a:rPr lang="en-US" sz="2400" i="1" dirty="0">
+                <a:latin typeface="Times New Roman"/>
+                <a:cs typeface="Times New Roman"/>
+              </a:rPr>
+              <a:t>Health Services Research </a:t>
+            </a:r>
+            <a:r>
+              <a:rPr lang="en-US" sz="2400" dirty="0">
+                <a:latin typeface="Times New Roman"/>
+                <a:cs typeface="Times New Roman"/>
+              </a:rPr>
+              <a:t>2020)</a:t>
+            </a:r>
+          </a:p>
+          <a:p>
+            <a:pPr marL="0" indent="0">
+              <a:buNone/>
+            </a:pPr>
+            <a:r>
+              <a:rPr lang="en-US" sz="2400" dirty="0">
+                <a:latin typeface="Times New Roman"/>
+                <a:cs typeface="Times New Roman"/>
+              </a:rPr>
+              <a:t>Other popular (and more generalizable) IV approaches: </a:t>
+            </a:r>
+          </a:p>
+          <a:p>
+            <a:pPr marL="457200" indent="-457200">
+              <a:buAutoNum type="arabicPeriod"/>
+            </a:pPr>
+            <a:r>
+              <a:rPr lang="en-US" sz="2400" b="1" dirty="0">
+                <a:solidFill>
+                  <a:schemeClr val="accent2">
+                    <a:lumMod val="75000"/>
+                  </a:schemeClr>
+                </a:solidFill>
+                <a:latin typeface="Times New Roman"/>
+                <a:cs typeface="Times New Roman"/>
+              </a:rPr>
+              <a:t>Lotteries</a:t>
+            </a:r>
+            <a:r>
+              <a:rPr lang="en-US" sz="2400" dirty="0">
+                <a:latin typeface="Times New Roman"/>
+                <a:cs typeface="Times New Roman"/>
+              </a:rPr>
+              <a:t>: experiment with </a:t>
+            </a:r>
+            <a:r>
+              <a:rPr lang="en-US" sz="2400" b="1" dirty="0">
+                <a:solidFill>
+                  <a:schemeClr val="accent2">
+                    <a:lumMod val="75000"/>
+                  </a:schemeClr>
+                </a:solidFill>
+                <a:latin typeface="Times New Roman"/>
+                <a:cs typeface="Times New Roman"/>
+              </a:rPr>
+              <a:t>voluntary participation</a:t>
+            </a:r>
+            <a:endParaRPr lang="en-US" sz="2400" dirty="0">
+              <a:solidFill>
+                <a:schemeClr val="accent2">
+                  <a:lumMod val="75000"/>
+                </a:schemeClr>
+              </a:solidFill>
+              <a:cs typeface="Times New Roman"/>
+            </a:endParaRPr>
+          </a:p>
+          <a:p>
+            <a:pPr lvl="1"/>
+            <a:r>
+              <a:rPr lang="en-US" sz="2400" b="1" dirty="0">
+                <a:solidFill>
+                  <a:schemeClr val="tx1"/>
+                </a:solidFill>
+                <a:latin typeface="Times New Roman"/>
+                <a:cs typeface="Times New Roman"/>
+              </a:rPr>
+              <a:t>Oregon Medicaid Experiment: </a:t>
+            </a:r>
+            <a:r>
+              <a:rPr lang="en-US" sz="2400" dirty="0">
+                <a:latin typeface="Times New Roman"/>
+                <a:cs typeface="Times New Roman"/>
+              </a:rPr>
+              <a:t>Finkelstein, Amy, Sarah Taubman, Bill Wright, Mira Bernstein, Jonathan Gruber, Joseph P. Newhouse, Heidi Allen, and Katherine Baicker. 2012. “</a:t>
+            </a:r>
+            <a:r>
+              <a:rPr lang="en-US" sz="2400" dirty="0">
+                <a:latin typeface="Times New Roman"/>
+                <a:cs typeface="Times New Roman"/>
+                <a:hlinkClick r:id="rId4"/>
+              </a:rPr>
+              <a:t>The Oregon Health Insurance Experiment: Evidence from the First Year.</a:t>
+            </a:r>
+            <a:r>
+              <a:rPr lang="en-US" sz="2400" dirty="0">
+                <a:latin typeface="Times New Roman"/>
+                <a:cs typeface="Times New Roman"/>
+              </a:rPr>
+              <a:t>” </a:t>
+            </a:r>
+            <a:r>
+              <a:rPr lang="en-US" sz="2400" i="1" dirty="0">
+                <a:latin typeface="Times New Roman"/>
+                <a:cs typeface="Times New Roman"/>
+              </a:rPr>
+              <a:t>Quarterly Journal of Economics</a:t>
+            </a:r>
+            <a:r>
+              <a:rPr lang="en-US" sz="2400" dirty="0">
+                <a:latin typeface="Times New Roman"/>
+                <a:cs typeface="Times New Roman"/>
+              </a:rPr>
+              <a:t> 127 (3): 1057–1106.</a:t>
+            </a:r>
+            <a:endParaRPr lang="en-US" sz="2400" dirty="0">
+              <a:solidFill>
+                <a:schemeClr val="tx1"/>
+              </a:solidFill>
+              <a:cs typeface="Times New Roman"/>
+            </a:endParaRPr>
+          </a:p>
+          <a:p>
+            <a:pPr lvl="1"/>
+            <a:r>
+              <a:rPr lang="en-US" sz="2400" dirty="0">
+                <a:latin typeface="Times New Roman"/>
+                <a:cs typeface="Times New Roman"/>
+              </a:rPr>
+              <a:t>Baicker, Katherine, Sarah L. Taubman, Heidi L. Allen, Mira Bernstein, Jonathan Gruber, Joseph Newhouse, Eric Schneider, Bill Wright, </a:t>
+            </a:r>
+            <a:r>
+              <a:rPr lang="en-US" sz="2400" dirty="0" err="1">
+                <a:latin typeface="Times New Roman"/>
+                <a:cs typeface="Times New Roman"/>
+              </a:rPr>
+              <a:t>Alam</a:t>
+            </a:r>
+            <a:r>
+              <a:rPr lang="en-US" sz="2400" dirty="0">
+                <a:latin typeface="Times New Roman"/>
+                <a:cs typeface="Times New Roman"/>
+              </a:rPr>
+              <a:t> Zaslavsky, and Amy Finkelstein. 2013. “</a:t>
+            </a:r>
+            <a:r>
+              <a:rPr lang="en-US" sz="2400" dirty="0">
+                <a:latin typeface="Times New Roman"/>
+                <a:cs typeface="Times New Roman"/>
+                <a:hlinkClick r:id="rId5"/>
+              </a:rPr>
+              <a:t>The Oregon Experiment – Effects of Medicaid on Clinical Outcomes</a:t>
+            </a:r>
+            <a:r>
+              <a:rPr lang="en-US" sz="2400" dirty="0">
+                <a:latin typeface="Times New Roman"/>
+                <a:cs typeface="Times New Roman"/>
+              </a:rPr>
+              <a:t>.” </a:t>
+            </a:r>
+            <a:r>
+              <a:rPr lang="en-US" sz="2400" i="1" dirty="0">
+                <a:latin typeface="Times New Roman"/>
+                <a:cs typeface="Times New Roman"/>
+              </a:rPr>
+              <a:t>New England Journal of Medicine</a:t>
+            </a:r>
+            <a:r>
+              <a:rPr lang="en-US" sz="2400" dirty="0">
+                <a:latin typeface="Times New Roman"/>
+                <a:cs typeface="Times New Roman"/>
+              </a:rPr>
+              <a:t> 368 (May): 1713–22.</a:t>
+            </a:r>
+            <a:endParaRPr lang="en-US" sz="2400" dirty="0">
+              <a:solidFill>
+                <a:srgbClr val="262626"/>
+              </a:solidFill>
+              <a:latin typeface="Times New Roman"/>
+              <a:cs typeface="Times New Roman"/>
+            </a:endParaRPr>
+          </a:p>
+        </p:txBody>
+      </p:sp>
+      <p:sp>
+        <p:nvSpPr>
+          <p:cNvPr id="5" name="Title 1">
+            <a:extLst>
+              <a:ext uri="{FF2B5EF4-FFF2-40B4-BE49-F238E27FC236}">
+                <a16:creationId xmlns:a16="http://schemas.microsoft.com/office/drawing/2014/main" id="{EF3111ED-61A2-2123-0D2A-EFDD981A07C2}"/>
+              </a:ext>
+            </a:extLst>
+          </p:cNvPr>
+          <p:cNvSpPr txBox="1">
+            <a:spLocks/>
+          </p:cNvSpPr>
+          <p:nvPr/>
+        </p:nvSpPr>
+        <p:spPr>
+          <a:xfrm>
+            <a:off x="609600" y="337392"/>
+            <a:ext cx="10439400" cy="624840"/>
+          </a:xfrm>
+          <a:prstGeom prst="rect">
+            <a:avLst/>
+          </a:prstGeom>
+        </p:spPr>
+        <p:txBody>
+          <a:bodyPr vert="horz" lIns="91440" tIns="45720" rIns="91440" bIns="45720" rtlCol="0" anchor="b">
+            <a:noAutofit/>
+          </a:bodyPr>
+          <a:lstStyle>
+            <a:lvl1pPr algn="l" defTabSz="914400" rtl="0" eaLnBrk="1" latinLnBrk="0" hangingPunct="1">
+              <a:lnSpc>
+                <a:spcPct val="90000"/>
+              </a:lnSpc>
+              <a:spcBef>
+                <a:spcPct val="0"/>
+              </a:spcBef>
+              <a:buNone/>
+              <a:defRPr sz="4400" kern="1200" spc="-50" baseline="0">
+                <a:solidFill>
+                  <a:schemeClr val="tx1"/>
+                </a:solidFill>
+                <a:latin typeface="Times New Roman" panose="02020603050405020304" pitchFamily="18" charset="0"/>
+                <a:ea typeface="+mj-ea"/>
+                <a:cs typeface="+mj-cs"/>
+              </a:defRPr>
+            </a:lvl1pPr>
+          </a:lstStyle>
+          <a:p>
+            <a:r>
+              <a:rPr lang="en-US" sz="3600" dirty="0">
+                <a:latin typeface="Times New Roman"/>
+                <a:cs typeface="Times New Roman"/>
+              </a:rPr>
+              <a:t>Other Example Papers and Instruments</a:t>
+            </a:r>
+          </a:p>
+        </p:txBody>
+      </p:sp>
+    </p:spTree>
+    <p:extLst>
+      <p:ext uri="{BB962C8B-B14F-4D97-AF65-F5344CB8AC3E}">
+        <p14:creationId xmlns:p14="http://schemas.microsoft.com/office/powerpoint/2010/main" val="3091592743"/>
+      </p:ext>
+    </p:extLst>
+  </p:cSld>
+  <p:clrMapOvr>
+    <a:masterClrMapping/>
+  </p:clrMapOvr>
+</p:sld>
+</file>
+
+<file path=ppt/slides/slide62.xml><?xml version="1.0" encoding="utf-8"?>
+<p:sld xmlns:a="http://schemas.openxmlformats.org/drawingml/2006/main" xmlns:r="http://schemas.openxmlformats.org/officeDocument/2006/relationships" xmlns:p="http://schemas.openxmlformats.org/presentationml/2006/main">
+  <p:cSld>
+    <p:spTree>
+      <p:nvGrpSpPr>
+        <p:cNvPr id="1" name=""/>
+        <p:cNvGrpSpPr/>
+        <p:nvPr/>
+      </p:nvGrpSpPr>
+      <p:grpSpPr>
+        <a:xfrm>
+          <a:off x="0" y="0"/>
+          <a:ext cx="0" cy="0"/>
+          <a:chOff x="0" y="0"/>
+          <a:chExt cx="0" cy="0"/>
+        </a:xfrm>
+      </p:grpSpPr>
+      <p:sp>
+        <p:nvSpPr>
+          <p:cNvPr id="3" name="Content Placeholder 2">
+            <a:extLst>
+              <a:ext uri="{FF2B5EF4-FFF2-40B4-BE49-F238E27FC236}">
+                <a16:creationId xmlns:a16="http://schemas.microsoft.com/office/drawing/2014/main" id="{8BFAC18E-4064-A1FE-C1EB-5D23F1DFAD23}"/>
+              </a:ext>
+            </a:extLst>
+          </p:cNvPr>
+          <p:cNvSpPr>
+            <a:spLocks noGrp="1"/>
+          </p:cNvSpPr>
+          <p:nvPr>
+            <p:ph idx="1"/>
+          </p:nvPr>
+        </p:nvSpPr>
+        <p:spPr>
+          <a:xfrm>
+            <a:off x="914400" y="1119952"/>
+            <a:ext cx="9984829" cy="5357048"/>
+          </a:xfrm>
+        </p:spPr>
+        <p:txBody>
+          <a:bodyPr vert="horz" lIns="91440" tIns="45720" rIns="91440" bIns="45720" rtlCol="0" anchor="t">
+            <a:normAutofit/>
+          </a:bodyPr>
+          <a:lstStyle/>
+          <a:p>
+            <a:r>
+              <a:rPr lang="en-US" sz="2400" dirty="0">
+                <a:latin typeface="Times New Roman"/>
+                <a:cs typeface="Times New Roman"/>
+                <a:hlinkClick r:id="rId3"/>
+              </a:rPr>
+              <a:t>The Effect of Evictions on Opioid Mortality</a:t>
+            </a:r>
+            <a:r>
+              <a:rPr lang="en-US" sz="2400" dirty="0">
+                <a:latin typeface="Times New Roman"/>
+                <a:cs typeface="Times New Roman"/>
+              </a:rPr>
+              <a:t> (Bradford and Bradford, </a:t>
+            </a:r>
+            <a:r>
+              <a:rPr lang="en-US" sz="2400" i="1" dirty="0">
+                <a:latin typeface="Times New Roman"/>
+                <a:cs typeface="Times New Roman"/>
+              </a:rPr>
+              <a:t>Health Services Research </a:t>
+            </a:r>
+            <a:r>
+              <a:rPr lang="en-US" sz="2400" dirty="0">
+                <a:latin typeface="Times New Roman"/>
+                <a:cs typeface="Times New Roman"/>
+              </a:rPr>
+              <a:t>2020)</a:t>
+            </a:r>
+          </a:p>
+          <a:p>
+            <a:pPr marL="0" indent="0">
+              <a:buNone/>
+            </a:pPr>
+            <a:r>
+              <a:rPr lang="en-US" sz="2400" dirty="0">
+                <a:latin typeface="Times New Roman"/>
+                <a:cs typeface="Times New Roman"/>
+              </a:rPr>
+              <a:t>Other popular (and more generalizable) IV approaches: </a:t>
+            </a:r>
+            <a:endParaRPr lang="en-US" sz="2400" dirty="0">
+              <a:solidFill>
+                <a:srgbClr val="000000"/>
+              </a:solidFill>
+              <a:latin typeface="Times New Roman"/>
+              <a:cs typeface="Times New Roman"/>
+            </a:endParaRPr>
+          </a:p>
+          <a:p>
+            <a:pPr marL="0" indent="0">
+              <a:buNone/>
+            </a:pPr>
+            <a:r>
+              <a:rPr lang="en-US" sz="2400" b="1" dirty="0">
+                <a:solidFill>
+                  <a:schemeClr val="accent2">
+                    <a:lumMod val="75000"/>
+                  </a:schemeClr>
+                </a:solidFill>
+                <a:latin typeface="Times New Roman"/>
+                <a:cs typeface="Times New Roman"/>
+              </a:rPr>
+              <a:t>2. Judge Fixed Effects </a:t>
+            </a:r>
+            <a:r>
+              <a:rPr lang="en-US" sz="2400" dirty="0">
+                <a:latin typeface="Times New Roman"/>
+                <a:cs typeface="Times New Roman"/>
+              </a:rPr>
+              <a:t>(also called leniency designs)</a:t>
+            </a:r>
+            <a:endParaRPr lang="en-US" sz="2400" dirty="0"/>
+          </a:p>
+          <a:p>
+            <a:pPr lvl="1">
+              <a:buFont typeface="Wingdings 2"/>
+              <a:buChar char=""/>
+            </a:pPr>
+            <a:r>
+              <a:rPr lang="en-US" sz="2400" dirty="0">
+                <a:latin typeface="Times New Roman"/>
+                <a:cs typeface="Times New Roman"/>
+              </a:rPr>
+              <a:t>Narrow pipeline through which all individuals must pass</a:t>
+            </a:r>
+          </a:p>
+          <a:p>
+            <a:pPr lvl="1">
+              <a:buFont typeface="Wingdings 2"/>
+              <a:buChar char=""/>
+            </a:pPr>
+            <a:r>
+              <a:rPr lang="en-US" sz="2400" dirty="0">
+                <a:latin typeface="Times New Roman"/>
+                <a:cs typeface="Times New Roman"/>
+              </a:rPr>
+              <a:t>Individuals are randomly assigned a decision-maker </a:t>
+            </a:r>
+          </a:p>
+          <a:p>
+            <a:pPr lvl="1">
+              <a:buFont typeface="Wingdings 2"/>
+              <a:buChar char=""/>
+            </a:pPr>
+            <a:r>
+              <a:rPr lang="en-US" sz="2400" dirty="0">
+                <a:latin typeface="Times New Roman"/>
+                <a:cs typeface="Times New Roman"/>
+              </a:rPr>
+              <a:t>Decision-maker has discretion over final outcome</a:t>
+            </a:r>
+            <a:endParaRPr lang="en-US" sz="2400" dirty="0"/>
+          </a:p>
+          <a:p>
+            <a:pPr indent="0">
+              <a:buFont typeface="Arial"/>
+              <a:buChar char="•"/>
+            </a:pPr>
+            <a:r>
+              <a:rPr lang="en-US" sz="2400" spc="0" dirty="0">
+                <a:solidFill>
+                  <a:srgbClr val="262626"/>
+                </a:solidFill>
+                <a:latin typeface="Times New Roman"/>
+                <a:cs typeface="Times New Roman"/>
+              </a:rPr>
+              <a:t>Then, random "judge" assignment can be used to instrument for outcomes </a:t>
+            </a:r>
+            <a:endParaRPr lang="en-US" sz="2400" spc="0" dirty="0">
+              <a:solidFill>
+                <a:srgbClr val="262626"/>
+              </a:solidFill>
+              <a:cs typeface="Times New Roman"/>
+            </a:endParaRPr>
+          </a:p>
+          <a:p>
+            <a:pPr indent="0">
+              <a:buFont typeface="Arial"/>
+              <a:buChar char="•"/>
+            </a:pPr>
+            <a:r>
+              <a:rPr lang="en-US" sz="2400" spc="0" dirty="0">
+                <a:solidFill>
+                  <a:srgbClr val="262626"/>
+                </a:solidFill>
+                <a:latin typeface="Times New Roman"/>
+                <a:cs typeface="Times New Roman"/>
+              </a:rPr>
+              <a:t>What are some health policy examples of this? Are they valid? </a:t>
+            </a:r>
+            <a:endParaRPr lang="en-US" sz="2400" spc="0" dirty="0">
+              <a:cs typeface="Times New Roman"/>
+            </a:endParaRPr>
+          </a:p>
+          <a:p>
+            <a:pPr indent="0">
+              <a:buFont typeface="Arial"/>
+              <a:buChar char="•"/>
+            </a:pPr>
+            <a:r>
+              <a:rPr lang="en-US" sz="2400" spc="0" dirty="0" err="1">
+                <a:solidFill>
+                  <a:srgbClr val="262626"/>
+                </a:solidFill>
+                <a:latin typeface="Times New Roman"/>
+                <a:cs typeface="Times New Roman"/>
+              </a:rPr>
+              <a:t>Bakx</a:t>
+            </a:r>
+            <a:r>
+              <a:rPr lang="en-US" sz="2400" spc="0" dirty="0">
+                <a:solidFill>
+                  <a:srgbClr val="262626"/>
+                </a:solidFill>
+                <a:latin typeface="Times New Roman"/>
+                <a:cs typeface="Times New Roman"/>
+              </a:rPr>
+              <a:t>, </a:t>
+            </a:r>
+            <a:r>
+              <a:rPr lang="en-US" sz="2400" spc="0" dirty="0" err="1">
+                <a:solidFill>
+                  <a:srgbClr val="262626"/>
+                </a:solidFill>
+                <a:latin typeface="Times New Roman"/>
+                <a:cs typeface="Times New Roman"/>
+              </a:rPr>
+              <a:t>Wouterse</a:t>
+            </a:r>
+            <a:r>
+              <a:rPr lang="en-US" sz="2400" spc="0" dirty="0">
+                <a:solidFill>
+                  <a:srgbClr val="262626"/>
+                </a:solidFill>
+                <a:latin typeface="Times New Roman"/>
+                <a:cs typeface="Times New Roman"/>
+              </a:rPr>
+              <a:t>, van Doorslaer, and Wong (2020, </a:t>
+            </a:r>
+            <a:r>
+              <a:rPr lang="en-US" sz="2400" i="1" spc="0" dirty="0">
+                <a:solidFill>
+                  <a:srgbClr val="262626"/>
+                </a:solidFill>
+                <a:latin typeface="Times New Roman"/>
+                <a:cs typeface="Times New Roman"/>
+              </a:rPr>
+              <a:t>JHE</a:t>
+            </a:r>
+            <a:r>
+              <a:rPr lang="en-US" sz="2400" spc="0" dirty="0">
+                <a:solidFill>
+                  <a:srgbClr val="262626"/>
+                </a:solidFill>
+                <a:latin typeface="Times New Roman"/>
+                <a:cs typeface="Times New Roman"/>
+              </a:rPr>
+              <a:t>): "</a:t>
+            </a:r>
+            <a:r>
+              <a:rPr lang="en-US" sz="2400" spc="0" dirty="0">
+                <a:latin typeface="Times New Roman"/>
+                <a:cs typeface="Times New Roman"/>
+                <a:hlinkClick r:id="rId4"/>
+              </a:rPr>
+              <a:t>Better off at home? Effects of nursing home eligibility on costs, hospitalizations and survival</a:t>
+            </a:r>
+            <a:r>
+              <a:rPr lang="en-US" sz="2400" spc="0" dirty="0">
+                <a:latin typeface="Times New Roman"/>
+                <a:cs typeface="Times New Roman"/>
+              </a:rPr>
+              <a:t>"</a:t>
+            </a:r>
+            <a:endParaRPr lang="en-US" sz="2400" spc="0" dirty="0">
+              <a:solidFill>
+                <a:srgbClr val="262626"/>
+              </a:solidFill>
+              <a:cs typeface="Times New Roman"/>
+            </a:endParaRPr>
+          </a:p>
+          <a:p>
+            <a:pPr lvl="1">
+              <a:buFont typeface="Wingdings 2"/>
+              <a:buChar char=""/>
+            </a:pPr>
+            <a:endParaRPr lang="en-US" sz="2400" dirty="0">
+              <a:cs typeface="Times New Roman"/>
+            </a:endParaRPr>
+          </a:p>
+          <a:p>
+            <a:pPr lvl="1">
+              <a:buFont typeface="Wingdings 2"/>
+              <a:buChar char=""/>
+            </a:pPr>
+            <a:endParaRPr lang="en-US" sz="2400" dirty="0">
+              <a:cs typeface="Times New Roman"/>
+            </a:endParaRPr>
+          </a:p>
+        </p:txBody>
+      </p:sp>
+      <p:sp>
+        <p:nvSpPr>
+          <p:cNvPr id="5" name="Title 1">
+            <a:extLst>
+              <a:ext uri="{FF2B5EF4-FFF2-40B4-BE49-F238E27FC236}">
+                <a16:creationId xmlns:a16="http://schemas.microsoft.com/office/drawing/2014/main" id="{EF3111ED-61A2-2123-0D2A-EFDD981A07C2}"/>
+              </a:ext>
+            </a:extLst>
+          </p:cNvPr>
+          <p:cNvSpPr txBox="1">
+            <a:spLocks/>
+          </p:cNvSpPr>
+          <p:nvPr/>
+        </p:nvSpPr>
+        <p:spPr>
+          <a:xfrm>
+            <a:off x="609600" y="337392"/>
+            <a:ext cx="10439400" cy="624840"/>
+          </a:xfrm>
+          <a:prstGeom prst="rect">
+            <a:avLst/>
+          </a:prstGeom>
+        </p:spPr>
+        <p:txBody>
+          <a:bodyPr vert="horz" lIns="91440" tIns="45720" rIns="91440" bIns="45720" rtlCol="0" anchor="b">
+            <a:noAutofit/>
+          </a:bodyPr>
+          <a:lstStyle>
+            <a:lvl1pPr algn="l" defTabSz="914400" rtl="0" eaLnBrk="1" latinLnBrk="0" hangingPunct="1">
+              <a:lnSpc>
+                <a:spcPct val="90000"/>
+              </a:lnSpc>
+              <a:spcBef>
+                <a:spcPct val="0"/>
+              </a:spcBef>
+              <a:buNone/>
+              <a:defRPr sz="4400" kern="1200" spc="-50" baseline="0">
+                <a:solidFill>
+                  <a:schemeClr val="tx1"/>
+                </a:solidFill>
+                <a:latin typeface="Times New Roman" panose="02020603050405020304" pitchFamily="18" charset="0"/>
+                <a:ea typeface="+mj-ea"/>
+                <a:cs typeface="+mj-cs"/>
+              </a:defRPr>
+            </a:lvl1pPr>
+          </a:lstStyle>
+          <a:p>
+            <a:r>
+              <a:rPr lang="en-US" sz="3600" dirty="0">
+                <a:latin typeface="Times New Roman"/>
+                <a:cs typeface="Times New Roman"/>
+              </a:rPr>
+              <a:t>Other Example Papers and Instruments</a:t>
+            </a:r>
+          </a:p>
+        </p:txBody>
+      </p:sp>
+    </p:spTree>
+    <p:extLst>
+      <p:ext uri="{BB962C8B-B14F-4D97-AF65-F5344CB8AC3E}">
+        <p14:creationId xmlns:p14="http://schemas.microsoft.com/office/powerpoint/2010/main" val="3154405288"/>
+      </p:ext>
+    </p:extLst>
+  </p:cSld>
+  <p:clrMapOvr>
+    <a:masterClrMapping/>
+  </p:clrMapOvr>
+</p:sld>
+</file>
+
+<file path=ppt/slides/slide63.xml><?xml version="1.0" encoding="utf-8"?>
+<p:sld xmlns:a="http://schemas.openxmlformats.org/drawingml/2006/main" xmlns:r="http://schemas.openxmlformats.org/officeDocument/2006/relationships" xmlns:p="http://schemas.openxmlformats.org/presentationml/2006/main">
+  <p:cSld>
+    <p:spTree>
+      <p:nvGrpSpPr>
+        <p:cNvPr id="1" name=""/>
+        <p:cNvGrpSpPr/>
+        <p:nvPr/>
+      </p:nvGrpSpPr>
+      <p:grpSpPr>
+        <a:xfrm>
+          <a:off x="0" y="0"/>
+          <a:ext cx="0" cy="0"/>
+          <a:chOff x="0" y="0"/>
+          <a:chExt cx="0" cy="0"/>
+        </a:xfrm>
+      </p:grpSpPr>
+      <p:sp>
+        <p:nvSpPr>
+          <p:cNvPr id="3" name="Content Placeholder 2">
+            <a:extLst>
+              <a:ext uri="{FF2B5EF4-FFF2-40B4-BE49-F238E27FC236}">
+                <a16:creationId xmlns:a16="http://schemas.microsoft.com/office/drawing/2014/main" id="{8BFAC18E-4064-A1FE-C1EB-5D23F1DFAD23}"/>
+              </a:ext>
+            </a:extLst>
+          </p:cNvPr>
+          <p:cNvSpPr>
+            <a:spLocks noGrp="1"/>
+          </p:cNvSpPr>
+          <p:nvPr>
+            <p:ph idx="1"/>
+          </p:nvPr>
+        </p:nvSpPr>
+        <p:spPr>
+          <a:xfrm>
+            <a:off x="914400" y="1119952"/>
+            <a:ext cx="9984829" cy="5357048"/>
+          </a:xfrm>
+        </p:spPr>
+        <p:txBody>
+          <a:bodyPr vert="horz" lIns="91440" tIns="45720" rIns="91440" bIns="45720" rtlCol="0" anchor="t">
+            <a:normAutofit/>
+          </a:bodyPr>
+          <a:lstStyle/>
+          <a:p>
+            <a:r>
+              <a:rPr lang="en-US" sz="2400" dirty="0">
+                <a:latin typeface="Times New Roman"/>
+                <a:cs typeface="Times New Roman"/>
+                <a:hlinkClick r:id="rId3"/>
+              </a:rPr>
+              <a:t>The Effect of Evictions on Opioid Mortality</a:t>
+            </a:r>
+            <a:r>
+              <a:rPr lang="en-US" sz="2400" dirty="0">
+                <a:latin typeface="Times New Roman"/>
+                <a:cs typeface="Times New Roman"/>
+              </a:rPr>
+              <a:t> (Bradford and Bradford, </a:t>
+            </a:r>
+            <a:r>
+              <a:rPr lang="en-US" sz="2400" i="1" dirty="0">
+                <a:latin typeface="Times New Roman"/>
+                <a:cs typeface="Times New Roman"/>
+              </a:rPr>
+              <a:t>Health Services Research </a:t>
+            </a:r>
+            <a:r>
+              <a:rPr lang="en-US" sz="2400" dirty="0">
+                <a:latin typeface="Times New Roman"/>
+                <a:cs typeface="Times New Roman"/>
+              </a:rPr>
+              <a:t>2020)</a:t>
+            </a:r>
+          </a:p>
+          <a:p>
+            <a:pPr marL="0" indent="0">
+              <a:buNone/>
+            </a:pPr>
+            <a:r>
+              <a:rPr lang="en-US" sz="2400" dirty="0">
+                <a:latin typeface="Times New Roman"/>
+                <a:cs typeface="Times New Roman"/>
+              </a:rPr>
+              <a:t>Other popular (and more generalizable) IV approaches: </a:t>
+            </a:r>
+            <a:endParaRPr lang="en-US" sz="2400" dirty="0">
+              <a:solidFill>
+                <a:srgbClr val="000000"/>
+              </a:solidFill>
+              <a:latin typeface="Times New Roman"/>
+              <a:cs typeface="Times New Roman"/>
+            </a:endParaRPr>
+          </a:p>
+          <a:p>
+            <a:pPr marL="0" indent="0">
+              <a:buNone/>
+            </a:pPr>
+            <a:r>
+              <a:rPr lang="en-US" sz="2400" b="1" dirty="0">
+                <a:solidFill>
+                  <a:schemeClr val="accent2">
+                    <a:lumMod val="75000"/>
+                  </a:schemeClr>
+                </a:solidFill>
+                <a:latin typeface="Times New Roman"/>
+                <a:cs typeface="Times New Roman"/>
+              </a:rPr>
+              <a:t>3. Bartik/Shift-Share Instruments</a:t>
+            </a:r>
+            <a:endParaRPr lang="en-US" sz="2400" dirty="0">
+              <a:solidFill>
+                <a:schemeClr val="accent2">
+                  <a:lumMod val="75000"/>
+                </a:schemeClr>
+              </a:solidFill>
+              <a:cs typeface="Times New Roman" panose="02020603050405020304" pitchFamily="18" charset="0"/>
+            </a:endParaRPr>
+          </a:p>
+          <a:p>
+            <a:pPr marL="342900" indent="-342900"/>
+            <a:r>
+              <a:rPr lang="en-US" sz="2400" spc="0" dirty="0">
+                <a:solidFill>
+                  <a:srgbClr val="262626"/>
+                </a:solidFill>
+                <a:latin typeface="Times New Roman"/>
+                <a:cs typeface="Times New Roman"/>
+              </a:rPr>
+              <a:t>A type of instrument which </a:t>
+            </a:r>
+            <a:r>
+              <a:rPr lang="en-US" sz="2400" spc="0" dirty="0">
+                <a:latin typeface="Times New Roman"/>
+                <a:cs typeface="Times New Roman"/>
+              </a:rPr>
+              <a:t>measures change in a region’s labor demand due to changes in the national demand for different industries’ products</a:t>
+            </a:r>
+            <a:r>
+              <a:rPr lang="en-US" sz="2400" spc="0" dirty="0">
+                <a:solidFill>
+                  <a:srgbClr val="262626"/>
+                </a:solidFill>
+                <a:latin typeface="Times New Roman"/>
+                <a:cs typeface="Times New Roman"/>
+              </a:rPr>
+              <a:t> </a:t>
+            </a:r>
+            <a:endParaRPr lang="en-US" sz="2400" spc="0" dirty="0">
+              <a:cs typeface="Times New Roman"/>
+            </a:endParaRPr>
+          </a:p>
+          <a:p>
+            <a:pPr marL="342900" indent="-342900"/>
+            <a:r>
+              <a:rPr lang="en-US" sz="2400" spc="0" dirty="0">
+                <a:latin typeface="Times New Roman"/>
+                <a:cs typeface="Times New Roman"/>
+              </a:rPr>
+              <a:t>Created by interacting initial “shares” of geographic regions with national growth rates (in immigration, manufacturing employment, etc.)</a:t>
+            </a:r>
+          </a:p>
+          <a:p>
+            <a:pPr marL="342900" indent="-342900"/>
+            <a:r>
+              <a:rPr lang="en-US" sz="2400" spc="0" dirty="0">
+                <a:solidFill>
+                  <a:srgbClr val="000000"/>
+                </a:solidFill>
+                <a:latin typeface="Times New Roman"/>
+                <a:cs typeface="Times New Roman"/>
+              </a:rPr>
+              <a:t>Example: Currie, </a:t>
+            </a:r>
+            <a:r>
+              <a:rPr lang="en-US" sz="2400" spc="0" dirty="0" err="1">
+                <a:solidFill>
+                  <a:srgbClr val="000000"/>
+                </a:solidFill>
+                <a:latin typeface="Times New Roman"/>
+                <a:cs typeface="Times New Roman"/>
+              </a:rPr>
+              <a:t>Jin</a:t>
+            </a:r>
+            <a:r>
+              <a:rPr lang="en-US" sz="2400" spc="0" dirty="0">
+                <a:solidFill>
+                  <a:srgbClr val="000000"/>
+                </a:solidFill>
+                <a:latin typeface="Times New Roman"/>
+                <a:cs typeface="Times New Roman"/>
+              </a:rPr>
+              <a:t>, and Schnell (2019): "</a:t>
+            </a:r>
+            <a:r>
+              <a:rPr lang="en-US" sz="2400" spc="0" dirty="0">
+                <a:solidFill>
+                  <a:srgbClr val="000000"/>
+                </a:solidFill>
+                <a:latin typeface="Times New Roman"/>
+                <a:cs typeface="Times New Roman"/>
+                <a:hlinkClick r:id="rId4"/>
+              </a:rPr>
+              <a:t>U.S. Employment and Opioids: Is there a Connection?</a:t>
+            </a:r>
+            <a:r>
+              <a:rPr lang="en-US" sz="2400" spc="0" dirty="0">
+                <a:solidFill>
+                  <a:srgbClr val="000000"/>
+                </a:solidFill>
+                <a:latin typeface="Times New Roman"/>
+                <a:cs typeface="Times New Roman"/>
+              </a:rPr>
+              <a:t>," Working paper.  </a:t>
+            </a:r>
+            <a:endParaRPr lang="en-US" sz="2400" spc="0" dirty="0">
+              <a:solidFill>
+                <a:srgbClr val="000000"/>
+              </a:solidFill>
+              <a:cs typeface="Times New Roman"/>
+            </a:endParaRPr>
+          </a:p>
+          <a:p>
+            <a:pPr lvl="1">
+              <a:buFont typeface="Wingdings 2"/>
+              <a:buChar char=""/>
+            </a:pPr>
+            <a:endParaRPr lang="en-US" sz="2400" dirty="0">
+              <a:cs typeface="Times New Roman"/>
+            </a:endParaRPr>
+          </a:p>
+          <a:p>
+            <a:pPr lvl="1">
+              <a:buFont typeface="Wingdings 2"/>
+              <a:buChar char=""/>
+            </a:pPr>
+            <a:endParaRPr lang="en-US" sz="2400" dirty="0">
+              <a:cs typeface="Times New Roman"/>
+            </a:endParaRPr>
+          </a:p>
+        </p:txBody>
+      </p:sp>
+      <p:sp>
+        <p:nvSpPr>
+          <p:cNvPr id="5" name="Title 1">
+            <a:extLst>
+              <a:ext uri="{FF2B5EF4-FFF2-40B4-BE49-F238E27FC236}">
+                <a16:creationId xmlns:a16="http://schemas.microsoft.com/office/drawing/2014/main" id="{EF3111ED-61A2-2123-0D2A-EFDD981A07C2}"/>
+              </a:ext>
+            </a:extLst>
+          </p:cNvPr>
+          <p:cNvSpPr txBox="1">
+            <a:spLocks/>
+          </p:cNvSpPr>
+          <p:nvPr/>
+        </p:nvSpPr>
+        <p:spPr>
+          <a:xfrm>
+            <a:off x="609600" y="337392"/>
+            <a:ext cx="10439400" cy="624840"/>
+          </a:xfrm>
+          <a:prstGeom prst="rect">
+            <a:avLst/>
+          </a:prstGeom>
+        </p:spPr>
+        <p:txBody>
+          <a:bodyPr vert="horz" lIns="91440" tIns="45720" rIns="91440" bIns="45720" rtlCol="0" anchor="b">
+            <a:noAutofit/>
+          </a:bodyPr>
+          <a:lstStyle>
+            <a:lvl1pPr algn="l" defTabSz="914400" rtl="0" eaLnBrk="1" latinLnBrk="0" hangingPunct="1">
+              <a:lnSpc>
+                <a:spcPct val="90000"/>
+              </a:lnSpc>
+              <a:spcBef>
+                <a:spcPct val="0"/>
+              </a:spcBef>
+              <a:buNone/>
+              <a:defRPr sz="4400" kern="1200" spc="-50" baseline="0">
+                <a:solidFill>
+                  <a:schemeClr val="tx1"/>
+                </a:solidFill>
+                <a:latin typeface="Times New Roman" panose="02020603050405020304" pitchFamily="18" charset="0"/>
+                <a:ea typeface="+mj-ea"/>
+                <a:cs typeface="+mj-cs"/>
+              </a:defRPr>
+            </a:lvl1pPr>
+          </a:lstStyle>
+          <a:p>
+            <a:r>
+              <a:rPr lang="en-US" sz="3600" dirty="0">
+                <a:latin typeface="Times New Roman"/>
+                <a:cs typeface="Times New Roman"/>
+              </a:rPr>
+              <a:t>Other Example Papers and Instruments</a:t>
+            </a:r>
+          </a:p>
+        </p:txBody>
+      </p:sp>
+    </p:spTree>
+    <p:extLst>
+      <p:ext uri="{BB962C8B-B14F-4D97-AF65-F5344CB8AC3E}">
+        <p14:creationId xmlns:p14="http://schemas.microsoft.com/office/powerpoint/2010/main" val="1968440818"/>
+      </p:ext>
+    </p:extLst>
+  </p:cSld>
+  <p:clrMapOvr>
+    <a:masterClrMapping/>
+  </p:clrMapOvr>
+</p:sld>
+</file>
+
+<file path=ppt/slides/slide64.xml><?xml version="1.0" encoding="utf-8"?>
+<p:sld xmlns:a="http://schemas.openxmlformats.org/drawingml/2006/main" xmlns:r="http://schemas.openxmlformats.org/officeDocument/2006/relationships" xmlns:p="http://schemas.openxmlformats.org/presentationml/2006/main">
+  <p:cSld>
+    <p:spTree>
+      <p:nvGrpSpPr>
+        <p:cNvPr id="1" name=""/>
+        <p:cNvGrpSpPr/>
+        <p:nvPr/>
+      </p:nvGrpSpPr>
+      <p:grpSpPr>
+        <a:xfrm>
+          <a:off x="0" y="0"/>
+          <a:ext cx="0" cy="0"/>
+          <a:chOff x="0" y="0"/>
+          <a:chExt cx="0" cy="0"/>
+        </a:xfrm>
+      </p:grpSpPr>
+      <p:sp>
+        <p:nvSpPr>
+          <p:cNvPr id="3" name="Content Placeholder 2">
+            <a:extLst>
+              <a:ext uri="{FF2B5EF4-FFF2-40B4-BE49-F238E27FC236}">
+                <a16:creationId xmlns:a16="http://schemas.microsoft.com/office/drawing/2014/main" id="{8BFAC18E-4064-A1FE-C1EB-5D23F1DFAD23}"/>
+              </a:ext>
+            </a:extLst>
+          </p:cNvPr>
+          <p:cNvSpPr>
+            <a:spLocks noGrp="1"/>
+          </p:cNvSpPr>
+          <p:nvPr>
+            <p:ph idx="1"/>
+          </p:nvPr>
+        </p:nvSpPr>
+        <p:spPr>
+          <a:xfrm>
+            <a:off x="914400" y="1119952"/>
+            <a:ext cx="9984829" cy="5357048"/>
+          </a:xfrm>
+        </p:spPr>
+        <p:txBody>
+          <a:bodyPr vert="horz" lIns="91440" tIns="45720" rIns="91440" bIns="45720" rtlCol="0" anchor="t">
+            <a:normAutofit/>
+          </a:bodyPr>
+          <a:lstStyle/>
+          <a:p>
+            <a:r>
+              <a:rPr lang="en-US" sz="2400" dirty="0">
+                <a:latin typeface="Times New Roman"/>
+                <a:cs typeface="Times New Roman"/>
+              </a:rPr>
+              <a:t>IV is a powerful design when data suffer from selection on </a:t>
+            </a:r>
+            <a:r>
+              <a:rPr lang="en-US" sz="2400" dirty="0" err="1">
+                <a:latin typeface="Times New Roman"/>
+                <a:cs typeface="Times New Roman"/>
+              </a:rPr>
+              <a:t>unobservables</a:t>
+            </a:r>
+            <a:r>
+              <a:rPr lang="en-US" sz="2400" dirty="0">
+                <a:latin typeface="Times New Roman"/>
+                <a:cs typeface="Times New Roman"/>
+              </a:rPr>
+              <a:t>.</a:t>
+            </a:r>
+          </a:p>
+          <a:p>
+            <a:r>
+              <a:rPr lang="en-US" sz="2400" dirty="0">
+                <a:latin typeface="Times New Roman"/>
+                <a:cs typeface="Times New Roman"/>
+              </a:rPr>
+              <a:t>Good front door approach! </a:t>
+            </a:r>
+          </a:p>
+          <a:p>
+            <a:r>
+              <a:rPr lang="en-US" sz="2400" dirty="0">
+                <a:latin typeface="Times New Roman"/>
+                <a:cs typeface="Times New Roman"/>
+              </a:rPr>
+              <a:t>Has limitations: </a:t>
+            </a:r>
+          </a:p>
+          <a:p>
+            <a:pPr lvl="1"/>
+            <a:r>
+              <a:rPr lang="en-US" sz="2400" dirty="0">
+                <a:latin typeface="Times New Roman"/>
+                <a:cs typeface="Times New Roman"/>
+              </a:rPr>
+              <a:t>First, it only identifies the LATE, which may or may not be policy relevant</a:t>
+            </a:r>
+            <a:endParaRPr lang="en-US" sz="2400" dirty="0">
+              <a:solidFill>
+                <a:srgbClr val="000000"/>
+              </a:solidFill>
+              <a:latin typeface="Times New Roman"/>
+              <a:cs typeface="Times New Roman"/>
+            </a:endParaRPr>
+          </a:p>
+          <a:p>
+            <a:pPr lvl="1"/>
+            <a:r>
+              <a:rPr lang="en-US" sz="2400" dirty="0">
+                <a:latin typeface="Times New Roman"/>
+                <a:cs typeface="Times New Roman"/>
+              </a:rPr>
+              <a:t>IV has up to five (untestable) assumptions! </a:t>
+            </a:r>
+            <a:endParaRPr lang="en-US" sz="2400" dirty="0">
+              <a:solidFill>
+                <a:srgbClr val="000000"/>
+              </a:solidFill>
+              <a:latin typeface="Times New Roman"/>
+              <a:cs typeface="Times New Roman"/>
+            </a:endParaRPr>
+          </a:p>
+          <a:p>
+            <a:pPr lvl="1"/>
+            <a:r>
+              <a:rPr lang="en-US" sz="2400" dirty="0">
+                <a:latin typeface="Times New Roman"/>
+                <a:cs typeface="Times New Roman"/>
+              </a:rPr>
+              <a:t>IV tends to be less credible generally (too many unknowns)</a:t>
+            </a:r>
+          </a:p>
+          <a:p>
+            <a:pPr>
+              <a:buFont typeface="Arial" pitchFamily="18" charset="2"/>
+              <a:buChar char="•"/>
+            </a:pPr>
+            <a:r>
+              <a:rPr lang="en-US" sz="2400" dirty="0">
+                <a:latin typeface="Times New Roman"/>
+                <a:cs typeface="Times New Roman"/>
+              </a:rPr>
+              <a:t>But IV is an important strategy and sometimes the opportunity to use it will come along! </a:t>
+            </a:r>
+            <a:endParaRPr lang="en-US" sz="2400" spc="0" dirty="0">
+              <a:latin typeface="Times New Roman"/>
+              <a:cs typeface="Times New Roman"/>
+            </a:endParaRPr>
+          </a:p>
+          <a:p>
+            <a:pPr>
+              <a:buFont typeface="Arial" pitchFamily="18" charset="2"/>
+              <a:buChar char="•"/>
+            </a:pPr>
+            <a:r>
+              <a:rPr lang="en-US" sz="2400" dirty="0">
+                <a:latin typeface="Times New Roman"/>
+                <a:cs typeface="Times New Roman"/>
+              </a:rPr>
+              <a:t>Build in-depth knowledge of institutional details -- familiarity is how you find instruments!</a:t>
+            </a:r>
+            <a:endParaRPr lang="en-US" sz="2400" dirty="0">
+              <a:solidFill>
+                <a:srgbClr val="000000"/>
+              </a:solidFill>
+              <a:cs typeface="Times New Roman"/>
+            </a:endParaRPr>
+          </a:p>
+          <a:p>
+            <a:pPr lvl="1">
+              <a:buFont typeface="Wingdings 2"/>
+              <a:buChar char=""/>
+            </a:pPr>
+            <a:endParaRPr lang="en-US" sz="2400" dirty="0">
+              <a:solidFill>
+                <a:srgbClr val="262626"/>
+              </a:solidFill>
+              <a:cs typeface="Times New Roman"/>
+            </a:endParaRPr>
+          </a:p>
+          <a:p>
+            <a:pPr lvl="1">
+              <a:buFont typeface="Wingdings 2"/>
+              <a:buChar char=""/>
+            </a:pPr>
+            <a:endParaRPr lang="en-US" sz="2400" dirty="0">
+              <a:cs typeface="Times New Roman"/>
+            </a:endParaRPr>
+          </a:p>
+        </p:txBody>
+      </p:sp>
+      <p:sp>
+        <p:nvSpPr>
+          <p:cNvPr id="5" name="Title 1">
+            <a:extLst>
+              <a:ext uri="{FF2B5EF4-FFF2-40B4-BE49-F238E27FC236}">
+                <a16:creationId xmlns:a16="http://schemas.microsoft.com/office/drawing/2014/main" id="{EF3111ED-61A2-2123-0D2A-EFDD981A07C2}"/>
+              </a:ext>
+            </a:extLst>
+          </p:cNvPr>
+          <p:cNvSpPr txBox="1">
+            <a:spLocks/>
+          </p:cNvSpPr>
+          <p:nvPr/>
+        </p:nvSpPr>
+        <p:spPr>
+          <a:xfrm>
+            <a:off x="609600" y="337392"/>
+            <a:ext cx="10439400" cy="624840"/>
+          </a:xfrm>
+          <a:prstGeom prst="rect">
+            <a:avLst/>
+          </a:prstGeom>
+        </p:spPr>
+        <p:txBody>
+          <a:bodyPr vert="horz" lIns="91440" tIns="45720" rIns="91440" bIns="45720" rtlCol="0" anchor="b">
+            <a:noAutofit/>
+          </a:bodyPr>
+          <a:lstStyle>
+            <a:lvl1pPr algn="l" defTabSz="914400" rtl="0" eaLnBrk="1" latinLnBrk="0" hangingPunct="1">
+              <a:lnSpc>
+                <a:spcPct val="90000"/>
+              </a:lnSpc>
+              <a:spcBef>
+                <a:spcPct val="0"/>
+              </a:spcBef>
+              <a:buNone/>
+              <a:defRPr sz="4400" kern="1200" spc="-50" baseline="0">
+                <a:solidFill>
+                  <a:schemeClr val="tx1"/>
+                </a:solidFill>
+                <a:latin typeface="Times New Roman" panose="02020603050405020304" pitchFamily="18" charset="0"/>
+                <a:ea typeface="+mj-ea"/>
+                <a:cs typeface="+mj-cs"/>
+              </a:defRPr>
+            </a:lvl1pPr>
+          </a:lstStyle>
+          <a:p>
+            <a:r>
+              <a:rPr lang="en-US" sz="3600" dirty="0">
+                <a:latin typeface="Times New Roman"/>
+                <a:cs typeface="Times New Roman"/>
+              </a:rPr>
+              <a:t>Conclusion</a:t>
+            </a:r>
+            <a:endParaRPr lang="en-US" dirty="0"/>
+          </a:p>
+        </p:txBody>
+      </p:sp>
+    </p:spTree>
+    <p:extLst>
+      <p:ext uri="{BB962C8B-B14F-4D97-AF65-F5344CB8AC3E}">
+        <p14:creationId xmlns:p14="http://schemas.microsoft.com/office/powerpoint/2010/main" val="171047799"/>
       </p:ext>
     </p:extLst>
   </p:cSld>

--- a/Lecture06_IV/Lecture6_IVEstimation_2022F.pptx
+++ b/Lecture06_IV/Lecture6_IVEstimation_2022F.pptx
@@ -5,7 +5,7 @@
     <p:sldMasterId id="2147483738" r:id="rId1"/>
   </p:sldMasterIdLst>
   <p:notesMasterIdLst>
-    <p:notesMasterId r:id="rId66"/>
+    <p:notesMasterId r:id="rId67"/>
   </p:notesMasterIdLst>
   <p:sldIdLst>
     <p:sldId id="256" r:id="rId2"/>
@@ -49,29 +49,30 @@
     <p:sldId id="505" r:id="rId40"/>
     <p:sldId id="484" r:id="rId41"/>
     <p:sldId id="518" r:id="rId42"/>
-    <p:sldId id="486" r:id="rId43"/>
-    <p:sldId id="487" r:id="rId44"/>
-    <p:sldId id="496" r:id="rId45"/>
-    <p:sldId id="485" r:id="rId46"/>
-    <p:sldId id="519" r:id="rId47"/>
-    <p:sldId id="497" r:id="rId48"/>
-    <p:sldId id="503" r:id="rId49"/>
-    <p:sldId id="504" r:id="rId50"/>
-    <p:sldId id="529" r:id="rId51"/>
-    <p:sldId id="530" r:id="rId52"/>
-    <p:sldId id="483" r:id="rId53"/>
-    <p:sldId id="531" r:id="rId54"/>
-    <p:sldId id="500" r:id="rId55"/>
-    <p:sldId id="525" r:id="rId56"/>
-    <p:sldId id="501" r:id="rId57"/>
-    <p:sldId id="502" r:id="rId58"/>
-    <p:sldId id="498" r:id="rId59"/>
-    <p:sldId id="513" r:id="rId60"/>
-    <p:sldId id="489" r:id="rId61"/>
-    <p:sldId id="507" r:id="rId62"/>
-    <p:sldId id="510" r:id="rId63"/>
-    <p:sldId id="511" r:id="rId64"/>
-    <p:sldId id="512" r:id="rId65"/>
+    <p:sldId id="532" r:id="rId43"/>
+    <p:sldId id="486" r:id="rId44"/>
+    <p:sldId id="487" r:id="rId45"/>
+    <p:sldId id="496" r:id="rId46"/>
+    <p:sldId id="485" r:id="rId47"/>
+    <p:sldId id="519" r:id="rId48"/>
+    <p:sldId id="497" r:id="rId49"/>
+    <p:sldId id="503" r:id="rId50"/>
+    <p:sldId id="504" r:id="rId51"/>
+    <p:sldId id="529" r:id="rId52"/>
+    <p:sldId id="530" r:id="rId53"/>
+    <p:sldId id="483" r:id="rId54"/>
+    <p:sldId id="531" r:id="rId55"/>
+    <p:sldId id="500" r:id="rId56"/>
+    <p:sldId id="525" r:id="rId57"/>
+    <p:sldId id="501" r:id="rId58"/>
+    <p:sldId id="502" r:id="rId59"/>
+    <p:sldId id="498" r:id="rId60"/>
+    <p:sldId id="513" r:id="rId61"/>
+    <p:sldId id="489" r:id="rId62"/>
+    <p:sldId id="507" r:id="rId63"/>
+    <p:sldId id="510" r:id="rId64"/>
+    <p:sldId id="511" r:id="rId65"/>
+    <p:sldId id="512" r:id="rId66"/>
   </p:sldIdLst>
   <p:sldSz cx="12192000" cy="6858000"/>
   <p:notesSz cx="7010400" cy="9296400"/>
@@ -280,7 +281,7 @@
           <a:p>
             <a:fld id="{EF911157-0FC2-4F06-8D61-FD647FE4E19D}" type="datetimeFigureOut">
               <a:rPr lang="en-US" smtClean="0"/>
-              <a:t>9/6/2022</a:t>
+              <a:t>10/6/2022</a:t>
             </a:fld>
             <a:endParaRPr lang="en-US"/>
           </a:p>
@@ -3148,7 +3149,7 @@
           <a:p>
             <a:r>
               <a:rPr lang="en-US" dirty="0"/>
-              <a:t>See Felton and Stewart for what a weak IV can do, but basically exacerbates three problems: identification bias (parameter isn’t centered around truth), estimation bias (2SLS is “contaminated” by the confounding inherent in OLS, so 2SLS estimator gets “pulled” towards OLS estimator and away from truth), and Type M-error (publication bias – you have to have a super strong effect to have it show up significant with a weak IV; then, since insignificant estimates don’t get published, looking only at published work convinces you that the effect is *much* stronger than it really is)</a:t>
+              <a:t>You’ll have to talk about what an F stat is and how it relates to a t stat. See Felton and Stewart for what a weak IV can do, but basically exacerbates three problems: identification bias (parameter isn’t centered around truth), estimation bias (2SLS is “contaminated” by the confounding inherent in OLS, so 2SLS estimator gets “pulled” towards OLS estimator and away from truth), and Type M-error (publication bias – you have to have a super strong effect to have it show up significant with a weak IV; then, since insignificant estimates don’t get published, looking only at published work convinces you that the effect is *much* stronger than it really is)</a:t>
             </a:r>
           </a:p>
         </p:txBody>
@@ -3235,23 +3236,11 @@
           <a:p>
             <a:r>
               <a:rPr lang="en-US" dirty="0"/>
-              <a:t>You can show that Y depends on Z, but this doesn’t mean much because we want to know </a:t>
-            </a:r>
-            <a:r>
-              <a:rPr lang="en-US" b="1" dirty="0"/>
-              <a:t>how </a:t>
-            </a:r>
-            <a:r>
-              <a:rPr lang="en-US" b="0" dirty="0"/>
-              <a:t>it affects Y (e.g., only though </a:t>
-            </a:r>
-            <a:r>
-              <a:rPr lang="en-US" b="0" dirty="0" err="1"/>
-              <a:t>tX</a:t>
-            </a:r>
-            <a:r>
-              <a:rPr lang="en-US" b="0" dirty="0"/>
-              <a:t>) </a:t>
+              <a:t>This comes from Lee et al, just published in AER this month. Here’s a log scale of the F-stats for IV papers in top econ journals (note scale is log). Most (75%) are bigger than 10, but not a lot get up to the new standard (here it’s slightly different). Thankfully, there is research linking the t stat with the </a:t>
+            </a:r>
+            <a:r>
+              <a:rPr lang="en-US"/>
+              <a:t>F stat. </a:t>
             </a:r>
             <a:endParaRPr lang="en-US" dirty="0"/>
           </a:p>
@@ -3283,7 +3272,7 @@
     </p:spTree>
     <p:extLst>
       <p:ext uri="{BB962C8B-B14F-4D97-AF65-F5344CB8AC3E}">
-        <p14:creationId xmlns:p14="http://schemas.microsoft.com/office/powerpoint/2010/main" val="461974586"/>
+        <p14:creationId xmlns:p14="http://schemas.microsoft.com/office/powerpoint/2010/main" val="4093627696"/>
       </p:ext>
     </p:extLst>
   </p:cSld>
@@ -3337,6 +3326,26 @@
           <a:bodyPr/>
           <a:lstStyle/>
           <a:p>
+            <a:r>
+              <a:rPr lang="en-US" dirty="0"/>
+              <a:t>You can show that Y depends on Z, but this doesn’t mean much because we want to know </a:t>
+            </a:r>
+            <a:r>
+              <a:rPr lang="en-US" b="1" dirty="0"/>
+              <a:t>how </a:t>
+            </a:r>
+            <a:r>
+              <a:rPr lang="en-US" b="0" dirty="0"/>
+              <a:t>it affects Y (e.g., only though </a:t>
+            </a:r>
+            <a:r>
+              <a:rPr lang="en-US" b="0" dirty="0" err="1"/>
+              <a:t>tX</a:t>
+            </a:r>
+            <a:r>
+              <a:rPr lang="en-US" b="0" dirty="0"/>
+              <a:t>) </a:t>
+            </a:r>
             <a:endParaRPr lang="en-US" dirty="0"/>
           </a:p>
         </p:txBody>
@@ -3367,7 +3376,7 @@
     </p:spTree>
     <p:extLst>
       <p:ext uri="{BB962C8B-B14F-4D97-AF65-F5344CB8AC3E}">
-        <p14:creationId xmlns:p14="http://schemas.microsoft.com/office/powerpoint/2010/main" val="4195010645"/>
+        <p14:creationId xmlns:p14="http://schemas.microsoft.com/office/powerpoint/2010/main" val="461974586"/>
       </p:ext>
     </p:extLst>
   </p:cSld>
@@ -3421,20 +3430,6 @@
           <a:bodyPr/>
           <a:lstStyle/>
           <a:p>
-            <a:r>
-              <a:rPr lang="en-US" dirty="0">
-                <a:cs typeface="Calibri"/>
-              </a:rPr>
-              <a:t>Note: we might not think Z – A – Y is a problem typically, but when Z is an IV, this confounds the effect of X on Y and the effect of A on Y! Can just control for A and B in order to close these paths. </a:t>
-            </a:r>
-          </a:p>
-          <a:p>
-            <a:r>
-              <a:rPr lang="en-US" dirty="0">
-                <a:cs typeface="Calibri"/>
-              </a:rPr>
-              <a:t>Note 2: Controls should go in an IV regression as appropriate (not like matching)</a:t>
-            </a:r>
             <a:endParaRPr lang="en-US" dirty="0"/>
           </a:p>
         </p:txBody>
@@ -3465,7 +3460,7 @@
     </p:spTree>
     <p:extLst>
       <p:ext uri="{BB962C8B-B14F-4D97-AF65-F5344CB8AC3E}">
-        <p14:creationId xmlns:p14="http://schemas.microsoft.com/office/powerpoint/2010/main" val="4070532677"/>
+        <p14:creationId xmlns:p14="http://schemas.microsoft.com/office/powerpoint/2010/main" val="4195010645"/>
       </p:ext>
     </p:extLst>
   </p:cSld>
@@ -3523,7 +3518,15 @@
               <a:rPr lang="en-US" dirty="0">
                 <a:cs typeface="Calibri"/>
               </a:rPr>
-              <a:t>Instruments have to be weird!</a:t>
+              <a:t>Note: we might not think Z – A – Y is a problem typically, but when Z is an IV, this confounds the effect of X on Y and the effect of A on Y! Can just control for A and B in order to close these paths. </a:t>
+            </a:r>
+          </a:p>
+          <a:p>
+            <a:r>
+              <a:rPr lang="en-US" dirty="0">
+                <a:cs typeface="Calibri"/>
+              </a:rPr>
+              <a:t>Note 2: Controls should go in an IV regression as appropriate (not like matching)</a:t>
             </a:r>
             <a:endParaRPr lang="en-US" dirty="0"/>
           </a:p>
@@ -3555,7 +3558,7 @@
     </p:spTree>
     <p:extLst>
       <p:ext uri="{BB962C8B-B14F-4D97-AF65-F5344CB8AC3E}">
-        <p14:creationId xmlns:p14="http://schemas.microsoft.com/office/powerpoint/2010/main" val="2857725622"/>
+        <p14:creationId xmlns:p14="http://schemas.microsoft.com/office/powerpoint/2010/main" val="4070532677"/>
       </p:ext>
     </p:extLst>
   </p:cSld>
@@ -3706,7 +3709,7 @@
               <a:rPr lang="en-US" dirty="0">
                 <a:cs typeface="Calibri"/>
               </a:rPr>
-              <a:t>Example for Mendelian randomization: the sex of first two children determines whether parents are more likely to have a third child.</a:t>
+              <a:t>Instruments have to be weird!</a:t>
             </a:r>
             <a:endParaRPr lang="en-US" dirty="0"/>
           </a:p>
@@ -3738,7 +3741,7 @@
     </p:spTree>
     <p:extLst>
       <p:ext uri="{BB962C8B-B14F-4D97-AF65-F5344CB8AC3E}">
-        <p14:creationId xmlns:p14="http://schemas.microsoft.com/office/powerpoint/2010/main" val="187559992"/>
+        <p14:creationId xmlns:p14="http://schemas.microsoft.com/office/powerpoint/2010/main" val="2857725622"/>
       </p:ext>
     </p:extLst>
   </p:cSld>
@@ -3794,10 +3797,9 @@
           <a:p>
             <a:r>
               <a:rPr lang="en-US" dirty="0">
-                <a:ea typeface="Calibri"/>
                 <a:cs typeface="Calibri"/>
               </a:rPr>
-              <a:t>Large F stat is just for correcting t-tests for relationship between X and Y and X and Z – your CIs will be a tiny bit wrong. Generally, a large F will work (although closer to 10 still gives you problems). Remember that this is a scale, since we're concerned about weak instruments</a:t>
+              <a:t>Example for Mendelian randomization: the sex of first two children determines whether parents are more likely to have a third child.</a:t>
             </a:r>
             <a:endParaRPr lang="en-US" dirty="0"/>
           </a:p>
@@ -3829,7 +3831,7 @@
     </p:spTree>
     <p:extLst>
       <p:ext uri="{BB962C8B-B14F-4D97-AF65-F5344CB8AC3E}">
-        <p14:creationId xmlns:p14="http://schemas.microsoft.com/office/powerpoint/2010/main" val="547398061"/>
+        <p14:creationId xmlns:p14="http://schemas.microsoft.com/office/powerpoint/2010/main" val="187559992"/>
       </p:ext>
     </p:extLst>
   </p:cSld>
@@ -3883,6 +3885,13 @@
           <a:bodyPr/>
           <a:lstStyle/>
           <a:p>
+            <a:r>
+              <a:rPr lang="en-US" dirty="0">
+                <a:ea typeface="Calibri"/>
+                <a:cs typeface="Calibri"/>
+              </a:rPr>
+              <a:t>Large F stat is just for correcting t-tests for relationship between X and Y and X and Z – your CIs will be a tiny bit wrong. Generally, a large F will work (although closer to 10 still gives you problems). Remember that this is a scale, since we're concerned about weak instruments</a:t>
+            </a:r>
             <a:endParaRPr lang="en-US" dirty="0"/>
           </a:p>
         </p:txBody>
@@ -3913,7 +3922,7 @@
     </p:spTree>
     <p:extLst>
       <p:ext uri="{BB962C8B-B14F-4D97-AF65-F5344CB8AC3E}">
-        <p14:creationId xmlns:p14="http://schemas.microsoft.com/office/powerpoint/2010/main" val="1135761996"/>
+        <p14:creationId xmlns:p14="http://schemas.microsoft.com/office/powerpoint/2010/main" val="547398061"/>
       </p:ext>
     </p:extLst>
   </p:cSld>
@@ -3967,12 +3976,6 @@
           <a:bodyPr/>
           <a:lstStyle/>
           <a:p>
-            <a:r>
-              <a:rPr lang="en-US" dirty="0">
-                <a:cs typeface="Calibri"/>
-              </a:rPr>
-              <a:t>Difficulty with defending validity just means that we need to be choosy, not give up on IV altogether. It's just like trying to convince a room your DAG is right! And bulk of evidence helps, here (many studies with different approaches)</a:t>
-            </a:r>
             <a:endParaRPr lang="en-US" dirty="0"/>
           </a:p>
         </p:txBody>
@@ -4003,7 +4006,7 @@
     </p:spTree>
     <p:extLst>
       <p:ext uri="{BB962C8B-B14F-4D97-AF65-F5344CB8AC3E}">
-        <p14:creationId xmlns:p14="http://schemas.microsoft.com/office/powerpoint/2010/main" val="2965541601"/>
+        <p14:creationId xmlns:p14="http://schemas.microsoft.com/office/powerpoint/2010/main" val="1135761996"/>
       </p:ext>
     </p:extLst>
   </p:cSld>
@@ -4061,7 +4064,7 @@
               <a:rPr lang="en-US" dirty="0">
                 <a:cs typeface="Calibri"/>
               </a:rPr>
-              <a:t>Come from Felton and Stewart (they call IV “fragile” – I don’t like that, it’s just kind of a “you get what you put into it” kind of thing – we’re doing QE variation with observational data, so there are limitations. Just need to be aware of them and report them honestly)</a:t>
+              <a:t>Difficulty with defending validity just means that we need to be choosy, not give up on IV altogether. It's just like trying to convince a room your DAG is right! And bulk of evidence helps, here (many studies with different approaches)</a:t>
             </a:r>
             <a:endParaRPr lang="en-US" dirty="0"/>
           </a:p>
@@ -4093,7 +4096,7 @@
     </p:spTree>
     <p:extLst>
       <p:ext uri="{BB962C8B-B14F-4D97-AF65-F5344CB8AC3E}">
-        <p14:creationId xmlns:p14="http://schemas.microsoft.com/office/powerpoint/2010/main" val="3699838445"/>
+        <p14:creationId xmlns:p14="http://schemas.microsoft.com/office/powerpoint/2010/main" val="2965541601"/>
       </p:ext>
     </p:extLst>
   </p:cSld>
@@ -4151,7 +4154,7 @@
               <a:rPr lang="en-US" dirty="0">
                 <a:cs typeface="Calibri"/>
               </a:rPr>
-              <a:t>Examples: can’t control for changes in employment post Hurricane Katrina (downstream outcome; we’ll talk about this one a lot in the course). Coarsened treatments are another example – if you have an IV that changes how people behave in Toronto but not North York, but then you only observe data for the whole GTA, this won’t work</a:t>
+              <a:t>Come from Felton and Stewart (they call IV “fragile” – I don’t like that, it’s just kind of a “you get what you put into it” kind of thing – we’re doing QE variation with observational data, so there are limitations. Just need to be aware of them and report them honestly)</a:t>
             </a:r>
             <a:endParaRPr lang="en-US" dirty="0"/>
           </a:p>
@@ -4183,7 +4186,7 @@
     </p:spTree>
     <p:extLst>
       <p:ext uri="{BB962C8B-B14F-4D97-AF65-F5344CB8AC3E}">
-        <p14:creationId xmlns:p14="http://schemas.microsoft.com/office/powerpoint/2010/main" val="2349041154"/>
+        <p14:creationId xmlns:p14="http://schemas.microsoft.com/office/powerpoint/2010/main" val="3699838445"/>
       </p:ext>
     </p:extLst>
   </p:cSld>
@@ -4239,10 +4242,9 @@
           <a:p>
             <a:r>
               <a:rPr lang="en-US" dirty="0">
-                <a:ea typeface="Calibri"/>
                 <a:cs typeface="Calibri"/>
               </a:rPr>
-              <a:t>From Felton and Stewart (2022). One not on here: always use packages to get standard errors right</a:t>
+              <a:t>Examples: can’t control for changes in employment post Hurricane Katrina (downstream outcome; we’ll talk about this one a lot in the course). Coarsened treatments are another example – if you have an IV that changes how people behave in Toronto but not North York, but then you only observe data for the whole GTA, this won’t work</a:t>
             </a:r>
             <a:endParaRPr lang="en-US" dirty="0"/>
           </a:p>
@@ -4274,7 +4276,7 @@
     </p:spTree>
     <p:extLst>
       <p:ext uri="{BB962C8B-B14F-4D97-AF65-F5344CB8AC3E}">
-        <p14:creationId xmlns:p14="http://schemas.microsoft.com/office/powerpoint/2010/main" val="2628968981"/>
+        <p14:creationId xmlns:p14="http://schemas.microsoft.com/office/powerpoint/2010/main" val="2349041154"/>
       </p:ext>
     </p:extLst>
   </p:cSld>
@@ -4333,21 +4335,7 @@
                 <a:ea typeface="Calibri"/>
                 <a:cs typeface="Calibri"/>
               </a:rPr>
-              <a:t>Skipping over 3 because I don’t believe it (it says to assume the most conservative SE and report multiple </a:t>
-            </a:r>
-            <a:r>
-              <a:rPr lang="en-US" dirty="0" err="1">
-                <a:ea typeface="Calibri"/>
-                <a:cs typeface="Calibri"/>
-              </a:rPr>
-              <a:t>Ses</a:t>
-            </a:r>
-            <a:r>
-              <a:rPr lang="en-US" dirty="0">
-                <a:ea typeface="Calibri"/>
-                <a:cs typeface="Calibri"/>
-              </a:rPr>
-              <a:t> – I think you should pick your choice theoretically and use that one)</a:t>
+              <a:t>From Felton and Stewart (2022). One not on here: always use packages to get standard errors right</a:t>
             </a:r>
             <a:endParaRPr lang="en-US" dirty="0"/>
           </a:p>
@@ -4379,7 +4367,7 @@
     </p:spTree>
     <p:extLst>
       <p:ext uri="{BB962C8B-B14F-4D97-AF65-F5344CB8AC3E}">
-        <p14:creationId xmlns:p14="http://schemas.microsoft.com/office/powerpoint/2010/main" val="1041266519"/>
+        <p14:creationId xmlns:p14="http://schemas.microsoft.com/office/powerpoint/2010/main" val="2628968981"/>
       </p:ext>
     </p:extLst>
   </p:cSld>
@@ -4434,9 +4422,27 @@
           <a:lstStyle/>
           <a:p>
             <a:r>
-              <a:rPr lang="en-US" dirty="0"/>
-              <a:t>Here’s a visualization of a LATE for a specific type of IV regression (fuzzy RDD, will do next semester). LATEs are just weighted ATEs that tell you something about a specific subset of the population (not the full pop)</a:t>
-            </a:r>
+              <a:rPr lang="en-US" dirty="0">
+                <a:ea typeface="Calibri"/>
+                <a:cs typeface="Calibri"/>
+              </a:rPr>
+              <a:t>Skipping over 3 because I don’t believe it (it says to assume the most conservative SE and report multiple </a:t>
+            </a:r>
+            <a:r>
+              <a:rPr lang="en-US" dirty="0" err="1">
+                <a:ea typeface="Calibri"/>
+                <a:cs typeface="Calibri"/>
+              </a:rPr>
+              <a:t>Ses</a:t>
+            </a:r>
+            <a:r>
+              <a:rPr lang="en-US" dirty="0">
+                <a:ea typeface="Calibri"/>
+                <a:cs typeface="Calibri"/>
+              </a:rPr>
+              <a:t> – I think you should pick your choice theoretically and use that one)</a:t>
+            </a:r>
+            <a:endParaRPr lang="en-US" dirty="0"/>
           </a:p>
         </p:txBody>
       </p:sp>
@@ -4466,7 +4472,7 @@
     </p:spTree>
     <p:extLst>
       <p:ext uri="{BB962C8B-B14F-4D97-AF65-F5344CB8AC3E}">
-        <p14:creationId xmlns:p14="http://schemas.microsoft.com/office/powerpoint/2010/main" val="1335174366"/>
+        <p14:creationId xmlns:p14="http://schemas.microsoft.com/office/powerpoint/2010/main" val="1041266519"/>
       </p:ext>
     </p:extLst>
   </p:cSld>
@@ -4520,7 +4526,10 @@
           <a:bodyPr/>
           <a:lstStyle/>
           <a:p>
-            <a:endParaRPr lang="en-US" dirty="0"/>
+            <a:r>
+              <a:rPr lang="en-US" dirty="0"/>
+              <a:t>Here’s a visualization of a LATE for a specific type of IV regression (fuzzy RDD, will do next semester). LATEs are just weighted ATEs that tell you something about a specific subset of the population (not the full pop)</a:t>
+            </a:r>
           </a:p>
         </p:txBody>
       </p:sp>
@@ -4550,7 +4559,7 @@
     </p:spTree>
     <p:extLst>
       <p:ext uri="{BB962C8B-B14F-4D97-AF65-F5344CB8AC3E}">
-        <p14:creationId xmlns:p14="http://schemas.microsoft.com/office/powerpoint/2010/main" val="2256890236"/>
+        <p14:creationId xmlns:p14="http://schemas.microsoft.com/office/powerpoint/2010/main" val="1335174366"/>
       </p:ext>
     </p:extLst>
   </p:cSld>
@@ -4721,7 +4730,7 @@
     </p:spTree>
     <p:extLst>
       <p:ext uri="{BB962C8B-B14F-4D97-AF65-F5344CB8AC3E}">
-        <p14:creationId xmlns:p14="http://schemas.microsoft.com/office/powerpoint/2010/main" val="371508346"/>
+        <p14:creationId xmlns:p14="http://schemas.microsoft.com/office/powerpoint/2010/main" val="2256890236"/>
       </p:ext>
     </p:extLst>
   </p:cSld>
@@ -4775,27 +4784,6 @@
           <a:bodyPr/>
           <a:lstStyle/>
           <a:p>
-            <a:r>
-              <a:rPr lang="en-US" dirty="0">
-                <a:ea typeface="Calibri"/>
-                <a:cs typeface="Calibri"/>
-              </a:rPr>
-              <a:t>Monotonicity just means that the instrument moved people towards/away from treatment </a:t>
-            </a:r>
-            <a:r>
-              <a:rPr lang="en-US" i="1" dirty="0">
-                <a:ea typeface="Calibri"/>
-                <a:cs typeface="Calibri"/>
-              </a:rPr>
-              <a:t>in the same way</a:t>
-            </a:r>
-            <a:r>
-              <a:rPr lang="en-US" dirty="0">
-                <a:ea typeface="Calibri"/>
-                <a:cs typeface="Calibri"/>
-              </a:rPr>
-              <a:t> (an IV can't both incentivize treatment for one person and discourage it for another). Example of third child – is monotonicity satisfied here? Wrapped up in heterogeneous treatment effects. </a:t>
-            </a:r>
             <a:endParaRPr lang="en-US" dirty="0"/>
           </a:p>
         </p:txBody>
@@ -4826,7 +4814,7 @@
     </p:spTree>
     <p:extLst>
       <p:ext uri="{BB962C8B-B14F-4D97-AF65-F5344CB8AC3E}">
-        <p14:creationId xmlns:p14="http://schemas.microsoft.com/office/powerpoint/2010/main" val="3837139000"/>
+        <p14:creationId xmlns:p14="http://schemas.microsoft.com/office/powerpoint/2010/main" val="371508346"/>
       </p:ext>
     </p:extLst>
   </p:cSld>
@@ -4881,9 +4869,27 @@
           <a:lstStyle/>
           <a:p>
             <a:r>
-              <a:rPr lang="en-US" dirty="0"/>
-              <a:t>Cover if you have time. </a:t>
-            </a:r>
+              <a:rPr lang="en-US" dirty="0">
+                <a:ea typeface="Calibri"/>
+                <a:cs typeface="Calibri"/>
+              </a:rPr>
+              <a:t>Monotonicity just means that the instrument moved people towards/away from treatment </a:t>
+            </a:r>
+            <a:r>
+              <a:rPr lang="en-US" i="1" dirty="0">
+                <a:ea typeface="Calibri"/>
+                <a:cs typeface="Calibri"/>
+              </a:rPr>
+              <a:t>in the same way</a:t>
+            </a:r>
+            <a:r>
+              <a:rPr lang="en-US" dirty="0">
+                <a:ea typeface="Calibri"/>
+                <a:cs typeface="Calibri"/>
+              </a:rPr>
+              <a:t> (an IV can't both incentivize treatment for one person and discourage it for another). Example of third child – is monotonicity satisfied here? Wrapped up in heterogeneous treatment effects. </a:t>
+            </a:r>
+            <a:endParaRPr lang="en-US" dirty="0"/>
           </a:p>
         </p:txBody>
       </p:sp>
@@ -4913,7 +4919,7 @@
     </p:spTree>
     <p:extLst>
       <p:ext uri="{BB962C8B-B14F-4D97-AF65-F5344CB8AC3E}">
-        <p14:creationId xmlns:p14="http://schemas.microsoft.com/office/powerpoint/2010/main" val="2775344874"/>
+        <p14:creationId xmlns:p14="http://schemas.microsoft.com/office/powerpoint/2010/main" val="3837139000"/>
       </p:ext>
     </p:extLst>
   </p:cSld>
@@ -4967,7 +4973,10 @@
           <a:bodyPr/>
           <a:lstStyle/>
           <a:p>
-            <a:endParaRPr lang="en-US" dirty="0"/>
+            <a:r>
+              <a:rPr lang="en-US" dirty="0"/>
+              <a:t>Cover if you have time. </a:t>
+            </a:r>
           </a:p>
         </p:txBody>
       </p:sp>
@@ -4997,7 +5006,7 @@
     </p:spTree>
     <p:extLst>
       <p:ext uri="{BB962C8B-B14F-4D97-AF65-F5344CB8AC3E}">
-        <p14:creationId xmlns:p14="http://schemas.microsoft.com/office/powerpoint/2010/main" val="1784930793"/>
+        <p14:creationId xmlns:p14="http://schemas.microsoft.com/office/powerpoint/2010/main" val="2775344874"/>
       </p:ext>
     </p:extLst>
   </p:cSld>
@@ -5051,13 +5060,7 @@
           <a:bodyPr/>
           <a:lstStyle/>
           <a:p>
-            <a:r>
-              <a:rPr lang="en-US" dirty="0">
-                <a:ea typeface="Calibri"/>
-                <a:cs typeface="Calibri"/>
-              </a:rPr>
-              <a:t>Kind of a standard IV paper, good clinical journal style to read and mimic</a:t>
-            </a:r>
+            <a:endParaRPr lang="en-US" dirty="0"/>
           </a:p>
         </p:txBody>
       </p:sp>
@@ -5076,7 +5079,7 @@
           <a:bodyPr/>
           <a:lstStyle/>
           <a:p>
-            <a:fld id="{3298C5B2-5D6B-2949-9D6C-64FEDA8AB56A}" type="slidenum">
+            <a:fld id="{4AF79E1B-2C51-4B9B-8EA4-26DE9E345AFF}" type="slidenum">
               <a:rPr lang="en-US" smtClean="0"/>
               <a:t>60</a:t>
             </a:fld>
@@ -5087,7 +5090,7 @@
     </p:spTree>
     <p:extLst>
       <p:ext uri="{BB962C8B-B14F-4D97-AF65-F5344CB8AC3E}">
-        <p14:creationId xmlns:p14="http://schemas.microsoft.com/office/powerpoint/2010/main" val="1427207452"/>
+        <p14:creationId xmlns:p14="http://schemas.microsoft.com/office/powerpoint/2010/main" val="1784930793"/>
       </p:ext>
     </p:extLst>
   </p:cSld>
@@ -5146,11 +5149,7 @@
                 <a:ea typeface="Calibri"/>
                 <a:cs typeface="Calibri"/>
               </a:rPr>
-              <a:t>Example from 1: </a:t>
-            </a:r>
-            <a:r>
-              <a:rPr lang="en-US" dirty="0"/>
-              <a:t>in the 2000s, Oregon chose to expand its Medicaid program for poor adults by making it more generous. They used a lottery – this randomization can be an IV to back out LATE from ITT. </a:t>
+              <a:t>Kind of a standard IV paper, good clinical journal style to read and mimic</a:t>
             </a:r>
           </a:p>
         </p:txBody>
@@ -5181,7 +5180,7 @@
     </p:spTree>
     <p:extLst>
       <p:ext uri="{BB962C8B-B14F-4D97-AF65-F5344CB8AC3E}">
-        <p14:creationId xmlns:p14="http://schemas.microsoft.com/office/powerpoint/2010/main" val="3754829673"/>
+        <p14:creationId xmlns:p14="http://schemas.microsoft.com/office/powerpoint/2010/main" val="1427207452"/>
       </p:ext>
     </p:extLst>
   </p:cSld>
@@ -5240,16 +5239,12 @@
                 <a:ea typeface="Calibri"/>
                 <a:cs typeface="Calibri"/>
               </a:rPr>
-              <a:t>This</a:t>
+              <a:t>Example from 1: </a:t>
             </a:r>
             <a:r>
               <a:rPr lang="en-US" dirty="0"/>
-              <a:t> is just really popular with judges, doesn't have to be criminal. Possible examples: FDA approval, physician decision-making. Some concerns: is assignment truly random? Is the pipeline really narrow? Can the discretion be chosen by the patient/entity? Paper uses differences in nursing home eligibility assessors to find that access to nursing homes lowers use of other kinds of care, but does not affect health spending or mortality meaningfully. Plenty of opportunities to implement this design more meaningfully. </a:t>
-            </a:r>
-            <a:endParaRPr lang="en-US" dirty="0">
-              <a:ea typeface="Calibri"/>
-              <a:cs typeface="Calibri"/>
-            </a:endParaRPr>
+              <a:t>in the 2000s, Oregon chose to expand its Medicaid program for poor adults by making it more generous. They used a lottery – this randomization can be an IV to back out LATE from ITT. </a:t>
+            </a:r>
           </a:p>
         </p:txBody>
       </p:sp>
@@ -5279,7 +5274,7 @@
     </p:spTree>
     <p:extLst>
       <p:ext uri="{BB962C8B-B14F-4D97-AF65-F5344CB8AC3E}">
-        <p14:creationId xmlns:p14="http://schemas.microsoft.com/office/powerpoint/2010/main" val="2965896772"/>
+        <p14:creationId xmlns:p14="http://schemas.microsoft.com/office/powerpoint/2010/main" val="3754829673"/>
       </p:ext>
     </p:extLst>
   </p:cSld>
@@ -5338,8 +5333,16 @@
                 <a:ea typeface="Calibri"/>
                 <a:cs typeface="Calibri"/>
               </a:rPr>
-              <a:t>This is most useful when looking at regional market differences in health questions. </a:t>
-            </a:r>
+              <a:t>This</a:t>
+            </a:r>
+            <a:r>
+              <a:rPr lang="en-US" dirty="0"/>
+              <a:t> is just really popular with judges, doesn't have to be criminal. Possible examples: FDA approval, physician decision-making. Some concerns: is assignment truly random? Is the pipeline really narrow? Can the discretion be chosen by the patient/entity? Paper uses differences in nursing home eligibility assessors to find that access to nursing homes lowers use of other kinds of care, but does not affect health spending or mortality meaningfully. Plenty of opportunities to implement this design more meaningfully. </a:t>
+            </a:r>
+            <a:endParaRPr lang="en-US" dirty="0">
+              <a:ea typeface="Calibri"/>
+              <a:cs typeface="Calibri"/>
+            </a:endParaRPr>
           </a:p>
         </p:txBody>
       </p:sp>
@@ -5369,7 +5372,7 @@
     </p:spTree>
     <p:extLst>
       <p:ext uri="{BB962C8B-B14F-4D97-AF65-F5344CB8AC3E}">
-        <p14:creationId xmlns:p14="http://schemas.microsoft.com/office/powerpoint/2010/main" val="2151309965"/>
+        <p14:creationId xmlns:p14="http://schemas.microsoft.com/office/powerpoint/2010/main" val="2965896772"/>
       </p:ext>
     </p:extLst>
   </p:cSld>
@@ -5451,6 +5454,96 @@
             <a:fld id="{3298C5B2-5D6B-2949-9D6C-64FEDA8AB56A}" type="slidenum">
               <a:rPr lang="en-US" smtClean="0"/>
               <a:t>64</a:t>
+            </a:fld>
+            <a:endParaRPr lang="en-US"/>
+          </a:p>
+        </p:txBody>
+      </p:sp>
+    </p:spTree>
+    <p:extLst>
+      <p:ext uri="{BB962C8B-B14F-4D97-AF65-F5344CB8AC3E}">
+        <p14:creationId xmlns:p14="http://schemas.microsoft.com/office/powerpoint/2010/main" val="2151309965"/>
+      </p:ext>
+    </p:extLst>
+  </p:cSld>
+  <p:clrMapOvr>
+    <a:masterClrMapping/>
+  </p:clrMapOvr>
+</p:notes>
+</file>
+
+<file path=ppt/notesSlides/notesSlide59.xml><?xml version="1.0" encoding="utf-8"?>
+<p:notes xmlns:a="http://schemas.openxmlformats.org/drawingml/2006/main" xmlns:r="http://schemas.openxmlformats.org/officeDocument/2006/relationships" xmlns:p="http://schemas.openxmlformats.org/presentationml/2006/main">
+  <p:cSld>
+    <p:spTree>
+      <p:nvGrpSpPr>
+        <p:cNvPr id="1" name=""/>
+        <p:cNvGrpSpPr/>
+        <p:nvPr/>
+      </p:nvGrpSpPr>
+      <p:grpSpPr>
+        <a:xfrm>
+          <a:off x="0" y="0"/>
+          <a:ext cx="0" cy="0"/>
+          <a:chOff x="0" y="0"/>
+          <a:chExt cx="0" cy="0"/>
+        </a:xfrm>
+      </p:grpSpPr>
+      <p:sp>
+        <p:nvSpPr>
+          <p:cNvPr id="2" name="Slide Image Placeholder 1"/>
+          <p:cNvSpPr>
+            <a:spLocks noGrp="1" noRot="1" noChangeAspect="1"/>
+          </p:cNvSpPr>
+          <p:nvPr>
+            <p:ph type="sldImg"/>
+          </p:nvPr>
+        </p:nvSpPr>
+        <p:spPr/>
+      </p:sp>
+      <p:sp>
+        <p:nvSpPr>
+          <p:cNvPr id="3" name="Notes Placeholder 2"/>
+          <p:cNvSpPr>
+            <a:spLocks noGrp="1"/>
+          </p:cNvSpPr>
+          <p:nvPr>
+            <p:ph type="body" idx="1"/>
+          </p:nvPr>
+        </p:nvSpPr>
+        <p:spPr/>
+        <p:txBody>
+          <a:bodyPr/>
+          <a:lstStyle/>
+          <a:p>
+            <a:r>
+              <a:rPr lang="en-US" dirty="0">
+                <a:ea typeface="Calibri"/>
+                <a:cs typeface="Calibri"/>
+              </a:rPr>
+              <a:t>This is most useful when looking at regional market differences in health questions. </a:t>
+            </a:r>
+          </a:p>
+        </p:txBody>
+      </p:sp>
+      <p:sp>
+        <p:nvSpPr>
+          <p:cNvPr id="4" name="Slide Number Placeholder 3"/>
+          <p:cNvSpPr>
+            <a:spLocks noGrp="1"/>
+          </p:cNvSpPr>
+          <p:nvPr>
+            <p:ph type="sldNum" sz="quarter" idx="5"/>
+          </p:nvPr>
+        </p:nvSpPr>
+        <p:spPr/>
+        <p:txBody>
+          <a:bodyPr/>
+          <a:lstStyle/>
+          <a:p>
+            <a:fld id="{3298C5B2-5D6B-2949-9D6C-64FEDA8AB56A}" type="slidenum">
+              <a:rPr lang="en-US" smtClean="0"/>
+              <a:t>65</a:t>
             </a:fld>
             <a:endParaRPr lang="en-US"/>
           </a:p>
@@ -5986,7 +6079,7 @@
             <a:fld id="{0972D05C-DCFB-4BB6-B49C-AC126BF3ED2C}" type="datetimeFigureOut">
               <a:rPr lang="en-US" smtClean="0"/>
               <a:pPr/>
-              <a:t>9/6/2022</a:t>
+              <a:t>10/6/2022</a:t>
             </a:fld>
             <a:endParaRPr lang="en-US"/>
           </a:p>
@@ -6216,7 +6309,7 @@
             <a:fld id="{0972D05C-DCFB-4BB6-B49C-AC126BF3ED2C}" type="datetimeFigureOut">
               <a:rPr lang="en-US" smtClean="0"/>
               <a:pPr/>
-              <a:t>9/6/2022</a:t>
+              <a:t>10/6/2022</a:t>
             </a:fld>
             <a:endParaRPr lang="en-US"/>
           </a:p>
@@ -6398,7 +6491,7 @@
             <a:fld id="{0972D05C-DCFB-4BB6-B49C-AC126BF3ED2C}" type="datetimeFigureOut">
               <a:rPr lang="en-US" smtClean="0"/>
               <a:pPr/>
-              <a:t>9/6/2022</a:t>
+              <a:t>10/6/2022</a:t>
             </a:fld>
             <a:endParaRPr lang="en-US"/>
           </a:p>
@@ -6570,7 +6663,7 @@
             <a:fld id="{0972D05C-DCFB-4BB6-B49C-AC126BF3ED2C}" type="datetimeFigureOut">
               <a:rPr lang="en-US" smtClean="0"/>
               <a:pPr/>
-              <a:t>9/6/2022</a:t>
+              <a:t>10/6/2022</a:t>
             </a:fld>
             <a:endParaRPr lang="en-US"/>
           </a:p>
@@ -6826,7 +6919,7 @@
             <a:fld id="{0972D05C-DCFB-4BB6-B49C-AC126BF3ED2C}" type="datetimeFigureOut">
               <a:rPr lang="en-US" smtClean="0"/>
               <a:pPr/>
-              <a:t>9/6/2022</a:t>
+              <a:t>10/6/2022</a:t>
             </a:fld>
             <a:endParaRPr lang="en-US"/>
           </a:p>
@@ -7154,7 +7247,7 @@
             <a:fld id="{0972D05C-DCFB-4BB6-B49C-AC126BF3ED2C}" type="datetimeFigureOut">
               <a:rPr lang="en-US" smtClean="0"/>
               <a:pPr/>
-              <a:t>9/6/2022</a:t>
+              <a:t>10/6/2022</a:t>
             </a:fld>
             <a:endParaRPr lang="en-US"/>
           </a:p>
@@ -7607,7 +7700,7 @@
             <a:fld id="{0972D05C-DCFB-4BB6-B49C-AC126BF3ED2C}" type="datetimeFigureOut">
               <a:rPr lang="en-US" smtClean="0"/>
               <a:pPr/>
-              <a:t>9/6/2022</a:t>
+              <a:t>10/6/2022</a:t>
             </a:fld>
             <a:endParaRPr lang="en-US"/>
           </a:p>
@@ -7727,7 +7820,7 @@
             <a:fld id="{0972D05C-DCFB-4BB6-B49C-AC126BF3ED2C}" type="datetimeFigureOut">
               <a:rPr lang="en-US" smtClean="0"/>
               <a:pPr/>
-              <a:t>9/6/2022</a:t>
+              <a:t>10/6/2022</a:t>
             </a:fld>
             <a:endParaRPr lang="en-US"/>
           </a:p>
@@ -7824,7 +7917,7 @@
             <a:fld id="{0972D05C-DCFB-4BB6-B49C-AC126BF3ED2C}" type="datetimeFigureOut">
               <a:rPr lang="en-US" smtClean="0"/>
               <a:pPr/>
-              <a:t>9/6/2022</a:t>
+              <a:t>10/6/2022</a:t>
             </a:fld>
             <a:endParaRPr lang="en-US"/>
           </a:p>
@@ -8113,7 +8206,7 @@
             <a:fld id="{0972D05C-DCFB-4BB6-B49C-AC126BF3ED2C}" type="datetimeFigureOut">
               <a:rPr lang="en-US" smtClean="0"/>
               <a:pPr/>
-              <a:t>9/6/2022</a:t>
+              <a:t>10/6/2022</a:t>
             </a:fld>
             <a:endParaRPr lang="en-US"/>
           </a:p>
@@ -8437,7 +8530,7 @@
             <a:fld id="{0972D05C-DCFB-4BB6-B49C-AC126BF3ED2C}" type="datetimeFigureOut">
               <a:rPr lang="en-US" smtClean="0"/>
               <a:pPr/>
-              <a:t>9/6/2022</a:t>
+              <a:t>10/6/2022</a:t>
             </a:fld>
             <a:endParaRPr lang="en-US"/>
           </a:p>
@@ -8692,7 +8785,7 @@
             <a:fld id="{0972D05C-DCFB-4BB6-B49C-AC126BF3ED2C}" type="datetimeFigureOut">
               <a:rPr lang="en-US" smtClean="0"/>
               <a:pPr/>
-              <a:t>9/6/2022</a:t>
+              <a:t>10/6/2022</a:t>
             </a:fld>
             <a:endParaRPr lang="en-US" dirty="0"/>
           </a:p>
@@ -16492,7 +16585,7 @@
           <p:nvPr/>
         </p:nvPicPr>
         <p:blipFill rotWithShape="1">
-          <a:blip r:embed="rId3"/>
+          <a:blip r:embed="rId4"/>
           <a:srcRect r="20832"/>
           <a:stretch/>
         </p:blipFill>
@@ -18363,6 +18456,132 @@
               <a:rPr lang="en-US" sz="3600" dirty="0">
                 <a:cs typeface="Times New Roman" panose="02020603050405020304" pitchFamily="18" charset="0"/>
               </a:rPr>
+              <a:t>Current Research Alert: First-Stage Tests</a:t>
+            </a:r>
+            <a:endParaRPr lang="en-US" sz="3600" dirty="0">
+              <a:latin typeface="Times New Roman" panose="02020603050405020304" pitchFamily="18" charset="0"/>
+              <a:cs typeface="Times New Roman" panose="02020603050405020304" pitchFamily="18" charset="0"/>
+            </a:endParaRPr>
+          </a:p>
+        </p:txBody>
+      </p:sp>
+      <p:sp>
+        <p:nvSpPr>
+          <p:cNvPr id="3" name="Content Placeholder 2"/>
+          <p:cNvSpPr>
+            <a:spLocks noGrp="1"/>
+          </p:cNvSpPr>
+          <p:nvPr>
+            <p:ph idx="1"/>
+          </p:nvPr>
+        </p:nvSpPr>
+        <p:spPr>
+          <a:xfrm>
+            <a:off x="914400" y="1066801"/>
+            <a:ext cx="9984829" cy="5141388"/>
+          </a:xfrm>
+        </p:spPr>
+        <p:txBody>
+          <a:bodyPr>
+            <a:normAutofit/>
+          </a:bodyPr>
+          <a:lstStyle/>
+          <a:p>
+            <a:endParaRPr lang="en-US" sz="2400" dirty="0">
+              <a:solidFill>
+                <a:schemeClr val="tx1"/>
+              </a:solidFill>
+              <a:cs typeface="Times New Roman" panose="02020603050405020304" pitchFamily="18" charset="0"/>
+            </a:endParaRPr>
+          </a:p>
+        </p:txBody>
+      </p:sp>
+      <p:pic>
+        <p:nvPicPr>
+          <p:cNvPr id="6" name="Picture 5">
+            <a:extLst>
+              <a:ext uri="{FF2B5EF4-FFF2-40B4-BE49-F238E27FC236}">
+                <a16:creationId xmlns:a16="http://schemas.microsoft.com/office/drawing/2014/main" id="{6F103200-64F4-83B7-6893-E2538DB17B94}"/>
+              </a:ext>
+            </a:extLst>
+          </p:cNvPr>
+          <p:cNvPicPr>
+            <a:picLocks noChangeAspect="1"/>
+          </p:cNvPicPr>
+          <p:nvPr/>
+        </p:nvPicPr>
+        <p:blipFill>
+          <a:blip r:embed="rId3"/>
+          <a:stretch>
+            <a:fillRect/>
+          </a:stretch>
+        </p:blipFill>
+        <p:spPr>
+          <a:xfrm>
+            <a:off x="914400" y="962232"/>
+            <a:ext cx="7315200" cy="5648015"/>
+          </a:xfrm>
+          <a:prstGeom prst="rect">
+            <a:avLst/>
+          </a:prstGeom>
+        </p:spPr>
+      </p:pic>
+    </p:spTree>
+    <p:extLst>
+      <p:ext uri="{BB962C8B-B14F-4D97-AF65-F5344CB8AC3E}">
+        <p14:creationId xmlns:p14="http://schemas.microsoft.com/office/powerpoint/2010/main" val="1503207864"/>
+      </p:ext>
+    </p:extLst>
+  </p:cSld>
+  <p:clrMapOvr>
+    <a:masterClrMapping/>
+  </p:clrMapOvr>
+</p:sld>
+</file>
+
+<file path=ppt/slides/slide43.xml><?xml version="1.0" encoding="utf-8"?>
+<p:sld xmlns:a="http://schemas.openxmlformats.org/drawingml/2006/main" xmlns:r="http://schemas.openxmlformats.org/officeDocument/2006/relationships" xmlns:p="http://schemas.openxmlformats.org/presentationml/2006/main">
+  <p:cSld>
+    <p:spTree>
+      <p:nvGrpSpPr>
+        <p:cNvPr id="1" name=""/>
+        <p:cNvGrpSpPr/>
+        <p:nvPr/>
+      </p:nvGrpSpPr>
+      <p:grpSpPr>
+        <a:xfrm>
+          <a:off x="0" y="0"/>
+          <a:ext cx="0" cy="0"/>
+          <a:chOff x="0" y="0"/>
+          <a:chExt cx="0" cy="0"/>
+        </a:xfrm>
+      </p:grpSpPr>
+      <p:sp>
+        <p:nvSpPr>
+          <p:cNvPr id="2" name="Title 1"/>
+          <p:cNvSpPr>
+            <a:spLocks noGrp="1"/>
+          </p:cNvSpPr>
+          <p:nvPr>
+            <p:ph type="title"/>
+          </p:nvPr>
+        </p:nvSpPr>
+        <p:spPr>
+          <a:xfrm>
+            <a:off x="609600" y="337392"/>
+            <a:ext cx="10439400" cy="624840"/>
+          </a:xfrm>
+        </p:spPr>
+        <p:txBody>
+          <a:bodyPr>
+            <a:noAutofit/>
+          </a:bodyPr>
+          <a:lstStyle/>
+          <a:p>
+            <a:r>
+              <a:rPr lang="en-US" sz="3600" dirty="0">
+                <a:cs typeface="Times New Roman" panose="02020603050405020304" pitchFamily="18" charset="0"/>
+              </a:rPr>
               <a:t>Using an IV: Testing Assumptions </a:t>
             </a:r>
             <a:endParaRPr lang="en-US" sz="3600" dirty="0">
@@ -18584,7 +18803,7 @@
 </p:sld>
 </file>
 
-<file path=ppt/slides/slide43.xml><?xml version="1.0" encoding="utf-8"?>
+<file path=ppt/slides/slide44.xml><?xml version="1.0" encoding="utf-8"?>
 <p:sld xmlns:a="http://schemas.openxmlformats.org/drawingml/2006/main" xmlns:r="http://schemas.openxmlformats.org/officeDocument/2006/relationships" xmlns:p="http://schemas.openxmlformats.org/presentationml/2006/main">
   <p:cSld>
     <p:spTree>
@@ -18773,7 +18992,7 @@
 </p:sld>
 </file>
 
-<file path=ppt/slides/slide44.xml><?xml version="1.0" encoding="utf-8"?>
+<file path=ppt/slides/slide45.xml><?xml version="1.0" encoding="utf-8"?>
 <p:sld xmlns:a="http://schemas.openxmlformats.org/drawingml/2006/main" xmlns:r="http://schemas.openxmlformats.org/officeDocument/2006/relationships" xmlns:p="http://schemas.openxmlformats.org/presentationml/2006/main">
   <p:cSld>
     <p:spTree>
@@ -19124,7 +19343,7 @@
 </p:sld>
 </file>
 
-<file path=ppt/slides/slide45.xml><?xml version="1.0" encoding="utf-8"?>
+<file path=ppt/slides/slide46.xml><?xml version="1.0" encoding="utf-8"?>
 <p:sld xmlns:a="http://schemas.openxmlformats.org/drawingml/2006/main" xmlns:r="http://schemas.openxmlformats.org/officeDocument/2006/relationships" xmlns:p="http://schemas.openxmlformats.org/presentationml/2006/main">
   <p:cSld>
     <p:spTree>
@@ -19247,7 +19466,7 @@
 </p:sld>
 </file>
 
-<file path=ppt/slides/slide46.xml><?xml version="1.0" encoding="utf-8"?>
+<file path=ppt/slides/slide47.xml><?xml version="1.0" encoding="utf-8"?>
 <p:sld xmlns:a="http://schemas.openxmlformats.org/drawingml/2006/main" xmlns:r="http://schemas.openxmlformats.org/officeDocument/2006/relationships" xmlns:p="http://schemas.openxmlformats.org/presentationml/2006/main">
   <p:cSld>
     <p:spTree>
@@ -19436,7 +19655,7 @@
 </p:sld>
 </file>
 
-<file path=ppt/slides/slide47.xml><?xml version="1.0" encoding="utf-8"?>
+<file path=ppt/slides/slide48.xml><?xml version="1.0" encoding="utf-8"?>
 <p:sld xmlns:a="http://schemas.openxmlformats.org/drawingml/2006/main" xmlns:r="http://schemas.openxmlformats.org/officeDocument/2006/relationships" xmlns:p="http://schemas.openxmlformats.org/presentationml/2006/main">
   <p:cSld>
     <p:spTree>
@@ -19630,7 +19849,7 @@
 </p:sld>
 </file>
 
-<file path=ppt/slides/slide48.xml><?xml version="1.0" encoding="utf-8"?>
+<file path=ppt/slides/slide49.xml><?xml version="1.0" encoding="utf-8"?>
 <p:sld xmlns:a="http://schemas.openxmlformats.org/drawingml/2006/main" xmlns:r="http://schemas.openxmlformats.org/officeDocument/2006/relationships" xmlns:p="http://schemas.openxmlformats.org/presentationml/2006/main">
   <p:cSld>
     <p:spTree>
@@ -19867,7 +20086,130 @@
 </p:sld>
 </file>
 
-<file path=ppt/slides/slide49.xml><?xml version="1.0" encoding="utf-8"?>
+<file path=ppt/slides/slide5.xml><?xml version="1.0" encoding="utf-8"?>
+<p:sld xmlns:a="http://schemas.openxmlformats.org/drawingml/2006/main" xmlns:r="http://schemas.openxmlformats.org/officeDocument/2006/relationships" xmlns:p="http://schemas.openxmlformats.org/presentationml/2006/main">
+  <p:cSld>
+    <p:spTree>
+      <p:nvGrpSpPr>
+        <p:cNvPr id="1" name=""/>
+        <p:cNvGrpSpPr/>
+        <p:nvPr/>
+      </p:nvGrpSpPr>
+      <p:grpSpPr>
+        <a:xfrm>
+          <a:off x="0" y="0"/>
+          <a:ext cx="0" cy="0"/>
+          <a:chOff x="0" y="0"/>
+          <a:chExt cx="0" cy="0"/>
+        </a:xfrm>
+      </p:grpSpPr>
+      <p:sp>
+        <p:nvSpPr>
+          <p:cNvPr id="2" name="Title 1"/>
+          <p:cNvSpPr>
+            <a:spLocks noGrp="1"/>
+          </p:cNvSpPr>
+          <p:nvPr>
+            <p:ph type="title"/>
+          </p:nvPr>
+        </p:nvSpPr>
+        <p:spPr>
+          <a:xfrm>
+            <a:off x="609600" y="337392"/>
+            <a:ext cx="10439400" cy="624840"/>
+          </a:xfrm>
+        </p:spPr>
+        <p:txBody>
+          <a:bodyPr>
+            <a:noAutofit/>
+          </a:bodyPr>
+          <a:lstStyle/>
+          <a:p>
+            <a:r>
+              <a:rPr lang="en-US" sz="3600" dirty="0">
+                <a:cs typeface="Times New Roman" panose="02020603050405020304" pitchFamily="18" charset="0"/>
+              </a:rPr>
+              <a:t>Example: Waiting Times and Transplantation Outcomes</a:t>
+            </a:r>
+            <a:endParaRPr lang="en-US" sz="3600" dirty="0">
+              <a:latin typeface="Times New Roman" panose="02020603050405020304" pitchFamily="18" charset="0"/>
+              <a:cs typeface="Times New Roman" panose="02020603050405020304" pitchFamily="18" charset="0"/>
+            </a:endParaRPr>
+          </a:p>
+        </p:txBody>
+      </p:sp>
+      <p:sp>
+        <p:nvSpPr>
+          <p:cNvPr id="3" name="Content Placeholder 2"/>
+          <p:cNvSpPr>
+            <a:spLocks noGrp="1"/>
+          </p:cNvSpPr>
+          <p:nvPr>
+            <p:ph idx="1"/>
+          </p:nvPr>
+        </p:nvSpPr>
+        <p:spPr>
+          <a:xfrm>
+            <a:off x="1219199" y="1066801"/>
+            <a:ext cx="9829801" cy="5141388"/>
+          </a:xfrm>
+        </p:spPr>
+        <p:txBody>
+          <a:bodyPr>
+            <a:noAutofit/>
+          </a:bodyPr>
+          <a:lstStyle/>
+          <a:p>
+            <a:endParaRPr lang="en-US" sz="2400" dirty="0">
+              <a:cs typeface="Times New Roman" panose="02020603050405020304" pitchFamily="18" charset="0"/>
+            </a:endParaRPr>
+          </a:p>
+        </p:txBody>
+      </p:sp>
+      <p:pic>
+        <p:nvPicPr>
+          <p:cNvPr id="6" name="Content Placeholder 13">
+            <a:extLst>
+              <a:ext uri="{FF2B5EF4-FFF2-40B4-BE49-F238E27FC236}">
+                <a16:creationId xmlns:a16="http://schemas.microsoft.com/office/drawing/2014/main" id="{AC5B06F1-E350-876C-788C-56FF12253C51}"/>
+              </a:ext>
+            </a:extLst>
+          </p:cNvPr>
+          <p:cNvPicPr>
+            <a:picLocks noChangeAspect="1"/>
+          </p:cNvPicPr>
+          <p:nvPr/>
+        </p:nvPicPr>
+        <p:blipFill>
+          <a:blip r:embed="rId3"/>
+          <a:stretch>
+            <a:fillRect/>
+          </a:stretch>
+        </p:blipFill>
+        <p:spPr>
+          <a:xfrm>
+            <a:off x="1618886" y="1143000"/>
+            <a:ext cx="8954227" cy="2019464"/>
+          </a:xfrm>
+          <a:prstGeom prst="rect">
+            <a:avLst/>
+          </a:prstGeom>
+        </p:spPr>
+      </p:pic>
+    </p:spTree>
+    <p:extLst>
+      <p:ext uri="{BB962C8B-B14F-4D97-AF65-F5344CB8AC3E}">
+        <p14:creationId xmlns:p14="http://schemas.microsoft.com/office/powerpoint/2010/main" val="437169700"/>
+      </p:ext>
+    </p:extLst>
+  </p:cSld>
+  <p:clrMapOvr>
+    <a:masterClrMapping/>
+  </p:clrMapOvr>
+</p:sld>
+</file>
+
+<file path=ppt/slides/slide50.xml><?xml version="1.0" encoding="utf-8"?>
 <p:sld xmlns:a="http://schemas.openxmlformats.org/drawingml/2006/main" xmlns:r="http://schemas.openxmlformats.org/officeDocument/2006/relationships" xmlns:p="http://schemas.openxmlformats.org/presentationml/2006/main">
   <p:cSld>
     <p:spTree>
@@ -20273,256 +20615,6 @@
 </p:sld>
 </file>
 
-<file path=ppt/slides/slide5.xml><?xml version="1.0" encoding="utf-8"?>
-<p:sld xmlns:a="http://schemas.openxmlformats.org/drawingml/2006/main" xmlns:r="http://schemas.openxmlformats.org/officeDocument/2006/relationships" xmlns:p="http://schemas.openxmlformats.org/presentationml/2006/main">
-  <p:cSld>
-    <p:spTree>
-      <p:nvGrpSpPr>
-        <p:cNvPr id="1" name=""/>
-        <p:cNvGrpSpPr/>
-        <p:nvPr/>
-      </p:nvGrpSpPr>
-      <p:grpSpPr>
-        <a:xfrm>
-          <a:off x="0" y="0"/>
-          <a:ext cx="0" cy="0"/>
-          <a:chOff x="0" y="0"/>
-          <a:chExt cx="0" cy="0"/>
-        </a:xfrm>
-      </p:grpSpPr>
-      <p:sp>
-        <p:nvSpPr>
-          <p:cNvPr id="2" name="Title 1"/>
-          <p:cNvSpPr>
-            <a:spLocks noGrp="1"/>
-          </p:cNvSpPr>
-          <p:nvPr>
-            <p:ph type="title"/>
-          </p:nvPr>
-        </p:nvSpPr>
-        <p:spPr>
-          <a:xfrm>
-            <a:off x="609600" y="337392"/>
-            <a:ext cx="10439400" cy="624840"/>
-          </a:xfrm>
-        </p:spPr>
-        <p:txBody>
-          <a:bodyPr>
-            <a:noAutofit/>
-          </a:bodyPr>
-          <a:lstStyle/>
-          <a:p>
-            <a:r>
-              <a:rPr lang="en-US" sz="3600" dirty="0">
-                <a:cs typeface="Times New Roman" panose="02020603050405020304" pitchFamily="18" charset="0"/>
-              </a:rPr>
-              <a:t>Example: Waiting Times and Transplantation Outcomes</a:t>
-            </a:r>
-            <a:endParaRPr lang="en-US" sz="3600" dirty="0">
-              <a:latin typeface="Times New Roman" panose="02020603050405020304" pitchFamily="18" charset="0"/>
-              <a:cs typeface="Times New Roman" panose="02020603050405020304" pitchFamily="18" charset="0"/>
-            </a:endParaRPr>
-          </a:p>
-        </p:txBody>
-      </p:sp>
-      <p:sp>
-        <p:nvSpPr>
-          <p:cNvPr id="3" name="Content Placeholder 2"/>
-          <p:cNvSpPr>
-            <a:spLocks noGrp="1"/>
-          </p:cNvSpPr>
-          <p:nvPr>
-            <p:ph idx="1"/>
-          </p:nvPr>
-        </p:nvSpPr>
-        <p:spPr>
-          <a:xfrm>
-            <a:off x="1219199" y="1066801"/>
-            <a:ext cx="9829801" cy="5141388"/>
-          </a:xfrm>
-        </p:spPr>
-        <p:txBody>
-          <a:bodyPr>
-            <a:noAutofit/>
-          </a:bodyPr>
-          <a:lstStyle/>
-          <a:p>
-            <a:endParaRPr lang="en-US" sz="2400" dirty="0">
-              <a:cs typeface="Times New Roman" panose="02020603050405020304" pitchFamily="18" charset="0"/>
-            </a:endParaRPr>
-          </a:p>
-        </p:txBody>
-      </p:sp>
-      <p:pic>
-        <p:nvPicPr>
-          <p:cNvPr id="6" name="Content Placeholder 13">
-            <a:extLst>
-              <a:ext uri="{FF2B5EF4-FFF2-40B4-BE49-F238E27FC236}">
-                <a16:creationId xmlns:a16="http://schemas.microsoft.com/office/drawing/2014/main" id="{AC5B06F1-E350-876C-788C-56FF12253C51}"/>
-              </a:ext>
-            </a:extLst>
-          </p:cNvPr>
-          <p:cNvPicPr>
-            <a:picLocks noChangeAspect="1"/>
-          </p:cNvPicPr>
-          <p:nvPr/>
-        </p:nvPicPr>
-        <p:blipFill>
-          <a:blip r:embed="rId3"/>
-          <a:stretch>
-            <a:fillRect/>
-          </a:stretch>
-        </p:blipFill>
-        <p:spPr>
-          <a:xfrm>
-            <a:off x="1618886" y="1143000"/>
-            <a:ext cx="8954227" cy="2019464"/>
-          </a:xfrm>
-          <a:prstGeom prst="rect">
-            <a:avLst/>
-          </a:prstGeom>
-        </p:spPr>
-      </p:pic>
-    </p:spTree>
-    <p:extLst>
-      <p:ext uri="{BB962C8B-B14F-4D97-AF65-F5344CB8AC3E}">
-        <p14:creationId xmlns:p14="http://schemas.microsoft.com/office/powerpoint/2010/main" val="437169700"/>
-      </p:ext>
-    </p:extLst>
-  </p:cSld>
-  <p:clrMapOvr>
-    <a:masterClrMapping/>
-  </p:clrMapOvr>
-</p:sld>
-</file>
-
-<file path=ppt/slides/slide50.xml><?xml version="1.0" encoding="utf-8"?>
-<p:sld xmlns:a="http://schemas.openxmlformats.org/drawingml/2006/main" xmlns:r="http://schemas.openxmlformats.org/officeDocument/2006/relationships" xmlns:p="http://schemas.openxmlformats.org/presentationml/2006/main">
-  <p:cSld>
-    <p:spTree>
-      <p:nvGrpSpPr>
-        <p:cNvPr id="1" name=""/>
-        <p:cNvGrpSpPr/>
-        <p:nvPr/>
-      </p:nvGrpSpPr>
-      <p:grpSpPr>
-        <a:xfrm>
-          <a:off x="0" y="0"/>
-          <a:ext cx="0" cy="0"/>
-          <a:chOff x="0" y="0"/>
-          <a:chExt cx="0" cy="0"/>
-        </a:xfrm>
-      </p:grpSpPr>
-      <p:sp>
-        <p:nvSpPr>
-          <p:cNvPr id="2" name="Title 1"/>
-          <p:cNvSpPr>
-            <a:spLocks noGrp="1"/>
-          </p:cNvSpPr>
-          <p:nvPr>
-            <p:ph type="title"/>
-          </p:nvPr>
-        </p:nvSpPr>
-        <p:spPr>
-          <a:xfrm>
-            <a:off x="609600" y="337392"/>
-            <a:ext cx="10439400" cy="624840"/>
-          </a:xfrm>
-        </p:spPr>
-        <p:txBody>
-          <a:bodyPr>
-            <a:noAutofit/>
-          </a:bodyPr>
-          <a:lstStyle/>
-          <a:p>
-            <a:r>
-              <a:rPr lang="en-US" sz="3600" dirty="0">
-                <a:latin typeface="Times New Roman"/>
-                <a:cs typeface="Times New Roman"/>
-              </a:rPr>
-              <a:t>Using an IV: What if I </a:t>
-            </a:r>
-            <a:r>
-              <a:rPr lang="en-US" sz="3600" b="1" dirty="0">
-                <a:solidFill>
-                  <a:schemeClr val="accent2">
-                    <a:lumMod val="75000"/>
-                  </a:schemeClr>
-                </a:solidFill>
-                <a:latin typeface="Times New Roman"/>
-                <a:cs typeface="Times New Roman"/>
-              </a:rPr>
-              <a:t>can’t</a:t>
-            </a:r>
-            <a:r>
-              <a:rPr lang="en-US" sz="3600" b="1" dirty="0">
-                <a:latin typeface="Times New Roman"/>
-                <a:cs typeface="Times New Roman"/>
-              </a:rPr>
-              <a:t> </a:t>
-            </a:r>
-            <a:r>
-              <a:rPr lang="en-US" sz="3600" dirty="0">
-                <a:latin typeface="Times New Roman"/>
-                <a:cs typeface="Times New Roman"/>
-              </a:rPr>
-              <a:t>defend my IV? </a:t>
-            </a:r>
-          </a:p>
-        </p:txBody>
-      </p:sp>
-      <p:sp>
-        <p:nvSpPr>
-          <p:cNvPr id="3" name="Content Placeholder 2"/>
-          <p:cNvSpPr>
-            <a:spLocks noGrp="1"/>
-          </p:cNvSpPr>
-          <p:nvPr>
-            <p:ph idx="1"/>
-          </p:nvPr>
-        </p:nvSpPr>
-        <p:spPr>
-          <a:xfrm>
-            <a:off x="914400" y="1066801"/>
-            <a:ext cx="9984829" cy="5141388"/>
-          </a:xfrm>
-        </p:spPr>
-        <p:txBody>
-          <a:bodyPr vert="horz" lIns="91440" tIns="45720" rIns="91440" bIns="45720" rtlCol="0" anchor="t">
-            <a:normAutofit/>
-          </a:bodyPr>
-          <a:lstStyle/>
-          <a:p>
-            <a:r>
-              <a:rPr lang="en-US" sz="2400" dirty="0">
-                <a:cs typeface="Times New Roman" panose="02020603050405020304" pitchFamily="18" charset="0"/>
-              </a:rPr>
-              <a:t>Many quasi-experimental approaches are very assumption dependent</a:t>
-            </a:r>
-          </a:p>
-          <a:p>
-            <a:r>
-              <a:rPr lang="en-US" sz="2400" b="1" dirty="0">
-                <a:cs typeface="Times New Roman" panose="02020603050405020304" pitchFamily="18" charset="0"/>
-              </a:rPr>
-              <a:t>IV is no exception!</a:t>
-            </a:r>
-          </a:p>
-        </p:txBody>
-      </p:sp>
-    </p:spTree>
-    <p:extLst>
-      <p:ext uri="{BB962C8B-B14F-4D97-AF65-F5344CB8AC3E}">
-        <p14:creationId xmlns:p14="http://schemas.microsoft.com/office/powerpoint/2010/main" val="2081741935"/>
-      </p:ext>
-    </p:extLst>
-  </p:cSld>
-  <p:clrMapOvr>
-    <a:masterClrMapping/>
-  </p:clrMapOvr>
-</p:sld>
-</file>
-
 <file path=ppt/slides/slide51.xml><?xml version="1.0" encoding="utf-8"?>
 <p:sld xmlns:a="http://schemas.openxmlformats.org/drawingml/2006/main" xmlns:r="http://schemas.openxmlformats.org/officeDocument/2006/relationships" xmlns:p="http://schemas.openxmlformats.org/presentationml/2006/main">
   <p:cSld>
@@ -20635,68 +20727,12 @@
               <a:t>IV is no exception!</a:t>
             </a:r>
           </a:p>
-          <a:p>
-            <a:r>
-              <a:rPr lang="en-US" sz="2400" dirty="0">
-                <a:cs typeface="Times New Roman" panose="02020603050405020304" pitchFamily="18" charset="0"/>
-              </a:rPr>
-              <a:t>Some things to be aware of: </a:t>
-            </a:r>
-          </a:p>
-          <a:p>
-            <a:pPr lvl="1"/>
-            <a:r>
-              <a:rPr lang="en-US" sz="2200" dirty="0">
-                <a:cs typeface="Times New Roman" panose="02020603050405020304" pitchFamily="18" charset="0"/>
-              </a:rPr>
-              <a:t>IV is biased if you condition on post-instrument variables</a:t>
-            </a:r>
-          </a:p>
-          <a:p>
-            <a:pPr lvl="1"/>
-            <a:r>
-              <a:rPr lang="en-US" sz="2200" dirty="0">
-                <a:cs typeface="Times New Roman" panose="02020603050405020304" pitchFamily="18" charset="0"/>
-              </a:rPr>
-              <a:t>IV must match </a:t>
-            </a:r>
-            <a:r>
-              <a:rPr lang="en-US" sz="2200" i="1" dirty="0">
-                <a:cs typeface="Times New Roman" panose="02020603050405020304" pitchFamily="18" charset="0"/>
-              </a:rPr>
-              <a:t>measured treatments</a:t>
-            </a:r>
-            <a:r>
-              <a:rPr lang="en-US" sz="2200" dirty="0">
-                <a:cs typeface="Times New Roman" panose="02020603050405020304" pitchFamily="18" charset="0"/>
-              </a:rPr>
-              <a:t>, not true treatment</a:t>
-            </a:r>
-          </a:p>
-          <a:p>
-            <a:pPr lvl="1"/>
-            <a:r>
-              <a:rPr lang="en-US" sz="2200" dirty="0">
-                <a:cs typeface="Times New Roman" panose="02020603050405020304" pitchFamily="18" charset="0"/>
-              </a:rPr>
-              <a:t>Weak IVs can exacerbate even trivial assumption violations!</a:t>
-            </a:r>
-          </a:p>
-          <a:p>
-            <a:pPr lvl="1"/>
-            <a:r>
-              <a:rPr lang="en-US" sz="2200" dirty="0">
-                <a:cs typeface="Times New Roman" panose="02020603050405020304" pitchFamily="18" charset="0"/>
-              </a:rPr>
-              <a:t>Small sample bias – your assumptions might be statistically violated at random</a:t>
-            </a:r>
-          </a:p>
         </p:txBody>
       </p:sp>
     </p:spTree>
     <p:extLst>
       <p:ext uri="{BB962C8B-B14F-4D97-AF65-F5344CB8AC3E}">
-        <p14:creationId xmlns:p14="http://schemas.microsoft.com/office/powerpoint/2010/main" val="3997481421"/>
+        <p14:creationId xmlns:p14="http://schemas.microsoft.com/office/powerpoint/2010/main" val="2081741935"/>
       </p:ext>
     </p:extLst>
   </p:cSld>
@@ -20747,6 +20783,189 @@
           <a:p>
             <a:r>
               <a:rPr lang="en-US" sz="3600" dirty="0">
+                <a:latin typeface="Times New Roman"/>
+                <a:cs typeface="Times New Roman"/>
+              </a:rPr>
+              <a:t>Using an IV: What if I </a:t>
+            </a:r>
+            <a:r>
+              <a:rPr lang="en-US" sz="3600" b="1" dirty="0">
+                <a:solidFill>
+                  <a:schemeClr val="accent2">
+                    <a:lumMod val="75000"/>
+                  </a:schemeClr>
+                </a:solidFill>
+                <a:latin typeface="Times New Roman"/>
+                <a:cs typeface="Times New Roman"/>
+              </a:rPr>
+              <a:t>can’t</a:t>
+            </a:r>
+            <a:r>
+              <a:rPr lang="en-US" sz="3600" b="1" dirty="0">
+                <a:latin typeface="Times New Roman"/>
+                <a:cs typeface="Times New Roman"/>
+              </a:rPr>
+              <a:t> </a:t>
+            </a:r>
+            <a:r>
+              <a:rPr lang="en-US" sz="3600" dirty="0">
+                <a:latin typeface="Times New Roman"/>
+                <a:cs typeface="Times New Roman"/>
+              </a:rPr>
+              <a:t>defend my IV? </a:t>
+            </a:r>
+          </a:p>
+        </p:txBody>
+      </p:sp>
+      <p:sp>
+        <p:nvSpPr>
+          <p:cNvPr id="3" name="Content Placeholder 2"/>
+          <p:cNvSpPr>
+            <a:spLocks noGrp="1"/>
+          </p:cNvSpPr>
+          <p:nvPr>
+            <p:ph idx="1"/>
+          </p:nvPr>
+        </p:nvSpPr>
+        <p:spPr>
+          <a:xfrm>
+            <a:off x="914400" y="1066801"/>
+            <a:ext cx="9984829" cy="5141388"/>
+          </a:xfrm>
+        </p:spPr>
+        <p:txBody>
+          <a:bodyPr vert="horz" lIns="91440" tIns="45720" rIns="91440" bIns="45720" rtlCol="0" anchor="t">
+            <a:normAutofit/>
+          </a:bodyPr>
+          <a:lstStyle/>
+          <a:p>
+            <a:r>
+              <a:rPr lang="en-US" sz="2400" dirty="0">
+                <a:cs typeface="Times New Roman" panose="02020603050405020304" pitchFamily="18" charset="0"/>
+              </a:rPr>
+              <a:t>Many quasi-experimental approaches are very assumption dependent</a:t>
+            </a:r>
+          </a:p>
+          <a:p>
+            <a:r>
+              <a:rPr lang="en-US" sz="2400" b="1" dirty="0">
+                <a:cs typeface="Times New Roman" panose="02020603050405020304" pitchFamily="18" charset="0"/>
+              </a:rPr>
+              <a:t>IV is no exception!</a:t>
+            </a:r>
+          </a:p>
+          <a:p>
+            <a:r>
+              <a:rPr lang="en-US" sz="2400" dirty="0">
+                <a:cs typeface="Times New Roman" panose="02020603050405020304" pitchFamily="18" charset="0"/>
+              </a:rPr>
+              <a:t>Some things to be aware of: </a:t>
+            </a:r>
+          </a:p>
+          <a:p>
+            <a:pPr lvl="1"/>
+            <a:r>
+              <a:rPr lang="en-US" sz="2200" dirty="0">
+                <a:cs typeface="Times New Roman" panose="02020603050405020304" pitchFamily="18" charset="0"/>
+              </a:rPr>
+              <a:t>IV is biased if you condition on post-instrument variables</a:t>
+            </a:r>
+          </a:p>
+          <a:p>
+            <a:pPr lvl="1"/>
+            <a:r>
+              <a:rPr lang="en-US" sz="2200" dirty="0">
+                <a:cs typeface="Times New Roman" panose="02020603050405020304" pitchFamily="18" charset="0"/>
+              </a:rPr>
+              <a:t>IV must match </a:t>
+            </a:r>
+            <a:r>
+              <a:rPr lang="en-US" sz="2200" i="1" dirty="0">
+                <a:cs typeface="Times New Roman" panose="02020603050405020304" pitchFamily="18" charset="0"/>
+              </a:rPr>
+              <a:t>measured treatments</a:t>
+            </a:r>
+            <a:r>
+              <a:rPr lang="en-US" sz="2200" dirty="0">
+                <a:cs typeface="Times New Roman" panose="02020603050405020304" pitchFamily="18" charset="0"/>
+              </a:rPr>
+              <a:t>, not true treatment</a:t>
+            </a:r>
+          </a:p>
+          <a:p>
+            <a:pPr lvl="1"/>
+            <a:r>
+              <a:rPr lang="en-US" sz="2200" dirty="0">
+                <a:cs typeface="Times New Roman" panose="02020603050405020304" pitchFamily="18" charset="0"/>
+              </a:rPr>
+              <a:t>Weak IVs can exacerbate even trivial assumption violations!</a:t>
+            </a:r>
+          </a:p>
+          <a:p>
+            <a:pPr lvl="1"/>
+            <a:r>
+              <a:rPr lang="en-US" sz="2200" dirty="0">
+                <a:cs typeface="Times New Roman" panose="02020603050405020304" pitchFamily="18" charset="0"/>
+              </a:rPr>
+              <a:t>Small sample bias – your assumptions might be statistically violated at random</a:t>
+            </a:r>
+          </a:p>
+        </p:txBody>
+      </p:sp>
+    </p:spTree>
+    <p:extLst>
+      <p:ext uri="{BB962C8B-B14F-4D97-AF65-F5344CB8AC3E}">
+        <p14:creationId xmlns:p14="http://schemas.microsoft.com/office/powerpoint/2010/main" val="3997481421"/>
+      </p:ext>
+    </p:extLst>
+  </p:cSld>
+  <p:clrMapOvr>
+    <a:masterClrMapping/>
+  </p:clrMapOvr>
+</p:sld>
+</file>
+
+<file path=ppt/slides/slide53.xml><?xml version="1.0" encoding="utf-8"?>
+<p:sld xmlns:a="http://schemas.openxmlformats.org/drawingml/2006/main" xmlns:r="http://schemas.openxmlformats.org/officeDocument/2006/relationships" xmlns:p="http://schemas.openxmlformats.org/presentationml/2006/main">
+  <p:cSld>
+    <p:spTree>
+      <p:nvGrpSpPr>
+        <p:cNvPr id="1" name=""/>
+        <p:cNvGrpSpPr/>
+        <p:nvPr/>
+      </p:nvGrpSpPr>
+      <p:grpSpPr>
+        <a:xfrm>
+          <a:off x="0" y="0"/>
+          <a:ext cx="0" cy="0"/>
+          <a:chOff x="0" y="0"/>
+          <a:chExt cx="0" cy="0"/>
+        </a:xfrm>
+      </p:grpSpPr>
+      <p:sp>
+        <p:nvSpPr>
+          <p:cNvPr id="2" name="Title 1"/>
+          <p:cNvSpPr>
+            <a:spLocks noGrp="1"/>
+          </p:cNvSpPr>
+          <p:nvPr>
+            <p:ph type="title"/>
+          </p:nvPr>
+        </p:nvSpPr>
+        <p:spPr>
+          <a:xfrm>
+            <a:off x="609600" y="337392"/>
+            <a:ext cx="10439400" cy="624840"/>
+          </a:xfrm>
+        </p:spPr>
+        <p:txBody>
+          <a:bodyPr>
+            <a:noAutofit/>
+          </a:bodyPr>
+          <a:lstStyle/>
+          <a:p>
+            <a:r>
+              <a:rPr lang="en-US" sz="3600" dirty="0">
                 <a:cs typeface="Times New Roman" panose="02020603050405020304" pitchFamily="18" charset="0"/>
               </a:rPr>
               <a:t>Using an IV: Best Practices</a:t>
@@ -20799,7 +21018,7 @@
 </p:sld>
 </file>
 
-<file path=ppt/slides/slide53.xml><?xml version="1.0" encoding="utf-8"?>
+<file path=ppt/slides/slide54.xml><?xml version="1.0" encoding="utf-8"?>
 <p:sld xmlns:a="http://schemas.openxmlformats.org/drawingml/2006/main" xmlns:r="http://schemas.openxmlformats.org/officeDocument/2006/relationships" xmlns:p="http://schemas.openxmlformats.org/presentationml/2006/main">
   <p:cSld>
     <p:spTree>
@@ -20918,7 +21137,7 @@
 </p:sld>
 </file>
 
-<file path=ppt/slides/slide54.xml><?xml version="1.0" encoding="utf-8"?>
+<file path=ppt/slides/slide55.xml><?xml version="1.0" encoding="utf-8"?>
 <p:sld xmlns:a="http://schemas.openxmlformats.org/drawingml/2006/main" xmlns:r="http://schemas.openxmlformats.org/officeDocument/2006/relationships" xmlns:p="http://schemas.openxmlformats.org/presentationml/2006/main">
   <p:cSld>
     <p:spTree>
@@ -21071,7 +21290,7 @@
 </p:sld>
 </file>
 
-<file path=ppt/slides/slide55.xml><?xml version="1.0" encoding="utf-8"?>
+<file path=ppt/slides/slide56.xml><?xml version="1.0" encoding="utf-8"?>
 <p:sld xmlns:a="http://schemas.openxmlformats.org/drawingml/2006/main" xmlns:r="http://schemas.openxmlformats.org/officeDocument/2006/relationships" xmlns:p="http://schemas.openxmlformats.org/presentationml/2006/main">
   <p:cSld>
     <p:spTree>
@@ -21267,7 +21486,7 @@
 </p:sld>
 </file>
 
-<file path=ppt/slides/slide56.xml><?xml version="1.0" encoding="utf-8"?>
+<file path=ppt/slides/slide57.xml><?xml version="1.0" encoding="utf-8"?>
 <p:sld xmlns:a="http://schemas.openxmlformats.org/drawingml/2006/main" xmlns:r="http://schemas.openxmlformats.org/officeDocument/2006/relationships" xmlns:p="http://schemas.openxmlformats.org/presentationml/2006/main">
   <p:cSld>
     <p:spTree>
@@ -21705,7 +21924,7 @@
 </p:sld>
 </file>
 
-<file path=ppt/slides/slide57.xml><?xml version="1.0" encoding="utf-8"?>
+<file path=ppt/slides/slide58.xml><?xml version="1.0" encoding="utf-8"?>
 <p:sld xmlns:a="http://schemas.openxmlformats.org/drawingml/2006/main" xmlns:r="http://schemas.openxmlformats.org/officeDocument/2006/relationships" xmlns:p="http://schemas.openxmlformats.org/presentationml/2006/main">
   <p:cSld>
     <p:spTree>
@@ -22009,7 +22228,7 @@
 </p:sld>
 </file>
 
-<file path=ppt/slides/slide58.xml><?xml version="1.0" encoding="utf-8"?>
+<file path=ppt/slides/slide59.xml><?xml version="1.0" encoding="utf-8"?>
 <p:sld xmlns:a="http://schemas.openxmlformats.org/drawingml/2006/main" xmlns:r="http://schemas.openxmlformats.org/officeDocument/2006/relationships" xmlns:p="http://schemas.openxmlformats.org/presentationml/2006/main">
   <p:cSld>
     <p:spTree>
@@ -22323,7 +22542,132 @@
 </p:sld>
 </file>
 
-<file path=ppt/slides/slide59.xml><?xml version="1.0" encoding="utf-8"?>
+<file path=ppt/slides/slide6.xml><?xml version="1.0" encoding="utf-8"?>
+<p:sld xmlns:a="http://schemas.openxmlformats.org/drawingml/2006/main" xmlns:r="http://schemas.openxmlformats.org/officeDocument/2006/relationships" xmlns:p="http://schemas.openxmlformats.org/presentationml/2006/main">
+  <p:cSld>
+    <p:spTree>
+      <p:nvGrpSpPr>
+        <p:cNvPr id="1" name=""/>
+        <p:cNvGrpSpPr/>
+        <p:nvPr/>
+      </p:nvGrpSpPr>
+      <p:grpSpPr>
+        <a:xfrm>
+          <a:off x="0" y="0"/>
+          <a:ext cx="0" cy="0"/>
+          <a:chOff x="0" y="0"/>
+          <a:chExt cx="0" cy="0"/>
+        </a:xfrm>
+      </p:grpSpPr>
+      <p:sp>
+        <p:nvSpPr>
+          <p:cNvPr id="2" name="Title 1"/>
+          <p:cNvSpPr>
+            <a:spLocks noGrp="1"/>
+          </p:cNvSpPr>
+          <p:nvPr>
+            <p:ph type="title"/>
+          </p:nvPr>
+        </p:nvSpPr>
+        <p:spPr>
+          <a:xfrm>
+            <a:off x="609600" y="337392"/>
+            <a:ext cx="10439400" cy="624840"/>
+          </a:xfrm>
+        </p:spPr>
+        <p:txBody>
+          <a:bodyPr>
+            <a:noAutofit/>
+          </a:bodyPr>
+          <a:lstStyle/>
+          <a:p>
+            <a:r>
+              <a:rPr lang="en-US" sz="3600" dirty="0">
+                <a:cs typeface="Times New Roman" panose="02020603050405020304" pitchFamily="18" charset="0"/>
+              </a:rPr>
+              <a:t>Example: Waiting Times and Transplantation Outcomes</a:t>
+            </a:r>
+            <a:endParaRPr lang="en-US" sz="3600" dirty="0">
+              <a:latin typeface="Times New Roman" panose="02020603050405020304" pitchFamily="18" charset="0"/>
+              <a:cs typeface="Times New Roman" panose="02020603050405020304" pitchFamily="18" charset="0"/>
+            </a:endParaRPr>
+          </a:p>
+        </p:txBody>
+      </p:sp>
+      <p:sp>
+        <p:nvSpPr>
+          <p:cNvPr id="3" name="Content Placeholder 2"/>
+          <p:cNvSpPr>
+            <a:spLocks noGrp="1"/>
+          </p:cNvSpPr>
+          <p:nvPr>
+            <p:ph idx="1"/>
+          </p:nvPr>
+        </p:nvSpPr>
+        <p:spPr>
+          <a:xfrm>
+            <a:off x="1219199" y="1066801"/>
+            <a:ext cx="9829801" cy="5141388"/>
+          </a:xfrm>
+        </p:spPr>
+        <p:txBody>
+          <a:bodyPr>
+            <a:noAutofit/>
+          </a:bodyPr>
+          <a:lstStyle/>
+          <a:p>
+            <a:pPr marL="0" indent="0">
+              <a:buNone/>
+            </a:pPr>
+            <a:endParaRPr lang="en-US" sz="2400" dirty="0">
+              <a:cs typeface="Times New Roman" panose="02020603050405020304" pitchFamily="18" charset="0"/>
+            </a:endParaRPr>
+          </a:p>
+        </p:txBody>
+      </p:sp>
+      <p:pic>
+        <p:nvPicPr>
+          <p:cNvPr id="5" name="Content Placeholder 4">
+            <a:extLst>
+              <a:ext uri="{FF2B5EF4-FFF2-40B4-BE49-F238E27FC236}">
+                <a16:creationId xmlns:a16="http://schemas.microsoft.com/office/drawing/2014/main" id="{DFEADC53-BB88-BBCE-B7A3-A4C3B36ADCF3}"/>
+              </a:ext>
+            </a:extLst>
+          </p:cNvPr>
+          <p:cNvPicPr>
+            <a:picLocks noChangeAspect="1"/>
+          </p:cNvPicPr>
+          <p:nvPr/>
+        </p:nvPicPr>
+        <p:blipFill rotWithShape="1">
+          <a:blip r:embed="rId3"/>
+          <a:srcRect l="6036" t="6484" r="9837" b="5811"/>
+          <a:stretch/>
+        </p:blipFill>
+        <p:spPr>
+          <a:xfrm>
+            <a:off x="2400300" y="1066801"/>
+            <a:ext cx="6858000" cy="5641259"/>
+          </a:xfrm>
+          <a:prstGeom prst="rect">
+            <a:avLst/>
+          </a:prstGeom>
+        </p:spPr>
+      </p:pic>
+    </p:spTree>
+    <p:extLst>
+      <p:ext uri="{BB962C8B-B14F-4D97-AF65-F5344CB8AC3E}">
+        <p14:creationId xmlns:p14="http://schemas.microsoft.com/office/powerpoint/2010/main" val="821649247"/>
+      </p:ext>
+    </p:extLst>
+  </p:cSld>
+  <p:clrMapOvr>
+    <a:masterClrMapping/>
+  </p:clrMapOvr>
+</p:sld>
+</file>
+
+<file path=ppt/slides/slide60.xml><?xml version="1.0" encoding="utf-8"?>
 <p:sld xmlns:a="http://schemas.openxmlformats.org/drawingml/2006/main" xmlns:r="http://schemas.openxmlformats.org/officeDocument/2006/relationships" xmlns:p="http://schemas.openxmlformats.org/presentationml/2006/main">
   <p:cSld>
     <p:spTree>
@@ -22802,132 +23146,7 @@
 </p:sld>
 </file>
 
-<file path=ppt/slides/slide6.xml><?xml version="1.0" encoding="utf-8"?>
-<p:sld xmlns:a="http://schemas.openxmlformats.org/drawingml/2006/main" xmlns:r="http://schemas.openxmlformats.org/officeDocument/2006/relationships" xmlns:p="http://schemas.openxmlformats.org/presentationml/2006/main">
-  <p:cSld>
-    <p:spTree>
-      <p:nvGrpSpPr>
-        <p:cNvPr id="1" name=""/>
-        <p:cNvGrpSpPr/>
-        <p:nvPr/>
-      </p:nvGrpSpPr>
-      <p:grpSpPr>
-        <a:xfrm>
-          <a:off x="0" y="0"/>
-          <a:ext cx="0" cy="0"/>
-          <a:chOff x="0" y="0"/>
-          <a:chExt cx="0" cy="0"/>
-        </a:xfrm>
-      </p:grpSpPr>
-      <p:sp>
-        <p:nvSpPr>
-          <p:cNvPr id="2" name="Title 1"/>
-          <p:cNvSpPr>
-            <a:spLocks noGrp="1"/>
-          </p:cNvSpPr>
-          <p:nvPr>
-            <p:ph type="title"/>
-          </p:nvPr>
-        </p:nvSpPr>
-        <p:spPr>
-          <a:xfrm>
-            <a:off x="609600" y="337392"/>
-            <a:ext cx="10439400" cy="624840"/>
-          </a:xfrm>
-        </p:spPr>
-        <p:txBody>
-          <a:bodyPr>
-            <a:noAutofit/>
-          </a:bodyPr>
-          <a:lstStyle/>
-          <a:p>
-            <a:r>
-              <a:rPr lang="en-US" sz="3600" dirty="0">
-                <a:cs typeface="Times New Roman" panose="02020603050405020304" pitchFamily="18" charset="0"/>
-              </a:rPr>
-              <a:t>Example: Waiting Times and Transplantation Outcomes</a:t>
-            </a:r>
-            <a:endParaRPr lang="en-US" sz="3600" dirty="0">
-              <a:latin typeface="Times New Roman" panose="02020603050405020304" pitchFamily="18" charset="0"/>
-              <a:cs typeface="Times New Roman" panose="02020603050405020304" pitchFamily="18" charset="0"/>
-            </a:endParaRPr>
-          </a:p>
-        </p:txBody>
-      </p:sp>
-      <p:sp>
-        <p:nvSpPr>
-          <p:cNvPr id="3" name="Content Placeholder 2"/>
-          <p:cNvSpPr>
-            <a:spLocks noGrp="1"/>
-          </p:cNvSpPr>
-          <p:nvPr>
-            <p:ph idx="1"/>
-          </p:nvPr>
-        </p:nvSpPr>
-        <p:spPr>
-          <a:xfrm>
-            <a:off x="1219199" y="1066801"/>
-            <a:ext cx="9829801" cy="5141388"/>
-          </a:xfrm>
-        </p:spPr>
-        <p:txBody>
-          <a:bodyPr>
-            <a:noAutofit/>
-          </a:bodyPr>
-          <a:lstStyle/>
-          <a:p>
-            <a:pPr marL="0" indent="0">
-              <a:buNone/>
-            </a:pPr>
-            <a:endParaRPr lang="en-US" sz="2400" dirty="0">
-              <a:cs typeface="Times New Roman" panose="02020603050405020304" pitchFamily="18" charset="0"/>
-            </a:endParaRPr>
-          </a:p>
-        </p:txBody>
-      </p:sp>
-      <p:pic>
-        <p:nvPicPr>
-          <p:cNvPr id="5" name="Content Placeholder 4">
-            <a:extLst>
-              <a:ext uri="{FF2B5EF4-FFF2-40B4-BE49-F238E27FC236}">
-                <a16:creationId xmlns:a16="http://schemas.microsoft.com/office/drawing/2014/main" id="{DFEADC53-BB88-BBCE-B7A3-A4C3B36ADCF3}"/>
-              </a:ext>
-            </a:extLst>
-          </p:cNvPr>
-          <p:cNvPicPr>
-            <a:picLocks noChangeAspect="1"/>
-          </p:cNvPicPr>
-          <p:nvPr/>
-        </p:nvPicPr>
-        <p:blipFill rotWithShape="1">
-          <a:blip r:embed="rId3"/>
-          <a:srcRect l="6036" t="6484" r="9837" b="5811"/>
-          <a:stretch/>
-        </p:blipFill>
-        <p:spPr>
-          <a:xfrm>
-            <a:off x="2400300" y="1066801"/>
-            <a:ext cx="6858000" cy="5641259"/>
-          </a:xfrm>
-          <a:prstGeom prst="rect">
-            <a:avLst/>
-          </a:prstGeom>
-        </p:spPr>
-      </p:pic>
-    </p:spTree>
-    <p:extLst>
-      <p:ext uri="{BB962C8B-B14F-4D97-AF65-F5344CB8AC3E}">
-        <p14:creationId xmlns:p14="http://schemas.microsoft.com/office/powerpoint/2010/main" val="821649247"/>
-      </p:ext>
-    </p:extLst>
-  </p:cSld>
-  <p:clrMapOvr>
-    <a:masterClrMapping/>
-  </p:clrMapOvr>
-</p:sld>
-</file>
-
-<file path=ppt/slides/slide60.xml><?xml version="1.0" encoding="utf-8"?>
+<file path=ppt/slides/slide61.xml><?xml version="1.0" encoding="utf-8"?>
 <p:sld xmlns:a="http://schemas.openxmlformats.org/drawingml/2006/main" xmlns:r="http://schemas.openxmlformats.org/officeDocument/2006/relationships" xmlns:p="http://schemas.openxmlformats.org/presentationml/2006/main">
   <p:cSld>
     <p:spTree>
@@ -23067,324 +23286,6 @@
     <p:extLst>
       <p:ext uri="{BB962C8B-B14F-4D97-AF65-F5344CB8AC3E}">
         <p14:creationId xmlns:p14="http://schemas.microsoft.com/office/powerpoint/2010/main" val="120145603"/>
-      </p:ext>
-    </p:extLst>
-  </p:cSld>
-  <p:clrMapOvr>
-    <a:masterClrMapping/>
-  </p:clrMapOvr>
-</p:sld>
-</file>
-
-<file path=ppt/slides/slide61.xml><?xml version="1.0" encoding="utf-8"?>
-<p:sld xmlns:a="http://schemas.openxmlformats.org/drawingml/2006/main" xmlns:r="http://schemas.openxmlformats.org/officeDocument/2006/relationships" xmlns:p="http://schemas.openxmlformats.org/presentationml/2006/main">
-  <p:cSld>
-    <p:spTree>
-      <p:nvGrpSpPr>
-        <p:cNvPr id="1" name=""/>
-        <p:cNvGrpSpPr/>
-        <p:nvPr/>
-      </p:nvGrpSpPr>
-      <p:grpSpPr>
-        <a:xfrm>
-          <a:off x="0" y="0"/>
-          <a:ext cx="0" cy="0"/>
-          <a:chOff x="0" y="0"/>
-          <a:chExt cx="0" cy="0"/>
-        </a:xfrm>
-      </p:grpSpPr>
-      <p:sp>
-        <p:nvSpPr>
-          <p:cNvPr id="3" name="Content Placeholder 2">
-            <a:extLst>
-              <a:ext uri="{FF2B5EF4-FFF2-40B4-BE49-F238E27FC236}">
-                <a16:creationId xmlns:a16="http://schemas.microsoft.com/office/drawing/2014/main" id="{8BFAC18E-4064-A1FE-C1EB-5D23F1DFAD23}"/>
-              </a:ext>
-            </a:extLst>
-          </p:cNvPr>
-          <p:cNvSpPr>
-            <a:spLocks noGrp="1"/>
-          </p:cNvSpPr>
-          <p:nvPr>
-            <p:ph idx="1"/>
-          </p:nvPr>
-        </p:nvSpPr>
-        <p:spPr>
-          <a:xfrm>
-            <a:off x="914400" y="1119952"/>
-            <a:ext cx="9984829" cy="5357048"/>
-          </a:xfrm>
-        </p:spPr>
-        <p:txBody>
-          <a:bodyPr vert="horz" lIns="91440" tIns="45720" rIns="91440" bIns="45720" rtlCol="0" anchor="t">
-            <a:normAutofit/>
-          </a:bodyPr>
-          <a:lstStyle/>
-          <a:p>
-            <a:r>
-              <a:rPr lang="en-US" sz="2400" dirty="0">
-                <a:latin typeface="Times New Roman"/>
-                <a:cs typeface="Times New Roman"/>
-                <a:hlinkClick r:id="rId3"/>
-              </a:rPr>
-              <a:t>The Effect of Evictions on Opioid Mortality</a:t>
-            </a:r>
-            <a:r>
-              <a:rPr lang="en-US" sz="2400" dirty="0">
-                <a:latin typeface="Times New Roman"/>
-                <a:cs typeface="Times New Roman"/>
-              </a:rPr>
-              <a:t> (Bradford and Bradford, </a:t>
-            </a:r>
-            <a:r>
-              <a:rPr lang="en-US" sz="2400" i="1" dirty="0">
-                <a:latin typeface="Times New Roman"/>
-                <a:cs typeface="Times New Roman"/>
-              </a:rPr>
-              <a:t>Health Services Research </a:t>
-            </a:r>
-            <a:r>
-              <a:rPr lang="en-US" sz="2400" dirty="0">
-                <a:latin typeface="Times New Roman"/>
-                <a:cs typeface="Times New Roman"/>
-              </a:rPr>
-              <a:t>2020)</a:t>
-            </a:r>
-          </a:p>
-          <a:p>
-            <a:pPr marL="0" indent="0">
-              <a:buNone/>
-            </a:pPr>
-            <a:r>
-              <a:rPr lang="en-US" sz="2400" dirty="0">
-                <a:latin typeface="Times New Roman"/>
-                <a:cs typeface="Times New Roman"/>
-              </a:rPr>
-              <a:t>Other popular (and more generalizable) IV approaches: </a:t>
-            </a:r>
-          </a:p>
-          <a:p>
-            <a:pPr marL="457200" indent="-457200">
-              <a:buAutoNum type="arabicPeriod"/>
-            </a:pPr>
-            <a:r>
-              <a:rPr lang="en-US" sz="2400" b="1" dirty="0">
-                <a:solidFill>
-                  <a:schemeClr val="accent2">
-                    <a:lumMod val="75000"/>
-                  </a:schemeClr>
-                </a:solidFill>
-                <a:latin typeface="Times New Roman"/>
-                <a:cs typeface="Times New Roman"/>
-              </a:rPr>
-              <a:t>Lotteries</a:t>
-            </a:r>
-            <a:r>
-              <a:rPr lang="en-US" sz="2400" dirty="0">
-                <a:latin typeface="Times New Roman"/>
-                <a:cs typeface="Times New Roman"/>
-              </a:rPr>
-              <a:t>: experiment with </a:t>
-            </a:r>
-            <a:r>
-              <a:rPr lang="en-US" sz="2400" b="1" dirty="0">
-                <a:solidFill>
-                  <a:schemeClr val="accent2">
-                    <a:lumMod val="75000"/>
-                  </a:schemeClr>
-                </a:solidFill>
-                <a:latin typeface="Times New Roman"/>
-                <a:cs typeface="Times New Roman"/>
-              </a:rPr>
-              <a:t>voluntary participation</a:t>
-            </a:r>
-            <a:endParaRPr lang="en-US" sz="2400" dirty="0">
-              <a:solidFill>
-                <a:schemeClr val="accent2">
-                  <a:lumMod val="75000"/>
-                </a:schemeClr>
-              </a:solidFill>
-              <a:cs typeface="Times New Roman"/>
-            </a:endParaRPr>
-          </a:p>
-          <a:p>
-            <a:pPr lvl="1"/>
-            <a:r>
-              <a:rPr lang="en-US" sz="2400" b="1" dirty="0">
-                <a:solidFill>
-                  <a:schemeClr val="tx1"/>
-                </a:solidFill>
-                <a:latin typeface="Times New Roman"/>
-                <a:cs typeface="Times New Roman"/>
-              </a:rPr>
-              <a:t>Oregon Medicaid Experiment: </a:t>
-            </a:r>
-            <a:r>
-              <a:rPr lang="en-US" sz="2400" dirty="0">
-                <a:latin typeface="Times New Roman"/>
-                <a:cs typeface="Times New Roman"/>
-              </a:rPr>
-              <a:t>Finkelstein, Amy, Sarah Taubman, Bill Wright, Mira Bernstein, Jonathan Gruber, Joseph P. Newhouse, Heidi Allen, and Katherine Baicker. 2012. “</a:t>
-            </a:r>
-            <a:r>
-              <a:rPr lang="en-US" sz="2400" dirty="0">
-                <a:latin typeface="Times New Roman"/>
-                <a:cs typeface="Times New Roman"/>
-                <a:hlinkClick r:id="rId4"/>
-              </a:rPr>
-              <a:t>The Oregon Health Insurance Experiment: Evidence from the First Year.</a:t>
-            </a:r>
-            <a:r>
-              <a:rPr lang="en-US" sz="2400" dirty="0">
-                <a:latin typeface="Times New Roman"/>
-                <a:cs typeface="Times New Roman"/>
-              </a:rPr>
-              <a:t>” </a:t>
-            </a:r>
-            <a:r>
-              <a:rPr lang="en-US" sz="2400" i="1" dirty="0">
-                <a:latin typeface="Times New Roman"/>
-                <a:cs typeface="Times New Roman"/>
-              </a:rPr>
-              <a:t>Quarterly Journal of Economics</a:t>
-            </a:r>
-            <a:r>
-              <a:rPr lang="en-US" sz="2400" dirty="0">
-                <a:latin typeface="Times New Roman"/>
-                <a:cs typeface="Times New Roman"/>
-              </a:rPr>
-              <a:t> 127 (3): 1057–1106.</a:t>
-            </a:r>
-            <a:endParaRPr lang="en-US" sz="2400" dirty="0">
-              <a:solidFill>
-                <a:schemeClr val="tx1"/>
-              </a:solidFill>
-              <a:cs typeface="Times New Roman"/>
-            </a:endParaRPr>
-          </a:p>
-          <a:p>
-            <a:pPr lvl="1"/>
-            <a:r>
-              <a:rPr lang="en-US" sz="2400" dirty="0">
-                <a:latin typeface="Times New Roman"/>
-                <a:cs typeface="Times New Roman"/>
-              </a:rPr>
-              <a:t>Baicker, Katherine, Sarah L. Taubman, Heidi L. Allen, Mira Bernstein, Jonathan Gruber, Joseph Newhouse, Eric Schneider, Bill Wright, </a:t>
-            </a:r>
-            <a:r>
-              <a:rPr lang="en-US" sz="2400" dirty="0" err="1">
-                <a:latin typeface="Times New Roman"/>
-                <a:cs typeface="Times New Roman"/>
-              </a:rPr>
-              <a:t>Alam</a:t>
-            </a:r>
-            <a:r>
-              <a:rPr lang="en-US" sz="2400" dirty="0">
-                <a:latin typeface="Times New Roman"/>
-                <a:cs typeface="Times New Roman"/>
-              </a:rPr>
-              <a:t> Zaslavsky, and Amy Finkelstein. 2013. “</a:t>
-            </a:r>
-            <a:r>
-              <a:rPr lang="en-US" sz="2400" dirty="0">
-                <a:latin typeface="Times New Roman"/>
-                <a:cs typeface="Times New Roman"/>
-                <a:hlinkClick r:id="rId5"/>
-              </a:rPr>
-              <a:t>The Oregon Experiment – Effects of Medicaid on Clinical Outcomes</a:t>
-            </a:r>
-            <a:r>
-              <a:rPr lang="en-US" sz="2400" dirty="0">
-                <a:latin typeface="Times New Roman"/>
-                <a:cs typeface="Times New Roman"/>
-              </a:rPr>
-              <a:t>.” </a:t>
-            </a:r>
-            <a:r>
-              <a:rPr lang="en-US" sz="2400" i="1" dirty="0">
-                <a:latin typeface="Times New Roman"/>
-                <a:cs typeface="Times New Roman"/>
-              </a:rPr>
-              <a:t>New England Journal of Medicine</a:t>
-            </a:r>
-            <a:r>
-              <a:rPr lang="en-US" sz="2400" dirty="0">
-                <a:latin typeface="Times New Roman"/>
-                <a:cs typeface="Times New Roman"/>
-              </a:rPr>
-              <a:t> 368 (May): 1713–22.</a:t>
-            </a:r>
-            <a:endParaRPr lang="en-US" sz="2400" dirty="0">
-              <a:solidFill>
-                <a:srgbClr val="262626"/>
-              </a:solidFill>
-              <a:latin typeface="Times New Roman"/>
-              <a:cs typeface="Times New Roman"/>
-            </a:endParaRPr>
-          </a:p>
-        </p:txBody>
-      </p:sp>
-      <p:sp>
-        <p:nvSpPr>
-          <p:cNvPr id="5" name="Title 1">
-            <a:extLst>
-              <a:ext uri="{FF2B5EF4-FFF2-40B4-BE49-F238E27FC236}">
-                <a16:creationId xmlns:a16="http://schemas.microsoft.com/office/drawing/2014/main" id="{EF3111ED-61A2-2123-0D2A-EFDD981A07C2}"/>
-              </a:ext>
-            </a:extLst>
-          </p:cNvPr>
-          <p:cNvSpPr txBox="1">
-            <a:spLocks/>
-          </p:cNvSpPr>
-          <p:nvPr/>
-        </p:nvSpPr>
-        <p:spPr>
-          <a:xfrm>
-            <a:off x="609600" y="337392"/>
-            <a:ext cx="10439400" cy="624840"/>
-          </a:xfrm>
-          <a:prstGeom prst="rect">
-            <a:avLst/>
-          </a:prstGeom>
-        </p:spPr>
-        <p:txBody>
-          <a:bodyPr vert="horz" lIns="91440" tIns="45720" rIns="91440" bIns="45720" rtlCol="0" anchor="b">
-            <a:noAutofit/>
-          </a:bodyPr>
-          <a:lstStyle>
-            <a:lvl1pPr algn="l" defTabSz="914400" rtl="0" eaLnBrk="1" latinLnBrk="0" hangingPunct="1">
-              <a:lnSpc>
-                <a:spcPct val="90000"/>
-              </a:lnSpc>
-              <a:spcBef>
-                <a:spcPct val="0"/>
-              </a:spcBef>
-              <a:buNone/>
-              <a:defRPr sz="4400" kern="1200" spc="-50" baseline="0">
-                <a:solidFill>
-                  <a:schemeClr val="tx1"/>
-                </a:solidFill>
-                <a:latin typeface="Times New Roman" panose="02020603050405020304" pitchFamily="18" charset="0"/>
-                <a:ea typeface="+mj-ea"/>
-                <a:cs typeface="+mj-cs"/>
-              </a:defRPr>
-            </a:lvl1pPr>
-          </a:lstStyle>
-          <a:p>
-            <a:r>
-              <a:rPr lang="en-US" sz="3600" dirty="0">
-                <a:latin typeface="Times New Roman"/>
-                <a:cs typeface="Times New Roman"/>
-              </a:rPr>
-              <a:t>Other Example Papers and Instruments</a:t>
-            </a:r>
-          </a:p>
-        </p:txBody>
-      </p:sp>
-    </p:spTree>
-    <p:extLst>
-      <p:ext uri="{BB962C8B-B14F-4D97-AF65-F5344CB8AC3E}">
-        <p14:creationId xmlns:p14="http://schemas.microsoft.com/office/powerpoint/2010/main" val="3091592743"/>
       </p:ext>
     </p:extLst>
   </p:cSld>
@@ -23480,17 +23381,10 @@
               </a:rPr>
               <a:t>Other popular (and more generalizable) IV approaches: </a:t>
             </a:r>
-            <a:endParaRPr lang="en-US" sz="2400" dirty="0">
-              <a:solidFill>
-                <a:srgbClr val="000000"/>
-              </a:solidFill>
-              <a:latin typeface="Times New Roman"/>
-              <a:cs typeface="Times New Roman"/>
-            </a:endParaRPr>
-          </a:p>
-          <a:p>
-            <a:pPr marL="0" indent="0">
-              <a:buNone/>
+          </a:p>
+          <a:p>
+            <a:pPr marL="457200" indent="-457200">
+              <a:buAutoNum type="arabicPeriod"/>
             </a:pPr>
             <a:r>
               <a:rPr lang="en-US" sz="2400" b="1" dirty="0">
@@ -23502,200 +23396,148 @@
                 <a:latin typeface="Times New Roman"/>
                 <a:cs typeface="Times New Roman"/>
               </a:rPr>
-              <a:t>2. Judge Fixed Effects </a:t>
+              <a:t>Lotteries</a:t>
             </a:r>
             <a:r>
               <a:rPr lang="en-US" sz="2400" dirty="0">
                 <a:latin typeface="Times New Roman"/>
                 <a:cs typeface="Times New Roman"/>
               </a:rPr>
-              <a:t>(also called leniency designs)</a:t>
-            </a:r>
-            <a:endParaRPr lang="en-US" sz="2400" dirty="0"/>
-          </a:p>
-          <a:p>
-            <a:pPr lvl="1">
-              <a:buFont typeface="Wingdings 2"/>
-              <a:buChar char=""/>
-            </a:pPr>
+              <a:t>: experiment with </a:t>
+            </a:r>
+            <a:r>
+              <a:rPr lang="en-US" sz="2400" b="1" dirty="0">
+                <a:solidFill>
+                  <a:schemeClr val="accent2">
+                    <a:lumMod val="75000"/>
+                  </a:schemeClr>
+                </a:solidFill>
+                <a:latin typeface="Times New Roman"/>
+                <a:cs typeface="Times New Roman"/>
+              </a:rPr>
+              <a:t>voluntary participation</a:t>
+            </a:r>
+            <a:endParaRPr lang="en-US" sz="2400" dirty="0">
+              <a:solidFill>
+                <a:schemeClr val="accent2">
+                  <a:lumMod val="75000"/>
+                </a:schemeClr>
+              </a:solidFill>
+              <a:cs typeface="Times New Roman"/>
+            </a:endParaRPr>
+          </a:p>
+          <a:p>
+            <a:pPr lvl="1"/>
+            <a:r>
+              <a:rPr lang="en-US" sz="2400" b="1" dirty="0">
+                <a:solidFill>
+                  <a:schemeClr val="tx1"/>
+                </a:solidFill>
+                <a:latin typeface="Times New Roman"/>
+                <a:cs typeface="Times New Roman"/>
+              </a:rPr>
+              <a:t>Oregon Medicaid Experiment: </a:t>
+            </a:r>
             <a:r>
               <a:rPr lang="en-US" sz="2400" dirty="0">
                 <a:latin typeface="Times New Roman"/>
                 <a:cs typeface="Times New Roman"/>
               </a:rPr>
-              <a:t>Narrow pipeline through which all individuals must pass</a:t>
-            </a:r>
-          </a:p>
-          <a:p>
-            <a:pPr lvl="1">
-              <a:buFont typeface="Wingdings 2"/>
-              <a:buChar char=""/>
-            </a:pPr>
+              <a:t>Finkelstein, Amy, Sarah Taubman, Bill Wright, Mira Bernstein, Jonathan Gruber, Joseph P. Newhouse, Heidi Allen, and Katherine Baicker. 2012. “</a:t>
+            </a:r>
             <a:r>
               <a:rPr lang="en-US" sz="2400" dirty="0">
                 <a:latin typeface="Times New Roman"/>
                 <a:cs typeface="Times New Roman"/>
-              </a:rPr>
-              <a:t>Individuals are randomly assigned a decision-maker </a:t>
-            </a:r>
-          </a:p>
-          <a:p>
-            <a:pPr lvl="1">
-              <a:buFont typeface="Wingdings 2"/>
-              <a:buChar char=""/>
-            </a:pPr>
+                <a:hlinkClick r:id="rId4"/>
+              </a:rPr>
+              <a:t>The Oregon Health Insurance Experiment: Evidence from the First Year.</a:t>
+            </a:r>
             <a:r>
               <a:rPr lang="en-US" sz="2400" dirty="0">
                 <a:latin typeface="Times New Roman"/>
                 <a:cs typeface="Times New Roman"/>
               </a:rPr>
-              <a:t>Decision-maker has discretion over final outcome</a:t>
-            </a:r>
-            <a:endParaRPr lang="en-US" sz="2400" dirty="0"/>
-          </a:p>
-          <a:p>
-            <a:pPr indent="0">
-              <a:buFont typeface="Arial"/>
-              <a:buChar char="•"/>
-            </a:pPr>
-            <a:r>
-              <a:rPr lang="en-US" sz="2400" spc="0" dirty="0">
-                <a:solidFill>
-                  <a:srgbClr val="262626"/>
-                </a:solidFill>
+              <a:t>” </a:t>
+            </a:r>
+            <a:r>
+              <a:rPr lang="en-US" sz="2400" i="1" dirty="0">
                 <a:latin typeface="Times New Roman"/>
                 <a:cs typeface="Times New Roman"/>
               </a:rPr>
-              <a:t>Then, random "judge" assignment can be used to instrument for outcomes </a:t>
-            </a:r>
-            <a:endParaRPr lang="en-US" sz="2400" spc="0" dirty="0">
+              <a:t>Quarterly Journal of Economics</a:t>
+            </a:r>
+            <a:r>
+              <a:rPr lang="en-US" sz="2400" dirty="0">
+                <a:latin typeface="Times New Roman"/>
+                <a:cs typeface="Times New Roman"/>
+              </a:rPr>
+              <a:t> 127 (3): 1057–1106.</a:t>
+            </a:r>
+            <a:endParaRPr lang="en-US" sz="2400" dirty="0">
+              <a:solidFill>
+                <a:schemeClr val="tx1"/>
+              </a:solidFill>
+              <a:cs typeface="Times New Roman"/>
+            </a:endParaRPr>
+          </a:p>
+          <a:p>
+            <a:pPr lvl="1"/>
+            <a:r>
+              <a:rPr lang="en-US" sz="2400" dirty="0">
+                <a:latin typeface="Times New Roman"/>
+                <a:cs typeface="Times New Roman"/>
+              </a:rPr>
+              <a:t>Baicker, Katherine, Sarah L. Taubman, Heidi L. Allen, Mira Bernstein, Jonathan Gruber, Joseph Newhouse, Eric Schneider, Bill Wright, </a:t>
+            </a:r>
+            <a:r>
+              <a:rPr lang="en-US" sz="2400" dirty="0" err="1">
+                <a:latin typeface="Times New Roman"/>
+                <a:cs typeface="Times New Roman"/>
+              </a:rPr>
+              <a:t>Alam</a:t>
+            </a:r>
+            <a:r>
+              <a:rPr lang="en-US" sz="2400" dirty="0">
+                <a:latin typeface="Times New Roman"/>
+                <a:cs typeface="Times New Roman"/>
+              </a:rPr>
+              <a:t> Zaslavsky, and Amy Finkelstein. 2013. “</a:t>
+            </a:r>
+            <a:r>
+              <a:rPr lang="en-US" sz="2400" dirty="0">
+                <a:latin typeface="Times New Roman"/>
+                <a:cs typeface="Times New Roman"/>
+                <a:hlinkClick r:id="rId5"/>
+              </a:rPr>
+              <a:t>The Oregon Experiment – Effects of Medicaid on Clinical Outcomes</a:t>
+            </a:r>
+            <a:r>
+              <a:rPr lang="en-US" sz="2400" dirty="0">
+                <a:latin typeface="Times New Roman"/>
+                <a:cs typeface="Times New Roman"/>
+              </a:rPr>
+              <a:t>.” </a:t>
+            </a:r>
+            <a:r>
+              <a:rPr lang="en-US" sz="2400" i="1" dirty="0">
+                <a:latin typeface="Times New Roman"/>
+                <a:cs typeface="Times New Roman"/>
+              </a:rPr>
+              <a:t>New England Journal of Medicine</a:t>
+            </a:r>
+            <a:r>
+              <a:rPr lang="en-US" sz="2400" dirty="0">
+                <a:latin typeface="Times New Roman"/>
+                <a:cs typeface="Times New Roman"/>
+              </a:rPr>
+              <a:t> 368 (May): 1713–22.</a:t>
+            </a:r>
+            <a:endParaRPr lang="en-US" sz="2400" dirty="0">
               <a:solidFill>
                 <a:srgbClr val="262626"/>
               </a:solidFill>
-              <a:cs typeface="Times New Roman"/>
-            </a:endParaRPr>
-          </a:p>
-          <a:p>
-            <a:pPr indent="0">
-              <a:buFont typeface="Arial"/>
-              <a:buChar char="•"/>
-            </a:pPr>
-            <a:r>
-              <a:rPr lang="en-US" sz="2400" spc="0" dirty="0">
-                <a:solidFill>
-                  <a:srgbClr val="262626"/>
-                </a:solidFill>
-                <a:latin typeface="Times New Roman"/>
-                <a:cs typeface="Times New Roman"/>
-              </a:rPr>
-              <a:t>What are some health policy examples of this? Are they valid? </a:t>
-            </a:r>
-            <a:endParaRPr lang="en-US" sz="2400" spc="0" dirty="0">
-              <a:cs typeface="Times New Roman"/>
-            </a:endParaRPr>
-          </a:p>
-          <a:p>
-            <a:pPr indent="0">
-              <a:buFont typeface="Arial"/>
-              <a:buChar char="•"/>
-            </a:pPr>
-            <a:r>
-              <a:rPr lang="en-US" sz="2400" spc="0" dirty="0" err="1">
-                <a:solidFill>
-                  <a:srgbClr val="262626"/>
-                </a:solidFill>
-                <a:latin typeface="Times New Roman"/>
-                <a:cs typeface="Times New Roman"/>
-              </a:rPr>
-              <a:t>Bakx</a:t>
-            </a:r>
-            <a:r>
-              <a:rPr lang="en-US" sz="2400" spc="0" dirty="0">
-                <a:solidFill>
-                  <a:srgbClr val="262626"/>
-                </a:solidFill>
-                <a:latin typeface="Times New Roman"/>
-                <a:cs typeface="Times New Roman"/>
-              </a:rPr>
-              <a:t>, </a:t>
-            </a:r>
-            <a:r>
-              <a:rPr lang="en-US" sz="2400" spc="0" dirty="0" err="1">
-                <a:solidFill>
-                  <a:srgbClr val="262626"/>
-                </a:solidFill>
-                <a:latin typeface="Times New Roman"/>
-                <a:cs typeface="Times New Roman"/>
-              </a:rPr>
-              <a:t>Wouterse</a:t>
-            </a:r>
-            <a:r>
-              <a:rPr lang="en-US" sz="2400" spc="0" dirty="0">
-                <a:solidFill>
-                  <a:srgbClr val="262626"/>
-                </a:solidFill>
-                <a:latin typeface="Times New Roman"/>
-                <a:cs typeface="Times New Roman"/>
-              </a:rPr>
-              <a:t>, van Doorslaer, and Wong (2020, </a:t>
-            </a:r>
-            <a:r>
-              <a:rPr lang="en-US" sz="2400" i="1" spc="0" dirty="0">
-                <a:solidFill>
-                  <a:srgbClr val="262626"/>
-                </a:solidFill>
-                <a:latin typeface="Times New Roman"/>
-                <a:cs typeface="Times New Roman"/>
-              </a:rPr>
-              <a:t>JHE</a:t>
-            </a:r>
-            <a:r>
-              <a:rPr lang="en-US" sz="2400" spc="0" dirty="0">
-                <a:solidFill>
-                  <a:srgbClr val="262626"/>
-                </a:solidFill>
-                <a:latin typeface="Times New Roman"/>
-                <a:cs typeface="Times New Roman"/>
-              </a:rPr>
-              <a:t>): "</a:t>
-            </a:r>
-            <a:r>
-              <a:rPr lang="en-US" sz="2400" spc="0" dirty="0">
-                <a:latin typeface="Times New Roman"/>
-                <a:cs typeface="Times New Roman"/>
-                <a:hlinkClick r:id="rId4"/>
-              </a:rPr>
-              <a:t>Better off at home? Effects of nursing home eligibility on costs, hospitalizations and survival</a:t>
-            </a:r>
-            <a:r>
-              <a:rPr lang="en-US" sz="2400" spc="0" dirty="0">
-                <a:latin typeface="Times New Roman"/>
-                <a:cs typeface="Times New Roman"/>
-              </a:rPr>
-              <a:t>"</a:t>
-            </a:r>
-            <a:endParaRPr lang="en-US" sz="2400" spc="0" dirty="0">
-              <a:solidFill>
-                <a:srgbClr val="262626"/>
-              </a:solidFill>
-              <a:cs typeface="Times New Roman"/>
-            </a:endParaRPr>
-          </a:p>
-          <a:p>
-            <a:pPr lvl="1">
-              <a:buFont typeface="Wingdings 2"/>
-              <a:buChar char=""/>
-            </a:pPr>
-            <a:endParaRPr lang="en-US" sz="2400" dirty="0">
-              <a:cs typeface="Times New Roman"/>
-            </a:endParaRPr>
-          </a:p>
-          <a:p>
-            <a:pPr lvl="1">
-              <a:buFont typeface="Wingdings 2"/>
-              <a:buChar char=""/>
-            </a:pPr>
-            <a:endParaRPr lang="en-US" sz="2400" dirty="0">
+              <a:latin typeface="Times New Roman"/>
               <a:cs typeface="Times New Roman"/>
             </a:endParaRPr>
           </a:p>
@@ -23761,7 +23603,7 @@
     </p:spTree>
     <p:extLst>
       <p:ext uri="{BB962C8B-B14F-4D97-AF65-F5344CB8AC3E}">
-        <p14:creationId xmlns:p14="http://schemas.microsoft.com/office/powerpoint/2010/main" val="3154405288"/>
+        <p14:creationId xmlns:p14="http://schemas.microsoft.com/office/powerpoint/2010/main" val="3091592743"/>
       </p:ext>
     </p:extLst>
   </p:cSld>
@@ -23879,19 +23721,62 @@
                 <a:latin typeface="Times New Roman"/>
                 <a:cs typeface="Times New Roman"/>
               </a:rPr>
-              <a:t>3. Bartik/Shift-Share Instruments</a:t>
-            </a:r>
-            <a:endParaRPr lang="en-US" sz="2400" dirty="0">
-              <a:solidFill>
-                <a:schemeClr val="accent2">
-                  <a:lumMod val="75000"/>
-                </a:schemeClr>
-              </a:solidFill>
-              <a:cs typeface="Times New Roman" panose="02020603050405020304" pitchFamily="18" charset="0"/>
-            </a:endParaRPr>
-          </a:p>
-          <a:p>
-            <a:pPr marL="342900" indent="-342900"/>
+              <a:t>2. Judge Fixed Effects </a:t>
+            </a:r>
+            <a:r>
+              <a:rPr lang="en-US" sz="2400" dirty="0">
+                <a:latin typeface="Times New Roman"/>
+                <a:cs typeface="Times New Roman"/>
+              </a:rPr>
+              <a:t>(also called leniency designs)</a:t>
+            </a:r>
+            <a:endParaRPr lang="en-US" sz="2400" dirty="0"/>
+          </a:p>
+          <a:p>
+            <a:pPr lvl="1">
+              <a:buFont typeface="Wingdings 2"/>
+              <a:buChar char=""/>
+            </a:pPr>
+            <a:r>
+              <a:rPr lang="en-US" sz="2400" dirty="0">
+                <a:latin typeface="Times New Roman"/>
+                <a:cs typeface="Times New Roman"/>
+              </a:rPr>
+              <a:t>Narrow pipeline through which all individuals must pass</a:t>
+            </a:r>
+          </a:p>
+          <a:p>
+            <a:pPr lvl="1">
+              <a:buFont typeface="Wingdings 2"/>
+              <a:buChar char=""/>
+            </a:pPr>
+            <a:r>
+              <a:rPr lang="en-US" sz="2400" dirty="0">
+                <a:latin typeface="Times New Roman"/>
+                <a:cs typeface="Times New Roman"/>
+              </a:rPr>
+              <a:t>Individuals are randomly assigned a decision-maker </a:t>
+            </a:r>
+          </a:p>
+          <a:p>
+            <a:pPr lvl="1">
+              <a:buFont typeface="Wingdings 2"/>
+              <a:buChar char=""/>
+            </a:pPr>
+            <a:r>
+              <a:rPr lang="en-US" sz="2400" dirty="0">
+                <a:latin typeface="Times New Roman"/>
+                <a:cs typeface="Times New Roman"/>
+              </a:rPr>
+              <a:t>Decision-maker has discretion over final outcome</a:t>
+            </a:r>
+            <a:endParaRPr lang="en-US" sz="2400" dirty="0"/>
+          </a:p>
+          <a:p>
+            <a:pPr indent="0">
+              <a:buFont typeface="Arial"/>
+              <a:buChar char="•"/>
+            </a:pPr>
             <a:r>
               <a:rPr lang="en-US" sz="2400" spc="0" dirty="0">
                 <a:solidFill>
@@ -23900,15 +23785,20 @@
                 <a:latin typeface="Times New Roman"/>
                 <a:cs typeface="Times New Roman"/>
               </a:rPr>
-              <a:t>A type of instrument which </a:t>
-            </a:r>
-            <a:r>
-              <a:rPr lang="en-US" sz="2400" spc="0" dirty="0">
-                <a:latin typeface="Times New Roman"/>
-                <a:cs typeface="Times New Roman"/>
-              </a:rPr>
-              <a:t>measures change in a region’s labor demand due to changes in the national demand for different industries’ products</a:t>
-            </a:r>
+              <a:t>Then, random "judge" assignment can be used to instrument for outcomes </a:t>
+            </a:r>
+            <a:endParaRPr lang="en-US" sz="2400" spc="0" dirty="0">
+              <a:solidFill>
+                <a:srgbClr val="262626"/>
+              </a:solidFill>
+              <a:cs typeface="Times New Roman"/>
+            </a:endParaRPr>
+          </a:p>
+          <a:p>
+            <a:pPr indent="0">
+              <a:buFont typeface="Arial"/>
+              <a:buChar char="•"/>
+            </a:pPr>
             <a:r>
               <a:rPr lang="en-US" sz="2400" spc="0" dirty="0">
                 <a:solidFill>
@@ -23917,78 +23807,95 @@
                 <a:latin typeface="Times New Roman"/>
                 <a:cs typeface="Times New Roman"/>
               </a:rPr>
-              <a:t> </a:t>
+              <a:t>What are some health policy examples of this? Are they valid? </a:t>
             </a:r>
             <a:endParaRPr lang="en-US" sz="2400" spc="0" dirty="0">
               <a:cs typeface="Times New Roman"/>
             </a:endParaRPr>
           </a:p>
           <a:p>
-            <a:pPr marL="342900" indent="-342900"/>
+            <a:pPr indent="0">
+              <a:buFont typeface="Arial"/>
+              <a:buChar char="•"/>
+            </a:pPr>
+            <a:r>
+              <a:rPr lang="en-US" sz="2400" spc="0" dirty="0" err="1">
+                <a:solidFill>
+                  <a:srgbClr val="262626"/>
+                </a:solidFill>
+                <a:latin typeface="Times New Roman"/>
+                <a:cs typeface="Times New Roman"/>
+              </a:rPr>
+              <a:t>Bakx</a:t>
+            </a:r>
+            <a:r>
+              <a:rPr lang="en-US" sz="2400" spc="0" dirty="0">
+                <a:solidFill>
+                  <a:srgbClr val="262626"/>
+                </a:solidFill>
+                <a:latin typeface="Times New Roman"/>
+                <a:cs typeface="Times New Roman"/>
+              </a:rPr>
+              <a:t>, </a:t>
+            </a:r>
+            <a:r>
+              <a:rPr lang="en-US" sz="2400" spc="0" dirty="0" err="1">
+                <a:solidFill>
+                  <a:srgbClr val="262626"/>
+                </a:solidFill>
+                <a:latin typeface="Times New Roman"/>
+                <a:cs typeface="Times New Roman"/>
+              </a:rPr>
+              <a:t>Wouterse</a:t>
+            </a:r>
+            <a:r>
+              <a:rPr lang="en-US" sz="2400" spc="0" dirty="0">
+                <a:solidFill>
+                  <a:srgbClr val="262626"/>
+                </a:solidFill>
+                <a:latin typeface="Times New Roman"/>
+                <a:cs typeface="Times New Roman"/>
+              </a:rPr>
+              <a:t>, van Doorslaer, and Wong (2020, </a:t>
+            </a:r>
+            <a:r>
+              <a:rPr lang="en-US" sz="2400" i="1" spc="0" dirty="0">
+                <a:solidFill>
+                  <a:srgbClr val="262626"/>
+                </a:solidFill>
+                <a:latin typeface="Times New Roman"/>
+                <a:cs typeface="Times New Roman"/>
+              </a:rPr>
+              <a:t>JHE</a:t>
+            </a:r>
+            <a:r>
+              <a:rPr lang="en-US" sz="2400" spc="0" dirty="0">
+                <a:solidFill>
+                  <a:srgbClr val="262626"/>
+                </a:solidFill>
+                <a:latin typeface="Times New Roman"/>
+                <a:cs typeface="Times New Roman"/>
+              </a:rPr>
+              <a:t>): "</a:t>
+            </a:r>
             <a:r>
               <a:rPr lang="en-US" sz="2400" spc="0" dirty="0">
                 <a:latin typeface="Times New Roman"/>
                 <a:cs typeface="Times New Roman"/>
-              </a:rPr>
-              <a:t>Created by interacting initial “shares” of geographic regions with national growth rates (in immigration, manufacturing employment, etc.)</a:t>
-            </a:r>
-          </a:p>
-          <a:p>
-            <a:pPr marL="342900" indent="-342900"/>
+                <a:hlinkClick r:id="rId4"/>
+              </a:rPr>
+              <a:t>Better off at home? Effects of nursing home eligibility on costs, hospitalizations and survival</a:t>
+            </a:r>
             <a:r>
               <a:rPr lang="en-US" sz="2400" spc="0" dirty="0">
-                <a:solidFill>
-                  <a:srgbClr val="000000"/>
-                </a:solidFill>
                 <a:latin typeface="Times New Roman"/>
                 <a:cs typeface="Times New Roman"/>
               </a:rPr>
-              <a:t>Example: Currie, </a:t>
-            </a:r>
-            <a:r>
-              <a:rPr lang="en-US" sz="2400" spc="0" dirty="0" err="1">
-                <a:solidFill>
-                  <a:srgbClr val="000000"/>
-                </a:solidFill>
-                <a:latin typeface="Times New Roman"/>
-                <a:cs typeface="Times New Roman"/>
-              </a:rPr>
-              <a:t>Jin</a:t>
-            </a:r>
-            <a:r>
-              <a:rPr lang="en-US" sz="2400" spc="0" dirty="0">
-                <a:solidFill>
-                  <a:srgbClr val="000000"/>
-                </a:solidFill>
-                <a:latin typeface="Times New Roman"/>
-                <a:cs typeface="Times New Roman"/>
-              </a:rPr>
-              <a:t>, and Schnell (2019): "</a:t>
-            </a:r>
-            <a:r>
-              <a:rPr lang="en-US" sz="2400" spc="0" dirty="0">
-                <a:solidFill>
-                  <a:srgbClr val="000000"/>
-                </a:solidFill>
-                <a:latin typeface="Times New Roman"/>
-                <a:cs typeface="Times New Roman"/>
-                <a:hlinkClick r:id="rId4"/>
-              </a:rPr>
-              <a:t>U.S. Employment and Opioids: Is there a Connection?</a:t>
-            </a:r>
-            <a:r>
-              <a:rPr lang="en-US" sz="2400" spc="0" dirty="0">
-                <a:solidFill>
-                  <a:srgbClr val="000000"/>
-                </a:solidFill>
-                <a:latin typeface="Times New Roman"/>
-                <a:cs typeface="Times New Roman"/>
-              </a:rPr>
-              <a:t>," Working paper.  </a:t>
+              <a:t>"</a:t>
             </a:r>
             <a:endParaRPr lang="en-US" sz="2400" spc="0" dirty="0">
               <a:solidFill>
-                <a:srgbClr val="000000"/>
+                <a:srgbClr val="262626"/>
               </a:solidFill>
               <a:cs typeface="Times New Roman"/>
             </a:endParaRPr>
@@ -24073,6 +23980,318 @@
     </p:spTree>
     <p:extLst>
       <p:ext uri="{BB962C8B-B14F-4D97-AF65-F5344CB8AC3E}">
+        <p14:creationId xmlns:p14="http://schemas.microsoft.com/office/powerpoint/2010/main" val="3154405288"/>
+      </p:ext>
+    </p:extLst>
+  </p:cSld>
+  <p:clrMapOvr>
+    <a:masterClrMapping/>
+  </p:clrMapOvr>
+</p:sld>
+</file>
+
+<file path=ppt/slides/slide64.xml><?xml version="1.0" encoding="utf-8"?>
+<p:sld xmlns:a="http://schemas.openxmlformats.org/drawingml/2006/main" xmlns:r="http://schemas.openxmlformats.org/officeDocument/2006/relationships" xmlns:p="http://schemas.openxmlformats.org/presentationml/2006/main">
+  <p:cSld>
+    <p:spTree>
+      <p:nvGrpSpPr>
+        <p:cNvPr id="1" name=""/>
+        <p:cNvGrpSpPr/>
+        <p:nvPr/>
+      </p:nvGrpSpPr>
+      <p:grpSpPr>
+        <a:xfrm>
+          <a:off x="0" y="0"/>
+          <a:ext cx="0" cy="0"/>
+          <a:chOff x="0" y="0"/>
+          <a:chExt cx="0" cy="0"/>
+        </a:xfrm>
+      </p:grpSpPr>
+      <p:sp>
+        <p:nvSpPr>
+          <p:cNvPr id="3" name="Content Placeholder 2">
+            <a:extLst>
+              <a:ext uri="{FF2B5EF4-FFF2-40B4-BE49-F238E27FC236}">
+                <a16:creationId xmlns:a16="http://schemas.microsoft.com/office/drawing/2014/main" id="{8BFAC18E-4064-A1FE-C1EB-5D23F1DFAD23}"/>
+              </a:ext>
+            </a:extLst>
+          </p:cNvPr>
+          <p:cNvSpPr>
+            <a:spLocks noGrp="1"/>
+          </p:cNvSpPr>
+          <p:nvPr>
+            <p:ph idx="1"/>
+          </p:nvPr>
+        </p:nvSpPr>
+        <p:spPr>
+          <a:xfrm>
+            <a:off x="914400" y="1119952"/>
+            <a:ext cx="9984829" cy="5357048"/>
+          </a:xfrm>
+        </p:spPr>
+        <p:txBody>
+          <a:bodyPr vert="horz" lIns="91440" tIns="45720" rIns="91440" bIns="45720" rtlCol="0" anchor="t">
+            <a:normAutofit/>
+          </a:bodyPr>
+          <a:lstStyle/>
+          <a:p>
+            <a:r>
+              <a:rPr lang="en-US" sz="2400" dirty="0">
+                <a:latin typeface="Times New Roman"/>
+                <a:cs typeface="Times New Roman"/>
+                <a:hlinkClick r:id="rId3"/>
+              </a:rPr>
+              <a:t>The Effect of Evictions on Opioid Mortality</a:t>
+            </a:r>
+            <a:r>
+              <a:rPr lang="en-US" sz="2400" dirty="0">
+                <a:latin typeface="Times New Roman"/>
+                <a:cs typeface="Times New Roman"/>
+              </a:rPr>
+              <a:t> (Bradford and Bradford, </a:t>
+            </a:r>
+            <a:r>
+              <a:rPr lang="en-US" sz="2400" i="1" dirty="0">
+                <a:latin typeface="Times New Roman"/>
+                <a:cs typeface="Times New Roman"/>
+              </a:rPr>
+              <a:t>Health Services Research </a:t>
+            </a:r>
+            <a:r>
+              <a:rPr lang="en-US" sz="2400" dirty="0">
+                <a:latin typeface="Times New Roman"/>
+                <a:cs typeface="Times New Roman"/>
+              </a:rPr>
+              <a:t>2020)</a:t>
+            </a:r>
+          </a:p>
+          <a:p>
+            <a:pPr marL="0" indent="0">
+              <a:buNone/>
+            </a:pPr>
+            <a:r>
+              <a:rPr lang="en-US" sz="2400" dirty="0">
+                <a:latin typeface="Times New Roman"/>
+                <a:cs typeface="Times New Roman"/>
+              </a:rPr>
+              <a:t>Other popular (and more generalizable) IV approaches: </a:t>
+            </a:r>
+            <a:endParaRPr lang="en-US" sz="2400" dirty="0">
+              <a:solidFill>
+                <a:srgbClr val="000000"/>
+              </a:solidFill>
+              <a:latin typeface="Times New Roman"/>
+              <a:cs typeface="Times New Roman"/>
+            </a:endParaRPr>
+          </a:p>
+          <a:p>
+            <a:pPr marL="0" indent="0">
+              <a:buNone/>
+            </a:pPr>
+            <a:r>
+              <a:rPr lang="en-US" sz="2400" b="1" dirty="0">
+                <a:solidFill>
+                  <a:schemeClr val="accent2">
+                    <a:lumMod val="75000"/>
+                  </a:schemeClr>
+                </a:solidFill>
+                <a:latin typeface="Times New Roman"/>
+                <a:cs typeface="Times New Roman"/>
+              </a:rPr>
+              <a:t>3. Bartik/Shift-Share Instruments</a:t>
+            </a:r>
+            <a:endParaRPr lang="en-US" sz="2400" dirty="0">
+              <a:solidFill>
+                <a:schemeClr val="accent2">
+                  <a:lumMod val="75000"/>
+                </a:schemeClr>
+              </a:solidFill>
+              <a:cs typeface="Times New Roman" panose="02020603050405020304" pitchFamily="18" charset="0"/>
+            </a:endParaRPr>
+          </a:p>
+          <a:p>
+            <a:pPr marL="342900" indent="-342900"/>
+            <a:r>
+              <a:rPr lang="en-US" sz="2400" spc="0" dirty="0">
+                <a:solidFill>
+                  <a:srgbClr val="262626"/>
+                </a:solidFill>
+                <a:latin typeface="Times New Roman"/>
+                <a:cs typeface="Times New Roman"/>
+              </a:rPr>
+              <a:t>A type of instrument which </a:t>
+            </a:r>
+            <a:r>
+              <a:rPr lang="en-US" sz="2400" spc="0" dirty="0">
+                <a:latin typeface="Times New Roman"/>
+                <a:cs typeface="Times New Roman"/>
+              </a:rPr>
+              <a:t>measures change in a region’s labor demand due to changes in the national demand for different industries’ products</a:t>
+            </a:r>
+            <a:r>
+              <a:rPr lang="en-US" sz="2400" spc="0" dirty="0">
+                <a:solidFill>
+                  <a:srgbClr val="262626"/>
+                </a:solidFill>
+                <a:latin typeface="Times New Roman"/>
+                <a:cs typeface="Times New Roman"/>
+              </a:rPr>
+              <a:t> </a:t>
+            </a:r>
+            <a:endParaRPr lang="en-US" sz="2400" spc="0" dirty="0">
+              <a:cs typeface="Times New Roman"/>
+            </a:endParaRPr>
+          </a:p>
+          <a:p>
+            <a:pPr marL="342900" indent="-342900"/>
+            <a:r>
+              <a:rPr lang="en-US" sz="2400" spc="0" dirty="0">
+                <a:latin typeface="Times New Roman"/>
+                <a:cs typeface="Times New Roman"/>
+              </a:rPr>
+              <a:t>Created by interacting initial “shares” of geographic regions with national growth rates (in immigration, manufacturing employment, etc.)</a:t>
+            </a:r>
+          </a:p>
+          <a:p>
+            <a:pPr marL="342900" indent="-342900"/>
+            <a:r>
+              <a:rPr lang="en-US" sz="2400" spc="0" dirty="0">
+                <a:solidFill>
+                  <a:srgbClr val="000000"/>
+                </a:solidFill>
+                <a:latin typeface="Times New Roman"/>
+                <a:cs typeface="Times New Roman"/>
+              </a:rPr>
+              <a:t>Example: Currie, </a:t>
+            </a:r>
+            <a:r>
+              <a:rPr lang="en-US" sz="2400" spc="0" dirty="0" err="1">
+                <a:solidFill>
+                  <a:srgbClr val="000000"/>
+                </a:solidFill>
+                <a:latin typeface="Times New Roman"/>
+                <a:cs typeface="Times New Roman"/>
+              </a:rPr>
+              <a:t>Jin</a:t>
+            </a:r>
+            <a:r>
+              <a:rPr lang="en-US" sz="2400" spc="0" dirty="0">
+                <a:solidFill>
+                  <a:srgbClr val="000000"/>
+                </a:solidFill>
+                <a:latin typeface="Times New Roman"/>
+                <a:cs typeface="Times New Roman"/>
+              </a:rPr>
+              <a:t>, and Schnell (2019): "</a:t>
+            </a:r>
+            <a:r>
+              <a:rPr lang="en-US" sz="2400" spc="0" dirty="0">
+                <a:solidFill>
+                  <a:srgbClr val="000000"/>
+                </a:solidFill>
+                <a:latin typeface="Times New Roman"/>
+                <a:cs typeface="Times New Roman"/>
+                <a:hlinkClick r:id="rId4"/>
+              </a:rPr>
+              <a:t>U.S. Employment and Opioids: Is there a Connection?</a:t>
+            </a:r>
+            <a:r>
+              <a:rPr lang="en-US" sz="2400" spc="0" dirty="0">
+                <a:solidFill>
+                  <a:srgbClr val="000000"/>
+                </a:solidFill>
+                <a:latin typeface="Times New Roman"/>
+                <a:cs typeface="Times New Roman"/>
+              </a:rPr>
+              <a:t>," Working paper.  </a:t>
+            </a:r>
+            <a:endParaRPr lang="en-US" sz="2400" spc="0" dirty="0">
+              <a:solidFill>
+                <a:srgbClr val="000000"/>
+              </a:solidFill>
+              <a:cs typeface="Times New Roman"/>
+            </a:endParaRPr>
+          </a:p>
+          <a:p>
+            <a:pPr lvl="1">
+              <a:buFont typeface="Wingdings 2"/>
+              <a:buChar char=""/>
+            </a:pPr>
+            <a:endParaRPr lang="en-US" sz="2400" dirty="0">
+              <a:cs typeface="Times New Roman"/>
+            </a:endParaRPr>
+          </a:p>
+          <a:p>
+            <a:pPr lvl="1">
+              <a:buFont typeface="Wingdings 2"/>
+              <a:buChar char=""/>
+            </a:pPr>
+            <a:endParaRPr lang="en-US" sz="2400" dirty="0">
+              <a:cs typeface="Times New Roman"/>
+            </a:endParaRPr>
+          </a:p>
+        </p:txBody>
+      </p:sp>
+      <p:sp>
+        <p:nvSpPr>
+          <p:cNvPr id="5" name="Title 1">
+            <a:extLst>
+              <a:ext uri="{FF2B5EF4-FFF2-40B4-BE49-F238E27FC236}">
+                <a16:creationId xmlns:a16="http://schemas.microsoft.com/office/drawing/2014/main" id="{EF3111ED-61A2-2123-0D2A-EFDD981A07C2}"/>
+              </a:ext>
+            </a:extLst>
+          </p:cNvPr>
+          <p:cNvSpPr txBox="1">
+            <a:spLocks/>
+          </p:cNvSpPr>
+          <p:nvPr/>
+        </p:nvSpPr>
+        <p:spPr>
+          <a:xfrm>
+            <a:off x="609600" y="337392"/>
+            <a:ext cx="10439400" cy="624840"/>
+          </a:xfrm>
+          <a:prstGeom prst="rect">
+            <a:avLst/>
+          </a:prstGeom>
+        </p:spPr>
+        <p:txBody>
+          <a:bodyPr vert="horz" lIns="91440" tIns="45720" rIns="91440" bIns="45720" rtlCol="0" anchor="b">
+            <a:noAutofit/>
+          </a:bodyPr>
+          <a:lstStyle>
+            <a:lvl1pPr algn="l" defTabSz="914400" rtl="0" eaLnBrk="1" latinLnBrk="0" hangingPunct="1">
+              <a:lnSpc>
+                <a:spcPct val="90000"/>
+              </a:lnSpc>
+              <a:spcBef>
+                <a:spcPct val="0"/>
+              </a:spcBef>
+              <a:buNone/>
+              <a:defRPr sz="4400" kern="1200" spc="-50" baseline="0">
+                <a:solidFill>
+                  <a:schemeClr val="tx1"/>
+                </a:solidFill>
+                <a:latin typeface="Times New Roman" panose="02020603050405020304" pitchFamily="18" charset="0"/>
+                <a:ea typeface="+mj-ea"/>
+                <a:cs typeface="+mj-cs"/>
+              </a:defRPr>
+            </a:lvl1pPr>
+          </a:lstStyle>
+          <a:p>
+            <a:r>
+              <a:rPr lang="en-US" sz="3600" dirty="0">
+                <a:latin typeface="Times New Roman"/>
+                <a:cs typeface="Times New Roman"/>
+              </a:rPr>
+              <a:t>Other Example Papers and Instruments</a:t>
+            </a:r>
+          </a:p>
+        </p:txBody>
+      </p:sp>
+    </p:spTree>
+    <p:extLst>
+      <p:ext uri="{BB962C8B-B14F-4D97-AF65-F5344CB8AC3E}">
         <p14:creationId xmlns:p14="http://schemas.microsoft.com/office/powerpoint/2010/main" val="1968440818"/>
       </p:ext>
     </p:extLst>
@@ -24083,7 +24302,7 @@
 </p:sld>
 </file>
 
-<file path=ppt/slides/slide64.xml><?xml version="1.0" encoding="utf-8"?>
+<file path=ppt/slides/slide65.xml><?xml version="1.0" encoding="utf-8"?>
 <p:sld xmlns:a="http://schemas.openxmlformats.org/drawingml/2006/main" xmlns:r="http://schemas.openxmlformats.org/officeDocument/2006/relationships" xmlns:p="http://schemas.openxmlformats.org/presentationml/2006/main">
   <p:cSld>
     <p:spTree>

--- a/Lecture06_IV/Lecture6_IVEstimation_2022F.pptx
+++ b/Lecture06_IV/Lecture6_IVEstimation_2022F.pptx
@@ -5,74 +5,78 @@
     <p:sldMasterId id="2147483738" r:id="rId1"/>
   </p:sldMasterIdLst>
   <p:notesMasterIdLst>
-    <p:notesMasterId r:id="rId67"/>
+    <p:notesMasterId r:id="rId71"/>
   </p:notesMasterIdLst>
   <p:sldIdLst>
     <p:sldId id="256" r:id="rId2"/>
     <p:sldId id="397" r:id="rId3"/>
     <p:sldId id="466" r:id="rId4"/>
-    <p:sldId id="398" r:id="rId5"/>
-    <p:sldId id="470" r:id="rId6"/>
-    <p:sldId id="471" r:id="rId7"/>
-    <p:sldId id="474" r:id="rId8"/>
-    <p:sldId id="516" r:id="rId9"/>
-    <p:sldId id="515" r:id="rId10"/>
-    <p:sldId id="475" r:id="rId11"/>
-    <p:sldId id="476" r:id="rId12"/>
-    <p:sldId id="477" r:id="rId13"/>
-    <p:sldId id="468" r:id="rId14"/>
-    <p:sldId id="467" r:id="rId15"/>
-    <p:sldId id="469" r:id="rId16"/>
-    <p:sldId id="514" r:id="rId17"/>
-    <p:sldId id="419" r:id="rId18"/>
-    <p:sldId id="478" r:id="rId19"/>
-    <p:sldId id="517" r:id="rId20"/>
-    <p:sldId id="526" r:id="rId21"/>
-    <p:sldId id="527" r:id="rId22"/>
-    <p:sldId id="528" r:id="rId23"/>
-    <p:sldId id="318" r:id="rId24"/>
-    <p:sldId id="319" r:id="rId25"/>
-    <p:sldId id="479" r:id="rId26"/>
-    <p:sldId id="480" r:id="rId27"/>
-    <p:sldId id="520" r:id="rId28"/>
-    <p:sldId id="481" r:id="rId29"/>
-    <p:sldId id="482" r:id="rId30"/>
-    <p:sldId id="521" r:id="rId31"/>
-    <p:sldId id="522" r:id="rId32"/>
-    <p:sldId id="524" r:id="rId33"/>
-    <p:sldId id="490" r:id="rId34"/>
-    <p:sldId id="491" r:id="rId35"/>
-    <p:sldId id="492" r:id="rId36"/>
-    <p:sldId id="493" r:id="rId37"/>
-    <p:sldId id="494" r:id="rId38"/>
-    <p:sldId id="495" r:id="rId39"/>
-    <p:sldId id="505" r:id="rId40"/>
-    <p:sldId id="484" r:id="rId41"/>
-    <p:sldId id="518" r:id="rId42"/>
-    <p:sldId id="532" r:id="rId43"/>
-    <p:sldId id="486" r:id="rId44"/>
-    <p:sldId id="487" r:id="rId45"/>
-    <p:sldId id="496" r:id="rId46"/>
-    <p:sldId id="485" r:id="rId47"/>
-    <p:sldId id="519" r:id="rId48"/>
-    <p:sldId id="497" r:id="rId49"/>
-    <p:sldId id="503" r:id="rId50"/>
-    <p:sldId id="504" r:id="rId51"/>
-    <p:sldId id="529" r:id="rId52"/>
-    <p:sldId id="530" r:id="rId53"/>
-    <p:sldId id="483" r:id="rId54"/>
-    <p:sldId id="531" r:id="rId55"/>
-    <p:sldId id="500" r:id="rId56"/>
-    <p:sldId id="525" r:id="rId57"/>
-    <p:sldId id="501" r:id="rId58"/>
-    <p:sldId id="502" r:id="rId59"/>
-    <p:sldId id="498" r:id="rId60"/>
-    <p:sldId id="513" r:id="rId61"/>
-    <p:sldId id="489" r:id="rId62"/>
-    <p:sldId id="507" r:id="rId63"/>
-    <p:sldId id="510" r:id="rId64"/>
-    <p:sldId id="511" r:id="rId65"/>
-    <p:sldId id="512" r:id="rId66"/>
+    <p:sldId id="533" r:id="rId5"/>
+    <p:sldId id="398" r:id="rId6"/>
+    <p:sldId id="470" r:id="rId7"/>
+    <p:sldId id="471" r:id="rId8"/>
+    <p:sldId id="474" r:id="rId9"/>
+    <p:sldId id="516" r:id="rId10"/>
+    <p:sldId id="515" r:id="rId11"/>
+    <p:sldId id="475" r:id="rId12"/>
+    <p:sldId id="476" r:id="rId13"/>
+    <p:sldId id="477" r:id="rId14"/>
+    <p:sldId id="468" r:id="rId15"/>
+    <p:sldId id="467" r:id="rId16"/>
+    <p:sldId id="469" r:id="rId17"/>
+    <p:sldId id="514" r:id="rId18"/>
+    <p:sldId id="419" r:id="rId19"/>
+    <p:sldId id="478" r:id="rId20"/>
+    <p:sldId id="517" r:id="rId21"/>
+    <p:sldId id="526" r:id="rId22"/>
+    <p:sldId id="527" r:id="rId23"/>
+    <p:sldId id="528" r:id="rId24"/>
+    <p:sldId id="318" r:id="rId25"/>
+    <p:sldId id="319" r:id="rId26"/>
+    <p:sldId id="479" r:id="rId27"/>
+    <p:sldId id="534" r:id="rId28"/>
+    <p:sldId id="480" r:id="rId29"/>
+    <p:sldId id="520" r:id="rId30"/>
+    <p:sldId id="481" r:id="rId31"/>
+    <p:sldId id="482" r:id="rId32"/>
+    <p:sldId id="521" r:id="rId33"/>
+    <p:sldId id="522" r:id="rId34"/>
+    <p:sldId id="524" r:id="rId35"/>
+    <p:sldId id="490" r:id="rId36"/>
+    <p:sldId id="491" r:id="rId37"/>
+    <p:sldId id="492" r:id="rId38"/>
+    <p:sldId id="493" r:id="rId39"/>
+    <p:sldId id="494" r:id="rId40"/>
+    <p:sldId id="495" r:id="rId41"/>
+    <p:sldId id="505" r:id="rId42"/>
+    <p:sldId id="484" r:id="rId43"/>
+    <p:sldId id="518" r:id="rId44"/>
+    <p:sldId id="532" r:id="rId45"/>
+    <p:sldId id="486" r:id="rId46"/>
+    <p:sldId id="487" r:id="rId47"/>
+    <p:sldId id="496" r:id="rId48"/>
+    <p:sldId id="485" r:id="rId49"/>
+    <p:sldId id="519" r:id="rId50"/>
+    <p:sldId id="497" r:id="rId51"/>
+    <p:sldId id="503" r:id="rId52"/>
+    <p:sldId id="504" r:id="rId53"/>
+    <p:sldId id="529" r:id="rId54"/>
+    <p:sldId id="530" r:id="rId55"/>
+    <p:sldId id="535" r:id="rId56"/>
+    <p:sldId id="536" r:id="rId57"/>
+    <p:sldId id="483" r:id="rId58"/>
+    <p:sldId id="531" r:id="rId59"/>
+    <p:sldId id="500" r:id="rId60"/>
+    <p:sldId id="525" r:id="rId61"/>
+    <p:sldId id="501" r:id="rId62"/>
+    <p:sldId id="502" r:id="rId63"/>
+    <p:sldId id="498" r:id="rId64"/>
+    <p:sldId id="513" r:id="rId65"/>
+    <p:sldId id="489" r:id="rId66"/>
+    <p:sldId id="507" r:id="rId67"/>
+    <p:sldId id="510" r:id="rId68"/>
+    <p:sldId id="511" r:id="rId69"/>
+    <p:sldId id="512" r:id="rId70"/>
   </p:sldIdLst>
   <p:sldSz cx="12192000" cy="6858000"/>
   <p:notesSz cx="7010400" cy="9296400"/>
@@ -281,7 +285,7 @@
           <a:p>
             <a:fld id="{EF911157-0FC2-4F06-8D61-FD647FE4E19D}" type="datetimeFigureOut">
               <a:rPr lang="en-US" smtClean="0"/>
-              <a:t>10/6/2022</a:t>
+              <a:t>10/13/2022</a:t>
             </a:fld>
             <a:endParaRPr lang="en-US"/>
           </a:p>
@@ -687,7 +691,7 @@
           <a:p>
             <a:r>
               <a:rPr lang="en-US" dirty="0"/>
-              <a:t>What do we do when endogeneity threatens our main treatment of interest? Our approach today is what we resort to when we can’t close all backdoors – we take a front door approach and simulate randomization</a:t>
+              <a:t>This is classic omitted variable bias – but the problem of endogeneity is bigger than that. </a:t>
             </a:r>
           </a:p>
         </p:txBody>
@@ -709,7 +713,7 @@
           <a:p>
             <a:fld id="{4AF79E1B-2C51-4B9B-8EA4-26DE9E345AFF}" type="slidenum">
               <a:rPr lang="en-US" smtClean="0"/>
-              <a:t>12</a:t>
+              <a:t>10</a:t>
             </a:fld>
             <a:endParaRPr lang="en-US"/>
           </a:p>
@@ -718,7 +722,7 @@
     </p:spTree>
     <p:extLst>
       <p:ext uri="{BB962C8B-B14F-4D97-AF65-F5344CB8AC3E}">
-        <p14:creationId xmlns:p14="http://schemas.microsoft.com/office/powerpoint/2010/main" val="4213713924"/>
+        <p14:creationId xmlns:p14="http://schemas.microsoft.com/office/powerpoint/2010/main" val="1505559271"/>
       </p:ext>
     </p:extLst>
   </p:cSld>
@@ -773,10 +777,8 @@
           <a:lstStyle/>
           <a:p>
             <a:r>
-              <a:rPr lang="en-US" dirty="0">
-                <a:cs typeface="Calibri"/>
-              </a:rPr>
-              <a:t>In an experiment, we generate variation (random assignment) and then just isolate the part of the treatment driven by that random variation (we compare across treatment and control groups). IV does the same, except isolating the part of the treatment driven by quasi-random, natural circumstances – the instrument. </a:t>
+              <a:rPr lang="en-US" dirty="0"/>
+              <a:t>Moving health knowledge out of the error term could make decision to seek care an exogenous variable – but how do we measure that? But not all back doors can be closed! Without perfect data or randomization, we can’t make everything exogenous by shutting down a backdoor. </a:t>
             </a:r>
           </a:p>
         </p:txBody>
@@ -798,7 +800,7 @@
           <a:p>
             <a:fld id="{4AF79E1B-2C51-4B9B-8EA4-26DE9E345AFF}" type="slidenum">
               <a:rPr lang="en-US" smtClean="0"/>
-              <a:t>13</a:t>
+              <a:t>11</a:t>
             </a:fld>
             <a:endParaRPr lang="en-US"/>
           </a:p>
@@ -807,7 +809,7 @@
     </p:spTree>
     <p:extLst>
       <p:ext uri="{BB962C8B-B14F-4D97-AF65-F5344CB8AC3E}">
-        <p14:creationId xmlns:p14="http://schemas.microsoft.com/office/powerpoint/2010/main" val="1996572230"/>
+        <p14:creationId xmlns:p14="http://schemas.microsoft.com/office/powerpoint/2010/main" val="2614238403"/>
       </p:ext>
     </p:extLst>
   </p:cSld>
@@ -862,10 +864,8 @@
           <a:lstStyle/>
           <a:p>
             <a:r>
-              <a:rPr lang="en-US" dirty="0">
-                <a:cs typeface="Calibri"/>
-              </a:rPr>
-              <a:t>So we: (1) use the instrument to explain the treatment, (2) focus only on the part of the treatment explained by the instrument, and (3) use that to look at the instrument-explained part of the outcome. Basically, we’re splitting the effect of treatment into its endogenous and exogenous parts, and isolating just the exogenous part. </a:t>
+              <a:rPr lang="en-US" dirty="0"/>
+              <a:t>What do we do when endogeneity threatens our main treatment of interest? Our approach today is what we resort to when we can’t close all backdoors – we take a front door approach and simulate randomization</a:t>
             </a:r>
           </a:p>
         </p:txBody>
@@ -887,7 +887,7 @@
           <a:p>
             <a:fld id="{4AF79E1B-2C51-4B9B-8EA4-26DE9E345AFF}" type="slidenum">
               <a:rPr lang="en-US" smtClean="0"/>
-              <a:t>15</a:t>
+              <a:t>13</a:t>
             </a:fld>
             <a:endParaRPr lang="en-US"/>
           </a:p>
@@ -896,7 +896,7 @@
     </p:spTree>
     <p:extLst>
       <p:ext uri="{BB962C8B-B14F-4D97-AF65-F5344CB8AC3E}">
-        <p14:creationId xmlns:p14="http://schemas.microsoft.com/office/powerpoint/2010/main" val="3250249209"/>
+        <p14:creationId xmlns:p14="http://schemas.microsoft.com/office/powerpoint/2010/main" val="4213713924"/>
       </p:ext>
     </p:extLst>
   </p:cSld>
@@ -950,7 +950,12 @@
           <a:bodyPr/>
           <a:lstStyle/>
           <a:p>
-            <a:endParaRPr lang="en-US" dirty="0"/>
+            <a:r>
+              <a:rPr lang="en-US" dirty="0">
+                <a:cs typeface="Calibri"/>
+              </a:rPr>
+              <a:t>In an experiment, we generate variation (random assignment) and then just isolate the part of the treatment driven by that random variation (we compare across treatment and control groups). IV does the same, except isolating the part of the treatment driven by quasi-random, natural circumstances – the instrument. </a:t>
+            </a:r>
           </a:p>
         </p:txBody>
       </p:sp>
@@ -971,7 +976,7 @@
           <a:p>
             <a:fld id="{4AF79E1B-2C51-4B9B-8EA4-26DE9E345AFF}" type="slidenum">
               <a:rPr lang="en-US" smtClean="0"/>
-              <a:t>17</a:t>
+              <a:t>14</a:t>
             </a:fld>
             <a:endParaRPr lang="en-US"/>
           </a:p>
@@ -980,7 +985,7 @@
     </p:spTree>
     <p:extLst>
       <p:ext uri="{BB962C8B-B14F-4D97-AF65-F5344CB8AC3E}">
-        <p14:creationId xmlns:p14="http://schemas.microsoft.com/office/powerpoint/2010/main" val="1936787623"/>
+        <p14:creationId xmlns:p14="http://schemas.microsoft.com/office/powerpoint/2010/main" val="1996572230"/>
       </p:ext>
     </p:extLst>
   </p:cSld>
@@ -1038,9 +1043,8 @@
               <a:rPr lang="en-US" dirty="0">
                 <a:cs typeface="Calibri"/>
               </a:rPr>
-              <a:t>First condition is called relevance; second and third are validity – essentially that there are no open back doors of Z</a:t>
-            </a:r>
-            <a:endParaRPr lang="en-US" dirty="0"/>
+              <a:t>So we: (1) use the instrument to explain the treatment, (2) focus only on the part of the treatment explained by the instrument, and (3) use that to look at the instrument-explained part of the outcome. Basically, we’re splitting the effect of treatment into its endogenous and exogenous parts, and isolating just the exogenous part. </a:t>
+            </a:r>
           </a:p>
         </p:txBody>
       </p:sp>
@@ -1061,7 +1065,7 @@
           <a:p>
             <a:fld id="{4AF79E1B-2C51-4B9B-8EA4-26DE9E345AFF}" type="slidenum">
               <a:rPr lang="en-US" smtClean="0"/>
-              <a:t>18</a:t>
+              <a:t>16</a:t>
             </a:fld>
             <a:endParaRPr lang="en-US"/>
           </a:p>
@@ -1070,7 +1074,7 @@
     </p:spTree>
     <p:extLst>
       <p:ext uri="{BB962C8B-B14F-4D97-AF65-F5344CB8AC3E}">
-        <p14:creationId xmlns:p14="http://schemas.microsoft.com/office/powerpoint/2010/main" val="728058084"/>
+        <p14:creationId xmlns:p14="http://schemas.microsoft.com/office/powerpoint/2010/main" val="3250249209"/>
       </p:ext>
     </p:extLst>
   </p:cSld>
@@ -1124,12 +1128,6 @@
           <a:bodyPr/>
           <a:lstStyle/>
           <a:p>
-            <a:r>
-              <a:rPr lang="en-US" dirty="0">
-                <a:cs typeface="Calibri"/>
-              </a:rPr>
-              <a:t>Another way to think about it</a:t>
-            </a:r>
             <a:endParaRPr lang="en-US" dirty="0"/>
           </a:p>
         </p:txBody>
@@ -1151,7 +1149,7 @@
           <a:p>
             <a:fld id="{4AF79E1B-2C51-4B9B-8EA4-26DE9E345AFF}" type="slidenum">
               <a:rPr lang="en-US" smtClean="0"/>
-              <a:t>19</a:t>
+              <a:t>18</a:t>
             </a:fld>
             <a:endParaRPr lang="en-US"/>
           </a:p>
@@ -1160,7 +1158,7 @@
     </p:spTree>
     <p:extLst>
       <p:ext uri="{BB962C8B-B14F-4D97-AF65-F5344CB8AC3E}">
-        <p14:creationId xmlns:p14="http://schemas.microsoft.com/office/powerpoint/2010/main" val="2065056122"/>
+        <p14:creationId xmlns:p14="http://schemas.microsoft.com/office/powerpoint/2010/main" val="1936787623"/>
       </p:ext>
     </p:extLst>
   </p:cSld>
@@ -1218,15 +1216,7 @@
               <a:rPr lang="en-US" dirty="0">
                 <a:cs typeface="Calibri"/>
               </a:rPr>
-              <a:t>Note: these come from really useful paper by Felton and Stewart. </a:t>
-            </a:r>
-          </a:p>
-          <a:p>
-            <a:r>
-              <a:rPr lang="en-US" dirty="0">
-                <a:cs typeface="Calibri"/>
-              </a:rPr>
-              <a:t>Example of relevance: effect of going back home after prison on recidivism – use Hurricane Katrina in LA (does that change your decision to go home or not?)</a:t>
+              <a:t>First condition is called relevance; second and third are validity – essentially that there are no open back doors of Z</a:t>
             </a:r>
             <a:endParaRPr lang="en-US" dirty="0"/>
           </a:p>
@@ -1249,7 +1239,7 @@
           <a:p>
             <a:fld id="{4AF79E1B-2C51-4B9B-8EA4-26DE9E345AFF}" type="slidenum">
               <a:rPr lang="en-US" smtClean="0"/>
-              <a:t>20</a:t>
+              <a:t>19</a:t>
             </a:fld>
             <a:endParaRPr lang="en-US"/>
           </a:p>
@@ -1258,7 +1248,7 @@
     </p:spTree>
     <p:extLst>
       <p:ext uri="{BB962C8B-B14F-4D97-AF65-F5344CB8AC3E}">
-        <p14:creationId xmlns:p14="http://schemas.microsoft.com/office/powerpoint/2010/main" val="1407177986"/>
+        <p14:creationId xmlns:p14="http://schemas.microsoft.com/office/powerpoint/2010/main" val="728058084"/>
       </p:ext>
     </p:extLst>
   </p:cSld>
@@ -1316,19 +1306,7 @@
               <a:rPr lang="en-US" dirty="0">
                 <a:cs typeface="Calibri"/>
               </a:rPr>
-              <a:t>Example of exclusion: hurricane </a:t>
-            </a:r>
-            <a:r>
-              <a:rPr lang="en-US" dirty="0" err="1">
-                <a:cs typeface="Calibri"/>
-              </a:rPr>
-              <a:t>katrina</a:t>
-            </a:r>
-            <a:r>
-              <a:rPr lang="en-US" dirty="0">
-                <a:cs typeface="Calibri"/>
-              </a:rPr>
-              <a:t> can’t have affected recidivism in any other way except through residence change (can you think of violations to this?)</a:t>
+              <a:t>Another way to think about it</a:t>
             </a:r>
             <a:endParaRPr lang="en-US" dirty="0"/>
           </a:p>
@@ -1351,7 +1329,7 @@
           <a:p>
             <a:fld id="{4AF79E1B-2C51-4B9B-8EA4-26DE9E345AFF}" type="slidenum">
               <a:rPr lang="en-US" smtClean="0"/>
-              <a:t>21</a:t>
+              <a:t>20</a:t>
             </a:fld>
             <a:endParaRPr lang="en-US"/>
           </a:p>
@@ -1360,7 +1338,7 @@
     </p:spTree>
     <p:extLst>
       <p:ext uri="{BB962C8B-B14F-4D97-AF65-F5344CB8AC3E}">
-        <p14:creationId xmlns:p14="http://schemas.microsoft.com/office/powerpoint/2010/main" val="4252706433"/>
+        <p14:creationId xmlns:p14="http://schemas.microsoft.com/office/powerpoint/2010/main" val="2065056122"/>
       </p:ext>
     </p:extLst>
   </p:cSld>
@@ -1418,19 +1396,15 @@
               <a:rPr lang="en-US" dirty="0">
                 <a:cs typeface="Calibri"/>
               </a:rPr>
-              <a:t>Also called </a:t>
-            </a:r>
-            <a:r>
-              <a:rPr lang="en-US" dirty="0" err="1">
-                <a:cs typeface="Calibri"/>
-              </a:rPr>
-              <a:t>unconfoundedness</a:t>
-            </a:r>
+              <a:t>Note: these come from really useful paper by Felton and Stewart. </a:t>
+            </a:r>
+          </a:p>
+          <a:p>
             <a:r>
               <a:rPr lang="en-US" dirty="0">
                 <a:cs typeface="Calibri"/>
               </a:rPr>
-              <a:t>. Note – treatment is confounded (that’s why we need IV in the first place) but hopefully IV isn’t. So if residence and recidivism are correlated (why would they be? Past history? Networks?), then Hurricane Katrina shouldn’t care about any of that</a:t>
+              <a:t>Example of relevance: effect of going back home after prison on recidivism – use Hurricane Katrina in LA (does that change your decision to go home or not?)</a:t>
             </a:r>
             <a:endParaRPr lang="en-US" dirty="0"/>
           </a:p>
@@ -1453,7 +1427,7 @@
           <a:p>
             <a:fld id="{4AF79E1B-2C51-4B9B-8EA4-26DE9E345AFF}" type="slidenum">
               <a:rPr lang="en-US" smtClean="0"/>
-              <a:t>22</a:t>
+              <a:t>21</a:t>
             </a:fld>
             <a:endParaRPr lang="en-US"/>
           </a:p>
@@ -1462,7 +1436,7 @@
     </p:spTree>
     <p:extLst>
       <p:ext uri="{BB962C8B-B14F-4D97-AF65-F5344CB8AC3E}">
-        <p14:creationId xmlns:p14="http://schemas.microsoft.com/office/powerpoint/2010/main" val="383531196"/>
+        <p14:creationId xmlns:p14="http://schemas.microsoft.com/office/powerpoint/2010/main" val="1407177986"/>
       </p:ext>
     </p:extLst>
   </p:cSld>
@@ -1517,9 +1491,24 @@
           <a:lstStyle/>
           <a:p>
             <a:r>
-              <a:rPr lang="en-US" dirty="0"/>
-              <a:t>Think first about just a random number generator. If that generator is used to assign treatment, then assumption 1 holds. If that random number isn’t used for anything else, then Z only affects Y through X (it doesn’t determine your pickiness or your age). </a:t>
-            </a:r>
+              <a:rPr lang="en-US" dirty="0">
+                <a:cs typeface="Calibri"/>
+              </a:rPr>
+              <a:t>Example of exclusion: hurricane </a:t>
+            </a:r>
+            <a:r>
+              <a:rPr lang="en-US" dirty="0" err="1">
+                <a:cs typeface="Calibri"/>
+              </a:rPr>
+              <a:t>katrina</a:t>
+            </a:r>
+            <a:r>
+              <a:rPr lang="en-US" dirty="0">
+                <a:cs typeface="Calibri"/>
+              </a:rPr>
+              <a:t> can’t have affected recidivism in any other way except through residence change (can you think of violations to this?)</a:t>
+            </a:r>
+            <a:endParaRPr lang="en-US" dirty="0"/>
           </a:p>
         </p:txBody>
       </p:sp>
@@ -1540,7 +1529,7 @@
           <a:p>
             <a:fld id="{4AF79E1B-2C51-4B9B-8EA4-26DE9E345AFF}" type="slidenum">
               <a:rPr lang="en-US" smtClean="0"/>
-              <a:t>23</a:t>
+              <a:t>22</a:t>
             </a:fld>
             <a:endParaRPr lang="en-US"/>
           </a:p>
@@ -1549,7 +1538,7 @@
     </p:spTree>
     <p:extLst>
       <p:ext uri="{BB962C8B-B14F-4D97-AF65-F5344CB8AC3E}">
-        <p14:creationId xmlns:p14="http://schemas.microsoft.com/office/powerpoint/2010/main" val="2523725253"/>
+        <p14:creationId xmlns:p14="http://schemas.microsoft.com/office/powerpoint/2010/main" val="4252706433"/>
       </p:ext>
     </p:extLst>
   </p:cSld>
@@ -1694,35 +1683,21 @@
               <a:rPr lang="en-US" dirty="0">
                 <a:cs typeface="Calibri"/>
               </a:rPr>
-              <a:t>So we want a variable like a random number generator. this is kind of the </a:t>
-            </a:r>
-            <a:r>
-              <a:rPr lang="en-US" i="1" dirty="0">
+              <a:t>Also called </a:t>
+            </a:r>
+            <a:r>
+              <a:rPr lang="en-US" dirty="0" err="1">
                 <a:cs typeface="Calibri"/>
               </a:rPr>
-              <a:t>opposite </a:t>
+              <a:t>unconfoundedness</a:t>
             </a:r>
             <a:r>
               <a:rPr lang="en-US" dirty="0">
                 <a:cs typeface="Calibri"/>
               </a:rPr>
-              <a:t>of controlling for a variable: when we control for W, we use W to explain X and Y and remove those parts (to close a back door). But here, we are going to use Z as an instrument and remove the </a:t>
-            </a:r>
-            <a:r>
-              <a:rPr lang="en-US" u="sng" dirty="0">
-                <a:cs typeface="Calibri"/>
-              </a:rPr>
-              <a:t>unexplained </a:t>
-            </a:r>
-            <a:r>
-              <a:rPr lang="en-US" dirty="0">
-                <a:cs typeface="Calibri"/>
-              </a:rPr>
-              <a:t>parts. </a:t>
-            </a:r>
-            <a:endParaRPr lang="en-US" u="sng" dirty="0">
-              <a:cs typeface="Calibri"/>
-            </a:endParaRPr>
+              <a:t>. Note – treatment is confounded (that’s why we need IV in the first place) but hopefully IV isn’t. So if residence and recidivism are correlated (why would they be? Past history? Networks?), then Hurricane Katrina shouldn’t care about any of that</a:t>
+            </a:r>
+            <a:endParaRPr lang="en-US" dirty="0"/>
           </a:p>
         </p:txBody>
       </p:sp>
@@ -1743,7 +1718,7 @@
           <a:p>
             <a:fld id="{4AF79E1B-2C51-4B9B-8EA4-26DE9E345AFF}" type="slidenum">
               <a:rPr lang="en-US" smtClean="0"/>
-              <a:t>24</a:t>
+              <a:t>23</a:t>
             </a:fld>
             <a:endParaRPr lang="en-US"/>
           </a:p>
@@ -1752,7 +1727,7 @@
     </p:spTree>
     <p:extLst>
       <p:ext uri="{BB962C8B-B14F-4D97-AF65-F5344CB8AC3E}">
-        <p14:creationId xmlns:p14="http://schemas.microsoft.com/office/powerpoint/2010/main" val="3999963633"/>
+        <p14:creationId xmlns:p14="http://schemas.microsoft.com/office/powerpoint/2010/main" val="383531196"/>
       </p:ext>
     </p:extLst>
   </p:cSld>
@@ -1808,7 +1783,7 @@
           <a:p>
             <a:r>
               <a:rPr lang="en-US" dirty="0"/>
-              <a:t>Why is each assumption satisfied? Do we think this works? Can you think of any threats?</a:t>
+              <a:t>Think first about just a random number generator. If that generator is used to assign treatment, then assumption 1 holds. If that random number isn’t used for anything else, then Z only affects Y through X (it doesn’t determine your pickiness or your age). </a:t>
             </a:r>
           </a:p>
         </p:txBody>
@@ -1830,7 +1805,7 @@
           <a:p>
             <a:fld id="{4AF79E1B-2C51-4B9B-8EA4-26DE9E345AFF}" type="slidenum">
               <a:rPr lang="en-US" smtClean="0"/>
-              <a:t>25</a:t>
+              <a:t>24</a:t>
             </a:fld>
             <a:endParaRPr lang="en-US"/>
           </a:p>
@@ -1839,7 +1814,7 @@
     </p:spTree>
     <p:extLst>
       <p:ext uri="{BB962C8B-B14F-4D97-AF65-F5344CB8AC3E}">
-        <p14:creationId xmlns:p14="http://schemas.microsoft.com/office/powerpoint/2010/main" val="1639052696"/>
+        <p14:creationId xmlns:p14="http://schemas.microsoft.com/office/powerpoint/2010/main" val="2523725253"/>
       </p:ext>
     </p:extLst>
   </p:cSld>
@@ -1894,9 +1869,38 @@
           <a:lstStyle/>
           <a:p>
             <a:r>
-              <a:rPr lang="en-US" dirty="0"/>
-              <a:t>The basic DAG of an IV setup</a:t>
-            </a:r>
+              <a:rPr lang="en-US" dirty="0">
+                <a:cs typeface="Calibri"/>
+              </a:rPr>
+              <a:t>So we want a variable like a random number generator. this is kind of the </a:t>
+            </a:r>
+            <a:r>
+              <a:rPr lang="en-US" i="1" dirty="0">
+                <a:cs typeface="Calibri"/>
+              </a:rPr>
+              <a:t>opposite </a:t>
+            </a:r>
+            <a:r>
+              <a:rPr lang="en-US" dirty="0">
+                <a:cs typeface="Calibri"/>
+              </a:rPr>
+              <a:t>of controlling for a variable: when we control for W, we use W to explain X and Y and remove those parts (to close a back door). But here, we are going to use Z as an instrument and remove the </a:t>
+            </a:r>
+            <a:r>
+              <a:rPr lang="en-US" u="sng" dirty="0">
+                <a:cs typeface="Calibri"/>
+              </a:rPr>
+              <a:t>unexplained </a:t>
+            </a:r>
+            <a:r>
+              <a:rPr lang="en-US" dirty="0">
+                <a:cs typeface="Calibri"/>
+              </a:rPr>
+              <a:t>parts. </a:t>
+            </a:r>
+            <a:endParaRPr lang="en-US" u="sng" dirty="0">
+              <a:cs typeface="Calibri"/>
+            </a:endParaRPr>
           </a:p>
         </p:txBody>
       </p:sp>
@@ -1917,7 +1921,7 @@
           <a:p>
             <a:fld id="{4AF79E1B-2C51-4B9B-8EA4-26DE9E345AFF}" type="slidenum">
               <a:rPr lang="en-US" smtClean="0"/>
-              <a:t>26</a:t>
+              <a:t>25</a:t>
             </a:fld>
             <a:endParaRPr lang="en-US"/>
           </a:p>
@@ -1926,7 +1930,7 @@
     </p:spTree>
     <p:extLst>
       <p:ext uri="{BB962C8B-B14F-4D97-AF65-F5344CB8AC3E}">
-        <p14:creationId xmlns:p14="http://schemas.microsoft.com/office/powerpoint/2010/main" val="2977718812"/>
+        <p14:creationId xmlns:p14="http://schemas.microsoft.com/office/powerpoint/2010/main" val="3999963633"/>
       </p:ext>
     </p:extLst>
   </p:cSld>
@@ -1980,7 +1984,10 @@
           <a:bodyPr/>
           <a:lstStyle/>
           <a:p>
-            <a:endParaRPr lang="en-US" dirty="0"/>
+            <a:r>
+              <a:rPr lang="en-US" dirty="0"/>
+              <a:t>Why is each assumption satisfied? Do we think this works? Can you think of any threats?</a:t>
+            </a:r>
           </a:p>
         </p:txBody>
       </p:sp>
@@ -2001,7 +2008,7 @@
           <a:p>
             <a:fld id="{4AF79E1B-2C51-4B9B-8EA4-26DE9E345AFF}" type="slidenum">
               <a:rPr lang="en-US" smtClean="0"/>
-              <a:t>28</a:t>
+              <a:t>26</a:t>
             </a:fld>
             <a:endParaRPr lang="en-US"/>
           </a:p>
@@ -2010,7 +2017,7 @@
     </p:spTree>
     <p:extLst>
       <p:ext uri="{BB962C8B-B14F-4D97-AF65-F5344CB8AC3E}">
-        <p14:creationId xmlns:p14="http://schemas.microsoft.com/office/powerpoint/2010/main" val="3212433125"/>
+        <p14:creationId xmlns:p14="http://schemas.microsoft.com/office/powerpoint/2010/main" val="1639052696"/>
       </p:ext>
     </p:extLst>
   </p:cSld>
@@ -2065,66 +2072,9 @@
           <a:lstStyle/>
           <a:p>
             <a:r>
-              <a:rPr lang="en-US" dirty="0">
-                <a:cs typeface="Calibri"/>
-              </a:rPr>
-              <a:t>Here, you can see why we need </a:t>
-            </a:r>
-            <a:r>
-              <a:rPr lang="en-US" b="1" dirty="0">
-                <a:cs typeface="Calibri"/>
-              </a:rPr>
-              <a:t>relevance </a:t>
-            </a:r>
-            <a:r>
-              <a:rPr lang="en-US" dirty="0">
-                <a:cs typeface="Calibri"/>
-              </a:rPr>
-              <a:t>condition; if </a:t>
-            </a:r>
-            <a:r>
-              <a:rPr lang="en-US" dirty="0" err="1">
-                <a:cs typeface="Calibri"/>
-              </a:rPr>
-              <a:t>Cov</a:t>
-            </a:r>
-            <a:r>
-              <a:rPr lang="en-US" dirty="0">
-                <a:cs typeface="Calibri"/>
-              </a:rPr>
-              <a:t>(</a:t>
-            </a:r>
-            <a:r>
-              <a:rPr lang="en-US" dirty="0" err="1">
-                <a:cs typeface="Calibri"/>
-              </a:rPr>
-              <a:t>z,x</a:t>
-            </a:r>
-            <a:r>
-              <a:rPr lang="en-US" dirty="0">
-                <a:cs typeface="Calibri"/>
-              </a:rPr>
-              <a:t>) = 0, then the 2sls doesn't return anything useful. </a:t>
-            </a:r>
-            <a:r>
-              <a:rPr lang="en-US" b="1" dirty="0">
-                <a:cs typeface="Calibri"/>
-              </a:rPr>
-              <a:t>Even if </a:t>
-            </a:r>
-            <a:r>
-              <a:rPr lang="en-US" b="1" dirty="0" err="1">
-                <a:cs typeface="Calibri"/>
-              </a:rPr>
-              <a:t>cov</a:t>
-            </a:r>
-            <a:r>
-              <a:rPr lang="en-US" b="1" dirty="0">
-                <a:cs typeface="Calibri"/>
-              </a:rPr>
-              <a:t> is small, we have problems (we'll return to this). </a:t>
-            </a:r>
-            <a:endParaRPr lang="en-US" b="1" dirty="0"/>
+              <a:rPr lang="en-US" dirty="0"/>
+              <a:t>More practice from abstract. Start with outcome variable (2), then exposure (bundled payment/use of drugs), then IV (altitude). What endogeneity are they dealing with (strategic decision-making on the part of the doctors). Are the assumptions satisfied? (1. abstract says yes, altitude affects drug use; 2. altitude shouldn’t affect mortality or transfusion rates; 3. altitude shouldn’t affect strategy). </a:t>
+            </a:r>
           </a:p>
         </p:txBody>
       </p:sp>
@@ -2145,7 +2095,7 @@
           <a:p>
             <a:fld id="{4AF79E1B-2C51-4B9B-8EA4-26DE9E345AFF}" type="slidenum">
               <a:rPr lang="en-US" smtClean="0"/>
-              <a:t>29</a:t>
+              <a:t>27</a:t>
             </a:fld>
             <a:endParaRPr lang="en-US"/>
           </a:p>
@@ -2154,7 +2104,7 @@
     </p:spTree>
     <p:extLst>
       <p:ext uri="{BB962C8B-B14F-4D97-AF65-F5344CB8AC3E}">
-        <p14:creationId xmlns:p14="http://schemas.microsoft.com/office/powerpoint/2010/main" val="3650579743"/>
+        <p14:creationId xmlns:p14="http://schemas.microsoft.com/office/powerpoint/2010/main" val="3046261522"/>
       </p:ext>
     </p:extLst>
   </p:cSld>
@@ -2209,8 +2159,8 @@
           <a:lstStyle/>
           <a:p>
             <a:r>
-              <a:rPr lang="en-US" b="0" dirty="0"/>
-              <a:t>Why is this endogenous? (We don’t have ability)</a:t>
+              <a:rPr lang="en-US" dirty="0"/>
+              <a:t>The basic DAG of an IV setup</a:t>
             </a:r>
           </a:p>
         </p:txBody>
@@ -2232,7 +2182,7 @@
           <a:p>
             <a:fld id="{4AF79E1B-2C51-4B9B-8EA4-26DE9E345AFF}" type="slidenum">
               <a:rPr lang="en-US" smtClean="0"/>
-              <a:t>30</a:t>
+              <a:t>28</a:t>
             </a:fld>
             <a:endParaRPr lang="en-US"/>
           </a:p>
@@ -2241,7 +2191,7 @@
     </p:spTree>
     <p:extLst>
       <p:ext uri="{BB962C8B-B14F-4D97-AF65-F5344CB8AC3E}">
-        <p14:creationId xmlns:p14="http://schemas.microsoft.com/office/powerpoint/2010/main" val="1480128926"/>
+        <p14:creationId xmlns:p14="http://schemas.microsoft.com/office/powerpoint/2010/main" val="2977718812"/>
       </p:ext>
     </p:extLst>
   </p:cSld>
@@ -2295,10 +2245,7 @@
           <a:bodyPr/>
           <a:lstStyle/>
           <a:p>
-            <a:r>
-              <a:rPr lang="en-US" b="0" dirty="0"/>
-              <a:t>Yes, this is enough! We just can’t do this in the real world</a:t>
-            </a:r>
+            <a:endParaRPr lang="en-US" dirty="0"/>
           </a:p>
         </p:txBody>
       </p:sp>
@@ -2319,7 +2266,7 @@
           <a:p>
             <a:fld id="{4AF79E1B-2C51-4B9B-8EA4-26DE9E345AFF}" type="slidenum">
               <a:rPr lang="en-US" smtClean="0"/>
-              <a:t>31</a:t>
+              <a:t>30</a:t>
             </a:fld>
             <a:endParaRPr lang="en-US"/>
           </a:p>
@@ -2328,7 +2275,7 @@
     </p:spTree>
     <p:extLst>
       <p:ext uri="{BB962C8B-B14F-4D97-AF65-F5344CB8AC3E}">
-        <p14:creationId xmlns:p14="http://schemas.microsoft.com/office/powerpoint/2010/main" val="1269223052"/>
+        <p14:creationId xmlns:p14="http://schemas.microsoft.com/office/powerpoint/2010/main" val="3212433125"/>
       </p:ext>
     </p:extLst>
   </p:cSld>
@@ -2383,9 +2330,66 @@
           <a:lstStyle/>
           <a:p>
             <a:r>
-              <a:rPr lang="en-US" b="0" dirty="0"/>
-              <a:t>In this case, the IV is your father’s education (a common but slightly dubious instrument – can talk about why if time)</a:t>
-            </a:r>
+              <a:rPr lang="en-US" dirty="0">
+                <a:cs typeface="Calibri"/>
+              </a:rPr>
+              <a:t>Here, you can see why we need </a:t>
+            </a:r>
+            <a:r>
+              <a:rPr lang="en-US" b="1" dirty="0">
+                <a:cs typeface="Calibri"/>
+              </a:rPr>
+              <a:t>relevance </a:t>
+            </a:r>
+            <a:r>
+              <a:rPr lang="en-US" dirty="0">
+                <a:cs typeface="Calibri"/>
+              </a:rPr>
+              <a:t>condition; if </a:t>
+            </a:r>
+            <a:r>
+              <a:rPr lang="en-US" dirty="0" err="1">
+                <a:cs typeface="Calibri"/>
+              </a:rPr>
+              <a:t>Cov</a:t>
+            </a:r>
+            <a:r>
+              <a:rPr lang="en-US" dirty="0">
+                <a:cs typeface="Calibri"/>
+              </a:rPr>
+              <a:t>(</a:t>
+            </a:r>
+            <a:r>
+              <a:rPr lang="en-US" dirty="0" err="1">
+                <a:cs typeface="Calibri"/>
+              </a:rPr>
+              <a:t>z,x</a:t>
+            </a:r>
+            <a:r>
+              <a:rPr lang="en-US" dirty="0">
+                <a:cs typeface="Calibri"/>
+              </a:rPr>
+              <a:t>) = 0, then the 2sls doesn't return anything useful. </a:t>
+            </a:r>
+            <a:r>
+              <a:rPr lang="en-US" b="1" dirty="0">
+                <a:cs typeface="Calibri"/>
+              </a:rPr>
+              <a:t>Even if </a:t>
+            </a:r>
+            <a:r>
+              <a:rPr lang="en-US" b="1" dirty="0" err="1">
+                <a:cs typeface="Calibri"/>
+              </a:rPr>
+              <a:t>cov</a:t>
+            </a:r>
+            <a:r>
+              <a:rPr lang="en-US" b="1" dirty="0">
+                <a:cs typeface="Calibri"/>
+              </a:rPr>
+              <a:t> is small, we have problems (we'll return to this). </a:t>
+            </a:r>
+            <a:endParaRPr lang="en-US" b="1" dirty="0"/>
           </a:p>
         </p:txBody>
       </p:sp>
@@ -2406,7 +2410,7 @@
           <a:p>
             <a:fld id="{4AF79E1B-2C51-4B9B-8EA4-26DE9E345AFF}" type="slidenum">
               <a:rPr lang="en-US" smtClean="0"/>
-              <a:t>32</a:t>
+              <a:t>31</a:t>
             </a:fld>
             <a:endParaRPr lang="en-US"/>
           </a:p>
@@ -2415,7 +2419,7 @@
     </p:spTree>
     <p:extLst>
       <p:ext uri="{BB962C8B-B14F-4D97-AF65-F5344CB8AC3E}">
-        <p14:creationId xmlns:p14="http://schemas.microsoft.com/office/powerpoint/2010/main" val="2549378587"/>
+        <p14:creationId xmlns:p14="http://schemas.microsoft.com/office/powerpoint/2010/main" val="3650579743"/>
       </p:ext>
     </p:extLst>
   </p:cSld>
@@ -2470,8 +2474,8 @@
           <a:lstStyle/>
           <a:p>
             <a:r>
-              <a:rPr lang="en-US" dirty="0"/>
-              <a:t>You can do these kind of quickly</a:t>
+              <a:rPr lang="en-US" b="0" dirty="0"/>
+              <a:t>Why is this endogenous? (We don’t have ability)</a:t>
             </a:r>
           </a:p>
         </p:txBody>
@@ -2493,7 +2497,7 @@
           <a:p>
             <a:fld id="{4AF79E1B-2C51-4B9B-8EA4-26DE9E345AFF}" type="slidenum">
               <a:rPr lang="en-US" smtClean="0"/>
-              <a:t>33</a:t>
+              <a:t>32</a:t>
             </a:fld>
             <a:endParaRPr lang="en-US"/>
           </a:p>
@@ -2502,7 +2506,7 @@
     </p:spTree>
     <p:extLst>
       <p:ext uri="{BB962C8B-B14F-4D97-AF65-F5344CB8AC3E}">
-        <p14:creationId xmlns:p14="http://schemas.microsoft.com/office/powerpoint/2010/main" val="36034450"/>
+        <p14:creationId xmlns:p14="http://schemas.microsoft.com/office/powerpoint/2010/main" val="1480128926"/>
       </p:ext>
     </p:extLst>
   </p:cSld>
@@ -2556,7 +2560,10 @@
           <a:bodyPr/>
           <a:lstStyle/>
           <a:p>
-            <a:endParaRPr lang="en-US" dirty="0"/>
+            <a:r>
+              <a:rPr lang="en-US" b="0" dirty="0"/>
+              <a:t>Yes, this is enough! We just can’t do this in the real world</a:t>
+            </a:r>
           </a:p>
         </p:txBody>
       </p:sp>
@@ -2577,7 +2584,7 @@
           <a:p>
             <a:fld id="{4AF79E1B-2C51-4B9B-8EA4-26DE9E345AFF}" type="slidenum">
               <a:rPr lang="en-US" smtClean="0"/>
-              <a:t>34</a:t>
+              <a:t>33</a:t>
             </a:fld>
             <a:endParaRPr lang="en-US"/>
           </a:p>
@@ -2586,7 +2593,7 @@
     </p:spTree>
     <p:extLst>
       <p:ext uri="{BB962C8B-B14F-4D97-AF65-F5344CB8AC3E}">
-        <p14:creationId xmlns:p14="http://schemas.microsoft.com/office/powerpoint/2010/main" val="1807161508"/>
+        <p14:creationId xmlns:p14="http://schemas.microsoft.com/office/powerpoint/2010/main" val="1269223052"/>
       </p:ext>
     </p:extLst>
   </p:cSld>
@@ -2642,7 +2649,15 @@
           <a:p>
             <a:r>
               <a:rPr lang="en-US" dirty="0"/>
-              <a:t>A more “economics”-y way to look at this is to think about what is exogenous and endogenous in a regression – what things directly lead to the outcome on their own, and what things are jointly determined in a more complex system?</a:t>
+              <a:t>This </a:t>
+            </a:r>
+            <a:r>
+              <a:rPr lang="en-US" dirty="0" err="1"/>
+              <a:t>dag</a:t>
+            </a:r>
+            <a:r>
+              <a:rPr lang="en-US" dirty="0"/>
+              <a:t> cannot be addressed fully with a back-door approach (how do we ever measure ability)? The front door finds an instrument M such that there is no back door between education and M, and education blocks the only open back-door between M and wage (ability). This is an open door! Example of M: quarter of birth (Angrist and Kreuger, 1991). M goes behind education and connects to it. </a:t>
             </a:r>
           </a:p>
         </p:txBody>
@@ -2664,7 +2679,7 @@
           <a:p>
             <a:fld id="{4AF79E1B-2C51-4B9B-8EA4-26DE9E345AFF}" type="slidenum">
               <a:rPr lang="en-US" smtClean="0"/>
-              <a:t>4</a:t>
+              <a:t>3</a:t>
             </a:fld>
             <a:endParaRPr lang="en-US"/>
           </a:p>
@@ -2673,7 +2688,7 @@
     </p:spTree>
     <p:extLst>
       <p:ext uri="{BB962C8B-B14F-4D97-AF65-F5344CB8AC3E}">
-        <p14:creationId xmlns:p14="http://schemas.microsoft.com/office/powerpoint/2010/main" val="2646568658"/>
+        <p14:creationId xmlns:p14="http://schemas.microsoft.com/office/powerpoint/2010/main" val="3822811900"/>
       </p:ext>
     </p:extLst>
   </p:cSld>
@@ -2727,7 +2742,10 @@
           <a:bodyPr/>
           <a:lstStyle/>
           <a:p>
-            <a:endParaRPr lang="en-US" dirty="0"/>
+            <a:r>
+              <a:rPr lang="en-US" b="0" dirty="0"/>
+              <a:t>In this case, the IV is your father’s education (a common but slightly dubious instrument – can talk about why if time)</a:t>
+            </a:r>
           </a:p>
         </p:txBody>
       </p:sp>
@@ -2748,7 +2766,7 @@
           <a:p>
             <a:fld id="{4AF79E1B-2C51-4B9B-8EA4-26DE9E345AFF}" type="slidenum">
               <a:rPr lang="en-US" smtClean="0"/>
-              <a:t>35</a:t>
+              <a:t>34</a:t>
             </a:fld>
             <a:endParaRPr lang="en-US"/>
           </a:p>
@@ -2757,7 +2775,7 @@
     </p:spTree>
     <p:extLst>
       <p:ext uri="{BB962C8B-B14F-4D97-AF65-F5344CB8AC3E}">
-        <p14:creationId xmlns:p14="http://schemas.microsoft.com/office/powerpoint/2010/main" val="3823014765"/>
+        <p14:creationId xmlns:p14="http://schemas.microsoft.com/office/powerpoint/2010/main" val="2549378587"/>
       </p:ext>
     </p:extLst>
   </p:cSld>
@@ -2811,7 +2829,10 @@
           <a:bodyPr/>
           <a:lstStyle/>
           <a:p>
-            <a:endParaRPr lang="en-US" dirty="0"/>
+            <a:r>
+              <a:rPr lang="en-US" dirty="0"/>
+              <a:t>You can do these kind of quickly</a:t>
+            </a:r>
           </a:p>
         </p:txBody>
       </p:sp>
@@ -2832,7 +2853,7 @@
           <a:p>
             <a:fld id="{4AF79E1B-2C51-4B9B-8EA4-26DE9E345AFF}" type="slidenum">
               <a:rPr lang="en-US" smtClean="0"/>
-              <a:t>36</a:t>
+              <a:t>35</a:t>
             </a:fld>
             <a:endParaRPr lang="en-US"/>
           </a:p>
@@ -2841,7 +2862,7 @@
     </p:spTree>
     <p:extLst>
       <p:ext uri="{BB962C8B-B14F-4D97-AF65-F5344CB8AC3E}">
-        <p14:creationId xmlns:p14="http://schemas.microsoft.com/office/powerpoint/2010/main" val="3218221699"/>
+        <p14:creationId xmlns:p14="http://schemas.microsoft.com/office/powerpoint/2010/main" val="36034450"/>
       </p:ext>
     </p:extLst>
   </p:cSld>
@@ -2916,7 +2937,7 @@
           <a:p>
             <a:fld id="{4AF79E1B-2C51-4B9B-8EA4-26DE9E345AFF}" type="slidenum">
               <a:rPr lang="en-US" smtClean="0"/>
-              <a:t>37</a:t>
+              <a:t>36</a:t>
             </a:fld>
             <a:endParaRPr lang="en-US"/>
           </a:p>
@@ -2925,7 +2946,7 @@
     </p:spTree>
     <p:extLst>
       <p:ext uri="{BB962C8B-B14F-4D97-AF65-F5344CB8AC3E}">
-        <p14:creationId xmlns:p14="http://schemas.microsoft.com/office/powerpoint/2010/main" val="2215348703"/>
+        <p14:creationId xmlns:p14="http://schemas.microsoft.com/office/powerpoint/2010/main" val="1807161508"/>
       </p:ext>
     </p:extLst>
   </p:cSld>
@@ -3000,7 +3021,7 @@
           <a:p>
             <a:fld id="{4AF79E1B-2C51-4B9B-8EA4-26DE9E345AFF}" type="slidenum">
               <a:rPr lang="en-US" smtClean="0"/>
-              <a:t>38</a:t>
+              <a:t>37</a:t>
             </a:fld>
             <a:endParaRPr lang="en-US"/>
           </a:p>
@@ -3009,7 +3030,7 @@
     </p:spTree>
     <p:extLst>
       <p:ext uri="{BB962C8B-B14F-4D97-AF65-F5344CB8AC3E}">
-        <p14:creationId xmlns:p14="http://schemas.microsoft.com/office/powerpoint/2010/main" val="1527951253"/>
+        <p14:creationId xmlns:p14="http://schemas.microsoft.com/office/powerpoint/2010/main" val="3823014765"/>
       </p:ext>
     </p:extLst>
   </p:cSld>
@@ -3084,7 +3105,7 @@
           <a:p>
             <a:fld id="{4AF79E1B-2C51-4B9B-8EA4-26DE9E345AFF}" type="slidenum">
               <a:rPr lang="en-US" smtClean="0"/>
-              <a:t>40</a:t>
+              <a:t>38</a:t>
             </a:fld>
             <a:endParaRPr lang="en-US"/>
           </a:p>
@@ -3093,7 +3114,7 @@
     </p:spTree>
     <p:extLst>
       <p:ext uri="{BB962C8B-B14F-4D97-AF65-F5344CB8AC3E}">
-        <p14:creationId xmlns:p14="http://schemas.microsoft.com/office/powerpoint/2010/main" val="3636588072"/>
+        <p14:creationId xmlns:p14="http://schemas.microsoft.com/office/powerpoint/2010/main" val="3218221699"/>
       </p:ext>
     </p:extLst>
   </p:cSld>
@@ -3147,10 +3168,7 @@
           <a:bodyPr/>
           <a:lstStyle/>
           <a:p>
-            <a:r>
-              <a:rPr lang="en-US" dirty="0"/>
-              <a:t>You’ll have to talk about what an F stat is and how it relates to a t stat. See Felton and Stewart for what a weak IV can do, but basically exacerbates three problems: identification bias (parameter isn’t centered around truth), estimation bias (2SLS is “contaminated” by the confounding inherent in OLS, so 2SLS estimator gets “pulled” towards OLS estimator and away from truth), and Type M-error (publication bias – you have to have a super strong effect to have it show up significant with a weak IV; then, since insignificant estimates don’t get published, looking only at published work convinces you that the effect is *much* stronger than it really is)</a:t>
-            </a:r>
+            <a:endParaRPr lang="en-US" dirty="0"/>
           </a:p>
         </p:txBody>
       </p:sp>
@@ -3171,7 +3189,7 @@
           <a:p>
             <a:fld id="{4AF79E1B-2C51-4B9B-8EA4-26DE9E345AFF}" type="slidenum">
               <a:rPr lang="en-US" smtClean="0"/>
-              <a:t>41</a:t>
+              <a:t>39</a:t>
             </a:fld>
             <a:endParaRPr lang="en-US"/>
           </a:p>
@@ -3180,7 +3198,7 @@
     </p:spTree>
     <p:extLst>
       <p:ext uri="{BB962C8B-B14F-4D97-AF65-F5344CB8AC3E}">
-        <p14:creationId xmlns:p14="http://schemas.microsoft.com/office/powerpoint/2010/main" val="534126127"/>
+        <p14:creationId xmlns:p14="http://schemas.microsoft.com/office/powerpoint/2010/main" val="2215348703"/>
       </p:ext>
     </p:extLst>
   </p:cSld>
@@ -3234,14 +3252,6 @@
           <a:bodyPr/>
           <a:lstStyle/>
           <a:p>
-            <a:r>
-              <a:rPr lang="en-US" dirty="0"/>
-              <a:t>This comes from Lee et al, just published in AER this month. Here’s a log scale of the F-stats for IV papers in top econ journals (note scale is log). Most (75%) are bigger than 10, but not a lot get up to the new standard (here it’s slightly different). Thankfully, there is research linking the t stat with the </a:t>
-            </a:r>
-            <a:r>
-              <a:rPr lang="en-US"/>
-              <a:t>F stat. </a:t>
-            </a:r>
             <a:endParaRPr lang="en-US" dirty="0"/>
           </a:p>
         </p:txBody>
@@ -3263,7 +3273,7 @@
           <a:p>
             <a:fld id="{4AF79E1B-2C51-4B9B-8EA4-26DE9E345AFF}" type="slidenum">
               <a:rPr lang="en-US" smtClean="0"/>
-              <a:t>42</a:t>
+              <a:t>40</a:t>
             </a:fld>
             <a:endParaRPr lang="en-US"/>
           </a:p>
@@ -3272,7 +3282,7 @@
     </p:spTree>
     <p:extLst>
       <p:ext uri="{BB962C8B-B14F-4D97-AF65-F5344CB8AC3E}">
-        <p14:creationId xmlns:p14="http://schemas.microsoft.com/office/powerpoint/2010/main" val="4093627696"/>
+        <p14:creationId xmlns:p14="http://schemas.microsoft.com/office/powerpoint/2010/main" val="1527951253"/>
       </p:ext>
     </p:extLst>
   </p:cSld>
@@ -3326,26 +3336,6 @@
           <a:bodyPr/>
           <a:lstStyle/>
           <a:p>
-            <a:r>
-              <a:rPr lang="en-US" dirty="0"/>
-              <a:t>You can show that Y depends on Z, but this doesn’t mean much because we want to know </a:t>
-            </a:r>
-            <a:r>
-              <a:rPr lang="en-US" b="1" dirty="0"/>
-              <a:t>how </a:t>
-            </a:r>
-            <a:r>
-              <a:rPr lang="en-US" b="0" dirty="0"/>
-              <a:t>it affects Y (e.g., only though </a:t>
-            </a:r>
-            <a:r>
-              <a:rPr lang="en-US" b="0" dirty="0" err="1"/>
-              <a:t>tX</a:t>
-            </a:r>
-            <a:r>
-              <a:rPr lang="en-US" b="0" dirty="0"/>
-              <a:t>) </a:t>
-            </a:r>
             <a:endParaRPr lang="en-US" dirty="0"/>
           </a:p>
         </p:txBody>
@@ -3367,7 +3357,7 @@
           <a:p>
             <a:fld id="{4AF79E1B-2C51-4B9B-8EA4-26DE9E345AFF}" type="slidenum">
               <a:rPr lang="en-US" smtClean="0"/>
-              <a:t>43</a:t>
+              <a:t>42</a:t>
             </a:fld>
             <a:endParaRPr lang="en-US"/>
           </a:p>
@@ -3376,7 +3366,7 @@
     </p:spTree>
     <p:extLst>
       <p:ext uri="{BB962C8B-B14F-4D97-AF65-F5344CB8AC3E}">
-        <p14:creationId xmlns:p14="http://schemas.microsoft.com/office/powerpoint/2010/main" val="461974586"/>
+        <p14:creationId xmlns:p14="http://schemas.microsoft.com/office/powerpoint/2010/main" val="3636588072"/>
       </p:ext>
     </p:extLst>
   </p:cSld>
@@ -3430,7 +3420,10 @@
           <a:bodyPr/>
           <a:lstStyle/>
           <a:p>
-            <a:endParaRPr lang="en-US" dirty="0"/>
+            <a:r>
+              <a:rPr lang="en-US" dirty="0"/>
+              <a:t>You’ll have to talk about what an F stat is and how it relates to a t stat. See Felton and Stewart for what a weak IV can do, but basically exacerbates three problems: identification bias (parameter isn’t centered around truth), estimation bias (2SLS is “contaminated” by the confounding inherent in OLS, so 2SLS estimator gets “pulled” towards OLS estimator and away from truth), and Type M-error (publication bias – you have to have a super strong effect to have it show up significant with a weak IV; then, since insignificant estimates don’t get published, looking only at published work convinces you that the effect is *much* stronger than it really is)</a:t>
+            </a:r>
           </a:p>
         </p:txBody>
       </p:sp>
@@ -3451,7 +3444,7 @@
           <a:p>
             <a:fld id="{4AF79E1B-2C51-4B9B-8EA4-26DE9E345AFF}" type="slidenum">
               <a:rPr lang="en-US" smtClean="0"/>
-              <a:t>44</a:t>
+              <a:t>43</a:t>
             </a:fld>
             <a:endParaRPr lang="en-US"/>
           </a:p>
@@ -3460,7 +3453,7 @@
     </p:spTree>
     <p:extLst>
       <p:ext uri="{BB962C8B-B14F-4D97-AF65-F5344CB8AC3E}">
-        <p14:creationId xmlns:p14="http://schemas.microsoft.com/office/powerpoint/2010/main" val="4195010645"/>
+        <p14:creationId xmlns:p14="http://schemas.microsoft.com/office/powerpoint/2010/main" val="534126127"/>
       </p:ext>
     </p:extLst>
   </p:cSld>
@@ -3515,18 +3508,12 @@
           <a:lstStyle/>
           <a:p>
             <a:r>
-              <a:rPr lang="en-US" dirty="0">
-                <a:cs typeface="Calibri"/>
-              </a:rPr>
-              <a:t>Note: we might not think Z – A – Y is a problem typically, but when Z is an IV, this confounds the effect of X on Y and the effect of A on Y! Can just control for A and B in order to close these paths. </a:t>
-            </a:r>
-          </a:p>
-          <a:p>
-            <a:r>
-              <a:rPr lang="en-US" dirty="0">
-                <a:cs typeface="Calibri"/>
-              </a:rPr>
-              <a:t>Note 2: Controls should go in an IV regression as appropriate (not like matching)</a:t>
+              <a:rPr lang="en-US" dirty="0"/>
+              <a:t>This comes from Lee et al, just published in AER this month. Here’s a log scale of the F-stats for IV papers in top econ journals (note scale is log). Most (75%) are bigger than 10, but not a lot get up to the new standard (here it’s slightly different). Thankfully, there is research linking the t stat with the </a:t>
+            </a:r>
+            <a:r>
+              <a:rPr lang="en-US"/>
+              <a:t>F stat. </a:t>
             </a:r>
             <a:endParaRPr lang="en-US" dirty="0"/>
           </a:p>
@@ -3549,7 +3536,7 @@
           <a:p>
             <a:fld id="{4AF79E1B-2C51-4B9B-8EA4-26DE9E345AFF}" type="slidenum">
               <a:rPr lang="en-US" smtClean="0"/>
-              <a:t>45</a:t>
+              <a:t>44</a:t>
             </a:fld>
             <a:endParaRPr lang="en-US"/>
           </a:p>
@@ -3558,7 +3545,7 @@
     </p:spTree>
     <p:extLst>
       <p:ext uri="{BB962C8B-B14F-4D97-AF65-F5344CB8AC3E}">
-        <p14:creationId xmlns:p14="http://schemas.microsoft.com/office/powerpoint/2010/main" val="4070532677"/>
+        <p14:creationId xmlns:p14="http://schemas.microsoft.com/office/powerpoint/2010/main" val="4093627696"/>
       </p:ext>
     </p:extLst>
   </p:cSld>
@@ -3614,13 +3601,7 @@
           <a:p>
             <a:r>
               <a:rPr lang="en-US" dirty="0"/>
-              <a:t>Suppose we want to know what’s the effect of shortening waiting times for transplants on positive outcomes. We can’t randomize this (why?)</a:t>
-            </a:r>
-          </a:p>
-          <a:p>
-            <a:r>
-              <a:rPr lang="en-US" dirty="0"/>
-              <a:t>But we also can’t just use observational data in a simple regression (why? – selection! patients who are more likely to have poor outcomes may also have different waiting times)</a:t>
+              <a:t>Lots of frozen in our house these days, so I want this playing in all of our heads. </a:t>
             </a:r>
           </a:p>
         </p:txBody>
@@ -3642,7 +3623,7 @@
           <a:p>
             <a:fld id="{4AF79E1B-2C51-4B9B-8EA4-26DE9E345AFF}" type="slidenum">
               <a:rPr lang="en-US" smtClean="0"/>
-              <a:t>5</a:t>
+              <a:t>4</a:t>
             </a:fld>
             <a:endParaRPr lang="en-US"/>
           </a:p>
@@ -3651,7 +3632,7 @@
     </p:spTree>
     <p:extLst>
       <p:ext uri="{BB962C8B-B14F-4D97-AF65-F5344CB8AC3E}">
-        <p14:creationId xmlns:p14="http://schemas.microsoft.com/office/powerpoint/2010/main" val="3230424860"/>
+        <p14:creationId xmlns:p14="http://schemas.microsoft.com/office/powerpoint/2010/main" val="3031818284"/>
       </p:ext>
     </p:extLst>
   </p:cSld>
@@ -3706,10 +3687,24 @@
           <a:lstStyle/>
           <a:p>
             <a:r>
-              <a:rPr lang="en-US" dirty="0">
-                <a:cs typeface="Calibri"/>
-              </a:rPr>
-              <a:t>Instruments have to be weird!</a:t>
+              <a:rPr lang="en-US" dirty="0"/>
+              <a:t>You can show that Y depends on Z, but this doesn’t mean much because we want to know </a:t>
+            </a:r>
+            <a:r>
+              <a:rPr lang="en-US" b="1" dirty="0"/>
+              <a:t>how </a:t>
+            </a:r>
+            <a:r>
+              <a:rPr lang="en-US" b="0" dirty="0"/>
+              <a:t>it affects Y (e.g., only though </a:t>
+            </a:r>
+            <a:r>
+              <a:rPr lang="en-US" b="0" dirty="0" err="1"/>
+              <a:t>tX</a:t>
+            </a:r>
+            <a:r>
+              <a:rPr lang="en-US" b="0" dirty="0"/>
+              <a:t>) </a:t>
             </a:r>
             <a:endParaRPr lang="en-US" dirty="0"/>
           </a:p>
@@ -3732,7 +3727,7 @@
           <a:p>
             <a:fld id="{4AF79E1B-2C51-4B9B-8EA4-26DE9E345AFF}" type="slidenum">
               <a:rPr lang="en-US" smtClean="0"/>
-              <a:t>46</a:t>
+              <a:t>45</a:t>
             </a:fld>
             <a:endParaRPr lang="en-US"/>
           </a:p>
@@ -3741,7 +3736,7 @@
     </p:spTree>
     <p:extLst>
       <p:ext uri="{BB962C8B-B14F-4D97-AF65-F5344CB8AC3E}">
-        <p14:creationId xmlns:p14="http://schemas.microsoft.com/office/powerpoint/2010/main" val="2857725622"/>
+        <p14:creationId xmlns:p14="http://schemas.microsoft.com/office/powerpoint/2010/main" val="461974586"/>
       </p:ext>
     </p:extLst>
   </p:cSld>
@@ -3795,12 +3790,6 @@
           <a:bodyPr/>
           <a:lstStyle/>
           <a:p>
-            <a:r>
-              <a:rPr lang="en-US" dirty="0">
-                <a:cs typeface="Calibri"/>
-              </a:rPr>
-              <a:t>Example for Mendelian randomization: the sex of first two children determines whether parents are more likely to have a third child.</a:t>
-            </a:r>
             <a:endParaRPr lang="en-US" dirty="0"/>
           </a:p>
         </p:txBody>
@@ -3822,7 +3811,7 @@
           <a:p>
             <a:fld id="{4AF79E1B-2C51-4B9B-8EA4-26DE9E345AFF}" type="slidenum">
               <a:rPr lang="en-US" smtClean="0"/>
-              <a:t>47</a:t>
+              <a:t>46</a:t>
             </a:fld>
             <a:endParaRPr lang="en-US"/>
           </a:p>
@@ -3831,7 +3820,7 @@
     </p:spTree>
     <p:extLst>
       <p:ext uri="{BB962C8B-B14F-4D97-AF65-F5344CB8AC3E}">
-        <p14:creationId xmlns:p14="http://schemas.microsoft.com/office/powerpoint/2010/main" val="187559992"/>
+        <p14:creationId xmlns:p14="http://schemas.microsoft.com/office/powerpoint/2010/main" val="4195010645"/>
       </p:ext>
     </p:extLst>
   </p:cSld>
@@ -3887,10 +3876,17 @@
           <a:p>
             <a:r>
               <a:rPr lang="en-US" dirty="0">
-                <a:ea typeface="Calibri"/>
                 <a:cs typeface="Calibri"/>
               </a:rPr>
-              <a:t>Large F stat is just for correcting t-tests for relationship between X and Y and X and Z – your CIs will be a tiny bit wrong. Generally, a large F will work (although closer to 10 still gives you problems). Remember that this is a scale, since we're concerned about weak instruments</a:t>
+              <a:t>Note: we might not think Z – A – Y is a problem typically, but when Z is an IV, this confounds the effect of X on Y and the effect of A on Y! Can just control for A and B in order to close these paths. </a:t>
+            </a:r>
+          </a:p>
+          <a:p>
+            <a:r>
+              <a:rPr lang="en-US" dirty="0">
+                <a:cs typeface="Calibri"/>
+              </a:rPr>
+              <a:t>Note 2: Controls should go in an IV regression as appropriate (not like matching)</a:t>
             </a:r>
             <a:endParaRPr lang="en-US" dirty="0"/>
           </a:p>
@@ -3913,7 +3909,7 @@
           <a:p>
             <a:fld id="{4AF79E1B-2C51-4B9B-8EA4-26DE9E345AFF}" type="slidenum">
               <a:rPr lang="en-US" smtClean="0"/>
-              <a:t>48</a:t>
+              <a:t>47</a:t>
             </a:fld>
             <a:endParaRPr lang="en-US"/>
           </a:p>
@@ -3922,7 +3918,7 @@
     </p:spTree>
     <p:extLst>
       <p:ext uri="{BB962C8B-B14F-4D97-AF65-F5344CB8AC3E}">
-        <p14:creationId xmlns:p14="http://schemas.microsoft.com/office/powerpoint/2010/main" val="547398061"/>
+        <p14:creationId xmlns:p14="http://schemas.microsoft.com/office/powerpoint/2010/main" val="4070532677"/>
       </p:ext>
     </p:extLst>
   </p:cSld>
@@ -3976,6 +3972,12 @@
           <a:bodyPr/>
           <a:lstStyle/>
           <a:p>
+            <a:r>
+              <a:rPr lang="en-US" dirty="0">
+                <a:cs typeface="Calibri"/>
+              </a:rPr>
+              <a:t>Instruments have to be weird!</a:t>
+            </a:r>
             <a:endParaRPr lang="en-US" dirty="0"/>
           </a:p>
         </p:txBody>
@@ -3997,7 +3999,7 @@
           <a:p>
             <a:fld id="{4AF79E1B-2C51-4B9B-8EA4-26DE9E345AFF}" type="slidenum">
               <a:rPr lang="en-US" smtClean="0"/>
-              <a:t>49</a:t>
+              <a:t>48</a:t>
             </a:fld>
             <a:endParaRPr lang="en-US"/>
           </a:p>
@@ -4006,7 +4008,7 @@
     </p:spTree>
     <p:extLst>
       <p:ext uri="{BB962C8B-B14F-4D97-AF65-F5344CB8AC3E}">
-        <p14:creationId xmlns:p14="http://schemas.microsoft.com/office/powerpoint/2010/main" val="1135761996"/>
+        <p14:creationId xmlns:p14="http://schemas.microsoft.com/office/powerpoint/2010/main" val="2857725622"/>
       </p:ext>
     </p:extLst>
   </p:cSld>
@@ -4064,7 +4066,7 @@
               <a:rPr lang="en-US" dirty="0">
                 <a:cs typeface="Calibri"/>
               </a:rPr>
-              <a:t>Difficulty with defending validity just means that we need to be choosy, not give up on IV altogether. It's just like trying to convince a room your DAG is right! And bulk of evidence helps, here (many studies with different approaches)</a:t>
+              <a:t>Example for Mendelian randomization: the sex of first two children determines whether parents are more likely to have a third child.</a:t>
             </a:r>
             <a:endParaRPr lang="en-US" dirty="0"/>
           </a:p>
@@ -4087,7 +4089,7 @@
           <a:p>
             <a:fld id="{4AF79E1B-2C51-4B9B-8EA4-26DE9E345AFF}" type="slidenum">
               <a:rPr lang="en-US" smtClean="0"/>
-              <a:t>50</a:t>
+              <a:t>49</a:t>
             </a:fld>
             <a:endParaRPr lang="en-US"/>
           </a:p>
@@ -4096,7 +4098,7 @@
     </p:spTree>
     <p:extLst>
       <p:ext uri="{BB962C8B-B14F-4D97-AF65-F5344CB8AC3E}">
-        <p14:creationId xmlns:p14="http://schemas.microsoft.com/office/powerpoint/2010/main" val="2965541601"/>
+        <p14:creationId xmlns:p14="http://schemas.microsoft.com/office/powerpoint/2010/main" val="187559992"/>
       </p:ext>
     </p:extLst>
   </p:cSld>
@@ -4152,9 +4154,10 @@
           <a:p>
             <a:r>
               <a:rPr lang="en-US" dirty="0">
+                <a:ea typeface="Calibri"/>
                 <a:cs typeface="Calibri"/>
               </a:rPr>
-              <a:t>Come from Felton and Stewart (they call IV “fragile” – I don’t like that, it’s just kind of a “you get what you put into it” kind of thing – we’re doing QE variation with observational data, so there are limitations. Just need to be aware of them and report them honestly)</a:t>
+              <a:t>Large F stat is just for correcting t-tests for relationship between X and Y and X and Z – your CIs will be a tiny bit wrong. Generally, a large F will work (although closer to 10 still gives you problems). Remember that this is a scale, since we're concerned about weak instruments</a:t>
             </a:r>
             <a:endParaRPr lang="en-US" dirty="0"/>
           </a:p>
@@ -4177,7 +4180,7 @@
           <a:p>
             <a:fld id="{4AF79E1B-2C51-4B9B-8EA4-26DE9E345AFF}" type="slidenum">
               <a:rPr lang="en-US" smtClean="0"/>
-              <a:t>51</a:t>
+              <a:t>50</a:t>
             </a:fld>
             <a:endParaRPr lang="en-US"/>
           </a:p>
@@ -4186,7 +4189,7 @@
     </p:spTree>
     <p:extLst>
       <p:ext uri="{BB962C8B-B14F-4D97-AF65-F5344CB8AC3E}">
-        <p14:creationId xmlns:p14="http://schemas.microsoft.com/office/powerpoint/2010/main" val="3699838445"/>
+        <p14:creationId xmlns:p14="http://schemas.microsoft.com/office/powerpoint/2010/main" val="547398061"/>
       </p:ext>
     </p:extLst>
   </p:cSld>
@@ -4240,12 +4243,6 @@
           <a:bodyPr/>
           <a:lstStyle/>
           <a:p>
-            <a:r>
-              <a:rPr lang="en-US" dirty="0">
-                <a:cs typeface="Calibri"/>
-              </a:rPr>
-              <a:t>Examples: can’t control for changes in employment post Hurricane Katrina (downstream outcome; we’ll talk about this one a lot in the course). Coarsened treatments are another example – if you have an IV that changes how people behave in Toronto but not North York, but then you only observe data for the whole GTA, this won’t work</a:t>
-            </a:r>
             <a:endParaRPr lang="en-US" dirty="0"/>
           </a:p>
         </p:txBody>
@@ -4267,7 +4264,7 @@
           <a:p>
             <a:fld id="{4AF79E1B-2C51-4B9B-8EA4-26DE9E345AFF}" type="slidenum">
               <a:rPr lang="en-US" smtClean="0"/>
-              <a:t>52</a:t>
+              <a:t>51</a:t>
             </a:fld>
             <a:endParaRPr lang="en-US"/>
           </a:p>
@@ -4276,7 +4273,7 @@
     </p:spTree>
     <p:extLst>
       <p:ext uri="{BB962C8B-B14F-4D97-AF65-F5344CB8AC3E}">
-        <p14:creationId xmlns:p14="http://schemas.microsoft.com/office/powerpoint/2010/main" val="2349041154"/>
+        <p14:creationId xmlns:p14="http://schemas.microsoft.com/office/powerpoint/2010/main" val="1135761996"/>
       </p:ext>
     </p:extLst>
   </p:cSld>
@@ -4332,10 +4329,9 @@
           <a:p>
             <a:r>
               <a:rPr lang="en-US" dirty="0">
-                <a:ea typeface="Calibri"/>
                 <a:cs typeface="Calibri"/>
               </a:rPr>
-              <a:t>From Felton and Stewart (2022). One not on here: always use packages to get standard errors right</a:t>
+              <a:t>Difficulty with defending validity just means that we need to be choosy, not give up on IV altogether. It's just like trying to convince a room your DAG is right! And bulk of evidence helps, here (many studies with different approaches)</a:t>
             </a:r>
             <a:endParaRPr lang="en-US" dirty="0"/>
           </a:p>
@@ -4358,7 +4354,7 @@
           <a:p>
             <a:fld id="{4AF79E1B-2C51-4B9B-8EA4-26DE9E345AFF}" type="slidenum">
               <a:rPr lang="en-US" smtClean="0"/>
-              <a:t>53</a:t>
+              <a:t>52</a:t>
             </a:fld>
             <a:endParaRPr lang="en-US"/>
           </a:p>
@@ -4367,7 +4363,7 @@
     </p:spTree>
     <p:extLst>
       <p:ext uri="{BB962C8B-B14F-4D97-AF65-F5344CB8AC3E}">
-        <p14:creationId xmlns:p14="http://schemas.microsoft.com/office/powerpoint/2010/main" val="2628968981"/>
+        <p14:creationId xmlns:p14="http://schemas.microsoft.com/office/powerpoint/2010/main" val="2965541601"/>
       </p:ext>
     </p:extLst>
   </p:cSld>
@@ -4423,24 +4419,9 @@
           <a:p>
             <a:r>
               <a:rPr lang="en-US" dirty="0">
-                <a:ea typeface="Calibri"/>
                 <a:cs typeface="Calibri"/>
               </a:rPr>
-              <a:t>Skipping over 3 because I don’t believe it (it says to assume the most conservative SE and report multiple </a:t>
-            </a:r>
-            <a:r>
-              <a:rPr lang="en-US" dirty="0" err="1">
-                <a:ea typeface="Calibri"/>
-                <a:cs typeface="Calibri"/>
-              </a:rPr>
-              <a:t>Ses</a:t>
-            </a:r>
-            <a:r>
-              <a:rPr lang="en-US" dirty="0">
-                <a:ea typeface="Calibri"/>
-                <a:cs typeface="Calibri"/>
-              </a:rPr>
-              <a:t> – I think you should pick your choice theoretically and use that one)</a:t>
+              <a:t>Come from Felton and Stewart (they call IV “fragile” – I don’t like that, it’s just kind of a “you get what you put into it” kind of thing – we’re doing QE variation with observational data, so there are limitations. Just need to be aware of them and report them honestly)</a:t>
             </a:r>
             <a:endParaRPr lang="en-US" dirty="0"/>
           </a:p>
@@ -4463,7 +4444,7 @@
           <a:p>
             <a:fld id="{4AF79E1B-2C51-4B9B-8EA4-26DE9E345AFF}" type="slidenum">
               <a:rPr lang="en-US" smtClean="0"/>
-              <a:t>54</a:t>
+              <a:t>53</a:t>
             </a:fld>
             <a:endParaRPr lang="en-US"/>
           </a:p>
@@ -4472,7 +4453,7 @@
     </p:spTree>
     <p:extLst>
       <p:ext uri="{BB962C8B-B14F-4D97-AF65-F5344CB8AC3E}">
-        <p14:creationId xmlns:p14="http://schemas.microsoft.com/office/powerpoint/2010/main" val="1041266519"/>
+        <p14:creationId xmlns:p14="http://schemas.microsoft.com/office/powerpoint/2010/main" val="3699838445"/>
       </p:ext>
     </p:extLst>
   </p:cSld>
@@ -4527,9 +4508,12 @@
           <a:lstStyle/>
           <a:p>
             <a:r>
-              <a:rPr lang="en-US" dirty="0"/>
-              <a:t>Here’s a visualization of a LATE for a specific type of IV regression (fuzzy RDD, will do next semester). LATEs are just weighted ATEs that tell you something about a specific subset of the population (not the full pop)</a:t>
-            </a:r>
+              <a:rPr lang="en-US" dirty="0">
+                <a:cs typeface="Calibri"/>
+              </a:rPr>
+              <a:t>Examples: can’t control for changes in employment post Hurricane Katrina (downstream outcome; we’ll talk about this one a lot in the course). Coarsened treatments are another example – if you have an IV that changes how people behave in Toronto but not North York, but then you only observe data for the whole GTA, this won’t work</a:t>
+            </a:r>
+            <a:endParaRPr lang="en-US" dirty="0"/>
           </a:p>
         </p:txBody>
       </p:sp>
@@ -4550,7 +4534,7 @@
           <a:p>
             <a:fld id="{4AF79E1B-2C51-4B9B-8EA4-26DE9E345AFF}" type="slidenum">
               <a:rPr lang="en-US" smtClean="0"/>
-              <a:t>55</a:t>
+              <a:t>54</a:t>
             </a:fld>
             <a:endParaRPr lang="en-US"/>
           </a:p>
@@ -4559,7 +4543,7 @@
     </p:spTree>
     <p:extLst>
       <p:ext uri="{BB962C8B-B14F-4D97-AF65-F5344CB8AC3E}">
-        <p14:creationId xmlns:p14="http://schemas.microsoft.com/office/powerpoint/2010/main" val="1335174366"/>
+        <p14:creationId xmlns:p14="http://schemas.microsoft.com/office/powerpoint/2010/main" val="2349041154"/>
       </p:ext>
     </p:extLst>
   </p:cSld>
@@ -4615,7 +4599,7 @@
           <a:p>
             <a:r>
               <a:rPr lang="en-US" dirty="0"/>
-              <a:t>Examples of selection – note that not all of these confounders are things we can deal with. </a:t>
+              <a:t>A more “economics”-y way to look at this is to think about what is exogenous and endogenous in a regression – what things directly lead to the outcome on their own, and what things are jointly determined in a more complex system?</a:t>
             </a:r>
           </a:p>
         </p:txBody>
@@ -4637,7 +4621,7 @@
           <a:p>
             <a:fld id="{4AF79E1B-2C51-4B9B-8EA4-26DE9E345AFF}" type="slidenum">
               <a:rPr lang="en-US" smtClean="0"/>
-              <a:t>6</a:t>
+              <a:t>5</a:t>
             </a:fld>
             <a:endParaRPr lang="en-US"/>
           </a:p>
@@ -4646,7 +4630,7 @@
     </p:spTree>
     <p:extLst>
       <p:ext uri="{BB962C8B-B14F-4D97-AF65-F5344CB8AC3E}">
-        <p14:creationId xmlns:p14="http://schemas.microsoft.com/office/powerpoint/2010/main" val="96065351"/>
+        <p14:creationId xmlns:p14="http://schemas.microsoft.com/office/powerpoint/2010/main" val="2646568658"/>
       </p:ext>
     </p:extLst>
   </p:cSld>
@@ -4700,6 +4684,24 @@
           <a:bodyPr/>
           <a:lstStyle/>
           <a:p>
+            <a:r>
+              <a:rPr lang="en-US" dirty="0">
+                <a:cs typeface="Calibri"/>
+              </a:rPr>
+              <a:t>Everyone should be following Khoa (</a:t>
+            </a:r>
+            <a:r>
+              <a:rPr lang="en-US" dirty="0" err="1">
+                <a:cs typeface="Calibri"/>
+              </a:rPr>
+              <a:t>Kwaa</a:t>
+            </a:r>
+            <a:r>
+              <a:rPr lang="en-US" dirty="0">
+                <a:cs typeface="Calibri"/>
+              </a:rPr>
+              <a:t>). If everything goes perfectly, IV is “approximately” unbiased – the biggest problem comes from weak instruments. </a:t>
+            </a:r>
             <a:endParaRPr lang="en-US" dirty="0"/>
           </a:p>
         </p:txBody>
@@ -4721,7 +4723,7 @@
           <a:p>
             <a:fld id="{4AF79E1B-2C51-4B9B-8EA4-26DE9E345AFF}" type="slidenum">
               <a:rPr lang="en-US" smtClean="0"/>
-              <a:t>56</a:t>
+              <a:t>55</a:t>
             </a:fld>
             <a:endParaRPr lang="en-US"/>
           </a:p>
@@ -4730,7 +4732,7 @@
     </p:spTree>
     <p:extLst>
       <p:ext uri="{BB962C8B-B14F-4D97-AF65-F5344CB8AC3E}">
-        <p14:creationId xmlns:p14="http://schemas.microsoft.com/office/powerpoint/2010/main" val="2256890236"/>
+        <p14:creationId xmlns:p14="http://schemas.microsoft.com/office/powerpoint/2010/main" val="3268514839"/>
       </p:ext>
     </p:extLst>
   </p:cSld>
@@ -4784,6 +4786,18 @@
           <a:bodyPr/>
           <a:lstStyle/>
           <a:p>
+            <a:r>
+              <a:rPr lang="en-US" dirty="0">
+                <a:cs typeface="Calibri"/>
+              </a:rPr>
+              <a:t>Results from a Monte Carlo survey (sorry for gross blue background). Suppose we have 20 IVS but only one is useful. If true coefficient is 1, these are bias of different approaches (note you’re better off just using the one </a:t>
+            </a:r>
+            <a:r>
+              <a:rPr lang="en-US">
+                <a:cs typeface="Calibri"/>
+              </a:rPr>
+              <a:t>true coefficient!) </a:t>
+            </a:r>
             <a:endParaRPr lang="en-US" dirty="0"/>
           </a:p>
         </p:txBody>
@@ -4805,7 +4819,7 @@
           <a:p>
             <a:fld id="{4AF79E1B-2C51-4B9B-8EA4-26DE9E345AFF}" type="slidenum">
               <a:rPr lang="en-US" smtClean="0"/>
-              <a:t>57</a:t>
+              <a:t>56</a:t>
             </a:fld>
             <a:endParaRPr lang="en-US"/>
           </a:p>
@@ -4814,7 +4828,7 @@
     </p:spTree>
     <p:extLst>
       <p:ext uri="{BB962C8B-B14F-4D97-AF65-F5344CB8AC3E}">
-        <p14:creationId xmlns:p14="http://schemas.microsoft.com/office/powerpoint/2010/main" val="371508346"/>
+        <p14:creationId xmlns:p14="http://schemas.microsoft.com/office/powerpoint/2010/main" val="4141754098"/>
       </p:ext>
     </p:extLst>
   </p:cSld>
@@ -4873,21 +4887,7 @@
                 <a:ea typeface="Calibri"/>
                 <a:cs typeface="Calibri"/>
               </a:rPr>
-              <a:t>Monotonicity just means that the instrument moved people towards/away from treatment </a:t>
-            </a:r>
-            <a:r>
-              <a:rPr lang="en-US" i="1" dirty="0">
-                <a:ea typeface="Calibri"/>
-                <a:cs typeface="Calibri"/>
-              </a:rPr>
-              <a:t>in the same way</a:t>
-            </a:r>
-            <a:r>
-              <a:rPr lang="en-US" dirty="0">
-                <a:ea typeface="Calibri"/>
-                <a:cs typeface="Calibri"/>
-              </a:rPr>
-              <a:t> (an IV can't both incentivize treatment for one person and discourage it for another). Example of third child – is monotonicity satisfied here? Wrapped up in heterogeneous treatment effects. </a:t>
+              <a:t>From Felton and Stewart (2022). One not on here: always use packages to get standard errors right</a:t>
             </a:r>
             <a:endParaRPr lang="en-US" dirty="0"/>
           </a:p>
@@ -4910,7 +4910,7 @@
           <a:p>
             <a:fld id="{4AF79E1B-2C51-4B9B-8EA4-26DE9E345AFF}" type="slidenum">
               <a:rPr lang="en-US" smtClean="0"/>
-              <a:t>58</a:t>
+              <a:t>57</a:t>
             </a:fld>
             <a:endParaRPr lang="en-US"/>
           </a:p>
@@ -4919,7 +4919,7 @@
     </p:spTree>
     <p:extLst>
       <p:ext uri="{BB962C8B-B14F-4D97-AF65-F5344CB8AC3E}">
-        <p14:creationId xmlns:p14="http://schemas.microsoft.com/office/powerpoint/2010/main" val="3837139000"/>
+        <p14:creationId xmlns:p14="http://schemas.microsoft.com/office/powerpoint/2010/main" val="2628968981"/>
       </p:ext>
     </p:extLst>
   </p:cSld>
@@ -4974,9 +4974,27 @@
           <a:lstStyle/>
           <a:p>
             <a:r>
-              <a:rPr lang="en-US" dirty="0"/>
-              <a:t>Cover if you have time. </a:t>
-            </a:r>
+              <a:rPr lang="en-US" dirty="0">
+                <a:ea typeface="Calibri"/>
+                <a:cs typeface="Calibri"/>
+              </a:rPr>
+              <a:t>Skipping over 3 because I don’t believe it (it says to assume the most conservative SE and report multiple </a:t>
+            </a:r>
+            <a:r>
+              <a:rPr lang="en-US" dirty="0" err="1">
+                <a:ea typeface="Calibri"/>
+                <a:cs typeface="Calibri"/>
+              </a:rPr>
+              <a:t>Ses</a:t>
+            </a:r>
+            <a:r>
+              <a:rPr lang="en-US" dirty="0">
+                <a:ea typeface="Calibri"/>
+                <a:cs typeface="Calibri"/>
+              </a:rPr>
+              <a:t> – I think you should pick your choice theoretically and use that one)</a:t>
+            </a:r>
+            <a:endParaRPr lang="en-US" dirty="0"/>
           </a:p>
         </p:txBody>
       </p:sp>
@@ -4997,7 +5015,7 @@
           <a:p>
             <a:fld id="{4AF79E1B-2C51-4B9B-8EA4-26DE9E345AFF}" type="slidenum">
               <a:rPr lang="en-US" smtClean="0"/>
-              <a:t>59</a:t>
+              <a:t>58</a:t>
             </a:fld>
             <a:endParaRPr lang="en-US"/>
           </a:p>
@@ -5006,7 +5024,7 @@
     </p:spTree>
     <p:extLst>
       <p:ext uri="{BB962C8B-B14F-4D97-AF65-F5344CB8AC3E}">
-        <p14:creationId xmlns:p14="http://schemas.microsoft.com/office/powerpoint/2010/main" val="2775344874"/>
+        <p14:creationId xmlns:p14="http://schemas.microsoft.com/office/powerpoint/2010/main" val="1041266519"/>
       </p:ext>
     </p:extLst>
   </p:cSld>
@@ -5060,7 +5078,10 @@
           <a:bodyPr/>
           <a:lstStyle/>
           <a:p>
-            <a:endParaRPr lang="en-US" dirty="0"/>
+            <a:r>
+              <a:rPr lang="en-US" dirty="0"/>
+              <a:t>Here’s a visualization of a LATE for a specific type of IV regression (fuzzy RDD, will do next semester). LATEs are just weighted ATEs that tell you something about a specific subset of the population (not the full pop)</a:t>
+            </a:r>
           </a:p>
         </p:txBody>
       </p:sp>
@@ -5081,7 +5102,7 @@
           <a:p>
             <a:fld id="{4AF79E1B-2C51-4B9B-8EA4-26DE9E345AFF}" type="slidenum">
               <a:rPr lang="en-US" smtClean="0"/>
-              <a:t>60</a:t>
+              <a:t>59</a:t>
             </a:fld>
             <a:endParaRPr lang="en-US"/>
           </a:p>
@@ -5090,7 +5111,7 @@
     </p:spTree>
     <p:extLst>
       <p:ext uri="{BB962C8B-B14F-4D97-AF65-F5344CB8AC3E}">
-        <p14:creationId xmlns:p14="http://schemas.microsoft.com/office/powerpoint/2010/main" val="1784930793"/>
+        <p14:creationId xmlns:p14="http://schemas.microsoft.com/office/powerpoint/2010/main" val="1335174366"/>
       </p:ext>
     </p:extLst>
   </p:cSld>
@@ -5144,13 +5165,7 @@
           <a:bodyPr/>
           <a:lstStyle/>
           <a:p>
-            <a:r>
-              <a:rPr lang="en-US" dirty="0">
-                <a:ea typeface="Calibri"/>
-                <a:cs typeface="Calibri"/>
-              </a:rPr>
-              <a:t>Kind of a standard IV paper, good clinical journal style to read and mimic</a:t>
-            </a:r>
+            <a:endParaRPr lang="en-US" dirty="0"/>
           </a:p>
         </p:txBody>
       </p:sp>
@@ -5169,9 +5184,9 @@
           <a:bodyPr/>
           <a:lstStyle/>
           <a:p>
-            <a:fld id="{3298C5B2-5D6B-2949-9D6C-64FEDA8AB56A}" type="slidenum">
+            <a:fld id="{4AF79E1B-2C51-4B9B-8EA4-26DE9E345AFF}" type="slidenum">
               <a:rPr lang="en-US" smtClean="0"/>
-              <a:t>61</a:t>
+              <a:t>60</a:t>
             </a:fld>
             <a:endParaRPr lang="en-US"/>
           </a:p>
@@ -5180,7 +5195,7 @@
     </p:spTree>
     <p:extLst>
       <p:ext uri="{BB962C8B-B14F-4D97-AF65-F5344CB8AC3E}">
-        <p14:creationId xmlns:p14="http://schemas.microsoft.com/office/powerpoint/2010/main" val="1427207452"/>
+        <p14:creationId xmlns:p14="http://schemas.microsoft.com/office/powerpoint/2010/main" val="2256890236"/>
       </p:ext>
     </p:extLst>
   </p:cSld>
@@ -5234,17 +5249,7 @@
           <a:bodyPr/>
           <a:lstStyle/>
           <a:p>
-            <a:r>
-              <a:rPr lang="en-US" dirty="0">
-                <a:ea typeface="Calibri"/>
-                <a:cs typeface="Calibri"/>
-              </a:rPr>
-              <a:t>Example from 1: </a:t>
-            </a:r>
-            <a:r>
-              <a:rPr lang="en-US" dirty="0"/>
-              <a:t>in the 2000s, Oregon chose to expand its Medicaid program for poor adults by making it more generous. They used a lottery – this randomization can be an IV to back out LATE from ITT. </a:t>
-            </a:r>
+            <a:endParaRPr lang="en-US" dirty="0"/>
           </a:p>
         </p:txBody>
       </p:sp>
@@ -5263,9 +5268,9 @@
           <a:bodyPr/>
           <a:lstStyle/>
           <a:p>
-            <a:fld id="{3298C5B2-5D6B-2949-9D6C-64FEDA8AB56A}" type="slidenum">
+            <a:fld id="{4AF79E1B-2C51-4B9B-8EA4-26DE9E345AFF}" type="slidenum">
               <a:rPr lang="en-US" smtClean="0"/>
-              <a:t>62</a:t>
+              <a:t>61</a:t>
             </a:fld>
             <a:endParaRPr lang="en-US"/>
           </a:p>
@@ -5274,7 +5279,7 @@
     </p:spTree>
     <p:extLst>
       <p:ext uri="{BB962C8B-B14F-4D97-AF65-F5344CB8AC3E}">
-        <p14:creationId xmlns:p14="http://schemas.microsoft.com/office/powerpoint/2010/main" val="3754829673"/>
+        <p14:creationId xmlns:p14="http://schemas.microsoft.com/office/powerpoint/2010/main" val="371508346"/>
       </p:ext>
     </p:extLst>
   </p:cSld>
@@ -5333,16 +5338,23 @@
                 <a:ea typeface="Calibri"/>
                 <a:cs typeface="Calibri"/>
               </a:rPr>
-              <a:t>This</a:t>
-            </a:r>
-            <a:r>
-              <a:rPr lang="en-US" dirty="0"/>
-              <a:t> is just really popular with judges, doesn't have to be criminal. Possible examples: FDA approval, physician decision-making. Some concerns: is assignment truly random? Is the pipeline really narrow? Can the discretion be chosen by the patient/entity? Paper uses differences in nursing home eligibility assessors to find that access to nursing homes lowers use of other kinds of care, but does not affect health spending or mortality meaningfully. Plenty of opportunities to implement this design more meaningfully. </a:t>
-            </a:r>
-            <a:endParaRPr lang="en-US" dirty="0">
-              <a:ea typeface="Calibri"/>
-              <a:cs typeface="Calibri"/>
-            </a:endParaRPr>
+              <a:t>Monotonicity just means that the instrument moved people towards/away from treatment </a:t>
+            </a:r>
+            <a:r>
+              <a:rPr lang="en-US" i="1" dirty="0">
+                <a:ea typeface="Calibri"/>
+                <a:cs typeface="Calibri"/>
+              </a:rPr>
+              <a:t>in the same way</a:t>
+            </a:r>
+            <a:r>
+              <a:rPr lang="en-US" dirty="0">
+                <a:ea typeface="Calibri"/>
+                <a:cs typeface="Calibri"/>
+              </a:rPr>
+              <a:t> (an IV can't both incentivize treatment for one person and discourage it for another). Example of third child – is monotonicity satisfied here? Wrapped up in heterogeneous treatment effects. </a:t>
+            </a:r>
+            <a:endParaRPr lang="en-US" dirty="0"/>
           </a:p>
         </p:txBody>
       </p:sp>
@@ -5361,9 +5373,9 @@
           <a:bodyPr/>
           <a:lstStyle/>
           <a:p>
-            <a:fld id="{3298C5B2-5D6B-2949-9D6C-64FEDA8AB56A}" type="slidenum">
+            <a:fld id="{4AF79E1B-2C51-4B9B-8EA4-26DE9E345AFF}" type="slidenum">
               <a:rPr lang="en-US" smtClean="0"/>
-              <a:t>63</a:t>
+              <a:t>62</a:t>
             </a:fld>
             <a:endParaRPr lang="en-US"/>
           </a:p>
@@ -5372,7 +5384,7 @@
     </p:spTree>
     <p:extLst>
       <p:ext uri="{BB962C8B-B14F-4D97-AF65-F5344CB8AC3E}">
-        <p14:creationId xmlns:p14="http://schemas.microsoft.com/office/powerpoint/2010/main" val="2965896772"/>
+        <p14:creationId xmlns:p14="http://schemas.microsoft.com/office/powerpoint/2010/main" val="3837139000"/>
       </p:ext>
     </p:extLst>
   </p:cSld>
@@ -5427,11 +5439,8 @@
           <a:lstStyle/>
           <a:p>
             <a:r>
-              <a:rPr lang="en-US" dirty="0">
-                <a:ea typeface="Calibri"/>
-                <a:cs typeface="Calibri"/>
-              </a:rPr>
-              <a:t>This is most useful when looking at regional market differences in health questions. </a:t>
+              <a:rPr lang="en-US" dirty="0"/>
+              <a:t>Cover if you have time. </a:t>
             </a:r>
           </a:p>
         </p:txBody>
@@ -5451,9 +5460,9 @@
           <a:bodyPr/>
           <a:lstStyle/>
           <a:p>
-            <a:fld id="{3298C5B2-5D6B-2949-9D6C-64FEDA8AB56A}" type="slidenum">
+            <a:fld id="{4AF79E1B-2C51-4B9B-8EA4-26DE9E345AFF}" type="slidenum">
               <a:rPr lang="en-US" smtClean="0"/>
-              <a:t>64</a:t>
+              <a:t>63</a:t>
             </a:fld>
             <a:endParaRPr lang="en-US"/>
           </a:p>
@@ -5462,7 +5471,7 @@
     </p:spTree>
     <p:extLst>
       <p:ext uri="{BB962C8B-B14F-4D97-AF65-F5344CB8AC3E}">
-        <p14:creationId xmlns:p14="http://schemas.microsoft.com/office/powerpoint/2010/main" val="2151309965"/>
+        <p14:creationId xmlns:p14="http://schemas.microsoft.com/office/powerpoint/2010/main" val="2775344874"/>
       </p:ext>
     </p:extLst>
   </p:cSld>
@@ -5516,13 +5525,7 @@
           <a:bodyPr/>
           <a:lstStyle/>
           <a:p>
-            <a:r>
-              <a:rPr lang="en-US" dirty="0">
-                <a:ea typeface="Calibri"/>
-                <a:cs typeface="Calibri"/>
-              </a:rPr>
-              <a:t>This is most useful when looking at regional market differences in health questions. </a:t>
-            </a:r>
+            <a:endParaRPr lang="en-US" dirty="0"/>
           </a:p>
         </p:txBody>
       </p:sp>
@@ -5541,9 +5544,9 @@
           <a:bodyPr/>
           <a:lstStyle/>
           <a:p>
-            <a:fld id="{3298C5B2-5D6B-2949-9D6C-64FEDA8AB56A}" type="slidenum">
+            <a:fld id="{4AF79E1B-2C51-4B9B-8EA4-26DE9E345AFF}" type="slidenum">
               <a:rPr lang="en-US" smtClean="0"/>
-              <a:t>65</a:t>
+              <a:t>64</a:t>
             </a:fld>
             <a:endParaRPr lang="en-US"/>
           </a:p>
@@ -5552,7 +5555,7 @@
     </p:spTree>
     <p:extLst>
       <p:ext uri="{BB962C8B-B14F-4D97-AF65-F5344CB8AC3E}">
-        <p14:creationId xmlns:p14="http://schemas.microsoft.com/office/powerpoint/2010/main" val="2032646729"/>
+        <p14:creationId xmlns:p14="http://schemas.microsoft.com/office/powerpoint/2010/main" val="1784930793"/>
       </p:ext>
     </p:extLst>
   </p:cSld>
@@ -5608,7 +5611,13 @@
           <a:p>
             <a:r>
               <a:rPr lang="en-US" dirty="0"/>
-              <a:t>Exogenous variables: age, demographics. What about education? Whether or not you need a transplant in the first place? This starts to become a gray area quickly. </a:t>
+              <a:t>Suppose we want to know what’s the effect of shortening waiting times for transplants on positive outcomes. We can’t randomize this (why?)</a:t>
+            </a:r>
+          </a:p>
+          <a:p>
+            <a:r>
+              <a:rPr lang="en-US" dirty="0"/>
+              <a:t>But we also can’t just use observational data in a simple regression (why? – selection! patients who are more likely to have poor outcomes may also have different waiting times)</a:t>
             </a:r>
           </a:p>
         </p:txBody>
@@ -5630,7 +5639,7 @@
           <a:p>
             <a:fld id="{4AF79E1B-2C51-4B9B-8EA4-26DE9E345AFF}" type="slidenum">
               <a:rPr lang="en-US" smtClean="0"/>
-              <a:t>7</a:t>
+              <a:t>6</a:t>
             </a:fld>
             <a:endParaRPr lang="en-US"/>
           </a:p>
@@ -5639,7 +5648,469 @@
     </p:spTree>
     <p:extLst>
       <p:ext uri="{BB962C8B-B14F-4D97-AF65-F5344CB8AC3E}">
-        <p14:creationId xmlns:p14="http://schemas.microsoft.com/office/powerpoint/2010/main" val="925015819"/>
+        <p14:creationId xmlns:p14="http://schemas.microsoft.com/office/powerpoint/2010/main" val="3230424860"/>
+      </p:ext>
+    </p:extLst>
+  </p:cSld>
+  <p:clrMapOvr>
+    <a:masterClrMapping/>
+  </p:clrMapOvr>
+</p:notes>
+</file>
+
+<file path=ppt/notesSlides/notesSlide60.xml><?xml version="1.0" encoding="utf-8"?>
+<p:notes xmlns:a="http://schemas.openxmlformats.org/drawingml/2006/main" xmlns:r="http://schemas.openxmlformats.org/officeDocument/2006/relationships" xmlns:p="http://schemas.openxmlformats.org/presentationml/2006/main">
+  <p:cSld>
+    <p:spTree>
+      <p:nvGrpSpPr>
+        <p:cNvPr id="1" name=""/>
+        <p:cNvGrpSpPr/>
+        <p:nvPr/>
+      </p:nvGrpSpPr>
+      <p:grpSpPr>
+        <a:xfrm>
+          <a:off x="0" y="0"/>
+          <a:ext cx="0" cy="0"/>
+          <a:chOff x="0" y="0"/>
+          <a:chExt cx="0" cy="0"/>
+        </a:xfrm>
+      </p:grpSpPr>
+      <p:sp>
+        <p:nvSpPr>
+          <p:cNvPr id="2" name="Slide Image Placeholder 1"/>
+          <p:cNvSpPr>
+            <a:spLocks noGrp="1" noRot="1" noChangeAspect="1"/>
+          </p:cNvSpPr>
+          <p:nvPr>
+            <p:ph type="sldImg"/>
+          </p:nvPr>
+        </p:nvSpPr>
+        <p:spPr/>
+      </p:sp>
+      <p:sp>
+        <p:nvSpPr>
+          <p:cNvPr id="3" name="Notes Placeholder 2"/>
+          <p:cNvSpPr>
+            <a:spLocks noGrp="1"/>
+          </p:cNvSpPr>
+          <p:nvPr>
+            <p:ph type="body" idx="1"/>
+          </p:nvPr>
+        </p:nvSpPr>
+        <p:spPr/>
+        <p:txBody>
+          <a:bodyPr/>
+          <a:lstStyle/>
+          <a:p>
+            <a:r>
+              <a:rPr lang="en-US" dirty="0">
+                <a:ea typeface="Calibri"/>
+                <a:cs typeface="Calibri"/>
+              </a:rPr>
+              <a:t>Kind of a standard IV paper, good clinical journal style to read and mimic</a:t>
+            </a:r>
+          </a:p>
+        </p:txBody>
+      </p:sp>
+      <p:sp>
+        <p:nvSpPr>
+          <p:cNvPr id="4" name="Slide Number Placeholder 3"/>
+          <p:cNvSpPr>
+            <a:spLocks noGrp="1"/>
+          </p:cNvSpPr>
+          <p:nvPr>
+            <p:ph type="sldNum" sz="quarter" idx="5"/>
+          </p:nvPr>
+        </p:nvSpPr>
+        <p:spPr/>
+        <p:txBody>
+          <a:bodyPr/>
+          <a:lstStyle/>
+          <a:p>
+            <a:fld id="{3298C5B2-5D6B-2949-9D6C-64FEDA8AB56A}" type="slidenum">
+              <a:rPr lang="en-US" smtClean="0"/>
+              <a:t>65</a:t>
+            </a:fld>
+            <a:endParaRPr lang="en-US"/>
+          </a:p>
+        </p:txBody>
+      </p:sp>
+    </p:spTree>
+    <p:extLst>
+      <p:ext uri="{BB962C8B-B14F-4D97-AF65-F5344CB8AC3E}">
+        <p14:creationId xmlns:p14="http://schemas.microsoft.com/office/powerpoint/2010/main" val="1427207452"/>
+      </p:ext>
+    </p:extLst>
+  </p:cSld>
+  <p:clrMapOvr>
+    <a:masterClrMapping/>
+  </p:clrMapOvr>
+</p:notes>
+</file>
+
+<file path=ppt/notesSlides/notesSlide61.xml><?xml version="1.0" encoding="utf-8"?>
+<p:notes xmlns:a="http://schemas.openxmlformats.org/drawingml/2006/main" xmlns:r="http://schemas.openxmlformats.org/officeDocument/2006/relationships" xmlns:p="http://schemas.openxmlformats.org/presentationml/2006/main">
+  <p:cSld>
+    <p:spTree>
+      <p:nvGrpSpPr>
+        <p:cNvPr id="1" name=""/>
+        <p:cNvGrpSpPr/>
+        <p:nvPr/>
+      </p:nvGrpSpPr>
+      <p:grpSpPr>
+        <a:xfrm>
+          <a:off x="0" y="0"/>
+          <a:ext cx="0" cy="0"/>
+          <a:chOff x="0" y="0"/>
+          <a:chExt cx="0" cy="0"/>
+        </a:xfrm>
+      </p:grpSpPr>
+      <p:sp>
+        <p:nvSpPr>
+          <p:cNvPr id="2" name="Slide Image Placeholder 1"/>
+          <p:cNvSpPr>
+            <a:spLocks noGrp="1" noRot="1" noChangeAspect="1"/>
+          </p:cNvSpPr>
+          <p:nvPr>
+            <p:ph type="sldImg"/>
+          </p:nvPr>
+        </p:nvSpPr>
+        <p:spPr/>
+      </p:sp>
+      <p:sp>
+        <p:nvSpPr>
+          <p:cNvPr id="3" name="Notes Placeholder 2"/>
+          <p:cNvSpPr>
+            <a:spLocks noGrp="1"/>
+          </p:cNvSpPr>
+          <p:nvPr>
+            <p:ph type="body" idx="1"/>
+          </p:nvPr>
+        </p:nvSpPr>
+        <p:spPr/>
+        <p:txBody>
+          <a:bodyPr/>
+          <a:lstStyle/>
+          <a:p>
+            <a:r>
+              <a:rPr lang="en-US" dirty="0">
+                <a:ea typeface="Calibri"/>
+                <a:cs typeface="Calibri"/>
+              </a:rPr>
+              <a:t>Example from 1: </a:t>
+            </a:r>
+            <a:r>
+              <a:rPr lang="en-US" dirty="0"/>
+              <a:t>in the 2000s, Oregon chose to expand its Medicaid program for poor adults by making it more generous. They used a lottery – this randomization can be an IV to back out LATE from ITT. </a:t>
+            </a:r>
+          </a:p>
+        </p:txBody>
+      </p:sp>
+      <p:sp>
+        <p:nvSpPr>
+          <p:cNvPr id="4" name="Slide Number Placeholder 3"/>
+          <p:cNvSpPr>
+            <a:spLocks noGrp="1"/>
+          </p:cNvSpPr>
+          <p:nvPr>
+            <p:ph type="sldNum" sz="quarter" idx="5"/>
+          </p:nvPr>
+        </p:nvSpPr>
+        <p:spPr/>
+        <p:txBody>
+          <a:bodyPr/>
+          <a:lstStyle/>
+          <a:p>
+            <a:fld id="{3298C5B2-5D6B-2949-9D6C-64FEDA8AB56A}" type="slidenum">
+              <a:rPr lang="en-US" smtClean="0"/>
+              <a:t>66</a:t>
+            </a:fld>
+            <a:endParaRPr lang="en-US"/>
+          </a:p>
+        </p:txBody>
+      </p:sp>
+    </p:spTree>
+    <p:extLst>
+      <p:ext uri="{BB962C8B-B14F-4D97-AF65-F5344CB8AC3E}">
+        <p14:creationId xmlns:p14="http://schemas.microsoft.com/office/powerpoint/2010/main" val="3754829673"/>
+      </p:ext>
+    </p:extLst>
+  </p:cSld>
+  <p:clrMapOvr>
+    <a:masterClrMapping/>
+  </p:clrMapOvr>
+</p:notes>
+</file>
+
+<file path=ppt/notesSlides/notesSlide62.xml><?xml version="1.0" encoding="utf-8"?>
+<p:notes xmlns:a="http://schemas.openxmlformats.org/drawingml/2006/main" xmlns:r="http://schemas.openxmlformats.org/officeDocument/2006/relationships" xmlns:p="http://schemas.openxmlformats.org/presentationml/2006/main">
+  <p:cSld>
+    <p:spTree>
+      <p:nvGrpSpPr>
+        <p:cNvPr id="1" name=""/>
+        <p:cNvGrpSpPr/>
+        <p:nvPr/>
+      </p:nvGrpSpPr>
+      <p:grpSpPr>
+        <a:xfrm>
+          <a:off x="0" y="0"/>
+          <a:ext cx="0" cy="0"/>
+          <a:chOff x="0" y="0"/>
+          <a:chExt cx="0" cy="0"/>
+        </a:xfrm>
+      </p:grpSpPr>
+      <p:sp>
+        <p:nvSpPr>
+          <p:cNvPr id="2" name="Slide Image Placeholder 1"/>
+          <p:cNvSpPr>
+            <a:spLocks noGrp="1" noRot="1" noChangeAspect="1"/>
+          </p:cNvSpPr>
+          <p:nvPr>
+            <p:ph type="sldImg"/>
+          </p:nvPr>
+        </p:nvSpPr>
+        <p:spPr/>
+      </p:sp>
+      <p:sp>
+        <p:nvSpPr>
+          <p:cNvPr id="3" name="Notes Placeholder 2"/>
+          <p:cNvSpPr>
+            <a:spLocks noGrp="1"/>
+          </p:cNvSpPr>
+          <p:nvPr>
+            <p:ph type="body" idx="1"/>
+          </p:nvPr>
+        </p:nvSpPr>
+        <p:spPr/>
+        <p:txBody>
+          <a:bodyPr/>
+          <a:lstStyle/>
+          <a:p>
+            <a:r>
+              <a:rPr lang="en-US" dirty="0">
+                <a:ea typeface="Calibri"/>
+                <a:cs typeface="Calibri"/>
+              </a:rPr>
+              <a:t>This</a:t>
+            </a:r>
+            <a:r>
+              <a:rPr lang="en-US" dirty="0"/>
+              <a:t> is just really popular with judges, doesn't have to be criminal. Possible examples: FDA approval, physician decision-making. Some concerns: is assignment truly random? Is the pipeline really narrow? Can the discretion be chosen by the patient/entity? Paper uses differences in nursing home eligibility assessors to find that access to nursing homes lowers use of other kinds of care, but does not affect health spending or mortality meaningfully. Plenty of opportunities to implement this design more meaningfully. </a:t>
+            </a:r>
+            <a:endParaRPr lang="en-US" dirty="0">
+              <a:ea typeface="Calibri"/>
+              <a:cs typeface="Calibri"/>
+            </a:endParaRPr>
+          </a:p>
+        </p:txBody>
+      </p:sp>
+      <p:sp>
+        <p:nvSpPr>
+          <p:cNvPr id="4" name="Slide Number Placeholder 3"/>
+          <p:cNvSpPr>
+            <a:spLocks noGrp="1"/>
+          </p:cNvSpPr>
+          <p:nvPr>
+            <p:ph type="sldNum" sz="quarter" idx="5"/>
+          </p:nvPr>
+        </p:nvSpPr>
+        <p:spPr/>
+        <p:txBody>
+          <a:bodyPr/>
+          <a:lstStyle/>
+          <a:p>
+            <a:fld id="{3298C5B2-5D6B-2949-9D6C-64FEDA8AB56A}" type="slidenum">
+              <a:rPr lang="en-US" smtClean="0"/>
+              <a:t>67</a:t>
+            </a:fld>
+            <a:endParaRPr lang="en-US"/>
+          </a:p>
+        </p:txBody>
+      </p:sp>
+    </p:spTree>
+    <p:extLst>
+      <p:ext uri="{BB962C8B-B14F-4D97-AF65-F5344CB8AC3E}">
+        <p14:creationId xmlns:p14="http://schemas.microsoft.com/office/powerpoint/2010/main" val="2965896772"/>
+      </p:ext>
+    </p:extLst>
+  </p:cSld>
+  <p:clrMapOvr>
+    <a:masterClrMapping/>
+  </p:clrMapOvr>
+</p:notes>
+</file>
+
+<file path=ppt/notesSlides/notesSlide63.xml><?xml version="1.0" encoding="utf-8"?>
+<p:notes xmlns:a="http://schemas.openxmlformats.org/drawingml/2006/main" xmlns:r="http://schemas.openxmlformats.org/officeDocument/2006/relationships" xmlns:p="http://schemas.openxmlformats.org/presentationml/2006/main">
+  <p:cSld>
+    <p:spTree>
+      <p:nvGrpSpPr>
+        <p:cNvPr id="1" name=""/>
+        <p:cNvGrpSpPr/>
+        <p:nvPr/>
+      </p:nvGrpSpPr>
+      <p:grpSpPr>
+        <a:xfrm>
+          <a:off x="0" y="0"/>
+          <a:ext cx="0" cy="0"/>
+          <a:chOff x="0" y="0"/>
+          <a:chExt cx="0" cy="0"/>
+        </a:xfrm>
+      </p:grpSpPr>
+      <p:sp>
+        <p:nvSpPr>
+          <p:cNvPr id="2" name="Slide Image Placeholder 1"/>
+          <p:cNvSpPr>
+            <a:spLocks noGrp="1" noRot="1" noChangeAspect="1"/>
+          </p:cNvSpPr>
+          <p:nvPr>
+            <p:ph type="sldImg"/>
+          </p:nvPr>
+        </p:nvSpPr>
+        <p:spPr/>
+      </p:sp>
+      <p:sp>
+        <p:nvSpPr>
+          <p:cNvPr id="3" name="Notes Placeholder 2"/>
+          <p:cNvSpPr>
+            <a:spLocks noGrp="1"/>
+          </p:cNvSpPr>
+          <p:nvPr>
+            <p:ph type="body" idx="1"/>
+          </p:nvPr>
+        </p:nvSpPr>
+        <p:spPr/>
+        <p:txBody>
+          <a:bodyPr/>
+          <a:lstStyle/>
+          <a:p>
+            <a:r>
+              <a:rPr lang="en-US" dirty="0">
+                <a:ea typeface="Calibri"/>
+                <a:cs typeface="Calibri"/>
+              </a:rPr>
+              <a:t>This is most useful when looking at regional market differences in health questions. </a:t>
+            </a:r>
+          </a:p>
+        </p:txBody>
+      </p:sp>
+      <p:sp>
+        <p:nvSpPr>
+          <p:cNvPr id="4" name="Slide Number Placeholder 3"/>
+          <p:cNvSpPr>
+            <a:spLocks noGrp="1"/>
+          </p:cNvSpPr>
+          <p:nvPr>
+            <p:ph type="sldNum" sz="quarter" idx="5"/>
+          </p:nvPr>
+        </p:nvSpPr>
+        <p:spPr/>
+        <p:txBody>
+          <a:bodyPr/>
+          <a:lstStyle/>
+          <a:p>
+            <a:fld id="{3298C5B2-5D6B-2949-9D6C-64FEDA8AB56A}" type="slidenum">
+              <a:rPr lang="en-US" smtClean="0"/>
+              <a:t>68</a:t>
+            </a:fld>
+            <a:endParaRPr lang="en-US"/>
+          </a:p>
+        </p:txBody>
+      </p:sp>
+    </p:spTree>
+    <p:extLst>
+      <p:ext uri="{BB962C8B-B14F-4D97-AF65-F5344CB8AC3E}">
+        <p14:creationId xmlns:p14="http://schemas.microsoft.com/office/powerpoint/2010/main" val="2151309965"/>
+      </p:ext>
+    </p:extLst>
+  </p:cSld>
+  <p:clrMapOvr>
+    <a:masterClrMapping/>
+  </p:clrMapOvr>
+</p:notes>
+</file>
+
+<file path=ppt/notesSlides/notesSlide64.xml><?xml version="1.0" encoding="utf-8"?>
+<p:notes xmlns:a="http://schemas.openxmlformats.org/drawingml/2006/main" xmlns:r="http://schemas.openxmlformats.org/officeDocument/2006/relationships" xmlns:p="http://schemas.openxmlformats.org/presentationml/2006/main">
+  <p:cSld>
+    <p:spTree>
+      <p:nvGrpSpPr>
+        <p:cNvPr id="1" name=""/>
+        <p:cNvGrpSpPr/>
+        <p:nvPr/>
+      </p:nvGrpSpPr>
+      <p:grpSpPr>
+        <a:xfrm>
+          <a:off x="0" y="0"/>
+          <a:ext cx="0" cy="0"/>
+          <a:chOff x="0" y="0"/>
+          <a:chExt cx="0" cy="0"/>
+        </a:xfrm>
+      </p:grpSpPr>
+      <p:sp>
+        <p:nvSpPr>
+          <p:cNvPr id="2" name="Slide Image Placeholder 1"/>
+          <p:cNvSpPr>
+            <a:spLocks noGrp="1" noRot="1" noChangeAspect="1"/>
+          </p:cNvSpPr>
+          <p:nvPr>
+            <p:ph type="sldImg"/>
+          </p:nvPr>
+        </p:nvSpPr>
+        <p:spPr/>
+      </p:sp>
+      <p:sp>
+        <p:nvSpPr>
+          <p:cNvPr id="3" name="Notes Placeholder 2"/>
+          <p:cNvSpPr>
+            <a:spLocks noGrp="1"/>
+          </p:cNvSpPr>
+          <p:nvPr>
+            <p:ph type="body" idx="1"/>
+          </p:nvPr>
+        </p:nvSpPr>
+        <p:spPr/>
+        <p:txBody>
+          <a:bodyPr/>
+          <a:lstStyle/>
+          <a:p>
+            <a:r>
+              <a:rPr lang="en-US" dirty="0">
+                <a:ea typeface="Calibri"/>
+                <a:cs typeface="Calibri"/>
+              </a:rPr>
+              <a:t>This is most useful when looking at regional market differences in health questions. </a:t>
+            </a:r>
+          </a:p>
+        </p:txBody>
+      </p:sp>
+      <p:sp>
+        <p:nvSpPr>
+          <p:cNvPr id="4" name="Slide Number Placeholder 3"/>
+          <p:cNvSpPr>
+            <a:spLocks noGrp="1"/>
+          </p:cNvSpPr>
+          <p:nvPr>
+            <p:ph type="sldNum" sz="quarter" idx="5"/>
+          </p:nvPr>
+        </p:nvSpPr>
+        <p:spPr/>
+        <p:txBody>
+          <a:bodyPr/>
+          <a:lstStyle/>
+          <a:p>
+            <a:fld id="{3298C5B2-5D6B-2949-9D6C-64FEDA8AB56A}" type="slidenum">
+              <a:rPr lang="en-US" smtClean="0"/>
+              <a:t>69</a:t>
+            </a:fld>
+            <a:endParaRPr lang="en-US"/>
+          </a:p>
+        </p:txBody>
+      </p:sp>
+    </p:spTree>
+    <p:extLst>
+      <p:ext uri="{BB962C8B-B14F-4D97-AF65-F5344CB8AC3E}">
+        <p14:creationId xmlns:p14="http://schemas.microsoft.com/office/powerpoint/2010/main" val="2032646729"/>
       </p:ext>
     </p:extLst>
   </p:cSld>
@@ -5695,7 +6166,7 @@
           <a:p>
             <a:r>
               <a:rPr lang="en-US" dirty="0"/>
-              <a:t>Things that are almost surely endogenous: health outcomes, decision to seek care, etc. (any y of interest also)</a:t>
+              <a:t>Examples of selection – note that not all of these confounders are things we can deal with. </a:t>
             </a:r>
           </a:p>
         </p:txBody>
@@ -5717,7 +6188,7 @@
           <a:p>
             <a:fld id="{4AF79E1B-2C51-4B9B-8EA4-26DE9E345AFF}" type="slidenum">
               <a:rPr lang="en-US" smtClean="0"/>
-              <a:t>8</a:t>
+              <a:t>7</a:t>
             </a:fld>
             <a:endParaRPr lang="en-US"/>
           </a:p>
@@ -5726,7 +6197,7 @@
     </p:spTree>
     <p:extLst>
       <p:ext uri="{BB962C8B-B14F-4D97-AF65-F5344CB8AC3E}">
-        <p14:creationId xmlns:p14="http://schemas.microsoft.com/office/powerpoint/2010/main" val="3584559733"/>
+        <p14:creationId xmlns:p14="http://schemas.microsoft.com/office/powerpoint/2010/main" val="96065351"/>
       </p:ext>
     </p:extLst>
   </p:cSld>
@@ -5782,7 +6253,7 @@
           <a:p>
             <a:r>
               <a:rPr lang="en-US" dirty="0"/>
-              <a:t>This is classic omitted variable bias – but the problem of endogeneity is bigger than that. </a:t>
+              <a:t>Exogenous variables: age, demographics. What about education? Whether or not you need a transplant in the first place? This starts to become a gray area quickly. </a:t>
             </a:r>
           </a:p>
         </p:txBody>
@@ -5804,7 +6275,7 @@
           <a:p>
             <a:fld id="{4AF79E1B-2C51-4B9B-8EA4-26DE9E345AFF}" type="slidenum">
               <a:rPr lang="en-US" smtClean="0"/>
-              <a:t>9</a:t>
+              <a:t>8</a:t>
             </a:fld>
             <a:endParaRPr lang="en-US"/>
           </a:p>
@@ -5813,7 +6284,7 @@
     </p:spTree>
     <p:extLst>
       <p:ext uri="{BB962C8B-B14F-4D97-AF65-F5344CB8AC3E}">
-        <p14:creationId xmlns:p14="http://schemas.microsoft.com/office/powerpoint/2010/main" val="1505559271"/>
+        <p14:creationId xmlns:p14="http://schemas.microsoft.com/office/powerpoint/2010/main" val="925015819"/>
       </p:ext>
     </p:extLst>
   </p:cSld>
@@ -5869,7 +6340,7 @@
           <a:p>
             <a:r>
               <a:rPr lang="en-US" dirty="0"/>
-              <a:t>Moving health knowledge out of the error term could make decision to seek care an exogenous variable – but how do we measure that? But not all back doors can be closed! Without perfect data or randomization, we can’t make everything exogenous by shutting down a backdoor. </a:t>
+              <a:t>Things that are almost surely endogenous: health outcomes, decision to seek care, etc. (any y of interest also)</a:t>
             </a:r>
           </a:p>
         </p:txBody>
@@ -5891,7 +6362,7 @@
           <a:p>
             <a:fld id="{4AF79E1B-2C51-4B9B-8EA4-26DE9E345AFF}" type="slidenum">
               <a:rPr lang="en-US" smtClean="0"/>
-              <a:t>10</a:t>
+              <a:t>9</a:t>
             </a:fld>
             <a:endParaRPr lang="en-US"/>
           </a:p>
@@ -5900,7 +6371,7 @@
     </p:spTree>
     <p:extLst>
       <p:ext uri="{BB962C8B-B14F-4D97-AF65-F5344CB8AC3E}">
-        <p14:creationId xmlns:p14="http://schemas.microsoft.com/office/powerpoint/2010/main" val="2614238403"/>
+        <p14:creationId xmlns:p14="http://schemas.microsoft.com/office/powerpoint/2010/main" val="3584559733"/>
       </p:ext>
     </p:extLst>
   </p:cSld>
@@ -6079,7 +6550,7 @@
             <a:fld id="{0972D05C-DCFB-4BB6-B49C-AC126BF3ED2C}" type="datetimeFigureOut">
               <a:rPr lang="en-US" smtClean="0"/>
               <a:pPr/>
-              <a:t>10/6/2022</a:t>
+              <a:t>10/13/2022</a:t>
             </a:fld>
             <a:endParaRPr lang="en-US"/>
           </a:p>
@@ -6309,7 +6780,7 @@
             <a:fld id="{0972D05C-DCFB-4BB6-B49C-AC126BF3ED2C}" type="datetimeFigureOut">
               <a:rPr lang="en-US" smtClean="0"/>
               <a:pPr/>
-              <a:t>10/6/2022</a:t>
+              <a:t>10/13/2022</a:t>
             </a:fld>
             <a:endParaRPr lang="en-US"/>
           </a:p>
@@ -6491,7 +6962,7 @@
             <a:fld id="{0972D05C-DCFB-4BB6-B49C-AC126BF3ED2C}" type="datetimeFigureOut">
               <a:rPr lang="en-US" smtClean="0"/>
               <a:pPr/>
-              <a:t>10/6/2022</a:t>
+              <a:t>10/13/2022</a:t>
             </a:fld>
             <a:endParaRPr lang="en-US"/>
           </a:p>
@@ -6663,7 +7134,7 @@
             <a:fld id="{0972D05C-DCFB-4BB6-B49C-AC126BF3ED2C}" type="datetimeFigureOut">
               <a:rPr lang="en-US" smtClean="0"/>
               <a:pPr/>
-              <a:t>10/6/2022</a:t>
+              <a:t>10/13/2022</a:t>
             </a:fld>
             <a:endParaRPr lang="en-US"/>
           </a:p>
@@ -6919,7 +7390,7 @@
             <a:fld id="{0972D05C-DCFB-4BB6-B49C-AC126BF3ED2C}" type="datetimeFigureOut">
               <a:rPr lang="en-US" smtClean="0"/>
               <a:pPr/>
-              <a:t>10/6/2022</a:t>
+              <a:t>10/13/2022</a:t>
             </a:fld>
             <a:endParaRPr lang="en-US"/>
           </a:p>
@@ -7247,7 +7718,7 @@
             <a:fld id="{0972D05C-DCFB-4BB6-B49C-AC126BF3ED2C}" type="datetimeFigureOut">
               <a:rPr lang="en-US" smtClean="0"/>
               <a:pPr/>
-              <a:t>10/6/2022</a:t>
+              <a:t>10/13/2022</a:t>
             </a:fld>
             <a:endParaRPr lang="en-US"/>
           </a:p>
@@ -7700,7 +8171,7 @@
             <a:fld id="{0972D05C-DCFB-4BB6-B49C-AC126BF3ED2C}" type="datetimeFigureOut">
               <a:rPr lang="en-US" smtClean="0"/>
               <a:pPr/>
-              <a:t>10/6/2022</a:t>
+              <a:t>10/13/2022</a:t>
             </a:fld>
             <a:endParaRPr lang="en-US"/>
           </a:p>
@@ -7820,7 +8291,7 @@
             <a:fld id="{0972D05C-DCFB-4BB6-B49C-AC126BF3ED2C}" type="datetimeFigureOut">
               <a:rPr lang="en-US" smtClean="0"/>
               <a:pPr/>
-              <a:t>10/6/2022</a:t>
+              <a:t>10/13/2022</a:t>
             </a:fld>
             <a:endParaRPr lang="en-US"/>
           </a:p>
@@ -7917,7 +8388,7 @@
             <a:fld id="{0972D05C-DCFB-4BB6-B49C-AC126BF3ED2C}" type="datetimeFigureOut">
               <a:rPr lang="en-US" smtClean="0"/>
               <a:pPr/>
-              <a:t>10/6/2022</a:t>
+              <a:t>10/13/2022</a:t>
             </a:fld>
             <a:endParaRPr lang="en-US"/>
           </a:p>
@@ -8206,7 +8677,7 @@
             <a:fld id="{0972D05C-DCFB-4BB6-B49C-AC126BF3ED2C}" type="datetimeFigureOut">
               <a:rPr lang="en-US" smtClean="0"/>
               <a:pPr/>
-              <a:t>10/6/2022</a:t>
+              <a:t>10/13/2022</a:t>
             </a:fld>
             <a:endParaRPr lang="en-US"/>
           </a:p>
@@ -8530,7 +9001,7 @@
             <a:fld id="{0972D05C-DCFB-4BB6-B49C-AC126BF3ED2C}" type="datetimeFigureOut">
               <a:rPr lang="en-US" smtClean="0"/>
               <a:pPr/>
-              <a:t>10/6/2022</a:t>
+              <a:t>10/13/2022</a:t>
             </a:fld>
             <a:endParaRPr lang="en-US"/>
           </a:p>
@@ -8785,7 +9256,7 @@
             <a:fld id="{0972D05C-DCFB-4BB6-B49C-AC126BF3ED2C}" type="datetimeFigureOut">
               <a:rPr lang="en-US" smtClean="0"/>
               <a:pPr/>
-              <a:t>10/6/2022</a:t>
+              <a:t>10/13/2022</a:t>
             </a:fld>
             <a:endParaRPr lang="en-US" dirty="0"/>
           </a:p>
@@ -9368,6 +9839,532 @@
 </file>
 
 <file path=ppt/slides/slide10.xml><?xml version="1.0" encoding="utf-8"?>
+<p:sld xmlns:a="http://schemas.openxmlformats.org/drawingml/2006/main" xmlns:r="http://schemas.openxmlformats.org/officeDocument/2006/relationships" xmlns:p="http://schemas.openxmlformats.org/presentationml/2006/main">
+  <p:cSld>
+    <p:spTree>
+      <p:nvGrpSpPr>
+        <p:cNvPr id="1" name=""/>
+        <p:cNvGrpSpPr/>
+        <p:nvPr/>
+      </p:nvGrpSpPr>
+      <p:grpSpPr>
+        <a:xfrm>
+          <a:off x="0" y="0"/>
+          <a:ext cx="0" cy="0"/>
+          <a:chOff x="0" y="0"/>
+          <a:chExt cx="0" cy="0"/>
+        </a:xfrm>
+      </p:grpSpPr>
+      <p:sp>
+        <p:nvSpPr>
+          <p:cNvPr id="2" name="Title 1"/>
+          <p:cNvSpPr>
+            <a:spLocks noGrp="1"/>
+          </p:cNvSpPr>
+          <p:nvPr>
+            <p:ph type="title"/>
+          </p:nvPr>
+        </p:nvSpPr>
+        <p:spPr>
+          <a:xfrm>
+            <a:off x="609600" y="337392"/>
+            <a:ext cx="10439400" cy="624840"/>
+          </a:xfrm>
+        </p:spPr>
+        <p:txBody>
+          <a:bodyPr>
+            <a:noAutofit/>
+          </a:bodyPr>
+          <a:lstStyle/>
+          <a:p>
+            <a:r>
+              <a:rPr lang="en-US" sz="3600" dirty="0">
+                <a:cs typeface="Times New Roman" panose="02020603050405020304" pitchFamily="18" charset="0"/>
+              </a:rPr>
+              <a:t>Endogeneity</a:t>
+            </a:r>
+            <a:endParaRPr lang="en-US" sz="3600" dirty="0">
+              <a:latin typeface="Times New Roman" panose="02020603050405020304" pitchFamily="18" charset="0"/>
+              <a:cs typeface="Times New Roman" panose="02020603050405020304" pitchFamily="18" charset="0"/>
+            </a:endParaRPr>
+          </a:p>
+        </p:txBody>
+      </p:sp>
+      <mc:AlternateContent xmlns:mc="http://schemas.openxmlformats.org/markup-compatibility/2006">
+        <mc:Choice xmlns:a14="http://schemas.microsoft.com/office/drawing/2010/main" Requires="a14">
+          <p:sp>
+            <p:nvSpPr>
+              <p:cNvPr id="3" name="Content Placeholder 2"/>
+              <p:cNvSpPr>
+                <a:spLocks noGrp="1"/>
+              </p:cNvSpPr>
+              <p:nvPr>
+                <p:ph idx="1"/>
+              </p:nvPr>
+            </p:nvSpPr>
+            <p:spPr>
+              <a:xfrm>
+                <a:off x="1219199" y="1066801"/>
+                <a:ext cx="9829801" cy="5141388"/>
+              </a:xfrm>
+            </p:spPr>
+            <p:txBody>
+              <a:bodyPr>
+                <a:noAutofit/>
+              </a:bodyPr>
+              <a:lstStyle/>
+              <a:p>
+                <a:pPr marL="0" indent="0">
+                  <a:buNone/>
+                </a:pPr>
+                <a:r>
+                  <a:rPr lang="en-US" sz="2400" b="1" dirty="0">
+                    <a:solidFill>
+                      <a:schemeClr val="accent2">
+                        <a:lumMod val="75000"/>
+                      </a:schemeClr>
+                    </a:solidFill>
+                    <a:cs typeface="Times New Roman" panose="02020603050405020304" pitchFamily="18" charset="0"/>
+                  </a:rPr>
+                  <a:t>What is the consequence of ignoring backdoors? </a:t>
+                </a:r>
+              </a:p>
+              <a:p>
+                <a:r>
+                  <a:rPr lang="en-US" sz="2400" dirty="0">
+                    <a:cs typeface="Times New Roman" panose="02020603050405020304" pitchFamily="18" charset="0"/>
+                  </a:rPr>
+                  <a:t>C</a:t>
+                </a:r>
+                <a14:m>
+                  <m:oMath xmlns:m="http://schemas.openxmlformats.org/officeDocument/2006/math">
+                    <m:r>
+                      <m:rPr>
+                        <m:sty m:val="p"/>
+                      </m:rPr>
+                      <a:rPr lang="en-US" sz="2400" b="0" i="0" smtClean="0">
+                        <a:latin typeface="Cambria Math" panose="02040503050406030204" pitchFamily="18" charset="0"/>
+                        <a:cs typeface="Times New Roman" panose="02020603050405020304" pitchFamily="18" charset="0"/>
+                      </a:rPr>
+                      <m:t>onsider</m:t>
+                    </m:r>
+                    <m:r>
+                      <a:rPr lang="en-US" sz="2400" b="0" i="0" smtClean="0">
+                        <a:latin typeface="Cambria Math" panose="02040503050406030204" pitchFamily="18" charset="0"/>
+                        <a:cs typeface="Times New Roman" panose="02020603050405020304" pitchFamily="18" charset="0"/>
+                      </a:rPr>
+                      <m:t> </m:t>
+                    </m:r>
+                    <m:r>
+                      <m:rPr>
+                        <m:sty m:val="p"/>
+                      </m:rPr>
+                      <a:rPr lang="en-US" sz="2400" b="0" i="0" smtClean="0">
+                        <a:latin typeface="Cambria Math" panose="02040503050406030204" pitchFamily="18" charset="0"/>
+                        <a:cs typeface="Times New Roman" panose="02020603050405020304" pitchFamily="18" charset="0"/>
+                      </a:rPr>
+                      <m:t>regression</m:t>
+                    </m:r>
+                    <m:r>
+                      <a:rPr lang="en-US" sz="2400" b="0" i="0" smtClean="0">
+                        <a:latin typeface="Cambria Math" panose="02040503050406030204" pitchFamily="18" charset="0"/>
+                        <a:cs typeface="Times New Roman" panose="02020603050405020304" pitchFamily="18" charset="0"/>
+                      </a:rPr>
+                      <m:t> </m:t>
+                    </m:r>
+                    <m:r>
+                      <a:rPr lang="en-US" sz="2400" b="0" i="1" smtClean="0">
+                        <a:latin typeface="Cambria Math" panose="02040503050406030204" pitchFamily="18" charset="0"/>
+                        <a:cs typeface="Times New Roman" panose="02020603050405020304" pitchFamily="18" charset="0"/>
+                      </a:rPr>
+                      <m:t>𝑦</m:t>
+                    </m:r>
+                    <m:r>
+                      <a:rPr lang="en-US" sz="2400" b="0" i="1" smtClean="0">
+                        <a:latin typeface="Cambria Math" panose="02040503050406030204" pitchFamily="18" charset="0"/>
+                        <a:cs typeface="Times New Roman" panose="02020603050405020304" pitchFamily="18" charset="0"/>
+                      </a:rPr>
+                      <m:t>=</m:t>
+                    </m:r>
+                    <m:sSub>
+                      <m:sSubPr>
+                        <m:ctrlPr>
+                          <a:rPr lang="en-US" sz="2400" b="0" i="1" smtClean="0">
+                            <a:latin typeface="Cambria Math" panose="02040503050406030204" pitchFamily="18" charset="0"/>
+                            <a:cs typeface="Times New Roman" panose="02020603050405020304" pitchFamily="18" charset="0"/>
+                          </a:rPr>
+                        </m:ctrlPr>
+                      </m:sSubPr>
+                      <m:e>
+                        <m:r>
+                          <a:rPr lang="en-US" sz="2400" b="0" i="1" smtClean="0">
+                            <a:latin typeface="Cambria Math" panose="02040503050406030204" pitchFamily="18" charset="0"/>
+                            <a:cs typeface="Times New Roman" panose="02020603050405020304" pitchFamily="18" charset="0"/>
+                          </a:rPr>
+                          <m:t>𝛽</m:t>
+                        </m:r>
+                      </m:e>
+                      <m:sub>
+                        <m:r>
+                          <a:rPr lang="en-US" sz="2400" b="0" i="1" smtClean="0">
+                            <a:latin typeface="Cambria Math" panose="02040503050406030204" pitchFamily="18" charset="0"/>
+                            <a:cs typeface="Times New Roman" panose="02020603050405020304" pitchFamily="18" charset="0"/>
+                          </a:rPr>
+                          <m:t>0</m:t>
+                        </m:r>
+                      </m:sub>
+                    </m:sSub>
+                    <m:r>
+                      <a:rPr lang="en-US" sz="2400" b="0" i="1" smtClean="0">
+                        <a:latin typeface="Cambria Math" panose="02040503050406030204" pitchFamily="18" charset="0"/>
+                        <a:cs typeface="Times New Roman" panose="02020603050405020304" pitchFamily="18" charset="0"/>
+                      </a:rPr>
+                      <m:t>+</m:t>
+                    </m:r>
+                    <m:sSub>
+                      <m:sSubPr>
+                        <m:ctrlPr>
+                          <a:rPr lang="en-US" sz="2400" b="0" i="1" smtClean="0">
+                            <a:latin typeface="Cambria Math" panose="02040503050406030204" pitchFamily="18" charset="0"/>
+                            <a:cs typeface="Times New Roman" panose="02020603050405020304" pitchFamily="18" charset="0"/>
+                          </a:rPr>
+                        </m:ctrlPr>
+                      </m:sSubPr>
+                      <m:e>
+                        <m:r>
+                          <a:rPr lang="en-US" sz="2400" b="0" i="1" smtClean="0">
+                            <a:latin typeface="Cambria Math" panose="02040503050406030204" pitchFamily="18" charset="0"/>
+                            <a:cs typeface="Times New Roman" panose="02020603050405020304" pitchFamily="18" charset="0"/>
+                          </a:rPr>
+                          <m:t>𝛽</m:t>
+                        </m:r>
+                      </m:e>
+                      <m:sub>
+                        <m:r>
+                          <a:rPr lang="en-US" sz="2400" b="0" i="1" smtClean="0">
+                            <a:latin typeface="Cambria Math" panose="02040503050406030204" pitchFamily="18" charset="0"/>
+                            <a:cs typeface="Times New Roman" panose="02020603050405020304" pitchFamily="18" charset="0"/>
+                          </a:rPr>
+                          <m:t>1</m:t>
+                        </m:r>
+                      </m:sub>
+                    </m:sSub>
+                    <m:sSub>
+                      <m:sSubPr>
+                        <m:ctrlPr>
+                          <a:rPr lang="en-US" sz="2400" b="0" i="1" smtClean="0">
+                            <a:latin typeface="Cambria Math" panose="02040503050406030204" pitchFamily="18" charset="0"/>
+                            <a:cs typeface="Times New Roman" panose="02020603050405020304" pitchFamily="18" charset="0"/>
+                          </a:rPr>
+                        </m:ctrlPr>
+                      </m:sSubPr>
+                      <m:e>
+                        <m:r>
+                          <a:rPr lang="en-US" sz="2400" b="0" i="1" smtClean="0">
+                            <a:latin typeface="Cambria Math" panose="02040503050406030204" pitchFamily="18" charset="0"/>
+                            <a:cs typeface="Times New Roman" panose="02020603050405020304" pitchFamily="18" charset="0"/>
+                          </a:rPr>
+                          <m:t>𝑥</m:t>
+                        </m:r>
+                      </m:e>
+                      <m:sub>
+                        <m:r>
+                          <a:rPr lang="en-US" sz="2400" b="0" i="1" smtClean="0">
+                            <a:latin typeface="Cambria Math" panose="02040503050406030204" pitchFamily="18" charset="0"/>
+                            <a:cs typeface="Times New Roman" panose="02020603050405020304" pitchFamily="18" charset="0"/>
+                          </a:rPr>
+                          <m:t>1</m:t>
+                        </m:r>
+                      </m:sub>
+                    </m:sSub>
+                    <m:r>
+                      <a:rPr lang="en-US" sz="2400" b="0" i="1" smtClean="0">
+                        <a:latin typeface="Cambria Math" panose="02040503050406030204" pitchFamily="18" charset="0"/>
+                        <a:cs typeface="Times New Roman" panose="02020603050405020304" pitchFamily="18" charset="0"/>
+                      </a:rPr>
+                      <m:t>+…+</m:t>
+                    </m:r>
+                    <m:sSub>
+                      <m:sSubPr>
+                        <m:ctrlPr>
+                          <a:rPr lang="en-US" sz="2400" b="0" i="1" smtClean="0">
+                            <a:latin typeface="Cambria Math" panose="02040503050406030204" pitchFamily="18" charset="0"/>
+                            <a:cs typeface="Times New Roman" panose="02020603050405020304" pitchFamily="18" charset="0"/>
+                          </a:rPr>
+                        </m:ctrlPr>
+                      </m:sSubPr>
+                      <m:e>
+                        <m:r>
+                          <a:rPr lang="en-US" sz="2400" b="0" i="1" smtClean="0">
+                            <a:latin typeface="Cambria Math" panose="02040503050406030204" pitchFamily="18" charset="0"/>
+                            <a:cs typeface="Times New Roman" panose="02020603050405020304" pitchFamily="18" charset="0"/>
+                          </a:rPr>
+                          <m:t>𝛽</m:t>
+                        </m:r>
+                      </m:e>
+                      <m:sub>
+                        <m:r>
+                          <a:rPr lang="en-US" sz="2400" b="0" i="1" smtClean="0">
+                            <a:latin typeface="Cambria Math" panose="02040503050406030204" pitchFamily="18" charset="0"/>
+                            <a:cs typeface="Times New Roman" panose="02020603050405020304" pitchFamily="18" charset="0"/>
+                          </a:rPr>
+                          <m:t>𝑘</m:t>
+                        </m:r>
+                      </m:sub>
+                    </m:sSub>
+                    <m:sSub>
+                      <m:sSubPr>
+                        <m:ctrlPr>
+                          <a:rPr lang="en-US" sz="2400" b="0" i="1" smtClean="0">
+                            <a:latin typeface="Cambria Math" panose="02040503050406030204" pitchFamily="18" charset="0"/>
+                            <a:cs typeface="Times New Roman" panose="02020603050405020304" pitchFamily="18" charset="0"/>
+                          </a:rPr>
+                        </m:ctrlPr>
+                      </m:sSubPr>
+                      <m:e>
+                        <m:r>
+                          <a:rPr lang="en-US" sz="2400" b="0" i="1" smtClean="0">
+                            <a:latin typeface="Cambria Math" panose="02040503050406030204" pitchFamily="18" charset="0"/>
+                            <a:cs typeface="Times New Roman" panose="02020603050405020304" pitchFamily="18" charset="0"/>
+                          </a:rPr>
+                          <m:t>𝑥</m:t>
+                        </m:r>
+                      </m:e>
+                      <m:sub>
+                        <m:r>
+                          <a:rPr lang="en-US" sz="2400" b="0" i="1" smtClean="0">
+                            <a:latin typeface="Cambria Math" panose="02040503050406030204" pitchFamily="18" charset="0"/>
+                            <a:cs typeface="Times New Roman" panose="02020603050405020304" pitchFamily="18" charset="0"/>
+                          </a:rPr>
+                          <m:t>𝑘</m:t>
+                        </m:r>
+                      </m:sub>
+                    </m:sSub>
+                    <m:r>
+                      <a:rPr lang="en-US" sz="2400" b="0" i="1" smtClean="0">
+                        <a:latin typeface="Cambria Math" panose="02040503050406030204" pitchFamily="18" charset="0"/>
+                        <a:cs typeface="Times New Roman" panose="02020603050405020304" pitchFamily="18" charset="0"/>
+                      </a:rPr>
+                      <m:t>+</m:t>
+                    </m:r>
+                    <m:r>
+                      <a:rPr lang="en-US" sz="2400" b="0" i="1" smtClean="0">
+                        <a:latin typeface="Cambria Math" panose="02040503050406030204" pitchFamily="18" charset="0"/>
+                        <a:cs typeface="Times New Roman" panose="02020603050405020304" pitchFamily="18" charset="0"/>
+                      </a:rPr>
+                      <m:t>𝜀</m:t>
+                    </m:r>
+                  </m:oMath>
+                </a14:m>
+                <a:endParaRPr lang="en-US" sz="2400" b="0" dirty="0">
+                  <a:cs typeface="Times New Roman" panose="02020603050405020304" pitchFamily="18" charset="0"/>
+                </a:endParaRPr>
+              </a:p>
+              <a:p>
+                <a:r>
+                  <a:rPr lang="en-US" sz="2400" dirty="0">
+                    <a:cs typeface="Times New Roman" panose="02020603050405020304" pitchFamily="18" charset="0"/>
+                  </a:rPr>
+                  <a:t>If an endogenous regressor </a:t>
+                </a:r>
+                <a14:m>
+                  <m:oMath xmlns:m="http://schemas.openxmlformats.org/officeDocument/2006/math">
+                    <m:r>
+                      <a:rPr lang="en-US" sz="2400" b="0" i="1" smtClean="0">
+                        <a:latin typeface="Cambria Math" panose="02040503050406030204" pitchFamily="18" charset="0"/>
+                        <a:cs typeface="Times New Roman" panose="02020603050405020304" pitchFamily="18" charset="0"/>
+                      </a:rPr>
+                      <m:t>𝑤</m:t>
+                    </m:r>
+                    <m:r>
+                      <a:rPr lang="en-US" sz="2400" b="0" i="1" smtClean="0">
+                        <a:latin typeface="Cambria Math" panose="02040503050406030204" pitchFamily="18" charset="0"/>
+                        <a:cs typeface="Times New Roman" panose="02020603050405020304" pitchFamily="18" charset="0"/>
+                      </a:rPr>
+                      <m:t> </m:t>
+                    </m:r>
+                  </m:oMath>
+                </a14:m>
+                <a:r>
+                  <a:rPr lang="en-US" sz="2400" dirty="0">
+                    <a:cs typeface="Times New Roman" panose="02020603050405020304" pitchFamily="18" charset="0"/>
+                  </a:rPr>
+                  <a:t>is ignored, </a:t>
+                </a:r>
+                <a14:m>
+                  <m:oMath xmlns:m="http://schemas.openxmlformats.org/officeDocument/2006/math">
+                    <m:r>
+                      <a:rPr lang="en-US" sz="2400" b="0" i="1" smtClean="0">
+                        <a:latin typeface="Cambria Math" panose="02040503050406030204" pitchFamily="18" charset="0"/>
+                        <a:cs typeface="Times New Roman" panose="02020603050405020304" pitchFamily="18" charset="0"/>
+                      </a:rPr>
+                      <m:t>𝐶𝑜𝑣</m:t>
+                    </m:r>
+                    <m:d>
+                      <m:dPr>
+                        <m:ctrlPr>
+                          <a:rPr lang="en-US" sz="2400" b="0" i="1" smtClean="0">
+                            <a:latin typeface="Cambria Math" panose="02040503050406030204" pitchFamily="18" charset="0"/>
+                            <a:cs typeface="Times New Roman" panose="02020603050405020304" pitchFamily="18" charset="0"/>
+                          </a:rPr>
+                        </m:ctrlPr>
+                      </m:dPr>
+                      <m:e>
+                        <m:sSub>
+                          <m:sSubPr>
+                            <m:ctrlPr>
+                              <a:rPr lang="en-US" sz="2400" b="0" i="1" smtClean="0">
+                                <a:latin typeface="Cambria Math" panose="02040503050406030204" pitchFamily="18" charset="0"/>
+                                <a:cs typeface="Times New Roman" panose="02020603050405020304" pitchFamily="18" charset="0"/>
+                              </a:rPr>
+                            </m:ctrlPr>
+                          </m:sSubPr>
+                          <m:e>
+                            <m:r>
+                              <a:rPr lang="en-US" sz="2400" b="0" i="1" smtClean="0">
+                                <a:latin typeface="Cambria Math" panose="02040503050406030204" pitchFamily="18" charset="0"/>
+                                <a:cs typeface="Times New Roman" panose="02020603050405020304" pitchFamily="18" charset="0"/>
+                              </a:rPr>
+                              <m:t>𝑥</m:t>
+                            </m:r>
+                          </m:e>
+                          <m:sub>
+                            <m:r>
+                              <a:rPr lang="en-US" sz="2400" b="0" i="1" smtClean="0">
+                                <a:latin typeface="Cambria Math" panose="02040503050406030204" pitchFamily="18" charset="0"/>
+                                <a:cs typeface="Times New Roman" panose="02020603050405020304" pitchFamily="18" charset="0"/>
+                              </a:rPr>
+                              <m:t>𝑗</m:t>
+                            </m:r>
+                          </m:sub>
+                        </m:sSub>
+                        <m:r>
+                          <a:rPr lang="en-US" sz="2400" b="0" i="1" smtClean="0">
+                            <a:latin typeface="Cambria Math" panose="02040503050406030204" pitchFamily="18" charset="0"/>
+                            <a:cs typeface="Times New Roman" panose="02020603050405020304" pitchFamily="18" charset="0"/>
+                          </a:rPr>
+                          <m:t>,</m:t>
+                        </m:r>
+                        <m:r>
+                          <a:rPr lang="en-US" sz="2400" b="0" i="1" smtClean="0">
+                            <a:latin typeface="Cambria Math" panose="02040503050406030204" pitchFamily="18" charset="0"/>
+                            <a:cs typeface="Times New Roman" panose="02020603050405020304" pitchFamily="18" charset="0"/>
+                          </a:rPr>
+                          <m:t>𝜀</m:t>
+                        </m:r>
+                      </m:e>
+                    </m:d>
+                    <m:r>
+                      <a:rPr lang="en-US" sz="2400" b="0" i="1" smtClean="0">
+                        <a:latin typeface="Cambria Math" panose="02040503050406030204" pitchFamily="18" charset="0"/>
+                        <a:cs typeface="Times New Roman" panose="02020603050405020304" pitchFamily="18" charset="0"/>
+                      </a:rPr>
+                      <m:t>≠0</m:t>
+                    </m:r>
+                  </m:oMath>
+                </a14:m>
+                <a:r>
+                  <a:rPr lang="en-US" sz="2400" dirty="0">
+                    <a:cs typeface="Times New Roman" panose="02020603050405020304" pitchFamily="18" charset="0"/>
+                  </a:rPr>
+                  <a:t> for some </a:t>
+                </a:r>
+                <a14:m>
+                  <m:oMath xmlns:m="http://schemas.openxmlformats.org/officeDocument/2006/math">
+                    <m:sSub>
+                      <m:sSubPr>
+                        <m:ctrlPr>
+                          <a:rPr lang="en-US" sz="2400" b="0" i="1" smtClean="0">
+                            <a:latin typeface="Cambria Math" panose="02040503050406030204" pitchFamily="18" charset="0"/>
+                            <a:cs typeface="Times New Roman" panose="02020603050405020304" pitchFamily="18" charset="0"/>
+                          </a:rPr>
+                        </m:ctrlPr>
+                      </m:sSubPr>
+                      <m:e>
+                        <m:r>
+                          <a:rPr lang="en-US" sz="2400" b="0" i="1" smtClean="0">
+                            <a:latin typeface="Cambria Math" panose="02040503050406030204" pitchFamily="18" charset="0"/>
+                            <a:cs typeface="Times New Roman" panose="02020603050405020304" pitchFamily="18" charset="0"/>
+                          </a:rPr>
+                          <m:t>𝑥</m:t>
+                        </m:r>
+                      </m:e>
+                      <m:sub>
+                        <m:r>
+                          <a:rPr lang="en-US" sz="2400" b="0" i="1" smtClean="0">
+                            <a:latin typeface="Cambria Math" panose="02040503050406030204" pitchFamily="18" charset="0"/>
+                            <a:cs typeface="Times New Roman" panose="02020603050405020304" pitchFamily="18" charset="0"/>
+                          </a:rPr>
+                          <m:t>𝑗</m:t>
+                        </m:r>
+                      </m:sub>
+                    </m:sSub>
+                  </m:oMath>
+                </a14:m>
+                <a:endParaRPr lang="en-US" sz="2400" b="0" dirty="0">
+                  <a:cs typeface="Times New Roman" panose="02020603050405020304" pitchFamily="18" charset="0"/>
+                </a:endParaRPr>
+              </a:p>
+              <a:p>
+                <a:endParaRPr lang="en-US" sz="2400" dirty="0">
+                  <a:cs typeface="Times New Roman" panose="02020603050405020304" pitchFamily="18" charset="0"/>
+                </a:endParaRPr>
+              </a:p>
+            </p:txBody>
+          </p:sp>
+        </mc:Choice>
+        <mc:Fallback>
+          <p:sp>
+            <p:nvSpPr>
+              <p:cNvPr id="3" name="Content Placeholder 2"/>
+              <p:cNvSpPr>
+                <a:spLocks noGrp="1" noRot="1" noChangeAspect="1" noMove="1" noResize="1" noEditPoints="1" noAdjustHandles="1" noChangeArrowheads="1" noChangeShapeType="1" noTextEdit="1"/>
+              </p:cNvSpPr>
+              <p:nvPr>
+                <p:ph idx="1"/>
+              </p:nvPr>
+            </p:nvSpPr>
+            <p:spPr>
+              <a:xfrm>
+                <a:off x="1219199" y="1066801"/>
+                <a:ext cx="9829801" cy="5141388"/>
+              </a:xfrm>
+              <a:blipFill>
+                <a:blip r:embed="rId3"/>
+                <a:stretch>
+                  <a:fillRect l="-930" t="-1305"/>
+                </a:stretch>
+              </a:blipFill>
+            </p:spPr>
+            <p:txBody>
+              <a:bodyPr/>
+              <a:lstStyle/>
+              <a:p>
+                <a:r>
+                  <a:rPr lang="en-US">
+                    <a:noFill/>
+                  </a:rPr>
+                  <a:t> </a:t>
+                </a:r>
+              </a:p>
+            </p:txBody>
+          </p:sp>
+        </mc:Fallback>
+      </mc:AlternateContent>
+    </p:spTree>
+    <p:extLst>
+      <p:ext uri="{BB962C8B-B14F-4D97-AF65-F5344CB8AC3E}">
+        <p14:creationId xmlns:p14="http://schemas.microsoft.com/office/powerpoint/2010/main" val="3686341595"/>
+      </p:ext>
+    </p:extLst>
+  </p:cSld>
+  <p:clrMapOvr>
+    <a:masterClrMapping/>
+  </p:clrMapOvr>
+</p:sld>
+</file>
+
+<file path=ppt/slides/slide11.xml><?xml version="1.0" encoding="utf-8"?>
 <p:sld xmlns:a="http://schemas.openxmlformats.org/drawingml/2006/main" xmlns:r="http://schemas.openxmlformats.org/officeDocument/2006/relationships" xmlns:p="http://schemas.openxmlformats.org/presentationml/2006/main">
   <p:cSld>
     <p:spTree>
@@ -10009,7 +11006,7 @@
 </p:sld>
 </file>
 
-<file path=ppt/slides/slide11.xml><?xml version="1.0" encoding="utf-8"?>
+<file path=ppt/slides/slide12.xml><?xml version="1.0" encoding="utf-8"?>
 <p:sld xmlns:a="http://schemas.openxmlformats.org/drawingml/2006/main" xmlns:r="http://schemas.openxmlformats.org/officeDocument/2006/relationships" xmlns:p="http://schemas.openxmlformats.org/presentationml/2006/main">
   <p:cSld>
     <p:spTree>
@@ -10416,7 +11413,7 @@
 </p:sld>
 </file>
 
-<file path=ppt/slides/slide12.xml><?xml version="1.0" encoding="utf-8"?>
+<file path=ppt/slides/slide13.xml><?xml version="1.0" encoding="utf-8"?>
 <p:sld xmlns:a="http://schemas.openxmlformats.org/drawingml/2006/main" xmlns:r="http://schemas.openxmlformats.org/officeDocument/2006/relationships" xmlns:p="http://schemas.openxmlformats.org/presentationml/2006/main">
   <p:cSld>
     <p:spTree>
@@ -10679,7 +11676,7 @@
 </p:sld>
 </file>
 
-<file path=ppt/slides/slide13.xml><?xml version="1.0" encoding="utf-8"?>
+<file path=ppt/slides/slide14.xml><?xml version="1.0" encoding="utf-8"?>
 <p:sld xmlns:a="http://schemas.openxmlformats.org/drawingml/2006/main" xmlns:r="http://schemas.openxmlformats.org/officeDocument/2006/relationships" xmlns:p="http://schemas.openxmlformats.org/presentationml/2006/main">
   <p:cSld>
     <p:spTree>
@@ -10908,7 +11905,7 @@
 </p:sld>
 </file>
 
-<file path=ppt/slides/slide14.xml><?xml version="1.0" encoding="utf-8"?>
+<file path=ppt/slides/slide15.xml><?xml version="1.0" encoding="utf-8"?>
 <p:sld xmlns:a="http://schemas.openxmlformats.org/drawingml/2006/main" xmlns:r="http://schemas.openxmlformats.org/officeDocument/2006/relationships" xmlns:p="http://schemas.openxmlformats.org/presentationml/2006/main">
   <p:cSld>
     <p:spTree>
@@ -11125,7 +12122,7 @@
 </p:sld>
 </file>
 
-<file path=ppt/slides/slide15.xml><?xml version="1.0" encoding="utf-8"?>
+<file path=ppt/slides/slide16.xml><?xml version="1.0" encoding="utf-8"?>
 <p:sld xmlns:a="http://schemas.openxmlformats.org/drawingml/2006/main" xmlns:r="http://schemas.openxmlformats.org/officeDocument/2006/relationships" xmlns:p="http://schemas.openxmlformats.org/presentationml/2006/main">
   <p:cSld>
     <p:spTree>
@@ -11353,7 +12350,7 @@
 </p:sld>
 </file>
 
-<file path=ppt/slides/slide16.xml><?xml version="1.0" encoding="utf-8"?>
+<file path=ppt/slides/slide17.xml><?xml version="1.0" encoding="utf-8"?>
 <p:sld xmlns:a="http://schemas.openxmlformats.org/drawingml/2006/main" xmlns:r="http://schemas.openxmlformats.org/officeDocument/2006/relationships" xmlns:p="http://schemas.openxmlformats.org/presentationml/2006/main">
   <p:cSld>
     <p:spTree>
@@ -11448,7 +12445,7 @@
 </p:sld>
 </file>
 
-<file path=ppt/slides/slide17.xml><?xml version="1.0" encoding="utf-8"?>
+<file path=ppt/slides/slide18.xml><?xml version="1.0" encoding="utf-8"?>
 <p:sld xmlns:a="http://schemas.openxmlformats.org/drawingml/2006/main" xmlns:r="http://schemas.openxmlformats.org/officeDocument/2006/relationships" xmlns:p="http://schemas.openxmlformats.org/presentationml/2006/main">
   <p:cSld>
     <p:spTree>
@@ -11651,7 +12648,7 @@
 </p:sld>
 </file>
 
-<file path=ppt/slides/slide18.xml><?xml version="1.0" encoding="utf-8"?>
+<file path=ppt/slides/slide19.xml><?xml version="1.0" encoding="utf-8"?>
 <p:sld xmlns:a="http://schemas.openxmlformats.org/drawingml/2006/main" xmlns:r="http://schemas.openxmlformats.org/officeDocument/2006/relationships" xmlns:p="http://schemas.openxmlformats.org/presentationml/2006/main">
   <p:cSld>
     <p:spTree>
@@ -12002,100 +12999,6 @@
 </p:sld>
 </file>
 
-<file path=ppt/slides/slide19.xml><?xml version="1.0" encoding="utf-8"?>
-<p:sld xmlns:a="http://schemas.openxmlformats.org/drawingml/2006/main" xmlns:r="http://schemas.openxmlformats.org/officeDocument/2006/relationships" xmlns:p="http://schemas.openxmlformats.org/presentationml/2006/main">
-  <p:cSld>
-    <p:spTree>
-      <p:nvGrpSpPr>
-        <p:cNvPr id="1" name=""/>
-        <p:cNvGrpSpPr/>
-        <p:nvPr/>
-      </p:nvGrpSpPr>
-      <p:grpSpPr>
-        <a:xfrm>
-          <a:off x="0" y="0"/>
-          <a:ext cx="0" cy="0"/>
-          <a:chOff x="0" y="0"/>
-          <a:chExt cx="0" cy="0"/>
-        </a:xfrm>
-      </p:grpSpPr>
-      <p:sp>
-        <p:nvSpPr>
-          <p:cNvPr id="2" name="Title 1"/>
-          <p:cNvSpPr>
-            <a:spLocks noGrp="1"/>
-          </p:cNvSpPr>
-          <p:nvPr>
-            <p:ph type="title"/>
-          </p:nvPr>
-        </p:nvSpPr>
-        <p:spPr>
-          <a:xfrm>
-            <a:off x="609600" y="337392"/>
-            <a:ext cx="10439400" cy="624840"/>
-          </a:xfrm>
-        </p:spPr>
-        <p:txBody>
-          <a:bodyPr>
-            <a:noAutofit/>
-          </a:bodyPr>
-          <a:lstStyle/>
-          <a:p>
-            <a:r>
-              <a:rPr lang="en-US" sz="3600" dirty="0">
-                <a:cs typeface="Times New Roman" panose="02020603050405020304" pitchFamily="18" charset="0"/>
-              </a:rPr>
-              <a:t>Instrumental Variables</a:t>
-            </a:r>
-            <a:endParaRPr lang="en-US" sz="3600" dirty="0">
-              <a:latin typeface="Times New Roman" panose="02020603050405020304" pitchFamily="18" charset="0"/>
-              <a:cs typeface="Times New Roman" panose="02020603050405020304" pitchFamily="18" charset="0"/>
-            </a:endParaRPr>
-          </a:p>
-        </p:txBody>
-      </p:sp>
-      <p:pic>
-        <p:nvPicPr>
-          <p:cNvPr id="5" name="Content Placeholder 4">
-            <a:extLst>
-              <a:ext uri="{FF2B5EF4-FFF2-40B4-BE49-F238E27FC236}">
-                <a16:creationId xmlns:a16="http://schemas.microsoft.com/office/drawing/2014/main" id="{6831997B-4CB6-0FFD-4022-9893EFE5F812}"/>
-              </a:ext>
-            </a:extLst>
-          </p:cNvPr>
-          <p:cNvPicPr>
-            <a:picLocks noGrp="1" noChangeAspect="1"/>
-          </p:cNvPicPr>
-          <p:nvPr>
-            <p:ph idx="1"/>
-          </p:nvPr>
-        </p:nvPicPr>
-        <p:blipFill>
-          <a:blip r:embed="rId3"/>
-          <a:stretch>
-            <a:fillRect/>
-          </a:stretch>
-        </p:blipFill>
-        <p:spPr>
-          <a:xfrm>
-            <a:off x="800100" y="1295400"/>
-            <a:ext cx="10058400" cy="4488938"/>
-          </a:xfrm>
-        </p:spPr>
-      </p:pic>
-    </p:spTree>
-    <p:extLst>
-      <p:ext uri="{BB962C8B-B14F-4D97-AF65-F5344CB8AC3E}">
-        <p14:creationId xmlns:p14="http://schemas.microsoft.com/office/powerpoint/2010/main" val="154228220"/>
-      </p:ext>
-    </p:extLst>
-  </p:cSld>
-  <p:clrMapOvr>
-    <a:masterClrMapping/>
-  </p:clrMapOvr>
-</p:sld>
-</file>
-
 <file path=ppt/slides/slide2.xml><?xml version="1.0" encoding="utf-8"?>
 <p:sld xmlns:a="http://schemas.openxmlformats.org/drawingml/2006/main" xmlns:r="http://schemas.openxmlformats.org/officeDocument/2006/relationships" xmlns:p="http://schemas.openxmlformats.org/presentationml/2006/main">
   <p:cSld>
@@ -12298,14 +13201,6 @@
 <file path=ppt/slides/slide20.xml><?xml version="1.0" encoding="utf-8"?>
 <p:sld xmlns:a="http://schemas.openxmlformats.org/drawingml/2006/main" xmlns:r="http://schemas.openxmlformats.org/officeDocument/2006/relationships" xmlns:p="http://schemas.openxmlformats.org/presentationml/2006/main">
   <p:cSld>
-    <p:bg>
-      <p:bgPr>
-        <a:solidFill>
-          <a:schemeClr val="bg1"/>
-        </a:solidFill>
-        <a:effectLst/>
-      </p:bgPr>
-    </p:bg>
     <p:spTree>
       <p:nvGrpSpPr>
         <p:cNvPr id="1" name=""/>
@@ -12322,274 +13217,45 @@
       </p:grpSpPr>
       <p:sp>
         <p:nvSpPr>
-          <p:cNvPr id="12" name="Rectangle 11">
+          <p:cNvPr id="2" name="Title 1"/>
+          <p:cNvSpPr>
+            <a:spLocks noGrp="1"/>
+          </p:cNvSpPr>
+          <p:nvPr>
+            <p:ph type="title"/>
+          </p:nvPr>
+        </p:nvSpPr>
+        <p:spPr>
+          <a:xfrm>
+            <a:off x="609600" y="337392"/>
+            <a:ext cx="10439400" cy="624840"/>
+          </a:xfrm>
+        </p:spPr>
+        <p:txBody>
+          <a:bodyPr>
+            <a:noAutofit/>
+          </a:bodyPr>
+          <a:lstStyle/>
+          <a:p>
+            <a:r>
+              <a:rPr lang="en-US" sz="3600" dirty="0">
+                <a:cs typeface="Times New Roman" panose="02020603050405020304" pitchFamily="18" charset="0"/>
+              </a:rPr>
+              <a:t>Instrumental Variables</a:t>
+            </a:r>
+            <a:endParaRPr lang="en-US" sz="3600" dirty="0">
+              <a:latin typeface="Times New Roman" panose="02020603050405020304" pitchFamily="18" charset="0"/>
+              <a:cs typeface="Times New Roman" panose="02020603050405020304" pitchFamily="18" charset="0"/>
+            </a:endParaRPr>
+          </a:p>
+        </p:txBody>
+      </p:sp>
+      <p:pic>
+        <p:nvPicPr>
+          <p:cNvPr id="5" name="Content Placeholder 4">
             <a:extLst>
               <a:ext uri="{FF2B5EF4-FFF2-40B4-BE49-F238E27FC236}">
-                <a16:creationId xmlns:a16="http://schemas.microsoft.com/office/drawing/2014/main" id="{5D5E0904-721C-4D68-9EB8-1C9752E329A7}"/>
-              </a:ext>
-              <a:ext uri="{C183D7F6-B498-43B3-948B-1728B52AA6E4}">
-                <adec:decorative xmlns:adec="http://schemas.microsoft.com/office/drawing/2017/decorative" val="1"/>
-              </a:ext>
-            </a:extLst>
-          </p:cNvPr>
-          <p:cNvSpPr>
-            <a:spLocks noGrp="1" noRot="1" noChangeAspect="1" noMove="1" noResize="1" noEditPoints="1" noAdjustHandles="1" noChangeArrowheads="1" noChangeShapeType="1" noTextEdit="1"/>
-          </p:cNvSpPr>
-          <p:nvPr>
-            <p:extLst>
-              <p:ext uri="{386F3935-93C4-4BCD-93E2-E3B085C9AB24}">
-                <p16:designElem xmlns:p16="http://schemas.microsoft.com/office/powerpoint/2015/main" val="1"/>
-              </p:ext>
-            </p:extLst>
-          </p:nvPr>
-        </p:nvSpPr>
-        <p:spPr>
-          <a:xfrm>
-            <a:off x="0" y="0"/>
-            <a:ext cx="457200" cy="6858000"/>
-          </a:xfrm>
-          <a:prstGeom prst="rect">
-            <a:avLst/>
-          </a:prstGeom>
-          <a:solidFill>
-            <a:schemeClr val="accent1"/>
-          </a:solidFill>
-          <a:ln>
-            <a:noFill/>
-          </a:ln>
-        </p:spPr>
-        <p:style>
-          <a:lnRef idx="2">
-            <a:schemeClr val="accent1">
-              <a:shade val="50000"/>
-            </a:schemeClr>
-          </a:lnRef>
-          <a:fillRef idx="1">
-            <a:schemeClr val="accent1"/>
-          </a:fillRef>
-          <a:effectRef idx="0">
-            <a:schemeClr val="accent1"/>
-          </a:effectRef>
-          <a:fontRef idx="minor">
-            <a:schemeClr val="lt1"/>
-          </a:fontRef>
-        </p:style>
-      </p:sp>
-      <p:sp useBgFill="1">
-        <p:nvSpPr>
-          <p:cNvPr id="14" name="Rectangle 13">
-            <a:extLst>
-              <a:ext uri="{FF2B5EF4-FFF2-40B4-BE49-F238E27FC236}">
-                <a16:creationId xmlns:a16="http://schemas.microsoft.com/office/drawing/2014/main" id="{D0CDF5D3-7220-42A0-9D37-ECF3BF283B37}"/>
-              </a:ext>
-              <a:ext uri="{C183D7F6-B498-43B3-948B-1728B52AA6E4}">
-                <adec:decorative xmlns:adec="http://schemas.microsoft.com/office/drawing/2017/decorative" val="1"/>
-              </a:ext>
-            </a:extLst>
-          </p:cNvPr>
-          <p:cNvSpPr>
-            <a:spLocks noGrp="1" noRot="1" noChangeAspect="1" noMove="1" noResize="1" noEditPoints="1" noAdjustHandles="1" noChangeArrowheads="1" noChangeShapeType="1" noTextEdit="1"/>
-          </p:cNvSpPr>
-          <p:nvPr>
-            <p:extLst>
-              <p:ext uri="{386F3935-93C4-4BCD-93E2-E3B085C9AB24}">
-                <p16:designElem xmlns:p16="http://schemas.microsoft.com/office/powerpoint/2015/main" val="1"/>
-              </p:ext>
-            </p:extLst>
-          </p:nvPr>
-        </p:nvSpPr>
-        <p:spPr>
-          <a:xfrm>
-            <a:off x="457200" y="0"/>
-            <a:ext cx="10835640" cy="5105400"/>
-          </a:xfrm>
-          <a:prstGeom prst="rect">
-            <a:avLst/>
-          </a:prstGeom>
-          <a:ln>
-            <a:noFill/>
-          </a:ln>
-        </p:spPr>
-        <p:style>
-          <a:lnRef idx="2">
-            <a:schemeClr val="accent1">
-              <a:shade val="50000"/>
-            </a:schemeClr>
-          </a:lnRef>
-          <a:fillRef idx="1">
-            <a:schemeClr val="accent1"/>
-          </a:fillRef>
-          <a:effectRef idx="0">
-            <a:schemeClr val="accent1"/>
-          </a:effectRef>
-          <a:fontRef idx="minor">
-            <a:schemeClr val="lt1"/>
-          </a:fontRef>
-        </p:style>
-      </p:sp>
-      <p:sp>
-        <p:nvSpPr>
-          <p:cNvPr id="16" name="Rectangle 15">
-            <a:extLst>
-              <a:ext uri="{FF2B5EF4-FFF2-40B4-BE49-F238E27FC236}">
-                <a16:creationId xmlns:a16="http://schemas.microsoft.com/office/drawing/2014/main" id="{64BC717F-58B3-4A4E-BC3B-1B11323AD5C9}"/>
-              </a:ext>
-              <a:ext uri="{C183D7F6-B498-43B3-948B-1728B52AA6E4}">
-                <adec:decorative xmlns:adec="http://schemas.microsoft.com/office/drawing/2017/decorative" val="1"/>
-              </a:ext>
-            </a:extLst>
-          </p:cNvPr>
-          <p:cNvSpPr>
-            <a:spLocks noGrp="1" noRot="1" noChangeAspect="1" noMove="1" noResize="1" noEditPoints="1" noAdjustHandles="1" noChangeArrowheads="1" noChangeShapeType="1" noTextEdit="1"/>
-          </p:cNvSpPr>
-          <p:nvPr>
-            <p:extLst>
-              <p:ext uri="{386F3935-93C4-4BCD-93E2-E3B085C9AB24}">
-                <p16:designElem xmlns:p16="http://schemas.microsoft.com/office/powerpoint/2015/main" val="1"/>
-              </p:ext>
-            </p:extLst>
-          </p:nvPr>
-        </p:nvSpPr>
-        <p:spPr>
-          <a:xfrm>
-            <a:off x="457200" y="5105400"/>
-            <a:ext cx="10835640" cy="1752600"/>
-          </a:xfrm>
-          <a:prstGeom prst="rect">
-            <a:avLst/>
-          </a:prstGeom>
-          <a:solidFill>
-            <a:srgbClr val="353537"/>
-          </a:solidFill>
-          <a:ln>
-            <a:noFill/>
-          </a:ln>
-        </p:spPr>
-        <p:style>
-          <a:lnRef idx="2">
-            <a:schemeClr val="accent1">
-              <a:shade val="50000"/>
-            </a:schemeClr>
-          </a:lnRef>
-          <a:fillRef idx="1">
-            <a:schemeClr val="accent1"/>
-          </a:fillRef>
-          <a:effectRef idx="0">
-            <a:schemeClr val="accent1"/>
-          </a:effectRef>
-          <a:fontRef idx="minor">
-            <a:schemeClr val="lt1"/>
-          </a:fontRef>
-        </p:style>
-      </p:sp>
-      <p:sp>
-        <p:nvSpPr>
-          <p:cNvPr id="2" name="Title 1"/>
-          <p:cNvSpPr>
-            <a:spLocks noGrp="1"/>
-          </p:cNvSpPr>
-          <p:nvPr>
-            <p:ph type="title"/>
-          </p:nvPr>
-        </p:nvSpPr>
-        <p:spPr>
-          <a:xfrm>
-            <a:off x="944183" y="5181600"/>
-            <a:ext cx="10156435" cy="1076324"/>
-          </a:xfrm>
-        </p:spPr>
-        <p:txBody>
-          <a:bodyPr vert="horz" lIns="91440" tIns="45720" rIns="91440" bIns="45720" rtlCol="0" anchor="b">
-            <a:normAutofit/>
-          </a:bodyPr>
-          <a:lstStyle/>
-          <a:p>
-            <a:pPr>
-              <a:lnSpc>
-                <a:spcPct val="85000"/>
-              </a:lnSpc>
-            </a:pPr>
-            <a:r>
-              <a:rPr lang="en-US" sz="4600">
-                <a:solidFill>
-                  <a:srgbClr val="FFFFFF"/>
-                </a:solidFill>
-                <a:latin typeface="+mj-lt"/>
-              </a:rPr>
-              <a:t>Instrumental Variables: Relevance</a:t>
-            </a:r>
-          </a:p>
-        </p:txBody>
-      </p:sp>
-      <p:sp>
-        <p:nvSpPr>
-          <p:cNvPr id="18" name="Rectangle 17">
-            <a:extLst>
-              <a:ext uri="{FF2B5EF4-FFF2-40B4-BE49-F238E27FC236}">
-                <a16:creationId xmlns:a16="http://schemas.microsoft.com/office/drawing/2014/main" id="{1EE75710-64C5-4CA8-8A7C-82EE4125C90D}"/>
-              </a:ext>
-              <a:ext uri="{C183D7F6-B498-43B3-948B-1728B52AA6E4}">
-                <adec:decorative xmlns:adec="http://schemas.microsoft.com/office/drawing/2017/decorative" val="1"/>
-              </a:ext>
-            </a:extLst>
-          </p:cNvPr>
-          <p:cNvSpPr>
-            <a:spLocks noGrp="1" noRot="1" noChangeAspect="1" noMove="1" noResize="1" noEditPoints="1" noAdjustHandles="1" noChangeArrowheads="1" noChangeShapeType="1" noTextEdit="1"/>
-          </p:cNvSpPr>
-          <p:nvPr>
-            <p:extLst>
-              <p:ext uri="{386F3935-93C4-4BCD-93E2-E3B085C9AB24}">
-                <p16:designElem xmlns:p16="http://schemas.microsoft.com/office/powerpoint/2015/main" val="1"/>
-              </p:ext>
-            </p:extLst>
-          </p:nvPr>
-        </p:nvSpPr>
-        <p:spPr>
-          <a:xfrm>
-            <a:off x="0" y="0"/>
-            <a:ext cx="457200" cy="6858000"/>
-          </a:xfrm>
-          <a:prstGeom prst="rect">
-            <a:avLst/>
-          </a:prstGeom>
-          <a:solidFill>
-            <a:srgbClr val="6F6F74"/>
-          </a:solidFill>
-          <a:ln>
-            <a:noFill/>
-          </a:ln>
-        </p:spPr>
-        <p:style>
-          <a:lnRef idx="2">
-            <a:schemeClr val="accent1">
-              <a:shade val="50000"/>
-            </a:schemeClr>
-          </a:lnRef>
-          <a:fillRef idx="1">
-            <a:schemeClr val="accent1"/>
-          </a:fillRef>
-          <a:effectRef idx="0">
-            <a:schemeClr val="accent1"/>
-          </a:effectRef>
-          <a:fontRef idx="minor">
-            <a:schemeClr val="lt1"/>
-          </a:fontRef>
-        </p:style>
-        <p:txBody>
-          <a:bodyPr rtlCol="0" anchor="ctr"/>
-          <a:lstStyle/>
-          <a:p>
-            <a:pPr algn="ctr"/>
-            <a:endParaRPr lang="en-US"/>
-          </a:p>
-        </p:txBody>
-      </p:sp>
-      <p:pic>
-        <p:nvPicPr>
-          <p:cNvPr id="7" name="Content Placeholder 6" descr="Text&#10;&#10;Description automatically generated">
-            <a:extLst>
-              <a:ext uri="{FF2B5EF4-FFF2-40B4-BE49-F238E27FC236}">
-                <a16:creationId xmlns:a16="http://schemas.microsoft.com/office/drawing/2014/main" id="{ECA2B565-D278-76A8-1438-4DE03E411B42}"/>
+                <a16:creationId xmlns:a16="http://schemas.microsoft.com/office/drawing/2014/main" id="{6831997B-4CB6-0FFD-4022-9893EFE5F812}"/>
               </a:ext>
             </a:extLst>
           </p:cNvPr>
@@ -12608,81 +13274,15 @@
         </p:blipFill>
         <p:spPr>
           <a:xfrm>
-            <a:off x="1097280" y="873624"/>
-            <a:ext cx="9594723" cy="3358153"/>
+            <a:off x="800100" y="1295400"/>
+            <a:ext cx="10058400" cy="4488938"/>
           </a:xfrm>
-          <a:prstGeom prst="rect">
-            <a:avLst/>
-          </a:prstGeom>
         </p:spPr>
       </p:pic>
-      <p:sp>
-        <p:nvSpPr>
-          <p:cNvPr id="20" name="Rectangle 19">
-            <a:extLst>
-              <a:ext uri="{FF2B5EF4-FFF2-40B4-BE49-F238E27FC236}">
-                <a16:creationId xmlns:a16="http://schemas.microsoft.com/office/drawing/2014/main" id="{435050B1-74E1-4A81-923D-0F5971A3BC01}"/>
-              </a:ext>
-              <a:ext uri="{C183D7F6-B498-43B3-948B-1728B52AA6E4}">
-                <adec:decorative xmlns:adec="http://schemas.microsoft.com/office/drawing/2017/decorative" val="1"/>
-              </a:ext>
-            </a:extLst>
-          </p:cNvPr>
-          <p:cNvSpPr>
-            <a:spLocks noGrp="1" noRot="1" noChangeAspect="1" noMove="1" noResize="1" noEditPoints="1" noAdjustHandles="1" noChangeArrowheads="1" noChangeShapeType="1" noTextEdit="1"/>
-          </p:cNvSpPr>
-          <p:nvPr>
-            <p:extLst>
-              <p:ext uri="{386F3935-93C4-4BCD-93E2-E3B085C9AB24}">
-                <p16:designElem xmlns:p16="http://schemas.microsoft.com/office/powerpoint/2015/main" val="1"/>
-              </p:ext>
-            </p:extLst>
-          </p:nvPr>
-        </p:nvSpPr>
-        <p:spPr>
-          <a:xfrm>
-            <a:off x="11292840" y="0"/>
-            <a:ext cx="899160" cy="6858000"/>
-          </a:xfrm>
-          <a:prstGeom prst="rect">
-            <a:avLst/>
-          </a:prstGeom>
-          <a:solidFill>
-            <a:srgbClr val="353537"/>
-          </a:solidFill>
-          <a:ln>
-            <a:noFill/>
-          </a:ln>
-        </p:spPr>
-        <p:style>
-          <a:lnRef idx="2">
-            <a:schemeClr val="accent1">
-              <a:shade val="50000"/>
-            </a:schemeClr>
-          </a:lnRef>
-          <a:fillRef idx="1">
-            <a:schemeClr val="accent1"/>
-          </a:fillRef>
-          <a:effectRef idx="0">
-            <a:schemeClr val="accent1"/>
-          </a:effectRef>
-          <a:fontRef idx="minor">
-            <a:schemeClr val="lt1"/>
-          </a:fontRef>
-        </p:style>
-        <p:txBody>
-          <a:bodyPr rtlCol="0" anchor="ctr"/>
-          <a:lstStyle/>
-          <a:p>
-            <a:pPr algn="ctr"/>
-            <a:endParaRPr lang="en-US"/>
-          </a:p>
-        </p:txBody>
-      </p:sp>
     </p:spTree>
     <p:extLst>
       <p:ext uri="{BB962C8B-B14F-4D97-AF65-F5344CB8AC3E}">
-        <p14:creationId xmlns:p14="http://schemas.microsoft.com/office/powerpoint/2010/main" val="2812261787"/>
+        <p14:creationId xmlns:p14="http://schemas.microsoft.com/office/powerpoint/2010/main" val="154228220"/>
       </p:ext>
     </p:extLst>
   </p:cSld>
@@ -12719,7 +13319,7 @@
       </p:grpSpPr>
       <p:sp>
         <p:nvSpPr>
-          <p:cNvPr id="11" name="Rectangle 10">
+          <p:cNvPr id="12" name="Rectangle 11">
             <a:extLst>
               <a:ext uri="{FF2B5EF4-FFF2-40B4-BE49-F238E27FC236}">
                 <a16:creationId xmlns:a16="http://schemas.microsoft.com/office/drawing/2014/main" id="{5D5E0904-721C-4D68-9EB8-1C9752E329A7}"/>
@@ -12774,7 +13374,7 @@
       </p:sp>
       <p:sp useBgFill="1">
         <p:nvSpPr>
-          <p:cNvPr id="13" name="Rectangle 12">
+          <p:cNvPr id="14" name="Rectangle 13">
             <a:extLst>
               <a:ext uri="{FF2B5EF4-FFF2-40B4-BE49-F238E27FC236}">
                 <a16:creationId xmlns:a16="http://schemas.microsoft.com/office/drawing/2014/main" id="{D0CDF5D3-7220-42A0-9D37-ECF3BF283B37}"/>
@@ -12826,7 +13426,7 @@
       </p:sp>
       <p:sp>
         <p:nvSpPr>
-          <p:cNvPr id="15" name="Rectangle 14">
+          <p:cNvPr id="16" name="Rectangle 15">
             <a:extLst>
               <a:ext uri="{FF2B5EF4-FFF2-40B4-BE49-F238E27FC236}">
                 <a16:creationId xmlns:a16="http://schemas.microsoft.com/office/drawing/2014/main" id="{64BC717F-58B3-4A4E-BC3B-1B11323AD5C9}"/>
@@ -12907,20 +13507,20 @@
               </a:lnSpc>
             </a:pPr>
             <a:r>
-              <a:rPr lang="en-US" sz="4600" dirty="0">
+              <a:rPr lang="en-US" sz="4600">
                 <a:solidFill>
                   <a:srgbClr val="FFFFFF"/>
                 </a:solidFill>
                 <a:latin typeface="+mj-lt"/>
               </a:rPr>
-              <a:t>Instrumental Variables: Exclusion</a:t>
-            </a:r>
-          </a:p>
-        </p:txBody>
-      </p:sp>
-      <p:sp>
-        <p:nvSpPr>
-          <p:cNvPr id="17" name="Rectangle 16">
+              <a:t>Instrumental Variables: Relevance</a:t>
+            </a:r>
+          </a:p>
+        </p:txBody>
+      </p:sp>
+      <p:sp>
+        <p:nvSpPr>
+          <p:cNvPr id="18" name="Rectangle 17">
             <a:extLst>
               <a:ext uri="{FF2B5EF4-FFF2-40B4-BE49-F238E27FC236}">
                 <a16:creationId xmlns:a16="http://schemas.microsoft.com/office/drawing/2014/main" id="{1EE75710-64C5-4CA8-8A7C-82EE4125C90D}"/>
@@ -12983,10 +13583,10 @@
       </p:sp>
       <p:pic>
         <p:nvPicPr>
-          <p:cNvPr id="6" name="Content Placeholder 5">
+          <p:cNvPr id="7" name="Content Placeholder 6" descr="Text&#10;&#10;Description automatically generated">
             <a:extLst>
               <a:ext uri="{FF2B5EF4-FFF2-40B4-BE49-F238E27FC236}">
-                <a16:creationId xmlns:a16="http://schemas.microsoft.com/office/drawing/2014/main" id="{8BF81D22-6C80-DF98-9ADF-C02D7D5CB072}"/>
+                <a16:creationId xmlns:a16="http://schemas.microsoft.com/office/drawing/2014/main" id="{ECA2B565-D278-76A8-1438-4DE03E411B42}"/>
               </a:ext>
             </a:extLst>
           </p:cNvPr>
@@ -13005,8 +13605,8 @@
         </p:blipFill>
         <p:spPr>
           <a:xfrm>
-            <a:off x="533399" y="685800"/>
-            <a:ext cx="10592343" cy="3733800"/>
+            <a:off x="1097280" y="873624"/>
+            <a:ext cx="9594723" cy="3358153"/>
           </a:xfrm>
           <a:prstGeom prst="rect">
             <a:avLst/>
@@ -13015,7 +13615,7 @@
       </p:pic>
       <p:sp>
         <p:nvSpPr>
-          <p:cNvPr id="19" name="Rectangle 18">
+          <p:cNvPr id="20" name="Rectangle 19">
             <a:extLst>
               <a:ext uri="{FF2B5EF4-FFF2-40B4-BE49-F238E27FC236}">
                 <a16:creationId xmlns:a16="http://schemas.microsoft.com/office/drawing/2014/main" id="{435050B1-74E1-4A81-923D-0F5971A3BC01}"/>
@@ -13079,7 +13679,7 @@
     </p:spTree>
     <p:extLst>
       <p:ext uri="{BB962C8B-B14F-4D97-AF65-F5344CB8AC3E}">
-        <p14:creationId xmlns:p14="http://schemas.microsoft.com/office/powerpoint/2010/main" val="4064585942"/>
+        <p14:creationId xmlns:p14="http://schemas.microsoft.com/office/powerpoint/2010/main" val="2812261787"/>
       </p:ext>
     </p:extLst>
   </p:cSld>
@@ -13310,7 +13910,7 @@
                 </a:solidFill>
                 <a:latin typeface="+mj-lt"/>
               </a:rPr>
-              <a:t>Instrumental Variables: Exogeneity</a:t>
+              <a:t>Instrumental Variables: Exclusion</a:t>
             </a:r>
           </a:p>
         </p:txBody>
@@ -13383,7 +13983,7 @@
           <p:cNvPr id="6" name="Content Placeholder 5">
             <a:extLst>
               <a:ext uri="{FF2B5EF4-FFF2-40B4-BE49-F238E27FC236}">
-                <a16:creationId xmlns:a16="http://schemas.microsoft.com/office/drawing/2014/main" id="{216AF9C5-29CB-1811-BC0D-8F552C9CD031}"/>
+                <a16:creationId xmlns:a16="http://schemas.microsoft.com/office/drawing/2014/main" id="{8BF81D22-6C80-DF98-9ADF-C02D7D5CB072}"/>
               </a:ext>
             </a:extLst>
           </p:cNvPr>
@@ -13402,8 +14002,8 @@
         </p:blipFill>
         <p:spPr>
           <a:xfrm>
-            <a:off x="1097280" y="921599"/>
-            <a:ext cx="9594723" cy="3262203"/>
+            <a:off x="533399" y="685800"/>
+            <a:ext cx="10592343" cy="3733800"/>
           </a:xfrm>
           <a:prstGeom prst="rect">
             <a:avLst/>
@@ -13476,7 +14076,7 @@
     </p:spTree>
     <p:extLst>
       <p:ext uri="{BB962C8B-B14F-4D97-AF65-F5344CB8AC3E}">
-        <p14:creationId xmlns:p14="http://schemas.microsoft.com/office/powerpoint/2010/main" val="875674219"/>
+        <p14:creationId xmlns:p14="http://schemas.microsoft.com/office/powerpoint/2010/main" val="4064585942"/>
       </p:ext>
     </p:extLst>
   </p:cSld>
@@ -13489,6 +14089,14 @@
 <file path=ppt/slides/slide23.xml><?xml version="1.0" encoding="utf-8"?>
 <p:sld xmlns:a="http://schemas.openxmlformats.org/drawingml/2006/main" xmlns:r="http://schemas.openxmlformats.org/officeDocument/2006/relationships" xmlns:p="http://schemas.openxmlformats.org/presentationml/2006/main">
   <p:cSld>
+    <p:bg>
+      <p:bgPr>
+        <a:solidFill>
+          <a:schemeClr val="bg1"/>
+        </a:solidFill>
+        <a:effectLst/>
+      </p:bgPr>
+    </p:bg>
     <p:spTree>
       <p:nvGrpSpPr>
         <p:cNvPr id="1" name=""/>
@@ -13503,12 +14111,276 @@
           <a:chExt cx="0" cy="0"/>
         </a:xfrm>
       </p:grpSpPr>
+      <p:sp>
+        <p:nvSpPr>
+          <p:cNvPr id="11" name="Rectangle 10">
+            <a:extLst>
+              <a:ext uri="{FF2B5EF4-FFF2-40B4-BE49-F238E27FC236}">
+                <a16:creationId xmlns:a16="http://schemas.microsoft.com/office/drawing/2014/main" id="{5D5E0904-721C-4D68-9EB8-1C9752E329A7}"/>
+              </a:ext>
+              <a:ext uri="{C183D7F6-B498-43B3-948B-1728B52AA6E4}">
+                <adec:decorative xmlns:adec="http://schemas.microsoft.com/office/drawing/2017/decorative" val="1"/>
+              </a:ext>
+            </a:extLst>
+          </p:cNvPr>
+          <p:cNvSpPr>
+            <a:spLocks noGrp="1" noRot="1" noChangeAspect="1" noMove="1" noResize="1" noEditPoints="1" noAdjustHandles="1" noChangeArrowheads="1" noChangeShapeType="1" noTextEdit="1"/>
+          </p:cNvSpPr>
+          <p:nvPr>
+            <p:extLst>
+              <p:ext uri="{386F3935-93C4-4BCD-93E2-E3B085C9AB24}">
+                <p16:designElem xmlns:p16="http://schemas.microsoft.com/office/powerpoint/2015/main" val="1"/>
+              </p:ext>
+            </p:extLst>
+          </p:nvPr>
+        </p:nvSpPr>
+        <p:spPr>
+          <a:xfrm>
+            <a:off x="0" y="0"/>
+            <a:ext cx="457200" cy="6858000"/>
+          </a:xfrm>
+          <a:prstGeom prst="rect">
+            <a:avLst/>
+          </a:prstGeom>
+          <a:solidFill>
+            <a:schemeClr val="accent1"/>
+          </a:solidFill>
+          <a:ln>
+            <a:noFill/>
+          </a:ln>
+        </p:spPr>
+        <p:style>
+          <a:lnRef idx="2">
+            <a:schemeClr val="accent1">
+              <a:shade val="50000"/>
+            </a:schemeClr>
+          </a:lnRef>
+          <a:fillRef idx="1">
+            <a:schemeClr val="accent1"/>
+          </a:fillRef>
+          <a:effectRef idx="0">
+            <a:schemeClr val="accent1"/>
+          </a:effectRef>
+          <a:fontRef idx="minor">
+            <a:schemeClr val="lt1"/>
+          </a:fontRef>
+        </p:style>
+      </p:sp>
+      <p:sp useBgFill="1">
+        <p:nvSpPr>
+          <p:cNvPr id="13" name="Rectangle 12">
+            <a:extLst>
+              <a:ext uri="{FF2B5EF4-FFF2-40B4-BE49-F238E27FC236}">
+                <a16:creationId xmlns:a16="http://schemas.microsoft.com/office/drawing/2014/main" id="{D0CDF5D3-7220-42A0-9D37-ECF3BF283B37}"/>
+              </a:ext>
+              <a:ext uri="{C183D7F6-B498-43B3-948B-1728B52AA6E4}">
+                <adec:decorative xmlns:adec="http://schemas.microsoft.com/office/drawing/2017/decorative" val="1"/>
+              </a:ext>
+            </a:extLst>
+          </p:cNvPr>
+          <p:cNvSpPr>
+            <a:spLocks noGrp="1" noRot="1" noChangeAspect="1" noMove="1" noResize="1" noEditPoints="1" noAdjustHandles="1" noChangeArrowheads="1" noChangeShapeType="1" noTextEdit="1"/>
+          </p:cNvSpPr>
+          <p:nvPr>
+            <p:extLst>
+              <p:ext uri="{386F3935-93C4-4BCD-93E2-E3B085C9AB24}">
+                <p16:designElem xmlns:p16="http://schemas.microsoft.com/office/powerpoint/2015/main" val="1"/>
+              </p:ext>
+            </p:extLst>
+          </p:nvPr>
+        </p:nvSpPr>
+        <p:spPr>
+          <a:xfrm>
+            <a:off x="457200" y="0"/>
+            <a:ext cx="10835640" cy="5105400"/>
+          </a:xfrm>
+          <a:prstGeom prst="rect">
+            <a:avLst/>
+          </a:prstGeom>
+          <a:ln>
+            <a:noFill/>
+          </a:ln>
+        </p:spPr>
+        <p:style>
+          <a:lnRef idx="2">
+            <a:schemeClr val="accent1">
+              <a:shade val="50000"/>
+            </a:schemeClr>
+          </a:lnRef>
+          <a:fillRef idx="1">
+            <a:schemeClr val="accent1"/>
+          </a:fillRef>
+          <a:effectRef idx="0">
+            <a:schemeClr val="accent1"/>
+          </a:effectRef>
+          <a:fontRef idx="minor">
+            <a:schemeClr val="lt1"/>
+          </a:fontRef>
+        </p:style>
+      </p:sp>
+      <p:sp>
+        <p:nvSpPr>
+          <p:cNvPr id="15" name="Rectangle 14">
+            <a:extLst>
+              <a:ext uri="{FF2B5EF4-FFF2-40B4-BE49-F238E27FC236}">
+                <a16:creationId xmlns:a16="http://schemas.microsoft.com/office/drawing/2014/main" id="{64BC717F-58B3-4A4E-BC3B-1B11323AD5C9}"/>
+              </a:ext>
+              <a:ext uri="{C183D7F6-B498-43B3-948B-1728B52AA6E4}">
+                <adec:decorative xmlns:adec="http://schemas.microsoft.com/office/drawing/2017/decorative" val="1"/>
+              </a:ext>
+            </a:extLst>
+          </p:cNvPr>
+          <p:cNvSpPr>
+            <a:spLocks noGrp="1" noRot="1" noChangeAspect="1" noMove="1" noResize="1" noEditPoints="1" noAdjustHandles="1" noChangeArrowheads="1" noChangeShapeType="1" noTextEdit="1"/>
+          </p:cNvSpPr>
+          <p:nvPr>
+            <p:extLst>
+              <p:ext uri="{386F3935-93C4-4BCD-93E2-E3B085C9AB24}">
+                <p16:designElem xmlns:p16="http://schemas.microsoft.com/office/powerpoint/2015/main" val="1"/>
+              </p:ext>
+            </p:extLst>
+          </p:nvPr>
+        </p:nvSpPr>
+        <p:spPr>
+          <a:xfrm>
+            <a:off x="457200" y="5105400"/>
+            <a:ext cx="10835640" cy="1752600"/>
+          </a:xfrm>
+          <a:prstGeom prst="rect">
+            <a:avLst/>
+          </a:prstGeom>
+          <a:solidFill>
+            <a:srgbClr val="353537"/>
+          </a:solidFill>
+          <a:ln>
+            <a:noFill/>
+          </a:ln>
+        </p:spPr>
+        <p:style>
+          <a:lnRef idx="2">
+            <a:schemeClr val="accent1">
+              <a:shade val="50000"/>
+            </a:schemeClr>
+          </a:lnRef>
+          <a:fillRef idx="1">
+            <a:schemeClr val="accent1"/>
+          </a:fillRef>
+          <a:effectRef idx="0">
+            <a:schemeClr val="accent1"/>
+          </a:effectRef>
+          <a:fontRef idx="minor">
+            <a:schemeClr val="lt1"/>
+          </a:fontRef>
+        </p:style>
+      </p:sp>
+      <p:sp>
+        <p:nvSpPr>
+          <p:cNvPr id="2" name="Title 1"/>
+          <p:cNvSpPr>
+            <a:spLocks noGrp="1"/>
+          </p:cNvSpPr>
+          <p:nvPr>
+            <p:ph type="title"/>
+          </p:nvPr>
+        </p:nvSpPr>
+        <p:spPr>
+          <a:xfrm>
+            <a:off x="944183" y="5181600"/>
+            <a:ext cx="10156435" cy="1076324"/>
+          </a:xfrm>
+        </p:spPr>
+        <p:txBody>
+          <a:bodyPr vert="horz" lIns="91440" tIns="45720" rIns="91440" bIns="45720" rtlCol="0" anchor="b">
+            <a:normAutofit/>
+          </a:bodyPr>
+          <a:lstStyle/>
+          <a:p>
+            <a:pPr>
+              <a:lnSpc>
+                <a:spcPct val="85000"/>
+              </a:lnSpc>
+            </a:pPr>
+            <a:r>
+              <a:rPr lang="en-US" sz="4600" dirty="0">
+                <a:solidFill>
+                  <a:srgbClr val="FFFFFF"/>
+                </a:solidFill>
+                <a:latin typeface="+mj-lt"/>
+              </a:rPr>
+              <a:t>Instrumental Variables: Exogeneity</a:t>
+            </a:r>
+          </a:p>
+        </p:txBody>
+      </p:sp>
+      <p:sp>
+        <p:nvSpPr>
+          <p:cNvPr id="17" name="Rectangle 16">
+            <a:extLst>
+              <a:ext uri="{FF2B5EF4-FFF2-40B4-BE49-F238E27FC236}">
+                <a16:creationId xmlns:a16="http://schemas.microsoft.com/office/drawing/2014/main" id="{1EE75710-64C5-4CA8-8A7C-82EE4125C90D}"/>
+              </a:ext>
+              <a:ext uri="{C183D7F6-B498-43B3-948B-1728B52AA6E4}">
+                <adec:decorative xmlns:adec="http://schemas.microsoft.com/office/drawing/2017/decorative" val="1"/>
+              </a:ext>
+            </a:extLst>
+          </p:cNvPr>
+          <p:cNvSpPr>
+            <a:spLocks noGrp="1" noRot="1" noChangeAspect="1" noMove="1" noResize="1" noEditPoints="1" noAdjustHandles="1" noChangeArrowheads="1" noChangeShapeType="1" noTextEdit="1"/>
+          </p:cNvSpPr>
+          <p:nvPr>
+            <p:extLst>
+              <p:ext uri="{386F3935-93C4-4BCD-93E2-E3B085C9AB24}">
+                <p16:designElem xmlns:p16="http://schemas.microsoft.com/office/powerpoint/2015/main" val="1"/>
+              </p:ext>
+            </p:extLst>
+          </p:nvPr>
+        </p:nvSpPr>
+        <p:spPr>
+          <a:xfrm>
+            <a:off x="0" y="0"/>
+            <a:ext cx="457200" cy="6858000"/>
+          </a:xfrm>
+          <a:prstGeom prst="rect">
+            <a:avLst/>
+          </a:prstGeom>
+          <a:solidFill>
+            <a:srgbClr val="6F6F74"/>
+          </a:solidFill>
+          <a:ln>
+            <a:noFill/>
+          </a:ln>
+        </p:spPr>
+        <p:style>
+          <a:lnRef idx="2">
+            <a:schemeClr val="accent1">
+              <a:shade val="50000"/>
+            </a:schemeClr>
+          </a:lnRef>
+          <a:fillRef idx="1">
+            <a:schemeClr val="accent1"/>
+          </a:fillRef>
+          <a:effectRef idx="0">
+            <a:schemeClr val="accent1"/>
+          </a:effectRef>
+          <a:fontRef idx="minor">
+            <a:schemeClr val="lt1"/>
+          </a:fontRef>
+        </p:style>
+        <p:txBody>
+          <a:bodyPr rtlCol="0" anchor="ctr"/>
+          <a:lstStyle/>
+          <a:p>
+            <a:pPr algn="ctr"/>
+            <a:endParaRPr lang="en-US"/>
+          </a:p>
+        </p:txBody>
+      </p:sp>
       <p:pic>
         <p:nvPicPr>
-          <p:cNvPr id="5" name="Content Placeholder 4">
+          <p:cNvPr id="6" name="Content Placeholder 5">
             <a:extLst>
               <a:ext uri="{FF2B5EF4-FFF2-40B4-BE49-F238E27FC236}">
-                <a16:creationId xmlns:a16="http://schemas.microsoft.com/office/drawing/2014/main" id="{BF8EC42F-425B-CC4D-93AE-8D71AEB61B5C}"/>
+                <a16:creationId xmlns:a16="http://schemas.microsoft.com/office/drawing/2014/main" id="{216AF9C5-29CB-1811-BC0D-8F552C9CD031}"/>
               </a:ext>
             </a:extLst>
           </p:cNvPr>
@@ -13519,22 +14391,89 @@
             <p:ph idx="1"/>
           </p:nvPr>
         </p:nvPicPr>
-        <p:blipFill rotWithShape="1">
+        <p:blipFill>
           <a:blip r:embed="rId3"/>
-          <a:srcRect l="1687" t="3955" r="2183"/>
-          <a:stretch/>
+          <a:stretch>
+            <a:fillRect/>
+          </a:stretch>
         </p:blipFill>
         <p:spPr>
           <a:xfrm>
-            <a:off x="197224" y="251011"/>
-            <a:ext cx="11737700" cy="6364941"/>
+            <a:off x="1097280" y="921599"/>
+            <a:ext cx="9594723" cy="3262203"/>
           </a:xfrm>
+          <a:prstGeom prst="rect">
+            <a:avLst/>
+          </a:prstGeom>
         </p:spPr>
       </p:pic>
+      <p:sp>
+        <p:nvSpPr>
+          <p:cNvPr id="19" name="Rectangle 18">
+            <a:extLst>
+              <a:ext uri="{FF2B5EF4-FFF2-40B4-BE49-F238E27FC236}">
+                <a16:creationId xmlns:a16="http://schemas.microsoft.com/office/drawing/2014/main" id="{435050B1-74E1-4A81-923D-0F5971A3BC01}"/>
+              </a:ext>
+              <a:ext uri="{C183D7F6-B498-43B3-948B-1728B52AA6E4}">
+                <adec:decorative xmlns:adec="http://schemas.microsoft.com/office/drawing/2017/decorative" val="1"/>
+              </a:ext>
+            </a:extLst>
+          </p:cNvPr>
+          <p:cNvSpPr>
+            <a:spLocks noGrp="1" noRot="1" noChangeAspect="1" noMove="1" noResize="1" noEditPoints="1" noAdjustHandles="1" noChangeArrowheads="1" noChangeShapeType="1" noTextEdit="1"/>
+          </p:cNvSpPr>
+          <p:nvPr>
+            <p:extLst>
+              <p:ext uri="{386F3935-93C4-4BCD-93E2-E3B085C9AB24}">
+                <p16:designElem xmlns:p16="http://schemas.microsoft.com/office/powerpoint/2015/main" val="1"/>
+              </p:ext>
+            </p:extLst>
+          </p:nvPr>
+        </p:nvSpPr>
+        <p:spPr>
+          <a:xfrm>
+            <a:off x="11292840" y="0"/>
+            <a:ext cx="899160" cy="6858000"/>
+          </a:xfrm>
+          <a:prstGeom prst="rect">
+            <a:avLst/>
+          </a:prstGeom>
+          <a:solidFill>
+            <a:srgbClr val="353537"/>
+          </a:solidFill>
+          <a:ln>
+            <a:noFill/>
+          </a:ln>
+        </p:spPr>
+        <p:style>
+          <a:lnRef idx="2">
+            <a:schemeClr val="accent1">
+              <a:shade val="50000"/>
+            </a:schemeClr>
+          </a:lnRef>
+          <a:fillRef idx="1">
+            <a:schemeClr val="accent1"/>
+          </a:fillRef>
+          <a:effectRef idx="0">
+            <a:schemeClr val="accent1"/>
+          </a:effectRef>
+          <a:fontRef idx="minor">
+            <a:schemeClr val="lt1"/>
+          </a:fontRef>
+        </p:style>
+        <p:txBody>
+          <a:bodyPr rtlCol="0" anchor="ctr"/>
+          <a:lstStyle/>
+          <a:p>
+            <a:pPr algn="ctr"/>
+            <a:endParaRPr lang="en-US"/>
+          </a:p>
+        </p:txBody>
+      </p:sp>
     </p:spTree>
     <p:extLst>
       <p:ext uri="{BB962C8B-B14F-4D97-AF65-F5344CB8AC3E}">
-        <p14:creationId xmlns:p14="http://schemas.microsoft.com/office/powerpoint/2010/main" val="2458301615"/>
+        <p14:creationId xmlns:p14="http://schemas.microsoft.com/office/powerpoint/2010/main" val="875674219"/>
       </p:ext>
     </p:extLst>
   </p:cSld>
@@ -13566,6 +14505,64 @@
           <p:cNvPr id="5" name="Content Placeholder 4">
             <a:extLst>
               <a:ext uri="{FF2B5EF4-FFF2-40B4-BE49-F238E27FC236}">
+                <a16:creationId xmlns:a16="http://schemas.microsoft.com/office/drawing/2014/main" id="{BF8EC42F-425B-CC4D-93AE-8D71AEB61B5C}"/>
+              </a:ext>
+            </a:extLst>
+          </p:cNvPr>
+          <p:cNvPicPr>
+            <a:picLocks noGrp="1" noChangeAspect="1"/>
+          </p:cNvPicPr>
+          <p:nvPr>
+            <p:ph idx="1"/>
+          </p:nvPr>
+        </p:nvPicPr>
+        <p:blipFill rotWithShape="1">
+          <a:blip r:embed="rId3"/>
+          <a:srcRect l="1687" t="3955" r="2183"/>
+          <a:stretch/>
+        </p:blipFill>
+        <p:spPr>
+          <a:xfrm>
+            <a:off x="197224" y="251011"/>
+            <a:ext cx="11737700" cy="6364941"/>
+          </a:xfrm>
+        </p:spPr>
+      </p:pic>
+    </p:spTree>
+    <p:extLst>
+      <p:ext uri="{BB962C8B-B14F-4D97-AF65-F5344CB8AC3E}">
+        <p14:creationId xmlns:p14="http://schemas.microsoft.com/office/powerpoint/2010/main" val="2458301615"/>
+      </p:ext>
+    </p:extLst>
+  </p:cSld>
+  <p:clrMapOvr>
+    <a:masterClrMapping/>
+  </p:clrMapOvr>
+</p:sld>
+</file>
+
+<file path=ppt/slides/slide25.xml><?xml version="1.0" encoding="utf-8"?>
+<p:sld xmlns:a="http://schemas.openxmlformats.org/drawingml/2006/main" xmlns:r="http://schemas.openxmlformats.org/officeDocument/2006/relationships" xmlns:p="http://schemas.openxmlformats.org/presentationml/2006/main">
+  <p:cSld>
+    <p:spTree>
+      <p:nvGrpSpPr>
+        <p:cNvPr id="1" name=""/>
+        <p:cNvGrpSpPr/>
+        <p:nvPr/>
+      </p:nvGrpSpPr>
+      <p:grpSpPr>
+        <a:xfrm>
+          <a:off x="0" y="0"/>
+          <a:ext cx="0" cy="0"/>
+          <a:chOff x="0" y="0"/>
+          <a:chExt cx="0" cy="0"/>
+        </a:xfrm>
+      </p:grpSpPr>
+      <p:pic>
+        <p:nvPicPr>
+          <p:cNvPr id="5" name="Content Placeholder 4">
+            <a:extLst>
+              <a:ext uri="{FF2B5EF4-FFF2-40B4-BE49-F238E27FC236}">
                 <a16:creationId xmlns:a16="http://schemas.microsoft.com/office/drawing/2014/main" id="{6F769557-D30B-5A45-9CBF-CE7DAF1230E4}"/>
               </a:ext>
             </a:extLst>
@@ -13603,7 +14600,7 @@
 </p:sld>
 </file>
 
-<file path=ppt/slides/slide25.xml><?xml version="1.0" encoding="utf-8"?>
+<file path=ppt/slides/slide26.xml><?xml version="1.0" encoding="utf-8"?>
 <p:sld xmlns:a="http://schemas.openxmlformats.org/drawingml/2006/main" xmlns:r="http://schemas.openxmlformats.org/officeDocument/2006/relationships" xmlns:p="http://schemas.openxmlformats.org/presentationml/2006/main">
   <p:cSld>
     <p:spTree>
@@ -13761,7 +14758,404 @@
 </p:sld>
 </file>
 
-<file path=ppt/slides/slide26.xml><?xml version="1.0" encoding="utf-8"?>
+<file path=ppt/slides/slide27.xml><?xml version="1.0" encoding="utf-8"?>
+<p:sld xmlns:a="http://schemas.openxmlformats.org/drawingml/2006/main" xmlns:r="http://schemas.openxmlformats.org/officeDocument/2006/relationships" xmlns:p="http://schemas.openxmlformats.org/presentationml/2006/main">
+  <p:cSld>
+    <p:bg>
+      <p:bgPr>
+        <a:solidFill>
+          <a:schemeClr val="bg1"/>
+        </a:solidFill>
+        <a:effectLst/>
+      </p:bgPr>
+    </p:bg>
+    <p:spTree>
+      <p:nvGrpSpPr>
+        <p:cNvPr id="1" name=""/>
+        <p:cNvGrpSpPr/>
+        <p:nvPr/>
+      </p:nvGrpSpPr>
+      <p:grpSpPr>
+        <a:xfrm>
+          <a:off x="0" y="0"/>
+          <a:ext cx="0" cy="0"/>
+          <a:chOff x="0" y="0"/>
+          <a:chExt cx="0" cy="0"/>
+        </a:xfrm>
+      </p:grpSpPr>
+      <p:sp>
+        <p:nvSpPr>
+          <p:cNvPr id="21" name="Rectangle 10">
+            <a:extLst>
+              <a:ext uri="{FF2B5EF4-FFF2-40B4-BE49-F238E27FC236}">
+                <a16:creationId xmlns:a16="http://schemas.microsoft.com/office/drawing/2014/main" id="{5D5E0904-721C-4D68-9EB8-1C9752E329A7}"/>
+              </a:ext>
+              <a:ext uri="{C183D7F6-B498-43B3-948B-1728B52AA6E4}">
+                <adec:decorative xmlns:adec="http://schemas.microsoft.com/office/drawing/2017/decorative" val="1"/>
+              </a:ext>
+            </a:extLst>
+          </p:cNvPr>
+          <p:cNvSpPr>
+            <a:spLocks noGrp="1" noRot="1" noChangeAspect="1" noMove="1" noResize="1" noEditPoints="1" noAdjustHandles="1" noChangeArrowheads="1" noChangeShapeType="1" noTextEdit="1"/>
+          </p:cNvSpPr>
+          <p:nvPr>
+            <p:extLst>
+              <p:ext uri="{386F3935-93C4-4BCD-93E2-E3B085C9AB24}">
+                <p16:designElem xmlns:p16="http://schemas.microsoft.com/office/powerpoint/2015/main" val="1"/>
+              </p:ext>
+            </p:extLst>
+          </p:nvPr>
+        </p:nvSpPr>
+        <p:spPr>
+          <a:xfrm>
+            <a:off x="0" y="0"/>
+            <a:ext cx="457200" cy="6858000"/>
+          </a:xfrm>
+          <a:prstGeom prst="rect">
+            <a:avLst/>
+          </a:prstGeom>
+          <a:solidFill>
+            <a:schemeClr val="accent1"/>
+          </a:solidFill>
+          <a:ln>
+            <a:noFill/>
+          </a:ln>
+        </p:spPr>
+        <p:style>
+          <a:lnRef idx="2">
+            <a:schemeClr val="accent1">
+              <a:shade val="50000"/>
+            </a:schemeClr>
+          </a:lnRef>
+          <a:fillRef idx="1">
+            <a:schemeClr val="accent1"/>
+          </a:fillRef>
+          <a:effectRef idx="0">
+            <a:schemeClr val="accent1"/>
+          </a:effectRef>
+          <a:fontRef idx="minor">
+            <a:schemeClr val="lt1"/>
+          </a:fontRef>
+        </p:style>
+      </p:sp>
+      <p:sp useBgFill="1">
+        <p:nvSpPr>
+          <p:cNvPr id="22" name="Rectangle 12">
+            <a:extLst>
+              <a:ext uri="{FF2B5EF4-FFF2-40B4-BE49-F238E27FC236}">
+                <a16:creationId xmlns:a16="http://schemas.microsoft.com/office/drawing/2014/main" id="{D0CDF5D3-7220-42A0-9D37-ECF3BF283B37}"/>
+              </a:ext>
+              <a:ext uri="{C183D7F6-B498-43B3-948B-1728B52AA6E4}">
+                <adec:decorative xmlns:adec="http://schemas.microsoft.com/office/drawing/2017/decorative" val="1"/>
+              </a:ext>
+            </a:extLst>
+          </p:cNvPr>
+          <p:cNvSpPr>
+            <a:spLocks noGrp="1" noRot="1" noChangeAspect="1" noMove="1" noResize="1" noEditPoints="1" noAdjustHandles="1" noChangeArrowheads="1" noChangeShapeType="1" noTextEdit="1"/>
+          </p:cNvSpPr>
+          <p:nvPr>
+            <p:extLst>
+              <p:ext uri="{386F3935-93C4-4BCD-93E2-E3B085C9AB24}">
+                <p16:designElem xmlns:p16="http://schemas.microsoft.com/office/powerpoint/2015/main" val="1"/>
+              </p:ext>
+            </p:extLst>
+          </p:nvPr>
+        </p:nvSpPr>
+        <p:spPr>
+          <a:xfrm>
+            <a:off x="457200" y="0"/>
+            <a:ext cx="10835640" cy="5105400"/>
+          </a:xfrm>
+          <a:prstGeom prst="rect">
+            <a:avLst/>
+          </a:prstGeom>
+          <a:ln>
+            <a:noFill/>
+          </a:ln>
+        </p:spPr>
+        <p:style>
+          <a:lnRef idx="2">
+            <a:schemeClr val="accent1">
+              <a:shade val="50000"/>
+            </a:schemeClr>
+          </a:lnRef>
+          <a:fillRef idx="1">
+            <a:schemeClr val="accent1"/>
+          </a:fillRef>
+          <a:effectRef idx="0">
+            <a:schemeClr val="accent1"/>
+          </a:effectRef>
+          <a:fontRef idx="minor">
+            <a:schemeClr val="lt1"/>
+          </a:fontRef>
+        </p:style>
+      </p:sp>
+      <p:sp>
+        <p:nvSpPr>
+          <p:cNvPr id="23" name="Rectangle 14">
+            <a:extLst>
+              <a:ext uri="{FF2B5EF4-FFF2-40B4-BE49-F238E27FC236}">
+                <a16:creationId xmlns:a16="http://schemas.microsoft.com/office/drawing/2014/main" id="{64BC717F-58B3-4A4E-BC3B-1B11323AD5C9}"/>
+              </a:ext>
+              <a:ext uri="{C183D7F6-B498-43B3-948B-1728B52AA6E4}">
+                <adec:decorative xmlns:adec="http://schemas.microsoft.com/office/drawing/2017/decorative" val="1"/>
+              </a:ext>
+            </a:extLst>
+          </p:cNvPr>
+          <p:cNvSpPr>
+            <a:spLocks noGrp="1" noRot="1" noChangeAspect="1" noMove="1" noResize="1" noEditPoints="1" noAdjustHandles="1" noChangeArrowheads="1" noChangeShapeType="1" noTextEdit="1"/>
+          </p:cNvSpPr>
+          <p:nvPr>
+            <p:extLst>
+              <p:ext uri="{386F3935-93C4-4BCD-93E2-E3B085C9AB24}">
+                <p16:designElem xmlns:p16="http://schemas.microsoft.com/office/powerpoint/2015/main" val="1"/>
+              </p:ext>
+            </p:extLst>
+          </p:nvPr>
+        </p:nvSpPr>
+        <p:spPr>
+          <a:xfrm>
+            <a:off x="457200" y="5105400"/>
+            <a:ext cx="10835640" cy="1752600"/>
+          </a:xfrm>
+          <a:prstGeom prst="rect">
+            <a:avLst/>
+          </a:prstGeom>
+          <a:solidFill>
+            <a:srgbClr val="353537"/>
+          </a:solidFill>
+          <a:ln>
+            <a:noFill/>
+          </a:ln>
+        </p:spPr>
+        <p:style>
+          <a:lnRef idx="2">
+            <a:schemeClr val="accent1">
+              <a:shade val="50000"/>
+            </a:schemeClr>
+          </a:lnRef>
+          <a:fillRef idx="1">
+            <a:schemeClr val="accent1"/>
+          </a:fillRef>
+          <a:effectRef idx="0">
+            <a:schemeClr val="accent1"/>
+          </a:effectRef>
+          <a:fontRef idx="minor">
+            <a:schemeClr val="lt1"/>
+          </a:fontRef>
+        </p:style>
+      </p:sp>
+      <p:sp>
+        <p:nvSpPr>
+          <p:cNvPr id="2" name="Title 1"/>
+          <p:cNvSpPr>
+            <a:spLocks noGrp="1"/>
+          </p:cNvSpPr>
+          <p:nvPr>
+            <p:ph type="title"/>
+          </p:nvPr>
+        </p:nvSpPr>
+        <p:spPr>
+          <a:xfrm>
+            <a:off x="944183" y="5181600"/>
+            <a:ext cx="10156435" cy="1076324"/>
+          </a:xfrm>
+        </p:spPr>
+        <p:txBody>
+          <a:bodyPr vert="horz" lIns="91440" tIns="45720" rIns="91440" bIns="45720" rtlCol="0" anchor="b">
+            <a:normAutofit/>
+          </a:bodyPr>
+          <a:lstStyle/>
+          <a:p>
+            <a:pPr>
+              <a:lnSpc>
+                <a:spcPct val="85000"/>
+              </a:lnSpc>
+            </a:pPr>
+            <a:r>
+              <a:rPr lang="en-US" sz="5400">
+                <a:solidFill>
+                  <a:srgbClr val="FFFFFF"/>
+                </a:solidFill>
+                <a:latin typeface="+mj-lt"/>
+              </a:rPr>
+              <a:t>What’s the DAG here? </a:t>
+            </a:r>
+          </a:p>
+        </p:txBody>
+      </p:sp>
+      <p:sp>
+        <p:nvSpPr>
+          <p:cNvPr id="24" name="Rectangle 16">
+            <a:extLst>
+              <a:ext uri="{FF2B5EF4-FFF2-40B4-BE49-F238E27FC236}">
+                <a16:creationId xmlns:a16="http://schemas.microsoft.com/office/drawing/2014/main" id="{1EE75710-64C5-4CA8-8A7C-82EE4125C90D}"/>
+              </a:ext>
+              <a:ext uri="{C183D7F6-B498-43B3-948B-1728B52AA6E4}">
+                <adec:decorative xmlns:adec="http://schemas.microsoft.com/office/drawing/2017/decorative" val="1"/>
+              </a:ext>
+            </a:extLst>
+          </p:cNvPr>
+          <p:cNvSpPr>
+            <a:spLocks noGrp="1" noRot="1" noChangeAspect="1" noMove="1" noResize="1" noEditPoints="1" noAdjustHandles="1" noChangeArrowheads="1" noChangeShapeType="1" noTextEdit="1"/>
+          </p:cNvSpPr>
+          <p:nvPr>
+            <p:extLst>
+              <p:ext uri="{386F3935-93C4-4BCD-93E2-E3B085C9AB24}">
+                <p16:designElem xmlns:p16="http://schemas.microsoft.com/office/powerpoint/2015/main" val="1"/>
+              </p:ext>
+            </p:extLst>
+          </p:nvPr>
+        </p:nvSpPr>
+        <p:spPr>
+          <a:xfrm>
+            <a:off x="0" y="0"/>
+            <a:ext cx="457200" cy="6858000"/>
+          </a:xfrm>
+          <a:prstGeom prst="rect">
+            <a:avLst/>
+          </a:prstGeom>
+          <a:solidFill>
+            <a:srgbClr val="6F6F74"/>
+          </a:solidFill>
+          <a:ln>
+            <a:noFill/>
+          </a:ln>
+        </p:spPr>
+        <p:style>
+          <a:lnRef idx="2">
+            <a:schemeClr val="accent1">
+              <a:shade val="50000"/>
+            </a:schemeClr>
+          </a:lnRef>
+          <a:fillRef idx="1">
+            <a:schemeClr val="accent1"/>
+          </a:fillRef>
+          <a:effectRef idx="0">
+            <a:schemeClr val="accent1"/>
+          </a:effectRef>
+          <a:fontRef idx="minor">
+            <a:schemeClr val="lt1"/>
+          </a:fontRef>
+        </p:style>
+        <p:txBody>
+          <a:bodyPr rtlCol="0" anchor="ctr"/>
+          <a:lstStyle/>
+          <a:p>
+            <a:pPr algn="ctr"/>
+            <a:endParaRPr lang="en-US"/>
+          </a:p>
+        </p:txBody>
+      </p:sp>
+      <p:pic>
+        <p:nvPicPr>
+          <p:cNvPr id="6" name="Content Placeholder 5" descr="Text&#10;&#10;Description automatically generated">
+            <a:extLst>
+              <a:ext uri="{FF2B5EF4-FFF2-40B4-BE49-F238E27FC236}">
+                <a16:creationId xmlns:a16="http://schemas.microsoft.com/office/drawing/2014/main" id="{57351875-442A-D44E-4F7A-6CF1534AB56C}"/>
+              </a:ext>
+            </a:extLst>
+          </p:cNvPr>
+          <p:cNvPicPr>
+            <a:picLocks noGrp="1" noChangeAspect="1"/>
+          </p:cNvPicPr>
+          <p:nvPr>
+            <p:ph idx="1"/>
+          </p:nvPr>
+        </p:nvPicPr>
+        <p:blipFill>
+          <a:blip r:embed="rId3"/>
+          <a:stretch>
+            <a:fillRect/>
+          </a:stretch>
+        </p:blipFill>
+        <p:spPr>
+          <a:xfrm>
+            <a:off x="1007860" y="0"/>
+            <a:ext cx="9525000" cy="4953000"/>
+          </a:xfrm>
+          <a:prstGeom prst="rect">
+            <a:avLst/>
+          </a:prstGeom>
+        </p:spPr>
+      </p:pic>
+      <p:sp>
+        <p:nvSpPr>
+          <p:cNvPr id="25" name="Rectangle 18">
+            <a:extLst>
+              <a:ext uri="{FF2B5EF4-FFF2-40B4-BE49-F238E27FC236}">
+                <a16:creationId xmlns:a16="http://schemas.microsoft.com/office/drawing/2014/main" id="{435050B1-74E1-4A81-923D-0F5971A3BC01}"/>
+              </a:ext>
+              <a:ext uri="{C183D7F6-B498-43B3-948B-1728B52AA6E4}">
+                <adec:decorative xmlns:adec="http://schemas.microsoft.com/office/drawing/2017/decorative" val="1"/>
+              </a:ext>
+            </a:extLst>
+          </p:cNvPr>
+          <p:cNvSpPr>
+            <a:spLocks noGrp="1" noRot="1" noChangeAspect="1" noMove="1" noResize="1" noEditPoints="1" noAdjustHandles="1" noChangeArrowheads="1" noChangeShapeType="1" noTextEdit="1"/>
+          </p:cNvSpPr>
+          <p:nvPr>
+            <p:extLst>
+              <p:ext uri="{386F3935-93C4-4BCD-93E2-E3B085C9AB24}">
+                <p16:designElem xmlns:p16="http://schemas.microsoft.com/office/powerpoint/2015/main" val="1"/>
+              </p:ext>
+            </p:extLst>
+          </p:nvPr>
+        </p:nvSpPr>
+        <p:spPr>
+          <a:xfrm>
+            <a:off x="11292840" y="0"/>
+            <a:ext cx="899160" cy="6858000"/>
+          </a:xfrm>
+          <a:prstGeom prst="rect">
+            <a:avLst/>
+          </a:prstGeom>
+          <a:solidFill>
+            <a:srgbClr val="353537"/>
+          </a:solidFill>
+          <a:ln>
+            <a:noFill/>
+          </a:ln>
+        </p:spPr>
+        <p:style>
+          <a:lnRef idx="2">
+            <a:schemeClr val="accent1">
+              <a:shade val="50000"/>
+            </a:schemeClr>
+          </a:lnRef>
+          <a:fillRef idx="1">
+            <a:schemeClr val="accent1"/>
+          </a:fillRef>
+          <a:effectRef idx="0">
+            <a:schemeClr val="accent1"/>
+          </a:effectRef>
+          <a:fontRef idx="minor">
+            <a:schemeClr val="lt1"/>
+          </a:fontRef>
+        </p:style>
+        <p:txBody>
+          <a:bodyPr rtlCol="0" anchor="ctr"/>
+          <a:lstStyle/>
+          <a:p>
+            <a:pPr algn="ctr"/>
+            <a:endParaRPr lang="en-US"/>
+          </a:p>
+        </p:txBody>
+      </p:sp>
+    </p:spTree>
+    <p:extLst>
+      <p:ext uri="{BB962C8B-B14F-4D97-AF65-F5344CB8AC3E}">
+        <p14:creationId xmlns:p14="http://schemas.microsoft.com/office/powerpoint/2010/main" val="1598574090"/>
+      </p:ext>
+    </p:extLst>
+  </p:cSld>
+  <p:clrMapOvr>
+    <a:masterClrMapping/>
+  </p:clrMapOvr>
+</p:sld>
+</file>
+
+<file path=ppt/slides/slide28.xml><?xml version="1.0" encoding="utf-8"?>
 <p:sld xmlns:a="http://schemas.openxmlformats.org/drawingml/2006/main" xmlns:r="http://schemas.openxmlformats.org/officeDocument/2006/relationships" xmlns:p="http://schemas.openxmlformats.org/presentationml/2006/main">
   <p:cSld>
     <p:spTree>
@@ -13804,7 +15198,7 @@
               <a:rPr lang="en-US" sz="3600" dirty="0">
                 <a:cs typeface="Times New Roman" panose="02020603050405020304" pitchFamily="18" charset="0"/>
               </a:rPr>
-              <a:t>Example: Transfusions and Waiting Time</a:t>
+              <a:t>Other Popular IVs</a:t>
             </a:r>
             <a:endParaRPr lang="en-US" sz="3600" dirty="0">
               <a:latin typeface="Times New Roman" panose="02020603050405020304" pitchFamily="18" charset="0"/>
@@ -13813,8 +15207,8 @@
           </a:p>
         </p:txBody>
       </p:sp>
-      <mc:AlternateContent xmlns:mc="http://schemas.openxmlformats.org/markup-compatibility/2006" xmlns:a14="http://schemas.microsoft.com/office/drawing/2010/main">
-        <mc:Choice Requires="a14">
+      <mc:AlternateContent xmlns:mc="http://schemas.openxmlformats.org/markup-compatibility/2006">
+        <mc:Choice xmlns:a14="http://schemas.microsoft.com/office/drawing/2010/main" Requires="a14">
           <p:sp>
             <p:nvSpPr>
               <p:cNvPr id="3" name="Content Placeholder 2"/>
@@ -13836,43 +15230,6 @@
                 <a:normAutofit/>
               </a:bodyPr>
               <a:lstStyle/>
-              <a:p>
-                <a:r>
-                  <a:rPr lang="en-US" sz="2400" dirty="0">
-                    <a:cs typeface="Times New Roman" panose="02020603050405020304" pitchFamily="18" charset="0"/>
-                  </a:rPr>
-                  <a:t>Consider</a:t>
-                </a:r>
-                <a:r>
-                  <a:rPr lang="en-US" sz="2400" b="1" dirty="0">
-                    <a:cs typeface="Times New Roman" panose="02020603050405020304" pitchFamily="18" charset="0"/>
-                  </a:rPr>
-                  <a:t> </a:t>
-                </a:r>
-                <a:r>
-                  <a:rPr lang="en-US" sz="2400" b="1" u="sng" dirty="0">
-                    <a:solidFill>
-                      <a:schemeClr val="accent2">
-                        <a:lumMod val="75000"/>
-                      </a:schemeClr>
-                    </a:solidFill>
-                    <a:cs typeface="Times New Roman" panose="02020603050405020304" pitchFamily="18" charset="0"/>
-                  </a:rPr>
-                  <a:t>blood type</a:t>
-                </a:r>
-                <a:r>
-                  <a:rPr lang="en-US" sz="2400" b="1" dirty="0">
-                    <a:cs typeface="Times New Roman" panose="02020603050405020304" pitchFamily="18" charset="0"/>
-                  </a:rPr>
-                  <a:t> </a:t>
-                </a:r>
-                <a:r>
-                  <a:rPr lang="en-US" sz="2400" dirty="0">
-                    <a:cs typeface="Times New Roman" panose="02020603050405020304" pitchFamily="18" charset="0"/>
-                  </a:rPr>
-                  <a:t>as a potential IV for waiting time</a:t>
-                </a:r>
-              </a:p>
               <a:p>
                 <a:r>
                   <a:rPr lang="en-US" sz="2400" dirty="0">
@@ -13982,7 +15339,7 @@
             </p:txBody>
           </p:sp>
         </mc:Choice>
-        <mc:Fallback xmlns="">
+        <mc:Fallback>
           <p:sp>
             <p:nvSpPr>
               <p:cNvPr id="3" name="Content Placeholder 2"/>
@@ -14063,7 +15420,7 @@
 </p:sld>
 </file>
 
-<file path=ppt/slides/slide27.xml><?xml version="1.0" encoding="utf-8"?>
+<file path=ppt/slides/slide29.xml><?xml version="1.0" encoding="utf-8"?>
 <p:sld xmlns:a="http://schemas.openxmlformats.org/drawingml/2006/main" xmlns:r="http://schemas.openxmlformats.org/officeDocument/2006/relationships" xmlns:p="http://schemas.openxmlformats.org/presentationml/2006/main">
   <p:cSld>
     <p:spTree>
@@ -14151,7 +15508,302 @@
 </p:sld>
 </file>
 
-<file path=ppt/slides/slide28.xml><?xml version="1.0" encoding="utf-8"?>
+<file path=ppt/slides/slide3.xml><?xml version="1.0" encoding="utf-8"?>
+<p:sld xmlns:a="http://schemas.openxmlformats.org/drawingml/2006/main" xmlns:r="http://schemas.openxmlformats.org/officeDocument/2006/relationships" xmlns:p="http://schemas.openxmlformats.org/presentationml/2006/main">
+  <p:cSld>
+    <p:spTree>
+      <p:nvGrpSpPr>
+        <p:cNvPr id="1" name=""/>
+        <p:cNvGrpSpPr/>
+        <p:nvPr/>
+      </p:nvGrpSpPr>
+      <p:grpSpPr>
+        <a:xfrm>
+          <a:off x="0" y="0"/>
+          <a:ext cx="0" cy="0"/>
+          <a:chOff x="0" y="0"/>
+          <a:chExt cx="0" cy="0"/>
+        </a:xfrm>
+      </p:grpSpPr>
+      <p:sp>
+        <p:nvSpPr>
+          <p:cNvPr id="2" name="Title 1"/>
+          <p:cNvSpPr>
+            <a:spLocks noGrp="1"/>
+          </p:cNvSpPr>
+          <p:nvPr>
+            <p:ph type="title"/>
+          </p:nvPr>
+        </p:nvSpPr>
+        <p:spPr>
+          <a:xfrm>
+            <a:off x="609600" y="337392"/>
+            <a:ext cx="10439400" cy="624840"/>
+          </a:xfrm>
+        </p:spPr>
+        <p:txBody>
+          <a:bodyPr>
+            <a:noAutofit/>
+          </a:bodyPr>
+          <a:lstStyle/>
+          <a:p>
+            <a:r>
+              <a:rPr lang="en-US" sz="3600" dirty="0">
+                <a:cs typeface="Times New Roman" panose="02020603050405020304" pitchFamily="18" charset="0"/>
+              </a:rPr>
+              <a:t>Causal Inference: From Back Doors to Front</a:t>
+            </a:r>
+            <a:endParaRPr lang="en-US" sz="3600" dirty="0">
+              <a:latin typeface="Times New Roman" panose="02020603050405020304" pitchFamily="18" charset="0"/>
+              <a:cs typeface="Times New Roman" panose="02020603050405020304" pitchFamily="18" charset="0"/>
+            </a:endParaRPr>
+          </a:p>
+        </p:txBody>
+      </p:sp>
+      <mc:AlternateContent xmlns:mc="http://schemas.openxmlformats.org/markup-compatibility/2006" xmlns:a14="http://schemas.microsoft.com/office/drawing/2010/main">
+        <mc:Choice Requires="a14">
+          <p:sp>
+            <p:nvSpPr>
+              <p:cNvPr id="3" name="Content Placeholder 2"/>
+              <p:cNvSpPr>
+                <a:spLocks noGrp="1"/>
+              </p:cNvSpPr>
+              <p:nvPr>
+                <p:ph idx="1"/>
+              </p:nvPr>
+            </p:nvSpPr>
+            <p:spPr>
+              <a:xfrm>
+                <a:off x="1219199" y="1066801"/>
+                <a:ext cx="9829801" cy="5141388"/>
+              </a:xfrm>
+            </p:spPr>
+            <p:txBody>
+              <a:bodyPr>
+                <a:noAutofit/>
+              </a:bodyPr>
+              <a:lstStyle/>
+              <a:p>
+                <a:r>
+                  <a:rPr lang="en-US" sz="2400" dirty="0">
+                    <a:cs typeface="Times New Roman" panose="02020603050405020304" pitchFamily="18" charset="0"/>
+                  </a:rPr>
+                  <a:t>We can also</a:t>
+                </a:r>
+                <a:r>
+                  <a:rPr lang="en-US" sz="2400" dirty="0">
+                    <a:solidFill>
+                      <a:schemeClr val="accent2">
+                        <a:lumMod val="75000"/>
+                      </a:schemeClr>
+                    </a:solidFill>
+                    <a:cs typeface="Times New Roman" panose="02020603050405020304" pitchFamily="18" charset="0"/>
+                  </a:rPr>
+                  <a:t> </a:t>
+                </a:r>
+                <a:r>
+                  <a:rPr lang="en-US" sz="2400" b="1" dirty="0">
+                    <a:solidFill>
+                      <a:schemeClr val="accent2">
+                        <a:lumMod val="75000"/>
+                      </a:schemeClr>
+                    </a:solidFill>
+                    <a:cs typeface="Times New Roman" panose="02020603050405020304" pitchFamily="18" charset="0"/>
+                  </a:rPr>
+                  <a:t>isolate variation </a:t>
+                </a:r>
+                <a:r>
+                  <a:rPr lang="en-US" sz="2400" dirty="0">
+                    <a:cs typeface="Times New Roman" panose="02020603050405020304" pitchFamily="18" charset="0"/>
+                  </a:rPr>
+                  <a:t>coming only through </a:t>
+                </a:r>
+                <a14:m>
+                  <m:oMath xmlns:m="http://schemas.openxmlformats.org/officeDocument/2006/math">
+                    <m:r>
+                      <a:rPr lang="en-US" sz="2400" b="0" i="1" smtClean="0">
+                        <a:latin typeface="Cambria Math" panose="02040503050406030204" pitchFamily="18" charset="0"/>
+                        <a:cs typeface="Times New Roman" panose="02020603050405020304" pitchFamily="18" charset="0"/>
+                      </a:rPr>
+                      <m:t>𝑋</m:t>
+                    </m:r>
+                  </m:oMath>
+                </a14:m>
+                <a:endParaRPr lang="en-US" sz="2400" dirty="0">
+                  <a:cs typeface="Times New Roman" panose="02020603050405020304" pitchFamily="18" charset="0"/>
+                </a:endParaRPr>
+              </a:p>
+              <a:p>
+                <a:r>
+                  <a:rPr lang="en-US" sz="2400" dirty="0">
+                    <a:cs typeface="Times New Roman" panose="02020603050405020304" pitchFamily="18" charset="0"/>
+                  </a:rPr>
+                  <a:t>This is called a</a:t>
+                </a:r>
+                <a:r>
+                  <a:rPr lang="en-US" sz="2400" dirty="0">
+                    <a:solidFill>
+                      <a:schemeClr val="accent2">
+                        <a:lumMod val="75000"/>
+                      </a:schemeClr>
+                    </a:solidFill>
+                    <a:cs typeface="Times New Roman" panose="02020603050405020304" pitchFamily="18" charset="0"/>
+                  </a:rPr>
+                  <a:t> </a:t>
+                </a:r>
+                <a:r>
+                  <a:rPr lang="en-US" sz="2400" b="1" dirty="0">
+                    <a:solidFill>
+                      <a:schemeClr val="accent2">
+                        <a:lumMod val="75000"/>
+                      </a:schemeClr>
+                    </a:solidFill>
+                    <a:cs typeface="Times New Roman" panose="02020603050405020304" pitchFamily="18" charset="0"/>
+                  </a:rPr>
+                  <a:t>front door approach</a:t>
+                </a:r>
+                <a:r>
+                  <a:rPr lang="en-US" sz="2400" dirty="0">
+                    <a:cs typeface="Times New Roman" panose="02020603050405020304" pitchFamily="18" charset="0"/>
+                  </a:rPr>
+                  <a:t> – mimics an experiment</a:t>
+                </a:r>
+              </a:p>
+              <a:p>
+                <a:endParaRPr lang="en-US" sz="2400" b="1" dirty="0">
+                  <a:cs typeface="Times New Roman" panose="02020603050405020304" pitchFamily="18" charset="0"/>
+                </a:endParaRPr>
+              </a:p>
+              <a:p>
+                <a:endParaRPr lang="en-US" sz="2400" b="1" dirty="0">
+                  <a:cs typeface="Times New Roman" panose="02020603050405020304" pitchFamily="18" charset="0"/>
+                </a:endParaRPr>
+              </a:p>
+              <a:p>
+                <a:endParaRPr lang="en-US" sz="2400" b="1" dirty="0">
+                  <a:cs typeface="Times New Roman" panose="02020603050405020304" pitchFamily="18" charset="0"/>
+                </a:endParaRPr>
+              </a:p>
+              <a:p>
+                <a:endParaRPr lang="en-US" sz="2400" b="1" dirty="0">
+                  <a:cs typeface="Times New Roman" panose="02020603050405020304" pitchFamily="18" charset="0"/>
+                </a:endParaRPr>
+              </a:p>
+              <a:p>
+                <a:endParaRPr lang="en-US" sz="2400" b="1" dirty="0">
+                  <a:cs typeface="Times New Roman" panose="02020603050405020304" pitchFamily="18" charset="0"/>
+                </a:endParaRPr>
+              </a:p>
+              <a:p>
+                <a:pPr marL="0" indent="0">
+                  <a:buNone/>
+                </a:pPr>
+                <a:endParaRPr lang="en-US" sz="2400" b="1" dirty="0">
+                  <a:cs typeface="Times New Roman" panose="02020603050405020304" pitchFamily="18" charset="0"/>
+                </a:endParaRPr>
+              </a:p>
+            </p:txBody>
+          </p:sp>
+        </mc:Choice>
+        <mc:Fallback xmlns="">
+          <p:sp>
+            <p:nvSpPr>
+              <p:cNvPr id="3" name="Content Placeholder 2"/>
+              <p:cNvSpPr>
+                <a:spLocks noGrp="1" noRot="1" noChangeAspect="1" noMove="1" noResize="1" noEditPoints="1" noAdjustHandles="1" noChangeArrowheads="1" noChangeShapeType="1" noTextEdit="1"/>
+              </p:cNvSpPr>
+              <p:nvPr>
+                <p:ph idx="1"/>
+              </p:nvPr>
+            </p:nvSpPr>
+            <p:spPr>
+              <a:xfrm>
+                <a:off x="1219199" y="1066801"/>
+                <a:ext cx="9829801" cy="5141388"/>
+              </a:xfrm>
+              <a:blipFill>
+                <a:blip r:embed="rId3"/>
+                <a:stretch>
+                  <a:fillRect l="-434" t="-1305"/>
+                </a:stretch>
+              </a:blipFill>
+            </p:spPr>
+            <p:txBody>
+              <a:bodyPr/>
+              <a:lstStyle/>
+              <a:p>
+                <a:r>
+                  <a:rPr lang="en-US">
+                    <a:noFill/>
+                  </a:rPr>
+                  <a:t> </a:t>
+                </a:r>
+              </a:p>
+            </p:txBody>
+          </p:sp>
+        </mc:Fallback>
+      </mc:AlternateContent>
+      <p:pic>
+        <p:nvPicPr>
+          <p:cNvPr id="10242" name="Picture 2">
+            <a:extLst>
+              <a:ext uri="{FF2B5EF4-FFF2-40B4-BE49-F238E27FC236}">
+                <a16:creationId xmlns:a16="http://schemas.microsoft.com/office/drawing/2014/main" id="{A9721058-34E7-2CAC-064A-72A9E7CB99AE}"/>
+              </a:ext>
+            </a:extLst>
+          </p:cNvPr>
+          <p:cNvPicPr>
+            <a:picLocks noChangeAspect="1" noChangeArrowheads="1"/>
+          </p:cNvPicPr>
+          <p:nvPr/>
+        </p:nvPicPr>
+        <p:blipFill>
+          <a:blip r:embed="rId4">
+            <a:extLst>
+              <a:ext uri="{28A0092B-C50C-407E-A947-70E740481C1C}">
+                <a14:useLocalDpi xmlns:a14="http://schemas.microsoft.com/office/drawing/2010/main" val="0"/>
+              </a:ext>
+            </a:extLst>
+          </a:blip>
+          <a:srcRect/>
+          <a:stretch>
+            <a:fillRect/>
+          </a:stretch>
+        </p:blipFill>
+        <p:spPr bwMode="auto">
+          <a:xfrm>
+            <a:off x="2438400" y="2335530"/>
+            <a:ext cx="7315200" cy="3150870"/>
+          </a:xfrm>
+          <a:prstGeom prst="rect">
+            <a:avLst/>
+          </a:prstGeom>
+          <a:noFill/>
+          <a:extLst>
+            <a:ext uri="{909E8E84-426E-40DD-AFC4-6F175D3DCCD1}">
+              <a14:hiddenFill xmlns:a14="http://schemas.microsoft.com/office/drawing/2010/main">
+                <a:solidFill>
+                  <a:srgbClr val="FFFFFF"/>
+                </a:solidFill>
+              </a14:hiddenFill>
+            </a:ext>
+          </a:extLst>
+        </p:spPr>
+      </p:pic>
+    </p:spTree>
+    <p:extLst>
+      <p:ext uri="{BB962C8B-B14F-4D97-AF65-F5344CB8AC3E}">
+        <p14:creationId xmlns:p14="http://schemas.microsoft.com/office/powerpoint/2010/main" val="2219273790"/>
+      </p:ext>
+    </p:extLst>
+  </p:cSld>
+  <p:clrMapOvr>
+    <a:masterClrMapping/>
+  </p:clrMapOvr>
+</p:sld>
+</file>
+
+<file path=ppt/slides/slide30.xml><?xml version="1.0" encoding="utf-8"?>
 <p:sld xmlns:a="http://schemas.openxmlformats.org/drawingml/2006/main" xmlns:r="http://schemas.openxmlformats.org/officeDocument/2006/relationships" xmlns:p="http://schemas.openxmlformats.org/presentationml/2006/main">
   <p:cSld>
     <p:spTree>
@@ -14556,7 +16208,7 @@
 </p:sld>
 </file>
 
-<file path=ppt/slides/slide29.xml><?xml version="1.0" encoding="utf-8"?>
+<file path=ppt/slides/slide31.xml><?xml version="1.0" encoding="utf-8"?>
 <p:sld xmlns:a="http://schemas.openxmlformats.org/drawingml/2006/main" xmlns:r="http://schemas.openxmlformats.org/officeDocument/2006/relationships" xmlns:p="http://schemas.openxmlformats.org/presentationml/2006/main">
   <p:cSld>
     <p:spTree>
@@ -15537,302 +17189,7 @@
 </p:sld>
 </file>
 
-<file path=ppt/slides/slide3.xml><?xml version="1.0" encoding="utf-8"?>
-<p:sld xmlns:a="http://schemas.openxmlformats.org/drawingml/2006/main" xmlns:r="http://schemas.openxmlformats.org/officeDocument/2006/relationships" xmlns:p="http://schemas.openxmlformats.org/presentationml/2006/main">
-  <p:cSld>
-    <p:spTree>
-      <p:nvGrpSpPr>
-        <p:cNvPr id="1" name=""/>
-        <p:cNvGrpSpPr/>
-        <p:nvPr/>
-      </p:nvGrpSpPr>
-      <p:grpSpPr>
-        <a:xfrm>
-          <a:off x="0" y="0"/>
-          <a:ext cx="0" cy="0"/>
-          <a:chOff x="0" y="0"/>
-          <a:chExt cx="0" cy="0"/>
-        </a:xfrm>
-      </p:grpSpPr>
-      <p:sp>
-        <p:nvSpPr>
-          <p:cNvPr id="2" name="Title 1"/>
-          <p:cNvSpPr>
-            <a:spLocks noGrp="1"/>
-          </p:cNvSpPr>
-          <p:nvPr>
-            <p:ph type="title"/>
-          </p:nvPr>
-        </p:nvSpPr>
-        <p:spPr>
-          <a:xfrm>
-            <a:off x="609600" y="337392"/>
-            <a:ext cx="10439400" cy="624840"/>
-          </a:xfrm>
-        </p:spPr>
-        <p:txBody>
-          <a:bodyPr>
-            <a:noAutofit/>
-          </a:bodyPr>
-          <a:lstStyle/>
-          <a:p>
-            <a:r>
-              <a:rPr lang="en-US" sz="3600" dirty="0">
-                <a:cs typeface="Times New Roman" panose="02020603050405020304" pitchFamily="18" charset="0"/>
-              </a:rPr>
-              <a:t>Causal Inference: From Back Doors to Front</a:t>
-            </a:r>
-            <a:endParaRPr lang="en-US" sz="3600" dirty="0">
-              <a:latin typeface="Times New Roman" panose="02020603050405020304" pitchFamily="18" charset="0"/>
-              <a:cs typeface="Times New Roman" panose="02020603050405020304" pitchFamily="18" charset="0"/>
-            </a:endParaRPr>
-          </a:p>
-        </p:txBody>
-      </p:sp>
-      <mc:AlternateContent xmlns:mc="http://schemas.openxmlformats.org/markup-compatibility/2006" xmlns:a14="http://schemas.microsoft.com/office/drawing/2010/main">
-        <mc:Choice Requires="a14">
-          <p:sp>
-            <p:nvSpPr>
-              <p:cNvPr id="3" name="Content Placeholder 2"/>
-              <p:cNvSpPr>
-                <a:spLocks noGrp="1"/>
-              </p:cNvSpPr>
-              <p:nvPr>
-                <p:ph idx="1"/>
-              </p:nvPr>
-            </p:nvSpPr>
-            <p:spPr>
-              <a:xfrm>
-                <a:off x="1219199" y="1066801"/>
-                <a:ext cx="9829801" cy="5141388"/>
-              </a:xfrm>
-            </p:spPr>
-            <p:txBody>
-              <a:bodyPr>
-                <a:noAutofit/>
-              </a:bodyPr>
-              <a:lstStyle/>
-              <a:p>
-                <a:r>
-                  <a:rPr lang="en-US" sz="2400" dirty="0">
-                    <a:cs typeface="Times New Roman" panose="02020603050405020304" pitchFamily="18" charset="0"/>
-                  </a:rPr>
-                  <a:t>We can also</a:t>
-                </a:r>
-                <a:r>
-                  <a:rPr lang="en-US" sz="2400" dirty="0">
-                    <a:solidFill>
-                      <a:schemeClr val="accent2">
-                        <a:lumMod val="75000"/>
-                      </a:schemeClr>
-                    </a:solidFill>
-                    <a:cs typeface="Times New Roman" panose="02020603050405020304" pitchFamily="18" charset="0"/>
-                  </a:rPr>
-                  <a:t> </a:t>
-                </a:r>
-                <a:r>
-                  <a:rPr lang="en-US" sz="2400" b="1" dirty="0">
-                    <a:solidFill>
-                      <a:schemeClr val="accent2">
-                        <a:lumMod val="75000"/>
-                      </a:schemeClr>
-                    </a:solidFill>
-                    <a:cs typeface="Times New Roman" panose="02020603050405020304" pitchFamily="18" charset="0"/>
-                  </a:rPr>
-                  <a:t>isolate variation </a:t>
-                </a:r>
-                <a:r>
-                  <a:rPr lang="en-US" sz="2400" dirty="0">
-                    <a:cs typeface="Times New Roman" panose="02020603050405020304" pitchFamily="18" charset="0"/>
-                  </a:rPr>
-                  <a:t>coming only through </a:t>
-                </a:r>
-                <a14:m>
-                  <m:oMath xmlns:m="http://schemas.openxmlformats.org/officeDocument/2006/math">
-                    <m:r>
-                      <a:rPr lang="en-US" sz="2400" b="0" i="1" smtClean="0">
-                        <a:latin typeface="Cambria Math" panose="02040503050406030204" pitchFamily="18" charset="0"/>
-                        <a:cs typeface="Times New Roman" panose="02020603050405020304" pitchFamily="18" charset="0"/>
-                      </a:rPr>
-                      <m:t>𝑋</m:t>
-                    </m:r>
-                  </m:oMath>
-                </a14:m>
-                <a:endParaRPr lang="en-US" sz="2400" dirty="0">
-                  <a:cs typeface="Times New Roman" panose="02020603050405020304" pitchFamily="18" charset="0"/>
-                </a:endParaRPr>
-              </a:p>
-              <a:p>
-                <a:r>
-                  <a:rPr lang="en-US" sz="2400" dirty="0">
-                    <a:cs typeface="Times New Roman" panose="02020603050405020304" pitchFamily="18" charset="0"/>
-                  </a:rPr>
-                  <a:t>This is called a</a:t>
-                </a:r>
-                <a:r>
-                  <a:rPr lang="en-US" sz="2400" dirty="0">
-                    <a:solidFill>
-                      <a:schemeClr val="accent2">
-                        <a:lumMod val="75000"/>
-                      </a:schemeClr>
-                    </a:solidFill>
-                    <a:cs typeface="Times New Roman" panose="02020603050405020304" pitchFamily="18" charset="0"/>
-                  </a:rPr>
-                  <a:t> </a:t>
-                </a:r>
-                <a:r>
-                  <a:rPr lang="en-US" sz="2400" b="1" dirty="0">
-                    <a:solidFill>
-                      <a:schemeClr val="accent2">
-                        <a:lumMod val="75000"/>
-                      </a:schemeClr>
-                    </a:solidFill>
-                    <a:cs typeface="Times New Roman" panose="02020603050405020304" pitchFamily="18" charset="0"/>
-                  </a:rPr>
-                  <a:t>front door approach</a:t>
-                </a:r>
-                <a:r>
-                  <a:rPr lang="en-US" sz="2400" dirty="0">
-                    <a:cs typeface="Times New Roman" panose="02020603050405020304" pitchFamily="18" charset="0"/>
-                  </a:rPr>
-                  <a:t> – mimics an experiment</a:t>
-                </a:r>
-              </a:p>
-              <a:p>
-                <a:endParaRPr lang="en-US" sz="2400" b="1" dirty="0">
-                  <a:cs typeface="Times New Roman" panose="02020603050405020304" pitchFamily="18" charset="0"/>
-                </a:endParaRPr>
-              </a:p>
-              <a:p>
-                <a:endParaRPr lang="en-US" sz="2400" b="1" dirty="0">
-                  <a:cs typeface="Times New Roman" panose="02020603050405020304" pitchFamily="18" charset="0"/>
-                </a:endParaRPr>
-              </a:p>
-              <a:p>
-                <a:endParaRPr lang="en-US" sz="2400" b="1" dirty="0">
-                  <a:cs typeface="Times New Roman" panose="02020603050405020304" pitchFamily="18" charset="0"/>
-                </a:endParaRPr>
-              </a:p>
-              <a:p>
-                <a:endParaRPr lang="en-US" sz="2400" b="1" dirty="0">
-                  <a:cs typeface="Times New Roman" panose="02020603050405020304" pitchFamily="18" charset="0"/>
-                </a:endParaRPr>
-              </a:p>
-              <a:p>
-                <a:endParaRPr lang="en-US" sz="2400" b="1" dirty="0">
-                  <a:cs typeface="Times New Roman" panose="02020603050405020304" pitchFamily="18" charset="0"/>
-                </a:endParaRPr>
-              </a:p>
-              <a:p>
-                <a:pPr marL="0" indent="0">
-                  <a:buNone/>
-                </a:pPr>
-                <a:endParaRPr lang="en-US" sz="2400" b="1" dirty="0">
-                  <a:cs typeface="Times New Roman" panose="02020603050405020304" pitchFamily="18" charset="0"/>
-                </a:endParaRPr>
-              </a:p>
-            </p:txBody>
-          </p:sp>
-        </mc:Choice>
-        <mc:Fallback xmlns="">
-          <p:sp>
-            <p:nvSpPr>
-              <p:cNvPr id="3" name="Content Placeholder 2"/>
-              <p:cNvSpPr>
-                <a:spLocks noGrp="1" noRot="1" noChangeAspect="1" noMove="1" noResize="1" noEditPoints="1" noAdjustHandles="1" noChangeArrowheads="1" noChangeShapeType="1" noTextEdit="1"/>
-              </p:cNvSpPr>
-              <p:nvPr>
-                <p:ph idx="1"/>
-              </p:nvPr>
-            </p:nvSpPr>
-            <p:spPr>
-              <a:xfrm>
-                <a:off x="1219199" y="1066801"/>
-                <a:ext cx="9829801" cy="5141388"/>
-              </a:xfrm>
-              <a:blipFill>
-                <a:blip r:embed="rId2"/>
-                <a:stretch>
-                  <a:fillRect l="-434" t="-1305"/>
-                </a:stretch>
-              </a:blipFill>
-            </p:spPr>
-            <p:txBody>
-              <a:bodyPr/>
-              <a:lstStyle/>
-              <a:p>
-                <a:r>
-                  <a:rPr lang="en-US">
-                    <a:noFill/>
-                  </a:rPr>
-                  <a:t> </a:t>
-                </a:r>
-              </a:p>
-            </p:txBody>
-          </p:sp>
-        </mc:Fallback>
-      </mc:AlternateContent>
-      <p:pic>
-        <p:nvPicPr>
-          <p:cNvPr id="10242" name="Picture 2">
-            <a:extLst>
-              <a:ext uri="{FF2B5EF4-FFF2-40B4-BE49-F238E27FC236}">
-                <a16:creationId xmlns:a16="http://schemas.microsoft.com/office/drawing/2014/main" id="{A9721058-34E7-2CAC-064A-72A9E7CB99AE}"/>
-              </a:ext>
-            </a:extLst>
-          </p:cNvPr>
-          <p:cNvPicPr>
-            <a:picLocks noChangeAspect="1" noChangeArrowheads="1"/>
-          </p:cNvPicPr>
-          <p:nvPr/>
-        </p:nvPicPr>
-        <p:blipFill>
-          <a:blip r:embed="rId3">
-            <a:extLst>
-              <a:ext uri="{28A0092B-C50C-407E-A947-70E740481C1C}">
-                <a14:useLocalDpi xmlns:a14="http://schemas.microsoft.com/office/drawing/2010/main" val="0"/>
-              </a:ext>
-            </a:extLst>
-          </a:blip>
-          <a:srcRect/>
-          <a:stretch>
-            <a:fillRect/>
-          </a:stretch>
-        </p:blipFill>
-        <p:spPr bwMode="auto">
-          <a:xfrm>
-            <a:off x="2438400" y="2335530"/>
-            <a:ext cx="7315200" cy="3150870"/>
-          </a:xfrm>
-          <a:prstGeom prst="rect">
-            <a:avLst/>
-          </a:prstGeom>
-          <a:noFill/>
-          <a:extLst>
-            <a:ext uri="{909E8E84-426E-40DD-AFC4-6F175D3DCCD1}">
-              <a14:hiddenFill xmlns:a14="http://schemas.microsoft.com/office/drawing/2010/main">
-                <a:solidFill>
-                  <a:srgbClr val="FFFFFF"/>
-                </a:solidFill>
-              </a14:hiddenFill>
-            </a:ext>
-          </a:extLst>
-        </p:spPr>
-      </p:pic>
-    </p:spTree>
-    <p:extLst>
-      <p:ext uri="{BB962C8B-B14F-4D97-AF65-F5344CB8AC3E}">
-        <p14:creationId xmlns:p14="http://schemas.microsoft.com/office/powerpoint/2010/main" val="2219273790"/>
-      </p:ext>
-    </p:extLst>
-  </p:cSld>
-  <p:clrMapOvr>
-    <a:masterClrMapping/>
-  </p:clrMapOvr>
-</p:sld>
-</file>
-
-<file path=ppt/slides/slide30.xml><?xml version="1.0" encoding="utf-8"?>
+<file path=ppt/slides/slide32.xml><?xml version="1.0" encoding="utf-8"?>
 <p:sld xmlns:a="http://schemas.openxmlformats.org/drawingml/2006/main" xmlns:r="http://schemas.openxmlformats.org/officeDocument/2006/relationships" xmlns:p="http://schemas.openxmlformats.org/presentationml/2006/main">
   <p:cSld>
     <p:spTree>
@@ -16214,7 +17571,7 @@
 </p:sld>
 </file>
 
-<file path=ppt/slides/slide31.xml><?xml version="1.0" encoding="utf-8"?>
+<file path=ppt/slides/slide33.xml><?xml version="1.0" encoding="utf-8"?>
 <p:sld xmlns:a="http://schemas.openxmlformats.org/drawingml/2006/main" xmlns:r="http://schemas.openxmlformats.org/officeDocument/2006/relationships" xmlns:p="http://schemas.openxmlformats.org/presentationml/2006/main">
   <p:cSld>
     <p:spTree>
@@ -16572,10 +17929,10 @@
       </mc:AlternateContent>
       <p:pic>
         <p:nvPicPr>
-          <p:cNvPr id="6" name="Picture 5">
+          <p:cNvPr id="4" name="Picture 3">
             <a:extLst>
               <a:ext uri="{FF2B5EF4-FFF2-40B4-BE49-F238E27FC236}">
-                <a16:creationId xmlns:a16="http://schemas.microsoft.com/office/drawing/2014/main" id="{527CA4C2-23D8-50E8-84E5-856B6C1D82A2}"/>
+                <a16:creationId xmlns:a16="http://schemas.microsoft.com/office/drawing/2014/main" id="{B6A55D7D-8ADC-E35E-5B02-C5C7E5B7C431}"/>
               </a:ext>
             </a:extLst>
           </p:cNvPr>
@@ -16612,7 +17969,7 @@
 </p:sld>
 </file>
 
-<file path=ppt/slides/slide32.xml><?xml version="1.0" encoding="utf-8"?>
+<file path=ppt/slides/slide34.xml><?xml version="1.0" encoding="utf-8"?>
 <p:sld xmlns:a="http://schemas.openxmlformats.org/drawingml/2006/main" xmlns:r="http://schemas.openxmlformats.org/officeDocument/2006/relationships" xmlns:p="http://schemas.openxmlformats.org/presentationml/2006/main">
   <p:cSld>
     <p:spTree>
@@ -17026,7 +18383,7 @@
 </p:sld>
 </file>
 
-<file path=ppt/slides/slide33.xml><?xml version="1.0" encoding="utf-8"?>
+<file path=ppt/slides/slide35.xml><?xml version="1.0" encoding="utf-8"?>
 <p:sld xmlns:a="http://schemas.openxmlformats.org/drawingml/2006/main" xmlns:r="http://schemas.openxmlformats.org/officeDocument/2006/relationships" xmlns:p="http://schemas.openxmlformats.org/presentationml/2006/main">
   <p:cSld>
     <p:spTree>
@@ -17118,7 +18475,7 @@
 </p:sld>
 </file>
 
-<file path=ppt/slides/slide34.xml><?xml version="1.0" encoding="utf-8"?>
+<file path=ppt/slides/slide36.xml><?xml version="1.0" encoding="utf-8"?>
 <p:sld xmlns:a="http://schemas.openxmlformats.org/drawingml/2006/main" xmlns:r="http://schemas.openxmlformats.org/officeDocument/2006/relationships" xmlns:p="http://schemas.openxmlformats.org/presentationml/2006/main">
   <p:cSld>
     <p:spTree>
@@ -17240,7 +18597,7 @@
 </p:sld>
 </file>
 
-<file path=ppt/slides/slide35.xml><?xml version="1.0" encoding="utf-8"?>
+<file path=ppt/slides/slide37.xml><?xml version="1.0" encoding="utf-8"?>
 <p:sld xmlns:a="http://schemas.openxmlformats.org/drawingml/2006/main" xmlns:r="http://schemas.openxmlformats.org/officeDocument/2006/relationships" xmlns:p="http://schemas.openxmlformats.org/presentationml/2006/main">
   <p:cSld>
     <p:spTree>
@@ -17332,7 +18689,7 @@
 </p:sld>
 </file>
 
-<file path=ppt/slides/slide36.xml><?xml version="1.0" encoding="utf-8"?>
+<file path=ppt/slides/slide38.xml><?xml version="1.0" encoding="utf-8"?>
 <p:sld xmlns:a="http://schemas.openxmlformats.org/drawingml/2006/main" xmlns:r="http://schemas.openxmlformats.org/officeDocument/2006/relationships" xmlns:p="http://schemas.openxmlformats.org/presentationml/2006/main">
   <p:cSld>
     <p:spTree>
@@ -17424,7 +18781,7 @@
 </p:sld>
 </file>
 
-<file path=ppt/slides/slide37.xml><?xml version="1.0" encoding="utf-8"?>
+<file path=ppt/slides/slide39.xml><?xml version="1.0" encoding="utf-8"?>
 <p:sld xmlns:a="http://schemas.openxmlformats.org/drawingml/2006/main" xmlns:r="http://schemas.openxmlformats.org/officeDocument/2006/relationships" xmlns:p="http://schemas.openxmlformats.org/presentationml/2006/main">
   <p:cSld>
     <p:spTree>
@@ -17516,7 +18873,119 @@
 </p:sld>
 </file>
 
-<file path=ppt/slides/slide38.xml><?xml version="1.0" encoding="utf-8"?>
+<file path=ppt/slides/slide4.xml><?xml version="1.0" encoding="utf-8"?>
+<p:sld xmlns:a="http://schemas.openxmlformats.org/drawingml/2006/main" xmlns:r="http://schemas.openxmlformats.org/officeDocument/2006/relationships" xmlns:p="http://schemas.openxmlformats.org/presentationml/2006/main">
+  <p:cSld>
+    <p:spTree>
+      <p:nvGrpSpPr>
+        <p:cNvPr id="1" name=""/>
+        <p:cNvGrpSpPr/>
+        <p:nvPr/>
+      </p:nvGrpSpPr>
+      <p:grpSpPr>
+        <a:xfrm>
+          <a:off x="0" y="0"/>
+          <a:ext cx="0" cy="0"/>
+          <a:chOff x="0" y="0"/>
+          <a:chExt cx="0" cy="0"/>
+        </a:xfrm>
+      </p:grpSpPr>
+      <p:sp>
+        <p:nvSpPr>
+          <p:cNvPr id="2" name="Title 1"/>
+          <p:cNvSpPr>
+            <a:spLocks noGrp="1"/>
+          </p:cNvSpPr>
+          <p:nvPr>
+            <p:ph type="title"/>
+          </p:nvPr>
+        </p:nvSpPr>
+        <p:spPr>
+          <a:xfrm>
+            <a:off x="609600" y="337392"/>
+            <a:ext cx="10439400" cy="624840"/>
+          </a:xfrm>
+        </p:spPr>
+        <p:txBody>
+          <a:bodyPr>
+            <a:noAutofit/>
+          </a:bodyPr>
+          <a:lstStyle/>
+          <a:p>
+            <a:r>
+              <a:rPr lang="en-US" sz="3600" dirty="0">
+                <a:cs typeface="Times New Roman" panose="02020603050405020304" pitchFamily="18" charset="0"/>
+              </a:rPr>
+              <a:t>Open up the (Right) Gates!</a:t>
+            </a:r>
+            <a:endParaRPr lang="en-US" sz="3600" dirty="0">
+              <a:latin typeface="Times New Roman" panose="02020603050405020304" pitchFamily="18" charset="0"/>
+              <a:cs typeface="Times New Roman" panose="02020603050405020304" pitchFamily="18" charset="0"/>
+            </a:endParaRPr>
+          </a:p>
+        </p:txBody>
+      </p:sp>
+      <p:pic>
+        <p:nvPicPr>
+          <p:cNvPr id="1026" name="Picture 2">
+            <a:extLst>
+              <a:ext uri="{FF2B5EF4-FFF2-40B4-BE49-F238E27FC236}">
+                <a16:creationId xmlns:a16="http://schemas.microsoft.com/office/drawing/2014/main" id="{F08185DA-48EE-9634-6C1F-C3A8EA600A84}"/>
+              </a:ext>
+            </a:extLst>
+          </p:cNvPr>
+          <p:cNvPicPr>
+            <a:picLocks noGrp="1" noChangeAspect="1" noChangeArrowheads="1"/>
+          </p:cNvPicPr>
+          <p:nvPr>
+            <p:ph idx="1"/>
+          </p:nvPr>
+        </p:nvPicPr>
+        <p:blipFill rotWithShape="1">
+          <a:blip r:embed="rId3">
+            <a:extLst>
+              <a:ext uri="{28A0092B-C50C-407E-A947-70E740481C1C}">
+                <a14:useLocalDpi xmlns:a14="http://schemas.microsoft.com/office/drawing/2010/main" val="0"/>
+              </a:ext>
+            </a:extLst>
+          </a:blip>
+          <a:srcRect t="7664"/>
+          <a:stretch/>
+        </p:blipFill>
+        <p:spPr bwMode="auto">
+          <a:xfrm>
+            <a:off x="2857500" y="1007690"/>
+            <a:ext cx="6515100" cy="6412840"/>
+          </a:xfrm>
+          <a:prstGeom prst="rect">
+            <a:avLst/>
+          </a:prstGeom>
+          <a:noFill/>
+          <a:extLst>
+            <a:ext uri="{909E8E84-426E-40DD-AFC4-6F175D3DCCD1}">
+              <a14:hiddenFill xmlns:a14="http://schemas.microsoft.com/office/drawing/2010/main">
+                <a:solidFill>
+                  <a:srgbClr val="FFFFFF"/>
+                </a:solidFill>
+              </a14:hiddenFill>
+            </a:ext>
+          </a:extLst>
+        </p:spPr>
+      </p:pic>
+    </p:spTree>
+    <p:extLst>
+      <p:ext uri="{BB962C8B-B14F-4D97-AF65-F5344CB8AC3E}">
+        <p14:creationId xmlns:p14="http://schemas.microsoft.com/office/powerpoint/2010/main" val="2492239669"/>
+      </p:ext>
+    </p:extLst>
+  </p:cSld>
+  <p:clrMapOvr>
+    <a:masterClrMapping/>
+  </p:clrMapOvr>
+</p:sld>
+</file>
+
+<file path=ppt/slides/slide40.xml><?xml version="1.0" encoding="utf-8"?>
 <p:sld xmlns:a="http://schemas.openxmlformats.org/drawingml/2006/main" xmlns:r="http://schemas.openxmlformats.org/officeDocument/2006/relationships" xmlns:p="http://schemas.openxmlformats.org/presentationml/2006/main">
   <p:cSld>
     <p:spTree>
@@ -17608,7 +19077,7 @@
 </p:sld>
 </file>
 
-<file path=ppt/slides/slide39.xml><?xml version="1.0" encoding="utf-8"?>
+<file path=ppt/slides/slide41.xml><?xml version="1.0" encoding="utf-8"?>
 <p:sld xmlns:a="http://schemas.openxmlformats.org/drawingml/2006/main" xmlns:r="http://schemas.openxmlformats.org/officeDocument/2006/relationships" xmlns:p="http://schemas.openxmlformats.org/presentationml/2006/main">
   <p:cSld>
     <p:spTree>
@@ -17700,95 +19169,7 @@
 </p:sld>
 </file>
 
-<file path=ppt/slides/slide4.xml><?xml version="1.0" encoding="utf-8"?>
-<p:sld xmlns:a="http://schemas.openxmlformats.org/drawingml/2006/main" xmlns:r="http://schemas.openxmlformats.org/officeDocument/2006/relationships" xmlns:p="http://schemas.openxmlformats.org/presentationml/2006/main">
-  <p:cSld>
-    <p:spTree>
-      <p:nvGrpSpPr>
-        <p:cNvPr id="1" name=""/>
-        <p:cNvGrpSpPr/>
-        <p:nvPr/>
-      </p:nvGrpSpPr>
-      <p:grpSpPr>
-        <a:xfrm>
-          <a:off x="0" y="0"/>
-          <a:ext cx="0" cy="0"/>
-          <a:chOff x="0" y="0"/>
-          <a:chExt cx="0" cy="0"/>
-        </a:xfrm>
-      </p:grpSpPr>
-      <p:sp>
-        <p:nvSpPr>
-          <p:cNvPr id="2" name="Title 1">
-            <a:extLst>
-              <a:ext uri="{FF2B5EF4-FFF2-40B4-BE49-F238E27FC236}">
-                <a16:creationId xmlns:a16="http://schemas.microsoft.com/office/drawing/2014/main" id="{F6693EDF-660D-4391-A114-A6C54268E445}"/>
-              </a:ext>
-            </a:extLst>
-          </p:cNvPr>
-          <p:cNvSpPr>
-            <a:spLocks noGrp="1"/>
-          </p:cNvSpPr>
-          <p:nvPr>
-            <p:ph type="ctrTitle"/>
-          </p:nvPr>
-        </p:nvSpPr>
-        <p:spPr>
-          <a:xfrm>
-            <a:off x="1261872" y="758952"/>
-            <a:ext cx="10549128" cy="4041648"/>
-          </a:xfrm>
-        </p:spPr>
-        <p:txBody>
-          <a:bodyPr/>
-          <a:lstStyle/>
-          <a:p>
-            <a:r>
-              <a:rPr lang="en-US" dirty="0"/>
-              <a:t>Endogeneity</a:t>
-            </a:r>
-          </a:p>
-        </p:txBody>
-      </p:sp>
-      <p:sp>
-        <p:nvSpPr>
-          <p:cNvPr id="3" name="Subtitle 2">
-            <a:extLst>
-              <a:ext uri="{FF2B5EF4-FFF2-40B4-BE49-F238E27FC236}">
-                <a16:creationId xmlns:a16="http://schemas.microsoft.com/office/drawing/2014/main" id="{9A7FADE3-4D7C-4B3A-B023-71CD85AECCCB}"/>
-              </a:ext>
-            </a:extLst>
-          </p:cNvPr>
-          <p:cNvSpPr>
-            <a:spLocks noGrp="1"/>
-          </p:cNvSpPr>
-          <p:nvPr>
-            <p:ph type="subTitle" idx="1"/>
-          </p:nvPr>
-        </p:nvSpPr>
-        <p:spPr/>
-        <p:txBody>
-          <a:bodyPr/>
-          <a:lstStyle/>
-          <a:p>
-            <a:endParaRPr lang="en-US"/>
-          </a:p>
-        </p:txBody>
-      </p:sp>
-    </p:spTree>
-    <p:extLst>
-      <p:ext uri="{BB962C8B-B14F-4D97-AF65-F5344CB8AC3E}">
-        <p14:creationId xmlns:p14="http://schemas.microsoft.com/office/powerpoint/2010/main" val="2953910715"/>
-      </p:ext>
-    </p:extLst>
-  </p:cSld>
-  <p:clrMapOvr>
-    <a:masterClrMapping/>
-  </p:clrMapOvr>
-</p:sld>
-</file>
-
-<file path=ppt/slides/slide40.xml><?xml version="1.0" encoding="utf-8"?>
+<file path=ppt/slides/slide42.xml><?xml version="1.0" encoding="utf-8"?>
 <p:sld xmlns:a="http://schemas.openxmlformats.org/drawingml/2006/main" xmlns:r="http://schemas.openxmlformats.org/officeDocument/2006/relationships" xmlns:p="http://schemas.openxmlformats.org/presentationml/2006/main">
   <p:cSld>
     <p:spTree>
@@ -17914,7 +19295,7 @@
 </p:sld>
 </file>
 
-<file path=ppt/slides/slide41.xml><?xml version="1.0" encoding="utf-8"?>
+<file path=ppt/slides/slide43.xml><?xml version="1.0" encoding="utf-8"?>
 <p:sld xmlns:a="http://schemas.openxmlformats.org/drawingml/2006/main" xmlns:r="http://schemas.openxmlformats.org/officeDocument/2006/relationships" xmlns:p="http://schemas.openxmlformats.org/presentationml/2006/main">
   <p:cSld>
     <p:spTree>
@@ -18413,7 +19794,7 @@
 </p:sld>
 </file>
 
-<file path=ppt/slides/slide42.xml><?xml version="1.0" encoding="utf-8"?>
+<file path=ppt/slides/slide44.xml><?xml version="1.0" encoding="utf-8"?>
 <p:sld xmlns:a="http://schemas.openxmlformats.org/drawingml/2006/main" xmlns:r="http://schemas.openxmlformats.org/officeDocument/2006/relationships" xmlns:p="http://schemas.openxmlformats.org/presentationml/2006/main">
   <p:cSld>
     <p:spTree>
@@ -18539,7 +19920,7 @@
 </p:sld>
 </file>
 
-<file path=ppt/slides/slide43.xml><?xml version="1.0" encoding="utf-8"?>
+<file path=ppt/slides/slide45.xml><?xml version="1.0" encoding="utf-8"?>
 <p:sld xmlns:a="http://schemas.openxmlformats.org/drawingml/2006/main" xmlns:r="http://schemas.openxmlformats.org/officeDocument/2006/relationships" xmlns:p="http://schemas.openxmlformats.org/presentationml/2006/main">
   <p:cSld>
     <p:spTree>
@@ -18803,7 +20184,7 @@
 </p:sld>
 </file>
 
-<file path=ppt/slides/slide44.xml><?xml version="1.0" encoding="utf-8"?>
+<file path=ppt/slides/slide46.xml><?xml version="1.0" encoding="utf-8"?>
 <p:sld xmlns:a="http://schemas.openxmlformats.org/drawingml/2006/main" xmlns:r="http://schemas.openxmlformats.org/officeDocument/2006/relationships" xmlns:p="http://schemas.openxmlformats.org/presentationml/2006/main">
   <p:cSld>
     <p:spTree>
@@ -18992,7 +20373,7 @@
 </p:sld>
 </file>
 
-<file path=ppt/slides/slide45.xml><?xml version="1.0" encoding="utf-8"?>
+<file path=ppt/slides/slide47.xml><?xml version="1.0" encoding="utf-8"?>
 <p:sld xmlns:a="http://schemas.openxmlformats.org/drawingml/2006/main" xmlns:r="http://schemas.openxmlformats.org/officeDocument/2006/relationships" xmlns:p="http://schemas.openxmlformats.org/presentationml/2006/main">
   <p:cSld>
     <p:spTree>
@@ -19343,7 +20724,7 @@
 </p:sld>
 </file>
 
-<file path=ppt/slides/slide46.xml><?xml version="1.0" encoding="utf-8"?>
+<file path=ppt/slides/slide48.xml><?xml version="1.0" encoding="utf-8"?>
 <p:sld xmlns:a="http://schemas.openxmlformats.org/drawingml/2006/main" xmlns:r="http://schemas.openxmlformats.org/officeDocument/2006/relationships" xmlns:p="http://schemas.openxmlformats.org/presentationml/2006/main">
   <p:cSld>
     <p:spTree>
@@ -19466,7 +20847,7 @@
 </p:sld>
 </file>
 
-<file path=ppt/slides/slide47.xml><?xml version="1.0" encoding="utf-8"?>
+<file path=ppt/slides/slide49.xml><?xml version="1.0" encoding="utf-8"?>
 <p:sld xmlns:a="http://schemas.openxmlformats.org/drawingml/2006/main" xmlns:r="http://schemas.openxmlformats.org/officeDocument/2006/relationships" xmlns:p="http://schemas.openxmlformats.org/presentationml/2006/main">
   <p:cSld>
     <p:spTree>
@@ -19655,7 +21036,95 @@
 </p:sld>
 </file>
 
-<file path=ppt/slides/slide48.xml><?xml version="1.0" encoding="utf-8"?>
+<file path=ppt/slides/slide5.xml><?xml version="1.0" encoding="utf-8"?>
+<p:sld xmlns:a="http://schemas.openxmlformats.org/drawingml/2006/main" xmlns:r="http://schemas.openxmlformats.org/officeDocument/2006/relationships" xmlns:p="http://schemas.openxmlformats.org/presentationml/2006/main">
+  <p:cSld>
+    <p:spTree>
+      <p:nvGrpSpPr>
+        <p:cNvPr id="1" name=""/>
+        <p:cNvGrpSpPr/>
+        <p:nvPr/>
+      </p:nvGrpSpPr>
+      <p:grpSpPr>
+        <a:xfrm>
+          <a:off x="0" y="0"/>
+          <a:ext cx="0" cy="0"/>
+          <a:chOff x="0" y="0"/>
+          <a:chExt cx="0" cy="0"/>
+        </a:xfrm>
+      </p:grpSpPr>
+      <p:sp>
+        <p:nvSpPr>
+          <p:cNvPr id="2" name="Title 1">
+            <a:extLst>
+              <a:ext uri="{FF2B5EF4-FFF2-40B4-BE49-F238E27FC236}">
+                <a16:creationId xmlns:a16="http://schemas.microsoft.com/office/drawing/2014/main" id="{F6693EDF-660D-4391-A114-A6C54268E445}"/>
+              </a:ext>
+            </a:extLst>
+          </p:cNvPr>
+          <p:cNvSpPr>
+            <a:spLocks noGrp="1"/>
+          </p:cNvSpPr>
+          <p:nvPr>
+            <p:ph type="ctrTitle"/>
+          </p:nvPr>
+        </p:nvSpPr>
+        <p:spPr>
+          <a:xfrm>
+            <a:off x="1261872" y="758952"/>
+            <a:ext cx="10549128" cy="4041648"/>
+          </a:xfrm>
+        </p:spPr>
+        <p:txBody>
+          <a:bodyPr/>
+          <a:lstStyle/>
+          <a:p>
+            <a:r>
+              <a:rPr lang="en-US" dirty="0"/>
+              <a:t>Endogeneity</a:t>
+            </a:r>
+          </a:p>
+        </p:txBody>
+      </p:sp>
+      <p:sp>
+        <p:nvSpPr>
+          <p:cNvPr id="3" name="Subtitle 2">
+            <a:extLst>
+              <a:ext uri="{FF2B5EF4-FFF2-40B4-BE49-F238E27FC236}">
+                <a16:creationId xmlns:a16="http://schemas.microsoft.com/office/drawing/2014/main" id="{9A7FADE3-4D7C-4B3A-B023-71CD85AECCCB}"/>
+              </a:ext>
+            </a:extLst>
+          </p:cNvPr>
+          <p:cNvSpPr>
+            <a:spLocks noGrp="1"/>
+          </p:cNvSpPr>
+          <p:nvPr>
+            <p:ph type="subTitle" idx="1"/>
+          </p:nvPr>
+        </p:nvSpPr>
+        <p:spPr/>
+        <p:txBody>
+          <a:bodyPr/>
+          <a:lstStyle/>
+          <a:p>
+            <a:endParaRPr lang="en-US"/>
+          </a:p>
+        </p:txBody>
+      </p:sp>
+    </p:spTree>
+    <p:extLst>
+      <p:ext uri="{BB962C8B-B14F-4D97-AF65-F5344CB8AC3E}">
+        <p14:creationId xmlns:p14="http://schemas.microsoft.com/office/powerpoint/2010/main" val="2953910715"/>
+      </p:ext>
+    </p:extLst>
+  </p:cSld>
+  <p:clrMapOvr>
+    <a:masterClrMapping/>
+  </p:clrMapOvr>
+</p:sld>
+</file>
+
+<file path=ppt/slides/slide50.xml><?xml version="1.0" encoding="utf-8"?>
 <p:sld xmlns:a="http://schemas.openxmlformats.org/drawingml/2006/main" xmlns:r="http://schemas.openxmlformats.org/officeDocument/2006/relationships" xmlns:p="http://schemas.openxmlformats.org/presentationml/2006/main">
   <p:cSld>
     <p:spTree>
@@ -19849,7 +21318,7 @@
 </p:sld>
 </file>
 
-<file path=ppt/slides/slide49.xml><?xml version="1.0" encoding="utf-8"?>
+<file path=ppt/slides/slide51.xml><?xml version="1.0" encoding="utf-8"?>
 <p:sld xmlns:a="http://schemas.openxmlformats.org/drawingml/2006/main" xmlns:r="http://schemas.openxmlformats.org/officeDocument/2006/relationships" xmlns:p="http://schemas.openxmlformats.org/presentationml/2006/main">
   <p:cSld>
     <p:spTree>
@@ -20086,130 +21555,7 @@
 </p:sld>
 </file>
 
-<file path=ppt/slides/slide5.xml><?xml version="1.0" encoding="utf-8"?>
-<p:sld xmlns:a="http://schemas.openxmlformats.org/drawingml/2006/main" xmlns:r="http://schemas.openxmlformats.org/officeDocument/2006/relationships" xmlns:p="http://schemas.openxmlformats.org/presentationml/2006/main">
-  <p:cSld>
-    <p:spTree>
-      <p:nvGrpSpPr>
-        <p:cNvPr id="1" name=""/>
-        <p:cNvGrpSpPr/>
-        <p:nvPr/>
-      </p:nvGrpSpPr>
-      <p:grpSpPr>
-        <a:xfrm>
-          <a:off x="0" y="0"/>
-          <a:ext cx="0" cy="0"/>
-          <a:chOff x="0" y="0"/>
-          <a:chExt cx="0" cy="0"/>
-        </a:xfrm>
-      </p:grpSpPr>
-      <p:sp>
-        <p:nvSpPr>
-          <p:cNvPr id="2" name="Title 1"/>
-          <p:cNvSpPr>
-            <a:spLocks noGrp="1"/>
-          </p:cNvSpPr>
-          <p:nvPr>
-            <p:ph type="title"/>
-          </p:nvPr>
-        </p:nvSpPr>
-        <p:spPr>
-          <a:xfrm>
-            <a:off x="609600" y="337392"/>
-            <a:ext cx="10439400" cy="624840"/>
-          </a:xfrm>
-        </p:spPr>
-        <p:txBody>
-          <a:bodyPr>
-            <a:noAutofit/>
-          </a:bodyPr>
-          <a:lstStyle/>
-          <a:p>
-            <a:r>
-              <a:rPr lang="en-US" sz="3600" dirty="0">
-                <a:cs typeface="Times New Roman" panose="02020603050405020304" pitchFamily="18" charset="0"/>
-              </a:rPr>
-              <a:t>Example: Waiting Times and Transplantation Outcomes</a:t>
-            </a:r>
-            <a:endParaRPr lang="en-US" sz="3600" dirty="0">
-              <a:latin typeface="Times New Roman" panose="02020603050405020304" pitchFamily="18" charset="0"/>
-              <a:cs typeface="Times New Roman" panose="02020603050405020304" pitchFamily="18" charset="0"/>
-            </a:endParaRPr>
-          </a:p>
-        </p:txBody>
-      </p:sp>
-      <p:sp>
-        <p:nvSpPr>
-          <p:cNvPr id="3" name="Content Placeholder 2"/>
-          <p:cNvSpPr>
-            <a:spLocks noGrp="1"/>
-          </p:cNvSpPr>
-          <p:nvPr>
-            <p:ph idx="1"/>
-          </p:nvPr>
-        </p:nvSpPr>
-        <p:spPr>
-          <a:xfrm>
-            <a:off x="1219199" y="1066801"/>
-            <a:ext cx="9829801" cy="5141388"/>
-          </a:xfrm>
-        </p:spPr>
-        <p:txBody>
-          <a:bodyPr>
-            <a:noAutofit/>
-          </a:bodyPr>
-          <a:lstStyle/>
-          <a:p>
-            <a:endParaRPr lang="en-US" sz="2400" dirty="0">
-              <a:cs typeface="Times New Roman" panose="02020603050405020304" pitchFamily="18" charset="0"/>
-            </a:endParaRPr>
-          </a:p>
-        </p:txBody>
-      </p:sp>
-      <p:pic>
-        <p:nvPicPr>
-          <p:cNvPr id="6" name="Content Placeholder 13">
-            <a:extLst>
-              <a:ext uri="{FF2B5EF4-FFF2-40B4-BE49-F238E27FC236}">
-                <a16:creationId xmlns:a16="http://schemas.microsoft.com/office/drawing/2014/main" id="{AC5B06F1-E350-876C-788C-56FF12253C51}"/>
-              </a:ext>
-            </a:extLst>
-          </p:cNvPr>
-          <p:cNvPicPr>
-            <a:picLocks noChangeAspect="1"/>
-          </p:cNvPicPr>
-          <p:nvPr/>
-        </p:nvPicPr>
-        <p:blipFill>
-          <a:blip r:embed="rId3"/>
-          <a:stretch>
-            <a:fillRect/>
-          </a:stretch>
-        </p:blipFill>
-        <p:spPr>
-          <a:xfrm>
-            <a:off x="1618886" y="1143000"/>
-            <a:ext cx="8954227" cy="2019464"/>
-          </a:xfrm>
-          <a:prstGeom prst="rect">
-            <a:avLst/>
-          </a:prstGeom>
-        </p:spPr>
-      </p:pic>
-    </p:spTree>
-    <p:extLst>
-      <p:ext uri="{BB962C8B-B14F-4D97-AF65-F5344CB8AC3E}">
-        <p14:creationId xmlns:p14="http://schemas.microsoft.com/office/powerpoint/2010/main" val="437169700"/>
-      </p:ext>
-    </p:extLst>
-  </p:cSld>
-  <p:clrMapOvr>
-    <a:masterClrMapping/>
-  </p:clrMapOvr>
-</p:sld>
-</file>
-
-<file path=ppt/slides/slide50.xml><?xml version="1.0" encoding="utf-8"?>
+<file path=ppt/slides/slide52.xml><?xml version="1.0" encoding="utf-8"?>
 <p:sld xmlns:a="http://schemas.openxmlformats.org/drawingml/2006/main" xmlns:r="http://schemas.openxmlformats.org/officeDocument/2006/relationships" xmlns:p="http://schemas.openxmlformats.org/presentationml/2006/main">
   <p:cSld>
     <p:spTree>
@@ -20615,7 +21961,7 @@
 </p:sld>
 </file>
 
-<file path=ppt/slides/slide51.xml><?xml version="1.0" encoding="utf-8"?>
+<file path=ppt/slides/slide53.xml><?xml version="1.0" encoding="utf-8"?>
 <p:sld xmlns:a="http://schemas.openxmlformats.org/drawingml/2006/main" xmlns:r="http://schemas.openxmlformats.org/officeDocument/2006/relationships" xmlns:p="http://schemas.openxmlformats.org/presentationml/2006/main">
   <p:cSld>
     <p:spTree>
@@ -20742,7 +22088,7 @@
 </p:sld>
 </file>
 
-<file path=ppt/slides/slide52.xml><?xml version="1.0" encoding="utf-8"?>
+<file path=ppt/slides/slide54.xml><?xml version="1.0" encoding="utf-8"?>
 <p:sld xmlns:a="http://schemas.openxmlformats.org/drawingml/2006/main" xmlns:r="http://schemas.openxmlformats.org/officeDocument/2006/relationships" xmlns:p="http://schemas.openxmlformats.org/presentationml/2006/main">
   <p:cSld>
     <p:spTree>
@@ -20868,7 +22214,7 @@
               <a:rPr lang="en-US" sz="2200" dirty="0">
                 <a:cs typeface="Times New Roman" panose="02020603050405020304" pitchFamily="18" charset="0"/>
               </a:rPr>
-              <a:t>IV is biased if you condition on post-instrument variables</a:t>
+              <a:t>IV is (more) biased if you condition on post-instrument variables</a:t>
             </a:r>
           </a:p>
           <a:p>
@@ -20925,7 +22271,340 @@
 </p:sld>
 </file>
 
-<file path=ppt/slides/slide53.xml><?xml version="1.0" encoding="utf-8"?>
+<file path=ppt/slides/slide55.xml><?xml version="1.0" encoding="utf-8"?>
+<p:sld xmlns:a="http://schemas.openxmlformats.org/drawingml/2006/main" xmlns:r="http://schemas.openxmlformats.org/officeDocument/2006/relationships" xmlns:p="http://schemas.openxmlformats.org/presentationml/2006/main">
+  <p:cSld>
+    <p:spTree>
+      <p:nvGrpSpPr>
+        <p:cNvPr id="1" name=""/>
+        <p:cNvGrpSpPr/>
+        <p:nvPr/>
+      </p:nvGrpSpPr>
+      <p:grpSpPr>
+        <a:xfrm>
+          <a:off x="0" y="0"/>
+          <a:ext cx="0" cy="0"/>
+          <a:chOff x="0" y="0"/>
+          <a:chExt cx="0" cy="0"/>
+        </a:xfrm>
+      </p:grpSpPr>
+      <p:sp>
+        <p:nvSpPr>
+          <p:cNvPr id="2" name="Title 1"/>
+          <p:cNvSpPr>
+            <a:spLocks noGrp="1"/>
+          </p:cNvSpPr>
+          <p:nvPr>
+            <p:ph type="title"/>
+          </p:nvPr>
+        </p:nvSpPr>
+        <p:spPr>
+          <a:xfrm>
+            <a:off x="609600" y="337392"/>
+            <a:ext cx="10439400" cy="624840"/>
+          </a:xfrm>
+        </p:spPr>
+        <p:txBody>
+          <a:bodyPr>
+            <a:noAutofit/>
+          </a:bodyPr>
+          <a:lstStyle/>
+          <a:p>
+            <a:r>
+              <a:rPr lang="en-US" sz="3600" dirty="0">
+                <a:latin typeface="Times New Roman"/>
+                <a:cs typeface="Times New Roman"/>
+              </a:rPr>
+              <a:t>Using an IV: What if I </a:t>
+            </a:r>
+            <a:r>
+              <a:rPr lang="en-US" sz="3600" b="1" dirty="0">
+                <a:solidFill>
+                  <a:schemeClr val="accent2">
+                    <a:lumMod val="75000"/>
+                  </a:schemeClr>
+                </a:solidFill>
+                <a:latin typeface="Times New Roman"/>
+                <a:cs typeface="Times New Roman"/>
+              </a:rPr>
+              <a:t>can’t</a:t>
+            </a:r>
+            <a:r>
+              <a:rPr lang="en-US" sz="3600" b="1" dirty="0">
+                <a:latin typeface="Times New Roman"/>
+                <a:cs typeface="Times New Roman"/>
+              </a:rPr>
+              <a:t> </a:t>
+            </a:r>
+            <a:r>
+              <a:rPr lang="en-US" sz="3600" dirty="0">
+                <a:latin typeface="Times New Roman"/>
+                <a:cs typeface="Times New Roman"/>
+              </a:rPr>
+              <a:t>defend my IV? </a:t>
+            </a:r>
+          </a:p>
+        </p:txBody>
+      </p:sp>
+      <p:sp>
+        <p:nvSpPr>
+          <p:cNvPr id="3" name="Content Placeholder 2"/>
+          <p:cNvSpPr>
+            <a:spLocks noGrp="1"/>
+          </p:cNvSpPr>
+          <p:nvPr>
+            <p:ph idx="1"/>
+          </p:nvPr>
+        </p:nvSpPr>
+        <p:spPr>
+          <a:xfrm>
+            <a:off x="914400" y="1066801"/>
+            <a:ext cx="9984829" cy="5141388"/>
+          </a:xfrm>
+        </p:spPr>
+        <p:txBody>
+          <a:bodyPr vert="horz" lIns="91440" tIns="45720" rIns="91440" bIns="45720" rtlCol="0" anchor="t">
+            <a:normAutofit/>
+          </a:bodyPr>
+          <a:lstStyle/>
+          <a:p>
+            <a:r>
+              <a:rPr lang="en-US" sz="2400" dirty="0">
+                <a:cs typeface="Times New Roman" panose="02020603050405020304" pitchFamily="18" charset="0"/>
+              </a:rPr>
+              <a:t>Many quasi-experimental approaches are very assumption dependent</a:t>
+            </a:r>
+          </a:p>
+          <a:p>
+            <a:r>
+              <a:rPr lang="en-US" sz="2400" b="1" dirty="0">
+                <a:cs typeface="Times New Roman" panose="02020603050405020304" pitchFamily="18" charset="0"/>
+              </a:rPr>
+              <a:t>IV is no exception!</a:t>
+            </a:r>
+          </a:p>
+          <a:p>
+            <a:r>
+              <a:rPr lang="en-US" sz="2400" dirty="0">
+                <a:cs typeface="Times New Roman" panose="02020603050405020304" pitchFamily="18" charset="0"/>
+              </a:rPr>
+              <a:t>Some things to be aware of: </a:t>
+            </a:r>
+          </a:p>
+          <a:p>
+            <a:pPr lvl="1"/>
+            <a:r>
+              <a:rPr lang="en-US" sz="2200" dirty="0">
+                <a:cs typeface="Times New Roman" panose="02020603050405020304" pitchFamily="18" charset="0"/>
+              </a:rPr>
+              <a:t>IV is (more) biased if you condition on post-instrument variables</a:t>
+            </a:r>
+          </a:p>
+          <a:p>
+            <a:pPr lvl="1"/>
+            <a:r>
+              <a:rPr lang="en-US" sz="2200" dirty="0">
+                <a:cs typeface="Times New Roman" panose="02020603050405020304" pitchFamily="18" charset="0"/>
+              </a:rPr>
+              <a:t>IV must match </a:t>
+            </a:r>
+            <a:r>
+              <a:rPr lang="en-US" sz="2200" i="1" dirty="0">
+                <a:cs typeface="Times New Roman" panose="02020603050405020304" pitchFamily="18" charset="0"/>
+              </a:rPr>
+              <a:t>measured treatments</a:t>
+            </a:r>
+            <a:r>
+              <a:rPr lang="en-US" sz="2200" dirty="0">
+                <a:cs typeface="Times New Roman" panose="02020603050405020304" pitchFamily="18" charset="0"/>
+              </a:rPr>
+              <a:t>, not true treatment</a:t>
+            </a:r>
+          </a:p>
+          <a:p>
+            <a:pPr lvl="1"/>
+            <a:r>
+              <a:rPr lang="en-US" sz="2200" dirty="0">
+                <a:cs typeface="Times New Roman" panose="02020603050405020304" pitchFamily="18" charset="0"/>
+              </a:rPr>
+              <a:t>Weak IVs can exacerbate even trivial assumption violations!</a:t>
+            </a:r>
+          </a:p>
+          <a:p>
+            <a:pPr lvl="1"/>
+            <a:r>
+              <a:rPr lang="en-US" sz="2200" dirty="0">
+                <a:cs typeface="Times New Roman" panose="02020603050405020304" pitchFamily="18" charset="0"/>
+              </a:rPr>
+              <a:t>Small sample bias – your assumptions might be statistically violated at</a:t>
+            </a:r>
+          </a:p>
+        </p:txBody>
+      </p:sp>
+      <p:pic>
+        <p:nvPicPr>
+          <p:cNvPr id="5" name="Picture 4">
+            <a:extLst>
+              <a:ext uri="{FF2B5EF4-FFF2-40B4-BE49-F238E27FC236}">
+                <a16:creationId xmlns:a16="http://schemas.microsoft.com/office/drawing/2014/main" id="{B7C58938-BF64-F2DA-C22B-865A9B9B7ED5}"/>
+              </a:ext>
+            </a:extLst>
+          </p:cNvPr>
+          <p:cNvPicPr>
+            <a:picLocks noChangeAspect="1"/>
+          </p:cNvPicPr>
+          <p:nvPr/>
+        </p:nvPicPr>
+        <p:blipFill>
+          <a:blip r:embed="rId3"/>
+          <a:stretch>
+            <a:fillRect/>
+          </a:stretch>
+        </p:blipFill>
+        <p:spPr>
+          <a:xfrm>
+            <a:off x="900896" y="2133600"/>
+            <a:ext cx="8700304" cy="4373794"/>
+          </a:xfrm>
+          <a:prstGeom prst="rect">
+            <a:avLst/>
+          </a:prstGeom>
+        </p:spPr>
+      </p:pic>
+    </p:spTree>
+    <p:extLst>
+      <p:ext uri="{BB962C8B-B14F-4D97-AF65-F5344CB8AC3E}">
+        <p14:creationId xmlns:p14="http://schemas.microsoft.com/office/powerpoint/2010/main" val="1915230980"/>
+      </p:ext>
+    </p:extLst>
+  </p:cSld>
+  <p:clrMapOvr>
+    <a:masterClrMapping/>
+  </p:clrMapOvr>
+</p:sld>
+</file>
+
+<file path=ppt/slides/slide56.xml><?xml version="1.0" encoding="utf-8"?>
+<p:sld xmlns:a="http://schemas.openxmlformats.org/drawingml/2006/main" xmlns:r="http://schemas.openxmlformats.org/officeDocument/2006/relationships" xmlns:p="http://schemas.openxmlformats.org/presentationml/2006/main">
+  <p:cSld>
+    <p:spTree>
+      <p:nvGrpSpPr>
+        <p:cNvPr id="1" name=""/>
+        <p:cNvGrpSpPr/>
+        <p:nvPr/>
+      </p:nvGrpSpPr>
+      <p:grpSpPr>
+        <a:xfrm>
+          <a:off x="0" y="0"/>
+          <a:ext cx="0" cy="0"/>
+          <a:chOff x="0" y="0"/>
+          <a:chExt cx="0" cy="0"/>
+        </a:xfrm>
+      </p:grpSpPr>
+      <p:sp>
+        <p:nvSpPr>
+          <p:cNvPr id="2" name="Title 1"/>
+          <p:cNvSpPr>
+            <a:spLocks noGrp="1"/>
+          </p:cNvSpPr>
+          <p:nvPr>
+            <p:ph type="title"/>
+          </p:nvPr>
+        </p:nvSpPr>
+        <p:spPr>
+          <a:xfrm>
+            <a:off x="609600" y="337392"/>
+            <a:ext cx="10439400" cy="624840"/>
+          </a:xfrm>
+        </p:spPr>
+        <p:txBody>
+          <a:bodyPr>
+            <a:noAutofit/>
+          </a:bodyPr>
+          <a:lstStyle/>
+          <a:p>
+            <a:r>
+              <a:rPr lang="en-US" sz="3600" dirty="0">
+                <a:latin typeface="Times New Roman"/>
+                <a:cs typeface="Times New Roman"/>
+              </a:rPr>
+              <a:t>Weak IV Bias </a:t>
+            </a:r>
+          </a:p>
+        </p:txBody>
+      </p:sp>
+      <p:sp>
+        <p:nvSpPr>
+          <p:cNvPr id="3" name="Content Placeholder 2"/>
+          <p:cNvSpPr>
+            <a:spLocks noGrp="1"/>
+          </p:cNvSpPr>
+          <p:nvPr>
+            <p:ph idx="1"/>
+          </p:nvPr>
+        </p:nvSpPr>
+        <p:spPr>
+          <a:xfrm>
+            <a:off x="914400" y="1066801"/>
+            <a:ext cx="9984829" cy="5141388"/>
+          </a:xfrm>
+        </p:spPr>
+        <p:txBody>
+          <a:bodyPr vert="horz" lIns="91440" tIns="45720" rIns="91440" bIns="45720" rtlCol="0" anchor="t">
+            <a:normAutofit/>
+          </a:bodyPr>
+          <a:lstStyle/>
+          <a:p>
+            <a:endParaRPr lang="en-US" sz="2200" dirty="0">
+              <a:cs typeface="Times New Roman" panose="02020603050405020304" pitchFamily="18" charset="0"/>
+            </a:endParaRPr>
+          </a:p>
+        </p:txBody>
+      </p:sp>
+      <p:pic>
+        <p:nvPicPr>
+          <p:cNvPr id="6" name="Picture 5">
+            <a:extLst>
+              <a:ext uri="{FF2B5EF4-FFF2-40B4-BE49-F238E27FC236}">
+                <a16:creationId xmlns:a16="http://schemas.microsoft.com/office/drawing/2014/main" id="{38FABAC0-2F99-C28E-7F87-93116B8CAC40}"/>
+              </a:ext>
+            </a:extLst>
+          </p:cNvPr>
+          <p:cNvPicPr>
+            <a:picLocks noChangeAspect="1"/>
+          </p:cNvPicPr>
+          <p:nvPr/>
+        </p:nvPicPr>
+        <p:blipFill>
+          <a:blip r:embed="rId3"/>
+          <a:stretch>
+            <a:fillRect/>
+          </a:stretch>
+        </p:blipFill>
+        <p:spPr>
+          <a:xfrm>
+            <a:off x="838200" y="1066801"/>
+            <a:ext cx="7620000" cy="5588518"/>
+          </a:xfrm>
+          <a:prstGeom prst="rect">
+            <a:avLst/>
+          </a:prstGeom>
+        </p:spPr>
+      </p:pic>
+    </p:spTree>
+    <p:extLst>
+      <p:ext uri="{BB962C8B-B14F-4D97-AF65-F5344CB8AC3E}">
+        <p14:creationId xmlns:p14="http://schemas.microsoft.com/office/powerpoint/2010/main" val="3837994513"/>
+      </p:ext>
+    </p:extLst>
+  </p:cSld>
+  <p:clrMapOvr>
+    <a:masterClrMapping/>
+  </p:clrMapOvr>
+</p:sld>
+</file>
+
+<file path=ppt/slides/slide57.xml><?xml version="1.0" encoding="utf-8"?>
 <p:sld xmlns:a="http://schemas.openxmlformats.org/drawingml/2006/main" xmlns:r="http://schemas.openxmlformats.org/officeDocument/2006/relationships" xmlns:p="http://schemas.openxmlformats.org/presentationml/2006/main">
   <p:cSld>
     <p:spTree>
@@ -21018,7 +22697,7 @@
 </p:sld>
 </file>
 
-<file path=ppt/slides/slide54.xml><?xml version="1.0" encoding="utf-8"?>
+<file path=ppt/slides/slide58.xml><?xml version="1.0" encoding="utf-8"?>
 <p:sld xmlns:a="http://schemas.openxmlformats.org/drawingml/2006/main" xmlns:r="http://schemas.openxmlformats.org/officeDocument/2006/relationships" xmlns:p="http://schemas.openxmlformats.org/presentationml/2006/main">
   <p:cSld>
     <p:spTree>
@@ -21137,7 +22816,7 @@
 </p:sld>
 </file>
 
-<file path=ppt/slides/slide55.xml><?xml version="1.0" encoding="utf-8"?>
+<file path=ppt/slides/slide59.xml><?xml version="1.0" encoding="utf-8"?>
 <p:sld xmlns:a="http://schemas.openxmlformats.org/drawingml/2006/main" xmlns:r="http://schemas.openxmlformats.org/officeDocument/2006/relationships" xmlns:p="http://schemas.openxmlformats.org/presentationml/2006/main">
   <p:cSld>
     <p:spTree>
@@ -21290,7 +22969,7 @@
 </p:sld>
 </file>
 
-<file path=ppt/slides/slide56.xml><?xml version="1.0" encoding="utf-8"?>
+<file path=ppt/slides/slide6.xml><?xml version="1.0" encoding="utf-8"?>
 <p:sld xmlns:a="http://schemas.openxmlformats.org/drawingml/2006/main" xmlns:r="http://schemas.openxmlformats.org/officeDocument/2006/relationships" xmlns:p="http://schemas.openxmlformats.org/presentationml/2006/main">
   <p:cSld>
     <p:spTree>
@@ -21331,6 +23010,129 @@
           <a:p>
             <a:r>
               <a:rPr lang="en-US" sz="3600" dirty="0">
+                <a:cs typeface="Times New Roman" panose="02020603050405020304" pitchFamily="18" charset="0"/>
+              </a:rPr>
+              <a:t>Example: Waiting Times and Transplantation Outcomes</a:t>
+            </a:r>
+            <a:endParaRPr lang="en-US" sz="3600" dirty="0">
+              <a:latin typeface="Times New Roman" panose="02020603050405020304" pitchFamily="18" charset="0"/>
+              <a:cs typeface="Times New Roman" panose="02020603050405020304" pitchFamily="18" charset="0"/>
+            </a:endParaRPr>
+          </a:p>
+        </p:txBody>
+      </p:sp>
+      <p:sp>
+        <p:nvSpPr>
+          <p:cNvPr id="3" name="Content Placeholder 2"/>
+          <p:cNvSpPr>
+            <a:spLocks noGrp="1"/>
+          </p:cNvSpPr>
+          <p:nvPr>
+            <p:ph idx="1"/>
+          </p:nvPr>
+        </p:nvSpPr>
+        <p:spPr>
+          <a:xfrm>
+            <a:off x="1219199" y="1066801"/>
+            <a:ext cx="9829801" cy="5141388"/>
+          </a:xfrm>
+        </p:spPr>
+        <p:txBody>
+          <a:bodyPr>
+            <a:noAutofit/>
+          </a:bodyPr>
+          <a:lstStyle/>
+          <a:p>
+            <a:endParaRPr lang="en-US" sz="2400" dirty="0">
+              <a:cs typeface="Times New Roman" panose="02020603050405020304" pitchFamily="18" charset="0"/>
+            </a:endParaRPr>
+          </a:p>
+        </p:txBody>
+      </p:sp>
+      <p:pic>
+        <p:nvPicPr>
+          <p:cNvPr id="6" name="Content Placeholder 13">
+            <a:extLst>
+              <a:ext uri="{FF2B5EF4-FFF2-40B4-BE49-F238E27FC236}">
+                <a16:creationId xmlns:a16="http://schemas.microsoft.com/office/drawing/2014/main" id="{AC5B06F1-E350-876C-788C-56FF12253C51}"/>
+              </a:ext>
+            </a:extLst>
+          </p:cNvPr>
+          <p:cNvPicPr>
+            <a:picLocks noChangeAspect="1"/>
+          </p:cNvPicPr>
+          <p:nvPr/>
+        </p:nvPicPr>
+        <p:blipFill>
+          <a:blip r:embed="rId3"/>
+          <a:stretch>
+            <a:fillRect/>
+          </a:stretch>
+        </p:blipFill>
+        <p:spPr>
+          <a:xfrm>
+            <a:off x="1618886" y="1143000"/>
+            <a:ext cx="8954227" cy="2019464"/>
+          </a:xfrm>
+          <a:prstGeom prst="rect">
+            <a:avLst/>
+          </a:prstGeom>
+        </p:spPr>
+      </p:pic>
+    </p:spTree>
+    <p:extLst>
+      <p:ext uri="{BB962C8B-B14F-4D97-AF65-F5344CB8AC3E}">
+        <p14:creationId xmlns:p14="http://schemas.microsoft.com/office/powerpoint/2010/main" val="437169700"/>
+      </p:ext>
+    </p:extLst>
+  </p:cSld>
+  <p:clrMapOvr>
+    <a:masterClrMapping/>
+  </p:clrMapOvr>
+</p:sld>
+</file>
+
+<file path=ppt/slides/slide60.xml><?xml version="1.0" encoding="utf-8"?>
+<p:sld xmlns:a="http://schemas.openxmlformats.org/drawingml/2006/main" xmlns:r="http://schemas.openxmlformats.org/officeDocument/2006/relationships" xmlns:p="http://schemas.openxmlformats.org/presentationml/2006/main">
+  <p:cSld>
+    <p:spTree>
+      <p:nvGrpSpPr>
+        <p:cNvPr id="1" name=""/>
+        <p:cNvGrpSpPr/>
+        <p:nvPr/>
+      </p:nvGrpSpPr>
+      <p:grpSpPr>
+        <a:xfrm>
+          <a:off x="0" y="0"/>
+          <a:ext cx="0" cy="0"/>
+          <a:chOff x="0" y="0"/>
+          <a:chExt cx="0" cy="0"/>
+        </a:xfrm>
+      </p:grpSpPr>
+      <p:sp>
+        <p:nvSpPr>
+          <p:cNvPr id="2" name="Title 1"/>
+          <p:cNvSpPr>
+            <a:spLocks noGrp="1"/>
+          </p:cNvSpPr>
+          <p:nvPr>
+            <p:ph type="title"/>
+          </p:nvPr>
+        </p:nvSpPr>
+        <p:spPr>
+          <a:xfrm>
+            <a:off x="609600" y="337392"/>
+            <a:ext cx="10439400" cy="624840"/>
+          </a:xfrm>
+        </p:spPr>
+        <p:txBody>
+          <a:bodyPr>
+            <a:noAutofit/>
+          </a:bodyPr>
+          <a:lstStyle/>
+          <a:p>
+            <a:r>
+              <a:rPr lang="en-US" sz="3600" dirty="0">
                 <a:latin typeface="Times New Roman"/>
                 <a:cs typeface="Times New Roman"/>
               </a:rPr>
@@ -21486,7 +23288,7 @@
 </p:sld>
 </file>
 
-<file path=ppt/slides/slide57.xml><?xml version="1.0" encoding="utf-8"?>
+<file path=ppt/slides/slide61.xml><?xml version="1.0" encoding="utf-8"?>
 <p:sld xmlns:a="http://schemas.openxmlformats.org/drawingml/2006/main" xmlns:r="http://schemas.openxmlformats.org/officeDocument/2006/relationships" xmlns:p="http://schemas.openxmlformats.org/presentationml/2006/main">
   <p:cSld>
     <p:spTree>
@@ -21924,7 +23726,7 @@
 </p:sld>
 </file>
 
-<file path=ppt/slides/slide58.xml><?xml version="1.0" encoding="utf-8"?>
+<file path=ppt/slides/slide62.xml><?xml version="1.0" encoding="utf-8"?>
 <p:sld xmlns:a="http://schemas.openxmlformats.org/drawingml/2006/main" xmlns:r="http://schemas.openxmlformats.org/officeDocument/2006/relationships" xmlns:p="http://schemas.openxmlformats.org/presentationml/2006/main">
   <p:cSld>
     <p:spTree>
@@ -22228,7 +24030,7 @@
 </p:sld>
 </file>
 
-<file path=ppt/slides/slide59.xml><?xml version="1.0" encoding="utf-8"?>
+<file path=ppt/slides/slide63.xml><?xml version="1.0" encoding="utf-8"?>
 <p:sld xmlns:a="http://schemas.openxmlformats.org/drawingml/2006/main" xmlns:r="http://schemas.openxmlformats.org/officeDocument/2006/relationships" xmlns:p="http://schemas.openxmlformats.org/presentationml/2006/main">
   <p:cSld>
     <p:spTree>
@@ -22542,132 +24344,7 @@
 </p:sld>
 </file>
 
-<file path=ppt/slides/slide6.xml><?xml version="1.0" encoding="utf-8"?>
-<p:sld xmlns:a="http://schemas.openxmlformats.org/drawingml/2006/main" xmlns:r="http://schemas.openxmlformats.org/officeDocument/2006/relationships" xmlns:p="http://schemas.openxmlformats.org/presentationml/2006/main">
-  <p:cSld>
-    <p:spTree>
-      <p:nvGrpSpPr>
-        <p:cNvPr id="1" name=""/>
-        <p:cNvGrpSpPr/>
-        <p:nvPr/>
-      </p:nvGrpSpPr>
-      <p:grpSpPr>
-        <a:xfrm>
-          <a:off x="0" y="0"/>
-          <a:ext cx="0" cy="0"/>
-          <a:chOff x="0" y="0"/>
-          <a:chExt cx="0" cy="0"/>
-        </a:xfrm>
-      </p:grpSpPr>
-      <p:sp>
-        <p:nvSpPr>
-          <p:cNvPr id="2" name="Title 1"/>
-          <p:cNvSpPr>
-            <a:spLocks noGrp="1"/>
-          </p:cNvSpPr>
-          <p:nvPr>
-            <p:ph type="title"/>
-          </p:nvPr>
-        </p:nvSpPr>
-        <p:spPr>
-          <a:xfrm>
-            <a:off x="609600" y="337392"/>
-            <a:ext cx="10439400" cy="624840"/>
-          </a:xfrm>
-        </p:spPr>
-        <p:txBody>
-          <a:bodyPr>
-            <a:noAutofit/>
-          </a:bodyPr>
-          <a:lstStyle/>
-          <a:p>
-            <a:r>
-              <a:rPr lang="en-US" sz="3600" dirty="0">
-                <a:cs typeface="Times New Roman" panose="02020603050405020304" pitchFamily="18" charset="0"/>
-              </a:rPr>
-              <a:t>Example: Waiting Times and Transplantation Outcomes</a:t>
-            </a:r>
-            <a:endParaRPr lang="en-US" sz="3600" dirty="0">
-              <a:latin typeface="Times New Roman" panose="02020603050405020304" pitchFamily="18" charset="0"/>
-              <a:cs typeface="Times New Roman" panose="02020603050405020304" pitchFamily="18" charset="0"/>
-            </a:endParaRPr>
-          </a:p>
-        </p:txBody>
-      </p:sp>
-      <p:sp>
-        <p:nvSpPr>
-          <p:cNvPr id="3" name="Content Placeholder 2"/>
-          <p:cNvSpPr>
-            <a:spLocks noGrp="1"/>
-          </p:cNvSpPr>
-          <p:nvPr>
-            <p:ph idx="1"/>
-          </p:nvPr>
-        </p:nvSpPr>
-        <p:spPr>
-          <a:xfrm>
-            <a:off x="1219199" y="1066801"/>
-            <a:ext cx="9829801" cy="5141388"/>
-          </a:xfrm>
-        </p:spPr>
-        <p:txBody>
-          <a:bodyPr>
-            <a:noAutofit/>
-          </a:bodyPr>
-          <a:lstStyle/>
-          <a:p>
-            <a:pPr marL="0" indent="0">
-              <a:buNone/>
-            </a:pPr>
-            <a:endParaRPr lang="en-US" sz="2400" dirty="0">
-              <a:cs typeface="Times New Roman" panose="02020603050405020304" pitchFamily="18" charset="0"/>
-            </a:endParaRPr>
-          </a:p>
-        </p:txBody>
-      </p:sp>
-      <p:pic>
-        <p:nvPicPr>
-          <p:cNvPr id="5" name="Content Placeholder 4">
-            <a:extLst>
-              <a:ext uri="{FF2B5EF4-FFF2-40B4-BE49-F238E27FC236}">
-                <a16:creationId xmlns:a16="http://schemas.microsoft.com/office/drawing/2014/main" id="{DFEADC53-BB88-BBCE-B7A3-A4C3B36ADCF3}"/>
-              </a:ext>
-            </a:extLst>
-          </p:cNvPr>
-          <p:cNvPicPr>
-            <a:picLocks noChangeAspect="1"/>
-          </p:cNvPicPr>
-          <p:nvPr/>
-        </p:nvPicPr>
-        <p:blipFill rotWithShape="1">
-          <a:blip r:embed="rId3"/>
-          <a:srcRect l="6036" t="6484" r="9837" b="5811"/>
-          <a:stretch/>
-        </p:blipFill>
-        <p:spPr>
-          <a:xfrm>
-            <a:off x="2400300" y="1066801"/>
-            <a:ext cx="6858000" cy="5641259"/>
-          </a:xfrm>
-          <a:prstGeom prst="rect">
-            <a:avLst/>
-          </a:prstGeom>
-        </p:spPr>
-      </p:pic>
-    </p:spTree>
-    <p:extLst>
-      <p:ext uri="{BB962C8B-B14F-4D97-AF65-F5344CB8AC3E}">
-        <p14:creationId xmlns:p14="http://schemas.microsoft.com/office/powerpoint/2010/main" val="821649247"/>
-      </p:ext>
-    </p:extLst>
-  </p:cSld>
-  <p:clrMapOvr>
-    <a:masterClrMapping/>
-  </p:clrMapOvr>
-</p:sld>
-</file>
-
-<file path=ppt/slides/slide60.xml><?xml version="1.0" encoding="utf-8"?>
+<file path=ppt/slides/slide64.xml><?xml version="1.0" encoding="utf-8"?>
 <p:sld xmlns:a="http://schemas.openxmlformats.org/drawingml/2006/main" xmlns:r="http://schemas.openxmlformats.org/officeDocument/2006/relationships" xmlns:p="http://schemas.openxmlformats.org/presentationml/2006/main">
   <p:cSld>
     <p:spTree>
@@ -23146,7 +24823,7 @@
 </p:sld>
 </file>
 
-<file path=ppt/slides/slide61.xml><?xml version="1.0" encoding="utf-8"?>
+<file path=ppt/slides/slide65.xml><?xml version="1.0" encoding="utf-8"?>
 <p:sld xmlns:a="http://schemas.openxmlformats.org/drawingml/2006/main" xmlns:r="http://schemas.openxmlformats.org/officeDocument/2006/relationships" xmlns:p="http://schemas.openxmlformats.org/presentationml/2006/main">
   <p:cSld>
     <p:spTree>
@@ -23295,7 +24972,7 @@
 </p:sld>
 </file>
 
-<file path=ppt/slides/slide62.xml><?xml version="1.0" encoding="utf-8"?>
+<file path=ppt/slides/slide66.xml><?xml version="1.0" encoding="utf-8"?>
 <p:sld xmlns:a="http://schemas.openxmlformats.org/drawingml/2006/main" xmlns:r="http://schemas.openxmlformats.org/officeDocument/2006/relationships" xmlns:p="http://schemas.openxmlformats.org/presentationml/2006/main">
   <p:cSld>
     <p:spTree>
@@ -23613,7 +25290,7 @@
 </p:sld>
 </file>
 
-<file path=ppt/slides/slide63.xml><?xml version="1.0" encoding="utf-8"?>
+<file path=ppt/slides/slide67.xml><?xml version="1.0" encoding="utf-8"?>
 <p:sld xmlns:a="http://schemas.openxmlformats.org/drawingml/2006/main" xmlns:r="http://schemas.openxmlformats.org/officeDocument/2006/relationships" xmlns:p="http://schemas.openxmlformats.org/presentationml/2006/main">
   <p:cSld>
     <p:spTree>
@@ -23990,7 +25667,7 @@
 </p:sld>
 </file>
 
-<file path=ppt/slides/slide64.xml><?xml version="1.0" encoding="utf-8"?>
+<file path=ppt/slides/slide68.xml><?xml version="1.0" encoding="utf-8"?>
 <p:sld xmlns:a="http://schemas.openxmlformats.org/drawingml/2006/main" xmlns:r="http://schemas.openxmlformats.org/officeDocument/2006/relationships" xmlns:p="http://schemas.openxmlformats.org/presentationml/2006/main">
   <p:cSld>
     <p:spTree>
@@ -24302,7 +25979,7 @@
 </p:sld>
 </file>
 
-<file path=ppt/slides/slide65.xml><?xml version="1.0" encoding="utf-8"?>
+<file path=ppt/slides/slide69.xml><?xml version="1.0" encoding="utf-8"?>
 <p:sld xmlns:a="http://schemas.openxmlformats.org/drawingml/2006/main" xmlns:r="http://schemas.openxmlformats.org/officeDocument/2006/relationships" xmlns:p="http://schemas.openxmlformats.org/presentationml/2006/main">
   <p:cSld>
     <p:spTree>
@@ -24604,6 +26281,131 @@
               <a:rPr lang="en-US" sz="3600" dirty="0">
                 <a:cs typeface="Times New Roman" panose="02020603050405020304" pitchFamily="18" charset="0"/>
               </a:rPr>
+              <a:t>Example: Waiting Times and Transplantation Outcomes</a:t>
+            </a:r>
+            <a:endParaRPr lang="en-US" sz="3600" dirty="0">
+              <a:latin typeface="Times New Roman" panose="02020603050405020304" pitchFamily="18" charset="0"/>
+              <a:cs typeface="Times New Roman" panose="02020603050405020304" pitchFamily="18" charset="0"/>
+            </a:endParaRPr>
+          </a:p>
+        </p:txBody>
+      </p:sp>
+      <p:sp>
+        <p:nvSpPr>
+          <p:cNvPr id="3" name="Content Placeholder 2"/>
+          <p:cNvSpPr>
+            <a:spLocks noGrp="1"/>
+          </p:cNvSpPr>
+          <p:nvPr>
+            <p:ph idx="1"/>
+          </p:nvPr>
+        </p:nvSpPr>
+        <p:spPr>
+          <a:xfrm>
+            <a:off x="1219199" y="1066801"/>
+            <a:ext cx="9829801" cy="5141388"/>
+          </a:xfrm>
+        </p:spPr>
+        <p:txBody>
+          <a:bodyPr>
+            <a:noAutofit/>
+          </a:bodyPr>
+          <a:lstStyle/>
+          <a:p>
+            <a:pPr marL="0" indent="0">
+              <a:buNone/>
+            </a:pPr>
+            <a:endParaRPr lang="en-US" sz="2400" dirty="0">
+              <a:cs typeface="Times New Roman" panose="02020603050405020304" pitchFamily="18" charset="0"/>
+            </a:endParaRPr>
+          </a:p>
+        </p:txBody>
+      </p:sp>
+      <p:pic>
+        <p:nvPicPr>
+          <p:cNvPr id="5" name="Content Placeholder 4">
+            <a:extLst>
+              <a:ext uri="{FF2B5EF4-FFF2-40B4-BE49-F238E27FC236}">
+                <a16:creationId xmlns:a16="http://schemas.microsoft.com/office/drawing/2014/main" id="{DFEADC53-BB88-BBCE-B7A3-A4C3B36ADCF3}"/>
+              </a:ext>
+            </a:extLst>
+          </p:cNvPr>
+          <p:cNvPicPr>
+            <a:picLocks noChangeAspect="1"/>
+          </p:cNvPicPr>
+          <p:nvPr/>
+        </p:nvPicPr>
+        <p:blipFill rotWithShape="1">
+          <a:blip r:embed="rId3"/>
+          <a:srcRect l="6036" t="6484" r="9837" b="5811"/>
+          <a:stretch/>
+        </p:blipFill>
+        <p:spPr>
+          <a:xfrm>
+            <a:off x="2400300" y="1066801"/>
+            <a:ext cx="6858000" cy="5641259"/>
+          </a:xfrm>
+          <a:prstGeom prst="rect">
+            <a:avLst/>
+          </a:prstGeom>
+        </p:spPr>
+      </p:pic>
+    </p:spTree>
+    <p:extLst>
+      <p:ext uri="{BB962C8B-B14F-4D97-AF65-F5344CB8AC3E}">
+        <p14:creationId xmlns:p14="http://schemas.microsoft.com/office/powerpoint/2010/main" val="821649247"/>
+      </p:ext>
+    </p:extLst>
+  </p:cSld>
+  <p:clrMapOvr>
+    <a:masterClrMapping/>
+  </p:clrMapOvr>
+</p:sld>
+</file>
+
+<file path=ppt/slides/slide8.xml><?xml version="1.0" encoding="utf-8"?>
+<p:sld xmlns:a="http://schemas.openxmlformats.org/drawingml/2006/main" xmlns:r="http://schemas.openxmlformats.org/officeDocument/2006/relationships" xmlns:p="http://schemas.openxmlformats.org/presentationml/2006/main">
+  <p:cSld>
+    <p:spTree>
+      <p:nvGrpSpPr>
+        <p:cNvPr id="1" name=""/>
+        <p:cNvGrpSpPr/>
+        <p:nvPr/>
+      </p:nvGrpSpPr>
+      <p:grpSpPr>
+        <a:xfrm>
+          <a:off x="0" y="0"/>
+          <a:ext cx="0" cy="0"/>
+          <a:chOff x="0" y="0"/>
+          <a:chExt cx="0" cy="0"/>
+        </a:xfrm>
+      </p:grpSpPr>
+      <p:sp>
+        <p:nvSpPr>
+          <p:cNvPr id="2" name="Title 1"/>
+          <p:cNvSpPr>
+            <a:spLocks noGrp="1"/>
+          </p:cNvSpPr>
+          <p:nvPr>
+            <p:ph type="title"/>
+          </p:nvPr>
+        </p:nvSpPr>
+        <p:spPr>
+          <a:xfrm>
+            <a:off x="609600" y="337392"/>
+            <a:ext cx="10439400" cy="624840"/>
+          </a:xfrm>
+        </p:spPr>
+        <p:txBody>
+          <a:bodyPr>
+            <a:noAutofit/>
+          </a:bodyPr>
+          <a:lstStyle/>
+          <a:p>
+            <a:r>
+              <a:rPr lang="en-US" sz="3600" dirty="0">
+                <a:cs typeface="Times New Roman" panose="02020603050405020304" pitchFamily="18" charset="0"/>
+              </a:rPr>
               <a:t>Exogeneity + Endogeneity</a:t>
             </a:r>
             <a:endParaRPr lang="en-US" sz="3600" dirty="0">
@@ -24655,7 +26457,7 @@
 </p:sld>
 </file>
 
-<file path=ppt/slides/slide8.xml><?xml version="1.0" encoding="utf-8"?>
+<file path=ppt/slides/slide9.xml><?xml version="1.0" encoding="utf-8"?>
 <p:sld xmlns:a="http://schemas.openxmlformats.org/drawingml/2006/main" xmlns:r="http://schemas.openxmlformats.org/officeDocument/2006/relationships" xmlns:p="http://schemas.openxmlformats.org/presentationml/2006/main">
   <p:cSld>
     <p:spTree>
@@ -24770,532 +26572,6 @@
     <p:extLst>
       <p:ext uri="{BB962C8B-B14F-4D97-AF65-F5344CB8AC3E}">
         <p14:creationId xmlns:p14="http://schemas.microsoft.com/office/powerpoint/2010/main" val="609092061"/>
-      </p:ext>
-    </p:extLst>
-  </p:cSld>
-  <p:clrMapOvr>
-    <a:masterClrMapping/>
-  </p:clrMapOvr>
-</p:sld>
-</file>
-
-<file path=ppt/slides/slide9.xml><?xml version="1.0" encoding="utf-8"?>
-<p:sld xmlns:a="http://schemas.openxmlformats.org/drawingml/2006/main" xmlns:r="http://schemas.openxmlformats.org/officeDocument/2006/relationships" xmlns:p="http://schemas.openxmlformats.org/presentationml/2006/main">
-  <p:cSld>
-    <p:spTree>
-      <p:nvGrpSpPr>
-        <p:cNvPr id="1" name=""/>
-        <p:cNvGrpSpPr/>
-        <p:nvPr/>
-      </p:nvGrpSpPr>
-      <p:grpSpPr>
-        <a:xfrm>
-          <a:off x="0" y="0"/>
-          <a:ext cx="0" cy="0"/>
-          <a:chOff x="0" y="0"/>
-          <a:chExt cx="0" cy="0"/>
-        </a:xfrm>
-      </p:grpSpPr>
-      <p:sp>
-        <p:nvSpPr>
-          <p:cNvPr id="2" name="Title 1"/>
-          <p:cNvSpPr>
-            <a:spLocks noGrp="1"/>
-          </p:cNvSpPr>
-          <p:nvPr>
-            <p:ph type="title"/>
-          </p:nvPr>
-        </p:nvSpPr>
-        <p:spPr>
-          <a:xfrm>
-            <a:off x="609600" y="337392"/>
-            <a:ext cx="10439400" cy="624840"/>
-          </a:xfrm>
-        </p:spPr>
-        <p:txBody>
-          <a:bodyPr>
-            <a:noAutofit/>
-          </a:bodyPr>
-          <a:lstStyle/>
-          <a:p>
-            <a:r>
-              <a:rPr lang="en-US" sz="3600" dirty="0">
-                <a:cs typeface="Times New Roman" panose="02020603050405020304" pitchFamily="18" charset="0"/>
-              </a:rPr>
-              <a:t>Endogeneity</a:t>
-            </a:r>
-            <a:endParaRPr lang="en-US" sz="3600" dirty="0">
-              <a:latin typeface="Times New Roman" panose="02020603050405020304" pitchFamily="18" charset="0"/>
-              <a:cs typeface="Times New Roman" panose="02020603050405020304" pitchFamily="18" charset="0"/>
-            </a:endParaRPr>
-          </a:p>
-        </p:txBody>
-      </p:sp>
-      <mc:AlternateContent xmlns:mc="http://schemas.openxmlformats.org/markup-compatibility/2006" xmlns:a14="http://schemas.microsoft.com/office/drawing/2010/main">
-        <mc:Choice Requires="a14">
-          <p:sp>
-            <p:nvSpPr>
-              <p:cNvPr id="3" name="Content Placeholder 2"/>
-              <p:cNvSpPr>
-                <a:spLocks noGrp="1"/>
-              </p:cNvSpPr>
-              <p:nvPr>
-                <p:ph idx="1"/>
-              </p:nvPr>
-            </p:nvSpPr>
-            <p:spPr>
-              <a:xfrm>
-                <a:off x="1219199" y="1066801"/>
-                <a:ext cx="9829801" cy="5141388"/>
-              </a:xfrm>
-            </p:spPr>
-            <p:txBody>
-              <a:bodyPr>
-                <a:noAutofit/>
-              </a:bodyPr>
-              <a:lstStyle/>
-              <a:p>
-                <a:pPr marL="0" indent="0">
-                  <a:buNone/>
-                </a:pPr>
-                <a:r>
-                  <a:rPr lang="en-US" sz="2400" b="1" dirty="0">
-                    <a:solidFill>
-                      <a:schemeClr val="accent2">
-                        <a:lumMod val="75000"/>
-                      </a:schemeClr>
-                    </a:solidFill>
-                    <a:cs typeface="Times New Roman" panose="02020603050405020304" pitchFamily="18" charset="0"/>
-                  </a:rPr>
-                  <a:t>What is the consequence of ignoring backdoors? </a:t>
-                </a:r>
-              </a:p>
-              <a:p>
-                <a:r>
-                  <a:rPr lang="en-US" sz="2400" dirty="0">
-                    <a:cs typeface="Times New Roman" panose="02020603050405020304" pitchFamily="18" charset="0"/>
-                  </a:rPr>
-                  <a:t>C</a:t>
-                </a:r>
-                <a14:m>
-                  <m:oMath xmlns:m="http://schemas.openxmlformats.org/officeDocument/2006/math">
-                    <m:r>
-                      <m:rPr>
-                        <m:sty m:val="p"/>
-                      </m:rPr>
-                      <a:rPr lang="en-US" sz="2400" b="0" i="0" smtClean="0">
-                        <a:latin typeface="Cambria Math" panose="02040503050406030204" pitchFamily="18" charset="0"/>
-                        <a:cs typeface="Times New Roman" panose="02020603050405020304" pitchFamily="18" charset="0"/>
-                      </a:rPr>
-                      <m:t>onsider</m:t>
-                    </m:r>
-                    <m:r>
-                      <a:rPr lang="en-US" sz="2400" b="0" i="0" smtClean="0">
-                        <a:latin typeface="Cambria Math" panose="02040503050406030204" pitchFamily="18" charset="0"/>
-                        <a:cs typeface="Times New Roman" panose="02020603050405020304" pitchFamily="18" charset="0"/>
-                      </a:rPr>
-                      <m:t> </m:t>
-                    </m:r>
-                    <m:r>
-                      <m:rPr>
-                        <m:sty m:val="p"/>
-                      </m:rPr>
-                      <a:rPr lang="en-US" sz="2400" b="0" i="0" smtClean="0">
-                        <a:latin typeface="Cambria Math" panose="02040503050406030204" pitchFamily="18" charset="0"/>
-                        <a:cs typeface="Times New Roman" panose="02020603050405020304" pitchFamily="18" charset="0"/>
-                      </a:rPr>
-                      <m:t>regression</m:t>
-                    </m:r>
-                    <m:r>
-                      <a:rPr lang="en-US" sz="2400" b="0" i="0" smtClean="0">
-                        <a:latin typeface="Cambria Math" panose="02040503050406030204" pitchFamily="18" charset="0"/>
-                        <a:cs typeface="Times New Roman" panose="02020603050405020304" pitchFamily="18" charset="0"/>
-                      </a:rPr>
-                      <m:t> </m:t>
-                    </m:r>
-                    <m:r>
-                      <a:rPr lang="en-US" sz="2400" b="0" i="1" smtClean="0">
-                        <a:latin typeface="Cambria Math" panose="02040503050406030204" pitchFamily="18" charset="0"/>
-                        <a:cs typeface="Times New Roman" panose="02020603050405020304" pitchFamily="18" charset="0"/>
-                      </a:rPr>
-                      <m:t>𝑦</m:t>
-                    </m:r>
-                    <m:r>
-                      <a:rPr lang="en-US" sz="2400" b="0" i="1" smtClean="0">
-                        <a:latin typeface="Cambria Math" panose="02040503050406030204" pitchFamily="18" charset="0"/>
-                        <a:cs typeface="Times New Roman" panose="02020603050405020304" pitchFamily="18" charset="0"/>
-                      </a:rPr>
-                      <m:t>=</m:t>
-                    </m:r>
-                    <m:sSub>
-                      <m:sSubPr>
-                        <m:ctrlPr>
-                          <a:rPr lang="en-US" sz="2400" b="0" i="1" smtClean="0">
-                            <a:latin typeface="Cambria Math" panose="02040503050406030204" pitchFamily="18" charset="0"/>
-                            <a:cs typeface="Times New Roman" panose="02020603050405020304" pitchFamily="18" charset="0"/>
-                          </a:rPr>
-                        </m:ctrlPr>
-                      </m:sSubPr>
-                      <m:e>
-                        <m:r>
-                          <a:rPr lang="en-US" sz="2400" b="0" i="1" smtClean="0">
-                            <a:latin typeface="Cambria Math" panose="02040503050406030204" pitchFamily="18" charset="0"/>
-                            <a:cs typeface="Times New Roman" panose="02020603050405020304" pitchFamily="18" charset="0"/>
-                          </a:rPr>
-                          <m:t>𝛽</m:t>
-                        </m:r>
-                      </m:e>
-                      <m:sub>
-                        <m:r>
-                          <a:rPr lang="en-US" sz="2400" b="0" i="1" smtClean="0">
-                            <a:latin typeface="Cambria Math" panose="02040503050406030204" pitchFamily="18" charset="0"/>
-                            <a:cs typeface="Times New Roman" panose="02020603050405020304" pitchFamily="18" charset="0"/>
-                          </a:rPr>
-                          <m:t>0</m:t>
-                        </m:r>
-                      </m:sub>
-                    </m:sSub>
-                    <m:r>
-                      <a:rPr lang="en-US" sz="2400" b="0" i="1" smtClean="0">
-                        <a:latin typeface="Cambria Math" panose="02040503050406030204" pitchFamily="18" charset="0"/>
-                        <a:cs typeface="Times New Roman" panose="02020603050405020304" pitchFamily="18" charset="0"/>
-                      </a:rPr>
-                      <m:t>+</m:t>
-                    </m:r>
-                    <m:sSub>
-                      <m:sSubPr>
-                        <m:ctrlPr>
-                          <a:rPr lang="en-US" sz="2400" b="0" i="1" smtClean="0">
-                            <a:latin typeface="Cambria Math" panose="02040503050406030204" pitchFamily="18" charset="0"/>
-                            <a:cs typeface="Times New Roman" panose="02020603050405020304" pitchFamily="18" charset="0"/>
-                          </a:rPr>
-                        </m:ctrlPr>
-                      </m:sSubPr>
-                      <m:e>
-                        <m:r>
-                          <a:rPr lang="en-US" sz="2400" b="0" i="1" smtClean="0">
-                            <a:latin typeface="Cambria Math" panose="02040503050406030204" pitchFamily="18" charset="0"/>
-                            <a:cs typeface="Times New Roman" panose="02020603050405020304" pitchFamily="18" charset="0"/>
-                          </a:rPr>
-                          <m:t>𝛽</m:t>
-                        </m:r>
-                      </m:e>
-                      <m:sub>
-                        <m:r>
-                          <a:rPr lang="en-US" sz="2400" b="0" i="1" smtClean="0">
-                            <a:latin typeface="Cambria Math" panose="02040503050406030204" pitchFamily="18" charset="0"/>
-                            <a:cs typeface="Times New Roman" panose="02020603050405020304" pitchFamily="18" charset="0"/>
-                          </a:rPr>
-                          <m:t>1</m:t>
-                        </m:r>
-                      </m:sub>
-                    </m:sSub>
-                    <m:sSub>
-                      <m:sSubPr>
-                        <m:ctrlPr>
-                          <a:rPr lang="en-US" sz="2400" b="0" i="1" smtClean="0">
-                            <a:latin typeface="Cambria Math" panose="02040503050406030204" pitchFamily="18" charset="0"/>
-                            <a:cs typeface="Times New Roman" panose="02020603050405020304" pitchFamily="18" charset="0"/>
-                          </a:rPr>
-                        </m:ctrlPr>
-                      </m:sSubPr>
-                      <m:e>
-                        <m:r>
-                          <a:rPr lang="en-US" sz="2400" b="0" i="1" smtClean="0">
-                            <a:latin typeface="Cambria Math" panose="02040503050406030204" pitchFamily="18" charset="0"/>
-                            <a:cs typeface="Times New Roman" panose="02020603050405020304" pitchFamily="18" charset="0"/>
-                          </a:rPr>
-                          <m:t>𝑥</m:t>
-                        </m:r>
-                      </m:e>
-                      <m:sub>
-                        <m:r>
-                          <a:rPr lang="en-US" sz="2400" b="0" i="1" smtClean="0">
-                            <a:latin typeface="Cambria Math" panose="02040503050406030204" pitchFamily="18" charset="0"/>
-                            <a:cs typeface="Times New Roman" panose="02020603050405020304" pitchFamily="18" charset="0"/>
-                          </a:rPr>
-                          <m:t>1</m:t>
-                        </m:r>
-                      </m:sub>
-                    </m:sSub>
-                    <m:r>
-                      <a:rPr lang="en-US" sz="2400" b="0" i="1" smtClean="0">
-                        <a:latin typeface="Cambria Math" panose="02040503050406030204" pitchFamily="18" charset="0"/>
-                        <a:cs typeface="Times New Roman" panose="02020603050405020304" pitchFamily="18" charset="0"/>
-                      </a:rPr>
-                      <m:t>+…+</m:t>
-                    </m:r>
-                    <m:sSub>
-                      <m:sSubPr>
-                        <m:ctrlPr>
-                          <a:rPr lang="en-US" sz="2400" b="0" i="1" smtClean="0">
-                            <a:latin typeface="Cambria Math" panose="02040503050406030204" pitchFamily="18" charset="0"/>
-                            <a:cs typeface="Times New Roman" panose="02020603050405020304" pitchFamily="18" charset="0"/>
-                          </a:rPr>
-                        </m:ctrlPr>
-                      </m:sSubPr>
-                      <m:e>
-                        <m:r>
-                          <a:rPr lang="en-US" sz="2400" b="0" i="1" smtClean="0">
-                            <a:latin typeface="Cambria Math" panose="02040503050406030204" pitchFamily="18" charset="0"/>
-                            <a:cs typeface="Times New Roman" panose="02020603050405020304" pitchFamily="18" charset="0"/>
-                          </a:rPr>
-                          <m:t>𝛽</m:t>
-                        </m:r>
-                      </m:e>
-                      <m:sub>
-                        <m:r>
-                          <a:rPr lang="en-US" sz="2400" b="0" i="1" smtClean="0">
-                            <a:latin typeface="Cambria Math" panose="02040503050406030204" pitchFamily="18" charset="0"/>
-                            <a:cs typeface="Times New Roman" panose="02020603050405020304" pitchFamily="18" charset="0"/>
-                          </a:rPr>
-                          <m:t>𝑘</m:t>
-                        </m:r>
-                      </m:sub>
-                    </m:sSub>
-                    <m:sSub>
-                      <m:sSubPr>
-                        <m:ctrlPr>
-                          <a:rPr lang="en-US" sz="2400" b="0" i="1" smtClean="0">
-                            <a:latin typeface="Cambria Math" panose="02040503050406030204" pitchFamily="18" charset="0"/>
-                            <a:cs typeface="Times New Roman" panose="02020603050405020304" pitchFamily="18" charset="0"/>
-                          </a:rPr>
-                        </m:ctrlPr>
-                      </m:sSubPr>
-                      <m:e>
-                        <m:r>
-                          <a:rPr lang="en-US" sz="2400" b="0" i="1" smtClean="0">
-                            <a:latin typeface="Cambria Math" panose="02040503050406030204" pitchFamily="18" charset="0"/>
-                            <a:cs typeface="Times New Roman" panose="02020603050405020304" pitchFamily="18" charset="0"/>
-                          </a:rPr>
-                          <m:t>𝑥</m:t>
-                        </m:r>
-                      </m:e>
-                      <m:sub>
-                        <m:r>
-                          <a:rPr lang="en-US" sz="2400" b="0" i="1" smtClean="0">
-                            <a:latin typeface="Cambria Math" panose="02040503050406030204" pitchFamily="18" charset="0"/>
-                            <a:cs typeface="Times New Roman" panose="02020603050405020304" pitchFamily="18" charset="0"/>
-                          </a:rPr>
-                          <m:t>𝑘</m:t>
-                        </m:r>
-                      </m:sub>
-                    </m:sSub>
-                    <m:r>
-                      <a:rPr lang="en-US" sz="2400" b="0" i="1" smtClean="0">
-                        <a:latin typeface="Cambria Math" panose="02040503050406030204" pitchFamily="18" charset="0"/>
-                        <a:cs typeface="Times New Roman" panose="02020603050405020304" pitchFamily="18" charset="0"/>
-                      </a:rPr>
-                      <m:t>+</m:t>
-                    </m:r>
-                    <m:r>
-                      <a:rPr lang="en-US" sz="2400" b="0" i="1" smtClean="0">
-                        <a:latin typeface="Cambria Math" panose="02040503050406030204" pitchFamily="18" charset="0"/>
-                        <a:cs typeface="Times New Roman" panose="02020603050405020304" pitchFamily="18" charset="0"/>
-                      </a:rPr>
-                      <m:t>𝜀</m:t>
-                    </m:r>
-                  </m:oMath>
-                </a14:m>
-                <a:endParaRPr lang="en-US" sz="2400" b="0" dirty="0">
-                  <a:cs typeface="Times New Roman" panose="02020603050405020304" pitchFamily="18" charset="0"/>
-                </a:endParaRPr>
-              </a:p>
-              <a:p>
-                <a:r>
-                  <a:rPr lang="en-US" sz="2400" dirty="0">
-                    <a:cs typeface="Times New Roman" panose="02020603050405020304" pitchFamily="18" charset="0"/>
-                  </a:rPr>
-                  <a:t>If a backdoor </a:t>
-                </a:r>
-                <a14:m>
-                  <m:oMath xmlns:m="http://schemas.openxmlformats.org/officeDocument/2006/math">
-                    <m:r>
-                      <a:rPr lang="en-US" sz="2400" b="0" i="1" smtClean="0">
-                        <a:latin typeface="Cambria Math" panose="02040503050406030204" pitchFamily="18" charset="0"/>
-                        <a:cs typeface="Times New Roman" panose="02020603050405020304" pitchFamily="18" charset="0"/>
-                      </a:rPr>
-                      <m:t>𝑤</m:t>
-                    </m:r>
-                    <m:r>
-                      <a:rPr lang="en-US" sz="2400" b="0" i="1" smtClean="0">
-                        <a:latin typeface="Cambria Math" panose="02040503050406030204" pitchFamily="18" charset="0"/>
-                        <a:cs typeface="Times New Roman" panose="02020603050405020304" pitchFamily="18" charset="0"/>
-                      </a:rPr>
-                      <m:t> </m:t>
-                    </m:r>
-                  </m:oMath>
-                </a14:m>
-                <a:r>
-                  <a:rPr lang="en-US" sz="2400" dirty="0">
-                    <a:cs typeface="Times New Roman" panose="02020603050405020304" pitchFamily="18" charset="0"/>
-                  </a:rPr>
-                  <a:t>is ignored, </a:t>
-                </a:r>
-                <a14:m>
-                  <m:oMath xmlns:m="http://schemas.openxmlformats.org/officeDocument/2006/math">
-                    <m:r>
-                      <a:rPr lang="en-US" sz="2400" b="0" i="1" smtClean="0">
-                        <a:latin typeface="Cambria Math" panose="02040503050406030204" pitchFamily="18" charset="0"/>
-                        <a:cs typeface="Times New Roman" panose="02020603050405020304" pitchFamily="18" charset="0"/>
-                      </a:rPr>
-                      <m:t>𝐶𝑜𝑣</m:t>
-                    </m:r>
-                    <m:d>
-                      <m:dPr>
-                        <m:ctrlPr>
-                          <a:rPr lang="en-US" sz="2400" b="0" i="1" smtClean="0">
-                            <a:latin typeface="Cambria Math" panose="02040503050406030204" pitchFamily="18" charset="0"/>
-                            <a:cs typeface="Times New Roman" panose="02020603050405020304" pitchFamily="18" charset="0"/>
-                          </a:rPr>
-                        </m:ctrlPr>
-                      </m:dPr>
-                      <m:e>
-                        <m:sSub>
-                          <m:sSubPr>
-                            <m:ctrlPr>
-                              <a:rPr lang="en-US" sz="2400" b="0" i="1" smtClean="0">
-                                <a:latin typeface="Cambria Math" panose="02040503050406030204" pitchFamily="18" charset="0"/>
-                                <a:cs typeface="Times New Roman" panose="02020603050405020304" pitchFamily="18" charset="0"/>
-                              </a:rPr>
-                            </m:ctrlPr>
-                          </m:sSubPr>
-                          <m:e>
-                            <m:r>
-                              <a:rPr lang="en-US" sz="2400" b="0" i="1" smtClean="0">
-                                <a:latin typeface="Cambria Math" panose="02040503050406030204" pitchFamily="18" charset="0"/>
-                                <a:cs typeface="Times New Roman" panose="02020603050405020304" pitchFamily="18" charset="0"/>
-                              </a:rPr>
-                              <m:t>𝑥</m:t>
-                            </m:r>
-                          </m:e>
-                          <m:sub>
-                            <m:r>
-                              <a:rPr lang="en-US" sz="2400" b="0" i="1" smtClean="0">
-                                <a:latin typeface="Cambria Math" panose="02040503050406030204" pitchFamily="18" charset="0"/>
-                                <a:cs typeface="Times New Roman" panose="02020603050405020304" pitchFamily="18" charset="0"/>
-                              </a:rPr>
-                              <m:t>𝑗</m:t>
-                            </m:r>
-                          </m:sub>
-                        </m:sSub>
-                        <m:r>
-                          <a:rPr lang="en-US" sz="2400" b="0" i="1" smtClean="0">
-                            <a:latin typeface="Cambria Math" panose="02040503050406030204" pitchFamily="18" charset="0"/>
-                            <a:cs typeface="Times New Roman" panose="02020603050405020304" pitchFamily="18" charset="0"/>
-                          </a:rPr>
-                          <m:t>,</m:t>
-                        </m:r>
-                        <m:r>
-                          <a:rPr lang="en-US" sz="2400" b="0" i="1" smtClean="0">
-                            <a:latin typeface="Cambria Math" panose="02040503050406030204" pitchFamily="18" charset="0"/>
-                            <a:cs typeface="Times New Roman" panose="02020603050405020304" pitchFamily="18" charset="0"/>
-                          </a:rPr>
-                          <m:t>𝜀</m:t>
-                        </m:r>
-                      </m:e>
-                    </m:d>
-                    <m:r>
-                      <a:rPr lang="en-US" sz="2400" b="0" i="1" smtClean="0">
-                        <a:latin typeface="Cambria Math" panose="02040503050406030204" pitchFamily="18" charset="0"/>
-                        <a:cs typeface="Times New Roman" panose="02020603050405020304" pitchFamily="18" charset="0"/>
-                      </a:rPr>
-                      <m:t>≠0</m:t>
-                    </m:r>
-                  </m:oMath>
-                </a14:m>
-                <a:r>
-                  <a:rPr lang="en-US" sz="2400" dirty="0">
-                    <a:cs typeface="Times New Roman" panose="02020603050405020304" pitchFamily="18" charset="0"/>
-                  </a:rPr>
-                  <a:t> for some </a:t>
-                </a:r>
-                <a14:m>
-                  <m:oMath xmlns:m="http://schemas.openxmlformats.org/officeDocument/2006/math">
-                    <m:sSub>
-                      <m:sSubPr>
-                        <m:ctrlPr>
-                          <a:rPr lang="en-US" sz="2400" b="0" i="1" smtClean="0">
-                            <a:latin typeface="Cambria Math" panose="02040503050406030204" pitchFamily="18" charset="0"/>
-                            <a:cs typeface="Times New Roman" panose="02020603050405020304" pitchFamily="18" charset="0"/>
-                          </a:rPr>
-                        </m:ctrlPr>
-                      </m:sSubPr>
-                      <m:e>
-                        <m:r>
-                          <a:rPr lang="en-US" sz="2400" b="0" i="1" smtClean="0">
-                            <a:latin typeface="Cambria Math" panose="02040503050406030204" pitchFamily="18" charset="0"/>
-                            <a:cs typeface="Times New Roman" panose="02020603050405020304" pitchFamily="18" charset="0"/>
-                          </a:rPr>
-                          <m:t>𝑥</m:t>
-                        </m:r>
-                      </m:e>
-                      <m:sub>
-                        <m:r>
-                          <a:rPr lang="en-US" sz="2400" b="0" i="1" smtClean="0">
-                            <a:latin typeface="Cambria Math" panose="02040503050406030204" pitchFamily="18" charset="0"/>
-                            <a:cs typeface="Times New Roman" panose="02020603050405020304" pitchFamily="18" charset="0"/>
-                          </a:rPr>
-                          <m:t>𝑗</m:t>
-                        </m:r>
-                      </m:sub>
-                    </m:sSub>
-                  </m:oMath>
-                </a14:m>
-                <a:endParaRPr lang="en-US" sz="2400" b="0" dirty="0">
-                  <a:cs typeface="Times New Roman" panose="02020603050405020304" pitchFamily="18" charset="0"/>
-                </a:endParaRPr>
-              </a:p>
-              <a:p>
-                <a:endParaRPr lang="en-US" sz="2400" dirty="0">
-                  <a:cs typeface="Times New Roman" panose="02020603050405020304" pitchFamily="18" charset="0"/>
-                </a:endParaRPr>
-              </a:p>
-            </p:txBody>
-          </p:sp>
-        </mc:Choice>
-        <mc:Fallback xmlns="">
-          <p:sp>
-            <p:nvSpPr>
-              <p:cNvPr id="3" name="Content Placeholder 2"/>
-              <p:cNvSpPr>
-                <a:spLocks noGrp="1" noRot="1" noChangeAspect="1" noMove="1" noResize="1" noEditPoints="1" noAdjustHandles="1" noChangeArrowheads="1" noChangeShapeType="1" noTextEdit="1"/>
-              </p:cNvSpPr>
-              <p:nvPr>
-                <p:ph idx="1"/>
-              </p:nvPr>
-            </p:nvSpPr>
-            <p:spPr>
-              <a:xfrm>
-                <a:off x="1219199" y="1066801"/>
-                <a:ext cx="9829801" cy="5141388"/>
-              </a:xfrm>
-              <a:blipFill>
-                <a:blip r:embed="rId3"/>
-                <a:stretch>
-                  <a:fillRect l="-930" t="-1305"/>
-                </a:stretch>
-              </a:blipFill>
-            </p:spPr>
-            <p:txBody>
-              <a:bodyPr/>
-              <a:lstStyle/>
-              <a:p>
-                <a:r>
-                  <a:rPr lang="en-US">
-                    <a:noFill/>
-                  </a:rPr>
-                  <a:t> </a:t>
-                </a:r>
-              </a:p>
-            </p:txBody>
-          </p:sp>
-        </mc:Fallback>
-      </mc:AlternateContent>
-    </p:spTree>
-    <p:extLst>
-      <p:ext uri="{BB962C8B-B14F-4D97-AF65-F5344CB8AC3E}">
-        <p14:creationId xmlns:p14="http://schemas.microsoft.com/office/powerpoint/2010/main" val="3686341595"/>
       </p:ext>
     </p:extLst>
   </p:cSld>

--- a/Lecture06_IV/Lecture6_IVEstimation_2022F.pptx
+++ b/Lecture06_IV/Lecture6_IVEstimation_2022F.pptx
@@ -285,7 +285,7 @@
           <a:p>
             <a:fld id="{EF911157-0FC2-4F06-8D61-FD647FE4E19D}" type="datetimeFigureOut">
               <a:rPr lang="en-US" smtClean="0"/>
-              <a:t>10/13/2022</a:t>
+              <a:t>10/20/2022</a:t>
             </a:fld>
             <a:endParaRPr lang="en-US"/>
           </a:p>
@@ -605,6 +605,14 @@
               <a:buFont typeface="Arial" panose="020B0604020202020204" pitchFamily="34" charset="0"/>
               <a:buNone/>
             </a:pPr>
+            <a:r>
+              <a:rPr lang="en-US" dirty="0"/>
+              <a:t>Note that this won’t be a coding heavy day, but an </a:t>
+            </a:r>
+            <a:r>
+              <a:rPr lang="en-US"/>
+              <a:t>intuition heavy day</a:t>
+            </a:r>
             <a:endParaRPr lang="en-US" dirty="0"/>
           </a:p>
         </p:txBody>
@@ -2744,8 +2752,21 @@
           <a:p>
             <a:r>
               <a:rPr lang="en-US" b="0" dirty="0"/>
-              <a:t>In this case, the IV is your father’s education (a common but slightly dubious instrument – can talk about why if time)</a:t>
-            </a:r>
+              <a:t>In this case, the IV is your father’s education (a common but slightly dubious instrument – can talk about why if time). Note that the coefficient is the same sign but smaller (adjusting for positive selection into treatment). There are also cases where the coefficient may be </a:t>
+            </a:r>
+            <a:r>
+              <a:rPr lang="en-US" b="1" dirty="0"/>
+              <a:t>opposite signed</a:t>
+            </a:r>
+            <a:r>
+              <a:rPr lang="en-US" b="0" dirty="0"/>
+              <a:t>, especially if there is negative selection into a treatment with a positive treatment effect (classic example is return to migration: generally a good thing but you’re forced into it when things go </a:t>
+            </a:r>
+            <a:r>
+              <a:rPr lang="en-US" b="0"/>
+              <a:t>south in home country). </a:t>
+            </a:r>
+            <a:endParaRPr lang="en-US" b="0" dirty="0"/>
           </a:p>
         </p:txBody>
       </p:sp>
@@ -4243,7 +4264,10 @@
           <a:bodyPr/>
           <a:lstStyle/>
           <a:p>
-            <a:endParaRPr lang="en-US" dirty="0"/>
+            <a:r>
+              <a:rPr lang="en-US" dirty="0"/>
+              <a:t>Skip code if time?</a:t>
+            </a:r>
           </a:p>
         </p:txBody>
       </p:sp>
@@ -6550,7 +6574,7 @@
             <a:fld id="{0972D05C-DCFB-4BB6-B49C-AC126BF3ED2C}" type="datetimeFigureOut">
               <a:rPr lang="en-US" smtClean="0"/>
               <a:pPr/>
-              <a:t>10/13/2022</a:t>
+              <a:t>10/20/2022</a:t>
             </a:fld>
             <a:endParaRPr lang="en-US"/>
           </a:p>
@@ -6780,7 +6804,7 @@
             <a:fld id="{0972D05C-DCFB-4BB6-B49C-AC126BF3ED2C}" type="datetimeFigureOut">
               <a:rPr lang="en-US" smtClean="0"/>
               <a:pPr/>
-              <a:t>10/13/2022</a:t>
+              <a:t>10/20/2022</a:t>
             </a:fld>
             <a:endParaRPr lang="en-US"/>
           </a:p>
@@ -6962,7 +6986,7 @@
             <a:fld id="{0972D05C-DCFB-4BB6-B49C-AC126BF3ED2C}" type="datetimeFigureOut">
               <a:rPr lang="en-US" smtClean="0"/>
               <a:pPr/>
-              <a:t>10/13/2022</a:t>
+              <a:t>10/20/2022</a:t>
             </a:fld>
             <a:endParaRPr lang="en-US"/>
           </a:p>
@@ -7134,7 +7158,7 @@
             <a:fld id="{0972D05C-DCFB-4BB6-B49C-AC126BF3ED2C}" type="datetimeFigureOut">
               <a:rPr lang="en-US" smtClean="0"/>
               <a:pPr/>
-              <a:t>10/13/2022</a:t>
+              <a:t>10/20/2022</a:t>
             </a:fld>
             <a:endParaRPr lang="en-US"/>
           </a:p>
@@ -7390,7 +7414,7 @@
             <a:fld id="{0972D05C-DCFB-4BB6-B49C-AC126BF3ED2C}" type="datetimeFigureOut">
               <a:rPr lang="en-US" smtClean="0"/>
               <a:pPr/>
-              <a:t>10/13/2022</a:t>
+              <a:t>10/20/2022</a:t>
             </a:fld>
             <a:endParaRPr lang="en-US"/>
           </a:p>
@@ -7718,7 +7742,7 @@
             <a:fld id="{0972D05C-DCFB-4BB6-B49C-AC126BF3ED2C}" type="datetimeFigureOut">
               <a:rPr lang="en-US" smtClean="0"/>
               <a:pPr/>
-              <a:t>10/13/2022</a:t>
+              <a:t>10/20/2022</a:t>
             </a:fld>
             <a:endParaRPr lang="en-US"/>
           </a:p>
@@ -8171,7 +8195,7 @@
             <a:fld id="{0972D05C-DCFB-4BB6-B49C-AC126BF3ED2C}" type="datetimeFigureOut">
               <a:rPr lang="en-US" smtClean="0"/>
               <a:pPr/>
-              <a:t>10/13/2022</a:t>
+              <a:t>10/20/2022</a:t>
             </a:fld>
             <a:endParaRPr lang="en-US"/>
           </a:p>
@@ -8291,7 +8315,7 @@
             <a:fld id="{0972D05C-DCFB-4BB6-B49C-AC126BF3ED2C}" type="datetimeFigureOut">
               <a:rPr lang="en-US" smtClean="0"/>
               <a:pPr/>
-              <a:t>10/13/2022</a:t>
+              <a:t>10/20/2022</a:t>
             </a:fld>
             <a:endParaRPr lang="en-US"/>
           </a:p>
@@ -8388,7 +8412,7 @@
             <a:fld id="{0972D05C-DCFB-4BB6-B49C-AC126BF3ED2C}" type="datetimeFigureOut">
               <a:rPr lang="en-US" smtClean="0"/>
               <a:pPr/>
-              <a:t>10/13/2022</a:t>
+              <a:t>10/20/2022</a:t>
             </a:fld>
             <a:endParaRPr lang="en-US"/>
           </a:p>
@@ -8677,7 +8701,7 @@
             <a:fld id="{0972D05C-DCFB-4BB6-B49C-AC126BF3ED2C}" type="datetimeFigureOut">
               <a:rPr lang="en-US" smtClean="0"/>
               <a:pPr/>
-              <a:t>10/13/2022</a:t>
+              <a:t>10/20/2022</a:t>
             </a:fld>
             <a:endParaRPr lang="en-US"/>
           </a:p>
@@ -9001,7 +9025,7 @@
             <a:fld id="{0972D05C-DCFB-4BB6-B49C-AC126BF3ED2C}" type="datetimeFigureOut">
               <a:rPr lang="en-US" smtClean="0"/>
               <a:pPr/>
-              <a:t>10/13/2022</a:t>
+              <a:t>10/20/2022</a:t>
             </a:fld>
             <a:endParaRPr lang="en-US"/>
           </a:p>
@@ -9256,7 +9280,7 @@
             <a:fld id="{0972D05C-DCFB-4BB6-B49C-AC126BF3ED2C}" type="datetimeFigureOut">
               <a:rPr lang="en-US" smtClean="0"/>
               <a:pPr/>
-              <a:t>10/13/2022</a:t>
+              <a:t>10/20/2022</a:t>
             </a:fld>
             <a:endParaRPr lang="en-US" dirty="0"/>
           </a:p>
@@ -9890,8 +9914,8 @@
           </a:p>
         </p:txBody>
       </p:sp>
-      <mc:AlternateContent xmlns:mc="http://schemas.openxmlformats.org/markup-compatibility/2006">
-        <mc:Choice xmlns:a14="http://schemas.microsoft.com/office/drawing/2010/main" Requires="a14">
+      <mc:AlternateContent xmlns:mc="http://schemas.openxmlformats.org/markup-compatibility/2006" xmlns:a14="http://schemas.microsoft.com/office/drawing/2010/main">
+        <mc:Choice Requires="a14">
           <p:sp>
             <p:nvSpPr>
               <p:cNvPr id="3" name="Content Placeholder 2"/>
@@ -10313,7 +10337,7 @@
             </p:txBody>
           </p:sp>
         </mc:Choice>
-        <mc:Fallback>
+        <mc:Fallback xmlns="">
           <p:sp>
             <p:nvSpPr>
               <p:cNvPr id="3" name="Content Placeholder 2"/>
@@ -15207,8 +15231,8 @@
           </a:p>
         </p:txBody>
       </p:sp>
-      <mc:AlternateContent xmlns:mc="http://schemas.openxmlformats.org/markup-compatibility/2006">
-        <mc:Choice xmlns:a14="http://schemas.microsoft.com/office/drawing/2010/main" Requires="a14">
+      <mc:AlternateContent xmlns:mc="http://schemas.openxmlformats.org/markup-compatibility/2006" xmlns:a14="http://schemas.microsoft.com/office/drawing/2010/main">
+        <mc:Choice Requires="a14">
           <p:sp>
             <p:nvSpPr>
               <p:cNvPr id="3" name="Content Placeholder 2"/>
@@ -15339,7 +15363,7 @@
             </p:txBody>
           </p:sp>
         </mc:Choice>
-        <mc:Fallback>
+        <mc:Fallback xmlns="">
           <p:sp>
             <p:nvSpPr>
               <p:cNvPr id="3" name="Content Placeholder 2"/>
@@ -21258,12 +21282,249 @@
           </a:p>
         </p:txBody>
       </p:sp>
+    </p:spTree>
+    <p:extLst>
+      <p:ext uri="{BB962C8B-B14F-4D97-AF65-F5344CB8AC3E}">
+        <p14:creationId xmlns:p14="http://schemas.microsoft.com/office/powerpoint/2010/main" val="3576198039"/>
+      </p:ext>
+    </p:extLst>
+  </p:cSld>
+  <p:clrMapOvr>
+    <a:masterClrMapping/>
+  </p:clrMapOvr>
+</p:sld>
+</file>
+
+<file path=ppt/slides/slide51.xml><?xml version="1.0" encoding="utf-8"?>
+<p:sld xmlns:a="http://schemas.openxmlformats.org/drawingml/2006/main" xmlns:r="http://schemas.openxmlformats.org/officeDocument/2006/relationships" xmlns:p="http://schemas.openxmlformats.org/presentationml/2006/main">
+  <p:cSld>
+    <p:spTree>
+      <p:nvGrpSpPr>
+        <p:cNvPr id="1" name=""/>
+        <p:cNvGrpSpPr/>
+        <p:nvPr/>
+      </p:nvGrpSpPr>
+      <p:grpSpPr>
+        <a:xfrm>
+          <a:off x="0" y="0"/>
+          <a:ext cx="0" cy="0"/>
+          <a:chOff x="0" y="0"/>
+          <a:chExt cx="0" cy="0"/>
+        </a:xfrm>
+      </p:grpSpPr>
+      <p:sp>
+        <p:nvSpPr>
+          <p:cNvPr id="2" name="Title 1"/>
+          <p:cNvSpPr>
+            <a:spLocks noGrp="1"/>
+          </p:cNvSpPr>
+          <p:nvPr>
+            <p:ph type="title"/>
+          </p:nvPr>
+        </p:nvSpPr>
+        <p:spPr>
+          <a:xfrm>
+            <a:off x="609600" y="337392"/>
+            <a:ext cx="10439400" cy="624840"/>
+          </a:xfrm>
+        </p:spPr>
+        <p:txBody>
+          <a:bodyPr>
+            <a:noAutofit/>
+          </a:bodyPr>
+          <a:lstStyle/>
+          <a:p>
+            <a:r>
+              <a:rPr lang="en-US" sz="3600" dirty="0">
+                <a:latin typeface="Times New Roman"/>
+                <a:cs typeface="Times New Roman"/>
+              </a:rPr>
+              <a:t>Using an IV: How do I defend an IV?</a:t>
+            </a:r>
+          </a:p>
+        </p:txBody>
+      </p:sp>
+      <p:sp>
+        <p:nvSpPr>
+          <p:cNvPr id="3" name="Content Placeholder 2"/>
+          <p:cNvSpPr>
+            <a:spLocks noGrp="1"/>
+          </p:cNvSpPr>
+          <p:nvPr>
+            <p:ph idx="1"/>
+          </p:nvPr>
+        </p:nvSpPr>
+        <p:spPr>
+          <a:xfrm>
+            <a:off x="914400" y="1066801"/>
+            <a:ext cx="9984829" cy="5141388"/>
+          </a:xfrm>
+        </p:spPr>
+        <p:txBody>
+          <a:bodyPr vert="horz" lIns="91440" tIns="45720" rIns="91440" bIns="45720" rtlCol="0" anchor="t">
+            <a:normAutofit/>
+          </a:bodyPr>
+          <a:lstStyle/>
+          <a:p>
+            <a:pPr marL="457200" indent="-457200">
+              <a:buAutoNum type="arabicPeriod"/>
+            </a:pPr>
+            <a:r>
+              <a:rPr lang="en-US" sz="2400" dirty="0">
+                <a:latin typeface="Times New Roman"/>
+                <a:cs typeface="Times New Roman"/>
+              </a:rPr>
+              <a:t>Report relevance: </a:t>
+            </a:r>
+            <a:endParaRPr lang="en-US" sz="2400" dirty="0">
+              <a:cs typeface="Times New Roman" panose="02020603050405020304" pitchFamily="18" charset="0"/>
+            </a:endParaRPr>
+          </a:p>
+          <a:p>
+            <a:pPr lvl="1"/>
+            <a:r>
+              <a:rPr lang="en-US" sz="2400" spc="10" dirty="0">
+                <a:solidFill>
+                  <a:srgbClr val="000000"/>
+                </a:solidFill>
+                <a:latin typeface="Times New Roman"/>
+                <a:cs typeface="Times New Roman"/>
+              </a:rPr>
+              <a:t>Used to be F &gt; 10, </a:t>
+            </a:r>
+            <a:r>
+              <a:rPr lang="en-US" sz="2400" spc="10" dirty="0">
+                <a:solidFill>
+                  <a:srgbClr val="000000"/>
+                </a:solidFill>
+                <a:latin typeface="Times New Roman"/>
+                <a:cs typeface="Times New Roman"/>
+                <a:hlinkClick r:id="rId3"/>
+              </a:rPr>
+              <a:t>now is F &gt; 104.7</a:t>
+            </a:r>
+            <a:endParaRPr lang="en-US" sz="2400" spc="10" dirty="0">
+              <a:solidFill>
+                <a:srgbClr val="000000"/>
+              </a:solidFill>
+              <a:latin typeface="Times New Roman"/>
+              <a:cs typeface="Times New Roman"/>
+            </a:endParaRPr>
+          </a:p>
+          <a:p>
+            <a:pPr marL="457200" indent="-457200">
+              <a:buAutoNum type="arabicPeriod"/>
+            </a:pPr>
+            <a:r>
+              <a:rPr lang="en-US" sz="2400" b="1" dirty="0">
+                <a:solidFill>
+                  <a:schemeClr val="accent2">
+                    <a:lumMod val="75000"/>
+                  </a:schemeClr>
+                </a:solidFill>
+                <a:latin typeface="Times New Roman"/>
+                <a:cs typeface="Times New Roman"/>
+              </a:rPr>
+              <a:t>Correct for weak instrument problems</a:t>
+            </a:r>
+            <a:endParaRPr lang="en-US" sz="2400" dirty="0">
+              <a:solidFill>
+                <a:schemeClr val="accent2">
+                  <a:lumMod val="75000"/>
+                </a:schemeClr>
+              </a:solidFill>
+              <a:cs typeface="Times New Roman" panose="02020603050405020304" pitchFamily="18" charset="0"/>
+            </a:endParaRPr>
+          </a:p>
+          <a:p>
+            <a:pPr lvl="1"/>
+            <a:r>
+              <a:rPr lang="en-US" sz="2400" spc="10" dirty="0">
+                <a:solidFill>
+                  <a:srgbClr val="000000"/>
+                </a:solidFill>
+                <a:latin typeface="Times New Roman"/>
+                <a:cs typeface="Times New Roman"/>
+              </a:rPr>
+              <a:t>There are </a:t>
+            </a:r>
+            <a:r>
+              <a:rPr lang="en-US" sz="2400" spc="10" dirty="0">
+                <a:solidFill>
+                  <a:srgbClr val="000000"/>
+                </a:solidFill>
+                <a:latin typeface="Times New Roman"/>
+                <a:cs typeface="Times New Roman"/>
+                <a:hlinkClick r:id="rId4"/>
+              </a:rPr>
+              <a:t>bias correction tests and methods</a:t>
+            </a:r>
+            <a:r>
+              <a:rPr lang="en-US" sz="2400" spc="10" dirty="0">
+                <a:solidFill>
+                  <a:srgbClr val="000000"/>
+                </a:solidFill>
+                <a:latin typeface="Times New Roman"/>
+                <a:cs typeface="Times New Roman"/>
+              </a:rPr>
+              <a:t> </a:t>
+            </a:r>
+            <a:endParaRPr lang="en-US" sz="2400" dirty="0">
+              <a:solidFill>
+                <a:srgbClr val="000000"/>
+              </a:solidFill>
+              <a:latin typeface="Times New Roman"/>
+              <a:cs typeface="Times New Roman"/>
+            </a:endParaRPr>
+          </a:p>
+          <a:p>
+            <a:pPr lvl="1"/>
+            <a:r>
+              <a:rPr lang="en-US" sz="2400" spc="10" dirty="0">
+                <a:solidFill>
+                  <a:srgbClr val="000000"/>
+                </a:solidFill>
+                <a:latin typeface="Times New Roman"/>
+                <a:cs typeface="Times New Roman"/>
+              </a:rPr>
+              <a:t>These corrections aren't universally accepted</a:t>
+            </a:r>
+            <a:endParaRPr lang="en-US" sz="2400" spc="10" dirty="0">
+              <a:solidFill>
+                <a:srgbClr val="000000"/>
+              </a:solidFill>
+              <a:cs typeface="Times New Roman" panose="02020603050405020304" pitchFamily="18" charset="0"/>
+            </a:endParaRPr>
+          </a:p>
+          <a:p>
+            <a:pPr lvl="1"/>
+            <a:r>
+              <a:rPr lang="en-US" sz="2400" spc="10" dirty="0">
+                <a:solidFill>
+                  <a:srgbClr val="000000"/>
+                </a:solidFill>
+                <a:latin typeface="Times New Roman"/>
+                <a:cs typeface="Times New Roman"/>
+              </a:rPr>
+              <a:t>Generally, they blow up your standard errors too much to be useful anyway</a:t>
+            </a:r>
+            <a:endParaRPr lang="en-US" sz="2400" dirty="0">
+              <a:cs typeface="Times New Roman" panose="02020603050405020304" pitchFamily="18" charset="0"/>
+            </a:endParaRPr>
+          </a:p>
+          <a:p>
+            <a:endParaRPr lang="en-US" sz="2400" dirty="0">
+              <a:cs typeface="Times New Roman" panose="02020603050405020304" pitchFamily="18" charset="0"/>
+            </a:endParaRPr>
+          </a:p>
+        </p:txBody>
+      </p:sp>
       <p:pic>
         <p:nvPicPr>
-          <p:cNvPr id="5" name="Picture 2" descr="RStudio - RStudio">
+          <p:cNvPr id="4" name="Picture 2" descr="RStudio - RStudio">
             <a:extLst>
               <a:ext uri="{FF2B5EF4-FFF2-40B4-BE49-F238E27FC236}">
-                <a16:creationId xmlns:a16="http://schemas.microsoft.com/office/drawing/2014/main" id="{3F22A244-AE12-1776-B122-D229757A90E1}"/>
+                <a16:creationId xmlns:a16="http://schemas.microsoft.com/office/drawing/2014/main" id="{78F2922B-B767-FFB2-FCC9-28E1B7234E34}"/>
               </a:ext>
             </a:extLst>
           </p:cNvPr>
@@ -21273,7 +21534,7 @@
           <p:nvPr/>
         </p:nvPicPr>
         <p:blipFill>
-          <a:blip r:embed="rId4">
+          <a:blip r:embed="rId5">
             <a:extLst>
               <a:ext uri="{28A0092B-C50C-407E-A947-70E740481C1C}">
                 <a14:useLocalDpi xmlns:a14="http://schemas.microsoft.com/office/drawing/2010/main" val="0"/>
@@ -21305,243 +21566,6 @@
           </a:extLst>
         </p:spPr>
       </p:pic>
-    </p:spTree>
-    <p:extLst>
-      <p:ext uri="{BB962C8B-B14F-4D97-AF65-F5344CB8AC3E}">
-        <p14:creationId xmlns:p14="http://schemas.microsoft.com/office/powerpoint/2010/main" val="3576198039"/>
-      </p:ext>
-    </p:extLst>
-  </p:cSld>
-  <p:clrMapOvr>
-    <a:masterClrMapping/>
-  </p:clrMapOvr>
-</p:sld>
-</file>
-
-<file path=ppt/slides/slide51.xml><?xml version="1.0" encoding="utf-8"?>
-<p:sld xmlns:a="http://schemas.openxmlformats.org/drawingml/2006/main" xmlns:r="http://schemas.openxmlformats.org/officeDocument/2006/relationships" xmlns:p="http://schemas.openxmlformats.org/presentationml/2006/main">
-  <p:cSld>
-    <p:spTree>
-      <p:nvGrpSpPr>
-        <p:cNvPr id="1" name=""/>
-        <p:cNvGrpSpPr/>
-        <p:nvPr/>
-      </p:nvGrpSpPr>
-      <p:grpSpPr>
-        <a:xfrm>
-          <a:off x="0" y="0"/>
-          <a:ext cx="0" cy="0"/>
-          <a:chOff x="0" y="0"/>
-          <a:chExt cx="0" cy="0"/>
-        </a:xfrm>
-      </p:grpSpPr>
-      <p:sp>
-        <p:nvSpPr>
-          <p:cNvPr id="2" name="Title 1"/>
-          <p:cNvSpPr>
-            <a:spLocks noGrp="1"/>
-          </p:cNvSpPr>
-          <p:nvPr>
-            <p:ph type="title"/>
-          </p:nvPr>
-        </p:nvSpPr>
-        <p:spPr>
-          <a:xfrm>
-            <a:off x="609600" y="337392"/>
-            <a:ext cx="10439400" cy="624840"/>
-          </a:xfrm>
-        </p:spPr>
-        <p:txBody>
-          <a:bodyPr>
-            <a:noAutofit/>
-          </a:bodyPr>
-          <a:lstStyle/>
-          <a:p>
-            <a:r>
-              <a:rPr lang="en-US" sz="3600" dirty="0">
-                <a:latin typeface="Times New Roman"/>
-                <a:cs typeface="Times New Roman"/>
-              </a:rPr>
-              <a:t>Using an IV: How do I defend an IV?</a:t>
-            </a:r>
-          </a:p>
-        </p:txBody>
-      </p:sp>
-      <p:sp>
-        <p:nvSpPr>
-          <p:cNvPr id="3" name="Content Placeholder 2"/>
-          <p:cNvSpPr>
-            <a:spLocks noGrp="1"/>
-          </p:cNvSpPr>
-          <p:nvPr>
-            <p:ph idx="1"/>
-          </p:nvPr>
-        </p:nvSpPr>
-        <p:spPr>
-          <a:xfrm>
-            <a:off x="914400" y="1066801"/>
-            <a:ext cx="9984829" cy="5141388"/>
-          </a:xfrm>
-        </p:spPr>
-        <p:txBody>
-          <a:bodyPr vert="horz" lIns="91440" tIns="45720" rIns="91440" bIns="45720" rtlCol="0" anchor="t">
-            <a:normAutofit/>
-          </a:bodyPr>
-          <a:lstStyle/>
-          <a:p>
-            <a:pPr marL="457200" indent="-457200">
-              <a:buAutoNum type="arabicPeriod"/>
-            </a:pPr>
-            <a:r>
-              <a:rPr lang="en-US" sz="2400" dirty="0">
-                <a:latin typeface="Times New Roman"/>
-                <a:cs typeface="Times New Roman"/>
-              </a:rPr>
-              <a:t>Report relevance: </a:t>
-            </a:r>
-            <a:endParaRPr lang="en-US" sz="2400" dirty="0">
-              <a:cs typeface="Times New Roman" panose="02020603050405020304" pitchFamily="18" charset="0"/>
-            </a:endParaRPr>
-          </a:p>
-          <a:p>
-            <a:pPr lvl="1"/>
-            <a:r>
-              <a:rPr lang="en-US" sz="2400" spc="10" dirty="0">
-                <a:solidFill>
-                  <a:srgbClr val="000000"/>
-                </a:solidFill>
-                <a:latin typeface="Times New Roman"/>
-                <a:cs typeface="Times New Roman"/>
-              </a:rPr>
-              <a:t>Used to be F &gt; 10, </a:t>
-            </a:r>
-            <a:r>
-              <a:rPr lang="en-US" sz="2400" spc="10" dirty="0">
-                <a:solidFill>
-                  <a:srgbClr val="000000"/>
-                </a:solidFill>
-                <a:latin typeface="Times New Roman"/>
-                <a:cs typeface="Times New Roman"/>
-                <a:hlinkClick r:id="rId3"/>
-              </a:rPr>
-              <a:t>now is F &gt; 104.7</a:t>
-            </a:r>
-            <a:endParaRPr lang="en-US" sz="2400" spc="10" dirty="0">
-              <a:solidFill>
-                <a:srgbClr val="000000"/>
-              </a:solidFill>
-              <a:latin typeface="Times New Roman"/>
-              <a:cs typeface="Times New Roman"/>
-            </a:endParaRPr>
-          </a:p>
-          <a:p>
-            <a:pPr marL="457200" indent="-457200">
-              <a:buAutoNum type="arabicPeriod"/>
-            </a:pPr>
-            <a:r>
-              <a:rPr lang="en-US" sz="2400" b="1" dirty="0">
-                <a:solidFill>
-                  <a:schemeClr val="accent2">
-                    <a:lumMod val="75000"/>
-                  </a:schemeClr>
-                </a:solidFill>
-                <a:latin typeface="Times New Roman"/>
-                <a:cs typeface="Times New Roman"/>
-              </a:rPr>
-              <a:t>Correct for weak instrument problems</a:t>
-            </a:r>
-            <a:endParaRPr lang="en-US" sz="2400" dirty="0">
-              <a:solidFill>
-                <a:schemeClr val="accent2">
-                  <a:lumMod val="75000"/>
-                </a:schemeClr>
-              </a:solidFill>
-              <a:cs typeface="Times New Roman" panose="02020603050405020304" pitchFamily="18" charset="0"/>
-            </a:endParaRPr>
-          </a:p>
-          <a:p>
-            <a:pPr lvl="1"/>
-            <a:r>
-              <a:rPr lang="en-US" sz="2400" spc="10" dirty="0">
-                <a:solidFill>
-                  <a:srgbClr val="000000"/>
-                </a:solidFill>
-                <a:latin typeface="Times New Roman"/>
-                <a:cs typeface="Times New Roman"/>
-              </a:rPr>
-              <a:t>There are </a:t>
-            </a:r>
-            <a:r>
-              <a:rPr lang="en-US" sz="2400" spc="10" dirty="0">
-                <a:solidFill>
-                  <a:srgbClr val="000000"/>
-                </a:solidFill>
-                <a:latin typeface="Times New Roman"/>
-                <a:cs typeface="Times New Roman"/>
-                <a:hlinkClick r:id="rId4"/>
-              </a:rPr>
-              <a:t>bias correction tests and methods</a:t>
-            </a:r>
-            <a:r>
-              <a:rPr lang="en-US" sz="2400" spc="10" dirty="0">
-                <a:solidFill>
-                  <a:srgbClr val="000000"/>
-                </a:solidFill>
-                <a:latin typeface="Times New Roman"/>
-                <a:cs typeface="Times New Roman"/>
-              </a:rPr>
-              <a:t> </a:t>
-            </a:r>
-            <a:endParaRPr lang="en-US" sz="2400" dirty="0">
-              <a:solidFill>
-                <a:srgbClr val="000000"/>
-              </a:solidFill>
-              <a:latin typeface="Times New Roman"/>
-              <a:cs typeface="Times New Roman"/>
-            </a:endParaRPr>
-          </a:p>
-          <a:p>
-            <a:pPr lvl="1"/>
-            <a:r>
-              <a:rPr lang="en-US" sz="2400" spc="10" dirty="0">
-                <a:solidFill>
-                  <a:srgbClr val="000000"/>
-                </a:solidFill>
-                <a:latin typeface="Times New Roman"/>
-                <a:cs typeface="Times New Roman"/>
-              </a:rPr>
-              <a:t>These corrections aren't universally accepted</a:t>
-            </a:r>
-            <a:endParaRPr lang="en-US" sz="2400" spc="10" dirty="0">
-              <a:solidFill>
-                <a:srgbClr val="000000"/>
-              </a:solidFill>
-              <a:cs typeface="Times New Roman" panose="02020603050405020304" pitchFamily="18" charset="0"/>
-            </a:endParaRPr>
-          </a:p>
-          <a:p>
-            <a:pPr lvl="1"/>
-            <a:r>
-              <a:rPr lang="en-US" sz="2400" spc="10" dirty="0">
-                <a:solidFill>
-                  <a:srgbClr val="000000"/>
-                </a:solidFill>
-                <a:latin typeface="Times New Roman"/>
-                <a:cs typeface="Times New Roman"/>
-              </a:rPr>
-              <a:t>Generally, they blow up your standard errors too much to be useful anyway</a:t>
-            </a:r>
-            <a:endParaRPr lang="en-US" sz="2400" dirty="0">
-              <a:cs typeface="Times New Roman" panose="02020603050405020304" pitchFamily="18" charset="0"/>
-            </a:endParaRPr>
-          </a:p>
-          <a:p>
-            <a:endParaRPr lang="en-US" sz="2400" dirty="0">
-              <a:cs typeface="Times New Roman" panose="02020603050405020304" pitchFamily="18" charset="0"/>
-            </a:endParaRPr>
-          </a:p>
-        </p:txBody>
-      </p:sp>
     </p:spTree>
     <p:extLst>
       <p:ext uri="{BB962C8B-B14F-4D97-AF65-F5344CB8AC3E}">
@@ -22346,114 +22370,21 @@
           </a:p>
         </p:txBody>
       </p:sp>
-      <p:sp>
-        <p:nvSpPr>
-          <p:cNvPr id="3" name="Content Placeholder 2"/>
-          <p:cNvSpPr>
-            <a:spLocks noGrp="1"/>
-          </p:cNvSpPr>
-          <p:nvPr>
-            <p:ph idx="1"/>
-          </p:nvPr>
-        </p:nvSpPr>
-        <p:spPr>
-          <a:xfrm>
-            <a:off x="914400" y="1066801"/>
-            <a:ext cx="9984829" cy="5141388"/>
-          </a:xfrm>
-        </p:spPr>
-        <p:txBody>
-          <a:bodyPr vert="horz" lIns="91440" tIns="45720" rIns="91440" bIns="45720" rtlCol="0" anchor="t">
-            <a:normAutofit/>
-          </a:bodyPr>
-          <a:lstStyle/>
-          <a:p>
-            <a:r>
-              <a:rPr lang="en-US" sz="2400" dirty="0">
-                <a:cs typeface="Times New Roman" panose="02020603050405020304" pitchFamily="18" charset="0"/>
-              </a:rPr>
-              <a:t>Many quasi-experimental approaches are very assumption dependent</a:t>
-            </a:r>
-          </a:p>
-          <a:p>
-            <a:r>
-              <a:rPr lang="en-US" sz="2400" b="1" dirty="0">
-                <a:cs typeface="Times New Roman" panose="02020603050405020304" pitchFamily="18" charset="0"/>
-              </a:rPr>
-              <a:t>IV is no exception!</a:t>
-            </a:r>
-          </a:p>
-          <a:p>
-            <a:r>
-              <a:rPr lang="en-US" sz="2400" dirty="0">
-                <a:cs typeface="Times New Roman" panose="02020603050405020304" pitchFamily="18" charset="0"/>
-              </a:rPr>
-              <a:t>Some things to be aware of: </a:t>
-            </a:r>
-          </a:p>
-          <a:p>
-            <a:pPr lvl="1"/>
-            <a:r>
-              <a:rPr lang="en-US" sz="2200" dirty="0">
-                <a:cs typeface="Times New Roman" panose="02020603050405020304" pitchFamily="18" charset="0"/>
-              </a:rPr>
-              <a:t>IV is (more) biased if you condition on post-instrument variables</a:t>
-            </a:r>
-          </a:p>
-          <a:p>
-            <a:pPr lvl="1"/>
-            <a:r>
-              <a:rPr lang="en-US" sz="2200" dirty="0">
-                <a:cs typeface="Times New Roman" panose="02020603050405020304" pitchFamily="18" charset="0"/>
-              </a:rPr>
-              <a:t>IV must match </a:t>
-            </a:r>
-            <a:r>
-              <a:rPr lang="en-US" sz="2200" i="1" dirty="0">
-                <a:cs typeface="Times New Roman" panose="02020603050405020304" pitchFamily="18" charset="0"/>
-              </a:rPr>
-              <a:t>measured treatments</a:t>
-            </a:r>
-            <a:r>
-              <a:rPr lang="en-US" sz="2200" dirty="0">
-                <a:cs typeface="Times New Roman" panose="02020603050405020304" pitchFamily="18" charset="0"/>
-              </a:rPr>
-              <a:t>, not true treatment</a:t>
-            </a:r>
-          </a:p>
-          <a:p>
-            <a:pPr lvl="1"/>
-            <a:r>
-              <a:rPr lang="en-US" sz="2200" dirty="0">
-                <a:cs typeface="Times New Roman" panose="02020603050405020304" pitchFamily="18" charset="0"/>
-              </a:rPr>
-              <a:t>Weak IVs can exacerbate even trivial assumption violations!</a:t>
-            </a:r>
-          </a:p>
-          <a:p>
-            <a:pPr lvl="1"/>
-            <a:r>
-              <a:rPr lang="en-US" sz="2200" dirty="0">
-                <a:cs typeface="Times New Roman" panose="02020603050405020304" pitchFamily="18" charset="0"/>
-              </a:rPr>
-              <a:t>Small sample bias – your assumptions might be statistically violated at</a:t>
-            </a:r>
-          </a:p>
-        </p:txBody>
-      </p:sp>
       <p:pic>
         <p:nvPicPr>
-          <p:cNvPr id="5" name="Picture 4">
+          <p:cNvPr id="6" name="Content Placeholder 5">
             <a:extLst>
               <a:ext uri="{FF2B5EF4-FFF2-40B4-BE49-F238E27FC236}">
-                <a16:creationId xmlns:a16="http://schemas.microsoft.com/office/drawing/2014/main" id="{B7C58938-BF64-F2DA-C22B-865A9B9B7ED5}"/>
+                <a16:creationId xmlns:a16="http://schemas.microsoft.com/office/drawing/2014/main" id="{05F32E5B-7C2C-7A3E-92C7-F0A0DD6135C3}"/>
               </a:ext>
             </a:extLst>
           </p:cNvPr>
           <p:cNvPicPr>
-            <a:picLocks noChangeAspect="1"/>
+            <a:picLocks noGrp="1" noChangeAspect="1"/>
           </p:cNvPicPr>
-          <p:nvPr/>
+          <p:nvPr>
+            <p:ph idx="1"/>
+          </p:nvPr>
         </p:nvPicPr>
         <p:blipFill>
           <a:blip r:embed="rId3"/>
@@ -22463,12 +22394,56 @@
         </p:blipFill>
         <p:spPr>
           <a:xfrm>
-            <a:off x="900896" y="2133600"/>
-            <a:ext cx="8700304" cy="4373794"/>
+            <a:off x="6705600" y="1089660"/>
+            <a:ext cx="2821708" cy="990600"/>
+          </a:xfrm>
+        </p:spPr>
+      </p:pic>
+      <p:pic>
+        <p:nvPicPr>
+          <p:cNvPr id="1026" name="Picture 2" descr="Image">
+            <a:extLst>
+              <a:ext uri="{FF2B5EF4-FFF2-40B4-BE49-F238E27FC236}">
+                <a16:creationId xmlns:a16="http://schemas.microsoft.com/office/drawing/2014/main" id="{0AEBA420-6D2A-92F1-757E-5B9F1B6332F5}"/>
+              </a:ext>
+            </a:extLst>
+          </p:cNvPr>
+          <p:cNvPicPr>
+            <a:picLocks noChangeAspect="1" noChangeArrowheads="1"/>
+          </p:cNvPicPr>
+          <p:nvPr/>
+        </p:nvPicPr>
+        <p:blipFill>
+          <a:blip r:embed="rId4">
+            <a:extLst>
+              <a:ext uri="{28A0092B-C50C-407E-A947-70E740481C1C}">
+                <a14:useLocalDpi xmlns:a14="http://schemas.microsoft.com/office/drawing/2010/main" val="0"/>
+              </a:ext>
+            </a:extLst>
+          </a:blip>
+          <a:srcRect/>
+          <a:stretch>
+            <a:fillRect/>
+          </a:stretch>
+        </p:blipFill>
+        <p:spPr bwMode="auto">
+          <a:xfrm>
+            <a:off x="934278" y="1066801"/>
+            <a:ext cx="5618922" cy="5618922"/>
           </a:xfrm>
           <a:prstGeom prst="rect">
             <a:avLst/>
           </a:prstGeom>
+          <a:noFill/>
+          <a:extLst>
+            <a:ext uri="{909E8E84-426E-40DD-AFC4-6F175D3DCCD1}">
+              <a14:hiddenFill xmlns:a14="http://schemas.microsoft.com/office/drawing/2010/main">
+                <a:solidFill>
+                  <a:srgbClr val="FFFFFF"/>
+                </a:solidFill>
+              </a14:hiddenFill>
+            </a:ext>
+          </a:extLst>
         </p:spPr>
       </p:pic>
     </p:spTree>

--- a/Lecture06_IV/Lecture6_IVEstimation_2022F.pptx
+++ b/Lecture06_IV/Lecture6_IVEstimation_2022F.pptx
@@ -285,7 +285,7 @@
           <a:p>
             <a:fld id="{EF911157-0FC2-4F06-8D61-FD647FE4E19D}" type="datetimeFigureOut">
               <a:rPr lang="en-US" smtClean="0"/>
-              <a:t>10/20/2022</a:t>
+              <a:t>10/21/2022</a:t>
             </a:fld>
             <a:endParaRPr lang="en-US"/>
           </a:p>
@@ -607,13 +607,16 @@
             </a:pPr>
             <a:r>
               <a:rPr lang="en-US" dirty="0"/>
-              <a:t>Note that this won’t be a coding heavy day, but an </a:t>
+              <a:t>FOR NEXT TIME: MOVE LATE STUFF MUCH EARLIER, </a:t>
             </a:r>
             <a:r>
               <a:rPr lang="en-US"/>
-              <a:t>intuition heavy day</a:t>
-            </a:r>
-            <a:endParaRPr lang="en-US" dirty="0"/>
+              <a:t>SCRAP GMM. Note </a:t>
+            </a:r>
+            <a:r>
+              <a:rPr lang="en-US" dirty="0"/>
+              <a:t>that this won’t be a coding heavy day, but an intuition heavy day. </a:t>
+            </a:r>
           </a:p>
         </p:txBody>
       </p:sp>
@@ -6574,7 +6577,7 @@
             <a:fld id="{0972D05C-DCFB-4BB6-B49C-AC126BF3ED2C}" type="datetimeFigureOut">
               <a:rPr lang="en-US" smtClean="0"/>
               <a:pPr/>
-              <a:t>10/20/2022</a:t>
+              <a:t>10/21/2022</a:t>
             </a:fld>
             <a:endParaRPr lang="en-US"/>
           </a:p>
@@ -6804,7 +6807,7 @@
             <a:fld id="{0972D05C-DCFB-4BB6-B49C-AC126BF3ED2C}" type="datetimeFigureOut">
               <a:rPr lang="en-US" smtClean="0"/>
               <a:pPr/>
-              <a:t>10/20/2022</a:t>
+              <a:t>10/21/2022</a:t>
             </a:fld>
             <a:endParaRPr lang="en-US"/>
           </a:p>
@@ -6986,7 +6989,7 @@
             <a:fld id="{0972D05C-DCFB-4BB6-B49C-AC126BF3ED2C}" type="datetimeFigureOut">
               <a:rPr lang="en-US" smtClean="0"/>
               <a:pPr/>
-              <a:t>10/20/2022</a:t>
+              <a:t>10/21/2022</a:t>
             </a:fld>
             <a:endParaRPr lang="en-US"/>
           </a:p>
@@ -7158,7 +7161,7 @@
             <a:fld id="{0972D05C-DCFB-4BB6-B49C-AC126BF3ED2C}" type="datetimeFigureOut">
               <a:rPr lang="en-US" smtClean="0"/>
               <a:pPr/>
-              <a:t>10/20/2022</a:t>
+              <a:t>10/21/2022</a:t>
             </a:fld>
             <a:endParaRPr lang="en-US"/>
           </a:p>
@@ -7414,7 +7417,7 @@
             <a:fld id="{0972D05C-DCFB-4BB6-B49C-AC126BF3ED2C}" type="datetimeFigureOut">
               <a:rPr lang="en-US" smtClean="0"/>
               <a:pPr/>
-              <a:t>10/20/2022</a:t>
+              <a:t>10/21/2022</a:t>
             </a:fld>
             <a:endParaRPr lang="en-US"/>
           </a:p>
@@ -7742,7 +7745,7 @@
             <a:fld id="{0972D05C-DCFB-4BB6-B49C-AC126BF3ED2C}" type="datetimeFigureOut">
               <a:rPr lang="en-US" smtClean="0"/>
               <a:pPr/>
-              <a:t>10/20/2022</a:t>
+              <a:t>10/21/2022</a:t>
             </a:fld>
             <a:endParaRPr lang="en-US"/>
           </a:p>
@@ -8195,7 +8198,7 @@
             <a:fld id="{0972D05C-DCFB-4BB6-B49C-AC126BF3ED2C}" type="datetimeFigureOut">
               <a:rPr lang="en-US" smtClean="0"/>
               <a:pPr/>
-              <a:t>10/20/2022</a:t>
+              <a:t>10/21/2022</a:t>
             </a:fld>
             <a:endParaRPr lang="en-US"/>
           </a:p>
@@ -8315,7 +8318,7 @@
             <a:fld id="{0972D05C-DCFB-4BB6-B49C-AC126BF3ED2C}" type="datetimeFigureOut">
               <a:rPr lang="en-US" smtClean="0"/>
               <a:pPr/>
-              <a:t>10/20/2022</a:t>
+              <a:t>10/21/2022</a:t>
             </a:fld>
             <a:endParaRPr lang="en-US"/>
           </a:p>
@@ -8412,7 +8415,7 @@
             <a:fld id="{0972D05C-DCFB-4BB6-B49C-AC126BF3ED2C}" type="datetimeFigureOut">
               <a:rPr lang="en-US" smtClean="0"/>
               <a:pPr/>
-              <a:t>10/20/2022</a:t>
+              <a:t>10/21/2022</a:t>
             </a:fld>
             <a:endParaRPr lang="en-US"/>
           </a:p>
@@ -8701,7 +8704,7 @@
             <a:fld id="{0972D05C-DCFB-4BB6-B49C-AC126BF3ED2C}" type="datetimeFigureOut">
               <a:rPr lang="en-US" smtClean="0"/>
               <a:pPr/>
-              <a:t>10/20/2022</a:t>
+              <a:t>10/21/2022</a:t>
             </a:fld>
             <a:endParaRPr lang="en-US"/>
           </a:p>
@@ -9025,7 +9028,7 @@
             <a:fld id="{0972D05C-DCFB-4BB6-B49C-AC126BF3ED2C}" type="datetimeFigureOut">
               <a:rPr lang="en-US" smtClean="0"/>
               <a:pPr/>
-              <a:t>10/20/2022</a:t>
+              <a:t>10/21/2022</a:t>
             </a:fld>
             <a:endParaRPr lang="en-US"/>
           </a:p>
@@ -9280,7 +9283,7 @@
             <a:fld id="{0972D05C-DCFB-4BB6-B49C-AC126BF3ED2C}" type="datetimeFigureOut">
               <a:rPr lang="en-US" smtClean="0"/>
               <a:pPr/>
-              <a:t>10/20/2022</a:t>
+              <a:t>10/21/2022</a:t>
             </a:fld>
             <a:endParaRPr lang="en-US" dirty="0"/>
           </a:p>
